--- a/Cybersecurity_presentation.pptx
+++ b/Cybersecurity_presentation.pptx
@@ -1,27 +1,122 @@
 
 <file path=ppt/presentation.xml><?xml version="1.0" encoding="utf-8"?>
-<p:presentation xmlns:a="http://schemas.openxmlformats.org/drawingml/2006/main" xmlns:p="http://schemas.openxmlformats.org/presentationml/2006/main" xmlns:r="http://schemas.openxmlformats.org/officeDocument/2006/relationships" xmlns:p14="http://schemas.microsoft.com/office/powerpoint/2010/main" xmlns:p15="http://schemas.microsoft.com/office/powerpoint/2012/main" xmlns:mc="http://schemas.openxmlformats.org/markup-compatibility/2006">
+<p:presentation xmlns:a="http://schemas.openxmlformats.org/drawingml/2006/main" xmlns:r="http://schemas.openxmlformats.org/officeDocument/2006/relationships" xmlns:p="http://schemas.openxmlformats.org/presentationml/2006/main">
   <p:sldMasterIdLst>
-    <p:sldMasterId id="2147483648" r:id="rId2"/>
-    <p:sldMasterId id="2147483661" r:id="rId3"/>
+    <p:sldMasterId id="2147483648" r:id="rId1"/>
+    <p:sldMasterId id="2147483661" r:id="rId2"/>
   </p:sldMasterIdLst>
   <p:sldIdLst>
-    <p:sldId id="256" r:id="rId4"/>
-    <p:sldId id="257" r:id="rId5"/>
-    <p:sldId id="258" r:id="rId6"/>
-    <p:sldId id="259" r:id="rId7"/>
-    <p:sldId id="260" r:id="rId8"/>
-    <p:sldId id="261" r:id="rId9"/>
-    <p:sldId id="262" r:id="rId10"/>
-    <p:sldId id="263" r:id="rId11"/>
+    <p:sldId id="256" r:id="rId3"/>
+    <p:sldId id="257" r:id="rId4"/>
+    <p:sldId id="258" r:id="rId5"/>
+    <p:sldId id="259" r:id="rId6"/>
+    <p:sldId id="260" r:id="rId7"/>
+    <p:sldId id="261" r:id="rId8"/>
+    <p:sldId id="262" r:id="rId9"/>
+    <p:sldId id="263" r:id="rId10"/>
   </p:sldIdLst>
   <p:sldSz cx="10080625" cy="5670550"/>
-  <p:notesSz cx="7772400" cy="10058400"/>
+  <p:notesSz cx="7315200" cy="9601200"/>
+  <p:defaultTextStyle>
+    <a:defPPr>
+      <a:defRPr lang="en-US"/>
+    </a:defPPr>
+    <a:lvl1pPr marL="0" algn="l" defTabSz="914400" rtl="0" eaLnBrk="1" latinLnBrk="0" hangingPunct="1">
+      <a:defRPr sz="1800" kern="1200">
+        <a:solidFill>
+          <a:schemeClr val="tx1"/>
+        </a:solidFill>
+        <a:latin typeface="+mn-lt"/>
+        <a:ea typeface="+mn-ea"/>
+        <a:cs typeface="+mn-cs"/>
+      </a:defRPr>
+    </a:lvl1pPr>
+    <a:lvl2pPr marL="457200" algn="l" defTabSz="914400" rtl="0" eaLnBrk="1" latinLnBrk="0" hangingPunct="1">
+      <a:defRPr sz="1800" kern="1200">
+        <a:solidFill>
+          <a:schemeClr val="tx1"/>
+        </a:solidFill>
+        <a:latin typeface="+mn-lt"/>
+        <a:ea typeface="+mn-ea"/>
+        <a:cs typeface="+mn-cs"/>
+      </a:defRPr>
+    </a:lvl2pPr>
+    <a:lvl3pPr marL="914400" algn="l" defTabSz="914400" rtl="0" eaLnBrk="1" latinLnBrk="0" hangingPunct="1">
+      <a:defRPr sz="1800" kern="1200">
+        <a:solidFill>
+          <a:schemeClr val="tx1"/>
+        </a:solidFill>
+        <a:latin typeface="+mn-lt"/>
+        <a:ea typeface="+mn-ea"/>
+        <a:cs typeface="+mn-cs"/>
+      </a:defRPr>
+    </a:lvl3pPr>
+    <a:lvl4pPr marL="1371600" algn="l" defTabSz="914400" rtl="0" eaLnBrk="1" latinLnBrk="0" hangingPunct="1">
+      <a:defRPr sz="1800" kern="1200">
+        <a:solidFill>
+          <a:schemeClr val="tx1"/>
+        </a:solidFill>
+        <a:latin typeface="+mn-lt"/>
+        <a:ea typeface="+mn-ea"/>
+        <a:cs typeface="+mn-cs"/>
+      </a:defRPr>
+    </a:lvl4pPr>
+    <a:lvl5pPr marL="1828800" algn="l" defTabSz="914400" rtl="0" eaLnBrk="1" latinLnBrk="0" hangingPunct="1">
+      <a:defRPr sz="1800" kern="1200">
+        <a:solidFill>
+          <a:schemeClr val="tx1"/>
+        </a:solidFill>
+        <a:latin typeface="+mn-lt"/>
+        <a:ea typeface="+mn-ea"/>
+        <a:cs typeface="+mn-cs"/>
+      </a:defRPr>
+    </a:lvl5pPr>
+    <a:lvl6pPr marL="2286000" algn="l" defTabSz="914400" rtl="0" eaLnBrk="1" latinLnBrk="0" hangingPunct="1">
+      <a:defRPr sz="1800" kern="1200">
+        <a:solidFill>
+          <a:schemeClr val="tx1"/>
+        </a:solidFill>
+        <a:latin typeface="+mn-lt"/>
+        <a:ea typeface="+mn-ea"/>
+        <a:cs typeface="+mn-cs"/>
+      </a:defRPr>
+    </a:lvl6pPr>
+    <a:lvl7pPr marL="2743200" algn="l" defTabSz="914400" rtl="0" eaLnBrk="1" latinLnBrk="0" hangingPunct="1">
+      <a:defRPr sz="1800" kern="1200">
+        <a:solidFill>
+          <a:schemeClr val="tx1"/>
+        </a:solidFill>
+        <a:latin typeface="+mn-lt"/>
+        <a:ea typeface="+mn-ea"/>
+        <a:cs typeface="+mn-cs"/>
+      </a:defRPr>
+    </a:lvl7pPr>
+    <a:lvl8pPr marL="3200400" algn="l" defTabSz="914400" rtl="0" eaLnBrk="1" latinLnBrk="0" hangingPunct="1">
+      <a:defRPr sz="1800" kern="1200">
+        <a:solidFill>
+          <a:schemeClr val="tx1"/>
+        </a:solidFill>
+        <a:latin typeface="+mn-lt"/>
+        <a:ea typeface="+mn-ea"/>
+        <a:cs typeface="+mn-cs"/>
+      </a:defRPr>
+    </a:lvl8pPr>
+    <a:lvl9pPr marL="3657600" algn="l" defTabSz="914400" rtl="0" eaLnBrk="1" latinLnBrk="0" hangingPunct="1">
+      <a:defRPr sz="1800" kern="1200">
+        <a:solidFill>
+          <a:schemeClr val="tx1"/>
+        </a:solidFill>
+        <a:latin typeface="+mn-lt"/>
+        <a:ea typeface="+mn-ea"/>
+        <a:cs typeface="+mn-cs"/>
+      </a:defRPr>
+    </a:lvl9pPr>
+  </p:defaultTextStyle>
 </p:presentation>
 </file>
 
 <file path=ppt/slideLayouts/slideLayout1.xml><?xml version="1.0" encoding="utf-8"?>
-<p:sldLayout xmlns:a="http://schemas.openxmlformats.org/drawingml/2006/main" xmlns:p="http://schemas.openxmlformats.org/presentationml/2006/main" xmlns:r="http://schemas.openxmlformats.org/officeDocument/2006/relationships" xmlns:p14="http://schemas.microsoft.com/office/powerpoint/2010/main" xmlns:p15="http://schemas.microsoft.com/office/powerpoint/2012/main" xmlns:mc="http://schemas.openxmlformats.org/markup-compatibility/2006" type="blank" preserve="1">
+<p:sldLayout xmlns:a="http://schemas.openxmlformats.org/drawingml/2006/main" xmlns:r="http://schemas.openxmlformats.org/officeDocument/2006/relationships" xmlns:p="http://schemas.openxmlformats.org/presentationml/2006/main" type="blank" preserve="1">
   <p:cSld name="Blank Slide">
     <p:spTree>
       <p:nvGrpSpPr>
@@ -39,11 +134,14 @@
       </p:grpSpPr>
     </p:spTree>
   </p:cSld>
+  <p:clrMapOvr>
+    <a:masterClrMapping/>
+  </p:clrMapOvr>
 </p:sldLayout>
 </file>
 
 <file path=ppt/slideLayouts/slideLayout10.xml><?xml version="1.0" encoding="utf-8"?>
-<p:sldLayout xmlns:a="http://schemas.openxmlformats.org/drawingml/2006/main" xmlns:p="http://schemas.openxmlformats.org/presentationml/2006/main" xmlns:r="http://schemas.openxmlformats.org/officeDocument/2006/relationships" xmlns:p14="http://schemas.microsoft.com/office/powerpoint/2010/main" xmlns:p15="http://schemas.microsoft.com/office/powerpoint/2012/main" xmlns:mc="http://schemas.openxmlformats.org/markup-compatibility/2006" type="objOverTx" preserve="1">
+<p:sldLayout xmlns:a="http://schemas.openxmlformats.org/drawingml/2006/main" xmlns:r="http://schemas.openxmlformats.org/officeDocument/2006/relationships" xmlns:p="http://schemas.openxmlformats.org/presentationml/2006/main" type="objOverTx" preserve="1">
   <p:cSld name="Title, Content over Content">
     <p:spTree>
       <p:nvGrpSpPr>
@@ -79,16 +177,17 @@
           </a:prstGeom>
         </p:spPr>
         <p:txBody>
-          <a:bodyPr lIns="0" rIns="0" tIns="0" bIns="0" anchor="ctr"/>
+          <a:bodyPr lIns="0" tIns="0" rIns="0" bIns="0" anchor="ctr"/>
+          <a:lstStyle/>
           <a:p>
             <a:pPr algn="ctr"/>
-            <a:endParaRPr b="0" lang="en-US" sz="4400" spc="-1" strike="noStrike">
-              <a:solidFill>
-                <a:srgbClr val="000000"/>
-              </a:solidFill>
-              <a:uFill>
-                <a:solidFill>
-                  <a:srgbClr val="ffffff"/>
+            <a:endParaRPr lang="en-US" sz="4400" b="0" strike="noStrike" spc="-1">
+              <a:solidFill>
+                <a:srgbClr val="000000"/>
+              </a:solidFill>
+              <a:uFill>
+                <a:solidFill>
+                  <a:srgbClr val="FFFFFF"/>
                 </a:solidFill>
               </a:uFill>
               <a:latin typeface="Arial"/>
@@ -116,15 +215,16 @@
           </a:prstGeom>
         </p:spPr>
         <p:txBody>
-          <a:bodyPr lIns="0" rIns="0" tIns="0" bIns="0"/>
-          <a:p>
-            <a:endParaRPr b="0" lang="en-US" sz="3200" spc="-1" strike="noStrike">
-              <a:solidFill>
-                <a:srgbClr val="000000"/>
-              </a:solidFill>
-              <a:uFill>
-                <a:solidFill>
-                  <a:srgbClr val="ffffff"/>
+          <a:bodyPr lIns="0" tIns="0" rIns="0" bIns="0"/>
+          <a:lstStyle/>
+          <a:p>
+            <a:endParaRPr lang="en-US" sz="3200" b="0" strike="noStrike" spc="-1">
+              <a:solidFill>
+                <a:srgbClr val="000000"/>
+              </a:solidFill>
+              <a:uFill>
+                <a:solidFill>
+                  <a:srgbClr val="FFFFFF"/>
                 </a:solidFill>
               </a:uFill>
               <a:latin typeface="Arial"/>
@@ -152,15 +252,16 @@
           </a:prstGeom>
         </p:spPr>
         <p:txBody>
-          <a:bodyPr lIns="0" rIns="0" tIns="0" bIns="0"/>
-          <a:p>
-            <a:endParaRPr b="0" lang="en-US" sz="3200" spc="-1" strike="noStrike">
-              <a:solidFill>
-                <a:srgbClr val="000000"/>
-              </a:solidFill>
-              <a:uFill>
-                <a:solidFill>
-                  <a:srgbClr val="ffffff"/>
+          <a:bodyPr lIns="0" tIns="0" rIns="0" bIns="0"/>
+          <a:lstStyle/>
+          <a:p>
+            <a:endParaRPr lang="en-US" sz="3200" b="0" strike="noStrike" spc="-1">
+              <a:solidFill>
+                <a:srgbClr val="000000"/>
+              </a:solidFill>
+              <a:uFill>
+                <a:solidFill>
+                  <a:srgbClr val="FFFFFF"/>
                 </a:solidFill>
               </a:uFill>
               <a:latin typeface="Arial"/>
@@ -170,11 +271,14 @@
       </p:sp>
     </p:spTree>
   </p:cSld>
+  <p:clrMapOvr>
+    <a:masterClrMapping/>
+  </p:clrMapOvr>
 </p:sldLayout>
 </file>
 
 <file path=ppt/slideLayouts/slideLayout11.xml><?xml version="1.0" encoding="utf-8"?>
-<p:sldLayout xmlns:a="http://schemas.openxmlformats.org/drawingml/2006/main" xmlns:p="http://schemas.openxmlformats.org/presentationml/2006/main" xmlns:r="http://schemas.openxmlformats.org/officeDocument/2006/relationships" xmlns:p14="http://schemas.microsoft.com/office/powerpoint/2010/main" xmlns:p15="http://schemas.microsoft.com/office/powerpoint/2012/main" xmlns:mc="http://schemas.openxmlformats.org/markup-compatibility/2006" type="fourObj" preserve="1">
+<p:sldLayout xmlns:a="http://schemas.openxmlformats.org/drawingml/2006/main" xmlns:r="http://schemas.openxmlformats.org/officeDocument/2006/relationships" xmlns:p="http://schemas.openxmlformats.org/presentationml/2006/main" type="fourObj" preserve="1">
   <p:cSld name="Title, 4 Content">
     <p:spTree>
       <p:nvGrpSpPr>
@@ -210,16 +314,17 @@
           </a:prstGeom>
         </p:spPr>
         <p:txBody>
-          <a:bodyPr lIns="0" rIns="0" tIns="0" bIns="0" anchor="ctr"/>
+          <a:bodyPr lIns="0" tIns="0" rIns="0" bIns="0" anchor="ctr"/>
+          <a:lstStyle/>
           <a:p>
             <a:pPr algn="ctr"/>
-            <a:endParaRPr b="0" lang="en-US" sz="4400" spc="-1" strike="noStrike">
-              <a:solidFill>
-                <a:srgbClr val="000000"/>
-              </a:solidFill>
-              <a:uFill>
-                <a:solidFill>
-                  <a:srgbClr val="ffffff"/>
+            <a:endParaRPr lang="en-US" sz="4400" b="0" strike="noStrike" spc="-1">
+              <a:solidFill>
+                <a:srgbClr val="000000"/>
+              </a:solidFill>
+              <a:uFill>
+                <a:solidFill>
+                  <a:srgbClr val="FFFFFF"/>
                 </a:solidFill>
               </a:uFill>
               <a:latin typeface="Arial"/>
@@ -247,15 +352,16 @@
           </a:prstGeom>
         </p:spPr>
         <p:txBody>
-          <a:bodyPr lIns="0" rIns="0" tIns="0" bIns="0"/>
-          <a:p>
-            <a:endParaRPr b="0" lang="en-US" sz="3200" spc="-1" strike="noStrike">
-              <a:solidFill>
-                <a:srgbClr val="000000"/>
-              </a:solidFill>
-              <a:uFill>
-                <a:solidFill>
-                  <a:srgbClr val="ffffff"/>
+          <a:bodyPr lIns="0" tIns="0" rIns="0" bIns="0"/>
+          <a:lstStyle/>
+          <a:p>
+            <a:endParaRPr lang="en-US" sz="3200" b="0" strike="noStrike" spc="-1">
+              <a:solidFill>
+                <a:srgbClr val="000000"/>
+              </a:solidFill>
+              <a:uFill>
+                <a:solidFill>
+                  <a:srgbClr val="FFFFFF"/>
                 </a:solidFill>
               </a:uFill>
               <a:latin typeface="Arial"/>
@@ -283,15 +389,16 @@
           </a:prstGeom>
         </p:spPr>
         <p:txBody>
-          <a:bodyPr lIns="0" rIns="0" tIns="0" bIns="0"/>
-          <a:p>
-            <a:endParaRPr b="0" lang="en-US" sz="3200" spc="-1" strike="noStrike">
-              <a:solidFill>
-                <a:srgbClr val="000000"/>
-              </a:solidFill>
-              <a:uFill>
-                <a:solidFill>
-                  <a:srgbClr val="ffffff"/>
+          <a:bodyPr lIns="0" tIns="0" rIns="0" bIns="0"/>
+          <a:lstStyle/>
+          <a:p>
+            <a:endParaRPr lang="en-US" sz="3200" b="0" strike="noStrike" spc="-1">
+              <a:solidFill>
+                <a:srgbClr val="000000"/>
+              </a:solidFill>
+              <a:uFill>
+                <a:solidFill>
+                  <a:srgbClr val="FFFFFF"/>
                 </a:solidFill>
               </a:uFill>
               <a:latin typeface="Arial"/>
@@ -319,15 +426,16 @@
           </a:prstGeom>
         </p:spPr>
         <p:txBody>
-          <a:bodyPr lIns="0" rIns="0" tIns="0" bIns="0"/>
-          <a:p>
-            <a:endParaRPr b="0" lang="en-US" sz="3200" spc="-1" strike="noStrike">
-              <a:solidFill>
-                <a:srgbClr val="000000"/>
-              </a:solidFill>
-              <a:uFill>
-                <a:solidFill>
-                  <a:srgbClr val="ffffff"/>
+          <a:bodyPr lIns="0" tIns="0" rIns="0" bIns="0"/>
+          <a:lstStyle/>
+          <a:p>
+            <a:endParaRPr lang="en-US" sz="3200" b="0" strike="noStrike" spc="-1">
+              <a:solidFill>
+                <a:srgbClr val="000000"/>
+              </a:solidFill>
+              <a:uFill>
+                <a:solidFill>
+                  <a:srgbClr val="FFFFFF"/>
                 </a:solidFill>
               </a:uFill>
               <a:latin typeface="Arial"/>
@@ -355,15 +463,16 @@
           </a:prstGeom>
         </p:spPr>
         <p:txBody>
-          <a:bodyPr lIns="0" rIns="0" tIns="0" bIns="0"/>
-          <a:p>
-            <a:endParaRPr b="0" lang="en-US" sz="3200" spc="-1" strike="noStrike">
-              <a:solidFill>
-                <a:srgbClr val="000000"/>
-              </a:solidFill>
-              <a:uFill>
-                <a:solidFill>
-                  <a:srgbClr val="ffffff"/>
+          <a:bodyPr lIns="0" tIns="0" rIns="0" bIns="0"/>
+          <a:lstStyle/>
+          <a:p>
+            <a:endParaRPr lang="en-US" sz="3200" b="0" strike="noStrike" spc="-1">
+              <a:solidFill>
+                <a:srgbClr val="000000"/>
+              </a:solidFill>
+              <a:uFill>
+                <a:solidFill>
+                  <a:srgbClr val="FFFFFF"/>
                 </a:solidFill>
               </a:uFill>
               <a:latin typeface="Arial"/>
@@ -373,11 +482,14 @@
       </p:sp>
     </p:spTree>
   </p:cSld>
+  <p:clrMapOvr>
+    <a:masterClrMapping/>
+  </p:clrMapOvr>
 </p:sldLayout>
 </file>
 
 <file path=ppt/slideLayouts/slideLayout12.xml><?xml version="1.0" encoding="utf-8"?>
-<p:sldLayout xmlns:a="http://schemas.openxmlformats.org/drawingml/2006/main" xmlns:p="http://schemas.openxmlformats.org/presentationml/2006/main" xmlns:r="http://schemas.openxmlformats.org/officeDocument/2006/relationships" xmlns:p14="http://schemas.microsoft.com/office/powerpoint/2010/main" xmlns:p15="http://schemas.microsoft.com/office/powerpoint/2012/main" xmlns:mc="http://schemas.openxmlformats.org/markup-compatibility/2006" type="blank" preserve="1">
+<p:sldLayout xmlns:a="http://schemas.openxmlformats.org/drawingml/2006/main" xmlns:r="http://schemas.openxmlformats.org/officeDocument/2006/relationships" xmlns:p="http://schemas.openxmlformats.org/presentationml/2006/main" type="blank" preserve="1">
   <p:cSld name="Title, 6 Content">
     <p:spTree>
       <p:nvGrpSpPr>
@@ -413,16 +525,17 @@
           </a:prstGeom>
         </p:spPr>
         <p:txBody>
-          <a:bodyPr lIns="0" rIns="0" tIns="0" bIns="0" anchor="ctr"/>
+          <a:bodyPr lIns="0" tIns="0" rIns="0" bIns="0" anchor="ctr"/>
+          <a:lstStyle/>
           <a:p>
             <a:pPr algn="ctr"/>
-            <a:endParaRPr b="0" lang="en-US" sz="4400" spc="-1" strike="noStrike">
-              <a:solidFill>
-                <a:srgbClr val="000000"/>
-              </a:solidFill>
-              <a:uFill>
-                <a:solidFill>
-                  <a:srgbClr val="ffffff"/>
+            <a:endParaRPr lang="en-US" sz="4400" b="0" strike="noStrike" spc="-1">
+              <a:solidFill>
+                <a:srgbClr val="000000"/>
+              </a:solidFill>
+              <a:uFill>
+                <a:solidFill>
+                  <a:srgbClr val="FFFFFF"/>
                 </a:solidFill>
               </a:uFill>
               <a:latin typeface="Arial"/>
@@ -450,15 +563,16 @@
           </a:prstGeom>
         </p:spPr>
         <p:txBody>
-          <a:bodyPr lIns="0" rIns="0" tIns="0" bIns="0"/>
-          <a:p>
-            <a:endParaRPr b="0" lang="en-US" sz="3200" spc="-1" strike="noStrike">
-              <a:solidFill>
-                <a:srgbClr val="000000"/>
-              </a:solidFill>
-              <a:uFill>
-                <a:solidFill>
-                  <a:srgbClr val="ffffff"/>
+          <a:bodyPr lIns="0" tIns="0" rIns="0" bIns="0"/>
+          <a:lstStyle/>
+          <a:p>
+            <a:endParaRPr lang="en-US" sz="3200" b="0" strike="noStrike" spc="-1">
+              <a:solidFill>
+                <a:srgbClr val="000000"/>
+              </a:solidFill>
+              <a:uFill>
+                <a:solidFill>
+                  <a:srgbClr val="FFFFFF"/>
                 </a:solidFill>
               </a:uFill>
               <a:latin typeface="Arial"/>
@@ -486,15 +600,16 @@
           </a:prstGeom>
         </p:spPr>
         <p:txBody>
-          <a:bodyPr lIns="0" rIns="0" tIns="0" bIns="0"/>
-          <a:p>
-            <a:endParaRPr b="0" lang="en-US" sz="3200" spc="-1" strike="noStrike">
-              <a:solidFill>
-                <a:srgbClr val="000000"/>
-              </a:solidFill>
-              <a:uFill>
-                <a:solidFill>
-                  <a:srgbClr val="ffffff"/>
+          <a:bodyPr lIns="0" tIns="0" rIns="0" bIns="0"/>
+          <a:lstStyle/>
+          <a:p>
+            <a:endParaRPr lang="en-US" sz="3200" b="0" strike="noStrike" spc="-1">
+              <a:solidFill>
+                <a:srgbClr val="000000"/>
+              </a:solidFill>
+              <a:uFill>
+                <a:solidFill>
+                  <a:srgbClr val="FFFFFF"/>
                 </a:solidFill>
               </a:uFill>
               <a:latin typeface="Arial"/>
@@ -522,15 +637,16 @@
           </a:prstGeom>
         </p:spPr>
         <p:txBody>
-          <a:bodyPr lIns="0" rIns="0" tIns="0" bIns="0"/>
-          <a:p>
-            <a:endParaRPr b="0" lang="en-US" sz="3200" spc="-1" strike="noStrike">
-              <a:solidFill>
-                <a:srgbClr val="000000"/>
-              </a:solidFill>
-              <a:uFill>
-                <a:solidFill>
-                  <a:srgbClr val="ffffff"/>
+          <a:bodyPr lIns="0" tIns="0" rIns="0" bIns="0"/>
+          <a:lstStyle/>
+          <a:p>
+            <a:endParaRPr lang="en-US" sz="3200" b="0" strike="noStrike" spc="-1">
+              <a:solidFill>
+                <a:srgbClr val="000000"/>
+              </a:solidFill>
+              <a:uFill>
+                <a:solidFill>
+                  <a:srgbClr val="FFFFFF"/>
                 </a:solidFill>
               </a:uFill>
               <a:latin typeface="Arial"/>
@@ -558,15 +674,16 @@
           </a:prstGeom>
         </p:spPr>
         <p:txBody>
-          <a:bodyPr lIns="0" rIns="0" tIns="0" bIns="0"/>
-          <a:p>
-            <a:endParaRPr b="0" lang="en-US" sz="3200" spc="-1" strike="noStrike">
-              <a:solidFill>
-                <a:srgbClr val="000000"/>
-              </a:solidFill>
-              <a:uFill>
-                <a:solidFill>
-                  <a:srgbClr val="ffffff"/>
+          <a:bodyPr lIns="0" tIns="0" rIns="0" bIns="0"/>
+          <a:lstStyle/>
+          <a:p>
+            <a:endParaRPr lang="en-US" sz="3200" b="0" strike="noStrike" spc="-1">
+              <a:solidFill>
+                <a:srgbClr val="000000"/>
+              </a:solidFill>
+              <a:uFill>
+                <a:solidFill>
+                  <a:srgbClr val="FFFFFF"/>
                 </a:solidFill>
               </a:uFill>
               <a:latin typeface="Arial"/>
@@ -594,15 +711,16 @@
           </a:prstGeom>
         </p:spPr>
         <p:txBody>
-          <a:bodyPr lIns="0" rIns="0" tIns="0" bIns="0"/>
-          <a:p>
-            <a:endParaRPr b="0" lang="en-US" sz="3200" spc="-1" strike="noStrike">
-              <a:solidFill>
-                <a:srgbClr val="000000"/>
-              </a:solidFill>
-              <a:uFill>
-                <a:solidFill>
-                  <a:srgbClr val="ffffff"/>
+          <a:bodyPr lIns="0" tIns="0" rIns="0" bIns="0"/>
+          <a:lstStyle/>
+          <a:p>
+            <a:endParaRPr lang="en-US" sz="3200" b="0" strike="noStrike" spc="-1">
+              <a:solidFill>
+                <a:srgbClr val="000000"/>
+              </a:solidFill>
+              <a:uFill>
+                <a:solidFill>
+                  <a:srgbClr val="FFFFFF"/>
                 </a:solidFill>
               </a:uFill>
               <a:latin typeface="Arial"/>
@@ -630,15 +748,16 @@
           </a:prstGeom>
         </p:spPr>
         <p:txBody>
-          <a:bodyPr lIns="0" rIns="0" tIns="0" bIns="0"/>
-          <a:p>
-            <a:endParaRPr b="0" lang="en-US" sz="3200" spc="-1" strike="noStrike">
-              <a:solidFill>
-                <a:srgbClr val="000000"/>
-              </a:solidFill>
-              <a:uFill>
-                <a:solidFill>
-                  <a:srgbClr val="ffffff"/>
+          <a:bodyPr lIns="0" tIns="0" rIns="0" bIns="0"/>
+          <a:lstStyle/>
+          <a:p>
+            <a:endParaRPr lang="en-US" sz="3200" b="0" strike="noStrike" spc="-1">
+              <a:solidFill>
+                <a:srgbClr val="000000"/>
+              </a:solidFill>
+              <a:uFill>
+                <a:solidFill>
+                  <a:srgbClr val="FFFFFF"/>
                 </a:solidFill>
               </a:uFill>
               <a:latin typeface="Arial"/>
@@ -648,11 +767,14 @@
       </p:sp>
     </p:spTree>
   </p:cSld>
+  <p:clrMapOvr>
+    <a:masterClrMapping/>
+  </p:clrMapOvr>
 </p:sldLayout>
 </file>
 
 <file path=ppt/slideLayouts/slideLayout13.xml><?xml version="1.0" encoding="utf-8"?>
-<p:sldLayout xmlns:a="http://schemas.openxmlformats.org/drawingml/2006/main" xmlns:p="http://schemas.openxmlformats.org/presentationml/2006/main" xmlns:r="http://schemas.openxmlformats.org/officeDocument/2006/relationships" xmlns:p14="http://schemas.microsoft.com/office/powerpoint/2010/main" xmlns:p15="http://schemas.microsoft.com/office/powerpoint/2012/main" xmlns:mc="http://schemas.openxmlformats.org/markup-compatibility/2006" type="blank" preserve="1">
+<p:sldLayout xmlns:a="http://schemas.openxmlformats.org/drawingml/2006/main" xmlns:r="http://schemas.openxmlformats.org/officeDocument/2006/relationships" xmlns:p="http://schemas.openxmlformats.org/presentationml/2006/main" type="blank" preserve="1">
   <p:cSld name="Blank Slide">
     <p:spTree>
       <p:nvGrpSpPr>
@@ -670,11 +792,14 @@
       </p:grpSpPr>
     </p:spTree>
   </p:cSld>
+  <p:clrMapOvr>
+    <a:masterClrMapping/>
+  </p:clrMapOvr>
 </p:sldLayout>
 </file>
 
 <file path=ppt/slideLayouts/slideLayout14.xml><?xml version="1.0" encoding="utf-8"?>
-<p:sldLayout xmlns:a="http://schemas.openxmlformats.org/drawingml/2006/main" xmlns:p="http://schemas.openxmlformats.org/presentationml/2006/main" xmlns:r="http://schemas.openxmlformats.org/officeDocument/2006/relationships" xmlns:p14="http://schemas.microsoft.com/office/powerpoint/2010/main" xmlns:p15="http://schemas.microsoft.com/office/powerpoint/2012/main" xmlns:mc="http://schemas.openxmlformats.org/markup-compatibility/2006" type="tx" preserve="1">
+<p:sldLayout xmlns:a="http://schemas.openxmlformats.org/drawingml/2006/main" xmlns:r="http://schemas.openxmlformats.org/officeDocument/2006/relationships" xmlns:p="http://schemas.openxmlformats.org/presentationml/2006/main" type="tx" preserve="1">
   <p:cSld name="Title Slide">
     <p:spTree>
       <p:nvGrpSpPr>
@@ -710,16 +835,17 @@
           </a:prstGeom>
         </p:spPr>
         <p:txBody>
-          <a:bodyPr lIns="0" rIns="0" tIns="0" bIns="0" anchor="ctr"/>
+          <a:bodyPr lIns="0" tIns="0" rIns="0" bIns="0" anchor="ctr"/>
+          <a:lstStyle/>
           <a:p>
             <a:pPr algn="ctr"/>
-            <a:endParaRPr b="0" lang="en-US" sz="4400" spc="-1" strike="noStrike">
-              <a:solidFill>
-                <a:srgbClr val="000000"/>
-              </a:solidFill>
-              <a:uFill>
-                <a:solidFill>
-                  <a:srgbClr val="ffffff"/>
+            <a:endParaRPr lang="en-US" sz="4400" b="0" strike="noStrike" spc="-1">
+              <a:solidFill>
+                <a:srgbClr val="000000"/>
+              </a:solidFill>
+              <a:uFill>
+                <a:solidFill>
+                  <a:srgbClr val="FFFFFF"/>
                 </a:solidFill>
               </a:uFill>
               <a:latin typeface="Arial"/>
@@ -747,16 +873,17 @@
           </a:prstGeom>
         </p:spPr>
         <p:txBody>
-          <a:bodyPr lIns="0" rIns="0" tIns="0" bIns="0" anchor="ctr"/>
+          <a:bodyPr lIns="0" tIns="0" rIns="0" bIns="0" anchor="ctr"/>
+          <a:lstStyle/>
           <a:p>
             <a:pPr algn="ctr"/>
-            <a:endParaRPr b="0" lang="en-US" sz="3200" spc="-1" strike="noStrike">
-              <a:solidFill>
-                <a:srgbClr val="000000"/>
-              </a:solidFill>
-              <a:uFill>
-                <a:solidFill>
-                  <a:srgbClr val="ffffff"/>
+            <a:endParaRPr lang="en-US" sz="3200" b="0" strike="noStrike" spc="-1">
+              <a:solidFill>
+                <a:srgbClr val="000000"/>
+              </a:solidFill>
+              <a:uFill>
+                <a:solidFill>
+                  <a:srgbClr val="FFFFFF"/>
                 </a:solidFill>
               </a:uFill>
               <a:latin typeface="Arial"/>
@@ -766,11 +893,14 @@
       </p:sp>
     </p:spTree>
   </p:cSld>
+  <p:clrMapOvr>
+    <a:masterClrMapping/>
+  </p:clrMapOvr>
 </p:sldLayout>
 </file>
 
 <file path=ppt/slideLayouts/slideLayout15.xml><?xml version="1.0" encoding="utf-8"?>
-<p:sldLayout xmlns:a="http://schemas.openxmlformats.org/drawingml/2006/main" xmlns:p="http://schemas.openxmlformats.org/presentationml/2006/main" xmlns:r="http://schemas.openxmlformats.org/officeDocument/2006/relationships" xmlns:p14="http://schemas.microsoft.com/office/powerpoint/2010/main" xmlns:p15="http://schemas.microsoft.com/office/powerpoint/2012/main" xmlns:mc="http://schemas.openxmlformats.org/markup-compatibility/2006" type="obj" preserve="1">
+<p:sldLayout xmlns:a="http://schemas.openxmlformats.org/drawingml/2006/main" xmlns:r="http://schemas.openxmlformats.org/officeDocument/2006/relationships" xmlns:p="http://schemas.openxmlformats.org/presentationml/2006/main" type="obj" preserve="1">
   <p:cSld name="Title, Content">
     <p:spTree>
       <p:nvGrpSpPr>
@@ -806,16 +936,17 @@
           </a:prstGeom>
         </p:spPr>
         <p:txBody>
-          <a:bodyPr lIns="0" rIns="0" tIns="0" bIns="0" anchor="ctr"/>
+          <a:bodyPr lIns="0" tIns="0" rIns="0" bIns="0" anchor="ctr"/>
+          <a:lstStyle/>
           <a:p>
             <a:pPr algn="ctr"/>
-            <a:endParaRPr b="0" lang="en-US" sz="4400" spc="-1" strike="noStrike">
-              <a:solidFill>
-                <a:srgbClr val="000000"/>
-              </a:solidFill>
-              <a:uFill>
-                <a:solidFill>
-                  <a:srgbClr val="ffffff"/>
+            <a:endParaRPr lang="en-US" sz="4400" b="0" strike="noStrike" spc="-1">
+              <a:solidFill>
+                <a:srgbClr val="000000"/>
+              </a:solidFill>
+              <a:uFill>
+                <a:solidFill>
+                  <a:srgbClr val="FFFFFF"/>
                 </a:solidFill>
               </a:uFill>
               <a:latin typeface="Arial"/>
@@ -843,15 +974,16 @@
           </a:prstGeom>
         </p:spPr>
         <p:txBody>
-          <a:bodyPr lIns="0" rIns="0" tIns="0" bIns="0"/>
-          <a:p>
-            <a:endParaRPr b="0" lang="en-US" sz="3200" spc="-1" strike="noStrike">
-              <a:solidFill>
-                <a:srgbClr val="000000"/>
-              </a:solidFill>
-              <a:uFill>
-                <a:solidFill>
-                  <a:srgbClr val="ffffff"/>
+          <a:bodyPr lIns="0" tIns="0" rIns="0" bIns="0"/>
+          <a:lstStyle/>
+          <a:p>
+            <a:endParaRPr lang="en-US" sz="3200" b="0" strike="noStrike" spc="-1">
+              <a:solidFill>
+                <a:srgbClr val="000000"/>
+              </a:solidFill>
+              <a:uFill>
+                <a:solidFill>
+                  <a:srgbClr val="FFFFFF"/>
                 </a:solidFill>
               </a:uFill>
               <a:latin typeface="Arial"/>
@@ -861,11 +993,14 @@
       </p:sp>
     </p:spTree>
   </p:cSld>
+  <p:clrMapOvr>
+    <a:masterClrMapping/>
+  </p:clrMapOvr>
 </p:sldLayout>
 </file>
 
 <file path=ppt/slideLayouts/slideLayout16.xml><?xml version="1.0" encoding="utf-8"?>
-<p:sldLayout xmlns:a="http://schemas.openxmlformats.org/drawingml/2006/main" xmlns:p="http://schemas.openxmlformats.org/presentationml/2006/main" xmlns:r="http://schemas.openxmlformats.org/officeDocument/2006/relationships" xmlns:p14="http://schemas.microsoft.com/office/powerpoint/2010/main" xmlns:p15="http://schemas.microsoft.com/office/powerpoint/2012/main" xmlns:mc="http://schemas.openxmlformats.org/markup-compatibility/2006" type="twoObj" preserve="1">
+<p:sldLayout xmlns:a="http://schemas.openxmlformats.org/drawingml/2006/main" xmlns:r="http://schemas.openxmlformats.org/officeDocument/2006/relationships" xmlns:p="http://schemas.openxmlformats.org/presentationml/2006/main" type="twoObj" preserve="1">
   <p:cSld name="Title, 2 Content">
     <p:spTree>
       <p:nvGrpSpPr>
@@ -901,16 +1036,17 @@
           </a:prstGeom>
         </p:spPr>
         <p:txBody>
-          <a:bodyPr lIns="0" rIns="0" tIns="0" bIns="0" anchor="ctr"/>
+          <a:bodyPr lIns="0" tIns="0" rIns="0" bIns="0" anchor="ctr"/>
+          <a:lstStyle/>
           <a:p>
             <a:pPr algn="ctr"/>
-            <a:endParaRPr b="0" lang="en-US" sz="4400" spc="-1" strike="noStrike">
-              <a:solidFill>
-                <a:srgbClr val="000000"/>
-              </a:solidFill>
-              <a:uFill>
-                <a:solidFill>
-                  <a:srgbClr val="ffffff"/>
+            <a:endParaRPr lang="en-US" sz="4400" b="0" strike="noStrike" spc="-1">
+              <a:solidFill>
+                <a:srgbClr val="000000"/>
+              </a:solidFill>
+              <a:uFill>
+                <a:solidFill>
+                  <a:srgbClr val="FFFFFF"/>
                 </a:solidFill>
               </a:uFill>
               <a:latin typeface="Arial"/>
@@ -938,15 +1074,16 @@
           </a:prstGeom>
         </p:spPr>
         <p:txBody>
-          <a:bodyPr lIns="0" rIns="0" tIns="0" bIns="0"/>
-          <a:p>
-            <a:endParaRPr b="0" lang="en-US" sz="3200" spc="-1" strike="noStrike">
-              <a:solidFill>
-                <a:srgbClr val="000000"/>
-              </a:solidFill>
-              <a:uFill>
-                <a:solidFill>
-                  <a:srgbClr val="ffffff"/>
+          <a:bodyPr lIns="0" tIns="0" rIns="0" bIns="0"/>
+          <a:lstStyle/>
+          <a:p>
+            <a:endParaRPr lang="en-US" sz="3200" b="0" strike="noStrike" spc="-1">
+              <a:solidFill>
+                <a:srgbClr val="000000"/>
+              </a:solidFill>
+              <a:uFill>
+                <a:solidFill>
+                  <a:srgbClr val="FFFFFF"/>
                 </a:solidFill>
               </a:uFill>
               <a:latin typeface="Arial"/>
@@ -974,15 +1111,16 @@
           </a:prstGeom>
         </p:spPr>
         <p:txBody>
-          <a:bodyPr lIns="0" rIns="0" tIns="0" bIns="0"/>
-          <a:p>
-            <a:endParaRPr b="0" lang="en-US" sz="3200" spc="-1" strike="noStrike">
-              <a:solidFill>
-                <a:srgbClr val="000000"/>
-              </a:solidFill>
-              <a:uFill>
-                <a:solidFill>
-                  <a:srgbClr val="ffffff"/>
+          <a:bodyPr lIns="0" tIns="0" rIns="0" bIns="0"/>
+          <a:lstStyle/>
+          <a:p>
+            <a:endParaRPr lang="en-US" sz="3200" b="0" strike="noStrike" spc="-1">
+              <a:solidFill>
+                <a:srgbClr val="000000"/>
+              </a:solidFill>
+              <a:uFill>
+                <a:solidFill>
+                  <a:srgbClr val="FFFFFF"/>
                 </a:solidFill>
               </a:uFill>
               <a:latin typeface="Arial"/>
@@ -992,11 +1130,14 @@
       </p:sp>
     </p:spTree>
   </p:cSld>
+  <p:clrMapOvr>
+    <a:masterClrMapping/>
+  </p:clrMapOvr>
 </p:sldLayout>
 </file>
 
 <file path=ppt/slideLayouts/slideLayout17.xml><?xml version="1.0" encoding="utf-8"?>
-<p:sldLayout xmlns:a="http://schemas.openxmlformats.org/drawingml/2006/main" xmlns:p="http://schemas.openxmlformats.org/presentationml/2006/main" xmlns:r="http://schemas.openxmlformats.org/officeDocument/2006/relationships" xmlns:p14="http://schemas.microsoft.com/office/powerpoint/2010/main" xmlns:p15="http://schemas.microsoft.com/office/powerpoint/2012/main" xmlns:mc="http://schemas.openxmlformats.org/markup-compatibility/2006" type="titleOnly" preserve="1">
+<p:sldLayout xmlns:a="http://schemas.openxmlformats.org/drawingml/2006/main" xmlns:r="http://schemas.openxmlformats.org/officeDocument/2006/relationships" xmlns:p="http://schemas.openxmlformats.org/presentationml/2006/main" type="titleOnly" preserve="1">
   <p:cSld name="Title Only">
     <p:spTree>
       <p:nvGrpSpPr>
@@ -1032,16 +1173,17 @@
           </a:prstGeom>
         </p:spPr>
         <p:txBody>
-          <a:bodyPr lIns="0" rIns="0" tIns="0" bIns="0" anchor="ctr"/>
+          <a:bodyPr lIns="0" tIns="0" rIns="0" bIns="0" anchor="ctr"/>
+          <a:lstStyle/>
           <a:p>
             <a:pPr algn="ctr"/>
-            <a:endParaRPr b="0" lang="en-US" sz="4400" spc="-1" strike="noStrike">
-              <a:solidFill>
-                <a:srgbClr val="000000"/>
-              </a:solidFill>
-              <a:uFill>
-                <a:solidFill>
-                  <a:srgbClr val="ffffff"/>
+            <a:endParaRPr lang="en-US" sz="4400" b="0" strike="noStrike" spc="-1">
+              <a:solidFill>
+                <a:srgbClr val="000000"/>
+              </a:solidFill>
+              <a:uFill>
+                <a:solidFill>
+                  <a:srgbClr val="FFFFFF"/>
                 </a:solidFill>
               </a:uFill>
               <a:latin typeface="Arial"/>
@@ -1051,11 +1193,14 @@
       </p:sp>
     </p:spTree>
   </p:cSld>
+  <p:clrMapOvr>
+    <a:masterClrMapping/>
+  </p:clrMapOvr>
 </p:sldLayout>
 </file>
 
 <file path=ppt/slideLayouts/slideLayout18.xml><?xml version="1.0" encoding="utf-8"?>
-<p:sldLayout xmlns:a="http://schemas.openxmlformats.org/drawingml/2006/main" xmlns:p="http://schemas.openxmlformats.org/presentationml/2006/main" xmlns:r="http://schemas.openxmlformats.org/officeDocument/2006/relationships" xmlns:p14="http://schemas.microsoft.com/office/powerpoint/2010/main" xmlns:p15="http://schemas.microsoft.com/office/powerpoint/2012/main" xmlns:mc="http://schemas.openxmlformats.org/markup-compatibility/2006" type="objOnly" preserve="1">
+<p:sldLayout xmlns:a="http://schemas.openxmlformats.org/drawingml/2006/main" xmlns:r="http://schemas.openxmlformats.org/officeDocument/2006/relationships" xmlns:p="http://schemas.openxmlformats.org/presentationml/2006/main" type="objOnly" preserve="1">
   <p:cSld name="Centered Text">
     <p:spTree>
       <p:nvGrpSpPr>
@@ -1091,16 +1236,17 @@
           </a:prstGeom>
         </p:spPr>
         <p:txBody>
-          <a:bodyPr lIns="0" rIns="0" tIns="0" bIns="0" anchor="ctr"/>
+          <a:bodyPr lIns="0" tIns="0" rIns="0" bIns="0" anchor="ctr"/>
+          <a:lstStyle/>
           <a:p>
             <a:pPr algn="ctr"/>
-            <a:endParaRPr b="0" lang="en-US" sz="3200" spc="-1" strike="noStrike">
-              <a:solidFill>
-                <a:srgbClr val="000000"/>
-              </a:solidFill>
-              <a:uFill>
-                <a:solidFill>
-                  <a:srgbClr val="ffffff"/>
+            <a:endParaRPr lang="en-US" sz="3200" b="0" strike="noStrike" spc="-1">
+              <a:solidFill>
+                <a:srgbClr val="000000"/>
+              </a:solidFill>
+              <a:uFill>
+                <a:solidFill>
+                  <a:srgbClr val="FFFFFF"/>
                 </a:solidFill>
               </a:uFill>
               <a:latin typeface="Arial"/>
@@ -1110,11 +1256,14 @@
       </p:sp>
     </p:spTree>
   </p:cSld>
+  <p:clrMapOvr>
+    <a:masterClrMapping/>
+  </p:clrMapOvr>
 </p:sldLayout>
 </file>
 
 <file path=ppt/slideLayouts/slideLayout19.xml><?xml version="1.0" encoding="utf-8"?>
-<p:sldLayout xmlns:a="http://schemas.openxmlformats.org/drawingml/2006/main" xmlns:p="http://schemas.openxmlformats.org/presentationml/2006/main" xmlns:r="http://schemas.openxmlformats.org/officeDocument/2006/relationships" xmlns:p14="http://schemas.microsoft.com/office/powerpoint/2010/main" xmlns:p15="http://schemas.microsoft.com/office/powerpoint/2012/main" xmlns:mc="http://schemas.openxmlformats.org/markup-compatibility/2006" type="twoObjAndObj" preserve="1">
+<p:sldLayout xmlns:a="http://schemas.openxmlformats.org/drawingml/2006/main" xmlns:r="http://schemas.openxmlformats.org/officeDocument/2006/relationships" xmlns:p="http://schemas.openxmlformats.org/presentationml/2006/main" type="twoObjAndObj" preserve="1">
   <p:cSld name="Title, 2 Content and Content">
     <p:spTree>
       <p:nvGrpSpPr>
@@ -1150,16 +1299,17 @@
           </a:prstGeom>
         </p:spPr>
         <p:txBody>
-          <a:bodyPr lIns="0" rIns="0" tIns="0" bIns="0" anchor="ctr"/>
+          <a:bodyPr lIns="0" tIns="0" rIns="0" bIns="0" anchor="ctr"/>
+          <a:lstStyle/>
           <a:p>
             <a:pPr algn="ctr"/>
-            <a:endParaRPr b="0" lang="en-US" sz="4400" spc="-1" strike="noStrike">
-              <a:solidFill>
-                <a:srgbClr val="000000"/>
-              </a:solidFill>
-              <a:uFill>
-                <a:solidFill>
-                  <a:srgbClr val="ffffff"/>
+            <a:endParaRPr lang="en-US" sz="4400" b="0" strike="noStrike" spc="-1">
+              <a:solidFill>
+                <a:srgbClr val="000000"/>
+              </a:solidFill>
+              <a:uFill>
+                <a:solidFill>
+                  <a:srgbClr val="FFFFFF"/>
                 </a:solidFill>
               </a:uFill>
               <a:latin typeface="Arial"/>
@@ -1187,15 +1337,16 @@
           </a:prstGeom>
         </p:spPr>
         <p:txBody>
-          <a:bodyPr lIns="0" rIns="0" tIns="0" bIns="0"/>
-          <a:p>
-            <a:endParaRPr b="0" lang="en-US" sz="3200" spc="-1" strike="noStrike">
-              <a:solidFill>
-                <a:srgbClr val="000000"/>
-              </a:solidFill>
-              <a:uFill>
-                <a:solidFill>
-                  <a:srgbClr val="ffffff"/>
+          <a:bodyPr lIns="0" tIns="0" rIns="0" bIns="0"/>
+          <a:lstStyle/>
+          <a:p>
+            <a:endParaRPr lang="en-US" sz="3200" b="0" strike="noStrike" spc="-1">
+              <a:solidFill>
+                <a:srgbClr val="000000"/>
+              </a:solidFill>
+              <a:uFill>
+                <a:solidFill>
+                  <a:srgbClr val="FFFFFF"/>
                 </a:solidFill>
               </a:uFill>
               <a:latin typeface="Arial"/>
@@ -1223,15 +1374,16 @@
           </a:prstGeom>
         </p:spPr>
         <p:txBody>
-          <a:bodyPr lIns="0" rIns="0" tIns="0" bIns="0"/>
-          <a:p>
-            <a:endParaRPr b="0" lang="en-US" sz="3200" spc="-1" strike="noStrike">
-              <a:solidFill>
-                <a:srgbClr val="000000"/>
-              </a:solidFill>
-              <a:uFill>
-                <a:solidFill>
-                  <a:srgbClr val="ffffff"/>
+          <a:bodyPr lIns="0" tIns="0" rIns="0" bIns="0"/>
+          <a:lstStyle/>
+          <a:p>
+            <a:endParaRPr lang="en-US" sz="3200" b="0" strike="noStrike" spc="-1">
+              <a:solidFill>
+                <a:srgbClr val="000000"/>
+              </a:solidFill>
+              <a:uFill>
+                <a:solidFill>
+                  <a:srgbClr val="FFFFFF"/>
                 </a:solidFill>
               </a:uFill>
               <a:latin typeface="Arial"/>
@@ -1259,15 +1411,16 @@
           </a:prstGeom>
         </p:spPr>
         <p:txBody>
-          <a:bodyPr lIns="0" rIns="0" tIns="0" bIns="0"/>
-          <a:p>
-            <a:endParaRPr b="0" lang="en-US" sz="3200" spc="-1" strike="noStrike">
-              <a:solidFill>
-                <a:srgbClr val="000000"/>
-              </a:solidFill>
-              <a:uFill>
-                <a:solidFill>
-                  <a:srgbClr val="ffffff"/>
+          <a:bodyPr lIns="0" tIns="0" rIns="0" bIns="0"/>
+          <a:lstStyle/>
+          <a:p>
+            <a:endParaRPr lang="en-US" sz="3200" b="0" strike="noStrike" spc="-1">
+              <a:solidFill>
+                <a:srgbClr val="000000"/>
+              </a:solidFill>
+              <a:uFill>
+                <a:solidFill>
+                  <a:srgbClr val="FFFFFF"/>
                 </a:solidFill>
               </a:uFill>
               <a:latin typeface="Arial"/>
@@ -1277,11 +1430,14 @@
       </p:sp>
     </p:spTree>
   </p:cSld>
+  <p:clrMapOvr>
+    <a:masterClrMapping/>
+  </p:clrMapOvr>
 </p:sldLayout>
 </file>
 
 <file path=ppt/slideLayouts/slideLayout2.xml><?xml version="1.0" encoding="utf-8"?>
-<p:sldLayout xmlns:a="http://schemas.openxmlformats.org/drawingml/2006/main" xmlns:p="http://schemas.openxmlformats.org/presentationml/2006/main" xmlns:r="http://schemas.openxmlformats.org/officeDocument/2006/relationships" xmlns:p14="http://schemas.microsoft.com/office/powerpoint/2010/main" xmlns:p15="http://schemas.microsoft.com/office/powerpoint/2012/main" xmlns:mc="http://schemas.openxmlformats.org/markup-compatibility/2006" type="tx" preserve="1">
+<p:sldLayout xmlns:a="http://schemas.openxmlformats.org/drawingml/2006/main" xmlns:r="http://schemas.openxmlformats.org/officeDocument/2006/relationships" xmlns:p="http://schemas.openxmlformats.org/presentationml/2006/main" type="tx" preserve="1">
   <p:cSld name="Title Slide">
     <p:spTree>
       <p:nvGrpSpPr>
@@ -1317,16 +1473,17 @@
           </a:prstGeom>
         </p:spPr>
         <p:txBody>
-          <a:bodyPr lIns="0" rIns="0" tIns="0" bIns="0" anchor="ctr"/>
+          <a:bodyPr lIns="0" tIns="0" rIns="0" bIns="0" anchor="ctr"/>
+          <a:lstStyle/>
           <a:p>
             <a:pPr algn="ctr"/>
-            <a:endParaRPr b="0" lang="en-US" sz="4400" spc="-1" strike="noStrike">
-              <a:solidFill>
-                <a:srgbClr val="000000"/>
-              </a:solidFill>
-              <a:uFill>
-                <a:solidFill>
-                  <a:srgbClr val="ffffff"/>
+            <a:endParaRPr lang="en-US" sz="4400" b="0" strike="noStrike" spc="-1">
+              <a:solidFill>
+                <a:srgbClr val="000000"/>
+              </a:solidFill>
+              <a:uFill>
+                <a:solidFill>
+                  <a:srgbClr val="FFFFFF"/>
                 </a:solidFill>
               </a:uFill>
               <a:latin typeface="Arial"/>
@@ -1354,16 +1511,17 @@
           </a:prstGeom>
         </p:spPr>
         <p:txBody>
-          <a:bodyPr lIns="0" rIns="0" tIns="0" bIns="0" anchor="ctr"/>
+          <a:bodyPr lIns="0" tIns="0" rIns="0" bIns="0" anchor="ctr"/>
+          <a:lstStyle/>
           <a:p>
             <a:pPr algn="ctr"/>
-            <a:endParaRPr b="0" lang="en-US" sz="3200" spc="-1" strike="noStrike">
-              <a:solidFill>
-                <a:srgbClr val="000000"/>
-              </a:solidFill>
-              <a:uFill>
-                <a:solidFill>
-                  <a:srgbClr val="ffffff"/>
+            <a:endParaRPr lang="en-US" sz="3200" b="0" strike="noStrike" spc="-1">
+              <a:solidFill>
+                <a:srgbClr val="000000"/>
+              </a:solidFill>
+              <a:uFill>
+                <a:solidFill>
+                  <a:srgbClr val="FFFFFF"/>
                 </a:solidFill>
               </a:uFill>
               <a:latin typeface="Arial"/>
@@ -1373,11 +1531,14 @@
       </p:sp>
     </p:spTree>
   </p:cSld>
+  <p:clrMapOvr>
+    <a:masterClrMapping/>
+  </p:clrMapOvr>
 </p:sldLayout>
 </file>
 
 <file path=ppt/slideLayouts/slideLayout20.xml><?xml version="1.0" encoding="utf-8"?>
-<p:sldLayout xmlns:a="http://schemas.openxmlformats.org/drawingml/2006/main" xmlns:p="http://schemas.openxmlformats.org/presentationml/2006/main" xmlns:r="http://schemas.openxmlformats.org/officeDocument/2006/relationships" xmlns:p14="http://schemas.microsoft.com/office/powerpoint/2010/main" xmlns:p15="http://schemas.microsoft.com/office/powerpoint/2012/main" xmlns:mc="http://schemas.openxmlformats.org/markup-compatibility/2006" type="objAndTwoObj" preserve="1">
+<p:sldLayout xmlns:a="http://schemas.openxmlformats.org/drawingml/2006/main" xmlns:r="http://schemas.openxmlformats.org/officeDocument/2006/relationships" xmlns:p="http://schemas.openxmlformats.org/presentationml/2006/main" type="objAndTwoObj" preserve="1">
   <p:cSld name="Title Content and 2 Content">
     <p:spTree>
       <p:nvGrpSpPr>
@@ -1413,16 +1574,17 @@
           </a:prstGeom>
         </p:spPr>
         <p:txBody>
-          <a:bodyPr lIns="0" rIns="0" tIns="0" bIns="0" anchor="ctr"/>
+          <a:bodyPr lIns="0" tIns="0" rIns="0" bIns="0" anchor="ctr"/>
+          <a:lstStyle/>
           <a:p>
             <a:pPr algn="ctr"/>
-            <a:endParaRPr b="0" lang="en-US" sz="4400" spc="-1" strike="noStrike">
-              <a:solidFill>
-                <a:srgbClr val="000000"/>
-              </a:solidFill>
-              <a:uFill>
-                <a:solidFill>
-                  <a:srgbClr val="ffffff"/>
+            <a:endParaRPr lang="en-US" sz="4400" b="0" strike="noStrike" spc="-1">
+              <a:solidFill>
+                <a:srgbClr val="000000"/>
+              </a:solidFill>
+              <a:uFill>
+                <a:solidFill>
+                  <a:srgbClr val="FFFFFF"/>
                 </a:solidFill>
               </a:uFill>
               <a:latin typeface="Arial"/>
@@ -1450,15 +1612,16 @@
           </a:prstGeom>
         </p:spPr>
         <p:txBody>
-          <a:bodyPr lIns="0" rIns="0" tIns="0" bIns="0"/>
-          <a:p>
-            <a:endParaRPr b="0" lang="en-US" sz="3200" spc="-1" strike="noStrike">
-              <a:solidFill>
-                <a:srgbClr val="000000"/>
-              </a:solidFill>
-              <a:uFill>
-                <a:solidFill>
-                  <a:srgbClr val="ffffff"/>
+          <a:bodyPr lIns="0" tIns="0" rIns="0" bIns="0"/>
+          <a:lstStyle/>
+          <a:p>
+            <a:endParaRPr lang="en-US" sz="3200" b="0" strike="noStrike" spc="-1">
+              <a:solidFill>
+                <a:srgbClr val="000000"/>
+              </a:solidFill>
+              <a:uFill>
+                <a:solidFill>
+                  <a:srgbClr val="FFFFFF"/>
                 </a:solidFill>
               </a:uFill>
               <a:latin typeface="Arial"/>
@@ -1486,15 +1649,16 @@
           </a:prstGeom>
         </p:spPr>
         <p:txBody>
-          <a:bodyPr lIns="0" rIns="0" tIns="0" bIns="0"/>
-          <a:p>
-            <a:endParaRPr b="0" lang="en-US" sz="3200" spc="-1" strike="noStrike">
-              <a:solidFill>
-                <a:srgbClr val="000000"/>
-              </a:solidFill>
-              <a:uFill>
-                <a:solidFill>
-                  <a:srgbClr val="ffffff"/>
+          <a:bodyPr lIns="0" tIns="0" rIns="0" bIns="0"/>
+          <a:lstStyle/>
+          <a:p>
+            <a:endParaRPr lang="en-US" sz="3200" b="0" strike="noStrike" spc="-1">
+              <a:solidFill>
+                <a:srgbClr val="000000"/>
+              </a:solidFill>
+              <a:uFill>
+                <a:solidFill>
+                  <a:srgbClr val="FFFFFF"/>
                 </a:solidFill>
               </a:uFill>
               <a:latin typeface="Arial"/>
@@ -1522,15 +1686,16 @@
           </a:prstGeom>
         </p:spPr>
         <p:txBody>
-          <a:bodyPr lIns="0" rIns="0" tIns="0" bIns="0"/>
-          <a:p>
-            <a:endParaRPr b="0" lang="en-US" sz="3200" spc="-1" strike="noStrike">
-              <a:solidFill>
-                <a:srgbClr val="000000"/>
-              </a:solidFill>
-              <a:uFill>
-                <a:solidFill>
-                  <a:srgbClr val="ffffff"/>
+          <a:bodyPr lIns="0" tIns="0" rIns="0" bIns="0"/>
+          <a:lstStyle/>
+          <a:p>
+            <a:endParaRPr lang="en-US" sz="3200" b="0" strike="noStrike" spc="-1">
+              <a:solidFill>
+                <a:srgbClr val="000000"/>
+              </a:solidFill>
+              <a:uFill>
+                <a:solidFill>
+                  <a:srgbClr val="FFFFFF"/>
                 </a:solidFill>
               </a:uFill>
               <a:latin typeface="Arial"/>
@@ -1540,11 +1705,14 @@
       </p:sp>
     </p:spTree>
   </p:cSld>
+  <p:clrMapOvr>
+    <a:masterClrMapping/>
+  </p:clrMapOvr>
 </p:sldLayout>
 </file>
 
 <file path=ppt/slideLayouts/slideLayout21.xml><?xml version="1.0" encoding="utf-8"?>
-<p:sldLayout xmlns:a="http://schemas.openxmlformats.org/drawingml/2006/main" xmlns:p="http://schemas.openxmlformats.org/presentationml/2006/main" xmlns:r="http://schemas.openxmlformats.org/officeDocument/2006/relationships" xmlns:p14="http://schemas.microsoft.com/office/powerpoint/2010/main" xmlns:p15="http://schemas.microsoft.com/office/powerpoint/2012/main" xmlns:mc="http://schemas.openxmlformats.org/markup-compatibility/2006" type="twoObjOverTx" preserve="1">
+<p:sldLayout xmlns:a="http://schemas.openxmlformats.org/drawingml/2006/main" xmlns:r="http://schemas.openxmlformats.org/officeDocument/2006/relationships" xmlns:p="http://schemas.openxmlformats.org/presentationml/2006/main" type="twoObjOverTx" preserve="1">
   <p:cSld name="Title, 2 Content over Content">
     <p:spTree>
       <p:nvGrpSpPr>
@@ -1580,16 +1748,17 @@
           </a:prstGeom>
         </p:spPr>
         <p:txBody>
-          <a:bodyPr lIns="0" rIns="0" tIns="0" bIns="0" anchor="ctr"/>
+          <a:bodyPr lIns="0" tIns="0" rIns="0" bIns="0" anchor="ctr"/>
+          <a:lstStyle/>
           <a:p>
             <a:pPr algn="ctr"/>
-            <a:endParaRPr b="0" lang="en-US" sz="4400" spc="-1" strike="noStrike">
-              <a:solidFill>
-                <a:srgbClr val="000000"/>
-              </a:solidFill>
-              <a:uFill>
-                <a:solidFill>
-                  <a:srgbClr val="ffffff"/>
+            <a:endParaRPr lang="en-US" sz="4400" b="0" strike="noStrike" spc="-1">
+              <a:solidFill>
+                <a:srgbClr val="000000"/>
+              </a:solidFill>
+              <a:uFill>
+                <a:solidFill>
+                  <a:srgbClr val="FFFFFF"/>
                 </a:solidFill>
               </a:uFill>
               <a:latin typeface="Arial"/>
@@ -1617,15 +1786,16 @@
           </a:prstGeom>
         </p:spPr>
         <p:txBody>
-          <a:bodyPr lIns="0" rIns="0" tIns="0" bIns="0"/>
-          <a:p>
-            <a:endParaRPr b="0" lang="en-US" sz="3200" spc="-1" strike="noStrike">
-              <a:solidFill>
-                <a:srgbClr val="000000"/>
-              </a:solidFill>
-              <a:uFill>
-                <a:solidFill>
-                  <a:srgbClr val="ffffff"/>
+          <a:bodyPr lIns="0" tIns="0" rIns="0" bIns="0"/>
+          <a:lstStyle/>
+          <a:p>
+            <a:endParaRPr lang="en-US" sz="3200" b="0" strike="noStrike" spc="-1">
+              <a:solidFill>
+                <a:srgbClr val="000000"/>
+              </a:solidFill>
+              <a:uFill>
+                <a:solidFill>
+                  <a:srgbClr val="FFFFFF"/>
                 </a:solidFill>
               </a:uFill>
               <a:latin typeface="Arial"/>
@@ -1653,15 +1823,16 @@
           </a:prstGeom>
         </p:spPr>
         <p:txBody>
-          <a:bodyPr lIns="0" rIns="0" tIns="0" bIns="0"/>
-          <a:p>
-            <a:endParaRPr b="0" lang="en-US" sz="3200" spc="-1" strike="noStrike">
-              <a:solidFill>
-                <a:srgbClr val="000000"/>
-              </a:solidFill>
-              <a:uFill>
-                <a:solidFill>
-                  <a:srgbClr val="ffffff"/>
+          <a:bodyPr lIns="0" tIns="0" rIns="0" bIns="0"/>
+          <a:lstStyle/>
+          <a:p>
+            <a:endParaRPr lang="en-US" sz="3200" b="0" strike="noStrike" spc="-1">
+              <a:solidFill>
+                <a:srgbClr val="000000"/>
+              </a:solidFill>
+              <a:uFill>
+                <a:solidFill>
+                  <a:srgbClr val="FFFFFF"/>
                 </a:solidFill>
               </a:uFill>
               <a:latin typeface="Arial"/>
@@ -1689,15 +1860,16 @@
           </a:prstGeom>
         </p:spPr>
         <p:txBody>
-          <a:bodyPr lIns="0" rIns="0" tIns="0" bIns="0"/>
-          <a:p>
-            <a:endParaRPr b="0" lang="en-US" sz="3200" spc="-1" strike="noStrike">
-              <a:solidFill>
-                <a:srgbClr val="000000"/>
-              </a:solidFill>
-              <a:uFill>
-                <a:solidFill>
-                  <a:srgbClr val="ffffff"/>
+          <a:bodyPr lIns="0" tIns="0" rIns="0" bIns="0"/>
+          <a:lstStyle/>
+          <a:p>
+            <a:endParaRPr lang="en-US" sz="3200" b="0" strike="noStrike" spc="-1">
+              <a:solidFill>
+                <a:srgbClr val="000000"/>
+              </a:solidFill>
+              <a:uFill>
+                <a:solidFill>
+                  <a:srgbClr val="FFFFFF"/>
                 </a:solidFill>
               </a:uFill>
               <a:latin typeface="Arial"/>
@@ -1707,11 +1879,14 @@
       </p:sp>
     </p:spTree>
   </p:cSld>
+  <p:clrMapOvr>
+    <a:masterClrMapping/>
+  </p:clrMapOvr>
 </p:sldLayout>
 </file>
 
 <file path=ppt/slideLayouts/slideLayout22.xml><?xml version="1.0" encoding="utf-8"?>
-<p:sldLayout xmlns:a="http://schemas.openxmlformats.org/drawingml/2006/main" xmlns:p="http://schemas.openxmlformats.org/presentationml/2006/main" xmlns:r="http://schemas.openxmlformats.org/officeDocument/2006/relationships" xmlns:p14="http://schemas.microsoft.com/office/powerpoint/2010/main" xmlns:p15="http://schemas.microsoft.com/office/powerpoint/2012/main" xmlns:mc="http://schemas.openxmlformats.org/markup-compatibility/2006" type="objOverTx" preserve="1">
+<p:sldLayout xmlns:a="http://schemas.openxmlformats.org/drawingml/2006/main" xmlns:r="http://schemas.openxmlformats.org/officeDocument/2006/relationships" xmlns:p="http://schemas.openxmlformats.org/presentationml/2006/main" type="objOverTx" preserve="1">
   <p:cSld name="Title, Content over Content">
     <p:spTree>
       <p:nvGrpSpPr>
@@ -1747,16 +1922,17 @@
           </a:prstGeom>
         </p:spPr>
         <p:txBody>
-          <a:bodyPr lIns="0" rIns="0" tIns="0" bIns="0" anchor="ctr"/>
+          <a:bodyPr lIns="0" tIns="0" rIns="0" bIns="0" anchor="ctr"/>
+          <a:lstStyle/>
           <a:p>
             <a:pPr algn="ctr"/>
-            <a:endParaRPr b="0" lang="en-US" sz="4400" spc="-1" strike="noStrike">
-              <a:solidFill>
-                <a:srgbClr val="000000"/>
-              </a:solidFill>
-              <a:uFill>
-                <a:solidFill>
-                  <a:srgbClr val="ffffff"/>
+            <a:endParaRPr lang="en-US" sz="4400" b="0" strike="noStrike" spc="-1">
+              <a:solidFill>
+                <a:srgbClr val="000000"/>
+              </a:solidFill>
+              <a:uFill>
+                <a:solidFill>
+                  <a:srgbClr val="FFFFFF"/>
                 </a:solidFill>
               </a:uFill>
               <a:latin typeface="Arial"/>
@@ -1784,15 +1960,16 @@
           </a:prstGeom>
         </p:spPr>
         <p:txBody>
-          <a:bodyPr lIns="0" rIns="0" tIns="0" bIns="0"/>
-          <a:p>
-            <a:endParaRPr b="0" lang="en-US" sz="3200" spc="-1" strike="noStrike">
-              <a:solidFill>
-                <a:srgbClr val="000000"/>
-              </a:solidFill>
-              <a:uFill>
-                <a:solidFill>
-                  <a:srgbClr val="ffffff"/>
+          <a:bodyPr lIns="0" tIns="0" rIns="0" bIns="0"/>
+          <a:lstStyle/>
+          <a:p>
+            <a:endParaRPr lang="en-US" sz="3200" b="0" strike="noStrike" spc="-1">
+              <a:solidFill>
+                <a:srgbClr val="000000"/>
+              </a:solidFill>
+              <a:uFill>
+                <a:solidFill>
+                  <a:srgbClr val="FFFFFF"/>
                 </a:solidFill>
               </a:uFill>
               <a:latin typeface="Arial"/>
@@ -1820,15 +1997,16 @@
           </a:prstGeom>
         </p:spPr>
         <p:txBody>
-          <a:bodyPr lIns="0" rIns="0" tIns="0" bIns="0"/>
-          <a:p>
-            <a:endParaRPr b="0" lang="en-US" sz="3200" spc="-1" strike="noStrike">
-              <a:solidFill>
-                <a:srgbClr val="000000"/>
-              </a:solidFill>
-              <a:uFill>
-                <a:solidFill>
-                  <a:srgbClr val="ffffff"/>
+          <a:bodyPr lIns="0" tIns="0" rIns="0" bIns="0"/>
+          <a:lstStyle/>
+          <a:p>
+            <a:endParaRPr lang="en-US" sz="3200" b="0" strike="noStrike" spc="-1">
+              <a:solidFill>
+                <a:srgbClr val="000000"/>
+              </a:solidFill>
+              <a:uFill>
+                <a:solidFill>
+                  <a:srgbClr val="FFFFFF"/>
                 </a:solidFill>
               </a:uFill>
               <a:latin typeface="Arial"/>
@@ -1838,11 +2016,14 @@
       </p:sp>
     </p:spTree>
   </p:cSld>
+  <p:clrMapOvr>
+    <a:masterClrMapping/>
+  </p:clrMapOvr>
 </p:sldLayout>
 </file>
 
 <file path=ppt/slideLayouts/slideLayout23.xml><?xml version="1.0" encoding="utf-8"?>
-<p:sldLayout xmlns:a="http://schemas.openxmlformats.org/drawingml/2006/main" xmlns:p="http://schemas.openxmlformats.org/presentationml/2006/main" xmlns:r="http://schemas.openxmlformats.org/officeDocument/2006/relationships" xmlns:p14="http://schemas.microsoft.com/office/powerpoint/2010/main" xmlns:p15="http://schemas.microsoft.com/office/powerpoint/2012/main" xmlns:mc="http://schemas.openxmlformats.org/markup-compatibility/2006" type="fourObj" preserve="1">
+<p:sldLayout xmlns:a="http://schemas.openxmlformats.org/drawingml/2006/main" xmlns:r="http://schemas.openxmlformats.org/officeDocument/2006/relationships" xmlns:p="http://schemas.openxmlformats.org/presentationml/2006/main" type="fourObj" preserve="1">
   <p:cSld name="Title, 4 Content">
     <p:spTree>
       <p:nvGrpSpPr>
@@ -1878,16 +2059,17 @@
           </a:prstGeom>
         </p:spPr>
         <p:txBody>
-          <a:bodyPr lIns="0" rIns="0" tIns="0" bIns="0" anchor="ctr"/>
+          <a:bodyPr lIns="0" tIns="0" rIns="0" bIns="0" anchor="ctr"/>
+          <a:lstStyle/>
           <a:p>
             <a:pPr algn="ctr"/>
-            <a:endParaRPr b="0" lang="en-US" sz="4400" spc="-1" strike="noStrike">
-              <a:solidFill>
-                <a:srgbClr val="000000"/>
-              </a:solidFill>
-              <a:uFill>
-                <a:solidFill>
-                  <a:srgbClr val="ffffff"/>
+            <a:endParaRPr lang="en-US" sz="4400" b="0" strike="noStrike" spc="-1">
+              <a:solidFill>
+                <a:srgbClr val="000000"/>
+              </a:solidFill>
+              <a:uFill>
+                <a:solidFill>
+                  <a:srgbClr val="FFFFFF"/>
                 </a:solidFill>
               </a:uFill>
               <a:latin typeface="Arial"/>
@@ -1915,15 +2097,16 @@
           </a:prstGeom>
         </p:spPr>
         <p:txBody>
-          <a:bodyPr lIns="0" rIns="0" tIns="0" bIns="0"/>
-          <a:p>
-            <a:endParaRPr b="0" lang="en-US" sz="3200" spc="-1" strike="noStrike">
-              <a:solidFill>
-                <a:srgbClr val="000000"/>
-              </a:solidFill>
-              <a:uFill>
-                <a:solidFill>
-                  <a:srgbClr val="ffffff"/>
+          <a:bodyPr lIns="0" tIns="0" rIns="0" bIns="0"/>
+          <a:lstStyle/>
+          <a:p>
+            <a:endParaRPr lang="en-US" sz="3200" b="0" strike="noStrike" spc="-1">
+              <a:solidFill>
+                <a:srgbClr val="000000"/>
+              </a:solidFill>
+              <a:uFill>
+                <a:solidFill>
+                  <a:srgbClr val="FFFFFF"/>
                 </a:solidFill>
               </a:uFill>
               <a:latin typeface="Arial"/>
@@ -1951,15 +2134,16 @@
           </a:prstGeom>
         </p:spPr>
         <p:txBody>
-          <a:bodyPr lIns="0" rIns="0" tIns="0" bIns="0"/>
-          <a:p>
-            <a:endParaRPr b="0" lang="en-US" sz="3200" spc="-1" strike="noStrike">
-              <a:solidFill>
-                <a:srgbClr val="000000"/>
-              </a:solidFill>
-              <a:uFill>
-                <a:solidFill>
-                  <a:srgbClr val="ffffff"/>
+          <a:bodyPr lIns="0" tIns="0" rIns="0" bIns="0"/>
+          <a:lstStyle/>
+          <a:p>
+            <a:endParaRPr lang="en-US" sz="3200" b="0" strike="noStrike" spc="-1">
+              <a:solidFill>
+                <a:srgbClr val="000000"/>
+              </a:solidFill>
+              <a:uFill>
+                <a:solidFill>
+                  <a:srgbClr val="FFFFFF"/>
                 </a:solidFill>
               </a:uFill>
               <a:latin typeface="Arial"/>
@@ -1987,15 +2171,16 @@
           </a:prstGeom>
         </p:spPr>
         <p:txBody>
-          <a:bodyPr lIns="0" rIns="0" tIns="0" bIns="0"/>
-          <a:p>
-            <a:endParaRPr b="0" lang="en-US" sz="3200" spc="-1" strike="noStrike">
-              <a:solidFill>
-                <a:srgbClr val="000000"/>
-              </a:solidFill>
-              <a:uFill>
-                <a:solidFill>
-                  <a:srgbClr val="ffffff"/>
+          <a:bodyPr lIns="0" tIns="0" rIns="0" bIns="0"/>
+          <a:lstStyle/>
+          <a:p>
+            <a:endParaRPr lang="en-US" sz="3200" b="0" strike="noStrike" spc="-1">
+              <a:solidFill>
+                <a:srgbClr val="000000"/>
+              </a:solidFill>
+              <a:uFill>
+                <a:solidFill>
+                  <a:srgbClr val="FFFFFF"/>
                 </a:solidFill>
               </a:uFill>
               <a:latin typeface="Arial"/>
@@ -2023,15 +2208,16 @@
           </a:prstGeom>
         </p:spPr>
         <p:txBody>
-          <a:bodyPr lIns="0" rIns="0" tIns="0" bIns="0"/>
-          <a:p>
-            <a:endParaRPr b="0" lang="en-US" sz="3200" spc="-1" strike="noStrike">
-              <a:solidFill>
-                <a:srgbClr val="000000"/>
-              </a:solidFill>
-              <a:uFill>
-                <a:solidFill>
-                  <a:srgbClr val="ffffff"/>
+          <a:bodyPr lIns="0" tIns="0" rIns="0" bIns="0"/>
+          <a:lstStyle/>
+          <a:p>
+            <a:endParaRPr lang="en-US" sz="3200" b="0" strike="noStrike" spc="-1">
+              <a:solidFill>
+                <a:srgbClr val="000000"/>
+              </a:solidFill>
+              <a:uFill>
+                <a:solidFill>
+                  <a:srgbClr val="FFFFFF"/>
                 </a:solidFill>
               </a:uFill>
               <a:latin typeface="Arial"/>
@@ -2041,11 +2227,14 @@
       </p:sp>
     </p:spTree>
   </p:cSld>
+  <p:clrMapOvr>
+    <a:masterClrMapping/>
+  </p:clrMapOvr>
 </p:sldLayout>
 </file>
 
 <file path=ppt/slideLayouts/slideLayout24.xml><?xml version="1.0" encoding="utf-8"?>
-<p:sldLayout xmlns:a="http://schemas.openxmlformats.org/drawingml/2006/main" xmlns:p="http://schemas.openxmlformats.org/presentationml/2006/main" xmlns:r="http://schemas.openxmlformats.org/officeDocument/2006/relationships" xmlns:p14="http://schemas.microsoft.com/office/powerpoint/2010/main" xmlns:p15="http://schemas.microsoft.com/office/powerpoint/2012/main" xmlns:mc="http://schemas.openxmlformats.org/markup-compatibility/2006" type="blank" preserve="1">
+<p:sldLayout xmlns:a="http://schemas.openxmlformats.org/drawingml/2006/main" xmlns:r="http://schemas.openxmlformats.org/officeDocument/2006/relationships" xmlns:p="http://schemas.openxmlformats.org/presentationml/2006/main" type="blank" preserve="1">
   <p:cSld name="Title, 6 Content">
     <p:spTree>
       <p:nvGrpSpPr>
@@ -2081,16 +2270,17 @@
           </a:prstGeom>
         </p:spPr>
         <p:txBody>
-          <a:bodyPr lIns="0" rIns="0" tIns="0" bIns="0" anchor="ctr"/>
+          <a:bodyPr lIns="0" tIns="0" rIns="0" bIns="0" anchor="ctr"/>
+          <a:lstStyle/>
           <a:p>
             <a:pPr algn="ctr"/>
-            <a:endParaRPr b="0" lang="en-US" sz="4400" spc="-1" strike="noStrike">
-              <a:solidFill>
-                <a:srgbClr val="000000"/>
-              </a:solidFill>
-              <a:uFill>
-                <a:solidFill>
-                  <a:srgbClr val="ffffff"/>
+            <a:endParaRPr lang="en-US" sz="4400" b="0" strike="noStrike" spc="-1">
+              <a:solidFill>
+                <a:srgbClr val="000000"/>
+              </a:solidFill>
+              <a:uFill>
+                <a:solidFill>
+                  <a:srgbClr val="FFFFFF"/>
                 </a:solidFill>
               </a:uFill>
               <a:latin typeface="Arial"/>
@@ -2118,15 +2308,16 @@
           </a:prstGeom>
         </p:spPr>
         <p:txBody>
-          <a:bodyPr lIns="0" rIns="0" tIns="0" bIns="0"/>
-          <a:p>
-            <a:endParaRPr b="0" lang="en-US" sz="3200" spc="-1" strike="noStrike">
-              <a:solidFill>
-                <a:srgbClr val="000000"/>
-              </a:solidFill>
-              <a:uFill>
-                <a:solidFill>
-                  <a:srgbClr val="ffffff"/>
+          <a:bodyPr lIns="0" tIns="0" rIns="0" bIns="0"/>
+          <a:lstStyle/>
+          <a:p>
+            <a:endParaRPr lang="en-US" sz="3200" b="0" strike="noStrike" spc="-1">
+              <a:solidFill>
+                <a:srgbClr val="000000"/>
+              </a:solidFill>
+              <a:uFill>
+                <a:solidFill>
+                  <a:srgbClr val="FFFFFF"/>
                 </a:solidFill>
               </a:uFill>
               <a:latin typeface="Arial"/>
@@ -2154,15 +2345,16 @@
           </a:prstGeom>
         </p:spPr>
         <p:txBody>
-          <a:bodyPr lIns="0" rIns="0" tIns="0" bIns="0"/>
-          <a:p>
-            <a:endParaRPr b="0" lang="en-US" sz="3200" spc="-1" strike="noStrike">
-              <a:solidFill>
-                <a:srgbClr val="000000"/>
-              </a:solidFill>
-              <a:uFill>
-                <a:solidFill>
-                  <a:srgbClr val="ffffff"/>
+          <a:bodyPr lIns="0" tIns="0" rIns="0" bIns="0"/>
+          <a:lstStyle/>
+          <a:p>
+            <a:endParaRPr lang="en-US" sz="3200" b="0" strike="noStrike" spc="-1">
+              <a:solidFill>
+                <a:srgbClr val="000000"/>
+              </a:solidFill>
+              <a:uFill>
+                <a:solidFill>
+                  <a:srgbClr val="FFFFFF"/>
                 </a:solidFill>
               </a:uFill>
               <a:latin typeface="Arial"/>
@@ -2190,15 +2382,16 @@
           </a:prstGeom>
         </p:spPr>
         <p:txBody>
-          <a:bodyPr lIns="0" rIns="0" tIns="0" bIns="0"/>
-          <a:p>
-            <a:endParaRPr b="0" lang="en-US" sz="3200" spc="-1" strike="noStrike">
-              <a:solidFill>
-                <a:srgbClr val="000000"/>
-              </a:solidFill>
-              <a:uFill>
-                <a:solidFill>
-                  <a:srgbClr val="ffffff"/>
+          <a:bodyPr lIns="0" tIns="0" rIns="0" bIns="0"/>
+          <a:lstStyle/>
+          <a:p>
+            <a:endParaRPr lang="en-US" sz="3200" b="0" strike="noStrike" spc="-1">
+              <a:solidFill>
+                <a:srgbClr val="000000"/>
+              </a:solidFill>
+              <a:uFill>
+                <a:solidFill>
+                  <a:srgbClr val="FFFFFF"/>
                 </a:solidFill>
               </a:uFill>
               <a:latin typeface="Arial"/>
@@ -2226,15 +2419,16 @@
           </a:prstGeom>
         </p:spPr>
         <p:txBody>
-          <a:bodyPr lIns="0" rIns="0" tIns="0" bIns="0"/>
-          <a:p>
-            <a:endParaRPr b="0" lang="en-US" sz="3200" spc="-1" strike="noStrike">
-              <a:solidFill>
-                <a:srgbClr val="000000"/>
-              </a:solidFill>
-              <a:uFill>
-                <a:solidFill>
-                  <a:srgbClr val="ffffff"/>
+          <a:bodyPr lIns="0" tIns="0" rIns="0" bIns="0"/>
+          <a:lstStyle/>
+          <a:p>
+            <a:endParaRPr lang="en-US" sz="3200" b="0" strike="noStrike" spc="-1">
+              <a:solidFill>
+                <a:srgbClr val="000000"/>
+              </a:solidFill>
+              <a:uFill>
+                <a:solidFill>
+                  <a:srgbClr val="FFFFFF"/>
                 </a:solidFill>
               </a:uFill>
               <a:latin typeface="Arial"/>
@@ -2262,15 +2456,16 @@
           </a:prstGeom>
         </p:spPr>
         <p:txBody>
-          <a:bodyPr lIns="0" rIns="0" tIns="0" bIns="0"/>
-          <a:p>
-            <a:endParaRPr b="0" lang="en-US" sz="3200" spc="-1" strike="noStrike">
-              <a:solidFill>
-                <a:srgbClr val="000000"/>
-              </a:solidFill>
-              <a:uFill>
-                <a:solidFill>
-                  <a:srgbClr val="ffffff"/>
+          <a:bodyPr lIns="0" tIns="0" rIns="0" bIns="0"/>
+          <a:lstStyle/>
+          <a:p>
+            <a:endParaRPr lang="en-US" sz="3200" b="0" strike="noStrike" spc="-1">
+              <a:solidFill>
+                <a:srgbClr val="000000"/>
+              </a:solidFill>
+              <a:uFill>
+                <a:solidFill>
+                  <a:srgbClr val="FFFFFF"/>
                 </a:solidFill>
               </a:uFill>
               <a:latin typeface="Arial"/>
@@ -2298,15 +2493,16 @@
           </a:prstGeom>
         </p:spPr>
         <p:txBody>
-          <a:bodyPr lIns="0" rIns="0" tIns="0" bIns="0"/>
-          <a:p>
-            <a:endParaRPr b="0" lang="en-US" sz="3200" spc="-1" strike="noStrike">
-              <a:solidFill>
-                <a:srgbClr val="000000"/>
-              </a:solidFill>
-              <a:uFill>
-                <a:solidFill>
-                  <a:srgbClr val="ffffff"/>
+          <a:bodyPr lIns="0" tIns="0" rIns="0" bIns="0"/>
+          <a:lstStyle/>
+          <a:p>
+            <a:endParaRPr lang="en-US" sz="3200" b="0" strike="noStrike" spc="-1">
+              <a:solidFill>
+                <a:srgbClr val="000000"/>
+              </a:solidFill>
+              <a:uFill>
+                <a:solidFill>
+                  <a:srgbClr val="FFFFFF"/>
                 </a:solidFill>
               </a:uFill>
               <a:latin typeface="Arial"/>
@@ -2316,11 +2512,14 @@
       </p:sp>
     </p:spTree>
   </p:cSld>
+  <p:clrMapOvr>
+    <a:masterClrMapping/>
+  </p:clrMapOvr>
 </p:sldLayout>
 </file>
 
 <file path=ppt/slideLayouts/slideLayout3.xml><?xml version="1.0" encoding="utf-8"?>
-<p:sldLayout xmlns:a="http://schemas.openxmlformats.org/drawingml/2006/main" xmlns:p="http://schemas.openxmlformats.org/presentationml/2006/main" xmlns:r="http://schemas.openxmlformats.org/officeDocument/2006/relationships" xmlns:p14="http://schemas.microsoft.com/office/powerpoint/2010/main" xmlns:p15="http://schemas.microsoft.com/office/powerpoint/2012/main" xmlns:mc="http://schemas.openxmlformats.org/markup-compatibility/2006" type="obj" preserve="1">
+<p:sldLayout xmlns:a="http://schemas.openxmlformats.org/drawingml/2006/main" xmlns:r="http://schemas.openxmlformats.org/officeDocument/2006/relationships" xmlns:p="http://schemas.openxmlformats.org/presentationml/2006/main" type="obj" preserve="1">
   <p:cSld name="Title, Content">
     <p:spTree>
       <p:nvGrpSpPr>
@@ -2356,16 +2555,17 @@
           </a:prstGeom>
         </p:spPr>
         <p:txBody>
-          <a:bodyPr lIns="0" rIns="0" tIns="0" bIns="0" anchor="ctr"/>
+          <a:bodyPr lIns="0" tIns="0" rIns="0" bIns="0" anchor="ctr"/>
+          <a:lstStyle/>
           <a:p>
             <a:pPr algn="ctr"/>
-            <a:endParaRPr b="0" lang="en-US" sz="4400" spc="-1" strike="noStrike">
-              <a:solidFill>
-                <a:srgbClr val="000000"/>
-              </a:solidFill>
-              <a:uFill>
-                <a:solidFill>
-                  <a:srgbClr val="ffffff"/>
+            <a:endParaRPr lang="en-US" sz="4400" b="0" strike="noStrike" spc="-1">
+              <a:solidFill>
+                <a:srgbClr val="000000"/>
+              </a:solidFill>
+              <a:uFill>
+                <a:solidFill>
+                  <a:srgbClr val="FFFFFF"/>
                 </a:solidFill>
               </a:uFill>
               <a:latin typeface="Arial"/>
@@ -2393,15 +2593,16 @@
           </a:prstGeom>
         </p:spPr>
         <p:txBody>
-          <a:bodyPr lIns="0" rIns="0" tIns="0" bIns="0"/>
-          <a:p>
-            <a:endParaRPr b="0" lang="en-US" sz="3200" spc="-1" strike="noStrike">
-              <a:solidFill>
-                <a:srgbClr val="000000"/>
-              </a:solidFill>
-              <a:uFill>
-                <a:solidFill>
-                  <a:srgbClr val="ffffff"/>
+          <a:bodyPr lIns="0" tIns="0" rIns="0" bIns="0"/>
+          <a:lstStyle/>
+          <a:p>
+            <a:endParaRPr lang="en-US" sz="3200" b="0" strike="noStrike" spc="-1">
+              <a:solidFill>
+                <a:srgbClr val="000000"/>
+              </a:solidFill>
+              <a:uFill>
+                <a:solidFill>
+                  <a:srgbClr val="FFFFFF"/>
                 </a:solidFill>
               </a:uFill>
               <a:latin typeface="Arial"/>
@@ -2411,11 +2612,14 @@
       </p:sp>
     </p:spTree>
   </p:cSld>
+  <p:clrMapOvr>
+    <a:masterClrMapping/>
+  </p:clrMapOvr>
 </p:sldLayout>
 </file>
 
 <file path=ppt/slideLayouts/slideLayout4.xml><?xml version="1.0" encoding="utf-8"?>
-<p:sldLayout xmlns:a="http://schemas.openxmlformats.org/drawingml/2006/main" xmlns:p="http://schemas.openxmlformats.org/presentationml/2006/main" xmlns:r="http://schemas.openxmlformats.org/officeDocument/2006/relationships" xmlns:p14="http://schemas.microsoft.com/office/powerpoint/2010/main" xmlns:p15="http://schemas.microsoft.com/office/powerpoint/2012/main" xmlns:mc="http://schemas.openxmlformats.org/markup-compatibility/2006" type="twoObj" preserve="1">
+<p:sldLayout xmlns:a="http://schemas.openxmlformats.org/drawingml/2006/main" xmlns:r="http://schemas.openxmlformats.org/officeDocument/2006/relationships" xmlns:p="http://schemas.openxmlformats.org/presentationml/2006/main" type="twoObj" preserve="1">
   <p:cSld name="Title, 2 Content">
     <p:spTree>
       <p:nvGrpSpPr>
@@ -2451,16 +2655,17 @@
           </a:prstGeom>
         </p:spPr>
         <p:txBody>
-          <a:bodyPr lIns="0" rIns="0" tIns="0" bIns="0" anchor="ctr"/>
+          <a:bodyPr lIns="0" tIns="0" rIns="0" bIns="0" anchor="ctr"/>
+          <a:lstStyle/>
           <a:p>
             <a:pPr algn="ctr"/>
-            <a:endParaRPr b="0" lang="en-US" sz="4400" spc="-1" strike="noStrike">
-              <a:solidFill>
-                <a:srgbClr val="000000"/>
-              </a:solidFill>
-              <a:uFill>
-                <a:solidFill>
-                  <a:srgbClr val="ffffff"/>
+            <a:endParaRPr lang="en-US" sz="4400" b="0" strike="noStrike" spc="-1">
+              <a:solidFill>
+                <a:srgbClr val="000000"/>
+              </a:solidFill>
+              <a:uFill>
+                <a:solidFill>
+                  <a:srgbClr val="FFFFFF"/>
                 </a:solidFill>
               </a:uFill>
               <a:latin typeface="Arial"/>
@@ -2488,15 +2693,16 @@
           </a:prstGeom>
         </p:spPr>
         <p:txBody>
-          <a:bodyPr lIns="0" rIns="0" tIns="0" bIns="0"/>
-          <a:p>
-            <a:endParaRPr b="0" lang="en-US" sz="3200" spc="-1" strike="noStrike">
-              <a:solidFill>
-                <a:srgbClr val="000000"/>
-              </a:solidFill>
-              <a:uFill>
-                <a:solidFill>
-                  <a:srgbClr val="ffffff"/>
+          <a:bodyPr lIns="0" tIns="0" rIns="0" bIns="0"/>
+          <a:lstStyle/>
+          <a:p>
+            <a:endParaRPr lang="en-US" sz="3200" b="0" strike="noStrike" spc="-1">
+              <a:solidFill>
+                <a:srgbClr val="000000"/>
+              </a:solidFill>
+              <a:uFill>
+                <a:solidFill>
+                  <a:srgbClr val="FFFFFF"/>
                 </a:solidFill>
               </a:uFill>
               <a:latin typeface="Arial"/>
@@ -2524,15 +2730,16 @@
           </a:prstGeom>
         </p:spPr>
         <p:txBody>
-          <a:bodyPr lIns="0" rIns="0" tIns="0" bIns="0"/>
-          <a:p>
-            <a:endParaRPr b="0" lang="en-US" sz="3200" spc="-1" strike="noStrike">
-              <a:solidFill>
-                <a:srgbClr val="000000"/>
-              </a:solidFill>
-              <a:uFill>
-                <a:solidFill>
-                  <a:srgbClr val="ffffff"/>
+          <a:bodyPr lIns="0" tIns="0" rIns="0" bIns="0"/>
+          <a:lstStyle/>
+          <a:p>
+            <a:endParaRPr lang="en-US" sz="3200" b="0" strike="noStrike" spc="-1">
+              <a:solidFill>
+                <a:srgbClr val="000000"/>
+              </a:solidFill>
+              <a:uFill>
+                <a:solidFill>
+                  <a:srgbClr val="FFFFFF"/>
                 </a:solidFill>
               </a:uFill>
               <a:latin typeface="Arial"/>
@@ -2542,11 +2749,14 @@
       </p:sp>
     </p:spTree>
   </p:cSld>
+  <p:clrMapOvr>
+    <a:masterClrMapping/>
+  </p:clrMapOvr>
 </p:sldLayout>
 </file>
 
 <file path=ppt/slideLayouts/slideLayout5.xml><?xml version="1.0" encoding="utf-8"?>
-<p:sldLayout xmlns:a="http://schemas.openxmlformats.org/drawingml/2006/main" xmlns:p="http://schemas.openxmlformats.org/presentationml/2006/main" xmlns:r="http://schemas.openxmlformats.org/officeDocument/2006/relationships" xmlns:p14="http://schemas.microsoft.com/office/powerpoint/2010/main" xmlns:p15="http://schemas.microsoft.com/office/powerpoint/2012/main" xmlns:mc="http://schemas.openxmlformats.org/markup-compatibility/2006" type="titleOnly" preserve="1">
+<p:sldLayout xmlns:a="http://schemas.openxmlformats.org/drawingml/2006/main" xmlns:r="http://schemas.openxmlformats.org/officeDocument/2006/relationships" xmlns:p="http://schemas.openxmlformats.org/presentationml/2006/main" type="titleOnly" preserve="1">
   <p:cSld name="Title Only">
     <p:spTree>
       <p:nvGrpSpPr>
@@ -2582,16 +2792,17 @@
           </a:prstGeom>
         </p:spPr>
         <p:txBody>
-          <a:bodyPr lIns="0" rIns="0" tIns="0" bIns="0" anchor="ctr"/>
+          <a:bodyPr lIns="0" tIns="0" rIns="0" bIns="0" anchor="ctr"/>
+          <a:lstStyle/>
           <a:p>
             <a:pPr algn="ctr"/>
-            <a:endParaRPr b="0" lang="en-US" sz="4400" spc="-1" strike="noStrike">
-              <a:solidFill>
-                <a:srgbClr val="000000"/>
-              </a:solidFill>
-              <a:uFill>
-                <a:solidFill>
-                  <a:srgbClr val="ffffff"/>
+            <a:endParaRPr lang="en-US" sz="4400" b="0" strike="noStrike" spc="-1">
+              <a:solidFill>
+                <a:srgbClr val="000000"/>
+              </a:solidFill>
+              <a:uFill>
+                <a:solidFill>
+                  <a:srgbClr val="FFFFFF"/>
                 </a:solidFill>
               </a:uFill>
               <a:latin typeface="Arial"/>
@@ -2601,11 +2812,14 @@
       </p:sp>
     </p:spTree>
   </p:cSld>
+  <p:clrMapOvr>
+    <a:masterClrMapping/>
+  </p:clrMapOvr>
 </p:sldLayout>
 </file>
 
 <file path=ppt/slideLayouts/slideLayout6.xml><?xml version="1.0" encoding="utf-8"?>
-<p:sldLayout xmlns:a="http://schemas.openxmlformats.org/drawingml/2006/main" xmlns:p="http://schemas.openxmlformats.org/presentationml/2006/main" xmlns:r="http://schemas.openxmlformats.org/officeDocument/2006/relationships" xmlns:p14="http://schemas.microsoft.com/office/powerpoint/2010/main" xmlns:p15="http://schemas.microsoft.com/office/powerpoint/2012/main" xmlns:mc="http://schemas.openxmlformats.org/markup-compatibility/2006" type="objOnly" preserve="1">
+<p:sldLayout xmlns:a="http://schemas.openxmlformats.org/drawingml/2006/main" xmlns:r="http://schemas.openxmlformats.org/officeDocument/2006/relationships" xmlns:p="http://schemas.openxmlformats.org/presentationml/2006/main" type="objOnly" preserve="1">
   <p:cSld name="Centered Text">
     <p:spTree>
       <p:nvGrpSpPr>
@@ -2641,16 +2855,17 @@
           </a:prstGeom>
         </p:spPr>
         <p:txBody>
-          <a:bodyPr lIns="0" rIns="0" tIns="0" bIns="0" anchor="ctr"/>
+          <a:bodyPr lIns="0" tIns="0" rIns="0" bIns="0" anchor="ctr"/>
+          <a:lstStyle/>
           <a:p>
             <a:pPr algn="ctr"/>
-            <a:endParaRPr b="0" lang="en-US" sz="3200" spc="-1" strike="noStrike">
-              <a:solidFill>
-                <a:srgbClr val="000000"/>
-              </a:solidFill>
-              <a:uFill>
-                <a:solidFill>
-                  <a:srgbClr val="ffffff"/>
+            <a:endParaRPr lang="en-US" sz="3200" b="0" strike="noStrike" spc="-1">
+              <a:solidFill>
+                <a:srgbClr val="000000"/>
+              </a:solidFill>
+              <a:uFill>
+                <a:solidFill>
+                  <a:srgbClr val="FFFFFF"/>
                 </a:solidFill>
               </a:uFill>
               <a:latin typeface="Arial"/>
@@ -2660,11 +2875,14 @@
       </p:sp>
     </p:spTree>
   </p:cSld>
+  <p:clrMapOvr>
+    <a:masterClrMapping/>
+  </p:clrMapOvr>
 </p:sldLayout>
 </file>
 
 <file path=ppt/slideLayouts/slideLayout7.xml><?xml version="1.0" encoding="utf-8"?>
-<p:sldLayout xmlns:a="http://schemas.openxmlformats.org/drawingml/2006/main" xmlns:p="http://schemas.openxmlformats.org/presentationml/2006/main" xmlns:r="http://schemas.openxmlformats.org/officeDocument/2006/relationships" xmlns:p14="http://schemas.microsoft.com/office/powerpoint/2010/main" xmlns:p15="http://schemas.microsoft.com/office/powerpoint/2012/main" xmlns:mc="http://schemas.openxmlformats.org/markup-compatibility/2006" type="twoObjAndObj" preserve="1">
+<p:sldLayout xmlns:a="http://schemas.openxmlformats.org/drawingml/2006/main" xmlns:r="http://schemas.openxmlformats.org/officeDocument/2006/relationships" xmlns:p="http://schemas.openxmlformats.org/presentationml/2006/main" type="twoObjAndObj" preserve="1">
   <p:cSld name="Title, 2 Content and Content">
     <p:spTree>
       <p:nvGrpSpPr>
@@ -2700,16 +2918,17 @@
           </a:prstGeom>
         </p:spPr>
         <p:txBody>
-          <a:bodyPr lIns="0" rIns="0" tIns="0" bIns="0" anchor="ctr"/>
+          <a:bodyPr lIns="0" tIns="0" rIns="0" bIns="0" anchor="ctr"/>
+          <a:lstStyle/>
           <a:p>
             <a:pPr algn="ctr"/>
-            <a:endParaRPr b="0" lang="en-US" sz="4400" spc="-1" strike="noStrike">
-              <a:solidFill>
-                <a:srgbClr val="000000"/>
-              </a:solidFill>
-              <a:uFill>
-                <a:solidFill>
-                  <a:srgbClr val="ffffff"/>
+            <a:endParaRPr lang="en-US" sz="4400" b="0" strike="noStrike" spc="-1">
+              <a:solidFill>
+                <a:srgbClr val="000000"/>
+              </a:solidFill>
+              <a:uFill>
+                <a:solidFill>
+                  <a:srgbClr val="FFFFFF"/>
                 </a:solidFill>
               </a:uFill>
               <a:latin typeface="Arial"/>
@@ -2737,15 +2956,16 @@
           </a:prstGeom>
         </p:spPr>
         <p:txBody>
-          <a:bodyPr lIns="0" rIns="0" tIns="0" bIns="0"/>
-          <a:p>
-            <a:endParaRPr b="0" lang="en-US" sz="3200" spc="-1" strike="noStrike">
-              <a:solidFill>
-                <a:srgbClr val="000000"/>
-              </a:solidFill>
-              <a:uFill>
-                <a:solidFill>
-                  <a:srgbClr val="ffffff"/>
+          <a:bodyPr lIns="0" tIns="0" rIns="0" bIns="0"/>
+          <a:lstStyle/>
+          <a:p>
+            <a:endParaRPr lang="en-US" sz="3200" b="0" strike="noStrike" spc="-1">
+              <a:solidFill>
+                <a:srgbClr val="000000"/>
+              </a:solidFill>
+              <a:uFill>
+                <a:solidFill>
+                  <a:srgbClr val="FFFFFF"/>
                 </a:solidFill>
               </a:uFill>
               <a:latin typeface="Arial"/>
@@ -2773,15 +2993,16 @@
           </a:prstGeom>
         </p:spPr>
         <p:txBody>
-          <a:bodyPr lIns="0" rIns="0" tIns="0" bIns="0"/>
-          <a:p>
-            <a:endParaRPr b="0" lang="en-US" sz="3200" spc="-1" strike="noStrike">
-              <a:solidFill>
-                <a:srgbClr val="000000"/>
-              </a:solidFill>
-              <a:uFill>
-                <a:solidFill>
-                  <a:srgbClr val="ffffff"/>
+          <a:bodyPr lIns="0" tIns="0" rIns="0" bIns="0"/>
+          <a:lstStyle/>
+          <a:p>
+            <a:endParaRPr lang="en-US" sz="3200" b="0" strike="noStrike" spc="-1">
+              <a:solidFill>
+                <a:srgbClr val="000000"/>
+              </a:solidFill>
+              <a:uFill>
+                <a:solidFill>
+                  <a:srgbClr val="FFFFFF"/>
                 </a:solidFill>
               </a:uFill>
               <a:latin typeface="Arial"/>
@@ -2809,15 +3030,16 @@
           </a:prstGeom>
         </p:spPr>
         <p:txBody>
-          <a:bodyPr lIns="0" rIns="0" tIns="0" bIns="0"/>
-          <a:p>
-            <a:endParaRPr b="0" lang="en-US" sz="3200" spc="-1" strike="noStrike">
-              <a:solidFill>
-                <a:srgbClr val="000000"/>
-              </a:solidFill>
-              <a:uFill>
-                <a:solidFill>
-                  <a:srgbClr val="ffffff"/>
+          <a:bodyPr lIns="0" tIns="0" rIns="0" bIns="0"/>
+          <a:lstStyle/>
+          <a:p>
+            <a:endParaRPr lang="en-US" sz="3200" b="0" strike="noStrike" spc="-1">
+              <a:solidFill>
+                <a:srgbClr val="000000"/>
+              </a:solidFill>
+              <a:uFill>
+                <a:solidFill>
+                  <a:srgbClr val="FFFFFF"/>
                 </a:solidFill>
               </a:uFill>
               <a:latin typeface="Arial"/>
@@ -2827,11 +3049,14 @@
       </p:sp>
     </p:spTree>
   </p:cSld>
+  <p:clrMapOvr>
+    <a:masterClrMapping/>
+  </p:clrMapOvr>
 </p:sldLayout>
 </file>
 
 <file path=ppt/slideLayouts/slideLayout8.xml><?xml version="1.0" encoding="utf-8"?>
-<p:sldLayout xmlns:a="http://schemas.openxmlformats.org/drawingml/2006/main" xmlns:p="http://schemas.openxmlformats.org/presentationml/2006/main" xmlns:r="http://schemas.openxmlformats.org/officeDocument/2006/relationships" xmlns:p14="http://schemas.microsoft.com/office/powerpoint/2010/main" xmlns:p15="http://schemas.microsoft.com/office/powerpoint/2012/main" xmlns:mc="http://schemas.openxmlformats.org/markup-compatibility/2006" type="objAndTwoObj" preserve="1">
+<p:sldLayout xmlns:a="http://schemas.openxmlformats.org/drawingml/2006/main" xmlns:r="http://schemas.openxmlformats.org/officeDocument/2006/relationships" xmlns:p="http://schemas.openxmlformats.org/presentationml/2006/main" type="objAndTwoObj" preserve="1">
   <p:cSld name="Title Content and 2 Content">
     <p:spTree>
       <p:nvGrpSpPr>
@@ -2867,16 +3092,17 @@
           </a:prstGeom>
         </p:spPr>
         <p:txBody>
-          <a:bodyPr lIns="0" rIns="0" tIns="0" bIns="0" anchor="ctr"/>
+          <a:bodyPr lIns="0" tIns="0" rIns="0" bIns="0" anchor="ctr"/>
+          <a:lstStyle/>
           <a:p>
             <a:pPr algn="ctr"/>
-            <a:endParaRPr b="0" lang="en-US" sz="4400" spc="-1" strike="noStrike">
-              <a:solidFill>
-                <a:srgbClr val="000000"/>
-              </a:solidFill>
-              <a:uFill>
-                <a:solidFill>
-                  <a:srgbClr val="ffffff"/>
+            <a:endParaRPr lang="en-US" sz="4400" b="0" strike="noStrike" spc="-1">
+              <a:solidFill>
+                <a:srgbClr val="000000"/>
+              </a:solidFill>
+              <a:uFill>
+                <a:solidFill>
+                  <a:srgbClr val="FFFFFF"/>
                 </a:solidFill>
               </a:uFill>
               <a:latin typeface="Arial"/>
@@ -2904,15 +3130,16 @@
           </a:prstGeom>
         </p:spPr>
         <p:txBody>
-          <a:bodyPr lIns="0" rIns="0" tIns="0" bIns="0"/>
-          <a:p>
-            <a:endParaRPr b="0" lang="en-US" sz="3200" spc="-1" strike="noStrike">
-              <a:solidFill>
-                <a:srgbClr val="000000"/>
-              </a:solidFill>
-              <a:uFill>
-                <a:solidFill>
-                  <a:srgbClr val="ffffff"/>
+          <a:bodyPr lIns="0" tIns="0" rIns="0" bIns="0"/>
+          <a:lstStyle/>
+          <a:p>
+            <a:endParaRPr lang="en-US" sz="3200" b="0" strike="noStrike" spc="-1">
+              <a:solidFill>
+                <a:srgbClr val="000000"/>
+              </a:solidFill>
+              <a:uFill>
+                <a:solidFill>
+                  <a:srgbClr val="FFFFFF"/>
                 </a:solidFill>
               </a:uFill>
               <a:latin typeface="Arial"/>
@@ -2940,15 +3167,16 @@
           </a:prstGeom>
         </p:spPr>
         <p:txBody>
-          <a:bodyPr lIns="0" rIns="0" tIns="0" bIns="0"/>
-          <a:p>
-            <a:endParaRPr b="0" lang="en-US" sz="3200" spc="-1" strike="noStrike">
-              <a:solidFill>
-                <a:srgbClr val="000000"/>
-              </a:solidFill>
-              <a:uFill>
-                <a:solidFill>
-                  <a:srgbClr val="ffffff"/>
+          <a:bodyPr lIns="0" tIns="0" rIns="0" bIns="0"/>
+          <a:lstStyle/>
+          <a:p>
+            <a:endParaRPr lang="en-US" sz="3200" b="0" strike="noStrike" spc="-1">
+              <a:solidFill>
+                <a:srgbClr val="000000"/>
+              </a:solidFill>
+              <a:uFill>
+                <a:solidFill>
+                  <a:srgbClr val="FFFFFF"/>
                 </a:solidFill>
               </a:uFill>
               <a:latin typeface="Arial"/>
@@ -2976,15 +3204,16 @@
           </a:prstGeom>
         </p:spPr>
         <p:txBody>
-          <a:bodyPr lIns="0" rIns="0" tIns="0" bIns="0"/>
-          <a:p>
-            <a:endParaRPr b="0" lang="en-US" sz="3200" spc="-1" strike="noStrike">
-              <a:solidFill>
-                <a:srgbClr val="000000"/>
-              </a:solidFill>
-              <a:uFill>
-                <a:solidFill>
-                  <a:srgbClr val="ffffff"/>
+          <a:bodyPr lIns="0" tIns="0" rIns="0" bIns="0"/>
+          <a:lstStyle/>
+          <a:p>
+            <a:endParaRPr lang="en-US" sz="3200" b="0" strike="noStrike" spc="-1">
+              <a:solidFill>
+                <a:srgbClr val="000000"/>
+              </a:solidFill>
+              <a:uFill>
+                <a:solidFill>
+                  <a:srgbClr val="FFFFFF"/>
                 </a:solidFill>
               </a:uFill>
               <a:latin typeface="Arial"/>
@@ -2994,11 +3223,14 @@
       </p:sp>
     </p:spTree>
   </p:cSld>
+  <p:clrMapOvr>
+    <a:masterClrMapping/>
+  </p:clrMapOvr>
 </p:sldLayout>
 </file>
 
 <file path=ppt/slideLayouts/slideLayout9.xml><?xml version="1.0" encoding="utf-8"?>
-<p:sldLayout xmlns:a="http://schemas.openxmlformats.org/drawingml/2006/main" xmlns:p="http://schemas.openxmlformats.org/presentationml/2006/main" xmlns:r="http://schemas.openxmlformats.org/officeDocument/2006/relationships" xmlns:p14="http://schemas.microsoft.com/office/powerpoint/2010/main" xmlns:p15="http://schemas.microsoft.com/office/powerpoint/2012/main" xmlns:mc="http://schemas.openxmlformats.org/markup-compatibility/2006" type="twoObjOverTx" preserve="1">
+<p:sldLayout xmlns:a="http://schemas.openxmlformats.org/drawingml/2006/main" xmlns:r="http://schemas.openxmlformats.org/officeDocument/2006/relationships" xmlns:p="http://schemas.openxmlformats.org/presentationml/2006/main" type="twoObjOverTx" preserve="1">
   <p:cSld name="Title, 2 Content over Content">
     <p:spTree>
       <p:nvGrpSpPr>
@@ -3034,16 +3266,17 @@
           </a:prstGeom>
         </p:spPr>
         <p:txBody>
-          <a:bodyPr lIns="0" rIns="0" tIns="0" bIns="0" anchor="ctr"/>
+          <a:bodyPr lIns="0" tIns="0" rIns="0" bIns="0" anchor="ctr"/>
+          <a:lstStyle/>
           <a:p>
             <a:pPr algn="ctr"/>
-            <a:endParaRPr b="0" lang="en-US" sz="4400" spc="-1" strike="noStrike">
-              <a:solidFill>
-                <a:srgbClr val="000000"/>
-              </a:solidFill>
-              <a:uFill>
-                <a:solidFill>
-                  <a:srgbClr val="ffffff"/>
+            <a:endParaRPr lang="en-US" sz="4400" b="0" strike="noStrike" spc="-1">
+              <a:solidFill>
+                <a:srgbClr val="000000"/>
+              </a:solidFill>
+              <a:uFill>
+                <a:solidFill>
+                  <a:srgbClr val="FFFFFF"/>
                 </a:solidFill>
               </a:uFill>
               <a:latin typeface="Arial"/>
@@ -3071,15 +3304,16 @@
           </a:prstGeom>
         </p:spPr>
         <p:txBody>
-          <a:bodyPr lIns="0" rIns="0" tIns="0" bIns="0"/>
-          <a:p>
-            <a:endParaRPr b="0" lang="en-US" sz="3200" spc="-1" strike="noStrike">
-              <a:solidFill>
-                <a:srgbClr val="000000"/>
-              </a:solidFill>
-              <a:uFill>
-                <a:solidFill>
-                  <a:srgbClr val="ffffff"/>
+          <a:bodyPr lIns="0" tIns="0" rIns="0" bIns="0"/>
+          <a:lstStyle/>
+          <a:p>
+            <a:endParaRPr lang="en-US" sz="3200" b="0" strike="noStrike" spc="-1">
+              <a:solidFill>
+                <a:srgbClr val="000000"/>
+              </a:solidFill>
+              <a:uFill>
+                <a:solidFill>
+                  <a:srgbClr val="FFFFFF"/>
                 </a:solidFill>
               </a:uFill>
               <a:latin typeface="Arial"/>
@@ -3107,15 +3341,16 @@
           </a:prstGeom>
         </p:spPr>
         <p:txBody>
-          <a:bodyPr lIns="0" rIns="0" tIns="0" bIns="0"/>
-          <a:p>
-            <a:endParaRPr b="0" lang="en-US" sz="3200" spc="-1" strike="noStrike">
-              <a:solidFill>
-                <a:srgbClr val="000000"/>
-              </a:solidFill>
-              <a:uFill>
-                <a:solidFill>
-                  <a:srgbClr val="ffffff"/>
+          <a:bodyPr lIns="0" tIns="0" rIns="0" bIns="0"/>
+          <a:lstStyle/>
+          <a:p>
+            <a:endParaRPr lang="en-US" sz="3200" b="0" strike="noStrike" spc="-1">
+              <a:solidFill>
+                <a:srgbClr val="000000"/>
+              </a:solidFill>
+              <a:uFill>
+                <a:solidFill>
+                  <a:srgbClr val="FFFFFF"/>
                 </a:solidFill>
               </a:uFill>
               <a:latin typeface="Arial"/>
@@ -3143,15 +3378,16 @@
           </a:prstGeom>
         </p:spPr>
         <p:txBody>
-          <a:bodyPr lIns="0" rIns="0" tIns="0" bIns="0"/>
-          <a:p>
-            <a:endParaRPr b="0" lang="en-US" sz="3200" spc="-1" strike="noStrike">
-              <a:solidFill>
-                <a:srgbClr val="000000"/>
-              </a:solidFill>
-              <a:uFill>
-                <a:solidFill>
-                  <a:srgbClr val="ffffff"/>
+          <a:bodyPr lIns="0" tIns="0" rIns="0" bIns="0"/>
+          <a:lstStyle/>
+          <a:p>
+            <a:endParaRPr lang="en-US" sz="3200" b="0" strike="noStrike" spc="-1">
+              <a:solidFill>
+                <a:srgbClr val="000000"/>
+              </a:solidFill>
+              <a:uFill>
+                <a:solidFill>
+                  <a:srgbClr val="FFFFFF"/>
                 </a:solidFill>
               </a:uFill>
               <a:latin typeface="Arial"/>
@@ -3161,11 +3397,14 @@
       </p:sp>
     </p:spTree>
   </p:cSld>
+  <p:clrMapOvr>
+    <a:masterClrMapping/>
+  </p:clrMapOvr>
 </p:sldLayout>
 </file>
 
 <file path=ppt/slideMasters/slideMaster1.xml><?xml version="1.0" encoding="utf-8"?>
-<p:sldMaster xmlns:a="http://schemas.openxmlformats.org/drawingml/2006/main" xmlns:p="http://schemas.openxmlformats.org/presentationml/2006/main" xmlns:r="http://schemas.openxmlformats.org/officeDocument/2006/relationships" xmlns:p14="http://schemas.microsoft.com/office/powerpoint/2010/main" xmlns:p15="http://schemas.microsoft.com/office/powerpoint/2012/main" xmlns:mc="http://schemas.openxmlformats.org/markup-compatibility/2006">
+<p:sldMaster xmlns:a="http://schemas.openxmlformats.org/drawingml/2006/main" xmlns:r="http://schemas.openxmlformats.org/officeDocument/2006/relationships" xmlns:p="http://schemas.openxmlformats.org/presentationml/2006/main">
   <p:cSld>
     <p:spTree>
       <p:nvGrpSpPr>
@@ -3183,7 +3422,7 @@
       </p:grpSpPr>
       <p:sp>
         <p:nvSpPr>
-          <p:cNvPr id="0" name="CustomShape 1"/>
+          <p:cNvPr id="3" name="CustomShape 1"/>
           <p:cNvSpPr/>
           <p:nvPr/>
         </p:nvSpPr>
@@ -3196,22 +3435,28 @@
             <a:avLst/>
           </a:prstGeom>
           <a:solidFill>
-            <a:srgbClr val="ef2929"/>
+            <a:srgbClr val="EF2929"/>
           </a:solidFill>
           <a:ln>
             <a:noFill/>
           </a:ln>
         </p:spPr>
         <p:style>
-          <a:lnRef idx="0"/>
-          <a:fillRef idx="0"/>
-          <a:effectRef idx="0"/>
+          <a:lnRef idx="0">
+            <a:scrgbClr r="0" g="0" b="0"/>
+          </a:lnRef>
+          <a:fillRef idx="0">
+            <a:scrgbClr r="0" g="0" b="0"/>
+          </a:fillRef>
+          <a:effectRef idx="0">
+            <a:scrgbClr r="0" g="0" b="0"/>
+          </a:effectRef>
           <a:fontRef idx="minor"/>
         </p:style>
       </p:sp>
       <p:sp>
         <p:nvSpPr>
-          <p:cNvPr id="1" name="PlaceHolder 2"/>
+          <p:cNvPr id="4" name="PlaceHolder 2"/>
           <p:cNvSpPr>
             <a:spLocks noGrp="1"/>
           </p:cNvSpPr>
@@ -3229,33 +3474,23 @@
           </a:prstGeom>
         </p:spPr>
         <p:txBody>
-          <a:bodyPr lIns="0" rIns="0" tIns="0" bIns="0" anchor="ctr"/>
+          <a:bodyPr lIns="0" tIns="0" rIns="0" bIns="0" anchor="ctr"/>
+          <a:lstStyle/>
           <a:p>
             <a:r>
-              <a:rPr b="0" lang="en-US" sz="1800" spc="-1" strike="noStrike">
+              <a:rPr lang="en-US" sz="1800" b="0" strike="noStrike" spc="-1">
                 <a:solidFill>
                   <a:srgbClr val="000000"/>
                 </a:solidFill>
                 <a:uFill>
                   <a:solidFill>
-                    <a:srgbClr val="ffffff"/>
+                    <a:srgbClr val="FFFFFF"/>
                   </a:solidFill>
                 </a:uFill>
                 <a:latin typeface="Arial"/>
               </a:rPr>
               <a:t>Click to edit the title text format</a:t>
             </a:r>
-            <a:endParaRPr b="0" lang="en-US" sz="1800" spc="-1" strike="noStrike">
-              <a:solidFill>
-                <a:srgbClr val="000000"/>
-              </a:solidFill>
-              <a:uFill>
-                <a:solidFill>
-                  <a:srgbClr val="ffffff"/>
-                </a:solidFill>
-              </a:uFill>
-              <a:latin typeface="Arial"/>
-            </a:endParaRPr>
           </a:p>
         </p:txBody>
       </p:sp>
@@ -3279,7 +3514,8 @@
           </a:prstGeom>
         </p:spPr>
         <p:txBody>
-          <a:bodyPr lIns="0" rIns="0" tIns="0" bIns="0"/>
+          <a:bodyPr lIns="0" tIns="0" rIns="0" bIns="0"/>
+          <a:lstStyle/>
           <a:p>
             <a:pPr marL="432000" indent="-324000">
               <a:spcBef>
@@ -3293,33 +3529,22 @@
               <a:buChar char=""/>
             </a:pPr>
             <a:r>
-              <a:rPr b="0" lang="en-US" sz="1800" spc="-1" strike="noStrike">
+              <a:rPr lang="en-US" sz="1800" b="0" strike="noStrike" spc="-1">
                 <a:solidFill>
                   <a:srgbClr val="000000"/>
                 </a:solidFill>
                 <a:uFill>
                   <a:solidFill>
-                    <a:srgbClr val="ffffff"/>
+                    <a:srgbClr val="FFFFFF"/>
                   </a:solidFill>
                 </a:uFill>
                 <a:latin typeface="Arial"/>
               </a:rPr>
               <a:t>Click to edit the outline text format</a:t>
             </a:r>
-            <a:endParaRPr b="0" lang="en-US" sz="1800" spc="-1" strike="noStrike">
-              <a:solidFill>
-                <a:srgbClr val="000000"/>
-              </a:solidFill>
-              <a:uFill>
-                <a:solidFill>
-                  <a:srgbClr val="ffffff"/>
-                </a:solidFill>
-              </a:uFill>
-              <a:latin typeface="Arial"/>
-            </a:endParaRPr>
-          </a:p>
-          <a:p>
-            <a:pPr lvl="1" marL="864000" indent="-324000">
+          </a:p>
+          <a:p>
+            <a:pPr marL="864000" lvl="1" indent="-324000">
               <a:spcBef>
                 <a:spcPts val="1134"/>
               </a:spcBef>
@@ -3331,33 +3556,22 @@
               <a:buChar char=""/>
             </a:pPr>
             <a:r>
-              <a:rPr b="0" lang="en-US" sz="1800" spc="-1" strike="noStrike">
+              <a:rPr lang="en-US" sz="1800" b="0" strike="noStrike" spc="-1">
                 <a:solidFill>
                   <a:srgbClr val="000000"/>
                 </a:solidFill>
                 <a:uFill>
                   <a:solidFill>
-                    <a:srgbClr val="ffffff"/>
+                    <a:srgbClr val="FFFFFF"/>
                   </a:solidFill>
                 </a:uFill>
                 <a:latin typeface="Arial"/>
               </a:rPr>
               <a:t>Second Outline Level</a:t>
             </a:r>
-            <a:endParaRPr b="0" lang="en-US" sz="1800" spc="-1" strike="noStrike">
-              <a:solidFill>
-                <a:srgbClr val="000000"/>
-              </a:solidFill>
-              <a:uFill>
-                <a:solidFill>
-                  <a:srgbClr val="ffffff"/>
-                </a:solidFill>
-              </a:uFill>
-              <a:latin typeface="Arial"/>
-            </a:endParaRPr>
-          </a:p>
-          <a:p>
-            <a:pPr lvl="2" marL="1296000" indent="-288000">
+          </a:p>
+          <a:p>
+            <a:pPr marL="1296000" lvl="2" indent="-288000">
               <a:spcBef>
                 <a:spcPts val="850"/>
               </a:spcBef>
@@ -3369,33 +3583,22 @@
               <a:buChar char=""/>
             </a:pPr>
             <a:r>
-              <a:rPr b="0" lang="en-US" sz="1800" spc="-1" strike="noStrike">
+              <a:rPr lang="en-US" sz="1800" b="0" strike="noStrike" spc="-1">
                 <a:solidFill>
                   <a:srgbClr val="000000"/>
                 </a:solidFill>
                 <a:uFill>
                   <a:solidFill>
-                    <a:srgbClr val="ffffff"/>
+                    <a:srgbClr val="FFFFFF"/>
                   </a:solidFill>
                 </a:uFill>
                 <a:latin typeface="Arial"/>
               </a:rPr>
               <a:t>Third Outline Level</a:t>
             </a:r>
-            <a:endParaRPr b="0" lang="en-US" sz="1800" spc="-1" strike="noStrike">
-              <a:solidFill>
-                <a:srgbClr val="000000"/>
-              </a:solidFill>
-              <a:uFill>
-                <a:solidFill>
-                  <a:srgbClr val="ffffff"/>
-                </a:solidFill>
-              </a:uFill>
-              <a:latin typeface="Arial"/>
-            </a:endParaRPr>
-          </a:p>
-          <a:p>
-            <a:pPr lvl="3" marL="1728000" indent="-216000">
+          </a:p>
+          <a:p>
+            <a:pPr marL="1728000" lvl="3" indent="-216000">
               <a:spcBef>
                 <a:spcPts val="567"/>
               </a:spcBef>
@@ -3407,33 +3610,22 @@
               <a:buChar char=""/>
             </a:pPr>
             <a:r>
-              <a:rPr b="0" lang="en-US" sz="1800" spc="-1" strike="noStrike">
+              <a:rPr lang="en-US" sz="1800" b="0" strike="noStrike" spc="-1">
                 <a:solidFill>
                   <a:srgbClr val="000000"/>
                 </a:solidFill>
                 <a:uFill>
                   <a:solidFill>
-                    <a:srgbClr val="ffffff"/>
+                    <a:srgbClr val="FFFFFF"/>
                   </a:solidFill>
                 </a:uFill>
                 <a:latin typeface="Arial"/>
               </a:rPr>
               <a:t>Fourth Outline Level</a:t>
             </a:r>
-            <a:endParaRPr b="0" lang="en-US" sz="1800" spc="-1" strike="noStrike">
-              <a:solidFill>
-                <a:srgbClr val="000000"/>
-              </a:solidFill>
-              <a:uFill>
-                <a:solidFill>
-                  <a:srgbClr val="ffffff"/>
-                </a:solidFill>
-              </a:uFill>
-              <a:latin typeface="Arial"/>
-            </a:endParaRPr>
-          </a:p>
-          <a:p>
-            <a:pPr lvl="4" marL="2160000" indent="-216000">
+          </a:p>
+          <a:p>
+            <a:pPr marL="2160000" lvl="4" indent="-216000">
               <a:spcBef>
                 <a:spcPts val="283"/>
               </a:spcBef>
@@ -3445,33 +3637,22 @@
               <a:buChar char=""/>
             </a:pPr>
             <a:r>
-              <a:rPr b="0" lang="en-US" sz="1800" spc="-1" strike="noStrike">
+              <a:rPr lang="en-US" sz="1800" b="0" strike="noStrike" spc="-1">
                 <a:solidFill>
                   <a:srgbClr val="000000"/>
                 </a:solidFill>
                 <a:uFill>
                   <a:solidFill>
-                    <a:srgbClr val="ffffff"/>
+                    <a:srgbClr val="FFFFFF"/>
                   </a:solidFill>
                 </a:uFill>
                 <a:latin typeface="Arial"/>
               </a:rPr>
               <a:t>Fifth Outline Level</a:t>
             </a:r>
-            <a:endParaRPr b="0" lang="en-US" sz="1800" spc="-1" strike="noStrike">
-              <a:solidFill>
-                <a:srgbClr val="000000"/>
-              </a:solidFill>
-              <a:uFill>
-                <a:solidFill>
-                  <a:srgbClr val="ffffff"/>
-                </a:solidFill>
-              </a:uFill>
-              <a:latin typeface="Arial"/>
-            </a:endParaRPr>
-          </a:p>
-          <a:p>
-            <a:pPr lvl="5" marL="2592000" indent="-216000">
+          </a:p>
+          <a:p>
+            <a:pPr marL="2592000" lvl="5" indent="-216000">
               <a:spcBef>
                 <a:spcPts val="283"/>
               </a:spcBef>
@@ -3483,33 +3664,22 @@
               <a:buChar char=""/>
             </a:pPr>
             <a:r>
-              <a:rPr b="0" lang="en-US" sz="1800" spc="-1" strike="noStrike">
+              <a:rPr lang="en-US" sz="1800" b="0" strike="noStrike" spc="-1">
                 <a:solidFill>
                   <a:srgbClr val="000000"/>
                 </a:solidFill>
                 <a:uFill>
                   <a:solidFill>
-                    <a:srgbClr val="ffffff"/>
+                    <a:srgbClr val="FFFFFF"/>
                   </a:solidFill>
                 </a:uFill>
                 <a:latin typeface="Arial"/>
               </a:rPr>
               <a:t>Sixth Outline Level</a:t>
             </a:r>
-            <a:endParaRPr b="0" lang="en-US" sz="1800" spc="-1" strike="noStrike">
-              <a:solidFill>
-                <a:srgbClr val="000000"/>
-              </a:solidFill>
-              <a:uFill>
-                <a:solidFill>
-                  <a:srgbClr val="ffffff"/>
-                </a:solidFill>
-              </a:uFill>
-              <a:latin typeface="Arial"/>
-            </a:endParaRPr>
-          </a:p>
-          <a:p>
-            <a:pPr lvl="6" marL="3024000" indent="-216000">
+          </a:p>
+          <a:p>
+            <a:pPr marL="3024000" lvl="6" indent="-216000">
               <a:spcBef>
                 <a:spcPts val="283"/>
               </a:spcBef>
@@ -3521,55 +3691,49 @@
               <a:buChar char=""/>
             </a:pPr>
             <a:r>
-              <a:rPr b="0" lang="en-US" sz="1800" spc="-1" strike="noStrike">
+              <a:rPr lang="en-US" sz="1800" b="0" strike="noStrike" spc="-1">
                 <a:solidFill>
                   <a:srgbClr val="000000"/>
                 </a:solidFill>
                 <a:uFill>
                   <a:solidFill>
-                    <a:srgbClr val="ffffff"/>
+                    <a:srgbClr val="FFFFFF"/>
                   </a:solidFill>
                 </a:uFill>
                 <a:latin typeface="Arial"/>
               </a:rPr>
               <a:t>Seventh Outline Level</a:t>
             </a:r>
-            <a:endParaRPr b="0" lang="en-US" sz="1800" spc="-1" strike="noStrike">
-              <a:solidFill>
-                <a:srgbClr val="000000"/>
-              </a:solidFill>
-              <a:uFill>
-                <a:solidFill>
-                  <a:srgbClr val="ffffff"/>
-                </a:solidFill>
-              </a:uFill>
-              <a:latin typeface="Arial"/>
-            </a:endParaRPr>
           </a:p>
         </p:txBody>
       </p:sp>
     </p:spTree>
   </p:cSld>
-  <p:clrMap bg1="lt1" bg2="lt2" tx1="dk1" tx2="dk2" accent1="accent1" accent2="accent2" accent3="accent3" accent4="accent4" accent5="accent5" accent6="accent6" hlink="hlink" folHlink="folHlink"/>
+  <p:clrMap bg1="lt1" tx1="dk1" bg2="lt2" tx2="dk2" accent1="accent1" accent2="accent2" accent3="accent3" accent4="accent4" accent5="accent5" accent6="accent6" hlink="hlink" folHlink="folHlink"/>
   <p:sldLayoutIdLst>
-    <p:sldLayoutId id="2147483649" r:id="rId2"/>
-    <p:sldLayoutId id="2147483650" r:id="rId3"/>
-    <p:sldLayoutId id="2147483651" r:id="rId4"/>
-    <p:sldLayoutId id="2147483652" r:id="rId5"/>
-    <p:sldLayoutId id="2147483653" r:id="rId6"/>
-    <p:sldLayoutId id="2147483654" r:id="rId7"/>
-    <p:sldLayoutId id="2147483655" r:id="rId8"/>
-    <p:sldLayoutId id="2147483656" r:id="rId9"/>
-    <p:sldLayoutId id="2147483657" r:id="rId10"/>
-    <p:sldLayoutId id="2147483658" r:id="rId11"/>
-    <p:sldLayoutId id="2147483659" r:id="rId12"/>
-    <p:sldLayoutId id="2147483660" r:id="rId13"/>
+    <p:sldLayoutId id="2147483649" r:id="rId1"/>
+    <p:sldLayoutId id="2147483650" r:id="rId2"/>
+    <p:sldLayoutId id="2147483651" r:id="rId3"/>
+    <p:sldLayoutId id="2147483652" r:id="rId4"/>
+    <p:sldLayoutId id="2147483653" r:id="rId5"/>
+    <p:sldLayoutId id="2147483654" r:id="rId6"/>
+    <p:sldLayoutId id="2147483655" r:id="rId7"/>
+    <p:sldLayoutId id="2147483656" r:id="rId8"/>
+    <p:sldLayoutId id="2147483657" r:id="rId9"/>
+    <p:sldLayoutId id="2147483658" r:id="rId10"/>
+    <p:sldLayoutId id="2147483659" r:id="rId11"/>
+    <p:sldLayoutId id="2147483660" r:id="rId12"/>
   </p:sldLayoutIdLst>
+  <p:txStyles>
+    <p:titleStyle/>
+    <p:bodyStyle/>
+    <p:otherStyle/>
+  </p:txStyles>
 </p:sldMaster>
 </file>
 
 <file path=ppt/slideMasters/slideMaster2.xml><?xml version="1.0" encoding="utf-8"?>
-<p:sldMaster xmlns:a="http://schemas.openxmlformats.org/drawingml/2006/main" xmlns:p="http://schemas.openxmlformats.org/presentationml/2006/main" xmlns:r="http://schemas.openxmlformats.org/officeDocument/2006/relationships" xmlns:p14="http://schemas.microsoft.com/office/powerpoint/2010/main" xmlns:p15="http://schemas.microsoft.com/office/powerpoint/2012/main" xmlns:mc="http://schemas.openxmlformats.org/markup-compatibility/2006">
+<p:sldMaster xmlns:a="http://schemas.openxmlformats.org/drawingml/2006/main" xmlns:r="http://schemas.openxmlformats.org/officeDocument/2006/relationships" xmlns:p="http://schemas.openxmlformats.org/presentationml/2006/main">
   <p:cSld>
     <p:spTree>
       <p:nvGrpSpPr>
@@ -3600,16 +3764,22 @@
             <a:avLst/>
           </a:prstGeom>
           <a:solidFill>
-            <a:srgbClr val="ef2929"/>
+            <a:srgbClr val="EF2929"/>
           </a:solidFill>
           <a:ln>
             <a:noFill/>
           </a:ln>
         </p:spPr>
         <p:style>
-          <a:lnRef idx="0"/>
-          <a:fillRef idx="0"/>
-          <a:effectRef idx="0"/>
+          <a:lnRef idx="0">
+            <a:scrgbClr r="0" g="0" b="0"/>
+          </a:lnRef>
+          <a:fillRef idx="0">
+            <a:scrgbClr r="0" g="0" b="0"/>
+          </a:fillRef>
+          <a:effectRef idx="0">
+            <a:scrgbClr r="0" g="0" b="0"/>
+          </a:effectRef>
           <a:fontRef idx="minor"/>
         </p:style>
       </p:sp>
@@ -3633,34 +3803,24 @@
           </a:prstGeom>
         </p:spPr>
         <p:txBody>
-          <a:bodyPr lIns="0" rIns="0" tIns="0" bIns="0" anchor="ctr"/>
+          <a:bodyPr lIns="0" tIns="0" rIns="0" bIns="0" anchor="ctr"/>
+          <a:lstStyle/>
           <a:p>
             <a:pPr algn="ctr"/>
             <a:r>
-              <a:rPr b="0" lang="en-US" sz="4400" spc="-1" strike="noStrike">
+              <a:rPr lang="en-US" sz="4400" b="0" strike="noStrike" spc="-1">
                 <a:solidFill>
                   <a:srgbClr val="000000"/>
                 </a:solidFill>
                 <a:uFill>
                   <a:solidFill>
-                    <a:srgbClr val="ffffff"/>
+                    <a:srgbClr val="FFFFFF"/>
                   </a:solidFill>
                 </a:uFill>
                 <a:latin typeface="Arial"/>
               </a:rPr>
               <a:t>Click to edit the title text format</a:t>
             </a:r>
-            <a:endParaRPr b="0" lang="en-US" sz="4400" spc="-1" strike="noStrike">
-              <a:solidFill>
-                <a:srgbClr val="000000"/>
-              </a:solidFill>
-              <a:uFill>
-                <a:solidFill>
-                  <a:srgbClr val="ffffff"/>
-                </a:solidFill>
-              </a:uFill>
-              <a:latin typeface="Arial"/>
-            </a:endParaRPr>
           </a:p>
         </p:txBody>
       </p:sp>
@@ -3684,7 +3844,8 @@
           </a:prstGeom>
         </p:spPr>
         <p:txBody>
-          <a:bodyPr lIns="0" rIns="0" tIns="0" bIns="0"/>
+          <a:bodyPr lIns="0" tIns="0" rIns="0" bIns="0"/>
+          <a:lstStyle/>
           <a:p>
             <a:pPr marL="432000" indent="-324000">
               <a:spcBef>
@@ -3698,33 +3859,22 @@
               <a:buChar char=""/>
             </a:pPr>
             <a:r>
-              <a:rPr b="0" lang="en-US" sz="3200" spc="-1" strike="noStrike">
+              <a:rPr lang="en-US" sz="3200" b="0" strike="noStrike" spc="-1">
                 <a:solidFill>
                   <a:srgbClr val="000000"/>
                 </a:solidFill>
                 <a:uFill>
                   <a:solidFill>
-                    <a:srgbClr val="ffffff"/>
+                    <a:srgbClr val="FFFFFF"/>
                   </a:solidFill>
                 </a:uFill>
                 <a:latin typeface="Arial"/>
               </a:rPr>
               <a:t>Click to edit the outline text format</a:t>
             </a:r>
-            <a:endParaRPr b="0" lang="en-US" sz="3200" spc="-1" strike="noStrike">
-              <a:solidFill>
-                <a:srgbClr val="000000"/>
-              </a:solidFill>
-              <a:uFill>
-                <a:solidFill>
-                  <a:srgbClr val="ffffff"/>
-                </a:solidFill>
-              </a:uFill>
-              <a:latin typeface="Arial"/>
-            </a:endParaRPr>
-          </a:p>
-          <a:p>
-            <a:pPr lvl="1" marL="864000" indent="-324000">
+          </a:p>
+          <a:p>
+            <a:pPr marL="864000" lvl="1" indent="-324000">
               <a:spcBef>
                 <a:spcPts val="1134"/>
               </a:spcBef>
@@ -3736,33 +3886,22 @@
               <a:buChar char=""/>
             </a:pPr>
             <a:r>
-              <a:rPr b="0" lang="en-US" sz="2800" spc="-1" strike="noStrike">
+              <a:rPr lang="en-US" sz="2800" b="0" strike="noStrike" spc="-1">
                 <a:solidFill>
                   <a:srgbClr val="000000"/>
                 </a:solidFill>
                 <a:uFill>
                   <a:solidFill>
-                    <a:srgbClr val="ffffff"/>
+                    <a:srgbClr val="FFFFFF"/>
                   </a:solidFill>
                 </a:uFill>
                 <a:latin typeface="Arial"/>
               </a:rPr>
               <a:t>Second Outline Level</a:t>
             </a:r>
-            <a:endParaRPr b="0" lang="en-US" sz="2800" spc="-1" strike="noStrike">
-              <a:solidFill>
-                <a:srgbClr val="000000"/>
-              </a:solidFill>
-              <a:uFill>
-                <a:solidFill>
-                  <a:srgbClr val="ffffff"/>
-                </a:solidFill>
-              </a:uFill>
-              <a:latin typeface="Arial"/>
-            </a:endParaRPr>
-          </a:p>
-          <a:p>
-            <a:pPr lvl="2" marL="1296000" indent="-288000">
+          </a:p>
+          <a:p>
+            <a:pPr marL="1296000" lvl="2" indent="-288000">
               <a:spcBef>
                 <a:spcPts val="850"/>
               </a:spcBef>
@@ -3774,33 +3913,22 @@
               <a:buChar char=""/>
             </a:pPr>
             <a:r>
-              <a:rPr b="0" lang="en-US" sz="2400" spc="-1" strike="noStrike">
+              <a:rPr lang="en-US" sz="2400" b="0" strike="noStrike" spc="-1">
                 <a:solidFill>
                   <a:srgbClr val="000000"/>
                 </a:solidFill>
                 <a:uFill>
                   <a:solidFill>
-                    <a:srgbClr val="ffffff"/>
+                    <a:srgbClr val="FFFFFF"/>
                   </a:solidFill>
                 </a:uFill>
                 <a:latin typeface="Arial"/>
               </a:rPr>
               <a:t>Third Outline Level</a:t>
             </a:r>
-            <a:endParaRPr b="0" lang="en-US" sz="2400" spc="-1" strike="noStrike">
-              <a:solidFill>
-                <a:srgbClr val="000000"/>
-              </a:solidFill>
-              <a:uFill>
-                <a:solidFill>
-                  <a:srgbClr val="ffffff"/>
-                </a:solidFill>
-              </a:uFill>
-              <a:latin typeface="Arial"/>
-            </a:endParaRPr>
-          </a:p>
-          <a:p>
-            <a:pPr lvl="3" marL="1728000" indent="-216000">
+          </a:p>
+          <a:p>
+            <a:pPr marL="1728000" lvl="3" indent="-216000">
               <a:spcBef>
                 <a:spcPts val="567"/>
               </a:spcBef>
@@ -3812,33 +3940,22 @@
               <a:buChar char=""/>
             </a:pPr>
             <a:r>
-              <a:rPr b="0" lang="en-US" sz="2000" spc="-1" strike="noStrike">
+              <a:rPr lang="en-US" sz="2000" b="0" strike="noStrike" spc="-1">
                 <a:solidFill>
                   <a:srgbClr val="000000"/>
                 </a:solidFill>
                 <a:uFill>
                   <a:solidFill>
-                    <a:srgbClr val="ffffff"/>
+                    <a:srgbClr val="FFFFFF"/>
                   </a:solidFill>
                 </a:uFill>
                 <a:latin typeface="Arial"/>
               </a:rPr>
               <a:t>Fourth Outline Level</a:t>
             </a:r>
-            <a:endParaRPr b="0" lang="en-US" sz="2000" spc="-1" strike="noStrike">
-              <a:solidFill>
-                <a:srgbClr val="000000"/>
-              </a:solidFill>
-              <a:uFill>
-                <a:solidFill>
-                  <a:srgbClr val="ffffff"/>
-                </a:solidFill>
-              </a:uFill>
-              <a:latin typeface="Arial"/>
-            </a:endParaRPr>
-          </a:p>
-          <a:p>
-            <a:pPr lvl="4" marL="2160000" indent="-216000">
+          </a:p>
+          <a:p>
+            <a:pPr marL="2160000" lvl="4" indent="-216000">
               <a:spcBef>
                 <a:spcPts val="283"/>
               </a:spcBef>
@@ -3850,33 +3967,22 @@
               <a:buChar char=""/>
             </a:pPr>
             <a:r>
-              <a:rPr b="0" lang="en-US" sz="2000" spc="-1" strike="noStrike">
+              <a:rPr lang="en-US" sz="2000" b="0" strike="noStrike" spc="-1">
                 <a:solidFill>
                   <a:srgbClr val="000000"/>
                 </a:solidFill>
                 <a:uFill>
                   <a:solidFill>
-                    <a:srgbClr val="ffffff"/>
+                    <a:srgbClr val="FFFFFF"/>
                   </a:solidFill>
                 </a:uFill>
                 <a:latin typeface="Arial"/>
               </a:rPr>
               <a:t>Fifth Outline Level</a:t>
             </a:r>
-            <a:endParaRPr b="0" lang="en-US" sz="2000" spc="-1" strike="noStrike">
-              <a:solidFill>
-                <a:srgbClr val="000000"/>
-              </a:solidFill>
-              <a:uFill>
-                <a:solidFill>
-                  <a:srgbClr val="ffffff"/>
-                </a:solidFill>
-              </a:uFill>
-              <a:latin typeface="Arial"/>
-            </a:endParaRPr>
-          </a:p>
-          <a:p>
-            <a:pPr lvl="5" marL="2592000" indent="-216000">
+          </a:p>
+          <a:p>
+            <a:pPr marL="2592000" lvl="5" indent="-216000">
               <a:spcBef>
                 <a:spcPts val="283"/>
               </a:spcBef>
@@ -3888,33 +3994,22 @@
               <a:buChar char=""/>
             </a:pPr>
             <a:r>
-              <a:rPr b="0" lang="en-US" sz="2000" spc="-1" strike="noStrike">
+              <a:rPr lang="en-US" sz="2000" b="0" strike="noStrike" spc="-1">
                 <a:solidFill>
                   <a:srgbClr val="000000"/>
                 </a:solidFill>
                 <a:uFill>
                   <a:solidFill>
-                    <a:srgbClr val="ffffff"/>
+                    <a:srgbClr val="FFFFFF"/>
                   </a:solidFill>
                 </a:uFill>
                 <a:latin typeface="Arial"/>
               </a:rPr>
               <a:t>Sixth Outline Level</a:t>
             </a:r>
-            <a:endParaRPr b="0" lang="en-US" sz="2000" spc="-1" strike="noStrike">
-              <a:solidFill>
-                <a:srgbClr val="000000"/>
-              </a:solidFill>
-              <a:uFill>
-                <a:solidFill>
-                  <a:srgbClr val="ffffff"/>
-                </a:solidFill>
-              </a:uFill>
-              <a:latin typeface="Arial"/>
-            </a:endParaRPr>
-          </a:p>
-          <a:p>
-            <a:pPr lvl="6" marL="3024000" indent="-216000">
+          </a:p>
+          <a:p>
+            <a:pPr marL="3024000" lvl="6" indent="-216000">
               <a:spcBef>
                 <a:spcPts val="283"/>
               </a:spcBef>
@@ -3926,55 +4021,49 @@
               <a:buChar char=""/>
             </a:pPr>
             <a:r>
-              <a:rPr b="0" lang="en-US" sz="2000" spc="-1" strike="noStrike">
+              <a:rPr lang="en-US" sz="2000" b="0" strike="noStrike" spc="-1">
                 <a:solidFill>
                   <a:srgbClr val="000000"/>
                 </a:solidFill>
                 <a:uFill>
                   <a:solidFill>
-                    <a:srgbClr val="ffffff"/>
+                    <a:srgbClr val="FFFFFF"/>
                   </a:solidFill>
                 </a:uFill>
                 <a:latin typeface="Arial"/>
               </a:rPr>
               <a:t>Seventh Outline Level</a:t>
             </a:r>
-            <a:endParaRPr b="0" lang="en-US" sz="2000" spc="-1" strike="noStrike">
-              <a:solidFill>
-                <a:srgbClr val="000000"/>
-              </a:solidFill>
-              <a:uFill>
-                <a:solidFill>
-                  <a:srgbClr val="ffffff"/>
-                </a:solidFill>
-              </a:uFill>
-              <a:latin typeface="Arial"/>
-            </a:endParaRPr>
           </a:p>
         </p:txBody>
       </p:sp>
     </p:spTree>
   </p:cSld>
-  <p:clrMap bg1="lt1" bg2="lt2" tx1="dk1" tx2="dk2" accent1="accent1" accent2="accent2" accent3="accent3" accent4="accent4" accent5="accent5" accent6="accent6" hlink="hlink" folHlink="folHlink"/>
+  <p:clrMap bg1="lt1" tx1="dk1" bg2="lt2" tx2="dk2" accent1="accent1" accent2="accent2" accent3="accent3" accent4="accent4" accent5="accent5" accent6="accent6" hlink="hlink" folHlink="folHlink"/>
   <p:sldLayoutIdLst>
-    <p:sldLayoutId id="2147483662" r:id="rId2"/>
-    <p:sldLayoutId id="2147483663" r:id="rId3"/>
-    <p:sldLayoutId id="2147483664" r:id="rId4"/>
-    <p:sldLayoutId id="2147483665" r:id="rId5"/>
-    <p:sldLayoutId id="2147483666" r:id="rId6"/>
-    <p:sldLayoutId id="2147483667" r:id="rId7"/>
-    <p:sldLayoutId id="2147483668" r:id="rId8"/>
-    <p:sldLayoutId id="2147483669" r:id="rId9"/>
-    <p:sldLayoutId id="2147483670" r:id="rId10"/>
-    <p:sldLayoutId id="2147483671" r:id="rId11"/>
-    <p:sldLayoutId id="2147483672" r:id="rId12"/>
-    <p:sldLayoutId id="2147483673" r:id="rId13"/>
+    <p:sldLayoutId id="2147483662" r:id="rId1"/>
+    <p:sldLayoutId id="2147483663" r:id="rId2"/>
+    <p:sldLayoutId id="2147483664" r:id="rId3"/>
+    <p:sldLayoutId id="2147483665" r:id="rId4"/>
+    <p:sldLayoutId id="2147483666" r:id="rId5"/>
+    <p:sldLayoutId id="2147483667" r:id="rId6"/>
+    <p:sldLayoutId id="2147483668" r:id="rId7"/>
+    <p:sldLayoutId id="2147483669" r:id="rId8"/>
+    <p:sldLayoutId id="2147483670" r:id="rId9"/>
+    <p:sldLayoutId id="2147483671" r:id="rId10"/>
+    <p:sldLayoutId id="2147483672" r:id="rId11"/>
+    <p:sldLayoutId id="2147483673" r:id="rId12"/>
   </p:sldLayoutIdLst>
+  <p:txStyles>
+    <p:titleStyle/>
+    <p:bodyStyle/>
+    <p:otherStyle/>
+  </p:txStyles>
 </p:sldMaster>
 </file>
 
 <file path=ppt/slides/slide1.xml><?xml version="1.0" encoding="utf-8"?>
-<p:sld xmlns:a="http://schemas.openxmlformats.org/drawingml/2006/main" xmlns:p="http://schemas.openxmlformats.org/presentationml/2006/main" xmlns:r="http://schemas.openxmlformats.org/officeDocument/2006/relationships" xmlns:p14="http://schemas.microsoft.com/office/powerpoint/2010/main" xmlns:p15="http://schemas.microsoft.com/office/powerpoint/2012/main" xmlns:mc="http://schemas.openxmlformats.org/markup-compatibility/2006">
+<p:sld xmlns:a="http://schemas.openxmlformats.org/drawingml/2006/main" xmlns:r="http://schemas.openxmlformats.org/officeDocument/2006/relationships" xmlns:p="http://schemas.openxmlformats.org/presentationml/2006/main">
   <p:cSld>
     <p:spTree>
       <p:nvGrpSpPr>
@@ -4010,22 +4099,29 @@
           </a:ln>
         </p:spPr>
         <p:style>
-          <a:lnRef idx="0"/>
-          <a:fillRef idx="0"/>
-          <a:effectRef idx="0"/>
+          <a:lnRef idx="0">
+            <a:scrgbClr r="0" g="0" b="0"/>
+          </a:lnRef>
+          <a:fillRef idx="0">
+            <a:scrgbClr r="0" g="0" b="0"/>
+          </a:fillRef>
+          <a:effectRef idx="0">
+            <a:scrgbClr r="0" g="0" b="0"/>
+          </a:effectRef>
           <a:fontRef idx="minor"/>
         </p:style>
         <p:txBody>
-          <a:bodyPr lIns="0" rIns="0" tIns="0" bIns="0" anchor="ctr"/>
+          <a:bodyPr lIns="0" tIns="0" rIns="0" bIns="0" anchor="ctr"/>
+          <a:lstStyle/>
           <a:p>
             <a:r>
-              <a:rPr b="1" lang="en-US" sz="4800" spc="-1" strike="noStrike">
+              <a:rPr lang="en-US" sz="4800" b="1" strike="noStrike" spc="-1">
                 <a:solidFill>
                   <a:srgbClr val="333333"/>
                 </a:solidFill>
                 <a:uFill>
                   <a:solidFill>
-                    <a:srgbClr val="ffffff"/>
+                    <a:srgbClr val="FFFFFF"/>
                   </a:solidFill>
                 </a:uFill>
                 <a:latin typeface="Open Sans"/>
@@ -4033,13 +4129,13 @@
               </a:rPr>
               <a:t>Cybersecurity Password Vault using Java</a:t>
             </a:r>
-            <a:endParaRPr b="0" lang="en-US" sz="1800" spc="-1" strike="noStrike">
-              <a:solidFill>
-                <a:srgbClr val="000000"/>
-              </a:solidFill>
-              <a:uFill>
-                <a:solidFill>
-                  <a:srgbClr val="ffffff"/>
+            <a:endParaRPr lang="en-US" sz="1800" b="0" strike="noStrike" spc="-1">
+              <a:solidFill>
+                <a:srgbClr val="000000"/>
+              </a:solidFill>
+              <a:uFill>
+                <a:solidFill>
+                  <a:srgbClr val="FFFFFF"/>
                 </a:solidFill>
               </a:uFill>
               <a:latin typeface="Arial"/>
@@ -4067,14 +4163,23 @@
           </a:ln>
         </p:spPr>
         <p:style>
-          <a:lnRef idx="0"/>
-          <a:fillRef idx="0"/>
-          <a:effectRef idx="0"/>
+          <a:lnRef idx="0">
+            <a:scrgbClr r="0" g="0" b="0"/>
+          </a:lnRef>
+          <a:fillRef idx="0">
+            <a:scrgbClr r="0" g="0" b="0"/>
+          </a:fillRef>
+          <a:effectRef idx="0">
+            <a:scrgbClr r="0" g="0" b="0"/>
+          </a:effectRef>
           <a:fontRef idx="minor"/>
         </p:style>
       </p:sp>
     </p:spTree>
   </p:cSld>
+  <p:clrMapOvr>
+    <a:masterClrMapping/>
+  </p:clrMapOvr>
   <p:timing>
     <p:tnLst>
       <p:par>
@@ -4083,14 +4188,14 @@
             <p:seq>
               <p:cTn id="2" nodeType="mainSeq"/>
               <p:prevCondLst>
-                <p:cond delay="0" evt="onPrev">
+                <p:cond evt="onPrev" delay="0">
                   <p:tgtEl>
                     <p:sldTgt/>
                   </p:tgtEl>
                 </p:cond>
               </p:prevCondLst>
               <p:nextCondLst>
-                <p:cond delay="0" evt="onNext">
+                <p:cond evt="onNext" delay="0">
                   <p:tgtEl>
                     <p:sldTgt/>
                   </p:tgtEl>
@@ -4106,7 +4211,7 @@
 </file>
 
 <file path=ppt/slides/slide2.xml><?xml version="1.0" encoding="utf-8"?>
-<p:sld xmlns:a="http://schemas.openxmlformats.org/drawingml/2006/main" xmlns:p="http://schemas.openxmlformats.org/presentationml/2006/main" xmlns:r="http://schemas.openxmlformats.org/officeDocument/2006/relationships" xmlns:p14="http://schemas.microsoft.com/office/powerpoint/2010/main" xmlns:p15="http://schemas.microsoft.com/office/powerpoint/2012/main" xmlns:mc="http://schemas.openxmlformats.org/markup-compatibility/2006">
+<p:sld xmlns:a="http://schemas.openxmlformats.org/drawingml/2006/main" xmlns:r="http://schemas.openxmlformats.org/officeDocument/2006/relationships" xmlns:p="http://schemas.openxmlformats.org/presentationml/2006/main">
   <p:cSld>
     <p:spTree>
       <p:nvGrpSpPr>
@@ -4142,45 +4247,31 @@
           </a:ln>
         </p:spPr>
         <p:txBody>
-          <a:bodyPr lIns="90000" rIns="90000" tIns="45000" bIns="45000"/>
+          <a:bodyPr lIns="90000" tIns="45000" rIns="90000" bIns="45000"/>
+          <a:lstStyle/>
           <a:p>
             <a:r>
-              <a:rPr b="1" lang="en-US" sz="4400" spc="-1" strike="noStrike">
+              <a:rPr lang="en-US" sz="4400" b="1" strike="noStrike" spc="-1">
                 <a:solidFill>
                   <a:srgbClr val="333333"/>
                 </a:solidFill>
                 <a:uFill>
                   <a:solidFill>
-                    <a:srgbClr val="ffffff"/>
+                    <a:srgbClr val="FFFFFF"/>
                   </a:solidFill>
                 </a:uFill>
                 <a:latin typeface="Open Sans"/>
                 <a:ea typeface="DejaVu Sans"/>
               </a:rPr>
-              <a:t>Password Vault </a:t>
+              <a:t>Password Vault 	</a:t>
             </a:r>
-            <a:r>
-              <a:rPr b="1" lang="en-US" sz="4400" spc="-1" strike="noStrike">
-                <a:solidFill>
-                  <a:srgbClr val="333333"/>
-                </a:solidFill>
-                <a:uFill>
-                  <a:solidFill>
-                    <a:srgbClr val="ffffff"/>
-                  </a:solidFill>
-                </a:uFill>
-                <a:latin typeface="Open Sans"/>
-                <a:ea typeface="DejaVu Sans"/>
-              </a:rPr>
-              <a:t>	</a:t>
-            </a:r>
-            <a:endParaRPr b="0" lang="en-US" sz="1800" spc="-1" strike="noStrike">
-              <a:solidFill>
-                <a:srgbClr val="000000"/>
-              </a:solidFill>
-              <a:uFill>
-                <a:solidFill>
-                  <a:srgbClr val="ffffff"/>
+            <a:endParaRPr lang="en-US" sz="1800" b="0" strike="noStrike" spc="-1">
+              <a:solidFill>
+                <a:srgbClr val="000000"/>
+              </a:solidFill>
+              <a:uFill>
+                <a:solidFill>
+                  <a:srgbClr val="FFFFFF"/>
                 </a:solidFill>
               </a:uFill>
               <a:latin typeface="Arial"/>
@@ -4208,7 +4299,8 @@
           </a:ln>
         </p:spPr>
         <p:txBody>
-          <a:bodyPr lIns="90000" rIns="90000" tIns="45000" bIns="45000"/>
+          <a:bodyPr lIns="90000" tIns="45000" rIns="90000" bIns="45000"/>
+          <a:lstStyle/>
           <a:p>
             <a:pPr>
               <a:lnSpc>
@@ -4219,13 +4311,13 @@
               </a:spcAft>
             </a:pPr>
             <a:r>
-              <a:rPr b="0" lang="en-US" sz="2800" spc="-1" strike="noStrike">
+              <a:rPr lang="en-US" sz="2800" b="0" strike="noStrike" spc="-1">
                 <a:solidFill>
                   <a:srgbClr val="333333"/>
                 </a:solidFill>
                 <a:uFill>
                   <a:solidFill>
-                    <a:srgbClr val="ffffff"/>
+                    <a:srgbClr val="FFFFFF"/>
                   </a:solidFill>
                 </a:uFill>
                 <a:latin typeface="Open Sans"/>
@@ -4233,13 +4325,13 @@
               </a:rPr>
               <a:t>A password vault is a program that will allow a user to store their username and passwords for websites and programs. It uses encryption to ensure only the user will have access to the information</a:t>
             </a:r>
-            <a:endParaRPr b="0" lang="en-US" sz="1800" spc="-1" strike="noStrike">
-              <a:solidFill>
-                <a:srgbClr val="000000"/>
-              </a:solidFill>
-              <a:uFill>
-                <a:solidFill>
-                  <a:srgbClr val="ffffff"/>
+            <a:endParaRPr lang="en-US" sz="1800" b="0" strike="noStrike" spc="-1">
+              <a:solidFill>
+                <a:srgbClr val="000000"/>
+              </a:solidFill>
+              <a:uFill>
+                <a:solidFill>
+                  <a:srgbClr val="FFFFFF"/>
                 </a:solidFill>
               </a:uFill>
               <a:latin typeface="Arial"/>
@@ -4249,22 +4341,25 @@
       </p:sp>
     </p:spTree>
   </p:cSld>
+  <p:clrMapOvr>
+    <a:masterClrMapping/>
+  </p:clrMapOvr>
   <p:timing>
     <p:tnLst>
       <p:par>
-        <p:cTn id="3" dur="indefinite" restart="never" nodeType="tmRoot">
+        <p:cTn id="1" dur="indefinite" restart="never" nodeType="tmRoot">
           <p:childTnLst>
             <p:seq>
-              <p:cTn id="4" nodeType="mainSeq"/>
+              <p:cTn id="2" nodeType="mainSeq"/>
               <p:prevCondLst>
-                <p:cond delay="0" evt="onPrev">
+                <p:cond evt="onPrev" delay="0">
                   <p:tgtEl>
                     <p:sldTgt/>
                   </p:tgtEl>
                 </p:cond>
               </p:prevCondLst>
               <p:nextCondLst>
-                <p:cond delay="0" evt="onNext">
+                <p:cond evt="onNext" delay="0">
                   <p:tgtEl>
                     <p:sldTgt/>
                   </p:tgtEl>
@@ -4280,7 +4375,7 @@
 </file>
 
 <file path=ppt/slides/slide3.xml><?xml version="1.0" encoding="utf-8"?>
-<p:sld xmlns:a="http://schemas.openxmlformats.org/drawingml/2006/main" xmlns:p="http://schemas.openxmlformats.org/presentationml/2006/main" xmlns:r="http://schemas.openxmlformats.org/officeDocument/2006/relationships" xmlns:p14="http://schemas.microsoft.com/office/powerpoint/2010/main" xmlns:p15="http://schemas.microsoft.com/office/powerpoint/2012/main" xmlns:mc="http://schemas.openxmlformats.org/markup-compatibility/2006">
+<p:sld xmlns:a="http://schemas.openxmlformats.org/drawingml/2006/main" xmlns:r="http://schemas.openxmlformats.org/officeDocument/2006/relationships" xmlns:p="http://schemas.openxmlformats.org/presentationml/2006/main">
   <p:cSld>
     <p:spTree>
       <p:nvGrpSpPr>
@@ -4316,51 +4411,43 @@
           </a:ln>
         </p:spPr>
         <p:style>
-          <a:lnRef idx="0"/>
-          <a:fillRef idx="0"/>
-          <a:effectRef idx="0"/>
+          <a:lnRef idx="0">
+            <a:scrgbClr r="0" g="0" b="0"/>
+          </a:lnRef>
+          <a:fillRef idx="0">
+            <a:scrgbClr r="0" g="0" b="0"/>
+          </a:fillRef>
+          <a:effectRef idx="0">
+            <a:scrgbClr r="0" g="0" b="0"/>
+          </a:effectRef>
           <a:fontRef idx="minor"/>
         </p:style>
         <p:txBody>
-          <a:bodyPr lIns="0" rIns="0" tIns="0" bIns="0" anchor="ctr"/>
+          <a:bodyPr lIns="0" tIns="0" rIns="0" bIns="0" anchor="ctr"/>
+          <a:lstStyle/>
           <a:p>
             <a:r>
-              <a:rPr b="1" lang="en-US" sz="4400" spc="-1" strike="noStrike">
+              <a:rPr lang="en-US" sz="4400" b="1" strike="noStrike" spc="-1">
                 <a:solidFill>
                   <a:srgbClr val="333333"/>
                 </a:solidFill>
                 <a:uFill>
                   <a:solidFill>
-                    <a:srgbClr val="ffffff"/>
+                    <a:srgbClr val="FFFFFF"/>
                   </a:solidFill>
                 </a:uFill>
                 <a:latin typeface="Open Sans"/>
                 <a:ea typeface="DejaVu Sans"/>
               </a:rPr>
-              <a:t>Password Vault Team </a:t>
+              <a:t>Password Vault Team 	</a:t>
             </a:r>
-            <a:r>
-              <a:rPr b="1" lang="en-US" sz="4400" spc="-1" strike="noStrike">
-                <a:solidFill>
-                  <a:srgbClr val="333333"/>
-                </a:solidFill>
-                <a:uFill>
-                  <a:solidFill>
-                    <a:srgbClr val="ffffff"/>
-                  </a:solidFill>
-                </a:uFill>
-                <a:latin typeface="Open Sans"/>
-                <a:ea typeface="DejaVu Sans"/>
-              </a:rPr>
-              <a:t>	</a:t>
-            </a:r>
-            <a:endParaRPr b="0" lang="en-US" sz="1800" spc="-1" strike="noStrike">
-              <a:solidFill>
-                <a:srgbClr val="000000"/>
-              </a:solidFill>
-              <a:uFill>
-                <a:solidFill>
-                  <a:srgbClr val="ffffff"/>
+            <a:endParaRPr lang="en-US" sz="1800" b="0" strike="noStrike" spc="-1">
+              <a:solidFill>
+                <a:srgbClr val="000000"/>
+              </a:solidFill>
+              <a:uFill>
+                <a:solidFill>
+                  <a:srgbClr val="FFFFFF"/>
                 </a:solidFill>
               </a:uFill>
               <a:latin typeface="Arial"/>
@@ -4388,13 +4475,20 @@
           </a:ln>
         </p:spPr>
         <p:style>
-          <a:lnRef idx="0"/>
-          <a:fillRef idx="0"/>
-          <a:effectRef idx="0"/>
+          <a:lnRef idx="0">
+            <a:scrgbClr r="0" g="0" b="0"/>
+          </a:lnRef>
+          <a:fillRef idx="0">
+            <a:scrgbClr r="0" g="0" b="0"/>
+          </a:fillRef>
+          <a:effectRef idx="0">
+            <a:scrgbClr r="0" g="0" b="0"/>
+          </a:effectRef>
           <a:fontRef idx="minor"/>
         </p:style>
         <p:txBody>
-          <a:bodyPr lIns="0" rIns="0" tIns="0" bIns="0"/>
+          <a:bodyPr lIns="0" tIns="0" rIns="0" bIns="0"/>
+          <a:lstStyle/>
           <a:p>
             <a:pPr marL="432000" indent="-323280">
               <a:lnSpc>
@@ -4404,20 +4498,20 @@
                 <a:spcPts val="1414"/>
               </a:spcAft>
               <a:buClr>
-                <a:srgbClr val="ef2929"/>
+                <a:srgbClr val="EF2929"/>
               </a:buClr>
               <a:buSzPct val="45000"/>
               <a:buFont typeface="Wingdings" charset="2"/>
               <a:buChar char=""/>
             </a:pPr>
             <a:r>
-              <a:rPr b="0" lang="en-US" sz="2800" spc="-1" strike="noStrike">
+              <a:rPr lang="en-US" sz="2800" b="0" strike="noStrike" spc="-1">
                 <a:solidFill>
                   <a:srgbClr val="333333"/>
                 </a:solidFill>
                 <a:uFill>
                   <a:solidFill>
-                    <a:srgbClr val="ffffff"/>
+                    <a:srgbClr val="FFFFFF"/>
                   </a:solidFill>
                 </a:uFill>
                 <a:latin typeface="Open Sans"/>
@@ -4425,13 +4519,13 @@
               </a:rPr>
               <a:t>John Crosby - Authentication</a:t>
             </a:r>
-            <a:endParaRPr b="0" lang="en-US" sz="1800" spc="-1" strike="noStrike">
-              <a:solidFill>
-                <a:srgbClr val="000000"/>
-              </a:solidFill>
-              <a:uFill>
-                <a:solidFill>
-                  <a:srgbClr val="ffffff"/>
+            <a:endParaRPr lang="en-US" sz="1800" b="0" strike="noStrike" spc="-1">
+              <a:solidFill>
+                <a:srgbClr val="000000"/>
+              </a:solidFill>
+              <a:uFill>
+                <a:solidFill>
+                  <a:srgbClr val="FFFFFF"/>
                 </a:solidFill>
               </a:uFill>
               <a:latin typeface="Arial"/>
@@ -4446,20 +4540,20 @@
                 <a:spcPts val="1414"/>
               </a:spcAft>
               <a:buClr>
-                <a:srgbClr val="ef2929"/>
+                <a:srgbClr val="EF2929"/>
               </a:buClr>
               <a:buSzPct val="45000"/>
               <a:buFont typeface="Wingdings" charset="2"/>
               <a:buChar char=""/>
             </a:pPr>
             <a:r>
-              <a:rPr b="0" lang="en-US" sz="2800" spc="-1" strike="noStrike">
+              <a:rPr lang="en-US" sz="2800" b="0" strike="noStrike" spc="-1">
                 <a:solidFill>
                   <a:srgbClr val="333333"/>
                 </a:solidFill>
                 <a:uFill>
                   <a:solidFill>
-                    <a:srgbClr val="ffffff"/>
+                    <a:srgbClr val="FFFFFF"/>
                   </a:solidFill>
                 </a:uFill>
                 <a:latin typeface="Open Sans"/>
@@ -4467,13 +4561,13 @@
               </a:rPr>
               <a:t>Kevin Yang – Password Encryption</a:t>
             </a:r>
-            <a:endParaRPr b="0" lang="en-US" sz="1800" spc="-1" strike="noStrike">
-              <a:solidFill>
-                <a:srgbClr val="000000"/>
-              </a:solidFill>
-              <a:uFill>
-                <a:solidFill>
-                  <a:srgbClr val="ffffff"/>
+            <a:endParaRPr lang="en-US" sz="1800" b="0" strike="noStrike" spc="-1">
+              <a:solidFill>
+                <a:srgbClr val="000000"/>
+              </a:solidFill>
+              <a:uFill>
+                <a:solidFill>
+                  <a:srgbClr val="FFFFFF"/>
                 </a:solidFill>
               </a:uFill>
               <a:latin typeface="Arial"/>
@@ -4488,20 +4582,20 @@
                 <a:spcPts val="1414"/>
               </a:spcAft>
               <a:buClr>
-                <a:srgbClr val="ef2929"/>
+                <a:srgbClr val="EF2929"/>
               </a:buClr>
               <a:buSzPct val="45000"/>
               <a:buFont typeface="Wingdings" charset="2"/>
               <a:buChar char=""/>
             </a:pPr>
             <a:r>
-              <a:rPr b="0" lang="en-US" sz="2800" spc="-1" strike="noStrike">
+              <a:rPr lang="en-US" sz="2800" b="0" strike="noStrike" spc="-1">
                 <a:solidFill>
                   <a:srgbClr val="333333"/>
                 </a:solidFill>
                 <a:uFill>
                   <a:solidFill>
-                    <a:srgbClr val="ffffff"/>
+                    <a:srgbClr val="FFFFFF"/>
                   </a:solidFill>
                 </a:uFill>
                 <a:latin typeface="Open Sans"/>
@@ -4509,13 +4603,13 @@
               </a:rPr>
               <a:t>Brian Sumner – User Interface</a:t>
             </a:r>
-            <a:endParaRPr b="0" lang="en-US" sz="1800" spc="-1" strike="noStrike">
-              <a:solidFill>
-                <a:srgbClr val="000000"/>
-              </a:solidFill>
-              <a:uFill>
-                <a:solidFill>
-                  <a:srgbClr val="ffffff"/>
+            <a:endParaRPr lang="en-US" sz="1800" b="0" strike="noStrike" spc="-1">
+              <a:solidFill>
+                <a:srgbClr val="000000"/>
+              </a:solidFill>
+              <a:uFill>
+                <a:solidFill>
+                  <a:srgbClr val="FFFFFF"/>
                 </a:solidFill>
               </a:uFill>
               <a:latin typeface="Arial"/>
@@ -4530,13 +4624,13 @@
                 <a:spcPts val="1414"/>
               </a:spcAft>
             </a:pPr>
-            <a:endParaRPr b="0" lang="en-US" sz="1800" spc="-1" strike="noStrike">
-              <a:solidFill>
-                <a:srgbClr val="000000"/>
-              </a:solidFill>
-              <a:uFill>
-                <a:solidFill>
-                  <a:srgbClr val="ffffff"/>
+            <a:endParaRPr lang="en-US" sz="1800" b="0" strike="noStrike" spc="-1">
+              <a:solidFill>
+                <a:srgbClr val="000000"/>
+              </a:solidFill>
+              <a:uFill>
+                <a:solidFill>
+                  <a:srgbClr val="FFFFFF"/>
                 </a:solidFill>
               </a:uFill>
               <a:latin typeface="Arial"/>
@@ -4546,22 +4640,25 @@
       </p:sp>
     </p:spTree>
   </p:cSld>
+  <p:clrMapOvr>
+    <a:masterClrMapping/>
+  </p:clrMapOvr>
   <p:timing>
     <p:tnLst>
       <p:par>
-        <p:cTn id="5" dur="indefinite" restart="never" nodeType="tmRoot">
+        <p:cTn id="1" dur="indefinite" restart="never" nodeType="tmRoot">
           <p:childTnLst>
             <p:seq>
-              <p:cTn id="6" nodeType="mainSeq"/>
+              <p:cTn id="2" nodeType="mainSeq"/>
               <p:prevCondLst>
-                <p:cond delay="0" evt="onPrev">
+                <p:cond evt="onPrev" delay="0">
                   <p:tgtEl>
                     <p:sldTgt/>
                   </p:tgtEl>
                 </p:cond>
               </p:prevCondLst>
               <p:nextCondLst>
-                <p:cond delay="0" evt="onNext">
+                <p:cond evt="onNext" delay="0">
                   <p:tgtEl>
                     <p:sldTgt/>
                   </p:tgtEl>
@@ -4577,7 +4674,7 @@
 </file>
 
 <file path=ppt/slides/slide4.xml><?xml version="1.0" encoding="utf-8"?>
-<p:sld xmlns:a="http://schemas.openxmlformats.org/drawingml/2006/main" xmlns:p="http://schemas.openxmlformats.org/presentationml/2006/main" xmlns:r="http://schemas.openxmlformats.org/officeDocument/2006/relationships" xmlns:p14="http://schemas.microsoft.com/office/powerpoint/2010/main" xmlns:p15="http://schemas.microsoft.com/office/powerpoint/2012/main" xmlns:mc="http://schemas.openxmlformats.org/markup-compatibility/2006">
+<p:sld xmlns:a="http://schemas.openxmlformats.org/drawingml/2006/main" xmlns:r="http://schemas.openxmlformats.org/officeDocument/2006/relationships" xmlns:p="http://schemas.openxmlformats.org/presentationml/2006/main">
   <p:cSld>
     <p:spTree>
       <p:nvGrpSpPr>
@@ -4613,22 +4710,29 @@
           </a:ln>
         </p:spPr>
         <p:style>
-          <a:lnRef idx="0"/>
-          <a:fillRef idx="0"/>
-          <a:effectRef idx="0"/>
+          <a:lnRef idx="0">
+            <a:scrgbClr r="0" g="0" b="0"/>
+          </a:lnRef>
+          <a:fillRef idx="0">
+            <a:scrgbClr r="0" g="0" b="0"/>
+          </a:fillRef>
+          <a:effectRef idx="0">
+            <a:scrgbClr r="0" g="0" b="0"/>
+          </a:effectRef>
           <a:fontRef idx="minor"/>
         </p:style>
         <p:txBody>
-          <a:bodyPr lIns="0" rIns="0" tIns="0" bIns="0" anchor="ctr"/>
+          <a:bodyPr lIns="0" tIns="0" rIns="0" bIns="0" anchor="ctr"/>
+          <a:lstStyle/>
           <a:p>
             <a:r>
-              <a:rPr b="1" lang="en-US" sz="4400" spc="-1" strike="noStrike">
+              <a:rPr lang="en-US" sz="4400" b="1" strike="noStrike" spc="-1">
                 <a:solidFill>
                   <a:srgbClr val="333333"/>
                 </a:solidFill>
                 <a:uFill>
                   <a:solidFill>
-                    <a:srgbClr val="ffffff"/>
+                    <a:srgbClr val="FFFFFF"/>
                   </a:solidFill>
                 </a:uFill>
                 <a:latin typeface="Open Sans"/>
@@ -4636,13 +4740,13 @@
               </a:rPr>
               <a:t>Project Overview</a:t>
             </a:r>
-            <a:endParaRPr b="0" lang="en-US" sz="1800" spc="-1" strike="noStrike">
-              <a:solidFill>
-                <a:srgbClr val="000000"/>
-              </a:solidFill>
-              <a:uFill>
-                <a:solidFill>
-                  <a:srgbClr val="ffffff"/>
+            <a:endParaRPr lang="en-US" sz="1800" b="0" strike="noStrike" spc="-1">
+              <a:solidFill>
+                <a:srgbClr val="000000"/>
+              </a:solidFill>
+              <a:uFill>
+                <a:solidFill>
+                  <a:srgbClr val="FFFFFF"/>
                 </a:solidFill>
               </a:uFill>
               <a:latin typeface="Arial"/>
@@ -4670,13 +4774,20 @@
           </a:ln>
         </p:spPr>
         <p:style>
-          <a:lnRef idx="0"/>
-          <a:fillRef idx="0"/>
-          <a:effectRef idx="0"/>
+          <a:lnRef idx="0">
+            <a:scrgbClr r="0" g="0" b="0"/>
+          </a:lnRef>
+          <a:fillRef idx="0">
+            <a:scrgbClr r="0" g="0" b="0"/>
+          </a:fillRef>
+          <a:effectRef idx="0">
+            <a:scrgbClr r="0" g="0" b="0"/>
+          </a:effectRef>
           <a:fontRef idx="minor"/>
         </p:style>
         <p:txBody>
-          <a:bodyPr lIns="0" rIns="0" tIns="0" bIns="0"/>
+          <a:bodyPr lIns="0" tIns="0" rIns="0" bIns="0"/>
+          <a:lstStyle/>
           <a:p>
             <a:pPr marL="432000" indent="-323280">
               <a:lnSpc>
@@ -4686,20 +4797,20 @@
                 <a:spcPts val="1414"/>
               </a:spcAft>
               <a:buClr>
-                <a:srgbClr val="ef2929"/>
+                <a:srgbClr val="EF2929"/>
               </a:buClr>
               <a:buSzPct val="45000"/>
               <a:buFont typeface="Wingdings" charset="2"/>
               <a:buChar char=""/>
             </a:pPr>
             <a:r>
-              <a:rPr b="0" lang="en-US" sz="2800" spc="-1" strike="noStrike">
+              <a:rPr lang="en-US" sz="2800" b="0" strike="noStrike" spc="-1">
                 <a:solidFill>
                   <a:srgbClr val="333333"/>
                 </a:solidFill>
                 <a:uFill>
                   <a:solidFill>
-                    <a:srgbClr val="ffffff"/>
+                    <a:srgbClr val="FFFFFF"/>
                   </a:solidFill>
                 </a:uFill>
                 <a:latin typeface="Open Sans"/>
@@ -4707,13 +4818,13 @@
               </a:rPr>
               <a:t>When starting the program, the user will have the option to create a new vault file, or opening an existing vault file.</a:t>
             </a:r>
-            <a:endParaRPr b="0" lang="en-US" sz="1800" spc="-1" strike="noStrike">
-              <a:solidFill>
-                <a:srgbClr val="000000"/>
-              </a:solidFill>
-              <a:uFill>
-                <a:solidFill>
-                  <a:srgbClr val="ffffff"/>
+            <a:endParaRPr lang="en-US" sz="1800" b="0" strike="noStrike" spc="-1">
+              <a:solidFill>
+                <a:srgbClr val="000000"/>
+              </a:solidFill>
+              <a:uFill>
+                <a:solidFill>
+                  <a:srgbClr val="FFFFFF"/>
                 </a:solidFill>
               </a:uFill>
               <a:latin typeface="Arial"/>
@@ -4728,20 +4839,20 @@
                 <a:spcPts val="1414"/>
               </a:spcAft>
               <a:buClr>
-                <a:srgbClr val="ef2929"/>
+                <a:srgbClr val="EF2929"/>
               </a:buClr>
               <a:buSzPct val="45000"/>
               <a:buFont typeface="Wingdings" charset="2"/>
               <a:buChar char=""/>
             </a:pPr>
             <a:r>
-              <a:rPr b="0" lang="en-US" sz="2800" spc="-1" strike="noStrike">
+              <a:rPr lang="en-US" sz="2800" b="0" strike="noStrike" spc="-1">
                 <a:solidFill>
                   <a:srgbClr val="333333"/>
                 </a:solidFill>
                 <a:uFill>
                   <a:solidFill>
-                    <a:srgbClr val="ffffff"/>
+                    <a:srgbClr val="FFFFFF"/>
                   </a:solidFill>
                 </a:uFill>
                 <a:latin typeface="Open Sans"/>
@@ -4749,13 +4860,13 @@
               </a:rPr>
               <a:t>User will enter a password with an optional 2-step verification using a keyfile.</a:t>
             </a:r>
-            <a:endParaRPr b="0" lang="en-US" sz="1800" spc="-1" strike="noStrike">
-              <a:solidFill>
-                <a:srgbClr val="000000"/>
-              </a:solidFill>
-              <a:uFill>
-                <a:solidFill>
-                  <a:srgbClr val="ffffff"/>
+            <a:endParaRPr lang="en-US" sz="1800" b="0" strike="noStrike" spc="-1">
+              <a:solidFill>
+                <a:srgbClr val="000000"/>
+              </a:solidFill>
+              <a:uFill>
+                <a:solidFill>
+                  <a:srgbClr val="FFFFFF"/>
                 </a:solidFill>
               </a:uFill>
               <a:latin typeface="Arial"/>
@@ -4770,20 +4881,20 @@
                 <a:spcPts val="1414"/>
               </a:spcAft>
               <a:buClr>
-                <a:srgbClr val="ef2929"/>
+                <a:srgbClr val="EF2929"/>
               </a:buClr>
               <a:buSzPct val="45000"/>
               <a:buFont typeface="Wingdings" charset="2"/>
               <a:buChar char=""/>
             </a:pPr>
             <a:r>
-              <a:rPr b="0" lang="en-US" sz="2800" spc="-1" strike="noStrike">
+              <a:rPr lang="en-US" sz="2800" b="0" strike="noStrike" spc="-1">
                 <a:solidFill>
                   <a:srgbClr val="333333"/>
                 </a:solidFill>
                 <a:uFill>
                   <a:solidFill>
-                    <a:srgbClr val="ffffff"/>
+                    <a:srgbClr val="FFFFFF"/>
                   </a:solidFill>
                 </a:uFill>
                 <a:latin typeface="Open Sans"/>
@@ -4791,13 +4902,13 @@
               </a:rPr>
               <a:t>User‘s password vault file will be opened, decrypted, and displayed using a graphical user interface. </a:t>
             </a:r>
-            <a:endParaRPr b="0" lang="en-US" sz="1800" spc="-1" strike="noStrike">
-              <a:solidFill>
-                <a:srgbClr val="000000"/>
-              </a:solidFill>
-              <a:uFill>
-                <a:solidFill>
-                  <a:srgbClr val="ffffff"/>
+            <a:endParaRPr lang="en-US" sz="1800" b="0" strike="noStrike" spc="-1">
+              <a:solidFill>
+                <a:srgbClr val="000000"/>
+              </a:solidFill>
+              <a:uFill>
+                <a:solidFill>
+                  <a:srgbClr val="FFFFFF"/>
                 </a:solidFill>
               </a:uFill>
               <a:latin typeface="Arial"/>
@@ -4807,22 +4918,25 @@
       </p:sp>
     </p:spTree>
   </p:cSld>
+  <p:clrMapOvr>
+    <a:masterClrMapping/>
+  </p:clrMapOvr>
   <p:timing>
     <p:tnLst>
       <p:par>
-        <p:cTn id="7" dur="indefinite" restart="never" nodeType="tmRoot">
+        <p:cTn id="1" dur="indefinite" restart="never" nodeType="tmRoot">
           <p:childTnLst>
             <p:seq>
-              <p:cTn id="8" nodeType="mainSeq"/>
+              <p:cTn id="2" nodeType="mainSeq"/>
               <p:prevCondLst>
-                <p:cond delay="0" evt="onPrev">
+                <p:cond evt="onPrev" delay="0">
                   <p:tgtEl>
                     <p:sldTgt/>
                   </p:tgtEl>
                 </p:cond>
               </p:prevCondLst>
               <p:nextCondLst>
-                <p:cond delay="0" evt="onNext">
+                <p:cond evt="onNext" delay="0">
                   <p:tgtEl>
                     <p:sldTgt/>
                   </p:tgtEl>
@@ -4838,7 +4952,7 @@
 </file>
 
 <file path=ppt/slides/slide5.xml><?xml version="1.0" encoding="utf-8"?>
-<p:sld xmlns:a="http://schemas.openxmlformats.org/drawingml/2006/main" xmlns:p="http://schemas.openxmlformats.org/presentationml/2006/main" xmlns:r="http://schemas.openxmlformats.org/officeDocument/2006/relationships" xmlns:p14="http://schemas.microsoft.com/office/powerpoint/2010/main" xmlns:p15="http://schemas.microsoft.com/office/powerpoint/2012/main" xmlns:mc="http://schemas.openxmlformats.org/markup-compatibility/2006">
+<p:sld xmlns:a="http://schemas.openxmlformats.org/drawingml/2006/main" xmlns:r="http://schemas.openxmlformats.org/officeDocument/2006/relationships" xmlns:p="http://schemas.openxmlformats.org/presentationml/2006/main">
   <p:cSld>
     <p:spTree>
       <p:nvGrpSpPr>
@@ -4874,51 +4988,43 @@
           </a:ln>
         </p:spPr>
         <p:style>
-          <a:lnRef idx="0"/>
-          <a:fillRef idx="0"/>
-          <a:effectRef idx="0"/>
+          <a:lnRef idx="0">
+            <a:scrgbClr r="0" g="0" b="0"/>
+          </a:lnRef>
+          <a:fillRef idx="0">
+            <a:scrgbClr r="0" g="0" b="0"/>
+          </a:fillRef>
+          <a:effectRef idx="0">
+            <a:scrgbClr r="0" g="0" b="0"/>
+          </a:effectRef>
           <a:fontRef idx="minor"/>
         </p:style>
         <p:txBody>
-          <a:bodyPr lIns="0" rIns="0" tIns="0" bIns="0" anchor="ctr"/>
+          <a:bodyPr lIns="0" tIns="0" rIns="0" bIns="0" anchor="ctr"/>
+          <a:lstStyle/>
           <a:p>
             <a:r>
-              <a:rPr b="1" lang="en-US" sz="4400" spc="-1" strike="noStrike">
+              <a:rPr lang="en-US" sz="4400" b="1" strike="noStrike" spc="-1">
                 <a:solidFill>
                   <a:srgbClr val="333333"/>
                 </a:solidFill>
                 <a:uFill>
                   <a:solidFill>
-                    <a:srgbClr val="ffffff"/>
+                    <a:srgbClr val="FFFFFF"/>
                   </a:solidFill>
                 </a:uFill>
                 <a:latin typeface="Open Sans"/>
                 <a:ea typeface="DejaVu Sans"/>
               </a:rPr>
-              <a:t>Project Overview</a:t>
+              <a:t>Project Overview	</a:t>
             </a:r>
-            <a:r>
-              <a:rPr b="1" lang="en-US" sz="4400" spc="-1" strike="noStrike">
-                <a:solidFill>
-                  <a:srgbClr val="333333"/>
-                </a:solidFill>
-                <a:uFill>
-                  <a:solidFill>
-                    <a:srgbClr val="ffffff"/>
-                  </a:solidFill>
-                </a:uFill>
-                <a:latin typeface="Open Sans"/>
-                <a:ea typeface="DejaVu Sans"/>
-              </a:rPr>
-              <a:t>	</a:t>
-            </a:r>
-            <a:endParaRPr b="0" lang="en-US" sz="1800" spc="-1" strike="noStrike">
-              <a:solidFill>
-                <a:srgbClr val="000000"/>
-              </a:solidFill>
-              <a:uFill>
-                <a:solidFill>
-                  <a:srgbClr val="ffffff"/>
+            <a:endParaRPr lang="en-US" sz="1800" b="0" strike="noStrike" spc="-1">
+              <a:solidFill>
+                <a:srgbClr val="000000"/>
+              </a:solidFill>
+              <a:uFill>
+                <a:solidFill>
+                  <a:srgbClr val="FFFFFF"/>
                 </a:solidFill>
               </a:uFill>
               <a:latin typeface="Arial"/>
@@ -4946,13 +5052,20 @@
           </a:ln>
         </p:spPr>
         <p:style>
-          <a:lnRef idx="0"/>
-          <a:fillRef idx="0"/>
-          <a:effectRef idx="0"/>
+          <a:lnRef idx="0">
+            <a:scrgbClr r="0" g="0" b="0"/>
+          </a:lnRef>
+          <a:fillRef idx="0">
+            <a:scrgbClr r="0" g="0" b="0"/>
+          </a:fillRef>
+          <a:effectRef idx="0">
+            <a:scrgbClr r="0" g="0" b="0"/>
+          </a:effectRef>
           <a:fontRef idx="minor"/>
         </p:style>
         <p:txBody>
-          <a:bodyPr lIns="0" rIns="0" tIns="0" bIns="0"/>
+          <a:bodyPr lIns="0" tIns="0" rIns="0" bIns="0"/>
+          <a:lstStyle/>
           <a:p>
             <a:pPr marL="432000" indent="-323280">
               <a:lnSpc>
@@ -4962,20 +5075,20 @@
                 <a:spcPts val="1414"/>
               </a:spcAft>
               <a:buClr>
-                <a:srgbClr val="ef2929"/>
+                <a:srgbClr val="EF2929"/>
               </a:buClr>
               <a:buSzPct val="45000"/>
               <a:buFont typeface="Wingdings" charset="2"/>
               <a:buChar char=""/>
             </a:pPr>
             <a:r>
-              <a:rPr b="0" lang="en-US" sz="2800" spc="-1" strike="noStrike">
+              <a:rPr lang="en-US" sz="2800" b="0" strike="noStrike" spc="-1">
                 <a:solidFill>
                   <a:srgbClr val="333333"/>
                 </a:solidFill>
                 <a:uFill>
                   <a:solidFill>
-                    <a:srgbClr val="ffffff"/>
+                    <a:srgbClr val="FFFFFF"/>
                   </a:solidFill>
                 </a:uFill>
                 <a:latin typeface="Open Sans"/>
@@ -4983,13 +5096,13 @@
               </a:rPr>
               <a:t>User may create new entries, delete entries, or alter existing entries to securely store their usernames and passwords. </a:t>
             </a:r>
-            <a:endParaRPr b="0" lang="en-US" sz="1800" spc="-1" strike="noStrike">
-              <a:solidFill>
-                <a:srgbClr val="000000"/>
-              </a:solidFill>
-              <a:uFill>
-                <a:solidFill>
-                  <a:srgbClr val="ffffff"/>
+            <a:endParaRPr lang="en-US" sz="1800" b="0" strike="noStrike" spc="-1">
+              <a:solidFill>
+                <a:srgbClr val="000000"/>
+              </a:solidFill>
+              <a:uFill>
+                <a:solidFill>
+                  <a:srgbClr val="FFFFFF"/>
                 </a:solidFill>
               </a:uFill>
               <a:latin typeface="Arial"/>
@@ -5004,20 +5117,20 @@
                 <a:spcPts val="1414"/>
               </a:spcAft>
               <a:buClr>
-                <a:srgbClr val="ef2929"/>
+                <a:srgbClr val="EF2929"/>
               </a:buClr>
               <a:buSzPct val="45000"/>
               <a:buFont typeface="Wingdings" charset="2"/>
               <a:buChar char=""/>
             </a:pPr>
             <a:r>
-              <a:rPr b="0" lang="en-US" sz="2800" spc="-1" strike="noStrike">
+              <a:rPr lang="en-US" sz="2800" b="0" strike="noStrike" spc="-1">
                 <a:solidFill>
                   <a:srgbClr val="333333"/>
                 </a:solidFill>
                 <a:uFill>
                   <a:solidFill>
-                    <a:srgbClr val="ffffff"/>
+                    <a:srgbClr val="FFFFFF"/>
                   </a:solidFill>
                 </a:uFill>
                 <a:latin typeface="Open Sans"/>
@@ -5025,13 +5138,13 @@
               </a:rPr>
               <a:t>Before exiting the program, all information will be encrypted and stored on to hard drive.</a:t>
             </a:r>
-            <a:endParaRPr b="0" lang="en-US" sz="1800" spc="-1" strike="noStrike">
-              <a:solidFill>
-                <a:srgbClr val="000000"/>
-              </a:solidFill>
-              <a:uFill>
-                <a:solidFill>
-                  <a:srgbClr val="ffffff"/>
+            <a:endParaRPr lang="en-US" sz="1800" b="0" strike="noStrike" spc="-1">
+              <a:solidFill>
+                <a:srgbClr val="000000"/>
+              </a:solidFill>
+              <a:uFill>
+                <a:solidFill>
+                  <a:srgbClr val="FFFFFF"/>
                 </a:solidFill>
               </a:uFill>
               <a:latin typeface="Arial"/>
@@ -5041,22 +5154,25 @@
       </p:sp>
     </p:spTree>
   </p:cSld>
+  <p:clrMapOvr>
+    <a:masterClrMapping/>
+  </p:clrMapOvr>
   <p:timing>
     <p:tnLst>
       <p:par>
-        <p:cTn id="9" dur="indefinite" restart="never" nodeType="tmRoot">
+        <p:cTn id="1" dur="indefinite" restart="never" nodeType="tmRoot">
           <p:childTnLst>
             <p:seq>
-              <p:cTn id="10" nodeType="mainSeq"/>
+              <p:cTn id="2" nodeType="mainSeq"/>
               <p:prevCondLst>
-                <p:cond delay="0" evt="onPrev">
+                <p:cond evt="onPrev" delay="0">
                   <p:tgtEl>
                     <p:sldTgt/>
                   </p:tgtEl>
                 </p:cond>
               </p:prevCondLst>
               <p:nextCondLst>
-                <p:cond delay="0" evt="onNext">
+                <p:cond evt="onNext" delay="0">
                   <p:tgtEl>
                     <p:sldTgt/>
                   </p:tgtEl>
@@ -5072,7 +5188,7 @@
 </file>
 
 <file path=ppt/slides/slide6.xml><?xml version="1.0" encoding="utf-8"?>
-<p:sld xmlns:a="http://schemas.openxmlformats.org/drawingml/2006/main" xmlns:p="http://schemas.openxmlformats.org/presentationml/2006/main" xmlns:r="http://schemas.openxmlformats.org/officeDocument/2006/relationships" xmlns:p14="http://schemas.microsoft.com/office/powerpoint/2010/main" xmlns:p15="http://schemas.microsoft.com/office/powerpoint/2012/main" xmlns:mc="http://schemas.openxmlformats.org/markup-compatibility/2006">
+<p:sld xmlns:a="http://schemas.openxmlformats.org/drawingml/2006/main" xmlns:r="http://schemas.openxmlformats.org/officeDocument/2006/relationships" xmlns:p="http://schemas.openxmlformats.org/presentationml/2006/main">
   <p:cSld>
     <p:spTree>
       <p:nvGrpSpPr>
@@ -5108,22 +5224,29 @@
           </a:ln>
         </p:spPr>
         <p:style>
-          <a:lnRef idx="0"/>
-          <a:fillRef idx="0"/>
-          <a:effectRef idx="0"/>
+          <a:lnRef idx="0">
+            <a:scrgbClr r="0" g="0" b="0"/>
+          </a:lnRef>
+          <a:fillRef idx="0">
+            <a:scrgbClr r="0" g="0" b="0"/>
+          </a:fillRef>
+          <a:effectRef idx="0">
+            <a:scrgbClr r="0" g="0" b="0"/>
+          </a:effectRef>
           <a:fontRef idx="minor"/>
         </p:style>
         <p:txBody>
-          <a:bodyPr lIns="0" rIns="0" tIns="0" bIns="0" anchor="ctr"/>
+          <a:bodyPr lIns="0" tIns="0" rIns="0" bIns="0" anchor="ctr"/>
+          <a:lstStyle/>
           <a:p>
             <a:r>
-              <a:rPr b="1" lang="en-US" sz="4400" spc="-1" strike="noStrike">
+              <a:rPr lang="en-US" sz="4400" b="1" strike="noStrike" spc="-1">
                 <a:solidFill>
                   <a:srgbClr val="333333"/>
                 </a:solidFill>
                 <a:uFill>
                   <a:solidFill>
-                    <a:srgbClr val="ffffff"/>
+                    <a:srgbClr val="FFFFFF"/>
                   </a:solidFill>
                 </a:uFill>
                 <a:latin typeface="Open Sans"/>
@@ -5131,13 +5254,13 @@
               </a:rPr>
               <a:t>Authentication</a:t>
             </a:r>
-            <a:endParaRPr b="0" lang="en-US" sz="1800" spc="-1" strike="noStrike">
-              <a:solidFill>
-                <a:srgbClr val="000000"/>
-              </a:solidFill>
-              <a:uFill>
-                <a:solidFill>
-                  <a:srgbClr val="ffffff"/>
+            <a:endParaRPr lang="en-US" sz="1800" b="0" strike="noStrike" spc="-1">
+              <a:solidFill>
+                <a:srgbClr val="000000"/>
+              </a:solidFill>
+              <a:uFill>
+                <a:solidFill>
+                  <a:srgbClr val="FFFFFF"/>
                 </a:solidFill>
               </a:uFill>
               <a:latin typeface="Arial"/>
@@ -5165,13 +5288,20 @@
           </a:ln>
         </p:spPr>
         <p:style>
-          <a:lnRef idx="0"/>
-          <a:fillRef idx="0"/>
-          <a:effectRef idx="0"/>
+          <a:lnRef idx="0">
+            <a:scrgbClr r="0" g="0" b="0"/>
+          </a:lnRef>
+          <a:fillRef idx="0">
+            <a:scrgbClr r="0" g="0" b="0"/>
+          </a:fillRef>
+          <a:effectRef idx="0">
+            <a:scrgbClr r="0" g="0" b="0"/>
+          </a:effectRef>
           <a:fontRef idx="minor"/>
         </p:style>
         <p:txBody>
-          <a:bodyPr lIns="0" rIns="0" tIns="0" bIns="0"/>
+          <a:bodyPr lIns="0" tIns="0" rIns="0" bIns="0"/>
+          <a:lstStyle/>
           <a:p>
             <a:pPr marL="432000" indent="-323280">
               <a:lnSpc>
@@ -5181,20 +5311,20 @@
                 <a:spcPts val="1414"/>
               </a:spcAft>
               <a:buClr>
-                <a:srgbClr val="ef2929"/>
+                <a:srgbClr val="EF2929"/>
               </a:buClr>
               <a:buSzPct val="45000"/>
               <a:buFont typeface="Wingdings" charset="2"/>
               <a:buChar char=""/>
             </a:pPr>
             <a:r>
-              <a:rPr b="0" lang="en-US" sz="2800" spc="-1" strike="noStrike">
+              <a:rPr lang="en-US" sz="2800" b="0" strike="noStrike" spc="-1">
                 <a:solidFill>
                   <a:srgbClr val="333333"/>
                 </a:solidFill>
                 <a:uFill>
                   <a:solidFill>
-                    <a:srgbClr val="ffffff"/>
+                    <a:srgbClr val="FFFFFF"/>
                   </a:solidFill>
                 </a:uFill>
                 <a:latin typeface="Open Sans"/>
@@ -5202,13 +5332,13 @@
               </a:rPr>
               <a:t>User will enter their password and optional keyfile for 2-step authentication </a:t>
             </a:r>
-            <a:endParaRPr b="0" lang="en-US" sz="1800" spc="-1" strike="noStrike">
-              <a:solidFill>
-                <a:srgbClr val="000000"/>
-              </a:solidFill>
-              <a:uFill>
-                <a:solidFill>
-                  <a:srgbClr val="ffffff"/>
+            <a:endParaRPr lang="en-US" sz="1800" b="0" strike="noStrike" spc="-1">
+              <a:solidFill>
+                <a:srgbClr val="000000"/>
+              </a:solidFill>
+              <a:uFill>
+                <a:solidFill>
+                  <a:srgbClr val="FFFFFF"/>
                 </a:solidFill>
               </a:uFill>
               <a:latin typeface="Arial"/>
@@ -5223,20 +5353,20 @@
                 <a:spcPts val="1414"/>
               </a:spcAft>
               <a:buClr>
-                <a:srgbClr val="ef2929"/>
+                <a:srgbClr val="EF2929"/>
               </a:buClr>
               <a:buSzPct val="45000"/>
               <a:buFont typeface="Wingdings" charset="2"/>
               <a:buChar char=""/>
             </a:pPr>
             <a:r>
-              <a:rPr b="0" lang="en-US" sz="2800" spc="-1" strike="noStrike">
+              <a:rPr lang="en-US" sz="2800" b="0" strike="noStrike" spc="-1">
                 <a:solidFill>
                   <a:srgbClr val="333333"/>
                 </a:solidFill>
                 <a:uFill>
                   <a:solidFill>
-                    <a:srgbClr val="ffffff"/>
+                    <a:srgbClr val="FFFFFF"/>
                   </a:solidFill>
                 </a:uFill>
                 <a:latin typeface="Open Sans"/>
@@ -5244,13 +5374,13 @@
               </a:rPr>
               <a:t>The program will convert both the password and the file into a byte arrays.</a:t>
             </a:r>
-            <a:endParaRPr b="0" lang="en-US" sz="1800" spc="-1" strike="noStrike">
-              <a:solidFill>
-                <a:srgbClr val="000000"/>
-              </a:solidFill>
-              <a:uFill>
-                <a:solidFill>
-                  <a:srgbClr val="ffffff"/>
+            <a:endParaRPr lang="en-US" sz="1800" b="0" strike="noStrike" spc="-1">
+              <a:solidFill>
+                <a:srgbClr val="000000"/>
+              </a:solidFill>
+              <a:uFill>
+                <a:solidFill>
+                  <a:srgbClr val="FFFFFF"/>
                 </a:solidFill>
               </a:uFill>
               <a:latin typeface="Arial"/>
@@ -5265,20 +5395,20 @@
                 <a:spcPts val="1414"/>
               </a:spcAft>
               <a:buClr>
-                <a:srgbClr val="ef2929"/>
+                <a:srgbClr val="EF2929"/>
               </a:buClr>
               <a:buSzPct val="45000"/>
               <a:buFont typeface="Wingdings" charset="2"/>
               <a:buChar char=""/>
             </a:pPr>
             <a:r>
-              <a:rPr b="0" lang="en-US" sz="2800" spc="-1" strike="noStrike">
+              <a:rPr lang="en-US" sz="2800" b="0" strike="noStrike" spc="-1">
                 <a:solidFill>
                   <a:srgbClr val="333333"/>
                 </a:solidFill>
                 <a:uFill>
                   <a:solidFill>
-                    <a:srgbClr val="ffffff"/>
+                    <a:srgbClr val="FFFFFF"/>
                   </a:solidFill>
                 </a:uFill>
                 <a:latin typeface="Open Sans"/>
@@ -5286,13 +5416,13 @@
               </a:rPr>
               <a:t>The byte arrays will be sent to a SHA-256 hashing algorithm and combined to form one hash. </a:t>
             </a:r>
-            <a:endParaRPr b="0" lang="en-US" sz="1800" spc="-1" strike="noStrike">
-              <a:solidFill>
-                <a:srgbClr val="000000"/>
-              </a:solidFill>
-              <a:uFill>
-                <a:solidFill>
-                  <a:srgbClr val="ffffff"/>
+            <a:endParaRPr lang="en-US" sz="1800" b="0" strike="noStrike" spc="-1">
+              <a:solidFill>
+                <a:srgbClr val="000000"/>
+              </a:solidFill>
+              <a:uFill>
+                <a:solidFill>
+                  <a:srgbClr val="FFFFFF"/>
                 </a:solidFill>
               </a:uFill>
               <a:latin typeface="Arial"/>
@@ -5307,20 +5437,20 @@
                 <a:spcPts val="1414"/>
               </a:spcAft>
               <a:buClr>
-                <a:srgbClr val="ef2929"/>
+                <a:srgbClr val="EF2929"/>
               </a:buClr>
               <a:buSzPct val="45000"/>
               <a:buFont typeface="Wingdings" charset="2"/>
               <a:buChar char=""/>
             </a:pPr>
             <a:r>
-              <a:rPr b="0" lang="en-US" sz="2800" spc="-1" strike="noStrike">
+              <a:rPr lang="en-US" sz="2800" b="0" strike="noStrike" spc="-1">
                 <a:solidFill>
                   <a:srgbClr val="333333"/>
                 </a:solidFill>
                 <a:uFill>
                   <a:solidFill>
-                    <a:srgbClr val="ffffff"/>
+                    <a:srgbClr val="FFFFFF"/>
                   </a:solidFill>
                 </a:uFill>
                 <a:latin typeface="Open Sans"/>
@@ -5328,13 +5458,13 @@
               </a:rPr>
               <a:t>The hash is converted to a character array and used as authentication to open the password vault. </a:t>
             </a:r>
-            <a:endParaRPr b="0" lang="en-US" sz="1800" spc="-1" strike="noStrike">
-              <a:solidFill>
-                <a:srgbClr val="000000"/>
-              </a:solidFill>
-              <a:uFill>
-                <a:solidFill>
-                  <a:srgbClr val="ffffff"/>
+            <a:endParaRPr lang="en-US" sz="1800" b="0" strike="noStrike" spc="-1">
+              <a:solidFill>
+                <a:srgbClr val="000000"/>
+              </a:solidFill>
+              <a:uFill>
+                <a:solidFill>
+                  <a:srgbClr val="FFFFFF"/>
                 </a:solidFill>
               </a:uFill>
               <a:latin typeface="Arial"/>
@@ -5344,22 +5474,25 @@
       </p:sp>
     </p:spTree>
   </p:cSld>
+  <p:clrMapOvr>
+    <a:masterClrMapping/>
+  </p:clrMapOvr>
   <p:timing>
     <p:tnLst>
       <p:par>
-        <p:cTn id="11" dur="indefinite" restart="never" nodeType="tmRoot">
+        <p:cTn id="1" dur="indefinite" restart="never" nodeType="tmRoot">
           <p:childTnLst>
             <p:seq>
-              <p:cTn id="12" nodeType="mainSeq"/>
+              <p:cTn id="2" nodeType="mainSeq"/>
               <p:prevCondLst>
-                <p:cond delay="0" evt="onPrev">
+                <p:cond evt="onPrev" delay="0">
                   <p:tgtEl>
                     <p:sldTgt/>
                   </p:tgtEl>
                 </p:cond>
               </p:prevCondLst>
               <p:nextCondLst>
-                <p:cond delay="0" evt="onNext">
+                <p:cond evt="onNext" delay="0">
                   <p:tgtEl>
                     <p:sldTgt/>
                   </p:tgtEl>
@@ -5375,7 +5508,7 @@
 </file>
 
 <file path=ppt/slides/slide7.xml><?xml version="1.0" encoding="utf-8"?>
-<p:sld xmlns:a="http://schemas.openxmlformats.org/drawingml/2006/main" xmlns:p="http://schemas.openxmlformats.org/presentationml/2006/main" xmlns:r="http://schemas.openxmlformats.org/officeDocument/2006/relationships" xmlns:p14="http://schemas.microsoft.com/office/powerpoint/2010/main" xmlns:p15="http://schemas.microsoft.com/office/powerpoint/2012/main" xmlns:mc="http://schemas.openxmlformats.org/markup-compatibility/2006">
+<p:sld xmlns:a="http://schemas.openxmlformats.org/drawingml/2006/main" xmlns:r="http://schemas.openxmlformats.org/officeDocument/2006/relationships" xmlns:p="http://schemas.openxmlformats.org/presentationml/2006/main">
   <p:cSld>
     <p:spTree>
       <p:nvGrpSpPr>
@@ -5411,22 +5544,29 @@
           </a:ln>
         </p:spPr>
         <p:style>
-          <a:lnRef idx="0"/>
-          <a:fillRef idx="0"/>
-          <a:effectRef idx="0"/>
+          <a:lnRef idx="0">
+            <a:scrgbClr r="0" g="0" b="0"/>
+          </a:lnRef>
+          <a:fillRef idx="0">
+            <a:scrgbClr r="0" g="0" b="0"/>
+          </a:fillRef>
+          <a:effectRef idx="0">
+            <a:scrgbClr r="0" g="0" b="0"/>
+          </a:effectRef>
           <a:fontRef idx="minor"/>
         </p:style>
         <p:txBody>
-          <a:bodyPr lIns="0" rIns="0" tIns="0" bIns="0" anchor="ctr"/>
+          <a:bodyPr lIns="0" tIns="0" rIns="0" bIns="0" anchor="ctr"/>
+          <a:lstStyle/>
           <a:p>
             <a:r>
-              <a:rPr b="1" lang="en-US" sz="4400" spc="-1" strike="noStrike">
+              <a:rPr lang="en-US" sz="4400" b="1" strike="noStrike" spc="-1">
                 <a:solidFill>
                   <a:srgbClr val="333333"/>
                 </a:solidFill>
                 <a:uFill>
                   <a:solidFill>
-                    <a:srgbClr val="ffffff"/>
+                    <a:srgbClr val="FFFFFF"/>
                   </a:solidFill>
                 </a:uFill>
                 <a:latin typeface="Open Sans"/>
@@ -5434,13 +5574,13 @@
               </a:rPr>
               <a:t>Password Vault</a:t>
             </a:r>
-            <a:endParaRPr b="0" lang="en-US" sz="1800" spc="-1" strike="noStrike">
-              <a:solidFill>
-                <a:srgbClr val="000000"/>
-              </a:solidFill>
-              <a:uFill>
-                <a:solidFill>
-                  <a:srgbClr val="ffffff"/>
+            <a:endParaRPr lang="en-US" sz="1800" b="0" strike="noStrike" spc="-1">
+              <a:solidFill>
+                <a:srgbClr val="000000"/>
+              </a:solidFill>
+              <a:uFill>
+                <a:solidFill>
+                  <a:srgbClr val="FFFFFF"/>
                 </a:solidFill>
               </a:uFill>
               <a:latin typeface="Arial"/>
@@ -5468,131 +5608,72 @@
           </a:ln>
         </p:spPr>
         <p:style>
-          <a:lnRef idx="0"/>
-          <a:fillRef idx="0"/>
-          <a:effectRef idx="0"/>
+          <a:lnRef idx="0">
+            <a:scrgbClr r="0" g="0" b="0"/>
+          </a:lnRef>
+          <a:fillRef idx="0">
+            <a:scrgbClr r="0" g="0" b="0"/>
+          </a:fillRef>
+          <a:effectRef idx="0">
+            <a:scrgbClr r="0" g="0" b="0"/>
+          </a:effectRef>
           <a:fontRef idx="minor"/>
         </p:style>
       </p:sp>
       <p:sp>
         <p:nvSpPr>
-          <p:cNvPr id="92" name="CustomShape 3"/>
+          <p:cNvPr id="93" name="CustomShape 4"/>
           <p:cNvSpPr/>
           <p:nvPr/>
         </p:nvSpPr>
         <p:spPr>
           <a:xfrm>
-            <a:off x="640080" y="1280160"/>
-            <a:ext cx="1188720" cy="3749040"/>
+            <a:off x="4206240" y="1280160"/>
+            <a:ext cx="2743200" cy="1097280"/>
           </a:xfrm>
           <a:prstGeom prst="rect">
             <a:avLst/>
           </a:prstGeom>
           <a:solidFill>
-            <a:srgbClr val="eeeeee"/>
+            <a:srgbClr val="EEEEEE"/>
           </a:solidFill>
           <a:ln>
             <a:solidFill>
-              <a:srgbClr val="3465a4"/>
+              <a:srgbClr val="3465A4"/>
             </a:solidFill>
           </a:ln>
         </p:spPr>
         <p:style>
-          <a:lnRef idx="0"/>
-          <a:fillRef idx="0"/>
-          <a:effectRef idx="0"/>
+          <a:lnRef idx="0">
+            <a:scrgbClr r="0" g="0" b="0"/>
+          </a:lnRef>
+          <a:fillRef idx="0">
+            <a:scrgbClr r="0" g="0" b="0"/>
+          </a:fillRef>
+          <a:effectRef idx="0">
+            <a:scrgbClr r="0" g="0" b="0"/>
+          </a:effectRef>
           <a:fontRef idx="minor"/>
         </p:style>
         <p:txBody>
-          <a:bodyPr wrap="none" lIns="90000" rIns="90000" tIns="45000" bIns="45000" anchor="ctr"/>
+          <a:bodyPr wrap="none" lIns="90000" tIns="45000" rIns="90000" bIns="45000" anchor="ctr"/>
+          <a:lstStyle/>
           <a:p>
             <a:pPr algn="ctr"/>
             <a:r>
-              <a:rPr b="0" lang="en-US" sz="1800" spc="-1" strike="noStrike">
+              <a:rPr lang="en-US" sz="1800" b="0" strike="noStrike" spc="-1">
                 <a:solidFill>
                   <a:srgbClr val="000000"/>
                 </a:solidFill>
                 <a:uFill>
                   <a:solidFill>
-                    <a:srgbClr val="ffffff"/>
-                  </a:solidFill>
-                </a:uFill>
-                <a:latin typeface="Arial"/>
-              </a:rPr>
-              <a:t>Vault</a:t>
-            </a:r>
-            <a:endParaRPr b="0" lang="en-US" sz="1800" spc="-1" strike="noStrike">
-              <a:solidFill>
-                <a:srgbClr val="000000"/>
-              </a:solidFill>
-              <a:uFill>
-                <a:solidFill>
-                  <a:srgbClr val="ffffff"/>
-                </a:solidFill>
-              </a:uFill>
-              <a:latin typeface="Arial"/>
-            </a:endParaRPr>
-          </a:p>
-        </p:txBody>
-      </p:sp>
-      <p:sp>
-        <p:nvSpPr>
-          <p:cNvPr id="93" name="CustomShape 4"/>
-          <p:cNvSpPr/>
-          <p:nvPr/>
-        </p:nvSpPr>
-        <p:spPr>
-          <a:xfrm>
-            <a:off x="4206240" y="1280160"/>
-            <a:ext cx="2743200" cy="1097280"/>
-          </a:xfrm>
-          <a:prstGeom prst="rect">
-            <a:avLst/>
-          </a:prstGeom>
-          <a:solidFill>
-            <a:srgbClr val="eeeeee"/>
-          </a:solidFill>
-          <a:ln>
-            <a:solidFill>
-              <a:srgbClr val="3465a4"/>
-            </a:solidFill>
-          </a:ln>
-        </p:spPr>
-        <p:style>
-          <a:lnRef idx="0"/>
-          <a:fillRef idx="0"/>
-          <a:effectRef idx="0"/>
-          <a:fontRef idx="minor"/>
-        </p:style>
-        <p:txBody>
-          <a:bodyPr wrap="none" lIns="90000" rIns="90000" tIns="45000" bIns="45000" anchor="ctr"/>
-          <a:p>
-            <a:pPr algn="ctr"/>
-            <a:r>
-              <a:rPr b="0" lang="en-US" sz="1800" spc="-1" strike="noStrike">
-                <a:solidFill>
-                  <a:srgbClr val="000000"/>
-                </a:solidFill>
-                <a:uFill>
-                  <a:solidFill>
-                    <a:srgbClr val="ffffff"/>
+                    <a:srgbClr val="FFFFFF"/>
                   </a:solidFill>
                 </a:uFill>
                 <a:latin typeface="Arial"/>
               </a:rPr>
               <a:t>VaultEntry</a:t>
             </a:r>
-            <a:endParaRPr b="0" lang="en-US" sz="1800" spc="-1" strike="noStrike">
-              <a:solidFill>
-                <a:srgbClr val="000000"/>
-              </a:solidFill>
-              <a:uFill>
-                <a:solidFill>
-                  <a:srgbClr val="ffffff"/>
-                </a:solidFill>
-              </a:uFill>
-              <a:latin typeface="Arial"/>
-            </a:endParaRPr>
           </a:p>
         </p:txBody>
       </p:sp>
@@ -5611,133 +5692,96 @@
             <a:avLst/>
           </a:prstGeom>
           <a:solidFill>
-            <a:srgbClr val="eeeeee"/>
+            <a:srgbClr val="EEEEEE"/>
           </a:solidFill>
           <a:ln>
             <a:solidFill>
-              <a:srgbClr val="3465a4"/>
+              <a:srgbClr val="3465A4"/>
             </a:solidFill>
           </a:ln>
         </p:spPr>
         <p:style>
-          <a:lnRef idx="0"/>
-          <a:fillRef idx="0"/>
-          <a:effectRef idx="0"/>
+          <a:lnRef idx="0">
+            <a:scrgbClr r="0" g="0" b="0"/>
+          </a:lnRef>
+          <a:fillRef idx="0">
+            <a:scrgbClr r="0" g="0" b="0"/>
+          </a:fillRef>
+          <a:effectRef idx="0">
+            <a:scrgbClr r="0" g="0" b="0"/>
+          </a:effectRef>
           <a:fontRef idx="minor"/>
         </p:style>
         <p:txBody>
-          <a:bodyPr wrap="none" lIns="90000" rIns="90000" tIns="45000" bIns="45000" anchor="ctr"/>
+          <a:bodyPr wrap="none" lIns="90000" tIns="45000" rIns="90000" bIns="45000" anchor="ctr"/>
+          <a:lstStyle/>
           <a:p>
             <a:pPr algn="ctr"/>
             <a:r>
-              <a:rPr b="0" lang="en-US" sz="1800" spc="-1" strike="noStrike">
+              <a:rPr lang="en-US" sz="1800" b="0" strike="noStrike" spc="-1">
                 <a:solidFill>
                   <a:srgbClr val="000000"/>
                 </a:solidFill>
                 <a:uFill>
                   <a:solidFill>
-                    <a:srgbClr val="ffffff"/>
+                    <a:srgbClr val="FFFFFF"/>
                   </a:solidFill>
                 </a:uFill>
                 <a:latin typeface="Arial"/>
               </a:rPr>
               <a:t>id</a:t>
             </a:r>
-            <a:endParaRPr b="0" lang="en-US" sz="1800" spc="-1" strike="noStrike">
-              <a:solidFill>
-                <a:srgbClr val="000000"/>
-              </a:solidFill>
-              <a:uFill>
-                <a:solidFill>
-                  <a:srgbClr val="ffffff"/>
-                </a:solidFill>
-              </a:uFill>
-              <a:latin typeface="Arial"/>
-            </a:endParaRPr>
           </a:p>
           <a:p>
             <a:pPr algn="ctr"/>
             <a:r>
-              <a:rPr b="0" lang="en-US" sz="1800" spc="-1" strike="noStrike">
+              <a:rPr lang="en-US" sz="1800" b="0" strike="noStrike" spc="-1">
                 <a:solidFill>
                   <a:srgbClr val="000000"/>
                 </a:solidFill>
                 <a:uFill>
                   <a:solidFill>
-                    <a:srgbClr val="ffffff"/>
+                    <a:srgbClr val="FFFFFF"/>
                   </a:solidFill>
                 </a:uFill>
                 <a:latin typeface="Arial"/>
               </a:rPr>
               <a:t>Label</a:t>
             </a:r>
-            <a:endParaRPr b="0" lang="en-US" sz="1800" spc="-1" strike="noStrike">
-              <a:solidFill>
-                <a:srgbClr val="000000"/>
-              </a:solidFill>
-              <a:uFill>
-                <a:solidFill>
-                  <a:srgbClr val="ffffff"/>
-                </a:solidFill>
-              </a:uFill>
-              <a:latin typeface="Arial"/>
-            </a:endParaRPr>
           </a:p>
           <a:p>
             <a:pPr algn="ctr"/>
             <a:r>
-              <a:rPr b="0" lang="en-US" sz="1800" spc="-1" strike="noStrike">
+              <a:rPr lang="en-US" sz="1800" b="0" strike="noStrike" spc="-1">
                 <a:solidFill>
                   <a:srgbClr val="000000"/>
                 </a:solidFill>
                 <a:uFill>
                   <a:solidFill>
-                    <a:srgbClr val="ffffff"/>
+                    <a:srgbClr val="FFFFFF"/>
                   </a:solidFill>
                 </a:uFill>
                 <a:latin typeface="Arial"/>
               </a:rPr>
               <a:t>Username</a:t>
             </a:r>
-            <a:endParaRPr b="0" lang="en-US" sz="1800" spc="-1" strike="noStrike">
-              <a:solidFill>
-                <a:srgbClr val="000000"/>
-              </a:solidFill>
-              <a:uFill>
-                <a:solidFill>
-                  <a:srgbClr val="ffffff"/>
-                </a:solidFill>
-              </a:uFill>
-              <a:latin typeface="Arial"/>
-            </a:endParaRPr>
           </a:p>
           <a:p>
             <a:pPr algn="ctr"/>
             <a:r>
-              <a:rPr b="0" lang="en-US" sz="1800" spc="-1" strike="noStrike">
+              <a:rPr lang="en-US" sz="1800" b="0" strike="noStrike" spc="-1">
                 <a:solidFill>
                   <a:srgbClr val="000000"/>
                 </a:solidFill>
                 <a:uFill>
                   <a:solidFill>
-                    <a:srgbClr val="ffffff"/>
+                    <a:srgbClr val="FFFFFF"/>
                   </a:solidFill>
                 </a:uFill>
                 <a:latin typeface="Arial"/>
               </a:rPr>
               <a:t>Password</a:t>
             </a:r>
-            <a:endParaRPr b="0" lang="en-US" sz="1800" spc="-1" strike="noStrike">
-              <a:solidFill>
-                <a:srgbClr val="000000"/>
-              </a:solidFill>
-              <a:uFill>
-                <a:solidFill>
-                  <a:srgbClr val="ffffff"/>
-                </a:solidFill>
-              </a:uFill>
-              <a:latin typeface="Arial"/>
-            </a:endParaRPr>
           </a:p>
         </p:txBody>
       </p:sp>
@@ -5756,49 +5800,45 @@
             <a:avLst/>
           </a:prstGeom>
           <a:solidFill>
-            <a:srgbClr val="eeeeee"/>
+            <a:srgbClr val="EEEEEE"/>
           </a:solidFill>
           <a:ln>
             <a:solidFill>
-              <a:srgbClr val="3465a4"/>
+              <a:srgbClr val="3465A4"/>
             </a:solidFill>
           </a:ln>
         </p:spPr>
         <p:style>
-          <a:lnRef idx="0"/>
-          <a:fillRef idx="0"/>
-          <a:effectRef idx="0"/>
+          <a:lnRef idx="0">
+            <a:scrgbClr r="0" g="0" b="0"/>
+          </a:lnRef>
+          <a:fillRef idx="0">
+            <a:scrgbClr r="0" g="0" b="0"/>
+          </a:fillRef>
+          <a:effectRef idx="0">
+            <a:scrgbClr r="0" g="0" b="0"/>
+          </a:effectRef>
           <a:fontRef idx="minor"/>
         </p:style>
         <p:txBody>
-          <a:bodyPr wrap="none" lIns="90000" rIns="90000" tIns="45000" bIns="45000" anchor="ctr"/>
+          <a:bodyPr wrap="none" lIns="90000" tIns="45000" rIns="90000" bIns="45000" anchor="ctr"/>
+          <a:lstStyle/>
           <a:p>
             <a:pPr algn="ctr"/>
             <a:r>
-              <a:rPr b="0" lang="en-US" sz="1800" spc="-1" strike="noStrike">
+              <a:rPr lang="en-US" sz="1800" b="0" strike="noStrike" spc="-1">
                 <a:solidFill>
                   <a:srgbClr val="000000"/>
                 </a:solidFill>
                 <a:uFill>
                   <a:solidFill>
-                    <a:srgbClr val="ffffff"/>
+                    <a:srgbClr val="FFFFFF"/>
                   </a:solidFill>
                 </a:uFill>
                 <a:latin typeface="Arial"/>
               </a:rPr>
               <a:t>VaultEntry</a:t>
             </a:r>
-            <a:endParaRPr b="0" lang="en-US" sz="1800" spc="-1" strike="noStrike">
-              <a:solidFill>
-                <a:srgbClr val="000000"/>
-              </a:solidFill>
-              <a:uFill>
-                <a:solidFill>
-                  <a:srgbClr val="ffffff"/>
-                </a:solidFill>
-              </a:uFill>
-              <a:latin typeface="Arial"/>
-            </a:endParaRPr>
           </a:p>
         </p:txBody>
       </p:sp>
@@ -5817,133 +5857,96 @@
             <a:avLst/>
           </a:prstGeom>
           <a:solidFill>
-            <a:srgbClr val="eeeeee"/>
+            <a:srgbClr val="EEEEEE"/>
           </a:solidFill>
           <a:ln>
             <a:solidFill>
-              <a:srgbClr val="3465a4"/>
+              <a:srgbClr val="3465A4"/>
             </a:solidFill>
           </a:ln>
         </p:spPr>
         <p:style>
-          <a:lnRef idx="0"/>
-          <a:fillRef idx="0"/>
-          <a:effectRef idx="0"/>
+          <a:lnRef idx="0">
+            <a:scrgbClr r="0" g="0" b="0"/>
+          </a:lnRef>
+          <a:fillRef idx="0">
+            <a:scrgbClr r="0" g="0" b="0"/>
+          </a:fillRef>
+          <a:effectRef idx="0">
+            <a:scrgbClr r="0" g="0" b="0"/>
+          </a:effectRef>
           <a:fontRef idx="minor"/>
         </p:style>
         <p:txBody>
-          <a:bodyPr wrap="none" lIns="90000" rIns="90000" tIns="45000" bIns="45000" anchor="ctr"/>
+          <a:bodyPr wrap="none" lIns="90000" tIns="45000" rIns="90000" bIns="45000" anchor="ctr"/>
+          <a:lstStyle/>
           <a:p>
             <a:pPr algn="ctr"/>
             <a:r>
-              <a:rPr b="0" lang="en-US" sz="1800" spc="-1" strike="noStrike">
+              <a:rPr lang="en-US" sz="1800" b="0" strike="noStrike" spc="-1">
                 <a:solidFill>
                   <a:srgbClr val="000000"/>
                 </a:solidFill>
                 <a:uFill>
                   <a:solidFill>
-                    <a:srgbClr val="ffffff"/>
+                    <a:srgbClr val="FFFFFF"/>
                   </a:solidFill>
                 </a:uFill>
                 <a:latin typeface="Arial"/>
               </a:rPr>
               <a:t>id</a:t>
             </a:r>
-            <a:endParaRPr b="0" lang="en-US" sz="1800" spc="-1" strike="noStrike">
-              <a:solidFill>
-                <a:srgbClr val="000000"/>
-              </a:solidFill>
-              <a:uFill>
-                <a:solidFill>
-                  <a:srgbClr val="ffffff"/>
-                </a:solidFill>
-              </a:uFill>
-              <a:latin typeface="Arial"/>
-            </a:endParaRPr>
           </a:p>
           <a:p>
             <a:pPr algn="ctr"/>
             <a:r>
-              <a:rPr b="0" lang="en-US" sz="1800" spc="-1" strike="noStrike">
+              <a:rPr lang="en-US" sz="1800" b="0" strike="noStrike" spc="-1">
                 <a:solidFill>
                   <a:srgbClr val="000000"/>
                 </a:solidFill>
                 <a:uFill>
                   <a:solidFill>
-                    <a:srgbClr val="ffffff"/>
+                    <a:srgbClr val="FFFFFF"/>
                   </a:solidFill>
                 </a:uFill>
                 <a:latin typeface="Arial"/>
               </a:rPr>
               <a:t>Label</a:t>
             </a:r>
-            <a:endParaRPr b="0" lang="en-US" sz="1800" spc="-1" strike="noStrike">
-              <a:solidFill>
-                <a:srgbClr val="000000"/>
-              </a:solidFill>
-              <a:uFill>
-                <a:solidFill>
-                  <a:srgbClr val="ffffff"/>
-                </a:solidFill>
-              </a:uFill>
-              <a:latin typeface="Arial"/>
-            </a:endParaRPr>
           </a:p>
           <a:p>
             <a:pPr algn="ctr"/>
             <a:r>
-              <a:rPr b="0" lang="en-US" sz="1800" spc="-1" strike="noStrike">
+              <a:rPr lang="en-US" sz="1800" b="0" strike="noStrike" spc="-1">
                 <a:solidFill>
                   <a:srgbClr val="000000"/>
                 </a:solidFill>
                 <a:uFill>
                   <a:solidFill>
-                    <a:srgbClr val="ffffff"/>
+                    <a:srgbClr val="FFFFFF"/>
                   </a:solidFill>
                 </a:uFill>
                 <a:latin typeface="Arial"/>
               </a:rPr>
               <a:t>Username</a:t>
             </a:r>
-            <a:endParaRPr b="0" lang="en-US" sz="1800" spc="-1" strike="noStrike">
-              <a:solidFill>
-                <a:srgbClr val="000000"/>
-              </a:solidFill>
-              <a:uFill>
-                <a:solidFill>
-                  <a:srgbClr val="ffffff"/>
-                </a:solidFill>
-              </a:uFill>
-              <a:latin typeface="Arial"/>
-            </a:endParaRPr>
           </a:p>
           <a:p>
             <a:pPr algn="ctr"/>
             <a:r>
-              <a:rPr b="0" lang="en-US" sz="1800" spc="-1" strike="noStrike">
+              <a:rPr lang="en-US" sz="1800" b="0" strike="noStrike" spc="-1">
                 <a:solidFill>
                   <a:srgbClr val="000000"/>
                 </a:solidFill>
                 <a:uFill>
                   <a:solidFill>
-                    <a:srgbClr val="ffffff"/>
+                    <a:srgbClr val="FFFFFF"/>
                   </a:solidFill>
                 </a:uFill>
                 <a:latin typeface="Arial"/>
               </a:rPr>
               <a:t>Password</a:t>
             </a:r>
-            <a:endParaRPr b="0" lang="en-US" sz="1800" spc="-1" strike="noStrike">
-              <a:solidFill>
-                <a:srgbClr val="000000"/>
-              </a:solidFill>
-              <a:uFill>
-                <a:solidFill>
-                  <a:srgbClr val="ffffff"/>
-                </a:solidFill>
-              </a:uFill>
-              <a:latin typeface="Arial"/>
-            </a:endParaRPr>
           </a:p>
         </p:txBody>
       </p:sp>
@@ -5962,49 +5965,45 @@
             <a:avLst/>
           </a:prstGeom>
           <a:solidFill>
-            <a:srgbClr val="eeeeee"/>
+            <a:srgbClr val="EEEEEE"/>
           </a:solidFill>
           <a:ln>
             <a:solidFill>
-              <a:srgbClr val="3465a4"/>
+              <a:srgbClr val="3465A4"/>
             </a:solidFill>
           </a:ln>
         </p:spPr>
         <p:style>
-          <a:lnRef idx="0"/>
-          <a:fillRef idx="0"/>
-          <a:effectRef idx="0"/>
+          <a:lnRef idx="0">
+            <a:scrgbClr r="0" g="0" b="0"/>
+          </a:lnRef>
+          <a:fillRef idx="0">
+            <a:scrgbClr r="0" g="0" b="0"/>
+          </a:fillRef>
+          <a:effectRef idx="0">
+            <a:scrgbClr r="0" g="0" b="0"/>
+          </a:effectRef>
           <a:fontRef idx="minor"/>
         </p:style>
         <p:txBody>
-          <a:bodyPr wrap="none" lIns="90000" rIns="90000" tIns="45000" bIns="45000" anchor="ctr"/>
+          <a:bodyPr wrap="none" lIns="90000" tIns="45000" rIns="90000" bIns="45000" anchor="ctr"/>
+          <a:lstStyle/>
           <a:p>
             <a:pPr algn="ctr"/>
             <a:r>
-              <a:rPr b="0" lang="en-US" sz="1800" spc="-1" strike="noStrike">
+              <a:rPr lang="en-US" sz="1800" b="0" strike="noStrike" spc="-1">
                 <a:solidFill>
                   <a:srgbClr val="000000"/>
                 </a:solidFill>
                 <a:uFill>
                   <a:solidFill>
-                    <a:srgbClr val="ffffff"/>
+                    <a:srgbClr val="FFFFFF"/>
                   </a:solidFill>
                 </a:uFill>
                 <a:latin typeface="Arial"/>
               </a:rPr>
               <a:t>VaultEntry</a:t>
             </a:r>
-            <a:endParaRPr b="0" lang="en-US" sz="1800" spc="-1" strike="noStrike">
-              <a:solidFill>
-                <a:srgbClr val="000000"/>
-              </a:solidFill>
-              <a:uFill>
-                <a:solidFill>
-                  <a:srgbClr val="ffffff"/>
-                </a:solidFill>
-              </a:uFill>
-              <a:latin typeface="Arial"/>
-            </a:endParaRPr>
           </a:p>
         </p:txBody>
       </p:sp>
@@ -6023,133 +6022,96 @@
             <a:avLst/>
           </a:prstGeom>
           <a:solidFill>
-            <a:srgbClr val="eeeeee"/>
+            <a:srgbClr val="EEEEEE"/>
           </a:solidFill>
           <a:ln>
             <a:solidFill>
-              <a:srgbClr val="3465a4"/>
+              <a:srgbClr val="3465A4"/>
             </a:solidFill>
           </a:ln>
         </p:spPr>
         <p:style>
-          <a:lnRef idx="0"/>
-          <a:fillRef idx="0"/>
-          <a:effectRef idx="0"/>
+          <a:lnRef idx="0">
+            <a:scrgbClr r="0" g="0" b="0"/>
+          </a:lnRef>
+          <a:fillRef idx="0">
+            <a:scrgbClr r="0" g="0" b="0"/>
+          </a:fillRef>
+          <a:effectRef idx="0">
+            <a:scrgbClr r="0" g="0" b="0"/>
+          </a:effectRef>
           <a:fontRef idx="minor"/>
         </p:style>
         <p:txBody>
-          <a:bodyPr wrap="none" lIns="90000" rIns="90000" tIns="45000" bIns="45000" anchor="ctr"/>
+          <a:bodyPr wrap="none" lIns="90000" tIns="45000" rIns="90000" bIns="45000" anchor="ctr"/>
+          <a:lstStyle/>
           <a:p>
             <a:pPr algn="ctr"/>
             <a:r>
-              <a:rPr b="0" lang="en-US" sz="1800" spc="-1" strike="noStrike">
+              <a:rPr lang="en-US" sz="1800" b="0" strike="noStrike" spc="-1">
                 <a:solidFill>
                   <a:srgbClr val="000000"/>
                 </a:solidFill>
                 <a:uFill>
                   <a:solidFill>
-                    <a:srgbClr val="ffffff"/>
+                    <a:srgbClr val="FFFFFF"/>
                   </a:solidFill>
                 </a:uFill>
                 <a:latin typeface="Arial"/>
               </a:rPr>
               <a:t>id</a:t>
             </a:r>
-            <a:endParaRPr b="0" lang="en-US" sz="1800" spc="-1" strike="noStrike">
-              <a:solidFill>
-                <a:srgbClr val="000000"/>
-              </a:solidFill>
-              <a:uFill>
-                <a:solidFill>
-                  <a:srgbClr val="ffffff"/>
-                </a:solidFill>
-              </a:uFill>
-              <a:latin typeface="Arial"/>
-            </a:endParaRPr>
           </a:p>
           <a:p>
             <a:pPr algn="ctr"/>
             <a:r>
-              <a:rPr b="0" lang="en-US" sz="1800" spc="-1" strike="noStrike">
+              <a:rPr lang="en-US" sz="1800" b="0" strike="noStrike" spc="-1">
                 <a:solidFill>
                   <a:srgbClr val="000000"/>
                 </a:solidFill>
                 <a:uFill>
                   <a:solidFill>
-                    <a:srgbClr val="ffffff"/>
+                    <a:srgbClr val="FFFFFF"/>
                   </a:solidFill>
                 </a:uFill>
                 <a:latin typeface="Arial"/>
               </a:rPr>
               <a:t>Label</a:t>
             </a:r>
-            <a:endParaRPr b="0" lang="en-US" sz="1800" spc="-1" strike="noStrike">
-              <a:solidFill>
-                <a:srgbClr val="000000"/>
-              </a:solidFill>
-              <a:uFill>
-                <a:solidFill>
-                  <a:srgbClr val="ffffff"/>
-                </a:solidFill>
-              </a:uFill>
-              <a:latin typeface="Arial"/>
-            </a:endParaRPr>
           </a:p>
           <a:p>
             <a:pPr algn="ctr"/>
             <a:r>
-              <a:rPr b="0" lang="en-US" sz="1800" spc="-1" strike="noStrike">
+              <a:rPr lang="en-US" sz="1800" b="0" strike="noStrike" spc="-1">
                 <a:solidFill>
                   <a:srgbClr val="000000"/>
                 </a:solidFill>
                 <a:uFill>
                   <a:solidFill>
-                    <a:srgbClr val="ffffff"/>
+                    <a:srgbClr val="FFFFFF"/>
                   </a:solidFill>
                 </a:uFill>
                 <a:latin typeface="Arial"/>
               </a:rPr>
               <a:t>Username</a:t>
             </a:r>
-            <a:endParaRPr b="0" lang="en-US" sz="1800" spc="-1" strike="noStrike">
-              <a:solidFill>
-                <a:srgbClr val="000000"/>
-              </a:solidFill>
-              <a:uFill>
-                <a:solidFill>
-                  <a:srgbClr val="ffffff"/>
-                </a:solidFill>
-              </a:uFill>
-              <a:latin typeface="Arial"/>
-            </a:endParaRPr>
           </a:p>
           <a:p>
             <a:pPr algn="ctr"/>
             <a:r>
-              <a:rPr b="0" lang="en-US" sz="1800" spc="-1" strike="noStrike">
+              <a:rPr lang="en-US" sz="1800" b="0" strike="noStrike" spc="-1">
                 <a:solidFill>
                   <a:srgbClr val="000000"/>
                 </a:solidFill>
                 <a:uFill>
                   <a:solidFill>
-                    <a:srgbClr val="ffffff"/>
+                    <a:srgbClr val="FFFFFF"/>
                   </a:solidFill>
                 </a:uFill>
                 <a:latin typeface="Arial"/>
               </a:rPr>
               <a:t>Password</a:t>
             </a:r>
-            <a:endParaRPr b="0" lang="en-US" sz="1800" spc="-1" strike="noStrike">
-              <a:solidFill>
-                <a:srgbClr val="000000"/>
-              </a:solidFill>
-              <a:uFill>
-                <a:solidFill>
-                  <a:srgbClr val="ffffff"/>
-                </a:solidFill>
-              </a:uFill>
-              <a:latin typeface="Arial"/>
-            </a:endParaRPr>
           </a:p>
         </p:txBody>
       </p:sp>
@@ -6174,7 +6136,7 @@
             <a:solidFill>
               <a:srgbClr val="000000"/>
             </a:solidFill>
-            <a:tailEnd len="med" type="triangle" w="med"/>
+            <a:tailEnd type="triangle" w="med" len="med"/>
           </a:ln>
         </p:spPr>
       </p:cxnSp>
@@ -6199,8 +6161,8 @@
             <a:solidFill>
               <a:srgbClr val="000000"/>
             </a:solidFill>
-            <a:headEnd len="med" type="triangle" w="med"/>
-            <a:tailEnd len="med" type="triangle" w="med"/>
+            <a:headEnd type="triangle" w="med" len="med"/>
+            <a:tailEnd type="triangle" w="med" len="med"/>
           </a:ln>
         </p:spPr>
       </p:cxnSp>
@@ -6225,8 +6187,8 @@
             <a:solidFill>
               <a:srgbClr val="000000"/>
             </a:solidFill>
-            <a:headEnd len="med" type="triangle" w="med"/>
-            <a:tailEnd len="med" type="triangle" w="med"/>
+            <a:headEnd type="triangle" w="med" len="med"/>
+            <a:tailEnd type="triangle" w="med" len="med"/>
           </a:ln>
         </p:spPr>
       </p:cxnSp>
@@ -6248,28 +6210,167 @@
             <a:solidFill>
               <a:srgbClr val="000000"/>
             </a:solidFill>
-            <a:tailEnd len="med" type="triangle" w="med"/>
+            <a:tailEnd type="triangle" w="med" len="med"/>
           </a:ln>
         </p:spPr>
       </p:cxnSp>
+      <p:sp>
+        <p:nvSpPr>
+          <p:cNvPr id="21" name="CustomShape 3"/>
+          <p:cNvSpPr/>
+          <p:nvPr/>
+        </p:nvSpPr>
+        <p:spPr>
+          <a:xfrm>
+            <a:off x="1077912" y="2987675"/>
+            <a:ext cx="731520" cy="624840"/>
+          </a:xfrm>
+          <a:prstGeom prst="rect">
+            <a:avLst/>
+          </a:prstGeom>
+          <a:solidFill>
+            <a:srgbClr val="EEEEEE"/>
+          </a:solidFill>
+          <a:ln>
+            <a:solidFill>
+              <a:srgbClr val="3465A4"/>
+            </a:solidFill>
+          </a:ln>
+        </p:spPr>
+        <p:style>
+          <a:lnRef idx="0">
+            <a:scrgbClr r="0" g="0" b="0"/>
+          </a:lnRef>
+          <a:fillRef idx="0">
+            <a:scrgbClr r="0" g="0" b="0"/>
+          </a:fillRef>
+          <a:effectRef idx="0">
+            <a:scrgbClr r="0" g="0" b="0"/>
+          </a:effectRef>
+          <a:fontRef idx="minor"/>
+        </p:style>
+        <p:txBody>
+          <a:bodyPr wrap="none" lIns="90000" tIns="45000" rIns="90000" bIns="45000" anchor="ctr"/>
+          <a:lstStyle/>
+          <a:p>
+            <a:pPr algn="ctr"/>
+            <a:endParaRPr lang="en-US" sz="1800" b="0" strike="noStrike" spc="-1" dirty="0">
+              <a:solidFill>
+                <a:srgbClr val="000000"/>
+              </a:solidFill>
+              <a:uFill>
+                <a:solidFill>
+                  <a:srgbClr val="FFFFFF"/>
+                </a:solidFill>
+              </a:uFill>
+              <a:latin typeface="Arial"/>
+            </a:endParaRPr>
+          </a:p>
+        </p:txBody>
+      </p:sp>
+      <p:cxnSp>
+        <p:nvCxnSpPr>
+          <p:cNvPr id="22" name="Line 10"/>
+          <p:cNvCxnSpPr>
+            <a:stCxn id="21" idx="3"/>
+            <a:endCxn id="97" idx="1"/>
+          </p:cNvCxnSpPr>
+          <p:nvPr/>
+        </p:nvCxnSpPr>
+        <p:spPr>
+          <a:xfrm>
+            <a:off x="1809432" y="3300095"/>
+            <a:ext cx="2396808" cy="1546225"/>
+          </a:xfrm>
+          <a:prstGeom prst="straightConnector1">
+            <a:avLst/>
+          </a:prstGeom>
+          <a:ln>
+            <a:solidFill>
+              <a:srgbClr val="000000"/>
+            </a:solidFill>
+            <a:tailEnd type="triangle" w="med" len="med"/>
+          </a:ln>
+        </p:spPr>
+      </p:cxnSp>
+      <p:sp>
+        <p:nvSpPr>
+          <p:cNvPr id="92" name="CustomShape 3"/>
+          <p:cNvSpPr/>
+          <p:nvPr/>
+        </p:nvSpPr>
+        <p:spPr>
+          <a:xfrm>
+            <a:off x="640080" y="1280160"/>
+            <a:ext cx="1188720" cy="3749040"/>
+          </a:xfrm>
+          <a:prstGeom prst="rect">
+            <a:avLst/>
+          </a:prstGeom>
+          <a:solidFill>
+            <a:srgbClr val="EEEEEE"/>
+          </a:solidFill>
+          <a:ln>
+            <a:solidFill>
+              <a:srgbClr val="3465A4"/>
+            </a:solidFill>
+          </a:ln>
+        </p:spPr>
+        <p:style>
+          <a:lnRef idx="0">
+            <a:scrgbClr r="0" g="0" b="0"/>
+          </a:lnRef>
+          <a:fillRef idx="0">
+            <a:scrgbClr r="0" g="0" b="0"/>
+          </a:fillRef>
+          <a:effectRef idx="0">
+            <a:scrgbClr r="0" g="0" b="0"/>
+          </a:effectRef>
+          <a:fontRef idx="minor"/>
+        </p:style>
+        <p:txBody>
+          <a:bodyPr wrap="none" lIns="90000" tIns="45000" rIns="90000" bIns="45000" anchor="ctr"/>
+          <a:lstStyle/>
+          <a:p>
+            <a:pPr algn="ctr"/>
+            <a:r>
+              <a:rPr lang="en-US" sz="1800" b="0" strike="noStrike" spc="-1">
+                <a:solidFill>
+                  <a:srgbClr val="000000"/>
+                </a:solidFill>
+                <a:uFill>
+                  <a:solidFill>
+                    <a:srgbClr val="FFFFFF"/>
+                  </a:solidFill>
+                </a:uFill>
+                <a:latin typeface="Arial"/>
+              </a:rPr>
+              <a:t>Vault</a:t>
+            </a:r>
+          </a:p>
+        </p:txBody>
+      </p:sp>
     </p:spTree>
   </p:cSld>
+  <p:clrMapOvr>
+    <a:masterClrMapping/>
+  </p:clrMapOvr>
   <p:timing>
     <p:tnLst>
       <p:par>
-        <p:cTn id="13" dur="indefinite" restart="never" nodeType="tmRoot">
+        <p:cTn id="1" dur="indefinite" restart="never" nodeType="tmRoot">
           <p:childTnLst>
             <p:seq>
-              <p:cTn id="14" nodeType="mainSeq"/>
+              <p:cTn id="2" nodeType="mainSeq"/>
               <p:prevCondLst>
-                <p:cond delay="0" evt="onPrev">
+                <p:cond evt="onPrev" delay="0">
                   <p:tgtEl>
                     <p:sldTgt/>
                   </p:tgtEl>
                 </p:cond>
               </p:prevCondLst>
               <p:nextCondLst>
-                <p:cond delay="0" evt="onNext">
+                <p:cond evt="onNext" delay="0">
                   <p:tgtEl>
                     <p:sldTgt/>
                   </p:tgtEl>
@@ -6285,7 +6386,7 @@
 </file>
 
 <file path=ppt/slides/slide8.xml><?xml version="1.0" encoding="utf-8"?>
-<p:sld xmlns:a="http://schemas.openxmlformats.org/drawingml/2006/main" xmlns:p="http://schemas.openxmlformats.org/presentationml/2006/main" xmlns:r="http://schemas.openxmlformats.org/officeDocument/2006/relationships" xmlns:p14="http://schemas.microsoft.com/office/powerpoint/2010/main" xmlns:p15="http://schemas.microsoft.com/office/powerpoint/2012/main" xmlns:mc="http://schemas.openxmlformats.org/markup-compatibility/2006">
+<p:sld xmlns:a="http://schemas.openxmlformats.org/drawingml/2006/main" xmlns:r="http://schemas.openxmlformats.org/officeDocument/2006/relationships" xmlns:p="http://schemas.openxmlformats.org/presentationml/2006/main">
   <p:cSld>
     <p:spTree>
       <p:nvGrpSpPr>
@@ -6321,22 +6422,29 @@
           </a:ln>
         </p:spPr>
         <p:style>
-          <a:lnRef idx="0"/>
-          <a:fillRef idx="0"/>
-          <a:effectRef idx="0"/>
+          <a:lnRef idx="0">
+            <a:scrgbClr r="0" g="0" b="0"/>
+          </a:lnRef>
+          <a:fillRef idx="0">
+            <a:scrgbClr r="0" g="0" b="0"/>
+          </a:fillRef>
+          <a:effectRef idx="0">
+            <a:scrgbClr r="0" g="0" b="0"/>
+          </a:effectRef>
           <a:fontRef idx="minor"/>
         </p:style>
         <p:txBody>
-          <a:bodyPr lIns="0" rIns="0" tIns="0" bIns="0" anchor="ctr"/>
+          <a:bodyPr lIns="0" tIns="0" rIns="0" bIns="0" anchor="ctr"/>
+          <a:lstStyle/>
           <a:p>
             <a:r>
-              <a:rPr b="1" lang="en-US" sz="4400" spc="-1" strike="noStrike">
+              <a:rPr lang="en-US" sz="4400" b="1" strike="noStrike" spc="-1">
                 <a:solidFill>
                   <a:srgbClr val="333333"/>
                 </a:solidFill>
                 <a:uFill>
                   <a:solidFill>
-                    <a:srgbClr val="ffffff"/>
+                    <a:srgbClr val="FFFFFF"/>
                   </a:solidFill>
                 </a:uFill>
                 <a:latin typeface="Open Sans"/>
@@ -6344,13 +6452,13 @@
               </a:rPr>
               <a:t>Password Vault</a:t>
             </a:r>
-            <a:endParaRPr b="0" lang="en-US" sz="1800" spc="-1" strike="noStrike">
-              <a:solidFill>
-                <a:srgbClr val="000000"/>
-              </a:solidFill>
-              <a:uFill>
-                <a:solidFill>
-                  <a:srgbClr val="ffffff"/>
+            <a:endParaRPr lang="en-US" sz="1800" b="0" strike="noStrike" spc="-1">
+              <a:solidFill>
+                <a:srgbClr val="000000"/>
+              </a:solidFill>
+              <a:uFill>
+                <a:solidFill>
+                  <a:srgbClr val="FFFFFF"/>
                 </a:solidFill>
               </a:uFill>
               <a:latin typeface="Arial"/>
@@ -6373,18 +6481,27 @@
             <a:avLst/>
           </a:prstGeom>
           <a:solidFill>
-            <a:srgbClr val="ff7f00"/>
+            <a:schemeClr val="accent6">
+              <a:lumMod val="40000"/>
+              <a:lumOff val="60000"/>
+            </a:schemeClr>
           </a:solidFill>
           <a:ln>
             <a:solidFill>
-              <a:srgbClr val="3465a4"/>
+              <a:srgbClr val="3465A4"/>
             </a:solidFill>
           </a:ln>
         </p:spPr>
         <p:style>
-          <a:lnRef idx="0"/>
-          <a:fillRef idx="0"/>
-          <a:effectRef idx="0"/>
+          <a:lnRef idx="0">
+            <a:scrgbClr r="0" g="0" b="0"/>
+          </a:lnRef>
+          <a:fillRef idx="0">
+            <a:scrgbClr r="0" g="0" b="0"/>
+          </a:fillRef>
+          <a:effectRef idx="0">
+            <a:scrgbClr r="0" g="0" b="0"/>
+          </a:effectRef>
           <a:fontRef idx="minor"/>
         </p:style>
       </p:sp>
@@ -6408,9 +6525,15 @@
           </a:ln>
         </p:spPr>
         <p:style>
-          <a:lnRef idx="0"/>
-          <a:fillRef idx="0"/>
-          <a:effectRef idx="0"/>
+          <a:lnRef idx="0">
+            <a:scrgbClr r="0" g="0" b="0"/>
+          </a:lnRef>
+          <a:fillRef idx="0">
+            <a:scrgbClr r="0" g="0" b="0"/>
+          </a:fillRef>
+          <a:effectRef idx="0">
+            <a:scrgbClr r="0" g="0" b="0"/>
+          </a:effectRef>
           <a:fontRef idx="minor"/>
         </p:style>
       </p:sp>
@@ -6429,49 +6552,45 @@
             <a:avLst/>
           </a:prstGeom>
           <a:solidFill>
-            <a:srgbClr val="eeeeee"/>
+            <a:srgbClr val="EEEEEE"/>
           </a:solidFill>
           <a:ln>
             <a:solidFill>
-              <a:srgbClr val="3465a4"/>
+              <a:srgbClr val="3465A4"/>
             </a:solidFill>
           </a:ln>
         </p:spPr>
         <p:style>
-          <a:lnRef idx="0"/>
-          <a:fillRef idx="0"/>
-          <a:effectRef idx="0"/>
+          <a:lnRef idx="0">
+            <a:scrgbClr r="0" g="0" b="0"/>
+          </a:lnRef>
+          <a:fillRef idx="0">
+            <a:scrgbClr r="0" g="0" b="0"/>
+          </a:fillRef>
+          <a:effectRef idx="0">
+            <a:scrgbClr r="0" g="0" b="0"/>
+          </a:effectRef>
           <a:fontRef idx="minor"/>
         </p:style>
         <p:txBody>
-          <a:bodyPr wrap="none" lIns="90000" rIns="90000" tIns="45000" bIns="45000" anchor="ctr"/>
+          <a:bodyPr wrap="none" lIns="90000" tIns="45000" rIns="90000" bIns="45000" anchor="ctr"/>
+          <a:lstStyle/>
           <a:p>
             <a:pPr algn="ctr"/>
             <a:r>
-              <a:rPr b="0" lang="en-US" sz="1800" spc="-1" strike="noStrike">
+              <a:rPr lang="en-US" sz="1800" b="0" strike="noStrike" spc="-1">
                 <a:solidFill>
                   <a:srgbClr val="000000"/>
                 </a:solidFill>
                 <a:uFill>
                   <a:solidFill>
-                    <a:srgbClr val="ffffff"/>
+                    <a:srgbClr val="FFFFFF"/>
                   </a:solidFill>
                 </a:uFill>
                 <a:latin typeface="Arial"/>
               </a:rPr>
               <a:t>firstId</a:t>
             </a:r>
-            <a:endParaRPr b="0" lang="en-US" sz="1800" spc="-1" strike="noStrike">
-              <a:solidFill>
-                <a:srgbClr val="000000"/>
-              </a:solidFill>
-              <a:uFill>
-                <a:solidFill>
-                  <a:srgbClr val="ffffff"/>
-                </a:solidFill>
-              </a:uFill>
-              <a:latin typeface="Arial"/>
-            </a:endParaRPr>
           </a:p>
         </p:txBody>
       </p:sp>
@@ -6495,13 +6614,20 @@
           </a:ln>
         </p:spPr>
         <p:style>
-          <a:lnRef idx="0"/>
-          <a:fillRef idx="0"/>
-          <a:effectRef idx="0"/>
+          <a:lnRef idx="0">
+            <a:scrgbClr r="0" g="0" b="0"/>
+          </a:lnRef>
+          <a:fillRef idx="0">
+            <a:scrgbClr r="0" g="0" b="0"/>
+          </a:fillRef>
+          <a:effectRef idx="0">
+            <a:scrgbClr r="0" g="0" b="0"/>
+          </a:effectRef>
           <a:fontRef idx="minor"/>
         </p:style>
         <p:txBody>
-          <a:bodyPr lIns="0" rIns="0" tIns="0" bIns="0"/>
+          <a:bodyPr lIns="0" tIns="0" rIns="0" bIns="0"/>
+          <a:lstStyle/>
           <a:p>
             <a:pPr marL="432000" indent="-323280" algn="ctr">
               <a:lnSpc>
@@ -6511,20 +6637,20 @@
                 <a:spcPts val="1414"/>
               </a:spcAft>
               <a:buClr>
-                <a:srgbClr val="ef2929"/>
+                <a:srgbClr val="EF2929"/>
               </a:buClr>
               <a:buSzPct val="45000"/>
               <a:buFont typeface="Wingdings" charset="2"/>
               <a:buChar char=""/>
             </a:pPr>
             <a:r>
-              <a:rPr b="0" lang="en-US" sz="1800" spc="-1" strike="noStrike">
+              <a:rPr lang="en-US" sz="1800" b="0" strike="noStrike" spc="-1">
                 <a:solidFill>
                   <a:srgbClr val="333333"/>
                 </a:solidFill>
                 <a:uFill>
                   <a:solidFill>
-                    <a:srgbClr val="ffffff"/>
+                    <a:srgbClr val="FFFFFF"/>
                   </a:solidFill>
                 </a:uFill>
                 <a:latin typeface="Open Sans"/>
@@ -6532,13 +6658,13 @@
               </a:rPr>
               <a:t>(Entry #0)</a:t>
             </a:r>
-            <a:endParaRPr b="0" lang="en-US" sz="1800" spc="-1" strike="noStrike">
-              <a:solidFill>
-                <a:srgbClr val="000000"/>
-              </a:solidFill>
-              <a:uFill>
-                <a:solidFill>
-                  <a:srgbClr val="ffffff"/>
+            <a:endParaRPr lang="en-US" sz="1800" b="0" strike="noStrike" spc="-1">
+              <a:solidFill>
+                <a:srgbClr val="000000"/>
+              </a:solidFill>
+              <a:uFill>
+                <a:solidFill>
+                  <a:srgbClr val="FFFFFF"/>
                 </a:solidFill>
               </a:uFill>
               <a:latin typeface="Arial"/>
@@ -6566,13 +6692,20 @@
           </a:ln>
         </p:spPr>
         <p:style>
-          <a:lnRef idx="0"/>
-          <a:fillRef idx="0"/>
-          <a:effectRef idx="0"/>
+          <a:lnRef idx="0">
+            <a:scrgbClr r="0" g="0" b="0"/>
+          </a:lnRef>
+          <a:fillRef idx="0">
+            <a:scrgbClr r="0" g="0" b="0"/>
+          </a:fillRef>
+          <a:effectRef idx="0">
+            <a:scrgbClr r="0" g="0" b="0"/>
+          </a:effectRef>
           <a:fontRef idx="minor"/>
         </p:style>
         <p:txBody>
-          <a:bodyPr lIns="0" rIns="0" tIns="0" bIns="0"/>
+          <a:bodyPr lIns="0" tIns="0" rIns="0" bIns="0"/>
+          <a:lstStyle/>
           <a:p>
             <a:pPr marL="432000" indent="-323280" algn="ctr">
               <a:lnSpc>
@@ -6582,20 +6715,20 @@
                 <a:spcPts val="1414"/>
               </a:spcAft>
               <a:buClr>
-                <a:srgbClr val="ef2929"/>
+                <a:srgbClr val="EF2929"/>
               </a:buClr>
               <a:buSzPct val="45000"/>
               <a:buFont typeface="Wingdings" charset="2"/>
               <a:buChar char=""/>
             </a:pPr>
             <a:r>
-              <a:rPr b="0" lang="en-US" sz="2800" spc="-1" strike="noStrike">
+              <a:rPr lang="en-US" sz="2800" b="0" strike="noStrike" spc="-1">
                 <a:solidFill>
                   <a:srgbClr val="333333"/>
                 </a:solidFill>
                 <a:uFill>
                   <a:solidFill>
-                    <a:srgbClr val="ffffff"/>
+                    <a:srgbClr val="FFFFFF"/>
                   </a:solidFill>
                 </a:uFill>
                 <a:latin typeface="Open Sans"/>
@@ -6603,13 +6736,13 @@
               </a:rPr>
               <a:t>File</a:t>
             </a:r>
-            <a:endParaRPr b="0" lang="en-US" sz="1800" spc="-1" strike="noStrike">
-              <a:solidFill>
-                <a:srgbClr val="000000"/>
-              </a:solidFill>
-              <a:uFill>
-                <a:solidFill>
-                  <a:srgbClr val="ffffff"/>
+            <a:endParaRPr lang="en-US" sz="1800" b="0" strike="noStrike" spc="-1">
+              <a:solidFill>
+                <a:srgbClr val="000000"/>
+              </a:solidFill>
+              <a:uFill>
+                <a:solidFill>
+                  <a:srgbClr val="FFFFFF"/>
                 </a:solidFill>
               </a:uFill>
               <a:latin typeface="Arial"/>
@@ -6637,13 +6770,20 @@
           </a:ln>
         </p:spPr>
         <p:style>
-          <a:lnRef idx="0"/>
-          <a:fillRef idx="0"/>
-          <a:effectRef idx="0"/>
+          <a:lnRef idx="0">
+            <a:scrgbClr r="0" g="0" b="0"/>
+          </a:lnRef>
+          <a:fillRef idx="0">
+            <a:scrgbClr r="0" g="0" b="0"/>
+          </a:fillRef>
+          <a:effectRef idx="0">
+            <a:scrgbClr r="0" g="0" b="0"/>
+          </a:effectRef>
           <a:fontRef idx="minor"/>
         </p:style>
         <p:txBody>
-          <a:bodyPr lIns="0" rIns="0" tIns="0" bIns="0"/>
+          <a:bodyPr lIns="0" tIns="0" rIns="0" bIns="0"/>
+          <a:lstStyle/>
           <a:p>
             <a:pPr marL="432000" indent="-323280" algn="ctr">
               <a:lnSpc>
@@ -6653,20 +6793,20 @@
                 <a:spcPts val="1414"/>
               </a:spcAft>
               <a:buClr>
-                <a:srgbClr val="ef2929"/>
+                <a:srgbClr val="EF2929"/>
               </a:buClr>
               <a:buSzPct val="45000"/>
               <a:buFont typeface="Wingdings" charset="2"/>
               <a:buChar char=""/>
             </a:pPr>
             <a:r>
-              <a:rPr b="0" lang="en-US" sz="1800" spc="-1" strike="noStrike">
+              <a:rPr lang="en-US" sz="1800" b="0" strike="noStrike" spc="-1">
                 <a:solidFill>
                   <a:srgbClr val="333333"/>
                 </a:solidFill>
                 <a:uFill>
                   <a:solidFill>
-                    <a:srgbClr val="ffffff"/>
+                    <a:srgbClr val="FFFFFF"/>
                   </a:solidFill>
                 </a:uFill>
                 <a:latin typeface="Open Sans"/>
@@ -6674,13 +6814,13 @@
               </a:rPr>
               <a:t>(Entry #1)</a:t>
             </a:r>
-            <a:endParaRPr b="0" lang="en-US" sz="1800" spc="-1" strike="noStrike">
-              <a:solidFill>
-                <a:srgbClr val="000000"/>
-              </a:solidFill>
-              <a:uFill>
-                <a:solidFill>
-                  <a:srgbClr val="ffffff"/>
+            <a:endParaRPr lang="en-US" sz="1800" b="0" strike="noStrike" spc="-1">
+              <a:solidFill>
+                <a:srgbClr val="000000"/>
+              </a:solidFill>
+              <a:uFill>
+                <a:solidFill>
+                  <a:srgbClr val="FFFFFF"/>
                 </a:solidFill>
               </a:uFill>
               <a:latin typeface="Arial"/>
@@ -6703,49 +6843,45 @@
             <a:avLst/>
           </a:prstGeom>
           <a:solidFill>
-            <a:srgbClr val="eeeeee"/>
+            <a:srgbClr val="EEEEEE"/>
           </a:solidFill>
           <a:ln>
             <a:solidFill>
-              <a:srgbClr val="3465a4"/>
+              <a:srgbClr val="3465A4"/>
             </a:solidFill>
           </a:ln>
         </p:spPr>
         <p:style>
-          <a:lnRef idx="0"/>
-          <a:fillRef idx="0"/>
-          <a:effectRef idx="0"/>
+          <a:lnRef idx="0">
+            <a:scrgbClr r="0" g="0" b="0"/>
+          </a:lnRef>
+          <a:fillRef idx="0">
+            <a:scrgbClr r="0" g="0" b="0"/>
+          </a:fillRef>
+          <a:effectRef idx="0">
+            <a:scrgbClr r="0" g="0" b="0"/>
+          </a:effectRef>
           <a:fontRef idx="minor"/>
         </p:style>
         <p:txBody>
-          <a:bodyPr wrap="none" lIns="90000" rIns="90000" tIns="45000" bIns="45000" anchor="ctr"/>
+          <a:bodyPr wrap="none" lIns="90000" tIns="45000" rIns="90000" bIns="45000" anchor="ctr"/>
+          <a:lstStyle/>
           <a:p>
             <a:pPr algn="ctr"/>
             <a:r>
-              <a:rPr b="0" lang="en-US" sz="1800" spc="-1" strike="noStrike">
+              <a:rPr lang="en-US" sz="1800" b="0" strike="noStrike" spc="-1">
                 <a:solidFill>
                   <a:srgbClr val="000000"/>
                 </a:solidFill>
                 <a:uFill>
                   <a:solidFill>
-                    <a:srgbClr val="ffffff"/>
+                    <a:srgbClr val="FFFFFF"/>
                   </a:solidFill>
                 </a:uFill>
                 <a:latin typeface="Arial"/>
               </a:rPr>
               <a:t>0</a:t>
             </a:r>
-            <a:endParaRPr b="0" lang="en-US" sz="1800" spc="-1" strike="noStrike">
-              <a:solidFill>
-                <a:srgbClr val="000000"/>
-              </a:solidFill>
-              <a:uFill>
-                <a:solidFill>
-                  <a:srgbClr val="ffffff"/>
-                </a:solidFill>
-              </a:uFill>
-              <a:latin typeface="Arial"/>
-            </a:endParaRPr>
           </a:p>
         </p:txBody>
       </p:sp>
@@ -6764,49 +6900,45 @@
             <a:avLst/>
           </a:prstGeom>
           <a:solidFill>
-            <a:srgbClr val="eeeeee"/>
+            <a:srgbClr val="EEEEEE"/>
           </a:solidFill>
           <a:ln>
             <a:solidFill>
-              <a:srgbClr val="3465a4"/>
+              <a:srgbClr val="3465A4"/>
             </a:solidFill>
           </a:ln>
         </p:spPr>
         <p:style>
-          <a:lnRef idx="0"/>
-          <a:fillRef idx="0"/>
-          <a:effectRef idx="0"/>
+          <a:lnRef idx="0">
+            <a:scrgbClr r="0" g="0" b="0"/>
+          </a:lnRef>
+          <a:fillRef idx="0">
+            <a:scrgbClr r="0" g="0" b="0"/>
+          </a:fillRef>
+          <a:effectRef idx="0">
+            <a:scrgbClr r="0" g="0" b="0"/>
+          </a:effectRef>
           <a:fontRef idx="minor"/>
         </p:style>
         <p:txBody>
-          <a:bodyPr wrap="none" lIns="90000" rIns="90000" tIns="45000" bIns="45000" anchor="ctr"/>
+          <a:bodyPr wrap="none" lIns="90000" tIns="45000" rIns="90000" bIns="45000" anchor="ctr"/>
+          <a:lstStyle/>
           <a:p>
             <a:pPr algn="ctr"/>
             <a:r>
-              <a:rPr b="0" lang="en-US" sz="1800" spc="-1" strike="noStrike">
+              <a:rPr lang="en-US" sz="1800" b="0" strike="noStrike" spc="-1">
                 <a:solidFill>
                   <a:srgbClr val="000000"/>
                 </a:solidFill>
                 <a:uFill>
                   <a:solidFill>
-                    <a:srgbClr val="ffffff"/>
+                    <a:srgbClr val="FFFFFF"/>
                   </a:solidFill>
                 </a:uFill>
                 <a:latin typeface="Arial"/>
               </a:rPr>
               <a:t>lastId</a:t>
             </a:r>
-            <a:endParaRPr b="0" lang="en-US" sz="1800" spc="-1" strike="noStrike">
-              <a:solidFill>
-                <a:srgbClr val="000000"/>
-              </a:solidFill>
-              <a:uFill>
-                <a:solidFill>
-                  <a:srgbClr val="ffffff"/>
-                </a:solidFill>
-              </a:uFill>
-              <a:latin typeface="Arial"/>
-            </a:endParaRPr>
           </a:p>
         </p:txBody>
       </p:sp>
@@ -6825,49 +6957,45 @@
             <a:avLst/>
           </a:prstGeom>
           <a:solidFill>
-            <a:srgbClr val="eeeeee"/>
+            <a:srgbClr val="EEEEEE"/>
           </a:solidFill>
           <a:ln>
             <a:solidFill>
-              <a:srgbClr val="3465a4"/>
+              <a:srgbClr val="3465A4"/>
             </a:solidFill>
           </a:ln>
         </p:spPr>
         <p:style>
-          <a:lnRef idx="0"/>
-          <a:fillRef idx="0"/>
-          <a:effectRef idx="0"/>
+          <a:lnRef idx="0">
+            <a:scrgbClr r="0" g="0" b="0"/>
+          </a:lnRef>
+          <a:fillRef idx="0">
+            <a:scrgbClr r="0" g="0" b="0"/>
+          </a:fillRef>
+          <a:effectRef idx="0">
+            <a:scrgbClr r="0" g="0" b="0"/>
+          </a:effectRef>
           <a:fontRef idx="minor"/>
         </p:style>
         <p:txBody>
-          <a:bodyPr wrap="none" lIns="90000" rIns="90000" tIns="45000" bIns="45000" anchor="ctr"/>
+          <a:bodyPr wrap="none" lIns="90000" tIns="45000" rIns="90000" bIns="45000" anchor="ctr"/>
+          <a:lstStyle/>
           <a:p>
             <a:pPr algn="ctr"/>
             <a:r>
-              <a:rPr b="0" lang="en-US" sz="1800" spc="-1" strike="noStrike">
+              <a:rPr lang="en-US" sz="1800" b="0" strike="noStrike" spc="-1">
                 <a:solidFill>
                   <a:srgbClr val="000000"/>
                 </a:solidFill>
                 <a:uFill>
                   <a:solidFill>
-                    <a:srgbClr val="ffffff"/>
+                    <a:srgbClr val="FFFFFF"/>
                   </a:solidFill>
                 </a:uFill>
                 <a:latin typeface="Arial"/>
               </a:rPr>
               <a:t>2</a:t>
             </a:r>
-            <a:endParaRPr b="0" lang="en-US" sz="1800" spc="-1" strike="noStrike">
-              <a:solidFill>
-                <a:srgbClr val="000000"/>
-              </a:solidFill>
-              <a:uFill>
-                <a:solidFill>
-                  <a:srgbClr val="ffffff"/>
-                </a:solidFill>
-              </a:uFill>
-              <a:latin typeface="Arial"/>
-            </a:endParaRPr>
           </a:p>
         </p:txBody>
       </p:sp>
@@ -6886,49 +7014,45 @@
             <a:avLst/>
           </a:prstGeom>
           <a:solidFill>
-            <a:srgbClr val="eeeeee"/>
+            <a:srgbClr val="EEEEEE"/>
           </a:solidFill>
           <a:ln>
             <a:solidFill>
-              <a:srgbClr val="3465a4"/>
+              <a:srgbClr val="3465A4"/>
             </a:solidFill>
           </a:ln>
         </p:spPr>
         <p:style>
-          <a:lnRef idx="0"/>
-          <a:fillRef idx="0"/>
-          <a:effectRef idx="0"/>
+          <a:lnRef idx="0">
+            <a:scrgbClr r="0" g="0" b="0"/>
+          </a:lnRef>
+          <a:fillRef idx="0">
+            <a:scrgbClr r="0" g="0" b="0"/>
+          </a:fillRef>
+          <a:effectRef idx="0">
+            <a:scrgbClr r="0" g="0" b="0"/>
+          </a:effectRef>
           <a:fontRef idx="minor"/>
         </p:style>
         <p:txBody>
-          <a:bodyPr wrap="none" lIns="90000" rIns="90000" tIns="45000" bIns="45000" anchor="ctr"/>
+          <a:bodyPr wrap="none" lIns="90000" tIns="45000" rIns="90000" bIns="45000" anchor="ctr"/>
+          <a:lstStyle/>
           <a:p>
             <a:pPr algn="ctr"/>
             <a:r>
-              <a:rPr b="0" lang="en-US" sz="1800" spc="-1" strike="noStrike">
+              <a:rPr lang="en-US" sz="1800" b="0" strike="noStrike" spc="-1">
                 <a:solidFill>
                   <a:srgbClr val="000000"/>
                 </a:solidFill>
                 <a:uFill>
                   <a:solidFill>
-                    <a:srgbClr val="ffffff"/>
+                    <a:srgbClr val="FFFFFF"/>
                   </a:solidFill>
                 </a:uFill>
                 <a:latin typeface="Arial"/>
               </a:rPr>
               <a:t>nextFreeId</a:t>
             </a:r>
-            <a:endParaRPr b="0" lang="en-US" sz="1800" spc="-1" strike="noStrike">
-              <a:solidFill>
-                <a:srgbClr val="000000"/>
-              </a:solidFill>
-              <a:uFill>
-                <a:solidFill>
-                  <a:srgbClr val="ffffff"/>
-                </a:solidFill>
-              </a:uFill>
-              <a:latin typeface="Arial"/>
-            </a:endParaRPr>
           </a:p>
         </p:txBody>
       </p:sp>
@@ -6947,49 +7071,45 @@
             <a:avLst/>
           </a:prstGeom>
           <a:solidFill>
-            <a:srgbClr val="eeeeee"/>
+            <a:srgbClr val="EEEEEE"/>
           </a:solidFill>
           <a:ln>
             <a:solidFill>
-              <a:srgbClr val="3465a4"/>
+              <a:srgbClr val="3465A4"/>
             </a:solidFill>
           </a:ln>
         </p:spPr>
         <p:style>
-          <a:lnRef idx="0"/>
-          <a:fillRef idx="0"/>
-          <a:effectRef idx="0"/>
+          <a:lnRef idx="0">
+            <a:scrgbClr r="0" g="0" b="0"/>
+          </a:lnRef>
+          <a:fillRef idx="0">
+            <a:scrgbClr r="0" g="0" b="0"/>
+          </a:fillRef>
+          <a:effectRef idx="0">
+            <a:scrgbClr r="0" g="0" b="0"/>
+          </a:effectRef>
           <a:fontRef idx="minor"/>
         </p:style>
         <p:txBody>
-          <a:bodyPr wrap="none" lIns="90000" rIns="90000" tIns="45000" bIns="45000" anchor="ctr"/>
+          <a:bodyPr wrap="none" lIns="90000" tIns="45000" rIns="90000" bIns="45000" anchor="ctr"/>
+          <a:lstStyle/>
           <a:p>
             <a:pPr algn="ctr"/>
             <a:r>
-              <a:rPr b="0" lang="en-US" sz="1800" spc="-1" strike="noStrike">
+              <a:rPr lang="en-US" sz="1800" b="0" strike="noStrike" spc="-1">
                 <a:solidFill>
                   <a:srgbClr val="000000"/>
                 </a:solidFill>
                 <a:uFill>
                   <a:solidFill>
-                    <a:srgbClr val="ffffff"/>
+                    <a:srgbClr val="FFFFFF"/>
                   </a:solidFill>
                 </a:uFill>
                 <a:latin typeface="Arial"/>
               </a:rPr>
               <a:t>3</a:t>
             </a:r>
-            <a:endParaRPr b="0" lang="en-US" sz="1800" spc="-1" strike="noStrike">
-              <a:solidFill>
-                <a:srgbClr val="000000"/>
-              </a:solidFill>
-              <a:uFill>
-                <a:solidFill>
-                  <a:srgbClr val="ffffff"/>
-                </a:solidFill>
-              </a:uFill>
-              <a:latin typeface="Arial"/>
-            </a:endParaRPr>
           </a:p>
         </p:txBody>
       </p:sp>
@@ -7008,49 +7128,45 @@
             <a:avLst/>
           </a:prstGeom>
           <a:solidFill>
-            <a:srgbClr val="eeeeee"/>
+            <a:srgbClr val="EEEEEE"/>
           </a:solidFill>
           <a:ln>
             <a:solidFill>
-              <a:srgbClr val="3465a4"/>
+              <a:srgbClr val="3465A4"/>
             </a:solidFill>
           </a:ln>
         </p:spPr>
         <p:style>
-          <a:lnRef idx="0"/>
-          <a:fillRef idx="0"/>
-          <a:effectRef idx="0"/>
+          <a:lnRef idx="0">
+            <a:scrgbClr r="0" g="0" b="0"/>
+          </a:lnRef>
+          <a:fillRef idx="0">
+            <a:scrgbClr r="0" g="0" b="0"/>
+          </a:fillRef>
+          <a:effectRef idx="0">
+            <a:scrgbClr r="0" g="0" b="0"/>
+          </a:effectRef>
           <a:fontRef idx="minor"/>
         </p:style>
         <p:txBody>
-          <a:bodyPr wrap="none" lIns="90000" rIns="90000" tIns="45000" bIns="45000" anchor="ctr"/>
+          <a:bodyPr wrap="none" lIns="90000" tIns="45000" rIns="90000" bIns="45000" anchor="ctr"/>
+          <a:lstStyle/>
           <a:p>
             <a:pPr algn="ctr"/>
             <a:r>
-              <a:rPr b="0" lang="en-US" sz="1800" spc="-1" strike="noStrike">
+              <a:rPr lang="en-US" sz="1800" b="0" strike="noStrike" spc="-1">
                 <a:solidFill>
                   <a:srgbClr val="000000"/>
                 </a:solidFill>
                 <a:uFill>
                   <a:solidFill>
-                    <a:srgbClr val="ffffff"/>
+                    <a:srgbClr val="FFFFFF"/>
                   </a:solidFill>
                 </a:uFill>
                 <a:latin typeface="Arial"/>
               </a:rPr>
               <a:t>label0</a:t>
             </a:r>
-            <a:endParaRPr b="0" lang="en-US" sz="1800" spc="-1" strike="noStrike">
-              <a:solidFill>
-                <a:srgbClr val="000000"/>
-              </a:solidFill>
-              <a:uFill>
-                <a:solidFill>
-                  <a:srgbClr val="ffffff"/>
-                </a:solidFill>
-              </a:uFill>
-              <a:latin typeface="Arial"/>
-            </a:endParaRPr>
           </a:p>
         </p:txBody>
       </p:sp>
@@ -7069,49 +7185,45 @@
             <a:avLst/>
           </a:prstGeom>
           <a:solidFill>
-            <a:srgbClr val="eeeeee"/>
+            <a:srgbClr val="EEEEEE"/>
           </a:solidFill>
           <a:ln>
             <a:solidFill>
-              <a:srgbClr val="3465a4"/>
+              <a:srgbClr val="3465A4"/>
             </a:solidFill>
           </a:ln>
         </p:spPr>
         <p:style>
-          <a:lnRef idx="0"/>
-          <a:fillRef idx="0"/>
-          <a:effectRef idx="0"/>
+          <a:lnRef idx="0">
+            <a:scrgbClr r="0" g="0" b="0"/>
+          </a:lnRef>
+          <a:fillRef idx="0">
+            <a:scrgbClr r="0" g="0" b="0"/>
+          </a:fillRef>
+          <a:effectRef idx="0">
+            <a:scrgbClr r="0" g="0" b="0"/>
+          </a:effectRef>
           <a:fontRef idx="minor"/>
         </p:style>
         <p:txBody>
-          <a:bodyPr wrap="none" lIns="90000" rIns="90000" tIns="45000" bIns="45000" anchor="ctr"/>
+          <a:bodyPr wrap="none" lIns="90000" tIns="45000" rIns="90000" bIns="45000" anchor="ctr"/>
+          <a:lstStyle/>
           <a:p>
             <a:pPr algn="ctr"/>
             <a:r>
-              <a:rPr b="0" lang="en-US" sz="1800" spc="-1" strike="noStrike">
+              <a:rPr lang="en-US" sz="1800" b="0" strike="noStrike" spc="-1">
                 <a:solidFill>
                   <a:srgbClr val="000000"/>
                 </a:solidFill>
                 <a:uFill>
                   <a:solidFill>
-                    <a:srgbClr val="ffffff"/>
+                    <a:srgbClr val="FFFFFF"/>
                   </a:solidFill>
                 </a:uFill>
                 <a:latin typeface="Arial"/>
               </a:rPr>
               <a:t>google</a:t>
             </a:r>
-            <a:endParaRPr b="0" lang="en-US" sz="1800" spc="-1" strike="noStrike">
-              <a:solidFill>
-                <a:srgbClr val="000000"/>
-              </a:solidFill>
-              <a:uFill>
-                <a:solidFill>
-                  <a:srgbClr val="ffffff"/>
-                </a:solidFill>
-              </a:uFill>
-              <a:latin typeface="Arial"/>
-            </a:endParaRPr>
           </a:p>
         </p:txBody>
       </p:sp>
@@ -7130,49 +7242,45 @@
             <a:avLst/>
           </a:prstGeom>
           <a:solidFill>
-            <a:srgbClr val="eeeeee"/>
+            <a:srgbClr val="EEEEEE"/>
           </a:solidFill>
           <a:ln>
             <a:solidFill>
-              <a:srgbClr val="3465a4"/>
+              <a:srgbClr val="3465A4"/>
             </a:solidFill>
           </a:ln>
         </p:spPr>
         <p:style>
-          <a:lnRef idx="0"/>
-          <a:fillRef idx="0"/>
-          <a:effectRef idx="0"/>
+          <a:lnRef idx="0">
+            <a:scrgbClr r="0" g="0" b="0"/>
+          </a:lnRef>
+          <a:fillRef idx="0">
+            <a:scrgbClr r="0" g="0" b="0"/>
+          </a:fillRef>
+          <a:effectRef idx="0">
+            <a:scrgbClr r="0" g="0" b="0"/>
+          </a:effectRef>
           <a:fontRef idx="minor"/>
         </p:style>
         <p:txBody>
-          <a:bodyPr wrap="none" lIns="90000" rIns="90000" tIns="45000" bIns="45000" anchor="ctr"/>
+          <a:bodyPr wrap="none" lIns="90000" tIns="45000" rIns="90000" bIns="45000" anchor="ctr"/>
+          <a:lstStyle/>
           <a:p>
             <a:pPr algn="ctr"/>
             <a:r>
-              <a:rPr b="0" lang="en-US" sz="1800" spc="-1" strike="noStrike">
+              <a:rPr lang="en-US" sz="1800" b="0" strike="noStrike" spc="-1">
                 <a:solidFill>
                   <a:srgbClr val="000000"/>
                 </a:solidFill>
                 <a:uFill>
                   <a:solidFill>
-                    <a:srgbClr val="ffffff"/>
+                    <a:srgbClr val="FFFFFF"/>
                   </a:solidFill>
                 </a:uFill>
                 <a:latin typeface="Arial"/>
               </a:rPr>
               <a:t>user0</a:t>
             </a:r>
-            <a:endParaRPr b="0" lang="en-US" sz="1800" spc="-1" strike="noStrike">
-              <a:solidFill>
-                <a:srgbClr val="000000"/>
-              </a:solidFill>
-              <a:uFill>
-                <a:solidFill>
-                  <a:srgbClr val="ffffff"/>
-                </a:solidFill>
-              </a:uFill>
-              <a:latin typeface="Arial"/>
-            </a:endParaRPr>
           </a:p>
         </p:txBody>
       </p:sp>
@@ -7191,49 +7299,45 @@
             <a:avLst/>
           </a:prstGeom>
           <a:solidFill>
-            <a:srgbClr val="eeeeee"/>
+            <a:srgbClr val="EEEEEE"/>
           </a:solidFill>
           <a:ln>
             <a:solidFill>
-              <a:srgbClr val="3465a4"/>
+              <a:srgbClr val="3465A4"/>
             </a:solidFill>
           </a:ln>
         </p:spPr>
         <p:style>
-          <a:lnRef idx="0"/>
-          <a:fillRef idx="0"/>
-          <a:effectRef idx="0"/>
+          <a:lnRef idx="0">
+            <a:scrgbClr r="0" g="0" b="0"/>
+          </a:lnRef>
+          <a:fillRef idx="0">
+            <a:scrgbClr r="0" g="0" b="0"/>
+          </a:fillRef>
+          <a:effectRef idx="0">
+            <a:scrgbClr r="0" g="0" b="0"/>
+          </a:effectRef>
           <a:fontRef idx="minor"/>
         </p:style>
         <p:txBody>
-          <a:bodyPr wrap="none" lIns="90000" rIns="90000" tIns="45000" bIns="45000" anchor="ctr"/>
+          <a:bodyPr wrap="none" lIns="90000" tIns="45000" rIns="90000" bIns="45000" anchor="ctr"/>
+          <a:lstStyle/>
           <a:p>
             <a:pPr algn="ctr"/>
             <a:r>
-              <a:rPr b="0" lang="en-US" sz="1800" spc="-1" strike="noStrike">
+              <a:rPr lang="en-US" sz="1800" b="0" strike="noStrike" spc="-1">
                 <a:solidFill>
                   <a:srgbClr val="000000"/>
                 </a:solidFill>
                 <a:uFill>
                   <a:solidFill>
-                    <a:srgbClr val="ffffff"/>
+                    <a:srgbClr val="FFFFFF"/>
                   </a:solidFill>
                 </a:uFill>
                 <a:latin typeface="Arial"/>
               </a:rPr>
               <a:t>bobble</a:t>
             </a:r>
-            <a:endParaRPr b="0" lang="en-US" sz="1800" spc="-1" strike="noStrike">
-              <a:solidFill>
-                <a:srgbClr val="000000"/>
-              </a:solidFill>
-              <a:uFill>
-                <a:solidFill>
-                  <a:srgbClr val="ffffff"/>
-                </a:solidFill>
-              </a:uFill>
-              <a:latin typeface="Arial"/>
-            </a:endParaRPr>
           </a:p>
         </p:txBody>
       </p:sp>
@@ -7252,49 +7356,45 @@
             <a:avLst/>
           </a:prstGeom>
           <a:solidFill>
-            <a:srgbClr val="eeeeee"/>
+            <a:srgbClr val="EEEEEE"/>
           </a:solidFill>
           <a:ln>
             <a:solidFill>
-              <a:srgbClr val="3465a4"/>
+              <a:srgbClr val="3465A4"/>
             </a:solidFill>
           </a:ln>
         </p:spPr>
         <p:style>
-          <a:lnRef idx="0"/>
-          <a:fillRef idx="0"/>
-          <a:effectRef idx="0"/>
+          <a:lnRef idx="0">
+            <a:scrgbClr r="0" g="0" b="0"/>
+          </a:lnRef>
+          <a:fillRef idx="0">
+            <a:scrgbClr r="0" g="0" b="0"/>
+          </a:fillRef>
+          <a:effectRef idx="0">
+            <a:scrgbClr r="0" g="0" b="0"/>
+          </a:effectRef>
           <a:fontRef idx="minor"/>
         </p:style>
         <p:txBody>
-          <a:bodyPr wrap="none" lIns="90000" rIns="90000" tIns="45000" bIns="45000" anchor="ctr"/>
+          <a:bodyPr wrap="none" lIns="90000" tIns="45000" rIns="90000" bIns="45000" anchor="ctr"/>
+          <a:lstStyle/>
           <a:p>
             <a:pPr algn="ctr"/>
             <a:r>
-              <a:rPr b="0" lang="en-US" sz="1800" spc="-1" strike="noStrike">
+              <a:rPr lang="en-US" sz="1800" b="0" strike="noStrike" spc="-1">
                 <a:solidFill>
                   <a:srgbClr val="000000"/>
                 </a:solidFill>
                 <a:uFill>
                   <a:solidFill>
-                    <a:srgbClr val="ffffff"/>
+                    <a:srgbClr val="FFFFFF"/>
                   </a:solidFill>
                 </a:uFill>
                 <a:latin typeface="Arial"/>
               </a:rPr>
               <a:t>label0</a:t>
             </a:r>
-            <a:endParaRPr b="0" lang="en-US" sz="1800" spc="-1" strike="noStrike">
-              <a:solidFill>
-                <a:srgbClr val="000000"/>
-              </a:solidFill>
-              <a:uFill>
-                <a:solidFill>
-                  <a:srgbClr val="ffffff"/>
-                </a:solidFill>
-              </a:uFill>
-              <a:latin typeface="Arial"/>
-            </a:endParaRPr>
           </a:p>
         </p:txBody>
       </p:sp>
@@ -7313,49 +7413,45 @@
             <a:avLst/>
           </a:prstGeom>
           <a:solidFill>
-            <a:srgbClr val="eeeeee"/>
+            <a:srgbClr val="EEEEEE"/>
           </a:solidFill>
           <a:ln>
             <a:solidFill>
-              <a:srgbClr val="3465a4"/>
+              <a:srgbClr val="3465A4"/>
             </a:solidFill>
           </a:ln>
         </p:spPr>
         <p:style>
-          <a:lnRef idx="0"/>
-          <a:fillRef idx="0"/>
-          <a:effectRef idx="0"/>
+          <a:lnRef idx="0">
+            <a:scrgbClr r="0" g="0" b="0"/>
+          </a:lnRef>
+          <a:fillRef idx="0">
+            <a:scrgbClr r="0" g="0" b="0"/>
+          </a:fillRef>
+          <a:effectRef idx="0">
+            <a:scrgbClr r="0" g="0" b="0"/>
+          </a:effectRef>
           <a:fontRef idx="minor"/>
         </p:style>
         <p:txBody>
-          <a:bodyPr wrap="none" lIns="90000" rIns="90000" tIns="45000" bIns="45000" anchor="ctr"/>
+          <a:bodyPr wrap="none" lIns="90000" tIns="45000" rIns="90000" bIns="45000" anchor="ctr"/>
+          <a:lstStyle/>
           <a:p>
             <a:pPr algn="ctr"/>
             <a:r>
-              <a:rPr b="0" lang="en-US" sz="1800" spc="-1" strike="noStrike">
+              <a:rPr lang="en-US" sz="1800" b="0" strike="noStrike" spc="-1">
                 <a:solidFill>
                   <a:srgbClr val="000000"/>
                 </a:solidFill>
                 <a:uFill>
                   <a:solidFill>
-                    <a:srgbClr val="ffffff"/>
+                    <a:srgbClr val="FFFFFF"/>
                   </a:solidFill>
                 </a:uFill>
                 <a:latin typeface="Arial"/>
               </a:rPr>
               <a:t>google</a:t>
             </a:r>
-            <a:endParaRPr b="0" lang="en-US" sz="1800" spc="-1" strike="noStrike">
-              <a:solidFill>
-                <a:srgbClr val="000000"/>
-              </a:solidFill>
-              <a:uFill>
-                <a:solidFill>
-                  <a:srgbClr val="ffffff"/>
-                </a:solidFill>
-              </a:uFill>
-              <a:latin typeface="Arial"/>
-            </a:endParaRPr>
           </a:p>
         </p:txBody>
       </p:sp>
@@ -7374,49 +7470,45 @@
             <a:avLst/>
           </a:prstGeom>
           <a:solidFill>
-            <a:srgbClr val="eeeeee"/>
+            <a:srgbClr val="EEEEEE"/>
           </a:solidFill>
           <a:ln>
             <a:solidFill>
-              <a:srgbClr val="3465a4"/>
+              <a:srgbClr val="3465A4"/>
             </a:solidFill>
           </a:ln>
         </p:spPr>
         <p:style>
-          <a:lnRef idx="0"/>
-          <a:fillRef idx="0"/>
-          <a:effectRef idx="0"/>
+          <a:lnRef idx="0">
+            <a:scrgbClr r="0" g="0" b="0"/>
+          </a:lnRef>
+          <a:fillRef idx="0">
+            <a:scrgbClr r="0" g="0" b="0"/>
+          </a:fillRef>
+          <a:effectRef idx="0">
+            <a:scrgbClr r="0" g="0" b="0"/>
+          </a:effectRef>
           <a:fontRef idx="minor"/>
         </p:style>
         <p:txBody>
-          <a:bodyPr wrap="none" lIns="90000" rIns="90000" tIns="45000" bIns="45000" anchor="ctr"/>
+          <a:bodyPr wrap="none" lIns="90000" tIns="45000" rIns="90000" bIns="45000" anchor="ctr"/>
+          <a:lstStyle/>
           <a:p>
             <a:pPr algn="ctr"/>
             <a:r>
-              <a:rPr b="0" lang="en-US" sz="1800" spc="-1" strike="noStrike">
+              <a:rPr lang="en-US" sz="1800" b="0" strike="noStrike" spc="-1">
                 <a:solidFill>
                   <a:srgbClr val="000000"/>
                 </a:solidFill>
                 <a:uFill>
                   <a:solidFill>
-                    <a:srgbClr val="ffffff"/>
+                    <a:srgbClr val="FFFFFF"/>
                   </a:solidFill>
                 </a:uFill>
                 <a:latin typeface="Arial"/>
               </a:rPr>
               <a:t>pass0</a:t>
             </a:r>
-            <a:endParaRPr b="0" lang="en-US" sz="1800" spc="-1" strike="noStrike">
-              <a:solidFill>
-                <a:srgbClr val="000000"/>
-              </a:solidFill>
-              <a:uFill>
-                <a:solidFill>
-                  <a:srgbClr val="ffffff"/>
-                </a:solidFill>
-              </a:uFill>
-              <a:latin typeface="Arial"/>
-            </a:endParaRPr>
           </a:p>
         </p:txBody>
       </p:sp>
@@ -7435,49 +7527,45 @@
             <a:avLst/>
           </a:prstGeom>
           <a:solidFill>
-            <a:srgbClr val="eeeeee"/>
+            <a:srgbClr val="EEEEEE"/>
           </a:solidFill>
           <a:ln>
             <a:solidFill>
-              <a:srgbClr val="3465a4"/>
+              <a:srgbClr val="3465A4"/>
             </a:solidFill>
           </a:ln>
         </p:spPr>
         <p:style>
-          <a:lnRef idx="0"/>
-          <a:fillRef idx="0"/>
-          <a:effectRef idx="0"/>
+          <a:lnRef idx="0">
+            <a:scrgbClr r="0" g="0" b="0"/>
+          </a:lnRef>
+          <a:fillRef idx="0">
+            <a:scrgbClr r="0" g="0" b="0"/>
+          </a:fillRef>
+          <a:effectRef idx="0">
+            <a:scrgbClr r="0" g="0" b="0"/>
+          </a:effectRef>
           <a:fontRef idx="minor"/>
         </p:style>
         <p:txBody>
-          <a:bodyPr wrap="none" lIns="90000" rIns="90000" tIns="45000" bIns="45000" anchor="ctr"/>
+          <a:bodyPr wrap="none" lIns="90000" tIns="45000" rIns="90000" bIns="45000" anchor="ctr"/>
+          <a:lstStyle/>
           <a:p>
             <a:pPr algn="ctr"/>
             <a:r>
-              <a:rPr b="0" lang="en-US" sz="1800" spc="-1" strike="noStrike">
+              <a:rPr lang="en-US" sz="1800" b="0" strike="noStrike" spc="-1">
                 <a:solidFill>
                   <a:srgbClr val="000000"/>
                 </a:solidFill>
                 <a:uFill>
                   <a:solidFill>
-                    <a:srgbClr val="ffffff"/>
+                    <a:srgbClr val="FFFFFF"/>
                   </a:solidFill>
                 </a:uFill>
                 <a:latin typeface="Arial"/>
               </a:rPr>
               <a:t>secret@2</a:t>
             </a:r>
-            <a:endParaRPr b="0" lang="en-US" sz="1800" spc="-1" strike="noStrike">
-              <a:solidFill>
-                <a:srgbClr val="000000"/>
-              </a:solidFill>
-              <a:uFill>
-                <a:solidFill>
-                  <a:srgbClr val="ffffff"/>
-                </a:solidFill>
-              </a:uFill>
-              <a:latin typeface="Arial"/>
-            </a:endParaRPr>
           </a:p>
         </p:txBody>
       </p:sp>
@@ -7496,49 +7584,45 @@
             <a:avLst/>
           </a:prstGeom>
           <a:solidFill>
-            <a:srgbClr val="eeeeee"/>
+            <a:srgbClr val="EEEEEE"/>
           </a:solidFill>
           <a:ln>
             <a:solidFill>
-              <a:srgbClr val="3465a4"/>
+              <a:srgbClr val="3465A4"/>
             </a:solidFill>
           </a:ln>
         </p:spPr>
         <p:style>
-          <a:lnRef idx="0"/>
-          <a:fillRef idx="0"/>
-          <a:effectRef idx="0"/>
+          <a:lnRef idx="0">
+            <a:scrgbClr r="0" g="0" b="0"/>
+          </a:lnRef>
+          <a:fillRef idx="0">
+            <a:scrgbClr r="0" g="0" b="0"/>
+          </a:fillRef>
+          <a:effectRef idx="0">
+            <a:scrgbClr r="0" g="0" b="0"/>
+          </a:effectRef>
           <a:fontRef idx="minor"/>
         </p:style>
         <p:txBody>
-          <a:bodyPr wrap="none" lIns="90000" rIns="90000" tIns="45000" bIns="45000" anchor="ctr"/>
+          <a:bodyPr wrap="none" lIns="90000" tIns="45000" rIns="90000" bIns="45000" anchor="ctr"/>
+          <a:lstStyle/>
           <a:p>
             <a:pPr algn="ctr"/>
             <a:r>
-              <a:rPr b="0" lang="en-US" sz="1800" spc="-1" strike="noStrike">
+              <a:rPr lang="en-US" sz="1800" b="0" strike="noStrike" spc="-1">
                 <a:solidFill>
                   <a:srgbClr val="000000"/>
                 </a:solidFill>
                 <a:uFill>
                   <a:solidFill>
-                    <a:srgbClr val="ffffff"/>
+                    <a:srgbClr val="FFFFFF"/>
                   </a:solidFill>
                 </a:uFill>
                 <a:latin typeface="Arial"/>
               </a:rPr>
               <a:t>nextEnt0</a:t>
             </a:r>
-            <a:endParaRPr b="0" lang="en-US" sz="1800" spc="-1" strike="noStrike">
-              <a:solidFill>
-                <a:srgbClr val="000000"/>
-              </a:solidFill>
-              <a:uFill>
-                <a:solidFill>
-                  <a:srgbClr val="ffffff"/>
-                </a:solidFill>
-              </a:uFill>
-              <a:latin typeface="Arial"/>
-            </a:endParaRPr>
           </a:p>
         </p:txBody>
       </p:sp>
@@ -7557,49 +7641,45 @@
             <a:avLst/>
           </a:prstGeom>
           <a:solidFill>
-            <a:srgbClr val="eeeeee"/>
+            <a:srgbClr val="EEEEEE"/>
           </a:solidFill>
           <a:ln>
             <a:solidFill>
-              <a:srgbClr val="3465a4"/>
+              <a:srgbClr val="3465A4"/>
             </a:solidFill>
           </a:ln>
         </p:spPr>
         <p:style>
-          <a:lnRef idx="0"/>
-          <a:fillRef idx="0"/>
-          <a:effectRef idx="0"/>
+          <a:lnRef idx="0">
+            <a:scrgbClr r="0" g="0" b="0"/>
+          </a:lnRef>
+          <a:fillRef idx="0">
+            <a:scrgbClr r="0" g="0" b="0"/>
+          </a:fillRef>
+          <a:effectRef idx="0">
+            <a:scrgbClr r="0" g="0" b="0"/>
+          </a:effectRef>
           <a:fontRef idx="minor"/>
         </p:style>
         <p:txBody>
-          <a:bodyPr wrap="none" lIns="90000" rIns="90000" tIns="45000" bIns="45000" anchor="ctr"/>
+          <a:bodyPr wrap="none" lIns="90000" tIns="45000" rIns="90000" bIns="45000" anchor="ctr"/>
+          <a:lstStyle/>
           <a:p>
             <a:pPr algn="ctr"/>
             <a:r>
-              <a:rPr b="0" lang="en-US" sz="1800" spc="-1" strike="noStrike">
+              <a:rPr lang="en-US" sz="1800" b="0" strike="noStrike" spc="-1">
                 <a:solidFill>
                   <a:srgbClr val="000000"/>
                 </a:solidFill>
                 <a:uFill>
                   <a:solidFill>
-                    <a:srgbClr val="ffffff"/>
+                    <a:srgbClr val="FFFFFF"/>
                   </a:solidFill>
                 </a:uFill>
                 <a:latin typeface="Arial"/>
               </a:rPr>
               <a:t>1</a:t>
             </a:r>
-            <a:endParaRPr b="0" lang="en-US" sz="1800" spc="-1" strike="noStrike">
-              <a:solidFill>
-                <a:srgbClr val="000000"/>
-              </a:solidFill>
-              <a:uFill>
-                <a:solidFill>
-                  <a:srgbClr val="ffffff"/>
-                </a:solidFill>
-              </a:uFill>
-              <a:latin typeface="Arial"/>
-            </a:endParaRPr>
           </a:p>
         </p:txBody>
       </p:sp>
@@ -7618,49 +7698,45 @@
             <a:avLst/>
           </a:prstGeom>
           <a:solidFill>
-            <a:srgbClr val="eeeeee"/>
+            <a:srgbClr val="EEEEEE"/>
           </a:solidFill>
           <a:ln>
             <a:solidFill>
-              <a:srgbClr val="3465a4"/>
+              <a:srgbClr val="3465A4"/>
             </a:solidFill>
           </a:ln>
         </p:spPr>
         <p:style>
-          <a:lnRef idx="0"/>
-          <a:fillRef idx="0"/>
-          <a:effectRef idx="0"/>
+          <a:lnRef idx="0">
+            <a:scrgbClr r="0" g="0" b="0"/>
+          </a:lnRef>
+          <a:fillRef idx="0">
+            <a:scrgbClr r="0" g="0" b="0"/>
+          </a:fillRef>
+          <a:effectRef idx="0">
+            <a:scrgbClr r="0" g="0" b="0"/>
+          </a:effectRef>
           <a:fontRef idx="minor"/>
         </p:style>
         <p:txBody>
-          <a:bodyPr wrap="none" lIns="90000" rIns="90000" tIns="45000" bIns="45000" anchor="ctr"/>
+          <a:bodyPr wrap="none" lIns="90000" tIns="45000" rIns="90000" bIns="45000" anchor="ctr"/>
+          <a:lstStyle/>
           <a:p>
             <a:pPr algn="ctr"/>
             <a:r>
-              <a:rPr b="0" lang="en-US" sz="1800" spc="-1" strike="noStrike">
+              <a:rPr lang="en-US" sz="1800" b="0" strike="noStrike" spc="-1">
                 <a:solidFill>
                   <a:srgbClr val="000000"/>
                 </a:solidFill>
                 <a:uFill>
                   <a:solidFill>
-                    <a:srgbClr val="ffffff"/>
+                    <a:srgbClr val="FFFFFF"/>
                   </a:solidFill>
                 </a:uFill>
                 <a:latin typeface="Arial"/>
               </a:rPr>
               <a:t>prevEnt0</a:t>
             </a:r>
-            <a:endParaRPr b="0" lang="en-US" sz="1800" spc="-1" strike="noStrike">
-              <a:solidFill>
-                <a:srgbClr val="000000"/>
-              </a:solidFill>
-              <a:uFill>
-                <a:solidFill>
-                  <a:srgbClr val="ffffff"/>
-                </a:solidFill>
-              </a:uFill>
-              <a:latin typeface="Arial"/>
-            </a:endParaRPr>
           </a:p>
         </p:txBody>
       </p:sp>
@@ -7679,49 +7755,45 @@
             <a:avLst/>
           </a:prstGeom>
           <a:solidFill>
-            <a:srgbClr val="eeeeee"/>
+            <a:srgbClr val="EEEEEE"/>
           </a:solidFill>
           <a:ln>
             <a:solidFill>
-              <a:srgbClr val="3465a4"/>
+              <a:srgbClr val="3465A4"/>
             </a:solidFill>
           </a:ln>
         </p:spPr>
         <p:style>
-          <a:lnRef idx="0"/>
-          <a:fillRef idx="0"/>
-          <a:effectRef idx="0"/>
+          <a:lnRef idx="0">
+            <a:scrgbClr r="0" g="0" b="0"/>
+          </a:lnRef>
+          <a:fillRef idx="0">
+            <a:scrgbClr r="0" g="0" b="0"/>
+          </a:fillRef>
+          <a:effectRef idx="0">
+            <a:scrgbClr r="0" g="0" b="0"/>
+          </a:effectRef>
           <a:fontRef idx="minor"/>
         </p:style>
         <p:txBody>
-          <a:bodyPr wrap="none" lIns="90000" rIns="90000" tIns="45000" bIns="45000" anchor="ctr"/>
+          <a:bodyPr wrap="none" lIns="90000" tIns="45000" rIns="90000" bIns="45000" anchor="ctr"/>
+          <a:lstStyle/>
           <a:p>
             <a:pPr algn="ctr"/>
             <a:r>
-              <a:rPr b="0" lang="en-US" sz="1800" spc="-1" strike="noStrike">
+              <a:rPr lang="en-US" sz="1800" b="0" strike="noStrike" spc="-1">
                 <a:solidFill>
                   <a:srgbClr val="000000"/>
                 </a:solidFill>
                 <a:uFill>
                   <a:solidFill>
-                    <a:srgbClr val="ffffff"/>
+                    <a:srgbClr val="FFFFFF"/>
                   </a:solidFill>
                 </a:uFill>
                 <a:latin typeface="Arial"/>
               </a:rPr>
               <a:t>-1</a:t>
             </a:r>
-            <a:endParaRPr b="0" lang="en-US" sz="1800" spc="-1" strike="noStrike">
-              <a:solidFill>
-                <a:srgbClr val="000000"/>
-              </a:solidFill>
-              <a:uFill>
-                <a:solidFill>
-                  <a:srgbClr val="ffffff"/>
-                </a:solidFill>
-              </a:uFill>
-              <a:latin typeface="Arial"/>
-            </a:endParaRPr>
           </a:p>
         </p:txBody>
       </p:sp>
@@ -7740,49 +7812,45 @@
             <a:avLst/>
           </a:prstGeom>
           <a:solidFill>
-            <a:srgbClr val="eeeeee"/>
+            <a:srgbClr val="EEEEEE"/>
           </a:solidFill>
           <a:ln>
             <a:solidFill>
-              <a:srgbClr val="3465a4"/>
+              <a:srgbClr val="3465A4"/>
             </a:solidFill>
           </a:ln>
         </p:spPr>
         <p:style>
-          <a:lnRef idx="0"/>
-          <a:fillRef idx="0"/>
-          <a:effectRef idx="0"/>
+          <a:lnRef idx="0">
+            <a:scrgbClr r="0" g="0" b="0"/>
+          </a:lnRef>
+          <a:fillRef idx="0">
+            <a:scrgbClr r="0" g="0" b="0"/>
+          </a:fillRef>
+          <a:effectRef idx="0">
+            <a:scrgbClr r="0" g="0" b="0"/>
+          </a:effectRef>
           <a:fontRef idx="minor"/>
         </p:style>
         <p:txBody>
-          <a:bodyPr wrap="none" lIns="90000" rIns="90000" tIns="45000" bIns="45000" anchor="ctr"/>
+          <a:bodyPr wrap="none" lIns="90000" tIns="45000" rIns="90000" bIns="45000" anchor="ctr"/>
+          <a:lstStyle/>
           <a:p>
             <a:pPr algn="ctr"/>
             <a:r>
-              <a:rPr b="0" lang="en-US" sz="1800" spc="-1" strike="noStrike">
+              <a:rPr lang="en-US" sz="1800" b="0" strike="noStrike" spc="-1">
                 <a:solidFill>
                   <a:srgbClr val="000000"/>
                 </a:solidFill>
                 <a:uFill>
                   <a:solidFill>
-                    <a:srgbClr val="ffffff"/>
+                    <a:srgbClr val="FFFFFF"/>
                   </a:solidFill>
                 </a:uFill>
                 <a:latin typeface="Arial"/>
               </a:rPr>
               <a:t>label0</a:t>
             </a:r>
-            <a:endParaRPr b="0" lang="en-US" sz="1800" spc="-1" strike="noStrike">
-              <a:solidFill>
-                <a:srgbClr val="000000"/>
-              </a:solidFill>
-              <a:uFill>
-                <a:solidFill>
-                  <a:srgbClr val="ffffff"/>
-                </a:solidFill>
-              </a:uFill>
-              <a:latin typeface="Arial"/>
-            </a:endParaRPr>
           </a:p>
         </p:txBody>
       </p:sp>
@@ -7801,49 +7869,45 @@
             <a:avLst/>
           </a:prstGeom>
           <a:solidFill>
-            <a:srgbClr val="eeeeee"/>
+            <a:srgbClr val="EEEEEE"/>
           </a:solidFill>
           <a:ln>
             <a:solidFill>
-              <a:srgbClr val="3465a4"/>
+              <a:srgbClr val="3465A4"/>
             </a:solidFill>
           </a:ln>
         </p:spPr>
         <p:style>
-          <a:lnRef idx="0"/>
-          <a:fillRef idx="0"/>
-          <a:effectRef idx="0"/>
+          <a:lnRef idx="0">
+            <a:scrgbClr r="0" g="0" b="0"/>
+          </a:lnRef>
+          <a:fillRef idx="0">
+            <a:scrgbClr r="0" g="0" b="0"/>
+          </a:fillRef>
+          <a:effectRef idx="0">
+            <a:scrgbClr r="0" g="0" b="0"/>
+          </a:effectRef>
           <a:fontRef idx="minor"/>
         </p:style>
         <p:txBody>
-          <a:bodyPr wrap="none" lIns="90000" rIns="90000" tIns="45000" bIns="45000" anchor="ctr"/>
+          <a:bodyPr wrap="none" lIns="90000" tIns="45000" rIns="90000" bIns="45000" anchor="ctr"/>
+          <a:lstStyle/>
           <a:p>
             <a:pPr algn="ctr"/>
             <a:r>
-              <a:rPr b="0" lang="en-US" sz="1800" spc="-1" strike="noStrike">
+              <a:rPr lang="en-US" sz="1800" b="0" strike="noStrike" spc="-1">
                 <a:solidFill>
                   <a:srgbClr val="000000"/>
                 </a:solidFill>
                 <a:uFill>
                   <a:solidFill>
-                    <a:srgbClr val="ffffff"/>
+                    <a:srgbClr val="FFFFFF"/>
                   </a:solidFill>
                 </a:uFill>
                 <a:latin typeface="Arial"/>
               </a:rPr>
               <a:t>google</a:t>
             </a:r>
-            <a:endParaRPr b="0" lang="en-US" sz="1800" spc="-1" strike="noStrike">
-              <a:solidFill>
-                <a:srgbClr val="000000"/>
-              </a:solidFill>
-              <a:uFill>
-                <a:solidFill>
-                  <a:srgbClr val="ffffff"/>
-                </a:solidFill>
-              </a:uFill>
-              <a:latin typeface="Arial"/>
-            </a:endParaRPr>
           </a:p>
         </p:txBody>
       </p:sp>
@@ -7862,49 +7926,45 @@
             <a:avLst/>
           </a:prstGeom>
           <a:solidFill>
-            <a:srgbClr val="eeeeee"/>
+            <a:srgbClr val="EEEEEE"/>
           </a:solidFill>
           <a:ln>
             <a:solidFill>
-              <a:srgbClr val="3465a4"/>
+              <a:srgbClr val="3465A4"/>
             </a:solidFill>
           </a:ln>
         </p:spPr>
         <p:style>
-          <a:lnRef idx="0"/>
-          <a:fillRef idx="0"/>
-          <a:effectRef idx="0"/>
+          <a:lnRef idx="0">
+            <a:scrgbClr r="0" g="0" b="0"/>
+          </a:lnRef>
+          <a:fillRef idx="0">
+            <a:scrgbClr r="0" g="0" b="0"/>
+          </a:fillRef>
+          <a:effectRef idx="0">
+            <a:scrgbClr r="0" g="0" b="0"/>
+          </a:effectRef>
           <a:fontRef idx="minor"/>
         </p:style>
         <p:txBody>
-          <a:bodyPr wrap="none" lIns="90000" rIns="90000" tIns="45000" bIns="45000" anchor="ctr"/>
+          <a:bodyPr wrap="none" lIns="90000" tIns="45000" rIns="90000" bIns="45000" anchor="ctr"/>
+          <a:lstStyle/>
           <a:p>
             <a:pPr algn="ctr"/>
             <a:r>
-              <a:rPr b="0" lang="en-US" sz="1800" spc="-1" strike="noStrike">
+              <a:rPr lang="en-US" sz="1800" b="0" strike="noStrike" spc="-1">
                 <a:solidFill>
                   <a:srgbClr val="000000"/>
                 </a:solidFill>
                 <a:uFill>
                   <a:solidFill>
-                    <a:srgbClr val="ffffff"/>
+                    <a:srgbClr val="FFFFFF"/>
                   </a:solidFill>
                 </a:uFill>
                 <a:latin typeface="Arial"/>
               </a:rPr>
               <a:t>user1</a:t>
             </a:r>
-            <a:endParaRPr b="0" lang="en-US" sz="1800" spc="-1" strike="noStrike">
-              <a:solidFill>
-                <a:srgbClr val="000000"/>
-              </a:solidFill>
-              <a:uFill>
-                <a:solidFill>
-                  <a:srgbClr val="ffffff"/>
-                </a:solidFill>
-              </a:uFill>
-              <a:latin typeface="Arial"/>
-            </a:endParaRPr>
           </a:p>
         </p:txBody>
       </p:sp>
@@ -7923,49 +7983,45 @@
             <a:avLst/>
           </a:prstGeom>
           <a:solidFill>
-            <a:srgbClr val="eeeeee"/>
+            <a:srgbClr val="EEEEEE"/>
           </a:solidFill>
           <a:ln>
             <a:solidFill>
-              <a:srgbClr val="3465a4"/>
+              <a:srgbClr val="3465A4"/>
             </a:solidFill>
           </a:ln>
         </p:spPr>
         <p:style>
-          <a:lnRef idx="0"/>
-          <a:fillRef idx="0"/>
-          <a:effectRef idx="0"/>
+          <a:lnRef idx="0">
+            <a:scrgbClr r="0" g="0" b="0"/>
+          </a:lnRef>
+          <a:fillRef idx="0">
+            <a:scrgbClr r="0" g="0" b="0"/>
+          </a:fillRef>
+          <a:effectRef idx="0">
+            <a:scrgbClr r="0" g="0" b="0"/>
+          </a:effectRef>
           <a:fontRef idx="minor"/>
         </p:style>
         <p:txBody>
-          <a:bodyPr wrap="none" lIns="90000" rIns="90000" tIns="45000" bIns="45000" anchor="ctr"/>
+          <a:bodyPr wrap="none" lIns="90000" tIns="45000" rIns="90000" bIns="45000" anchor="ctr"/>
+          <a:lstStyle/>
           <a:p>
             <a:pPr algn="ctr"/>
             <a:r>
-              <a:rPr b="0" lang="en-US" sz="1800" spc="-1" strike="noStrike">
+              <a:rPr lang="en-US" sz="1800" b="0" strike="noStrike" spc="-1">
                 <a:solidFill>
                   <a:srgbClr val="000000"/>
                 </a:solidFill>
                 <a:uFill>
                   <a:solidFill>
-                    <a:srgbClr val="ffffff"/>
+                    <a:srgbClr val="FFFFFF"/>
                   </a:solidFill>
                 </a:uFill>
                 <a:latin typeface="Arial"/>
               </a:rPr>
               <a:t>bob</a:t>
             </a:r>
-            <a:endParaRPr b="0" lang="en-US" sz="1800" spc="-1" strike="noStrike">
-              <a:solidFill>
-                <a:srgbClr val="000000"/>
-              </a:solidFill>
-              <a:uFill>
-                <a:solidFill>
-                  <a:srgbClr val="ffffff"/>
-                </a:solidFill>
-              </a:uFill>
-              <a:latin typeface="Arial"/>
-            </a:endParaRPr>
           </a:p>
         </p:txBody>
       </p:sp>
@@ -7984,49 +8040,45 @@
             <a:avLst/>
           </a:prstGeom>
           <a:solidFill>
-            <a:srgbClr val="eeeeee"/>
+            <a:srgbClr val="EEEEEE"/>
           </a:solidFill>
           <a:ln>
             <a:solidFill>
-              <a:srgbClr val="3465a4"/>
+              <a:srgbClr val="3465A4"/>
             </a:solidFill>
           </a:ln>
         </p:spPr>
         <p:style>
-          <a:lnRef idx="0"/>
-          <a:fillRef idx="0"/>
-          <a:effectRef idx="0"/>
+          <a:lnRef idx="0">
+            <a:scrgbClr r="0" g="0" b="0"/>
+          </a:lnRef>
+          <a:fillRef idx="0">
+            <a:scrgbClr r="0" g="0" b="0"/>
+          </a:fillRef>
+          <a:effectRef idx="0">
+            <a:scrgbClr r="0" g="0" b="0"/>
+          </a:effectRef>
           <a:fontRef idx="minor"/>
         </p:style>
         <p:txBody>
-          <a:bodyPr wrap="none" lIns="90000" rIns="90000" tIns="45000" bIns="45000" anchor="ctr"/>
+          <a:bodyPr wrap="none" lIns="90000" tIns="45000" rIns="90000" bIns="45000" anchor="ctr"/>
+          <a:lstStyle/>
           <a:p>
             <a:pPr algn="ctr"/>
             <a:r>
-              <a:rPr b="0" lang="en-US" sz="1800" spc="-1" strike="noStrike">
+              <a:rPr lang="en-US" sz="1800" b="0" strike="noStrike" spc="-1">
                 <a:solidFill>
                   <a:srgbClr val="000000"/>
                 </a:solidFill>
                 <a:uFill>
                   <a:solidFill>
-                    <a:srgbClr val="ffffff"/>
+                    <a:srgbClr val="FFFFFF"/>
                   </a:solidFill>
                 </a:uFill>
                 <a:latin typeface="Arial"/>
               </a:rPr>
               <a:t>label1</a:t>
             </a:r>
-            <a:endParaRPr b="0" lang="en-US" sz="1800" spc="-1" strike="noStrike">
-              <a:solidFill>
-                <a:srgbClr val="000000"/>
-              </a:solidFill>
-              <a:uFill>
-                <a:solidFill>
-                  <a:srgbClr val="ffffff"/>
-                </a:solidFill>
-              </a:uFill>
-              <a:latin typeface="Arial"/>
-            </a:endParaRPr>
           </a:p>
         </p:txBody>
       </p:sp>
@@ -8045,49 +8097,45 @@
             <a:avLst/>
           </a:prstGeom>
           <a:solidFill>
-            <a:srgbClr val="eeeeee"/>
+            <a:srgbClr val="EEEEEE"/>
           </a:solidFill>
           <a:ln>
             <a:solidFill>
-              <a:srgbClr val="3465a4"/>
+              <a:srgbClr val="3465A4"/>
             </a:solidFill>
           </a:ln>
         </p:spPr>
         <p:style>
-          <a:lnRef idx="0"/>
-          <a:fillRef idx="0"/>
-          <a:effectRef idx="0"/>
+          <a:lnRef idx="0">
+            <a:scrgbClr r="0" g="0" b="0"/>
+          </a:lnRef>
+          <a:fillRef idx="0">
+            <a:scrgbClr r="0" g="0" b="0"/>
+          </a:fillRef>
+          <a:effectRef idx="0">
+            <a:scrgbClr r="0" g="0" b="0"/>
+          </a:effectRef>
           <a:fontRef idx="minor"/>
         </p:style>
         <p:txBody>
-          <a:bodyPr wrap="none" lIns="90000" rIns="90000" tIns="45000" bIns="45000" anchor="ctr"/>
+          <a:bodyPr wrap="none" lIns="90000" tIns="45000" rIns="90000" bIns="45000" anchor="ctr"/>
+          <a:lstStyle/>
           <a:p>
             <a:pPr algn="ctr"/>
             <a:r>
-              <a:rPr b="0" lang="en-US" sz="1800" spc="-1" strike="noStrike">
+              <a:rPr lang="en-US" sz="1800" b="0" strike="noStrike" spc="-1">
                 <a:solidFill>
                   <a:srgbClr val="000000"/>
                 </a:solidFill>
                 <a:uFill>
                   <a:solidFill>
-                    <a:srgbClr val="ffffff"/>
+                    <a:srgbClr val="FFFFFF"/>
                   </a:solidFill>
                 </a:uFill>
                 <a:latin typeface="Arial"/>
               </a:rPr>
               <a:t>facebook</a:t>
             </a:r>
-            <a:endParaRPr b="0" lang="en-US" sz="1800" spc="-1" strike="noStrike">
-              <a:solidFill>
-                <a:srgbClr val="000000"/>
-              </a:solidFill>
-              <a:uFill>
-                <a:solidFill>
-                  <a:srgbClr val="ffffff"/>
-                </a:solidFill>
-              </a:uFill>
-              <a:latin typeface="Arial"/>
-            </a:endParaRPr>
           </a:p>
         </p:txBody>
       </p:sp>
@@ -8106,49 +8154,45 @@
             <a:avLst/>
           </a:prstGeom>
           <a:solidFill>
-            <a:srgbClr val="eeeeee"/>
+            <a:srgbClr val="EEEEEE"/>
           </a:solidFill>
           <a:ln>
             <a:solidFill>
-              <a:srgbClr val="3465a4"/>
+              <a:srgbClr val="3465A4"/>
             </a:solidFill>
           </a:ln>
         </p:spPr>
         <p:style>
-          <a:lnRef idx="0"/>
-          <a:fillRef idx="0"/>
-          <a:effectRef idx="0"/>
+          <a:lnRef idx="0">
+            <a:scrgbClr r="0" g="0" b="0"/>
+          </a:lnRef>
+          <a:fillRef idx="0">
+            <a:scrgbClr r="0" g="0" b="0"/>
+          </a:fillRef>
+          <a:effectRef idx="0">
+            <a:scrgbClr r="0" g="0" b="0"/>
+          </a:effectRef>
           <a:fontRef idx="minor"/>
         </p:style>
         <p:txBody>
-          <a:bodyPr wrap="none" lIns="90000" rIns="90000" tIns="45000" bIns="45000" anchor="ctr"/>
+          <a:bodyPr wrap="none" lIns="90000" tIns="45000" rIns="90000" bIns="45000" anchor="ctr"/>
+          <a:lstStyle/>
           <a:p>
             <a:pPr algn="ctr"/>
             <a:r>
-              <a:rPr b="0" lang="en-US" sz="1800" spc="-1" strike="noStrike">
+              <a:rPr lang="en-US" sz="1800" b="0" strike="noStrike" spc="-1">
                 <a:solidFill>
                   <a:srgbClr val="000000"/>
                 </a:solidFill>
                 <a:uFill>
                   <a:solidFill>
-                    <a:srgbClr val="ffffff"/>
+                    <a:srgbClr val="FFFFFF"/>
                   </a:solidFill>
                 </a:uFill>
                 <a:latin typeface="Arial"/>
               </a:rPr>
               <a:t>pass1</a:t>
             </a:r>
-            <a:endParaRPr b="0" lang="en-US" sz="1800" spc="-1" strike="noStrike">
-              <a:solidFill>
-                <a:srgbClr val="000000"/>
-              </a:solidFill>
-              <a:uFill>
-                <a:solidFill>
-                  <a:srgbClr val="ffffff"/>
-                </a:solidFill>
-              </a:uFill>
-              <a:latin typeface="Arial"/>
-            </a:endParaRPr>
           </a:p>
         </p:txBody>
       </p:sp>
@@ -8167,49 +8211,45 @@
             <a:avLst/>
           </a:prstGeom>
           <a:solidFill>
-            <a:srgbClr val="eeeeee"/>
+            <a:srgbClr val="EEEEEE"/>
           </a:solidFill>
           <a:ln>
             <a:solidFill>
-              <a:srgbClr val="3465a4"/>
+              <a:srgbClr val="3465A4"/>
             </a:solidFill>
           </a:ln>
         </p:spPr>
         <p:style>
-          <a:lnRef idx="0"/>
-          <a:fillRef idx="0"/>
-          <a:effectRef idx="0"/>
+          <a:lnRef idx="0">
+            <a:scrgbClr r="0" g="0" b="0"/>
+          </a:lnRef>
+          <a:fillRef idx="0">
+            <a:scrgbClr r="0" g="0" b="0"/>
+          </a:fillRef>
+          <a:effectRef idx="0">
+            <a:scrgbClr r="0" g="0" b="0"/>
+          </a:effectRef>
           <a:fontRef idx="minor"/>
         </p:style>
         <p:txBody>
-          <a:bodyPr wrap="none" lIns="90000" rIns="90000" tIns="45000" bIns="45000" anchor="ctr"/>
+          <a:bodyPr wrap="none" lIns="90000" tIns="45000" rIns="90000" bIns="45000" anchor="ctr"/>
+          <a:lstStyle/>
           <a:p>
             <a:pPr algn="ctr"/>
             <a:r>
-              <a:rPr b="0" lang="en-US" sz="1800" spc="-1" strike="noStrike">
+              <a:rPr lang="en-US" sz="1800" b="0" strike="noStrike" spc="-1">
                 <a:solidFill>
                   <a:srgbClr val="000000"/>
                 </a:solidFill>
                 <a:uFill>
                   <a:solidFill>
-                    <a:srgbClr val="ffffff"/>
+                    <a:srgbClr val="FFFFFF"/>
                   </a:solidFill>
                 </a:uFill>
                 <a:latin typeface="Arial"/>
               </a:rPr>
               <a:t>pass123</a:t>
             </a:r>
-            <a:endParaRPr b="0" lang="en-US" sz="1800" spc="-1" strike="noStrike">
-              <a:solidFill>
-                <a:srgbClr val="000000"/>
-              </a:solidFill>
-              <a:uFill>
-                <a:solidFill>
-                  <a:srgbClr val="ffffff"/>
-                </a:solidFill>
-              </a:uFill>
-              <a:latin typeface="Arial"/>
-            </a:endParaRPr>
           </a:p>
         </p:txBody>
       </p:sp>
@@ -8228,49 +8268,45 @@
             <a:avLst/>
           </a:prstGeom>
           <a:solidFill>
-            <a:srgbClr val="eeeeee"/>
+            <a:srgbClr val="EEEEEE"/>
           </a:solidFill>
           <a:ln>
             <a:solidFill>
-              <a:srgbClr val="3465a4"/>
+              <a:srgbClr val="3465A4"/>
             </a:solidFill>
           </a:ln>
         </p:spPr>
         <p:style>
-          <a:lnRef idx="0"/>
-          <a:fillRef idx="0"/>
-          <a:effectRef idx="0"/>
+          <a:lnRef idx="0">
+            <a:scrgbClr r="0" g="0" b="0"/>
+          </a:lnRef>
+          <a:fillRef idx="0">
+            <a:scrgbClr r="0" g="0" b="0"/>
+          </a:fillRef>
+          <a:effectRef idx="0">
+            <a:scrgbClr r="0" g="0" b="0"/>
+          </a:effectRef>
           <a:fontRef idx="minor"/>
         </p:style>
         <p:txBody>
-          <a:bodyPr wrap="none" lIns="90000" rIns="90000" tIns="45000" bIns="45000" anchor="ctr"/>
+          <a:bodyPr wrap="none" lIns="90000" tIns="45000" rIns="90000" bIns="45000" anchor="ctr"/>
+          <a:lstStyle/>
           <a:p>
             <a:pPr algn="ctr"/>
             <a:r>
-              <a:rPr b="0" lang="en-US" sz="1800" spc="-1" strike="noStrike">
+              <a:rPr lang="en-US" sz="1800" b="0" strike="noStrike" spc="-1">
                 <a:solidFill>
                   <a:srgbClr val="000000"/>
                 </a:solidFill>
                 <a:uFill>
                   <a:solidFill>
-                    <a:srgbClr val="ffffff"/>
+                    <a:srgbClr val="FFFFFF"/>
                   </a:solidFill>
                 </a:uFill>
                 <a:latin typeface="Arial"/>
               </a:rPr>
               <a:t>nextEnt1</a:t>
             </a:r>
-            <a:endParaRPr b="0" lang="en-US" sz="1800" spc="-1" strike="noStrike">
-              <a:solidFill>
-                <a:srgbClr val="000000"/>
-              </a:solidFill>
-              <a:uFill>
-                <a:solidFill>
-                  <a:srgbClr val="ffffff"/>
-                </a:solidFill>
-              </a:uFill>
-              <a:latin typeface="Arial"/>
-            </a:endParaRPr>
           </a:p>
         </p:txBody>
       </p:sp>
@@ -8289,49 +8325,45 @@
             <a:avLst/>
           </a:prstGeom>
           <a:solidFill>
-            <a:srgbClr val="eeeeee"/>
+            <a:srgbClr val="EEEEEE"/>
           </a:solidFill>
           <a:ln>
             <a:solidFill>
-              <a:srgbClr val="3465a4"/>
+              <a:srgbClr val="3465A4"/>
             </a:solidFill>
           </a:ln>
         </p:spPr>
         <p:style>
-          <a:lnRef idx="0"/>
-          <a:fillRef idx="0"/>
-          <a:effectRef idx="0"/>
+          <a:lnRef idx="0">
+            <a:scrgbClr r="0" g="0" b="0"/>
+          </a:lnRef>
+          <a:fillRef idx="0">
+            <a:scrgbClr r="0" g="0" b="0"/>
+          </a:fillRef>
+          <a:effectRef idx="0">
+            <a:scrgbClr r="0" g="0" b="0"/>
+          </a:effectRef>
           <a:fontRef idx="minor"/>
         </p:style>
         <p:txBody>
-          <a:bodyPr wrap="none" lIns="90000" rIns="90000" tIns="45000" bIns="45000" anchor="ctr"/>
+          <a:bodyPr wrap="none" lIns="90000" tIns="45000" rIns="90000" bIns="45000" anchor="ctr"/>
+          <a:lstStyle/>
           <a:p>
             <a:pPr algn="ctr"/>
             <a:r>
-              <a:rPr b="0" lang="en-US" sz="1800" spc="-1" strike="noStrike">
+              <a:rPr lang="en-US" sz="1800" b="0" strike="noStrike" spc="-1">
                 <a:solidFill>
                   <a:srgbClr val="000000"/>
                 </a:solidFill>
                 <a:uFill>
                   <a:solidFill>
-                    <a:srgbClr val="ffffff"/>
+                    <a:srgbClr val="FFFFFF"/>
                   </a:solidFill>
                 </a:uFill>
                 <a:latin typeface="Arial"/>
               </a:rPr>
               <a:t>2</a:t>
             </a:r>
-            <a:endParaRPr b="0" lang="en-US" sz="1800" spc="-1" strike="noStrike">
-              <a:solidFill>
-                <a:srgbClr val="000000"/>
-              </a:solidFill>
-              <a:uFill>
-                <a:solidFill>
-                  <a:srgbClr val="ffffff"/>
-                </a:solidFill>
-              </a:uFill>
-              <a:latin typeface="Arial"/>
-            </a:endParaRPr>
           </a:p>
         </p:txBody>
       </p:sp>
@@ -8350,49 +8382,45 @@
             <a:avLst/>
           </a:prstGeom>
           <a:solidFill>
-            <a:srgbClr val="eeeeee"/>
+            <a:srgbClr val="EEEEEE"/>
           </a:solidFill>
           <a:ln>
             <a:solidFill>
-              <a:srgbClr val="3465a4"/>
+              <a:srgbClr val="3465A4"/>
             </a:solidFill>
           </a:ln>
         </p:spPr>
         <p:style>
-          <a:lnRef idx="0"/>
-          <a:fillRef idx="0"/>
-          <a:effectRef idx="0"/>
+          <a:lnRef idx="0">
+            <a:scrgbClr r="0" g="0" b="0"/>
+          </a:lnRef>
+          <a:fillRef idx="0">
+            <a:scrgbClr r="0" g="0" b="0"/>
+          </a:fillRef>
+          <a:effectRef idx="0">
+            <a:scrgbClr r="0" g="0" b="0"/>
+          </a:effectRef>
           <a:fontRef idx="minor"/>
         </p:style>
         <p:txBody>
-          <a:bodyPr wrap="none" lIns="90000" rIns="90000" tIns="45000" bIns="45000" anchor="ctr"/>
+          <a:bodyPr wrap="none" lIns="90000" tIns="45000" rIns="90000" bIns="45000" anchor="ctr"/>
+          <a:lstStyle/>
           <a:p>
             <a:pPr algn="ctr"/>
             <a:r>
-              <a:rPr b="0" lang="en-US" sz="1800" spc="-1" strike="noStrike">
+              <a:rPr lang="en-US" sz="1800" b="0" strike="noStrike" spc="-1">
                 <a:solidFill>
                   <a:srgbClr val="000000"/>
                 </a:solidFill>
                 <a:uFill>
                   <a:solidFill>
-                    <a:srgbClr val="ffffff"/>
+                    <a:srgbClr val="FFFFFF"/>
                   </a:solidFill>
                 </a:uFill>
                 <a:latin typeface="Arial"/>
               </a:rPr>
               <a:t>prevEnt1</a:t>
             </a:r>
-            <a:endParaRPr b="0" lang="en-US" sz="1800" spc="-1" strike="noStrike">
-              <a:solidFill>
-                <a:srgbClr val="000000"/>
-              </a:solidFill>
-              <a:uFill>
-                <a:solidFill>
-                  <a:srgbClr val="ffffff"/>
-                </a:solidFill>
-              </a:uFill>
-              <a:latin typeface="Arial"/>
-            </a:endParaRPr>
           </a:p>
         </p:txBody>
       </p:sp>
@@ -8411,70 +8439,69 @@
             <a:avLst/>
           </a:prstGeom>
           <a:solidFill>
-            <a:srgbClr val="eeeeee"/>
+            <a:srgbClr val="EEEEEE"/>
           </a:solidFill>
           <a:ln>
             <a:solidFill>
-              <a:srgbClr val="3465a4"/>
+              <a:srgbClr val="3465A4"/>
             </a:solidFill>
           </a:ln>
         </p:spPr>
         <p:style>
-          <a:lnRef idx="0"/>
-          <a:fillRef idx="0"/>
-          <a:effectRef idx="0"/>
+          <a:lnRef idx="0">
+            <a:scrgbClr r="0" g="0" b="0"/>
+          </a:lnRef>
+          <a:fillRef idx="0">
+            <a:scrgbClr r="0" g="0" b="0"/>
+          </a:fillRef>
+          <a:effectRef idx="0">
+            <a:scrgbClr r="0" g="0" b="0"/>
+          </a:effectRef>
           <a:fontRef idx="minor"/>
         </p:style>
         <p:txBody>
-          <a:bodyPr wrap="none" lIns="90000" rIns="90000" tIns="45000" bIns="45000" anchor="ctr"/>
+          <a:bodyPr wrap="none" lIns="90000" tIns="45000" rIns="90000" bIns="45000" anchor="ctr"/>
+          <a:lstStyle/>
           <a:p>
             <a:pPr algn="ctr"/>
             <a:r>
-              <a:rPr b="0" lang="en-US" sz="1800" spc="-1" strike="noStrike">
+              <a:rPr lang="en-US" sz="1800" b="0" strike="noStrike" spc="-1">
                 <a:solidFill>
                   <a:srgbClr val="000000"/>
                 </a:solidFill>
                 <a:uFill>
                   <a:solidFill>
-                    <a:srgbClr val="ffffff"/>
+                    <a:srgbClr val="FFFFFF"/>
                   </a:solidFill>
                 </a:uFill>
                 <a:latin typeface="Arial"/>
               </a:rPr>
               <a:t>1</a:t>
             </a:r>
-            <a:endParaRPr b="0" lang="en-US" sz="1800" spc="-1" strike="noStrike">
-              <a:solidFill>
-                <a:srgbClr val="000000"/>
-              </a:solidFill>
-              <a:uFill>
-                <a:solidFill>
-                  <a:srgbClr val="ffffff"/>
-                </a:solidFill>
-              </a:uFill>
-              <a:latin typeface="Arial"/>
-            </a:endParaRPr>
           </a:p>
         </p:txBody>
       </p:sp>
     </p:spTree>
   </p:cSld>
+  <p:clrMapOvr>
+    <a:masterClrMapping/>
+  </p:clrMapOvr>
   <p:timing>
     <p:tnLst>
       <p:par>
-        <p:cTn id="15" dur="indefinite" restart="never" nodeType="tmRoot">
+        <p:cTn id="1" dur="indefinite" restart="never" nodeType="tmRoot">
           <p:childTnLst>
             <p:seq>
-              <p:cTn id="16" nodeType="mainSeq"/>
+              <p:cTn id="2" nodeType="mainSeq"/>
               <p:prevCondLst>
-                <p:cond delay="0" evt="onPrev">
+                <p:cond evt="onPrev" delay="0">
                   <p:tgtEl>
                     <p:sldTgt/>
                   </p:tgtEl>
                 </p:cond>
               </p:prevCondLst>
               <p:nextCondLst>
-                <p:cond delay="0" evt="onNext">
+                <p:cond evt="onNext" delay="0">
                   <p:tgtEl>
                     <p:sldTgt/>
                   </p:tgtEl>
@@ -8709,6 +8736,8 @@
       </a:bgFillStyleLst>
     </a:fmtScheme>
   </a:themeElements>
+  <a:objectDefaults/>
+  <a:extraClrSchemeLst/>
 </a:theme>
 </file>
 
@@ -8932,5 +8961,7 @@
       </a:bgFillStyleLst>
     </a:fmtScheme>
   </a:themeElements>
+  <a:objectDefaults/>
+  <a:extraClrSchemeLst/>
 </a:theme>
 </file>
--- a/Cybersecurity_presentation.pptx
+++ b/Cybersecurity_presentation.pptx
@@ -3190,7 +3190,7 @@
         <p:spPr>
           <a:xfrm>
             <a:off x="360" y="3240000"/>
-            <a:ext cx="503280" cy="809280"/>
+            <a:ext cx="502560" cy="808560"/>
           </a:xfrm>
           <a:prstGeom prst="rect">
             <a:avLst/>
@@ -3221,8 +3221,8 @@
         </p:nvSpPr>
         <p:spPr>
           <a:xfrm>
-            <a:off x="719640" y="225720"/>
-            <a:ext cx="8854200" cy="946440"/>
+            <a:off x="504000" y="226080"/>
+            <a:ext cx="9072000" cy="946440"/>
           </a:xfrm>
           <a:prstGeom prst="rect">
             <a:avLst/>
@@ -3231,8 +3231,9 @@
         <p:txBody>
           <a:bodyPr lIns="0" rIns="0" tIns="0" bIns="0" anchor="ctr"/>
           <a:p>
+            <a:pPr algn="ctr"/>
             <a:r>
-              <a:rPr b="0" lang="en-US" sz="1800" spc="-1" strike="noStrike">
+              <a:rPr b="0" lang="en-US" sz="4400" spc="-1" strike="noStrike">
                 <a:solidFill>
                   <a:srgbClr val="000000"/>
                 </a:solidFill>
@@ -3245,7 +3246,7 @@
               </a:rPr>
               <a:t>Click to edit the title text format</a:t>
             </a:r>
-            <a:endParaRPr b="0" lang="en-US" sz="1800" spc="-1" strike="noStrike">
+            <a:endParaRPr b="0" lang="en-US" sz="4400" spc="-1" strike="noStrike">
               <a:solidFill>
                 <a:srgbClr val="000000"/>
               </a:solidFill>
@@ -3271,8 +3272,8 @@
         </p:nvSpPr>
         <p:spPr>
           <a:xfrm>
-            <a:off x="719640" y="1620000"/>
-            <a:ext cx="8638560" cy="3288240"/>
+            <a:off x="504000" y="1326600"/>
+            <a:ext cx="9072000" cy="3288600"/>
           </a:xfrm>
           <a:prstGeom prst="rect">
             <a:avLst/>
@@ -3293,7 +3294,7 @@
               <a:buChar char=""/>
             </a:pPr>
             <a:r>
-              <a:rPr b="0" lang="en-US" sz="1800" spc="-1" strike="noStrike">
+              <a:rPr b="0" lang="en-US" sz="3200" spc="-1" strike="noStrike">
                 <a:solidFill>
                   <a:srgbClr val="000000"/>
                 </a:solidFill>
@@ -3306,7 +3307,7 @@
               </a:rPr>
               <a:t>Click to edit the outline text format</a:t>
             </a:r>
-            <a:endParaRPr b="0" lang="en-US" sz="1800" spc="-1" strike="noStrike">
+            <a:endParaRPr b="0" lang="en-US" sz="3200" spc="-1" strike="noStrike">
               <a:solidFill>
                 <a:srgbClr val="000000"/>
               </a:solidFill>
@@ -3331,7 +3332,7 @@
               <a:buChar char=""/>
             </a:pPr>
             <a:r>
-              <a:rPr b="0" lang="en-US" sz="1800" spc="-1" strike="noStrike">
+              <a:rPr b="0" lang="en-US" sz="2800" spc="-1" strike="noStrike">
                 <a:solidFill>
                   <a:srgbClr val="000000"/>
                 </a:solidFill>
@@ -3344,7 +3345,7 @@
               </a:rPr>
               <a:t>Second Outline Level</a:t>
             </a:r>
-            <a:endParaRPr b="0" lang="en-US" sz="1800" spc="-1" strike="noStrike">
+            <a:endParaRPr b="0" lang="en-US" sz="2800" spc="-1" strike="noStrike">
               <a:solidFill>
                 <a:srgbClr val="000000"/>
               </a:solidFill>
@@ -3369,7 +3370,7 @@
               <a:buChar char=""/>
             </a:pPr>
             <a:r>
-              <a:rPr b="0" lang="en-US" sz="1800" spc="-1" strike="noStrike">
+              <a:rPr b="0" lang="en-US" sz="2400" spc="-1" strike="noStrike">
                 <a:solidFill>
                   <a:srgbClr val="000000"/>
                 </a:solidFill>
@@ -3382,7 +3383,7 @@
               </a:rPr>
               <a:t>Third Outline Level</a:t>
             </a:r>
-            <a:endParaRPr b="0" lang="en-US" sz="1800" spc="-1" strike="noStrike">
+            <a:endParaRPr b="0" lang="en-US" sz="2400" spc="-1" strike="noStrike">
               <a:solidFill>
                 <a:srgbClr val="000000"/>
               </a:solidFill>
@@ -3407,7 +3408,7 @@
               <a:buChar char=""/>
             </a:pPr>
             <a:r>
-              <a:rPr b="0" lang="en-US" sz="1800" spc="-1" strike="noStrike">
+              <a:rPr b="0" lang="en-US" sz="2000" spc="-1" strike="noStrike">
                 <a:solidFill>
                   <a:srgbClr val="000000"/>
                 </a:solidFill>
@@ -3420,7 +3421,7 @@
               </a:rPr>
               <a:t>Fourth Outline Level</a:t>
             </a:r>
-            <a:endParaRPr b="0" lang="en-US" sz="1800" spc="-1" strike="noStrike">
+            <a:endParaRPr b="0" lang="en-US" sz="2000" spc="-1" strike="noStrike">
               <a:solidFill>
                 <a:srgbClr val="000000"/>
               </a:solidFill>
@@ -3445,7 +3446,7 @@
               <a:buChar char=""/>
             </a:pPr>
             <a:r>
-              <a:rPr b="0" lang="en-US" sz="1800" spc="-1" strike="noStrike">
+              <a:rPr b="0" lang="en-US" sz="2000" spc="-1" strike="noStrike">
                 <a:solidFill>
                   <a:srgbClr val="000000"/>
                 </a:solidFill>
@@ -3458,7 +3459,7 @@
               </a:rPr>
               <a:t>Fifth Outline Level</a:t>
             </a:r>
-            <a:endParaRPr b="0" lang="en-US" sz="1800" spc="-1" strike="noStrike">
+            <a:endParaRPr b="0" lang="en-US" sz="2000" spc="-1" strike="noStrike">
               <a:solidFill>
                 <a:srgbClr val="000000"/>
               </a:solidFill>
@@ -3483,7 +3484,7 @@
               <a:buChar char=""/>
             </a:pPr>
             <a:r>
-              <a:rPr b="0" lang="en-US" sz="1800" spc="-1" strike="noStrike">
+              <a:rPr b="0" lang="en-US" sz="2000" spc="-1" strike="noStrike">
                 <a:solidFill>
                   <a:srgbClr val="000000"/>
                 </a:solidFill>
@@ -3496,7 +3497,7 @@
               </a:rPr>
               <a:t>Sixth Outline Level</a:t>
             </a:r>
-            <a:endParaRPr b="0" lang="en-US" sz="1800" spc="-1" strike="noStrike">
+            <a:endParaRPr b="0" lang="en-US" sz="2000" spc="-1" strike="noStrike">
               <a:solidFill>
                 <a:srgbClr val="000000"/>
               </a:solidFill>
@@ -3521,7 +3522,7 @@
               <a:buChar char=""/>
             </a:pPr>
             <a:r>
-              <a:rPr b="0" lang="en-US" sz="1800" spc="-1" strike="noStrike">
+              <a:rPr b="0" lang="en-US" sz="2000" spc="-1" strike="noStrike">
                 <a:solidFill>
                   <a:srgbClr val="000000"/>
                 </a:solidFill>
@@ -3534,7 +3535,7 @@
               </a:rPr>
               <a:t>Seventh Outline Level</a:t>
             </a:r>
-            <a:endParaRPr b="0" lang="en-US" sz="1800" spc="-1" strike="noStrike">
+            <a:endParaRPr b="0" lang="en-US" sz="2000" spc="-1" strike="noStrike">
               <a:solidFill>
                 <a:srgbClr val="000000"/>
               </a:solidFill>
@@ -3594,7 +3595,7 @@
         <p:spPr>
           <a:xfrm>
             <a:off x="360" y="216000"/>
-            <a:ext cx="503280" cy="809280"/>
+            <a:ext cx="502560" cy="808560"/>
           </a:xfrm>
           <a:prstGeom prst="rect">
             <a:avLst/>
@@ -3999,7 +4000,7 @@
         <p:spPr>
           <a:xfrm>
             <a:off x="791640" y="2996280"/>
-            <a:ext cx="8566560" cy="1243440"/>
+            <a:ext cx="8565840" cy="1242720"/>
           </a:xfrm>
           <a:prstGeom prst="rect">
             <a:avLst/>
@@ -4056,7 +4057,7 @@
         <p:spPr>
           <a:xfrm>
             <a:off x="791640" y="4428000"/>
-            <a:ext cx="8566560" cy="736200"/>
+            <a:ext cx="8565840" cy="735480"/>
           </a:xfrm>
           <a:prstGeom prst="rect">
             <a:avLst/>
@@ -4124,14 +4125,14 @@
       </p:grpSpPr>
       <p:sp>
         <p:nvSpPr>
-          <p:cNvPr id="80" name="TextShape 1"/>
-          <p:cNvSpPr txBox="1"/>
+          <p:cNvPr id="80" name="CustomShape 1"/>
+          <p:cNvSpPr/>
           <p:nvPr/>
         </p:nvSpPr>
         <p:spPr>
           <a:xfrm>
             <a:off x="642240" y="182880"/>
-            <a:ext cx="6581520" cy="851040"/>
+            <a:ext cx="6580800" cy="850320"/>
           </a:xfrm>
           <a:prstGeom prst="rect">
             <a:avLst/>
@@ -4141,6 +4142,12 @@
             <a:noFill/>
           </a:ln>
         </p:spPr>
+        <p:style>
+          <a:lnRef idx="0"/>
+          <a:fillRef idx="0"/>
+          <a:effectRef idx="0"/>
+          <a:fontRef idx="minor"/>
+        </p:style>
         <p:txBody>
           <a:bodyPr lIns="90000" rIns="90000" tIns="45000" bIns="45000"/>
           <a:p>
@@ -4190,14 +4197,14 @@
       </p:sp>
       <p:sp>
         <p:nvSpPr>
-          <p:cNvPr id="81" name="TextShape 2"/>
-          <p:cNvSpPr txBox="1"/>
+          <p:cNvPr id="81" name="CustomShape 2"/>
+          <p:cNvSpPr/>
           <p:nvPr/>
         </p:nvSpPr>
         <p:spPr>
           <a:xfrm>
             <a:off x="731520" y="1371600"/>
-            <a:ext cx="8686800" cy="4114800"/>
+            <a:ext cx="8686080" cy="4114080"/>
           </a:xfrm>
           <a:prstGeom prst="rect">
             <a:avLst/>
@@ -4207,6 +4214,12 @@
             <a:noFill/>
           </a:ln>
         </p:spPr>
+        <p:style>
+          <a:lnRef idx="0"/>
+          <a:fillRef idx="0"/>
+          <a:effectRef idx="0"/>
+          <a:fontRef idx="minor"/>
+        </p:style>
         <p:txBody>
           <a:bodyPr lIns="90000" rIns="90000" tIns="45000" bIns="45000"/>
           <a:p>
@@ -4305,7 +4318,7 @@
         <p:spPr>
           <a:xfrm>
             <a:off x="719640" y="225720"/>
-            <a:ext cx="8854200" cy="946440"/>
+            <a:ext cx="8853480" cy="945720"/>
           </a:xfrm>
           <a:prstGeom prst="rect">
             <a:avLst/>
@@ -4377,7 +4390,7 @@
         <p:spPr>
           <a:xfrm>
             <a:off x="719640" y="1620000"/>
-            <a:ext cx="8638560" cy="3287880"/>
+            <a:ext cx="8637840" cy="3287160"/>
           </a:xfrm>
           <a:prstGeom prst="rect">
             <a:avLst/>
@@ -4396,7 +4409,7 @@
         <p:txBody>
           <a:bodyPr lIns="0" rIns="0" tIns="0" bIns="0"/>
           <a:p>
-            <a:pPr marL="432000" indent="-323280">
+            <a:pPr marL="432000" indent="-322560">
               <a:lnSpc>
                 <a:spcPct val="100000"/>
               </a:lnSpc>
@@ -4438,7 +4451,7 @@
             </a:endParaRPr>
           </a:p>
           <a:p>
-            <a:pPr marL="432000" indent="-323280">
+            <a:pPr marL="432000" indent="-322560">
               <a:lnSpc>
                 <a:spcPct val="100000"/>
               </a:lnSpc>
@@ -4480,7 +4493,7 @@
             </a:endParaRPr>
           </a:p>
           <a:p>
-            <a:pPr marL="432000" indent="-323280">
+            <a:pPr marL="432000" indent="-322560">
               <a:lnSpc>
                 <a:spcPct val="100000"/>
               </a:lnSpc>
@@ -4602,7 +4615,7 @@
         <p:spPr>
           <a:xfrm>
             <a:off x="719640" y="225720"/>
-            <a:ext cx="8854200" cy="946440"/>
+            <a:ext cx="8853480" cy="945720"/>
           </a:xfrm>
           <a:prstGeom prst="rect">
             <a:avLst/>
@@ -4659,7 +4672,7 @@
         <p:spPr>
           <a:xfrm>
             <a:off x="719640" y="1566000"/>
-            <a:ext cx="8638560" cy="3735360"/>
+            <a:ext cx="8637840" cy="3734640"/>
           </a:xfrm>
           <a:prstGeom prst="rect">
             <a:avLst/>
@@ -4678,7 +4691,7 @@
         <p:txBody>
           <a:bodyPr lIns="0" rIns="0" tIns="0" bIns="0"/>
           <a:p>
-            <a:pPr marL="432000" indent="-323280">
+            <a:pPr marL="432000" indent="-322560">
               <a:lnSpc>
                 <a:spcPct val="100000"/>
               </a:lnSpc>
@@ -4720,7 +4733,7 @@
             </a:endParaRPr>
           </a:p>
           <a:p>
-            <a:pPr marL="432000" indent="-323280">
+            <a:pPr marL="432000" indent="-322560">
               <a:lnSpc>
                 <a:spcPct val="100000"/>
               </a:lnSpc>
@@ -4747,7 +4760,7 @@
                 <a:latin typeface="Open Sans"/>
                 <a:ea typeface="DejaVu Sans"/>
               </a:rPr>
-              <a:t>User will enter a password with an optional 2-step verification using a keyfile.</a:t>
+              <a:t>User will enter a password with an optional 2-factor verification using a keyfile.</a:t>
             </a:r>
             <a:endParaRPr b="0" lang="en-US" sz="1800" spc="-1" strike="noStrike">
               <a:solidFill>
@@ -4762,7 +4775,7 @@
             </a:endParaRPr>
           </a:p>
           <a:p>
-            <a:pPr marL="432000" indent="-323280">
+            <a:pPr marL="432000" indent="-322560">
               <a:lnSpc>
                 <a:spcPct val="100000"/>
               </a:lnSpc>
@@ -4863,7 +4876,7 @@
         <p:spPr>
           <a:xfrm>
             <a:off x="719640" y="225720"/>
-            <a:ext cx="8854200" cy="946440"/>
+            <a:ext cx="8853480" cy="945720"/>
           </a:xfrm>
           <a:prstGeom prst="rect">
             <a:avLst/>
@@ -4935,7 +4948,7 @@
         <p:spPr>
           <a:xfrm>
             <a:off x="719640" y="1620000"/>
-            <a:ext cx="8638560" cy="3287880"/>
+            <a:ext cx="8637840" cy="3287160"/>
           </a:xfrm>
           <a:prstGeom prst="rect">
             <a:avLst/>
@@ -4954,7 +4967,7 @@
         <p:txBody>
           <a:bodyPr lIns="0" rIns="0" tIns="0" bIns="0"/>
           <a:p>
-            <a:pPr marL="432000" indent="-323280">
+            <a:pPr marL="432000" indent="-322560">
               <a:lnSpc>
                 <a:spcPct val="100000"/>
               </a:lnSpc>
@@ -4996,7 +5009,7 @@
             </a:endParaRPr>
           </a:p>
           <a:p>
-            <a:pPr marL="432000" indent="-323280">
+            <a:pPr marL="432000" indent="-322560">
               <a:lnSpc>
                 <a:spcPct val="100000"/>
               </a:lnSpc>
@@ -5023,7 +5036,7 @@
                 <a:latin typeface="Open Sans"/>
                 <a:ea typeface="DejaVu Sans"/>
               </a:rPr>
-              <a:t>Before exiting the program, all information will be encrypted and stored on to hard drive.</a:t>
+              <a:t>Before exiting the program, all information will have to option to be saved, and will be stored encrypted on to hard drive.</a:t>
             </a:r>
             <a:endParaRPr b="0" lang="en-US" sz="1800" spc="-1" strike="noStrike">
               <a:solidFill>
@@ -5097,7 +5110,7 @@
         <p:spPr>
           <a:xfrm>
             <a:off x="719640" y="225720"/>
-            <a:ext cx="8854200" cy="946440"/>
+            <a:ext cx="8853480" cy="945720"/>
           </a:xfrm>
           <a:prstGeom prst="rect">
             <a:avLst/>
@@ -5154,7 +5167,7 @@
         <p:spPr>
           <a:xfrm>
             <a:off x="719640" y="1280160"/>
-            <a:ext cx="8638560" cy="3287880"/>
+            <a:ext cx="8637840" cy="3287160"/>
           </a:xfrm>
           <a:prstGeom prst="rect">
             <a:avLst/>
@@ -5173,7 +5186,7 @@
         <p:txBody>
           <a:bodyPr lIns="0" rIns="0" tIns="0" bIns="0"/>
           <a:p>
-            <a:pPr marL="432000" indent="-323280">
+            <a:pPr marL="432000" indent="-322560">
               <a:lnSpc>
                 <a:spcPct val="100000"/>
               </a:lnSpc>
@@ -5200,7 +5213,7 @@
                 <a:latin typeface="Open Sans"/>
                 <a:ea typeface="DejaVu Sans"/>
               </a:rPr>
-              <a:t>User will enter their password and optional keyfile for 2-step authentication </a:t>
+              <a:t>User will enter their password and optional keyfile for 2-factor authentication </a:t>
             </a:r>
             <a:endParaRPr b="0" lang="en-US" sz="1800" spc="-1" strike="noStrike">
               <a:solidFill>
@@ -5215,7 +5228,7 @@
             </a:endParaRPr>
           </a:p>
           <a:p>
-            <a:pPr marL="432000" indent="-323280">
+            <a:pPr marL="432000" indent="-322560">
               <a:lnSpc>
                 <a:spcPct val="100000"/>
               </a:lnSpc>
@@ -5242,7 +5255,7 @@
                 <a:latin typeface="Open Sans"/>
                 <a:ea typeface="DejaVu Sans"/>
               </a:rPr>
-              <a:t>The program will convert both the password and the file into a byte arrays.</a:t>
+              <a:t>The program will convert both the password and the file contents into byte arrays.</a:t>
             </a:r>
             <a:endParaRPr b="0" lang="en-US" sz="1800" spc="-1" strike="noStrike">
               <a:solidFill>
@@ -5257,7 +5270,7 @@
             </a:endParaRPr>
           </a:p>
           <a:p>
-            <a:pPr marL="432000" indent="-323280">
+            <a:pPr marL="432000" indent="-322560">
               <a:lnSpc>
                 <a:spcPct val="100000"/>
               </a:lnSpc>
@@ -5299,7 +5312,7 @@
             </a:endParaRPr>
           </a:p>
           <a:p>
-            <a:pPr marL="432000" indent="-323280">
+            <a:pPr marL="432000" indent="-322560">
               <a:lnSpc>
                 <a:spcPct val="100000"/>
               </a:lnSpc>
@@ -5400,7 +5413,7 @@
         <p:spPr>
           <a:xfrm>
             <a:off x="719640" y="225720"/>
-            <a:ext cx="8854200" cy="946440"/>
+            <a:ext cx="8853480" cy="945720"/>
           </a:xfrm>
           <a:prstGeom prst="rect">
             <a:avLst/>
@@ -5457,7 +5470,7 @@
         <p:spPr>
           <a:xfrm>
             <a:off x="719640" y="1620000"/>
-            <a:ext cx="8638560" cy="3287880"/>
+            <a:ext cx="8637840" cy="3287160"/>
           </a:xfrm>
           <a:prstGeom prst="rect">
             <a:avLst/>
@@ -5483,7 +5496,7 @@
         <p:spPr>
           <a:xfrm>
             <a:off x="640080" y="1280160"/>
-            <a:ext cx="1188720" cy="3749040"/>
+            <a:ext cx="1188000" cy="3748320"/>
           </a:xfrm>
           <a:prstGeom prst="rect">
             <a:avLst/>
@@ -5506,7 +5519,11 @@
         <p:txBody>
           <a:bodyPr wrap="none" lIns="90000" rIns="90000" tIns="45000" bIns="45000" anchor="ctr"/>
           <a:p>
-            <a:pPr algn="ctr"/>
+            <a:pPr algn="ctr">
+              <a:lnSpc>
+                <a:spcPct val="100000"/>
+              </a:lnSpc>
+            </a:pPr>
             <a:r>
               <a:rPr b="0" lang="en-US" sz="1800" spc="-1" strike="noStrike">
                 <a:solidFill>
@@ -5518,6 +5535,7 @@
                   </a:solidFill>
                 </a:uFill>
                 <a:latin typeface="Arial"/>
+                <a:ea typeface="DejaVu Sans"/>
               </a:rPr>
               <a:t>Vault</a:t>
             </a:r>
@@ -5544,7 +5562,7 @@
         <p:spPr>
           <a:xfrm>
             <a:off x="4206240" y="1280160"/>
-            <a:ext cx="2743200" cy="1097280"/>
+            <a:ext cx="2742480" cy="1096560"/>
           </a:xfrm>
           <a:prstGeom prst="rect">
             <a:avLst/>
@@ -5567,7 +5585,11 @@
         <p:txBody>
           <a:bodyPr wrap="none" lIns="90000" rIns="90000" tIns="45000" bIns="45000" anchor="ctr"/>
           <a:p>
-            <a:pPr algn="ctr"/>
+            <a:pPr algn="ctr">
+              <a:lnSpc>
+                <a:spcPct val="100000"/>
+              </a:lnSpc>
+            </a:pPr>
             <a:r>
               <a:rPr b="0" lang="en-US" sz="1800" spc="-1" strike="noStrike">
                 <a:solidFill>
@@ -5579,6 +5601,7 @@
                   </a:solidFill>
                 </a:uFill>
                 <a:latin typeface="Arial"/>
+                <a:ea typeface="DejaVu Sans"/>
               </a:rPr>
               <a:t>VaultEntry</a:t>
             </a:r>
@@ -5605,7 +5628,7 @@
         <p:spPr>
           <a:xfrm>
             <a:off x="6949440" y="1280160"/>
-            <a:ext cx="1371600" cy="1097280"/>
+            <a:ext cx="1370880" cy="1096560"/>
           </a:xfrm>
           <a:prstGeom prst="rect">
             <a:avLst/>
@@ -5628,7 +5651,11 @@
         <p:txBody>
           <a:bodyPr wrap="none" lIns="90000" rIns="90000" tIns="45000" bIns="45000" anchor="ctr"/>
           <a:p>
-            <a:pPr algn="ctr"/>
+            <a:pPr algn="ctr">
+              <a:lnSpc>
+                <a:spcPct val="100000"/>
+              </a:lnSpc>
+            </a:pPr>
             <a:r>
               <a:rPr b="0" lang="en-US" sz="1800" spc="-1" strike="noStrike">
                 <a:solidFill>
@@ -5640,6 +5667,7 @@
                   </a:solidFill>
                 </a:uFill>
                 <a:latin typeface="Arial"/>
+                <a:ea typeface="DejaVu Sans"/>
               </a:rPr>
               <a:t>id</a:t>
             </a:r>
@@ -5656,7 +5684,11 @@
             </a:endParaRPr>
           </a:p>
           <a:p>
-            <a:pPr algn="ctr"/>
+            <a:pPr algn="ctr">
+              <a:lnSpc>
+                <a:spcPct val="100000"/>
+              </a:lnSpc>
+            </a:pPr>
             <a:r>
               <a:rPr b="0" lang="en-US" sz="1800" spc="-1" strike="noStrike">
                 <a:solidFill>
@@ -5668,6 +5700,7 @@
                   </a:solidFill>
                 </a:uFill>
                 <a:latin typeface="Arial"/>
+                <a:ea typeface="DejaVu Sans"/>
               </a:rPr>
               <a:t>Label</a:t>
             </a:r>
@@ -5684,7 +5717,11 @@
             </a:endParaRPr>
           </a:p>
           <a:p>
-            <a:pPr algn="ctr"/>
+            <a:pPr algn="ctr">
+              <a:lnSpc>
+                <a:spcPct val="100000"/>
+              </a:lnSpc>
+            </a:pPr>
             <a:r>
               <a:rPr b="0" lang="en-US" sz="1800" spc="-1" strike="noStrike">
                 <a:solidFill>
@@ -5696,6 +5733,7 @@
                   </a:solidFill>
                 </a:uFill>
                 <a:latin typeface="Arial"/>
+                <a:ea typeface="DejaVu Sans"/>
               </a:rPr>
               <a:t>Username</a:t>
             </a:r>
@@ -5712,7 +5750,11 @@
             </a:endParaRPr>
           </a:p>
           <a:p>
-            <a:pPr algn="ctr"/>
+            <a:pPr algn="ctr">
+              <a:lnSpc>
+                <a:spcPct val="100000"/>
+              </a:lnSpc>
+            </a:pPr>
             <a:r>
               <a:rPr b="0" lang="en-US" sz="1800" spc="-1" strike="noStrike">
                 <a:solidFill>
@@ -5724,6 +5766,7 @@
                   </a:solidFill>
                 </a:uFill>
                 <a:latin typeface="Arial"/>
+                <a:ea typeface="DejaVu Sans"/>
               </a:rPr>
               <a:t>Password</a:t>
             </a:r>
@@ -5750,7 +5793,7 @@
         <p:spPr>
           <a:xfrm>
             <a:off x="4206240" y="2743200"/>
-            <a:ext cx="2743200" cy="1097280"/>
+            <a:ext cx="2742480" cy="1096560"/>
           </a:xfrm>
           <a:prstGeom prst="rect">
             <a:avLst/>
@@ -5773,7 +5816,11 @@
         <p:txBody>
           <a:bodyPr wrap="none" lIns="90000" rIns="90000" tIns="45000" bIns="45000" anchor="ctr"/>
           <a:p>
-            <a:pPr algn="ctr"/>
+            <a:pPr algn="ctr">
+              <a:lnSpc>
+                <a:spcPct val="100000"/>
+              </a:lnSpc>
+            </a:pPr>
             <a:r>
               <a:rPr b="0" lang="en-US" sz="1800" spc="-1" strike="noStrike">
                 <a:solidFill>
@@ -5785,6 +5832,7 @@
                   </a:solidFill>
                 </a:uFill>
                 <a:latin typeface="Arial"/>
+                <a:ea typeface="DejaVu Sans"/>
               </a:rPr>
               <a:t>VaultEntry</a:t>
             </a:r>
@@ -5811,7 +5859,7 @@
         <p:spPr>
           <a:xfrm>
             <a:off x="6949440" y="2743200"/>
-            <a:ext cx="1371600" cy="1097280"/>
+            <a:ext cx="1370880" cy="1096560"/>
           </a:xfrm>
           <a:prstGeom prst="rect">
             <a:avLst/>
@@ -5834,7 +5882,11 @@
         <p:txBody>
           <a:bodyPr wrap="none" lIns="90000" rIns="90000" tIns="45000" bIns="45000" anchor="ctr"/>
           <a:p>
-            <a:pPr algn="ctr"/>
+            <a:pPr algn="ctr">
+              <a:lnSpc>
+                <a:spcPct val="100000"/>
+              </a:lnSpc>
+            </a:pPr>
             <a:r>
               <a:rPr b="0" lang="en-US" sz="1800" spc="-1" strike="noStrike">
                 <a:solidFill>
@@ -5846,6 +5898,7 @@
                   </a:solidFill>
                 </a:uFill>
                 <a:latin typeface="Arial"/>
+                <a:ea typeface="DejaVu Sans"/>
               </a:rPr>
               <a:t>id</a:t>
             </a:r>
@@ -5862,7 +5915,11 @@
             </a:endParaRPr>
           </a:p>
           <a:p>
-            <a:pPr algn="ctr"/>
+            <a:pPr algn="ctr">
+              <a:lnSpc>
+                <a:spcPct val="100000"/>
+              </a:lnSpc>
+            </a:pPr>
             <a:r>
               <a:rPr b="0" lang="en-US" sz="1800" spc="-1" strike="noStrike">
                 <a:solidFill>
@@ -5874,6 +5931,7 @@
                   </a:solidFill>
                 </a:uFill>
                 <a:latin typeface="Arial"/>
+                <a:ea typeface="DejaVu Sans"/>
               </a:rPr>
               <a:t>Label</a:t>
             </a:r>
@@ -5890,7 +5948,11 @@
             </a:endParaRPr>
           </a:p>
           <a:p>
-            <a:pPr algn="ctr"/>
+            <a:pPr algn="ctr">
+              <a:lnSpc>
+                <a:spcPct val="100000"/>
+              </a:lnSpc>
+            </a:pPr>
             <a:r>
               <a:rPr b="0" lang="en-US" sz="1800" spc="-1" strike="noStrike">
                 <a:solidFill>
@@ -5902,6 +5964,7 @@
                   </a:solidFill>
                 </a:uFill>
                 <a:latin typeface="Arial"/>
+                <a:ea typeface="DejaVu Sans"/>
               </a:rPr>
               <a:t>Username</a:t>
             </a:r>
@@ -5918,7 +5981,11 @@
             </a:endParaRPr>
           </a:p>
           <a:p>
-            <a:pPr algn="ctr"/>
+            <a:pPr algn="ctr">
+              <a:lnSpc>
+                <a:spcPct val="100000"/>
+              </a:lnSpc>
+            </a:pPr>
             <a:r>
               <a:rPr b="0" lang="en-US" sz="1800" spc="-1" strike="noStrike">
                 <a:solidFill>
@@ -5930,6 +5997,7 @@
                   </a:solidFill>
                 </a:uFill>
                 <a:latin typeface="Arial"/>
+                <a:ea typeface="DejaVu Sans"/>
               </a:rPr>
               <a:t>Password</a:t>
             </a:r>
@@ -5956,7 +6024,7 @@
         <p:spPr>
           <a:xfrm>
             <a:off x="4206240" y="4297680"/>
-            <a:ext cx="2743200" cy="1097280"/>
+            <a:ext cx="2742480" cy="1096560"/>
           </a:xfrm>
           <a:prstGeom prst="rect">
             <a:avLst/>
@@ -5979,7 +6047,11 @@
         <p:txBody>
           <a:bodyPr wrap="none" lIns="90000" rIns="90000" tIns="45000" bIns="45000" anchor="ctr"/>
           <a:p>
-            <a:pPr algn="ctr"/>
+            <a:pPr algn="ctr">
+              <a:lnSpc>
+                <a:spcPct val="100000"/>
+              </a:lnSpc>
+            </a:pPr>
             <a:r>
               <a:rPr b="0" lang="en-US" sz="1800" spc="-1" strike="noStrike">
                 <a:solidFill>
@@ -5991,6 +6063,7 @@
                   </a:solidFill>
                 </a:uFill>
                 <a:latin typeface="Arial"/>
+                <a:ea typeface="DejaVu Sans"/>
               </a:rPr>
               <a:t>VaultEntry</a:t>
             </a:r>
@@ -6017,7 +6090,7 @@
         <p:spPr>
           <a:xfrm>
             <a:off x="6949440" y="4297680"/>
-            <a:ext cx="1371600" cy="1097280"/>
+            <a:ext cx="1370880" cy="1096560"/>
           </a:xfrm>
           <a:prstGeom prst="rect">
             <a:avLst/>
@@ -6040,7 +6113,11 @@
         <p:txBody>
           <a:bodyPr wrap="none" lIns="90000" rIns="90000" tIns="45000" bIns="45000" anchor="ctr"/>
           <a:p>
-            <a:pPr algn="ctr"/>
+            <a:pPr algn="ctr">
+              <a:lnSpc>
+                <a:spcPct val="100000"/>
+              </a:lnSpc>
+            </a:pPr>
             <a:r>
               <a:rPr b="0" lang="en-US" sz="1800" spc="-1" strike="noStrike">
                 <a:solidFill>
@@ -6052,6 +6129,7 @@
                   </a:solidFill>
                 </a:uFill>
                 <a:latin typeface="Arial"/>
+                <a:ea typeface="DejaVu Sans"/>
               </a:rPr>
               <a:t>id</a:t>
             </a:r>
@@ -6068,7 +6146,11 @@
             </a:endParaRPr>
           </a:p>
           <a:p>
-            <a:pPr algn="ctr"/>
+            <a:pPr algn="ctr">
+              <a:lnSpc>
+                <a:spcPct val="100000"/>
+              </a:lnSpc>
+            </a:pPr>
             <a:r>
               <a:rPr b="0" lang="en-US" sz="1800" spc="-1" strike="noStrike">
                 <a:solidFill>
@@ -6080,6 +6162,7 @@
                   </a:solidFill>
                 </a:uFill>
                 <a:latin typeface="Arial"/>
+                <a:ea typeface="DejaVu Sans"/>
               </a:rPr>
               <a:t>Label</a:t>
             </a:r>
@@ -6096,7 +6179,11 @@
             </a:endParaRPr>
           </a:p>
           <a:p>
-            <a:pPr algn="ctr"/>
+            <a:pPr algn="ctr">
+              <a:lnSpc>
+                <a:spcPct val="100000"/>
+              </a:lnSpc>
+            </a:pPr>
             <a:r>
               <a:rPr b="0" lang="en-US" sz="1800" spc="-1" strike="noStrike">
                 <a:solidFill>
@@ -6108,6 +6195,7 @@
                   </a:solidFill>
                 </a:uFill>
                 <a:latin typeface="Arial"/>
+                <a:ea typeface="DejaVu Sans"/>
               </a:rPr>
               <a:t>Username</a:t>
             </a:r>
@@ -6124,7 +6212,11 @@
             </a:endParaRPr>
           </a:p>
           <a:p>
-            <a:pPr algn="ctr"/>
+            <a:pPr algn="ctr">
+              <a:lnSpc>
+                <a:spcPct val="100000"/>
+              </a:lnSpc>
+            </a:pPr>
             <a:r>
               <a:rPr b="0" lang="en-US" sz="1800" spc="-1" strike="noStrike">
                 <a:solidFill>
@@ -6136,6 +6228,7 @@
                   </a:solidFill>
                 </a:uFill>
                 <a:latin typeface="Arial"/>
+                <a:ea typeface="DejaVu Sans"/>
               </a:rPr>
               <a:t>Password</a:t>
             </a:r>
@@ -6153,23 +6246,34 @@
           </a:p>
         </p:txBody>
       </p:sp>
-      <p:cxnSp>
-        <p:nvCxnSpPr>
-          <p:cNvPr id="99" name="Line 10"/>
-          <p:cNvCxnSpPr>
-            <a:stCxn id="92" idx="3"/>
-            <a:endCxn id="93" idx="1"/>
-          </p:cNvCxnSpPr>
+      <p:sp>
+        <p:nvSpPr>
+          <p:cNvPr id="99" name="CustomShape 10"/>
+          <p:cNvSpPr/>
           <p:nvPr/>
-        </p:nvCxnSpPr>
+        </p:nvSpPr>
         <p:spPr>
           <a:xfrm flipV="1">
-            <a:off x="1828800" y="1828800"/>
-            <a:ext cx="2377800" cy="1326240"/>
-          </a:xfrm>
-          <a:prstGeom prst="straightConnector1">
-            <a:avLst/>
-          </a:prstGeom>
+            <a:off x="1828800" y="1828080"/>
+            <a:ext cx="2377080" cy="1325520"/>
+          </a:xfrm>
+          <a:custGeom>
+            <a:avLst/>
+            <a:gdLst/>
+            <a:ahLst/>
+            <a:rect l="l" t="t" r="r" b="b"/>
+            <a:pathLst>
+              <a:path w="21600" h="21600">
+                <a:moveTo>
+                  <a:pt x="0" y="0"/>
+                </a:moveTo>
+                <a:lnTo>
+                  <a:pt x="21600" y="21600"/>
+                </a:lnTo>
+              </a:path>
+            </a:pathLst>
+          </a:custGeom>
+          <a:noFill/>
           <a:ln>
             <a:solidFill>
               <a:srgbClr val="000000"/>
@@ -6177,24 +6281,41 @@
             <a:tailEnd len="med" type="triangle" w="med"/>
           </a:ln>
         </p:spPr>
-      </p:cxnSp>
-      <p:cxnSp>
-        <p:nvCxnSpPr>
-          <p:cNvPr id="100" name="Line 11"/>
-          <p:cNvCxnSpPr>
-            <a:stCxn id="93" idx="2"/>
-            <a:endCxn id="95" idx="0"/>
-          </p:cNvCxnSpPr>
+        <p:style>
+          <a:lnRef idx="0"/>
+          <a:fillRef idx="0"/>
+          <a:effectRef idx="0"/>
+          <a:fontRef idx="minor"/>
+        </p:style>
+      </p:sp>
+      <p:sp>
+        <p:nvSpPr>
+          <p:cNvPr id="100" name="CustomShape 11"/>
+          <p:cNvSpPr/>
           <p:nvPr/>
-        </p:nvCxnSpPr>
+        </p:nvSpPr>
         <p:spPr>
           <a:xfrm>
             <a:off x="5577840" y="2377440"/>
-            <a:ext cx="360" cy="366120"/>
-          </a:xfrm>
-          <a:prstGeom prst="straightConnector1">
-            <a:avLst/>
-          </a:prstGeom>
+            <a:ext cx="360" cy="365400"/>
+          </a:xfrm>
+          <a:custGeom>
+            <a:avLst/>
+            <a:gdLst/>
+            <a:ahLst/>
+            <a:rect l="l" t="t" r="r" b="b"/>
+            <a:pathLst>
+              <a:path w="21600" h="21600">
+                <a:moveTo>
+                  <a:pt x="0" y="0"/>
+                </a:moveTo>
+                <a:lnTo>
+                  <a:pt x="21600" y="21600"/>
+                </a:lnTo>
+              </a:path>
+            </a:pathLst>
+          </a:custGeom>
+          <a:noFill/>
           <a:ln>
             <a:solidFill>
               <a:srgbClr val="000000"/>
@@ -6203,24 +6324,41 @@
             <a:tailEnd len="med" type="triangle" w="med"/>
           </a:ln>
         </p:spPr>
-      </p:cxnSp>
-      <p:cxnSp>
-        <p:nvCxnSpPr>
-          <p:cNvPr id="101" name="Line 12"/>
-          <p:cNvCxnSpPr>
-            <a:stCxn id="95" idx="2"/>
-            <a:endCxn id="97" idx="0"/>
-          </p:cNvCxnSpPr>
+        <p:style>
+          <a:lnRef idx="0"/>
+          <a:fillRef idx="0"/>
+          <a:effectRef idx="0"/>
+          <a:fontRef idx="minor"/>
+        </p:style>
+      </p:sp>
+      <p:sp>
+        <p:nvSpPr>
+          <p:cNvPr id="101" name="CustomShape 12"/>
+          <p:cNvSpPr/>
           <p:nvPr/>
-        </p:nvCxnSpPr>
+        </p:nvSpPr>
         <p:spPr>
           <a:xfrm>
             <a:off x="5577840" y="3840480"/>
-            <a:ext cx="360" cy="457560"/>
-          </a:xfrm>
-          <a:prstGeom prst="straightConnector1">
-            <a:avLst/>
-          </a:prstGeom>
+            <a:ext cx="360" cy="456840"/>
+          </a:xfrm>
+          <a:custGeom>
+            <a:avLst/>
+            <a:gdLst/>
+            <a:ahLst/>
+            <a:rect l="l" t="t" r="r" b="b"/>
+            <a:pathLst>
+              <a:path w="21600" h="21600">
+                <a:moveTo>
+                  <a:pt x="0" y="0"/>
+                </a:moveTo>
+                <a:lnTo>
+                  <a:pt x="21600" y="21600"/>
+                </a:lnTo>
+              </a:path>
+            </a:pathLst>
+          </a:custGeom>
+          <a:noFill/>
           <a:ln>
             <a:solidFill>
               <a:srgbClr val="000000"/>
@@ -6229,13 +6367,19 @@
             <a:tailEnd len="med" type="triangle" w="med"/>
           </a:ln>
         </p:spPr>
-      </p:cxnSp>
-      <p:cxnSp>
-        <p:nvCxnSpPr>
+        <p:style>
+          <a:lnRef idx="0"/>
+          <a:fillRef idx="0"/>
+          <a:effectRef idx="0"/>
+          <a:fontRef idx="minor"/>
+        </p:style>
+      </p:sp>
+      <p:sp>
+        <p:nvSpPr>
           <p:cNvPr id="102" name="Line 13"/>
-          <p:cNvCxnSpPr/>
+          <p:cNvSpPr/>
           <p:nvPr/>
-        </p:nvCxnSpPr>
+        </p:nvSpPr>
         <p:spPr>
           <a:xfrm>
             <a:off x="0" y="0"/>
@@ -6251,7 +6395,13 @@
             <a:tailEnd len="med" type="triangle" w="med"/>
           </a:ln>
         </p:spPr>
-      </p:cxnSp>
+        <p:style>
+          <a:lnRef idx="0"/>
+          <a:fillRef idx="0"/>
+          <a:effectRef idx="0"/>
+          <a:fontRef idx="minor"/>
+        </p:style>
+      </p:sp>
     </p:spTree>
   </p:cSld>
   <p:timing>
@@ -6310,7 +6460,7 @@
         <p:spPr>
           <a:xfrm>
             <a:off x="719640" y="225720"/>
-            <a:ext cx="8854200" cy="946440"/>
+            <a:ext cx="8853480" cy="945720"/>
           </a:xfrm>
           <a:prstGeom prst="rect">
             <a:avLst/>
@@ -6367,7 +6517,7 @@
         <p:spPr>
           <a:xfrm>
             <a:off x="914400" y="1554480"/>
-            <a:ext cx="8443800" cy="4297680"/>
+            <a:ext cx="8443080" cy="4296960"/>
           </a:xfrm>
           <a:prstGeom prst="rect">
             <a:avLst/>
@@ -6397,7 +6547,7 @@
         <p:spPr>
           <a:xfrm>
             <a:off x="719640" y="1620000"/>
-            <a:ext cx="8638560" cy="3287880"/>
+            <a:ext cx="8637840" cy="3287160"/>
           </a:xfrm>
           <a:prstGeom prst="rect">
             <a:avLst/>
@@ -6423,7 +6573,7 @@
         <p:spPr>
           <a:xfrm>
             <a:off x="1280160" y="1920240"/>
-            <a:ext cx="2194560" cy="365760"/>
+            <a:ext cx="2193840" cy="365040"/>
           </a:xfrm>
           <a:prstGeom prst="rect">
             <a:avLst/>
@@ -6446,7 +6596,11 @@
         <p:txBody>
           <a:bodyPr wrap="none" lIns="90000" rIns="90000" tIns="45000" bIns="45000" anchor="ctr"/>
           <a:p>
-            <a:pPr algn="ctr"/>
+            <a:pPr algn="ctr">
+              <a:lnSpc>
+                <a:spcPct val="100000"/>
+              </a:lnSpc>
+            </a:pPr>
             <a:r>
               <a:rPr b="0" lang="en-US" sz="1800" spc="-1" strike="noStrike">
                 <a:solidFill>
@@ -6458,6 +6612,7 @@
                   </a:solidFill>
                 </a:uFill>
                 <a:latin typeface="Arial"/>
+                <a:ea typeface="DejaVu Sans"/>
               </a:rPr>
               <a:t>firstId</a:t>
             </a:r>
@@ -6484,7 +6639,7 @@
         <p:spPr>
           <a:xfrm>
             <a:off x="4206240" y="1828800"/>
-            <a:ext cx="3108960" cy="914400"/>
+            <a:ext cx="3108240" cy="913680"/>
           </a:xfrm>
           <a:prstGeom prst="rect">
             <a:avLst/>
@@ -6503,7 +6658,7 @@
         <p:txBody>
           <a:bodyPr lIns="0" rIns="0" tIns="0" bIns="0"/>
           <a:p>
-            <a:pPr marL="432000" indent="-323280" algn="ctr">
+            <a:pPr marL="432000" indent="-322560" algn="ctr">
               <a:lnSpc>
                 <a:spcPct val="100000"/>
               </a:lnSpc>
@@ -6555,7 +6710,7 @@
         <p:spPr>
           <a:xfrm>
             <a:off x="719640" y="1005840"/>
-            <a:ext cx="8638560" cy="3735720"/>
+            <a:ext cx="8637840" cy="3735000"/>
           </a:xfrm>
           <a:prstGeom prst="rect">
             <a:avLst/>
@@ -6574,7 +6729,7 @@
         <p:txBody>
           <a:bodyPr lIns="0" rIns="0" tIns="0" bIns="0"/>
           <a:p>
-            <a:pPr marL="432000" indent="-323280" algn="ctr">
+            <a:pPr marL="432000" indent="-322560" algn="ctr">
               <a:lnSpc>
                 <a:spcPct val="100000"/>
               </a:lnSpc>
@@ -6626,7 +6781,7 @@
         <p:spPr>
           <a:xfrm>
             <a:off x="4206240" y="3657600"/>
-            <a:ext cx="3108960" cy="914400"/>
+            <a:ext cx="3108240" cy="913680"/>
           </a:xfrm>
           <a:prstGeom prst="rect">
             <a:avLst/>
@@ -6645,7 +6800,7 @@
         <p:txBody>
           <a:bodyPr lIns="0" rIns="0" tIns="0" bIns="0"/>
           <a:p>
-            <a:pPr marL="432000" indent="-323280" algn="ctr">
+            <a:pPr marL="432000" indent="-322560" algn="ctr">
               <a:lnSpc>
                 <a:spcPct val="100000"/>
               </a:lnSpc>
@@ -6697,7 +6852,7 @@
         <p:spPr>
           <a:xfrm>
             <a:off x="3108960" y="1920240"/>
-            <a:ext cx="365760" cy="365760"/>
+            <a:ext cx="365040" cy="365040"/>
           </a:xfrm>
           <a:prstGeom prst="rect">
             <a:avLst/>
@@ -6720,7 +6875,11 @@
         <p:txBody>
           <a:bodyPr wrap="none" lIns="90000" rIns="90000" tIns="45000" bIns="45000" anchor="ctr"/>
           <a:p>
-            <a:pPr algn="ctr"/>
+            <a:pPr algn="ctr">
+              <a:lnSpc>
+                <a:spcPct val="100000"/>
+              </a:lnSpc>
+            </a:pPr>
             <a:r>
               <a:rPr b="0" lang="en-US" sz="1800" spc="-1" strike="noStrike">
                 <a:solidFill>
@@ -6732,6 +6891,7 @@
                   </a:solidFill>
                 </a:uFill>
                 <a:latin typeface="Arial"/>
+                <a:ea typeface="DejaVu Sans"/>
               </a:rPr>
               <a:t>0</a:t>
             </a:r>
@@ -6758,7 +6918,7 @@
         <p:spPr>
           <a:xfrm>
             <a:off x="1280160" y="2286000"/>
-            <a:ext cx="2194560" cy="365760"/>
+            <a:ext cx="2193840" cy="365040"/>
           </a:xfrm>
           <a:prstGeom prst="rect">
             <a:avLst/>
@@ -6781,7 +6941,11 @@
         <p:txBody>
           <a:bodyPr wrap="none" lIns="90000" rIns="90000" tIns="45000" bIns="45000" anchor="ctr"/>
           <a:p>
-            <a:pPr algn="ctr"/>
+            <a:pPr algn="ctr">
+              <a:lnSpc>
+                <a:spcPct val="100000"/>
+              </a:lnSpc>
+            </a:pPr>
             <a:r>
               <a:rPr b="0" lang="en-US" sz="1800" spc="-1" strike="noStrike">
                 <a:solidFill>
@@ -6793,6 +6957,7 @@
                   </a:solidFill>
                 </a:uFill>
                 <a:latin typeface="Arial"/>
+                <a:ea typeface="DejaVu Sans"/>
               </a:rPr>
               <a:t>lastId</a:t>
             </a:r>
@@ -6819,7 +6984,7 @@
         <p:spPr>
           <a:xfrm>
             <a:off x="3108960" y="2286000"/>
-            <a:ext cx="365760" cy="365760"/>
+            <a:ext cx="365040" cy="365040"/>
           </a:xfrm>
           <a:prstGeom prst="rect">
             <a:avLst/>
@@ -6842,7 +7007,11 @@
         <p:txBody>
           <a:bodyPr wrap="none" lIns="90000" rIns="90000" tIns="45000" bIns="45000" anchor="ctr"/>
           <a:p>
-            <a:pPr algn="ctr"/>
+            <a:pPr algn="ctr">
+              <a:lnSpc>
+                <a:spcPct val="100000"/>
+              </a:lnSpc>
+            </a:pPr>
             <a:r>
               <a:rPr b="0" lang="en-US" sz="1800" spc="-1" strike="noStrike">
                 <a:solidFill>
@@ -6854,6 +7023,7 @@
                   </a:solidFill>
                 </a:uFill>
                 <a:latin typeface="Arial"/>
+                <a:ea typeface="DejaVu Sans"/>
               </a:rPr>
               <a:t>2</a:t>
             </a:r>
@@ -6880,7 +7050,7 @@
         <p:spPr>
           <a:xfrm>
             <a:off x="1280160" y="3200400"/>
-            <a:ext cx="2194560" cy="365760"/>
+            <a:ext cx="2193840" cy="365040"/>
           </a:xfrm>
           <a:prstGeom prst="rect">
             <a:avLst/>
@@ -6903,7 +7073,11 @@
         <p:txBody>
           <a:bodyPr wrap="none" lIns="90000" rIns="90000" tIns="45000" bIns="45000" anchor="ctr"/>
           <a:p>
-            <a:pPr algn="ctr"/>
+            <a:pPr algn="ctr">
+              <a:lnSpc>
+                <a:spcPct val="100000"/>
+              </a:lnSpc>
+            </a:pPr>
             <a:r>
               <a:rPr b="0" lang="en-US" sz="1800" spc="-1" strike="noStrike">
                 <a:solidFill>
@@ -6915,6 +7089,7 @@
                   </a:solidFill>
                 </a:uFill>
                 <a:latin typeface="Arial"/>
+                <a:ea typeface="DejaVu Sans"/>
               </a:rPr>
               <a:t>nextFreeId</a:t>
             </a:r>
@@ -6941,7 +7116,7 @@
         <p:spPr>
           <a:xfrm>
             <a:off x="3108960" y="3200400"/>
-            <a:ext cx="365760" cy="365760"/>
+            <a:ext cx="365040" cy="365040"/>
           </a:xfrm>
           <a:prstGeom prst="rect">
             <a:avLst/>
@@ -6964,7 +7139,11 @@
         <p:txBody>
           <a:bodyPr wrap="none" lIns="90000" rIns="90000" tIns="45000" bIns="45000" anchor="ctr"/>
           <a:p>
-            <a:pPr algn="ctr"/>
+            <a:pPr algn="ctr">
+              <a:lnSpc>
+                <a:spcPct val="100000"/>
+              </a:lnSpc>
+            </a:pPr>
             <a:r>
               <a:rPr b="0" lang="en-US" sz="1800" spc="-1" strike="noStrike">
                 <a:solidFill>
@@ -6976,6 +7155,7 @@
                   </a:solidFill>
                 </a:uFill>
                 <a:latin typeface="Arial"/>
+                <a:ea typeface="DejaVu Sans"/>
               </a:rPr>
               <a:t>3</a:t>
             </a:r>
@@ -7002,7 +7182,7 @@
         <p:spPr>
           <a:xfrm>
             <a:off x="6583680" y="1645920"/>
-            <a:ext cx="1280160" cy="365760"/>
+            <a:ext cx="1279440" cy="365040"/>
           </a:xfrm>
           <a:prstGeom prst="rect">
             <a:avLst/>
@@ -7025,7 +7205,11 @@
         <p:txBody>
           <a:bodyPr wrap="none" lIns="90000" rIns="90000" tIns="45000" bIns="45000" anchor="ctr"/>
           <a:p>
-            <a:pPr algn="ctr"/>
+            <a:pPr algn="ctr">
+              <a:lnSpc>
+                <a:spcPct val="100000"/>
+              </a:lnSpc>
+            </a:pPr>
             <a:r>
               <a:rPr b="0" lang="en-US" sz="1800" spc="-1" strike="noStrike">
                 <a:solidFill>
@@ -7037,6 +7221,7 @@
                   </a:solidFill>
                 </a:uFill>
                 <a:latin typeface="Arial"/>
+                <a:ea typeface="DejaVu Sans"/>
               </a:rPr>
               <a:t>label0</a:t>
             </a:r>
@@ -7063,7 +7248,7 @@
         <p:spPr>
           <a:xfrm>
             <a:off x="7863840" y="1645920"/>
-            <a:ext cx="1280160" cy="365760"/>
+            <a:ext cx="1279440" cy="365040"/>
           </a:xfrm>
           <a:prstGeom prst="rect">
             <a:avLst/>
@@ -7086,7 +7271,11 @@
         <p:txBody>
           <a:bodyPr wrap="none" lIns="90000" rIns="90000" tIns="45000" bIns="45000" anchor="ctr"/>
           <a:p>
-            <a:pPr algn="ctr"/>
+            <a:pPr algn="ctr">
+              <a:lnSpc>
+                <a:spcPct val="100000"/>
+              </a:lnSpc>
+            </a:pPr>
             <a:r>
               <a:rPr b="0" lang="en-US" sz="1800" spc="-1" strike="noStrike">
                 <a:solidFill>
@@ -7098,6 +7287,7 @@
                   </a:solidFill>
                 </a:uFill>
                 <a:latin typeface="Arial"/>
+                <a:ea typeface="DejaVu Sans"/>
               </a:rPr>
               <a:t>google</a:t>
             </a:r>
@@ -7124,7 +7314,7 @@
         <p:spPr>
           <a:xfrm>
             <a:off x="6583680" y="2011680"/>
-            <a:ext cx="1280160" cy="365760"/>
+            <a:ext cx="1279440" cy="365040"/>
           </a:xfrm>
           <a:prstGeom prst="rect">
             <a:avLst/>
@@ -7147,7 +7337,11 @@
         <p:txBody>
           <a:bodyPr wrap="none" lIns="90000" rIns="90000" tIns="45000" bIns="45000" anchor="ctr"/>
           <a:p>
-            <a:pPr algn="ctr"/>
+            <a:pPr algn="ctr">
+              <a:lnSpc>
+                <a:spcPct val="100000"/>
+              </a:lnSpc>
+            </a:pPr>
             <a:r>
               <a:rPr b="0" lang="en-US" sz="1800" spc="-1" strike="noStrike">
                 <a:solidFill>
@@ -7159,6 +7353,7 @@
                   </a:solidFill>
                 </a:uFill>
                 <a:latin typeface="Arial"/>
+                <a:ea typeface="DejaVu Sans"/>
               </a:rPr>
               <a:t>user0</a:t>
             </a:r>
@@ -7185,7 +7380,7 @@
         <p:spPr>
           <a:xfrm>
             <a:off x="7863840" y="2011680"/>
-            <a:ext cx="1280160" cy="365760"/>
+            <a:ext cx="1279440" cy="365040"/>
           </a:xfrm>
           <a:prstGeom prst="rect">
             <a:avLst/>
@@ -7208,7 +7403,11 @@
         <p:txBody>
           <a:bodyPr wrap="none" lIns="90000" rIns="90000" tIns="45000" bIns="45000" anchor="ctr"/>
           <a:p>
-            <a:pPr algn="ctr"/>
+            <a:pPr algn="ctr">
+              <a:lnSpc>
+                <a:spcPct val="100000"/>
+              </a:lnSpc>
+            </a:pPr>
             <a:r>
               <a:rPr b="0" lang="en-US" sz="1800" spc="-1" strike="noStrike">
                 <a:solidFill>
@@ -7220,6 +7419,7 @@
                   </a:solidFill>
                 </a:uFill>
                 <a:latin typeface="Arial"/>
+                <a:ea typeface="DejaVu Sans"/>
               </a:rPr>
               <a:t>bobble</a:t>
             </a:r>
@@ -7246,7 +7446,7 @@
         <p:spPr>
           <a:xfrm>
             <a:off x="6583680" y="1645920"/>
-            <a:ext cx="1280160" cy="365760"/>
+            <a:ext cx="1279440" cy="365040"/>
           </a:xfrm>
           <a:prstGeom prst="rect">
             <a:avLst/>
@@ -7269,7 +7469,11 @@
         <p:txBody>
           <a:bodyPr wrap="none" lIns="90000" rIns="90000" tIns="45000" bIns="45000" anchor="ctr"/>
           <a:p>
-            <a:pPr algn="ctr"/>
+            <a:pPr algn="ctr">
+              <a:lnSpc>
+                <a:spcPct val="100000"/>
+              </a:lnSpc>
+            </a:pPr>
             <a:r>
               <a:rPr b="0" lang="en-US" sz="1800" spc="-1" strike="noStrike">
                 <a:solidFill>
@@ -7281,6 +7485,7 @@
                   </a:solidFill>
                 </a:uFill>
                 <a:latin typeface="Arial"/>
+                <a:ea typeface="DejaVu Sans"/>
               </a:rPr>
               <a:t>label0</a:t>
             </a:r>
@@ -7307,7 +7512,7 @@
         <p:spPr>
           <a:xfrm>
             <a:off x="7863840" y="1645920"/>
-            <a:ext cx="1280160" cy="365760"/>
+            <a:ext cx="1279440" cy="365040"/>
           </a:xfrm>
           <a:prstGeom prst="rect">
             <a:avLst/>
@@ -7330,7 +7535,11 @@
         <p:txBody>
           <a:bodyPr wrap="none" lIns="90000" rIns="90000" tIns="45000" bIns="45000" anchor="ctr"/>
           <a:p>
-            <a:pPr algn="ctr"/>
+            <a:pPr algn="ctr">
+              <a:lnSpc>
+                <a:spcPct val="100000"/>
+              </a:lnSpc>
+            </a:pPr>
             <a:r>
               <a:rPr b="0" lang="en-US" sz="1800" spc="-1" strike="noStrike">
                 <a:solidFill>
@@ -7342,6 +7551,7 @@
                   </a:solidFill>
                 </a:uFill>
                 <a:latin typeface="Arial"/>
+                <a:ea typeface="DejaVu Sans"/>
               </a:rPr>
               <a:t>google</a:t>
             </a:r>
@@ -7368,7 +7578,7 @@
         <p:spPr>
           <a:xfrm>
             <a:off x="6583680" y="2377440"/>
-            <a:ext cx="1280160" cy="365760"/>
+            <a:ext cx="1279440" cy="365040"/>
           </a:xfrm>
           <a:prstGeom prst="rect">
             <a:avLst/>
@@ -7391,7 +7601,11 @@
         <p:txBody>
           <a:bodyPr wrap="none" lIns="90000" rIns="90000" tIns="45000" bIns="45000" anchor="ctr"/>
           <a:p>
-            <a:pPr algn="ctr"/>
+            <a:pPr algn="ctr">
+              <a:lnSpc>
+                <a:spcPct val="100000"/>
+              </a:lnSpc>
+            </a:pPr>
             <a:r>
               <a:rPr b="0" lang="en-US" sz="1800" spc="-1" strike="noStrike">
                 <a:solidFill>
@@ -7403,6 +7617,7 @@
                   </a:solidFill>
                 </a:uFill>
                 <a:latin typeface="Arial"/>
+                <a:ea typeface="DejaVu Sans"/>
               </a:rPr>
               <a:t>pass0</a:t>
             </a:r>
@@ -7429,7 +7644,7 @@
         <p:spPr>
           <a:xfrm>
             <a:off x="7863840" y="2377440"/>
-            <a:ext cx="1280160" cy="365760"/>
+            <a:ext cx="1279440" cy="365040"/>
           </a:xfrm>
           <a:prstGeom prst="rect">
             <a:avLst/>
@@ -7452,7 +7667,11 @@
         <p:txBody>
           <a:bodyPr wrap="none" lIns="90000" rIns="90000" tIns="45000" bIns="45000" anchor="ctr"/>
           <a:p>
-            <a:pPr algn="ctr"/>
+            <a:pPr algn="ctr">
+              <a:lnSpc>
+                <a:spcPct val="100000"/>
+              </a:lnSpc>
+            </a:pPr>
             <a:r>
               <a:rPr b="0" lang="en-US" sz="1800" spc="-1" strike="noStrike">
                 <a:solidFill>
@@ -7464,6 +7683,7 @@
                   </a:solidFill>
                 </a:uFill>
                 <a:latin typeface="Arial"/>
+                <a:ea typeface="DejaVu Sans"/>
               </a:rPr>
               <a:t>secret@2</a:t>
             </a:r>
@@ -7490,7 +7710,7 @@
         <p:spPr>
           <a:xfrm>
             <a:off x="6583680" y="2743200"/>
-            <a:ext cx="1280160" cy="365760"/>
+            <a:ext cx="1279440" cy="365040"/>
           </a:xfrm>
           <a:prstGeom prst="rect">
             <a:avLst/>
@@ -7513,7 +7733,11 @@
         <p:txBody>
           <a:bodyPr wrap="none" lIns="90000" rIns="90000" tIns="45000" bIns="45000" anchor="ctr"/>
           <a:p>
-            <a:pPr algn="ctr"/>
+            <a:pPr algn="ctr">
+              <a:lnSpc>
+                <a:spcPct val="100000"/>
+              </a:lnSpc>
+            </a:pPr>
             <a:r>
               <a:rPr b="0" lang="en-US" sz="1800" spc="-1" strike="noStrike">
                 <a:solidFill>
@@ -7525,6 +7749,7 @@
                   </a:solidFill>
                 </a:uFill>
                 <a:latin typeface="Arial"/>
+                <a:ea typeface="DejaVu Sans"/>
               </a:rPr>
               <a:t>nextEnt0</a:t>
             </a:r>
@@ -7551,7 +7776,7 @@
         <p:spPr>
           <a:xfrm>
             <a:off x="7863840" y="2743200"/>
-            <a:ext cx="1280160" cy="365760"/>
+            <a:ext cx="1279440" cy="365040"/>
           </a:xfrm>
           <a:prstGeom prst="rect">
             <a:avLst/>
@@ -7574,7 +7799,11 @@
         <p:txBody>
           <a:bodyPr wrap="none" lIns="90000" rIns="90000" tIns="45000" bIns="45000" anchor="ctr"/>
           <a:p>
-            <a:pPr algn="ctr"/>
+            <a:pPr algn="ctr">
+              <a:lnSpc>
+                <a:spcPct val="100000"/>
+              </a:lnSpc>
+            </a:pPr>
             <a:r>
               <a:rPr b="0" lang="en-US" sz="1800" spc="-1" strike="noStrike">
                 <a:solidFill>
@@ -7586,6 +7815,7 @@
                   </a:solidFill>
                 </a:uFill>
                 <a:latin typeface="Arial"/>
+                <a:ea typeface="DejaVu Sans"/>
               </a:rPr>
               <a:t>1</a:t>
             </a:r>
@@ -7612,7 +7842,7 @@
         <p:spPr>
           <a:xfrm>
             <a:off x="6583680" y="3108960"/>
-            <a:ext cx="1280160" cy="365760"/>
+            <a:ext cx="1279440" cy="365040"/>
           </a:xfrm>
           <a:prstGeom prst="rect">
             <a:avLst/>
@@ -7635,7 +7865,11 @@
         <p:txBody>
           <a:bodyPr wrap="none" lIns="90000" rIns="90000" tIns="45000" bIns="45000" anchor="ctr"/>
           <a:p>
-            <a:pPr algn="ctr"/>
+            <a:pPr algn="ctr">
+              <a:lnSpc>
+                <a:spcPct val="100000"/>
+              </a:lnSpc>
+            </a:pPr>
             <a:r>
               <a:rPr b="0" lang="en-US" sz="1800" spc="-1" strike="noStrike">
                 <a:solidFill>
@@ -7647,6 +7881,7 @@
                   </a:solidFill>
                 </a:uFill>
                 <a:latin typeface="Arial"/>
+                <a:ea typeface="DejaVu Sans"/>
               </a:rPr>
               <a:t>prevEnt0</a:t>
             </a:r>
@@ -7673,7 +7908,7 @@
         <p:spPr>
           <a:xfrm>
             <a:off x="7863840" y="3108960"/>
-            <a:ext cx="1280160" cy="365760"/>
+            <a:ext cx="1279440" cy="365040"/>
           </a:xfrm>
           <a:prstGeom prst="rect">
             <a:avLst/>
@@ -7696,7 +7931,11 @@
         <p:txBody>
           <a:bodyPr wrap="none" lIns="90000" rIns="90000" tIns="45000" bIns="45000" anchor="ctr"/>
           <a:p>
-            <a:pPr algn="ctr"/>
+            <a:pPr algn="ctr">
+              <a:lnSpc>
+                <a:spcPct val="100000"/>
+              </a:lnSpc>
+            </a:pPr>
             <a:r>
               <a:rPr b="0" lang="en-US" sz="1800" spc="-1" strike="noStrike">
                 <a:solidFill>
@@ -7708,6 +7947,7 @@
                   </a:solidFill>
                 </a:uFill>
                 <a:latin typeface="Arial"/>
+                <a:ea typeface="DejaVu Sans"/>
               </a:rPr>
               <a:t>-1</a:t>
             </a:r>
@@ -7734,7 +7974,7 @@
         <p:spPr>
           <a:xfrm>
             <a:off x="6583680" y="3566160"/>
-            <a:ext cx="1280160" cy="365760"/>
+            <a:ext cx="1279440" cy="365040"/>
           </a:xfrm>
           <a:prstGeom prst="rect">
             <a:avLst/>
@@ -7757,7 +7997,11 @@
         <p:txBody>
           <a:bodyPr wrap="none" lIns="90000" rIns="90000" tIns="45000" bIns="45000" anchor="ctr"/>
           <a:p>
-            <a:pPr algn="ctr"/>
+            <a:pPr algn="ctr">
+              <a:lnSpc>
+                <a:spcPct val="100000"/>
+              </a:lnSpc>
+            </a:pPr>
             <a:r>
               <a:rPr b="0" lang="en-US" sz="1800" spc="-1" strike="noStrike">
                 <a:solidFill>
@@ -7769,6 +8013,7 @@
                   </a:solidFill>
                 </a:uFill>
                 <a:latin typeface="Arial"/>
+                <a:ea typeface="DejaVu Sans"/>
               </a:rPr>
               <a:t>label0</a:t>
             </a:r>
@@ -7795,7 +8040,7 @@
         <p:spPr>
           <a:xfrm>
             <a:off x="7863840" y="3566160"/>
-            <a:ext cx="1280160" cy="365760"/>
+            <a:ext cx="1279440" cy="365040"/>
           </a:xfrm>
           <a:prstGeom prst="rect">
             <a:avLst/>
@@ -7818,7 +8063,11 @@
         <p:txBody>
           <a:bodyPr wrap="none" lIns="90000" rIns="90000" tIns="45000" bIns="45000" anchor="ctr"/>
           <a:p>
-            <a:pPr algn="ctr"/>
+            <a:pPr algn="ctr">
+              <a:lnSpc>
+                <a:spcPct val="100000"/>
+              </a:lnSpc>
+            </a:pPr>
             <a:r>
               <a:rPr b="0" lang="en-US" sz="1800" spc="-1" strike="noStrike">
                 <a:solidFill>
@@ -7830,6 +8079,7 @@
                   </a:solidFill>
                 </a:uFill>
                 <a:latin typeface="Arial"/>
+                <a:ea typeface="DejaVu Sans"/>
               </a:rPr>
               <a:t>google</a:t>
             </a:r>
@@ -7856,7 +8106,7 @@
         <p:spPr>
           <a:xfrm>
             <a:off x="6583680" y="3931920"/>
-            <a:ext cx="1280160" cy="365760"/>
+            <a:ext cx="1279440" cy="365040"/>
           </a:xfrm>
           <a:prstGeom prst="rect">
             <a:avLst/>
@@ -7879,7 +8129,11 @@
         <p:txBody>
           <a:bodyPr wrap="none" lIns="90000" rIns="90000" tIns="45000" bIns="45000" anchor="ctr"/>
           <a:p>
-            <a:pPr algn="ctr"/>
+            <a:pPr algn="ctr">
+              <a:lnSpc>
+                <a:spcPct val="100000"/>
+              </a:lnSpc>
+            </a:pPr>
             <a:r>
               <a:rPr b="0" lang="en-US" sz="1800" spc="-1" strike="noStrike">
                 <a:solidFill>
@@ -7891,6 +8145,7 @@
                   </a:solidFill>
                 </a:uFill>
                 <a:latin typeface="Arial"/>
+                <a:ea typeface="DejaVu Sans"/>
               </a:rPr>
               <a:t>user1</a:t>
             </a:r>
@@ -7917,7 +8172,7 @@
         <p:spPr>
           <a:xfrm>
             <a:off x="7863840" y="3931920"/>
-            <a:ext cx="1280160" cy="365760"/>
+            <a:ext cx="1279440" cy="365040"/>
           </a:xfrm>
           <a:prstGeom prst="rect">
             <a:avLst/>
@@ -7940,7 +8195,11 @@
         <p:txBody>
           <a:bodyPr wrap="none" lIns="90000" rIns="90000" tIns="45000" bIns="45000" anchor="ctr"/>
           <a:p>
-            <a:pPr algn="ctr"/>
+            <a:pPr algn="ctr">
+              <a:lnSpc>
+                <a:spcPct val="100000"/>
+              </a:lnSpc>
+            </a:pPr>
             <a:r>
               <a:rPr b="0" lang="en-US" sz="1800" spc="-1" strike="noStrike">
                 <a:solidFill>
@@ -7952,6 +8211,7 @@
                   </a:solidFill>
                 </a:uFill>
                 <a:latin typeface="Arial"/>
+                <a:ea typeface="DejaVu Sans"/>
               </a:rPr>
               <a:t>bob</a:t>
             </a:r>
@@ -7978,7 +8238,7 @@
         <p:spPr>
           <a:xfrm>
             <a:off x="6583680" y="3566160"/>
-            <a:ext cx="1280160" cy="365760"/>
+            <a:ext cx="1279440" cy="365040"/>
           </a:xfrm>
           <a:prstGeom prst="rect">
             <a:avLst/>
@@ -8001,7 +8261,11 @@
         <p:txBody>
           <a:bodyPr wrap="none" lIns="90000" rIns="90000" tIns="45000" bIns="45000" anchor="ctr"/>
           <a:p>
-            <a:pPr algn="ctr"/>
+            <a:pPr algn="ctr">
+              <a:lnSpc>
+                <a:spcPct val="100000"/>
+              </a:lnSpc>
+            </a:pPr>
             <a:r>
               <a:rPr b="0" lang="en-US" sz="1800" spc="-1" strike="noStrike">
                 <a:solidFill>
@@ -8013,6 +8277,7 @@
                   </a:solidFill>
                 </a:uFill>
                 <a:latin typeface="Arial"/>
+                <a:ea typeface="DejaVu Sans"/>
               </a:rPr>
               <a:t>label1</a:t>
             </a:r>
@@ -8039,7 +8304,7 @@
         <p:spPr>
           <a:xfrm>
             <a:off x="7863840" y="3566160"/>
-            <a:ext cx="1280160" cy="365760"/>
+            <a:ext cx="1279440" cy="365040"/>
           </a:xfrm>
           <a:prstGeom prst="rect">
             <a:avLst/>
@@ -8062,7 +8327,11 @@
         <p:txBody>
           <a:bodyPr wrap="none" lIns="90000" rIns="90000" tIns="45000" bIns="45000" anchor="ctr"/>
           <a:p>
-            <a:pPr algn="ctr"/>
+            <a:pPr algn="ctr">
+              <a:lnSpc>
+                <a:spcPct val="100000"/>
+              </a:lnSpc>
+            </a:pPr>
             <a:r>
               <a:rPr b="0" lang="en-US" sz="1800" spc="-1" strike="noStrike">
                 <a:solidFill>
@@ -8074,6 +8343,7 @@
                   </a:solidFill>
                 </a:uFill>
                 <a:latin typeface="Arial"/>
+                <a:ea typeface="DejaVu Sans"/>
               </a:rPr>
               <a:t>facebook</a:t>
             </a:r>
@@ -8100,7 +8370,7 @@
         <p:spPr>
           <a:xfrm>
             <a:off x="6583680" y="4297680"/>
-            <a:ext cx="1280160" cy="365760"/>
+            <a:ext cx="1279440" cy="365040"/>
           </a:xfrm>
           <a:prstGeom prst="rect">
             <a:avLst/>
@@ -8123,7 +8393,11 @@
         <p:txBody>
           <a:bodyPr wrap="none" lIns="90000" rIns="90000" tIns="45000" bIns="45000" anchor="ctr"/>
           <a:p>
-            <a:pPr algn="ctr"/>
+            <a:pPr algn="ctr">
+              <a:lnSpc>
+                <a:spcPct val="100000"/>
+              </a:lnSpc>
+            </a:pPr>
             <a:r>
               <a:rPr b="0" lang="en-US" sz="1800" spc="-1" strike="noStrike">
                 <a:solidFill>
@@ -8135,6 +8409,7 @@
                   </a:solidFill>
                 </a:uFill>
                 <a:latin typeface="Arial"/>
+                <a:ea typeface="DejaVu Sans"/>
               </a:rPr>
               <a:t>pass1</a:t>
             </a:r>
@@ -8161,7 +8436,7 @@
         <p:spPr>
           <a:xfrm>
             <a:off x="7863840" y="4297680"/>
-            <a:ext cx="1280160" cy="365760"/>
+            <a:ext cx="1279440" cy="365040"/>
           </a:xfrm>
           <a:prstGeom prst="rect">
             <a:avLst/>
@@ -8184,7 +8459,11 @@
         <p:txBody>
           <a:bodyPr wrap="none" lIns="90000" rIns="90000" tIns="45000" bIns="45000" anchor="ctr"/>
           <a:p>
-            <a:pPr algn="ctr"/>
+            <a:pPr algn="ctr">
+              <a:lnSpc>
+                <a:spcPct val="100000"/>
+              </a:lnSpc>
+            </a:pPr>
             <a:r>
               <a:rPr b="0" lang="en-US" sz="1800" spc="-1" strike="noStrike">
                 <a:solidFill>
@@ -8196,6 +8475,7 @@
                   </a:solidFill>
                 </a:uFill>
                 <a:latin typeface="Arial"/>
+                <a:ea typeface="DejaVu Sans"/>
               </a:rPr>
               <a:t>pass123</a:t>
             </a:r>
@@ -8222,7 +8502,7 @@
         <p:spPr>
           <a:xfrm>
             <a:off x="6583680" y="4663440"/>
-            <a:ext cx="1280160" cy="365760"/>
+            <a:ext cx="1279440" cy="365040"/>
           </a:xfrm>
           <a:prstGeom prst="rect">
             <a:avLst/>
@@ -8245,7 +8525,11 @@
         <p:txBody>
           <a:bodyPr wrap="none" lIns="90000" rIns="90000" tIns="45000" bIns="45000" anchor="ctr"/>
           <a:p>
-            <a:pPr algn="ctr"/>
+            <a:pPr algn="ctr">
+              <a:lnSpc>
+                <a:spcPct val="100000"/>
+              </a:lnSpc>
+            </a:pPr>
             <a:r>
               <a:rPr b="0" lang="en-US" sz="1800" spc="-1" strike="noStrike">
                 <a:solidFill>
@@ -8257,6 +8541,7 @@
                   </a:solidFill>
                 </a:uFill>
                 <a:latin typeface="Arial"/>
+                <a:ea typeface="DejaVu Sans"/>
               </a:rPr>
               <a:t>nextEnt1</a:t>
             </a:r>
@@ -8283,7 +8568,7 @@
         <p:spPr>
           <a:xfrm>
             <a:off x="7863840" y="4663440"/>
-            <a:ext cx="1280160" cy="365760"/>
+            <a:ext cx="1279440" cy="365040"/>
           </a:xfrm>
           <a:prstGeom prst="rect">
             <a:avLst/>
@@ -8306,7 +8591,11 @@
         <p:txBody>
           <a:bodyPr wrap="none" lIns="90000" rIns="90000" tIns="45000" bIns="45000" anchor="ctr"/>
           <a:p>
-            <a:pPr algn="ctr"/>
+            <a:pPr algn="ctr">
+              <a:lnSpc>
+                <a:spcPct val="100000"/>
+              </a:lnSpc>
+            </a:pPr>
             <a:r>
               <a:rPr b="0" lang="en-US" sz="1800" spc="-1" strike="noStrike">
                 <a:solidFill>
@@ -8318,6 +8607,7 @@
                   </a:solidFill>
                 </a:uFill>
                 <a:latin typeface="Arial"/>
+                <a:ea typeface="DejaVu Sans"/>
               </a:rPr>
               <a:t>2</a:t>
             </a:r>
@@ -8344,7 +8634,7 @@
         <p:spPr>
           <a:xfrm>
             <a:off x="6583680" y="5029200"/>
-            <a:ext cx="1280160" cy="365760"/>
+            <a:ext cx="1279440" cy="365040"/>
           </a:xfrm>
           <a:prstGeom prst="rect">
             <a:avLst/>
@@ -8367,7 +8657,11 @@
         <p:txBody>
           <a:bodyPr wrap="none" lIns="90000" rIns="90000" tIns="45000" bIns="45000" anchor="ctr"/>
           <a:p>
-            <a:pPr algn="ctr"/>
+            <a:pPr algn="ctr">
+              <a:lnSpc>
+                <a:spcPct val="100000"/>
+              </a:lnSpc>
+            </a:pPr>
             <a:r>
               <a:rPr b="0" lang="en-US" sz="1800" spc="-1" strike="noStrike">
                 <a:solidFill>
@@ -8379,6 +8673,7 @@
                   </a:solidFill>
                 </a:uFill>
                 <a:latin typeface="Arial"/>
+                <a:ea typeface="DejaVu Sans"/>
               </a:rPr>
               <a:t>prevEnt1</a:t>
             </a:r>
@@ -8405,7 +8700,7 @@
         <p:spPr>
           <a:xfrm>
             <a:off x="7863840" y="5029200"/>
-            <a:ext cx="1280160" cy="365760"/>
+            <a:ext cx="1279440" cy="365040"/>
           </a:xfrm>
           <a:prstGeom prst="rect">
             <a:avLst/>
@@ -8428,7 +8723,11 @@
         <p:txBody>
           <a:bodyPr wrap="none" lIns="90000" rIns="90000" tIns="45000" bIns="45000" anchor="ctr"/>
           <a:p>
-            <a:pPr algn="ctr"/>
+            <a:pPr algn="ctr">
+              <a:lnSpc>
+                <a:spcPct val="100000"/>
+              </a:lnSpc>
+            </a:pPr>
             <a:r>
               <a:rPr b="0" lang="en-US" sz="1800" spc="-1" strike="noStrike">
                 <a:solidFill>
@@ -8440,6 +8739,7 @@
                   </a:solidFill>
                 </a:uFill>
                 <a:latin typeface="Arial"/>
+                <a:ea typeface="DejaVu Sans"/>
               </a:rPr>
               <a:t>1</a:t>
             </a:r>

--- a/Cybersecurity_presentation.pptx
+++ b/Cybersecurity_presentation.pptx
@@ -1,27 +1,122 @@
 
 <file path=ppt/presentation.xml><?xml version="1.0" encoding="utf-8"?>
-<p:presentation xmlns:a="http://schemas.openxmlformats.org/drawingml/2006/main" xmlns:p="http://schemas.openxmlformats.org/presentationml/2006/main" xmlns:r="http://schemas.openxmlformats.org/officeDocument/2006/relationships" xmlns:p14="http://schemas.microsoft.com/office/powerpoint/2010/main" xmlns:p15="http://schemas.microsoft.com/office/powerpoint/2012/main" xmlns:mc="http://schemas.openxmlformats.org/markup-compatibility/2006">
+<p:presentation xmlns:a="http://schemas.openxmlformats.org/drawingml/2006/main" xmlns:r="http://schemas.openxmlformats.org/officeDocument/2006/relationships" xmlns:p="http://schemas.openxmlformats.org/presentationml/2006/main">
   <p:sldMasterIdLst>
-    <p:sldMasterId id="2147483648" r:id="rId2"/>
-    <p:sldMasterId id="2147483661" r:id="rId3"/>
+    <p:sldMasterId id="2147483648" r:id="rId1"/>
+    <p:sldMasterId id="2147483661" r:id="rId2"/>
   </p:sldMasterIdLst>
   <p:sldIdLst>
-    <p:sldId id="256" r:id="rId4"/>
-    <p:sldId id="257" r:id="rId5"/>
-    <p:sldId id="258" r:id="rId6"/>
-    <p:sldId id="259" r:id="rId7"/>
-    <p:sldId id="260" r:id="rId8"/>
-    <p:sldId id="261" r:id="rId9"/>
-    <p:sldId id="262" r:id="rId10"/>
-    <p:sldId id="263" r:id="rId11"/>
+    <p:sldId id="256" r:id="rId3"/>
+    <p:sldId id="257" r:id="rId4"/>
+    <p:sldId id="258" r:id="rId5"/>
+    <p:sldId id="259" r:id="rId6"/>
+    <p:sldId id="260" r:id="rId7"/>
+    <p:sldId id="261" r:id="rId8"/>
+    <p:sldId id="262" r:id="rId9"/>
+    <p:sldId id="263" r:id="rId10"/>
   </p:sldIdLst>
   <p:sldSz cx="10080625" cy="5670550"/>
-  <p:notesSz cx="7772400" cy="10058400"/>
+  <p:notesSz cx="7315200" cy="9601200"/>
+  <p:defaultTextStyle>
+    <a:defPPr>
+      <a:defRPr lang="en-US"/>
+    </a:defPPr>
+    <a:lvl1pPr marL="0" algn="l" defTabSz="914400" rtl="0" eaLnBrk="1" latinLnBrk="0" hangingPunct="1">
+      <a:defRPr sz="1800" kern="1200">
+        <a:solidFill>
+          <a:schemeClr val="tx1"/>
+        </a:solidFill>
+        <a:latin typeface="+mn-lt"/>
+        <a:ea typeface="+mn-ea"/>
+        <a:cs typeface="+mn-cs"/>
+      </a:defRPr>
+    </a:lvl1pPr>
+    <a:lvl2pPr marL="457200" algn="l" defTabSz="914400" rtl="0" eaLnBrk="1" latinLnBrk="0" hangingPunct="1">
+      <a:defRPr sz="1800" kern="1200">
+        <a:solidFill>
+          <a:schemeClr val="tx1"/>
+        </a:solidFill>
+        <a:latin typeface="+mn-lt"/>
+        <a:ea typeface="+mn-ea"/>
+        <a:cs typeface="+mn-cs"/>
+      </a:defRPr>
+    </a:lvl2pPr>
+    <a:lvl3pPr marL="914400" algn="l" defTabSz="914400" rtl="0" eaLnBrk="1" latinLnBrk="0" hangingPunct="1">
+      <a:defRPr sz="1800" kern="1200">
+        <a:solidFill>
+          <a:schemeClr val="tx1"/>
+        </a:solidFill>
+        <a:latin typeface="+mn-lt"/>
+        <a:ea typeface="+mn-ea"/>
+        <a:cs typeface="+mn-cs"/>
+      </a:defRPr>
+    </a:lvl3pPr>
+    <a:lvl4pPr marL="1371600" algn="l" defTabSz="914400" rtl="0" eaLnBrk="1" latinLnBrk="0" hangingPunct="1">
+      <a:defRPr sz="1800" kern="1200">
+        <a:solidFill>
+          <a:schemeClr val="tx1"/>
+        </a:solidFill>
+        <a:latin typeface="+mn-lt"/>
+        <a:ea typeface="+mn-ea"/>
+        <a:cs typeface="+mn-cs"/>
+      </a:defRPr>
+    </a:lvl4pPr>
+    <a:lvl5pPr marL="1828800" algn="l" defTabSz="914400" rtl="0" eaLnBrk="1" latinLnBrk="0" hangingPunct="1">
+      <a:defRPr sz="1800" kern="1200">
+        <a:solidFill>
+          <a:schemeClr val="tx1"/>
+        </a:solidFill>
+        <a:latin typeface="+mn-lt"/>
+        <a:ea typeface="+mn-ea"/>
+        <a:cs typeface="+mn-cs"/>
+      </a:defRPr>
+    </a:lvl5pPr>
+    <a:lvl6pPr marL="2286000" algn="l" defTabSz="914400" rtl="0" eaLnBrk="1" latinLnBrk="0" hangingPunct="1">
+      <a:defRPr sz="1800" kern="1200">
+        <a:solidFill>
+          <a:schemeClr val="tx1"/>
+        </a:solidFill>
+        <a:latin typeface="+mn-lt"/>
+        <a:ea typeface="+mn-ea"/>
+        <a:cs typeface="+mn-cs"/>
+      </a:defRPr>
+    </a:lvl6pPr>
+    <a:lvl7pPr marL="2743200" algn="l" defTabSz="914400" rtl="0" eaLnBrk="1" latinLnBrk="0" hangingPunct="1">
+      <a:defRPr sz="1800" kern="1200">
+        <a:solidFill>
+          <a:schemeClr val="tx1"/>
+        </a:solidFill>
+        <a:latin typeface="+mn-lt"/>
+        <a:ea typeface="+mn-ea"/>
+        <a:cs typeface="+mn-cs"/>
+      </a:defRPr>
+    </a:lvl7pPr>
+    <a:lvl8pPr marL="3200400" algn="l" defTabSz="914400" rtl="0" eaLnBrk="1" latinLnBrk="0" hangingPunct="1">
+      <a:defRPr sz="1800" kern="1200">
+        <a:solidFill>
+          <a:schemeClr val="tx1"/>
+        </a:solidFill>
+        <a:latin typeface="+mn-lt"/>
+        <a:ea typeface="+mn-ea"/>
+        <a:cs typeface="+mn-cs"/>
+      </a:defRPr>
+    </a:lvl8pPr>
+    <a:lvl9pPr marL="3657600" algn="l" defTabSz="914400" rtl="0" eaLnBrk="1" latinLnBrk="0" hangingPunct="1">
+      <a:defRPr sz="1800" kern="1200">
+        <a:solidFill>
+          <a:schemeClr val="tx1"/>
+        </a:solidFill>
+        <a:latin typeface="+mn-lt"/>
+        <a:ea typeface="+mn-ea"/>
+        <a:cs typeface="+mn-cs"/>
+      </a:defRPr>
+    </a:lvl9pPr>
+  </p:defaultTextStyle>
 </p:presentation>
 </file>
 
 <file path=ppt/slideLayouts/slideLayout1.xml><?xml version="1.0" encoding="utf-8"?>
-<p:sldLayout xmlns:a="http://schemas.openxmlformats.org/drawingml/2006/main" xmlns:p="http://schemas.openxmlformats.org/presentationml/2006/main" xmlns:r="http://schemas.openxmlformats.org/officeDocument/2006/relationships" xmlns:p14="http://schemas.microsoft.com/office/powerpoint/2010/main" xmlns:p15="http://schemas.microsoft.com/office/powerpoint/2012/main" xmlns:mc="http://schemas.openxmlformats.org/markup-compatibility/2006" type="blank" preserve="1">
+<p:sldLayout xmlns:a="http://schemas.openxmlformats.org/drawingml/2006/main" xmlns:r="http://schemas.openxmlformats.org/officeDocument/2006/relationships" xmlns:p="http://schemas.openxmlformats.org/presentationml/2006/main" type="blank" preserve="1">
   <p:cSld name="Blank Slide">
     <p:spTree>
       <p:nvGrpSpPr>
@@ -39,11 +134,14 @@
       </p:grpSpPr>
     </p:spTree>
   </p:cSld>
+  <p:clrMapOvr>
+    <a:masterClrMapping/>
+  </p:clrMapOvr>
 </p:sldLayout>
 </file>
 
 <file path=ppt/slideLayouts/slideLayout10.xml><?xml version="1.0" encoding="utf-8"?>
-<p:sldLayout xmlns:a="http://schemas.openxmlformats.org/drawingml/2006/main" xmlns:p="http://schemas.openxmlformats.org/presentationml/2006/main" xmlns:r="http://schemas.openxmlformats.org/officeDocument/2006/relationships" xmlns:p14="http://schemas.microsoft.com/office/powerpoint/2010/main" xmlns:p15="http://schemas.microsoft.com/office/powerpoint/2012/main" xmlns:mc="http://schemas.openxmlformats.org/markup-compatibility/2006" type="objOverTx" preserve="1">
+<p:sldLayout xmlns:a="http://schemas.openxmlformats.org/drawingml/2006/main" xmlns:r="http://schemas.openxmlformats.org/officeDocument/2006/relationships" xmlns:p="http://schemas.openxmlformats.org/presentationml/2006/main" type="objOverTx" preserve="1">
   <p:cSld name="Title, Content over Content">
     <p:spTree>
       <p:nvGrpSpPr>
@@ -79,16 +177,17 @@
           </a:prstGeom>
         </p:spPr>
         <p:txBody>
-          <a:bodyPr lIns="0" rIns="0" tIns="0" bIns="0" anchor="ctr"/>
+          <a:bodyPr lIns="0" tIns="0" rIns="0" bIns="0" anchor="ctr"/>
+          <a:lstStyle/>
           <a:p>
             <a:pPr algn="ctr"/>
-            <a:endParaRPr b="0" lang="en-US" sz="4400" spc="-1" strike="noStrike">
-              <a:solidFill>
-                <a:srgbClr val="000000"/>
-              </a:solidFill>
-              <a:uFill>
-                <a:solidFill>
-                  <a:srgbClr val="ffffff"/>
+            <a:endParaRPr lang="en-US" sz="4400" b="0" strike="noStrike" spc="-1">
+              <a:solidFill>
+                <a:srgbClr val="000000"/>
+              </a:solidFill>
+              <a:uFill>
+                <a:solidFill>
+                  <a:srgbClr val="FFFFFF"/>
                 </a:solidFill>
               </a:uFill>
               <a:latin typeface="Arial"/>
@@ -116,15 +215,16 @@
           </a:prstGeom>
         </p:spPr>
         <p:txBody>
-          <a:bodyPr lIns="0" rIns="0" tIns="0" bIns="0"/>
-          <a:p>
-            <a:endParaRPr b="0" lang="en-US" sz="3200" spc="-1" strike="noStrike">
-              <a:solidFill>
-                <a:srgbClr val="000000"/>
-              </a:solidFill>
-              <a:uFill>
-                <a:solidFill>
-                  <a:srgbClr val="ffffff"/>
+          <a:bodyPr lIns="0" tIns="0" rIns="0" bIns="0"/>
+          <a:lstStyle/>
+          <a:p>
+            <a:endParaRPr lang="en-US" sz="3200" b="0" strike="noStrike" spc="-1">
+              <a:solidFill>
+                <a:srgbClr val="000000"/>
+              </a:solidFill>
+              <a:uFill>
+                <a:solidFill>
+                  <a:srgbClr val="FFFFFF"/>
                 </a:solidFill>
               </a:uFill>
               <a:latin typeface="Arial"/>
@@ -152,15 +252,16 @@
           </a:prstGeom>
         </p:spPr>
         <p:txBody>
-          <a:bodyPr lIns="0" rIns="0" tIns="0" bIns="0"/>
-          <a:p>
-            <a:endParaRPr b="0" lang="en-US" sz="3200" spc="-1" strike="noStrike">
-              <a:solidFill>
-                <a:srgbClr val="000000"/>
-              </a:solidFill>
-              <a:uFill>
-                <a:solidFill>
-                  <a:srgbClr val="ffffff"/>
+          <a:bodyPr lIns="0" tIns="0" rIns="0" bIns="0"/>
+          <a:lstStyle/>
+          <a:p>
+            <a:endParaRPr lang="en-US" sz="3200" b="0" strike="noStrike" spc="-1">
+              <a:solidFill>
+                <a:srgbClr val="000000"/>
+              </a:solidFill>
+              <a:uFill>
+                <a:solidFill>
+                  <a:srgbClr val="FFFFFF"/>
                 </a:solidFill>
               </a:uFill>
               <a:latin typeface="Arial"/>
@@ -170,11 +271,14 @@
       </p:sp>
     </p:spTree>
   </p:cSld>
+  <p:clrMapOvr>
+    <a:masterClrMapping/>
+  </p:clrMapOvr>
 </p:sldLayout>
 </file>
 
 <file path=ppt/slideLayouts/slideLayout11.xml><?xml version="1.0" encoding="utf-8"?>
-<p:sldLayout xmlns:a="http://schemas.openxmlformats.org/drawingml/2006/main" xmlns:p="http://schemas.openxmlformats.org/presentationml/2006/main" xmlns:r="http://schemas.openxmlformats.org/officeDocument/2006/relationships" xmlns:p14="http://schemas.microsoft.com/office/powerpoint/2010/main" xmlns:p15="http://schemas.microsoft.com/office/powerpoint/2012/main" xmlns:mc="http://schemas.openxmlformats.org/markup-compatibility/2006" type="fourObj" preserve="1">
+<p:sldLayout xmlns:a="http://schemas.openxmlformats.org/drawingml/2006/main" xmlns:r="http://schemas.openxmlformats.org/officeDocument/2006/relationships" xmlns:p="http://schemas.openxmlformats.org/presentationml/2006/main" type="fourObj" preserve="1">
   <p:cSld name="Title, 4 Content">
     <p:spTree>
       <p:nvGrpSpPr>
@@ -210,16 +314,17 @@
           </a:prstGeom>
         </p:spPr>
         <p:txBody>
-          <a:bodyPr lIns="0" rIns="0" tIns="0" bIns="0" anchor="ctr"/>
+          <a:bodyPr lIns="0" tIns="0" rIns="0" bIns="0" anchor="ctr"/>
+          <a:lstStyle/>
           <a:p>
             <a:pPr algn="ctr"/>
-            <a:endParaRPr b="0" lang="en-US" sz="4400" spc="-1" strike="noStrike">
-              <a:solidFill>
-                <a:srgbClr val="000000"/>
-              </a:solidFill>
-              <a:uFill>
-                <a:solidFill>
-                  <a:srgbClr val="ffffff"/>
+            <a:endParaRPr lang="en-US" sz="4400" b="0" strike="noStrike" spc="-1">
+              <a:solidFill>
+                <a:srgbClr val="000000"/>
+              </a:solidFill>
+              <a:uFill>
+                <a:solidFill>
+                  <a:srgbClr val="FFFFFF"/>
                 </a:solidFill>
               </a:uFill>
               <a:latin typeface="Arial"/>
@@ -247,15 +352,16 @@
           </a:prstGeom>
         </p:spPr>
         <p:txBody>
-          <a:bodyPr lIns="0" rIns="0" tIns="0" bIns="0"/>
-          <a:p>
-            <a:endParaRPr b="0" lang="en-US" sz="3200" spc="-1" strike="noStrike">
-              <a:solidFill>
-                <a:srgbClr val="000000"/>
-              </a:solidFill>
-              <a:uFill>
-                <a:solidFill>
-                  <a:srgbClr val="ffffff"/>
+          <a:bodyPr lIns="0" tIns="0" rIns="0" bIns="0"/>
+          <a:lstStyle/>
+          <a:p>
+            <a:endParaRPr lang="en-US" sz="3200" b="0" strike="noStrike" spc="-1">
+              <a:solidFill>
+                <a:srgbClr val="000000"/>
+              </a:solidFill>
+              <a:uFill>
+                <a:solidFill>
+                  <a:srgbClr val="FFFFFF"/>
                 </a:solidFill>
               </a:uFill>
               <a:latin typeface="Arial"/>
@@ -283,15 +389,16 @@
           </a:prstGeom>
         </p:spPr>
         <p:txBody>
-          <a:bodyPr lIns="0" rIns="0" tIns="0" bIns="0"/>
-          <a:p>
-            <a:endParaRPr b="0" lang="en-US" sz="3200" spc="-1" strike="noStrike">
-              <a:solidFill>
-                <a:srgbClr val="000000"/>
-              </a:solidFill>
-              <a:uFill>
-                <a:solidFill>
-                  <a:srgbClr val="ffffff"/>
+          <a:bodyPr lIns="0" tIns="0" rIns="0" bIns="0"/>
+          <a:lstStyle/>
+          <a:p>
+            <a:endParaRPr lang="en-US" sz="3200" b="0" strike="noStrike" spc="-1">
+              <a:solidFill>
+                <a:srgbClr val="000000"/>
+              </a:solidFill>
+              <a:uFill>
+                <a:solidFill>
+                  <a:srgbClr val="FFFFFF"/>
                 </a:solidFill>
               </a:uFill>
               <a:latin typeface="Arial"/>
@@ -319,15 +426,16 @@
           </a:prstGeom>
         </p:spPr>
         <p:txBody>
-          <a:bodyPr lIns="0" rIns="0" tIns="0" bIns="0"/>
-          <a:p>
-            <a:endParaRPr b="0" lang="en-US" sz="3200" spc="-1" strike="noStrike">
-              <a:solidFill>
-                <a:srgbClr val="000000"/>
-              </a:solidFill>
-              <a:uFill>
-                <a:solidFill>
-                  <a:srgbClr val="ffffff"/>
+          <a:bodyPr lIns="0" tIns="0" rIns="0" bIns="0"/>
+          <a:lstStyle/>
+          <a:p>
+            <a:endParaRPr lang="en-US" sz="3200" b="0" strike="noStrike" spc="-1">
+              <a:solidFill>
+                <a:srgbClr val="000000"/>
+              </a:solidFill>
+              <a:uFill>
+                <a:solidFill>
+                  <a:srgbClr val="FFFFFF"/>
                 </a:solidFill>
               </a:uFill>
               <a:latin typeface="Arial"/>
@@ -355,15 +463,16 @@
           </a:prstGeom>
         </p:spPr>
         <p:txBody>
-          <a:bodyPr lIns="0" rIns="0" tIns="0" bIns="0"/>
-          <a:p>
-            <a:endParaRPr b="0" lang="en-US" sz="3200" spc="-1" strike="noStrike">
-              <a:solidFill>
-                <a:srgbClr val="000000"/>
-              </a:solidFill>
-              <a:uFill>
-                <a:solidFill>
-                  <a:srgbClr val="ffffff"/>
+          <a:bodyPr lIns="0" tIns="0" rIns="0" bIns="0"/>
+          <a:lstStyle/>
+          <a:p>
+            <a:endParaRPr lang="en-US" sz="3200" b="0" strike="noStrike" spc="-1">
+              <a:solidFill>
+                <a:srgbClr val="000000"/>
+              </a:solidFill>
+              <a:uFill>
+                <a:solidFill>
+                  <a:srgbClr val="FFFFFF"/>
                 </a:solidFill>
               </a:uFill>
               <a:latin typeface="Arial"/>
@@ -373,11 +482,14 @@
       </p:sp>
     </p:spTree>
   </p:cSld>
+  <p:clrMapOvr>
+    <a:masterClrMapping/>
+  </p:clrMapOvr>
 </p:sldLayout>
 </file>
 
 <file path=ppt/slideLayouts/slideLayout12.xml><?xml version="1.0" encoding="utf-8"?>
-<p:sldLayout xmlns:a="http://schemas.openxmlformats.org/drawingml/2006/main" xmlns:p="http://schemas.openxmlformats.org/presentationml/2006/main" xmlns:r="http://schemas.openxmlformats.org/officeDocument/2006/relationships" xmlns:p14="http://schemas.microsoft.com/office/powerpoint/2010/main" xmlns:p15="http://schemas.microsoft.com/office/powerpoint/2012/main" xmlns:mc="http://schemas.openxmlformats.org/markup-compatibility/2006" type="blank" preserve="1">
+<p:sldLayout xmlns:a="http://schemas.openxmlformats.org/drawingml/2006/main" xmlns:r="http://schemas.openxmlformats.org/officeDocument/2006/relationships" xmlns:p="http://schemas.openxmlformats.org/presentationml/2006/main" type="blank" preserve="1">
   <p:cSld name="Title, 6 Content">
     <p:spTree>
       <p:nvGrpSpPr>
@@ -413,16 +525,17 @@
           </a:prstGeom>
         </p:spPr>
         <p:txBody>
-          <a:bodyPr lIns="0" rIns="0" tIns="0" bIns="0" anchor="ctr"/>
+          <a:bodyPr lIns="0" tIns="0" rIns="0" bIns="0" anchor="ctr"/>
+          <a:lstStyle/>
           <a:p>
             <a:pPr algn="ctr"/>
-            <a:endParaRPr b="0" lang="en-US" sz="4400" spc="-1" strike="noStrike">
-              <a:solidFill>
-                <a:srgbClr val="000000"/>
-              </a:solidFill>
-              <a:uFill>
-                <a:solidFill>
-                  <a:srgbClr val="ffffff"/>
+            <a:endParaRPr lang="en-US" sz="4400" b="0" strike="noStrike" spc="-1">
+              <a:solidFill>
+                <a:srgbClr val="000000"/>
+              </a:solidFill>
+              <a:uFill>
+                <a:solidFill>
+                  <a:srgbClr val="FFFFFF"/>
                 </a:solidFill>
               </a:uFill>
               <a:latin typeface="Arial"/>
@@ -450,15 +563,16 @@
           </a:prstGeom>
         </p:spPr>
         <p:txBody>
-          <a:bodyPr lIns="0" rIns="0" tIns="0" bIns="0"/>
-          <a:p>
-            <a:endParaRPr b="0" lang="en-US" sz="3200" spc="-1" strike="noStrike">
-              <a:solidFill>
-                <a:srgbClr val="000000"/>
-              </a:solidFill>
-              <a:uFill>
-                <a:solidFill>
-                  <a:srgbClr val="ffffff"/>
+          <a:bodyPr lIns="0" tIns="0" rIns="0" bIns="0"/>
+          <a:lstStyle/>
+          <a:p>
+            <a:endParaRPr lang="en-US" sz="3200" b="0" strike="noStrike" spc="-1">
+              <a:solidFill>
+                <a:srgbClr val="000000"/>
+              </a:solidFill>
+              <a:uFill>
+                <a:solidFill>
+                  <a:srgbClr val="FFFFFF"/>
                 </a:solidFill>
               </a:uFill>
               <a:latin typeface="Arial"/>
@@ -486,15 +600,16 @@
           </a:prstGeom>
         </p:spPr>
         <p:txBody>
-          <a:bodyPr lIns="0" rIns="0" tIns="0" bIns="0"/>
-          <a:p>
-            <a:endParaRPr b="0" lang="en-US" sz="3200" spc="-1" strike="noStrike">
-              <a:solidFill>
-                <a:srgbClr val="000000"/>
-              </a:solidFill>
-              <a:uFill>
-                <a:solidFill>
-                  <a:srgbClr val="ffffff"/>
+          <a:bodyPr lIns="0" tIns="0" rIns="0" bIns="0"/>
+          <a:lstStyle/>
+          <a:p>
+            <a:endParaRPr lang="en-US" sz="3200" b="0" strike="noStrike" spc="-1">
+              <a:solidFill>
+                <a:srgbClr val="000000"/>
+              </a:solidFill>
+              <a:uFill>
+                <a:solidFill>
+                  <a:srgbClr val="FFFFFF"/>
                 </a:solidFill>
               </a:uFill>
               <a:latin typeface="Arial"/>
@@ -522,15 +637,16 @@
           </a:prstGeom>
         </p:spPr>
         <p:txBody>
-          <a:bodyPr lIns="0" rIns="0" tIns="0" bIns="0"/>
-          <a:p>
-            <a:endParaRPr b="0" lang="en-US" sz="3200" spc="-1" strike="noStrike">
-              <a:solidFill>
-                <a:srgbClr val="000000"/>
-              </a:solidFill>
-              <a:uFill>
-                <a:solidFill>
-                  <a:srgbClr val="ffffff"/>
+          <a:bodyPr lIns="0" tIns="0" rIns="0" bIns="0"/>
+          <a:lstStyle/>
+          <a:p>
+            <a:endParaRPr lang="en-US" sz="3200" b="0" strike="noStrike" spc="-1">
+              <a:solidFill>
+                <a:srgbClr val="000000"/>
+              </a:solidFill>
+              <a:uFill>
+                <a:solidFill>
+                  <a:srgbClr val="FFFFFF"/>
                 </a:solidFill>
               </a:uFill>
               <a:latin typeface="Arial"/>
@@ -558,15 +674,16 @@
           </a:prstGeom>
         </p:spPr>
         <p:txBody>
-          <a:bodyPr lIns="0" rIns="0" tIns="0" bIns="0"/>
-          <a:p>
-            <a:endParaRPr b="0" lang="en-US" sz="3200" spc="-1" strike="noStrike">
-              <a:solidFill>
-                <a:srgbClr val="000000"/>
-              </a:solidFill>
-              <a:uFill>
-                <a:solidFill>
-                  <a:srgbClr val="ffffff"/>
+          <a:bodyPr lIns="0" tIns="0" rIns="0" bIns="0"/>
+          <a:lstStyle/>
+          <a:p>
+            <a:endParaRPr lang="en-US" sz="3200" b="0" strike="noStrike" spc="-1">
+              <a:solidFill>
+                <a:srgbClr val="000000"/>
+              </a:solidFill>
+              <a:uFill>
+                <a:solidFill>
+                  <a:srgbClr val="FFFFFF"/>
                 </a:solidFill>
               </a:uFill>
               <a:latin typeface="Arial"/>
@@ -594,15 +711,16 @@
           </a:prstGeom>
         </p:spPr>
         <p:txBody>
-          <a:bodyPr lIns="0" rIns="0" tIns="0" bIns="0"/>
-          <a:p>
-            <a:endParaRPr b="0" lang="en-US" sz="3200" spc="-1" strike="noStrike">
-              <a:solidFill>
-                <a:srgbClr val="000000"/>
-              </a:solidFill>
-              <a:uFill>
-                <a:solidFill>
-                  <a:srgbClr val="ffffff"/>
+          <a:bodyPr lIns="0" tIns="0" rIns="0" bIns="0"/>
+          <a:lstStyle/>
+          <a:p>
+            <a:endParaRPr lang="en-US" sz="3200" b="0" strike="noStrike" spc="-1">
+              <a:solidFill>
+                <a:srgbClr val="000000"/>
+              </a:solidFill>
+              <a:uFill>
+                <a:solidFill>
+                  <a:srgbClr val="FFFFFF"/>
                 </a:solidFill>
               </a:uFill>
               <a:latin typeface="Arial"/>
@@ -630,15 +748,16 @@
           </a:prstGeom>
         </p:spPr>
         <p:txBody>
-          <a:bodyPr lIns="0" rIns="0" tIns="0" bIns="0"/>
-          <a:p>
-            <a:endParaRPr b="0" lang="en-US" sz="3200" spc="-1" strike="noStrike">
-              <a:solidFill>
-                <a:srgbClr val="000000"/>
-              </a:solidFill>
-              <a:uFill>
-                <a:solidFill>
-                  <a:srgbClr val="ffffff"/>
+          <a:bodyPr lIns="0" tIns="0" rIns="0" bIns="0"/>
+          <a:lstStyle/>
+          <a:p>
+            <a:endParaRPr lang="en-US" sz="3200" b="0" strike="noStrike" spc="-1">
+              <a:solidFill>
+                <a:srgbClr val="000000"/>
+              </a:solidFill>
+              <a:uFill>
+                <a:solidFill>
+                  <a:srgbClr val="FFFFFF"/>
                 </a:solidFill>
               </a:uFill>
               <a:latin typeface="Arial"/>
@@ -648,11 +767,14 @@
       </p:sp>
     </p:spTree>
   </p:cSld>
+  <p:clrMapOvr>
+    <a:masterClrMapping/>
+  </p:clrMapOvr>
 </p:sldLayout>
 </file>
 
 <file path=ppt/slideLayouts/slideLayout13.xml><?xml version="1.0" encoding="utf-8"?>
-<p:sldLayout xmlns:a="http://schemas.openxmlformats.org/drawingml/2006/main" xmlns:p="http://schemas.openxmlformats.org/presentationml/2006/main" xmlns:r="http://schemas.openxmlformats.org/officeDocument/2006/relationships" xmlns:p14="http://schemas.microsoft.com/office/powerpoint/2010/main" xmlns:p15="http://schemas.microsoft.com/office/powerpoint/2012/main" xmlns:mc="http://schemas.openxmlformats.org/markup-compatibility/2006" type="blank" preserve="1">
+<p:sldLayout xmlns:a="http://schemas.openxmlformats.org/drawingml/2006/main" xmlns:r="http://schemas.openxmlformats.org/officeDocument/2006/relationships" xmlns:p="http://schemas.openxmlformats.org/presentationml/2006/main" type="blank" preserve="1">
   <p:cSld name="Blank Slide">
     <p:spTree>
       <p:nvGrpSpPr>
@@ -670,11 +792,14 @@
       </p:grpSpPr>
     </p:spTree>
   </p:cSld>
+  <p:clrMapOvr>
+    <a:masterClrMapping/>
+  </p:clrMapOvr>
 </p:sldLayout>
 </file>
 
 <file path=ppt/slideLayouts/slideLayout14.xml><?xml version="1.0" encoding="utf-8"?>
-<p:sldLayout xmlns:a="http://schemas.openxmlformats.org/drawingml/2006/main" xmlns:p="http://schemas.openxmlformats.org/presentationml/2006/main" xmlns:r="http://schemas.openxmlformats.org/officeDocument/2006/relationships" xmlns:p14="http://schemas.microsoft.com/office/powerpoint/2010/main" xmlns:p15="http://schemas.microsoft.com/office/powerpoint/2012/main" xmlns:mc="http://schemas.openxmlformats.org/markup-compatibility/2006" type="tx" preserve="1">
+<p:sldLayout xmlns:a="http://schemas.openxmlformats.org/drawingml/2006/main" xmlns:r="http://schemas.openxmlformats.org/officeDocument/2006/relationships" xmlns:p="http://schemas.openxmlformats.org/presentationml/2006/main" type="tx" preserve="1">
   <p:cSld name="Title Slide">
     <p:spTree>
       <p:nvGrpSpPr>
@@ -710,16 +835,17 @@
           </a:prstGeom>
         </p:spPr>
         <p:txBody>
-          <a:bodyPr lIns="0" rIns="0" tIns="0" bIns="0" anchor="ctr"/>
+          <a:bodyPr lIns="0" tIns="0" rIns="0" bIns="0" anchor="ctr"/>
+          <a:lstStyle/>
           <a:p>
             <a:pPr algn="ctr"/>
-            <a:endParaRPr b="0" lang="en-US" sz="4400" spc="-1" strike="noStrike">
-              <a:solidFill>
-                <a:srgbClr val="000000"/>
-              </a:solidFill>
-              <a:uFill>
-                <a:solidFill>
-                  <a:srgbClr val="ffffff"/>
+            <a:endParaRPr lang="en-US" sz="4400" b="0" strike="noStrike" spc="-1">
+              <a:solidFill>
+                <a:srgbClr val="000000"/>
+              </a:solidFill>
+              <a:uFill>
+                <a:solidFill>
+                  <a:srgbClr val="FFFFFF"/>
                 </a:solidFill>
               </a:uFill>
               <a:latin typeface="Arial"/>
@@ -747,16 +873,17 @@
           </a:prstGeom>
         </p:spPr>
         <p:txBody>
-          <a:bodyPr lIns="0" rIns="0" tIns="0" bIns="0" anchor="ctr"/>
+          <a:bodyPr lIns="0" tIns="0" rIns="0" bIns="0" anchor="ctr"/>
+          <a:lstStyle/>
           <a:p>
             <a:pPr algn="ctr"/>
-            <a:endParaRPr b="0" lang="en-US" sz="3200" spc="-1" strike="noStrike">
-              <a:solidFill>
-                <a:srgbClr val="000000"/>
-              </a:solidFill>
-              <a:uFill>
-                <a:solidFill>
-                  <a:srgbClr val="ffffff"/>
+            <a:endParaRPr lang="en-US" sz="3200" b="0" strike="noStrike" spc="-1">
+              <a:solidFill>
+                <a:srgbClr val="000000"/>
+              </a:solidFill>
+              <a:uFill>
+                <a:solidFill>
+                  <a:srgbClr val="FFFFFF"/>
                 </a:solidFill>
               </a:uFill>
               <a:latin typeface="Arial"/>
@@ -766,11 +893,14 @@
       </p:sp>
     </p:spTree>
   </p:cSld>
+  <p:clrMapOvr>
+    <a:masterClrMapping/>
+  </p:clrMapOvr>
 </p:sldLayout>
 </file>
 
 <file path=ppt/slideLayouts/slideLayout15.xml><?xml version="1.0" encoding="utf-8"?>
-<p:sldLayout xmlns:a="http://schemas.openxmlformats.org/drawingml/2006/main" xmlns:p="http://schemas.openxmlformats.org/presentationml/2006/main" xmlns:r="http://schemas.openxmlformats.org/officeDocument/2006/relationships" xmlns:p14="http://schemas.microsoft.com/office/powerpoint/2010/main" xmlns:p15="http://schemas.microsoft.com/office/powerpoint/2012/main" xmlns:mc="http://schemas.openxmlformats.org/markup-compatibility/2006" type="obj" preserve="1">
+<p:sldLayout xmlns:a="http://schemas.openxmlformats.org/drawingml/2006/main" xmlns:r="http://schemas.openxmlformats.org/officeDocument/2006/relationships" xmlns:p="http://schemas.openxmlformats.org/presentationml/2006/main" type="obj" preserve="1">
   <p:cSld name="Title, Content">
     <p:spTree>
       <p:nvGrpSpPr>
@@ -806,16 +936,17 @@
           </a:prstGeom>
         </p:spPr>
         <p:txBody>
-          <a:bodyPr lIns="0" rIns="0" tIns="0" bIns="0" anchor="ctr"/>
+          <a:bodyPr lIns="0" tIns="0" rIns="0" bIns="0" anchor="ctr"/>
+          <a:lstStyle/>
           <a:p>
             <a:pPr algn="ctr"/>
-            <a:endParaRPr b="0" lang="en-US" sz="4400" spc="-1" strike="noStrike">
-              <a:solidFill>
-                <a:srgbClr val="000000"/>
-              </a:solidFill>
-              <a:uFill>
-                <a:solidFill>
-                  <a:srgbClr val="ffffff"/>
+            <a:endParaRPr lang="en-US" sz="4400" b="0" strike="noStrike" spc="-1">
+              <a:solidFill>
+                <a:srgbClr val="000000"/>
+              </a:solidFill>
+              <a:uFill>
+                <a:solidFill>
+                  <a:srgbClr val="FFFFFF"/>
                 </a:solidFill>
               </a:uFill>
               <a:latin typeface="Arial"/>
@@ -843,15 +974,16 @@
           </a:prstGeom>
         </p:spPr>
         <p:txBody>
-          <a:bodyPr lIns="0" rIns="0" tIns="0" bIns="0"/>
-          <a:p>
-            <a:endParaRPr b="0" lang="en-US" sz="3200" spc="-1" strike="noStrike">
-              <a:solidFill>
-                <a:srgbClr val="000000"/>
-              </a:solidFill>
-              <a:uFill>
-                <a:solidFill>
-                  <a:srgbClr val="ffffff"/>
+          <a:bodyPr lIns="0" tIns="0" rIns="0" bIns="0"/>
+          <a:lstStyle/>
+          <a:p>
+            <a:endParaRPr lang="en-US" sz="3200" b="0" strike="noStrike" spc="-1">
+              <a:solidFill>
+                <a:srgbClr val="000000"/>
+              </a:solidFill>
+              <a:uFill>
+                <a:solidFill>
+                  <a:srgbClr val="FFFFFF"/>
                 </a:solidFill>
               </a:uFill>
               <a:latin typeface="Arial"/>
@@ -861,11 +993,14 @@
       </p:sp>
     </p:spTree>
   </p:cSld>
+  <p:clrMapOvr>
+    <a:masterClrMapping/>
+  </p:clrMapOvr>
 </p:sldLayout>
 </file>
 
 <file path=ppt/slideLayouts/slideLayout16.xml><?xml version="1.0" encoding="utf-8"?>
-<p:sldLayout xmlns:a="http://schemas.openxmlformats.org/drawingml/2006/main" xmlns:p="http://schemas.openxmlformats.org/presentationml/2006/main" xmlns:r="http://schemas.openxmlformats.org/officeDocument/2006/relationships" xmlns:p14="http://schemas.microsoft.com/office/powerpoint/2010/main" xmlns:p15="http://schemas.microsoft.com/office/powerpoint/2012/main" xmlns:mc="http://schemas.openxmlformats.org/markup-compatibility/2006" type="twoObj" preserve="1">
+<p:sldLayout xmlns:a="http://schemas.openxmlformats.org/drawingml/2006/main" xmlns:r="http://schemas.openxmlformats.org/officeDocument/2006/relationships" xmlns:p="http://schemas.openxmlformats.org/presentationml/2006/main" type="twoObj" preserve="1">
   <p:cSld name="Title, 2 Content">
     <p:spTree>
       <p:nvGrpSpPr>
@@ -901,16 +1036,17 @@
           </a:prstGeom>
         </p:spPr>
         <p:txBody>
-          <a:bodyPr lIns="0" rIns="0" tIns="0" bIns="0" anchor="ctr"/>
+          <a:bodyPr lIns="0" tIns="0" rIns="0" bIns="0" anchor="ctr"/>
+          <a:lstStyle/>
           <a:p>
             <a:pPr algn="ctr"/>
-            <a:endParaRPr b="0" lang="en-US" sz="4400" spc="-1" strike="noStrike">
-              <a:solidFill>
-                <a:srgbClr val="000000"/>
-              </a:solidFill>
-              <a:uFill>
-                <a:solidFill>
-                  <a:srgbClr val="ffffff"/>
+            <a:endParaRPr lang="en-US" sz="4400" b="0" strike="noStrike" spc="-1">
+              <a:solidFill>
+                <a:srgbClr val="000000"/>
+              </a:solidFill>
+              <a:uFill>
+                <a:solidFill>
+                  <a:srgbClr val="FFFFFF"/>
                 </a:solidFill>
               </a:uFill>
               <a:latin typeface="Arial"/>
@@ -938,15 +1074,16 @@
           </a:prstGeom>
         </p:spPr>
         <p:txBody>
-          <a:bodyPr lIns="0" rIns="0" tIns="0" bIns="0"/>
-          <a:p>
-            <a:endParaRPr b="0" lang="en-US" sz="3200" spc="-1" strike="noStrike">
-              <a:solidFill>
-                <a:srgbClr val="000000"/>
-              </a:solidFill>
-              <a:uFill>
-                <a:solidFill>
-                  <a:srgbClr val="ffffff"/>
+          <a:bodyPr lIns="0" tIns="0" rIns="0" bIns="0"/>
+          <a:lstStyle/>
+          <a:p>
+            <a:endParaRPr lang="en-US" sz="3200" b="0" strike="noStrike" spc="-1">
+              <a:solidFill>
+                <a:srgbClr val="000000"/>
+              </a:solidFill>
+              <a:uFill>
+                <a:solidFill>
+                  <a:srgbClr val="FFFFFF"/>
                 </a:solidFill>
               </a:uFill>
               <a:latin typeface="Arial"/>
@@ -974,15 +1111,16 @@
           </a:prstGeom>
         </p:spPr>
         <p:txBody>
-          <a:bodyPr lIns="0" rIns="0" tIns="0" bIns="0"/>
-          <a:p>
-            <a:endParaRPr b="0" lang="en-US" sz="3200" spc="-1" strike="noStrike">
-              <a:solidFill>
-                <a:srgbClr val="000000"/>
-              </a:solidFill>
-              <a:uFill>
-                <a:solidFill>
-                  <a:srgbClr val="ffffff"/>
+          <a:bodyPr lIns="0" tIns="0" rIns="0" bIns="0"/>
+          <a:lstStyle/>
+          <a:p>
+            <a:endParaRPr lang="en-US" sz="3200" b="0" strike="noStrike" spc="-1">
+              <a:solidFill>
+                <a:srgbClr val="000000"/>
+              </a:solidFill>
+              <a:uFill>
+                <a:solidFill>
+                  <a:srgbClr val="FFFFFF"/>
                 </a:solidFill>
               </a:uFill>
               <a:latin typeface="Arial"/>
@@ -992,11 +1130,14 @@
       </p:sp>
     </p:spTree>
   </p:cSld>
+  <p:clrMapOvr>
+    <a:masterClrMapping/>
+  </p:clrMapOvr>
 </p:sldLayout>
 </file>
 
 <file path=ppt/slideLayouts/slideLayout17.xml><?xml version="1.0" encoding="utf-8"?>
-<p:sldLayout xmlns:a="http://schemas.openxmlformats.org/drawingml/2006/main" xmlns:p="http://schemas.openxmlformats.org/presentationml/2006/main" xmlns:r="http://schemas.openxmlformats.org/officeDocument/2006/relationships" xmlns:p14="http://schemas.microsoft.com/office/powerpoint/2010/main" xmlns:p15="http://schemas.microsoft.com/office/powerpoint/2012/main" xmlns:mc="http://schemas.openxmlformats.org/markup-compatibility/2006" type="titleOnly" preserve="1">
+<p:sldLayout xmlns:a="http://schemas.openxmlformats.org/drawingml/2006/main" xmlns:r="http://schemas.openxmlformats.org/officeDocument/2006/relationships" xmlns:p="http://schemas.openxmlformats.org/presentationml/2006/main" type="titleOnly" preserve="1">
   <p:cSld name="Title Only">
     <p:spTree>
       <p:nvGrpSpPr>
@@ -1032,16 +1173,17 @@
           </a:prstGeom>
         </p:spPr>
         <p:txBody>
-          <a:bodyPr lIns="0" rIns="0" tIns="0" bIns="0" anchor="ctr"/>
+          <a:bodyPr lIns="0" tIns="0" rIns="0" bIns="0" anchor="ctr"/>
+          <a:lstStyle/>
           <a:p>
             <a:pPr algn="ctr"/>
-            <a:endParaRPr b="0" lang="en-US" sz="4400" spc="-1" strike="noStrike">
-              <a:solidFill>
-                <a:srgbClr val="000000"/>
-              </a:solidFill>
-              <a:uFill>
-                <a:solidFill>
-                  <a:srgbClr val="ffffff"/>
+            <a:endParaRPr lang="en-US" sz="4400" b="0" strike="noStrike" spc="-1">
+              <a:solidFill>
+                <a:srgbClr val="000000"/>
+              </a:solidFill>
+              <a:uFill>
+                <a:solidFill>
+                  <a:srgbClr val="FFFFFF"/>
                 </a:solidFill>
               </a:uFill>
               <a:latin typeface="Arial"/>
@@ -1051,11 +1193,14 @@
       </p:sp>
     </p:spTree>
   </p:cSld>
+  <p:clrMapOvr>
+    <a:masterClrMapping/>
+  </p:clrMapOvr>
 </p:sldLayout>
 </file>
 
 <file path=ppt/slideLayouts/slideLayout18.xml><?xml version="1.0" encoding="utf-8"?>
-<p:sldLayout xmlns:a="http://schemas.openxmlformats.org/drawingml/2006/main" xmlns:p="http://schemas.openxmlformats.org/presentationml/2006/main" xmlns:r="http://schemas.openxmlformats.org/officeDocument/2006/relationships" xmlns:p14="http://schemas.microsoft.com/office/powerpoint/2010/main" xmlns:p15="http://schemas.microsoft.com/office/powerpoint/2012/main" xmlns:mc="http://schemas.openxmlformats.org/markup-compatibility/2006" type="objOnly" preserve="1">
+<p:sldLayout xmlns:a="http://schemas.openxmlformats.org/drawingml/2006/main" xmlns:r="http://schemas.openxmlformats.org/officeDocument/2006/relationships" xmlns:p="http://schemas.openxmlformats.org/presentationml/2006/main" type="objOnly" preserve="1">
   <p:cSld name="Centered Text">
     <p:spTree>
       <p:nvGrpSpPr>
@@ -1091,16 +1236,17 @@
           </a:prstGeom>
         </p:spPr>
         <p:txBody>
-          <a:bodyPr lIns="0" rIns="0" tIns="0" bIns="0" anchor="ctr"/>
+          <a:bodyPr lIns="0" tIns="0" rIns="0" bIns="0" anchor="ctr"/>
+          <a:lstStyle/>
           <a:p>
             <a:pPr algn="ctr"/>
-            <a:endParaRPr b="0" lang="en-US" sz="3200" spc="-1" strike="noStrike">
-              <a:solidFill>
-                <a:srgbClr val="000000"/>
-              </a:solidFill>
-              <a:uFill>
-                <a:solidFill>
-                  <a:srgbClr val="ffffff"/>
+            <a:endParaRPr lang="en-US" sz="3200" b="0" strike="noStrike" spc="-1">
+              <a:solidFill>
+                <a:srgbClr val="000000"/>
+              </a:solidFill>
+              <a:uFill>
+                <a:solidFill>
+                  <a:srgbClr val="FFFFFF"/>
                 </a:solidFill>
               </a:uFill>
               <a:latin typeface="Arial"/>
@@ -1110,11 +1256,14 @@
       </p:sp>
     </p:spTree>
   </p:cSld>
+  <p:clrMapOvr>
+    <a:masterClrMapping/>
+  </p:clrMapOvr>
 </p:sldLayout>
 </file>
 
 <file path=ppt/slideLayouts/slideLayout19.xml><?xml version="1.0" encoding="utf-8"?>
-<p:sldLayout xmlns:a="http://schemas.openxmlformats.org/drawingml/2006/main" xmlns:p="http://schemas.openxmlformats.org/presentationml/2006/main" xmlns:r="http://schemas.openxmlformats.org/officeDocument/2006/relationships" xmlns:p14="http://schemas.microsoft.com/office/powerpoint/2010/main" xmlns:p15="http://schemas.microsoft.com/office/powerpoint/2012/main" xmlns:mc="http://schemas.openxmlformats.org/markup-compatibility/2006" type="twoObjAndObj" preserve="1">
+<p:sldLayout xmlns:a="http://schemas.openxmlformats.org/drawingml/2006/main" xmlns:r="http://schemas.openxmlformats.org/officeDocument/2006/relationships" xmlns:p="http://schemas.openxmlformats.org/presentationml/2006/main" type="twoObjAndObj" preserve="1">
   <p:cSld name="Title, 2 Content and Content">
     <p:spTree>
       <p:nvGrpSpPr>
@@ -1150,16 +1299,17 @@
           </a:prstGeom>
         </p:spPr>
         <p:txBody>
-          <a:bodyPr lIns="0" rIns="0" tIns="0" bIns="0" anchor="ctr"/>
+          <a:bodyPr lIns="0" tIns="0" rIns="0" bIns="0" anchor="ctr"/>
+          <a:lstStyle/>
           <a:p>
             <a:pPr algn="ctr"/>
-            <a:endParaRPr b="0" lang="en-US" sz="4400" spc="-1" strike="noStrike">
-              <a:solidFill>
-                <a:srgbClr val="000000"/>
-              </a:solidFill>
-              <a:uFill>
-                <a:solidFill>
-                  <a:srgbClr val="ffffff"/>
+            <a:endParaRPr lang="en-US" sz="4400" b="0" strike="noStrike" spc="-1">
+              <a:solidFill>
+                <a:srgbClr val="000000"/>
+              </a:solidFill>
+              <a:uFill>
+                <a:solidFill>
+                  <a:srgbClr val="FFFFFF"/>
                 </a:solidFill>
               </a:uFill>
               <a:latin typeface="Arial"/>
@@ -1187,15 +1337,16 @@
           </a:prstGeom>
         </p:spPr>
         <p:txBody>
-          <a:bodyPr lIns="0" rIns="0" tIns="0" bIns="0"/>
-          <a:p>
-            <a:endParaRPr b="0" lang="en-US" sz="3200" spc="-1" strike="noStrike">
-              <a:solidFill>
-                <a:srgbClr val="000000"/>
-              </a:solidFill>
-              <a:uFill>
-                <a:solidFill>
-                  <a:srgbClr val="ffffff"/>
+          <a:bodyPr lIns="0" tIns="0" rIns="0" bIns="0"/>
+          <a:lstStyle/>
+          <a:p>
+            <a:endParaRPr lang="en-US" sz="3200" b="0" strike="noStrike" spc="-1">
+              <a:solidFill>
+                <a:srgbClr val="000000"/>
+              </a:solidFill>
+              <a:uFill>
+                <a:solidFill>
+                  <a:srgbClr val="FFFFFF"/>
                 </a:solidFill>
               </a:uFill>
               <a:latin typeface="Arial"/>
@@ -1223,15 +1374,16 @@
           </a:prstGeom>
         </p:spPr>
         <p:txBody>
-          <a:bodyPr lIns="0" rIns="0" tIns="0" bIns="0"/>
-          <a:p>
-            <a:endParaRPr b="0" lang="en-US" sz="3200" spc="-1" strike="noStrike">
-              <a:solidFill>
-                <a:srgbClr val="000000"/>
-              </a:solidFill>
-              <a:uFill>
-                <a:solidFill>
-                  <a:srgbClr val="ffffff"/>
+          <a:bodyPr lIns="0" tIns="0" rIns="0" bIns="0"/>
+          <a:lstStyle/>
+          <a:p>
+            <a:endParaRPr lang="en-US" sz="3200" b="0" strike="noStrike" spc="-1">
+              <a:solidFill>
+                <a:srgbClr val="000000"/>
+              </a:solidFill>
+              <a:uFill>
+                <a:solidFill>
+                  <a:srgbClr val="FFFFFF"/>
                 </a:solidFill>
               </a:uFill>
               <a:latin typeface="Arial"/>
@@ -1259,15 +1411,16 @@
           </a:prstGeom>
         </p:spPr>
         <p:txBody>
-          <a:bodyPr lIns="0" rIns="0" tIns="0" bIns="0"/>
-          <a:p>
-            <a:endParaRPr b="0" lang="en-US" sz="3200" spc="-1" strike="noStrike">
-              <a:solidFill>
-                <a:srgbClr val="000000"/>
-              </a:solidFill>
-              <a:uFill>
-                <a:solidFill>
-                  <a:srgbClr val="ffffff"/>
+          <a:bodyPr lIns="0" tIns="0" rIns="0" bIns="0"/>
+          <a:lstStyle/>
+          <a:p>
+            <a:endParaRPr lang="en-US" sz="3200" b="0" strike="noStrike" spc="-1">
+              <a:solidFill>
+                <a:srgbClr val="000000"/>
+              </a:solidFill>
+              <a:uFill>
+                <a:solidFill>
+                  <a:srgbClr val="FFFFFF"/>
                 </a:solidFill>
               </a:uFill>
               <a:latin typeface="Arial"/>
@@ -1277,11 +1430,14 @@
       </p:sp>
     </p:spTree>
   </p:cSld>
+  <p:clrMapOvr>
+    <a:masterClrMapping/>
+  </p:clrMapOvr>
 </p:sldLayout>
 </file>
 
 <file path=ppt/slideLayouts/slideLayout2.xml><?xml version="1.0" encoding="utf-8"?>
-<p:sldLayout xmlns:a="http://schemas.openxmlformats.org/drawingml/2006/main" xmlns:p="http://schemas.openxmlformats.org/presentationml/2006/main" xmlns:r="http://schemas.openxmlformats.org/officeDocument/2006/relationships" xmlns:p14="http://schemas.microsoft.com/office/powerpoint/2010/main" xmlns:p15="http://schemas.microsoft.com/office/powerpoint/2012/main" xmlns:mc="http://schemas.openxmlformats.org/markup-compatibility/2006" type="tx" preserve="1">
+<p:sldLayout xmlns:a="http://schemas.openxmlformats.org/drawingml/2006/main" xmlns:r="http://schemas.openxmlformats.org/officeDocument/2006/relationships" xmlns:p="http://schemas.openxmlformats.org/presentationml/2006/main" type="tx" preserve="1">
   <p:cSld name="Title Slide">
     <p:spTree>
       <p:nvGrpSpPr>
@@ -1317,16 +1473,17 @@
           </a:prstGeom>
         </p:spPr>
         <p:txBody>
-          <a:bodyPr lIns="0" rIns="0" tIns="0" bIns="0" anchor="ctr"/>
+          <a:bodyPr lIns="0" tIns="0" rIns="0" bIns="0" anchor="ctr"/>
+          <a:lstStyle/>
           <a:p>
             <a:pPr algn="ctr"/>
-            <a:endParaRPr b="0" lang="en-US" sz="4400" spc="-1" strike="noStrike">
-              <a:solidFill>
-                <a:srgbClr val="000000"/>
-              </a:solidFill>
-              <a:uFill>
-                <a:solidFill>
-                  <a:srgbClr val="ffffff"/>
+            <a:endParaRPr lang="en-US" sz="4400" b="0" strike="noStrike" spc="-1">
+              <a:solidFill>
+                <a:srgbClr val="000000"/>
+              </a:solidFill>
+              <a:uFill>
+                <a:solidFill>
+                  <a:srgbClr val="FFFFFF"/>
                 </a:solidFill>
               </a:uFill>
               <a:latin typeface="Arial"/>
@@ -1354,16 +1511,17 @@
           </a:prstGeom>
         </p:spPr>
         <p:txBody>
-          <a:bodyPr lIns="0" rIns="0" tIns="0" bIns="0" anchor="ctr"/>
+          <a:bodyPr lIns="0" tIns="0" rIns="0" bIns="0" anchor="ctr"/>
+          <a:lstStyle/>
           <a:p>
             <a:pPr algn="ctr"/>
-            <a:endParaRPr b="0" lang="en-US" sz="3200" spc="-1" strike="noStrike">
-              <a:solidFill>
-                <a:srgbClr val="000000"/>
-              </a:solidFill>
-              <a:uFill>
-                <a:solidFill>
-                  <a:srgbClr val="ffffff"/>
+            <a:endParaRPr lang="en-US" sz="3200" b="0" strike="noStrike" spc="-1">
+              <a:solidFill>
+                <a:srgbClr val="000000"/>
+              </a:solidFill>
+              <a:uFill>
+                <a:solidFill>
+                  <a:srgbClr val="FFFFFF"/>
                 </a:solidFill>
               </a:uFill>
               <a:latin typeface="Arial"/>
@@ -1373,11 +1531,14 @@
       </p:sp>
     </p:spTree>
   </p:cSld>
+  <p:clrMapOvr>
+    <a:masterClrMapping/>
+  </p:clrMapOvr>
 </p:sldLayout>
 </file>
 
 <file path=ppt/slideLayouts/slideLayout20.xml><?xml version="1.0" encoding="utf-8"?>
-<p:sldLayout xmlns:a="http://schemas.openxmlformats.org/drawingml/2006/main" xmlns:p="http://schemas.openxmlformats.org/presentationml/2006/main" xmlns:r="http://schemas.openxmlformats.org/officeDocument/2006/relationships" xmlns:p14="http://schemas.microsoft.com/office/powerpoint/2010/main" xmlns:p15="http://schemas.microsoft.com/office/powerpoint/2012/main" xmlns:mc="http://schemas.openxmlformats.org/markup-compatibility/2006" type="objAndTwoObj" preserve="1">
+<p:sldLayout xmlns:a="http://schemas.openxmlformats.org/drawingml/2006/main" xmlns:r="http://schemas.openxmlformats.org/officeDocument/2006/relationships" xmlns:p="http://schemas.openxmlformats.org/presentationml/2006/main" type="objAndTwoObj" preserve="1">
   <p:cSld name="Title Content and 2 Content">
     <p:spTree>
       <p:nvGrpSpPr>
@@ -1413,16 +1574,17 @@
           </a:prstGeom>
         </p:spPr>
         <p:txBody>
-          <a:bodyPr lIns="0" rIns="0" tIns="0" bIns="0" anchor="ctr"/>
+          <a:bodyPr lIns="0" tIns="0" rIns="0" bIns="0" anchor="ctr"/>
+          <a:lstStyle/>
           <a:p>
             <a:pPr algn="ctr"/>
-            <a:endParaRPr b="0" lang="en-US" sz="4400" spc="-1" strike="noStrike">
-              <a:solidFill>
-                <a:srgbClr val="000000"/>
-              </a:solidFill>
-              <a:uFill>
-                <a:solidFill>
-                  <a:srgbClr val="ffffff"/>
+            <a:endParaRPr lang="en-US" sz="4400" b="0" strike="noStrike" spc="-1">
+              <a:solidFill>
+                <a:srgbClr val="000000"/>
+              </a:solidFill>
+              <a:uFill>
+                <a:solidFill>
+                  <a:srgbClr val="FFFFFF"/>
                 </a:solidFill>
               </a:uFill>
               <a:latin typeface="Arial"/>
@@ -1450,15 +1612,16 @@
           </a:prstGeom>
         </p:spPr>
         <p:txBody>
-          <a:bodyPr lIns="0" rIns="0" tIns="0" bIns="0"/>
-          <a:p>
-            <a:endParaRPr b="0" lang="en-US" sz="3200" spc="-1" strike="noStrike">
-              <a:solidFill>
-                <a:srgbClr val="000000"/>
-              </a:solidFill>
-              <a:uFill>
-                <a:solidFill>
-                  <a:srgbClr val="ffffff"/>
+          <a:bodyPr lIns="0" tIns="0" rIns="0" bIns="0"/>
+          <a:lstStyle/>
+          <a:p>
+            <a:endParaRPr lang="en-US" sz="3200" b="0" strike="noStrike" spc="-1">
+              <a:solidFill>
+                <a:srgbClr val="000000"/>
+              </a:solidFill>
+              <a:uFill>
+                <a:solidFill>
+                  <a:srgbClr val="FFFFFF"/>
                 </a:solidFill>
               </a:uFill>
               <a:latin typeface="Arial"/>
@@ -1486,15 +1649,16 @@
           </a:prstGeom>
         </p:spPr>
         <p:txBody>
-          <a:bodyPr lIns="0" rIns="0" tIns="0" bIns="0"/>
-          <a:p>
-            <a:endParaRPr b="0" lang="en-US" sz="3200" spc="-1" strike="noStrike">
-              <a:solidFill>
-                <a:srgbClr val="000000"/>
-              </a:solidFill>
-              <a:uFill>
-                <a:solidFill>
-                  <a:srgbClr val="ffffff"/>
+          <a:bodyPr lIns="0" tIns="0" rIns="0" bIns="0"/>
+          <a:lstStyle/>
+          <a:p>
+            <a:endParaRPr lang="en-US" sz="3200" b="0" strike="noStrike" spc="-1">
+              <a:solidFill>
+                <a:srgbClr val="000000"/>
+              </a:solidFill>
+              <a:uFill>
+                <a:solidFill>
+                  <a:srgbClr val="FFFFFF"/>
                 </a:solidFill>
               </a:uFill>
               <a:latin typeface="Arial"/>
@@ -1522,15 +1686,16 @@
           </a:prstGeom>
         </p:spPr>
         <p:txBody>
-          <a:bodyPr lIns="0" rIns="0" tIns="0" bIns="0"/>
-          <a:p>
-            <a:endParaRPr b="0" lang="en-US" sz="3200" spc="-1" strike="noStrike">
-              <a:solidFill>
-                <a:srgbClr val="000000"/>
-              </a:solidFill>
-              <a:uFill>
-                <a:solidFill>
-                  <a:srgbClr val="ffffff"/>
+          <a:bodyPr lIns="0" tIns="0" rIns="0" bIns="0"/>
+          <a:lstStyle/>
+          <a:p>
+            <a:endParaRPr lang="en-US" sz="3200" b="0" strike="noStrike" spc="-1">
+              <a:solidFill>
+                <a:srgbClr val="000000"/>
+              </a:solidFill>
+              <a:uFill>
+                <a:solidFill>
+                  <a:srgbClr val="FFFFFF"/>
                 </a:solidFill>
               </a:uFill>
               <a:latin typeface="Arial"/>
@@ -1540,11 +1705,14 @@
       </p:sp>
     </p:spTree>
   </p:cSld>
+  <p:clrMapOvr>
+    <a:masterClrMapping/>
+  </p:clrMapOvr>
 </p:sldLayout>
 </file>
 
 <file path=ppt/slideLayouts/slideLayout21.xml><?xml version="1.0" encoding="utf-8"?>
-<p:sldLayout xmlns:a="http://schemas.openxmlformats.org/drawingml/2006/main" xmlns:p="http://schemas.openxmlformats.org/presentationml/2006/main" xmlns:r="http://schemas.openxmlformats.org/officeDocument/2006/relationships" xmlns:p14="http://schemas.microsoft.com/office/powerpoint/2010/main" xmlns:p15="http://schemas.microsoft.com/office/powerpoint/2012/main" xmlns:mc="http://schemas.openxmlformats.org/markup-compatibility/2006" type="twoObjOverTx" preserve="1">
+<p:sldLayout xmlns:a="http://schemas.openxmlformats.org/drawingml/2006/main" xmlns:r="http://schemas.openxmlformats.org/officeDocument/2006/relationships" xmlns:p="http://schemas.openxmlformats.org/presentationml/2006/main" type="twoObjOverTx" preserve="1">
   <p:cSld name="Title, 2 Content over Content">
     <p:spTree>
       <p:nvGrpSpPr>
@@ -1580,16 +1748,17 @@
           </a:prstGeom>
         </p:spPr>
         <p:txBody>
-          <a:bodyPr lIns="0" rIns="0" tIns="0" bIns="0" anchor="ctr"/>
+          <a:bodyPr lIns="0" tIns="0" rIns="0" bIns="0" anchor="ctr"/>
+          <a:lstStyle/>
           <a:p>
             <a:pPr algn="ctr"/>
-            <a:endParaRPr b="0" lang="en-US" sz="4400" spc="-1" strike="noStrike">
-              <a:solidFill>
-                <a:srgbClr val="000000"/>
-              </a:solidFill>
-              <a:uFill>
-                <a:solidFill>
-                  <a:srgbClr val="ffffff"/>
+            <a:endParaRPr lang="en-US" sz="4400" b="0" strike="noStrike" spc="-1">
+              <a:solidFill>
+                <a:srgbClr val="000000"/>
+              </a:solidFill>
+              <a:uFill>
+                <a:solidFill>
+                  <a:srgbClr val="FFFFFF"/>
                 </a:solidFill>
               </a:uFill>
               <a:latin typeface="Arial"/>
@@ -1617,15 +1786,16 @@
           </a:prstGeom>
         </p:spPr>
         <p:txBody>
-          <a:bodyPr lIns="0" rIns="0" tIns="0" bIns="0"/>
-          <a:p>
-            <a:endParaRPr b="0" lang="en-US" sz="3200" spc="-1" strike="noStrike">
-              <a:solidFill>
-                <a:srgbClr val="000000"/>
-              </a:solidFill>
-              <a:uFill>
-                <a:solidFill>
-                  <a:srgbClr val="ffffff"/>
+          <a:bodyPr lIns="0" tIns="0" rIns="0" bIns="0"/>
+          <a:lstStyle/>
+          <a:p>
+            <a:endParaRPr lang="en-US" sz="3200" b="0" strike="noStrike" spc="-1">
+              <a:solidFill>
+                <a:srgbClr val="000000"/>
+              </a:solidFill>
+              <a:uFill>
+                <a:solidFill>
+                  <a:srgbClr val="FFFFFF"/>
                 </a:solidFill>
               </a:uFill>
               <a:latin typeface="Arial"/>
@@ -1653,15 +1823,16 @@
           </a:prstGeom>
         </p:spPr>
         <p:txBody>
-          <a:bodyPr lIns="0" rIns="0" tIns="0" bIns="0"/>
-          <a:p>
-            <a:endParaRPr b="0" lang="en-US" sz="3200" spc="-1" strike="noStrike">
-              <a:solidFill>
-                <a:srgbClr val="000000"/>
-              </a:solidFill>
-              <a:uFill>
-                <a:solidFill>
-                  <a:srgbClr val="ffffff"/>
+          <a:bodyPr lIns="0" tIns="0" rIns="0" bIns="0"/>
+          <a:lstStyle/>
+          <a:p>
+            <a:endParaRPr lang="en-US" sz="3200" b="0" strike="noStrike" spc="-1">
+              <a:solidFill>
+                <a:srgbClr val="000000"/>
+              </a:solidFill>
+              <a:uFill>
+                <a:solidFill>
+                  <a:srgbClr val="FFFFFF"/>
                 </a:solidFill>
               </a:uFill>
               <a:latin typeface="Arial"/>
@@ -1689,15 +1860,16 @@
           </a:prstGeom>
         </p:spPr>
         <p:txBody>
-          <a:bodyPr lIns="0" rIns="0" tIns="0" bIns="0"/>
-          <a:p>
-            <a:endParaRPr b="0" lang="en-US" sz="3200" spc="-1" strike="noStrike">
-              <a:solidFill>
-                <a:srgbClr val="000000"/>
-              </a:solidFill>
-              <a:uFill>
-                <a:solidFill>
-                  <a:srgbClr val="ffffff"/>
+          <a:bodyPr lIns="0" tIns="0" rIns="0" bIns="0"/>
+          <a:lstStyle/>
+          <a:p>
+            <a:endParaRPr lang="en-US" sz="3200" b="0" strike="noStrike" spc="-1">
+              <a:solidFill>
+                <a:srgbClr val="000000"/>
+              </a:solidFill>
+              <a:uFill>
+                <a:solidFill>
+                  <a:srgbClr val="FFFFFF"/>
                 </a:solidFill>
               </a:uFill>
               <a:latin typeface="Arial"/>
@@ -1707,11 +1879,14 @@
       </p:sp>
     </p:spTree>
   </p:cSld>
+  <p:clrMapOvr>
+    <a:masterClrMapping/>
+  </p:clrMapOvr>
 </p:sldLayout>
 </file>
 
 <file path=ppt/slideLayouts/slideLayout22.xml><?xml version="1.0" encoding="utf-8"?>
-<p:sldLayout xmlns:a="http://schemas.openxmlformats.org/drawingml/2006/main" xmlns:p="http://schemas.openxmlformats.org/presentationml/2006/main" xmlns:r="http://schemas.openxmlformats.org/officeDocument/2006/relationships" xmlns:p14="http://schemas.microsoft.com/office/powerpoint/2010/main" xmlns:p15="http://schemas.microsoft.com/office/powerpoint/2012/main" xmlns:mc="http://schemas.openxmlformats.org/markup-compatibility/2006" type="objOverTx" preserve="1">
+<p:sldLayout xmlns:a="http://schemas.openxmlformats.org/drawingml/2006/main" xmlns:r="http://schemas.openxmlformats.org/officeDocument/2006/relationships" xmlns:p="http://schemas.openxmlformats.org/presentationml/2006/main" type="objOverTx" preserve="1">
   <p:cSld name="Title, Content over Content">
     <p:spTree>
       <p:nvGrpSpPr>
@@ -1747,16 +1922,17 @@
           </a:prstGeom>
         </p:spPr>
         <p:txBody>
-          <a:bodyPr lIns="0" rIns="0" tIns="0" bIns="0" anchor="ctr"/>
+          <a:bodyPr lIns="0" tIns="0" rIns="0" bIns="0" anchor="ctr"/>
+          <a:lstStyle/>
           <a:p>
             <a:pPr algn="ctr"/>
-            <a:endParaRPr b="0" lang="en-US" sz="4400" spc="-1" strike="noStrike">
-              <a:solidFill>
-                <a:srgbClr val="000000"/>
-              </a:solidFill>
-              <a:uFill>
-                <a:solidFill>
-                  <a:srgbClr val="ffffff"/>
+            <a:endParaRPr lang="en-US" sz="4400" b="0" strike="noStrike" spc="-1">
+              <a:solidFill>
+                <a:srgbClr val="000000"/>
+              </a:solidFill>
+              <a:uFill>
+                <a:solidFill>
+                  <a:srgbClr val="FFFFFF"/>
                 </a:solidFill>
               </a:uFill>
               <a:latin typeface="Arial"/>
@@ -1784,15 +1960,16 @@
           </a:prstGeom>
         </p:spPr>
         <p:txBody>
-          <a:bodyPr lIns="0" rIns="0" tIns="0" bIns="0"/>
-          <a:p>
-            <a:endParaRPr b="0" lang="en-US" sz="3200" spc="-1" strike="noStrike">
-              <a:solidFill>
-                <a:srgbClr val="000000"/>
-              </a:solidFill>
-              <a:uFill>
-                <a:solidFill>
-                  <a:srgbClr val="ffffff"/>
+          <a:bodyPr lIns="0" tIns="0" rIns="0" bIns="0"/>
+          <a:lstStyle/>
+          <a:p>
+            <a:endParaRPr lang="en-US" sz="3200" b="0" strike="noStrike" spc="-1">
+              <a:solidFill>
+                <a:srgbClr val="000000"/>
+              </a:solidFill>
+              <a:uFill>
+                <a:solidFill>
+                  <a:srgbClr val="FFFFFF"/>
                 </a:solidFill>
               </a:uFill>
               <a:latin typeface="Arial"/>
@@ -1820,15 +1997,16 @@
           </a:prstGeom>
         </p:spPr>
         <p:txBody>
-          <a:bodyPr lIns="0" rIns="0" tIns="0" bIns="0"/>
-          <a:p>
-            <a:endParaRPr b="0" lang="en-US" sz="3200" spc="-1" strike="noStrike">
-              <a:solidFill>
-                <a:srgbClr val="000000"/>
-              </a:solidFill>
-              <a:uFill>
-                <a:solidFill>
-                  <a:srgbClr val="ffffff"/>
+          <a:bodyPr lIns="0" tIns="0" rIns="0" bIns="0"/>
+          <a:lstStyle/>
+          <a:p>
+            <a:endParaRPr lang="en-US" sz="3200" b="0" strike="noStrike" spc="-1">
+              <a:solidFill>
+                <a:srgbClr val="000000"/>
+              </a:solidFill>
+              <a:uFill>
+                <a:solidFill>
+                  <a:srgbClr val="FFFFFF"/>
                 </a:solidFill>
               </a:uFill>
               <a:latin typeface="Arial"/>
@@ -1838,11 +2016,14 @@
       </p:sp>
     </p:spTree>
   </p:cSld>
+  <p:clrMapOvr>
+    <a:masterClrMapping/>
+  </p:clrMapOvr>
 </p:sldLayout>
 </file>
 
 <file path=ppt/slideLayouts/slideLayout23.xml><?xml version="1.0" encoding="utf-8"?>
-<p:sldLayout xmlns:a="http://schemas.openxmlformats.org/drawingml/2006/main" xmlns:p="http://schemas.openxmlformats.org/presentationml/2006/main" xmlns:r="http://schemas.openxmlformats.org/officeDocument/2006/relationships" xmlns:p14="http://schemas.microsoft.com/office/powerpoint/2010/main" xmlns:p15="http://schemas.microsoft.com/office/powerpoint/2012/main" xmlns:mc="http://schemas.openxmlformats.org/markup-compatibility/2006" type="fourObj" preserve="1">
+<p:sldLayout xmlns:a="http://schemas.openxmlformats.org/drawingml/2006/main" xmlns:r="http://schemas.openxmlformats.org/officeDocument/2006/relationships" xmlns:p="http://schemas.openxmlformats.org/presentationml/2006/main" type="fourObj" preserve="1">
   <p:cSld name="Title, 4 Content">
     <p:spTree>
       <p:nvGrpSpPr>
@@ -1878,16 +2059,17 @@
           </a:prstGeom>
         </p:spPr>
         <p:txBody>
-          <a:bodyPr lIns="0" rIns="0" tIns="0" bIns="0" anchor="ctr"/>
+          <a:bodyPr lIns="0" tIns="0" rIns="0" bIns="0" anchor="ctr"/>
+          <a:lstStyle/>
           <a:p>
             <a:pPr algn="ctr"/>
-            <a:endParaRPr b="0" lang="en-US" sz="4400" spc="-1" strike="noStrike">
-              <a:solidFill>
-                <a:srgbClr val="000000"/>
-              </a:solidFill>
-              <a:uFill>
-                <a:solidFill>
-                  <a:srgbClr val="ffffff"/>
+            <a:endParaRPr lang="en-US" sz="4400" b="0" strike="noStrike" spc="-1">
+              <a:solidFill>
+                <a:srgbClr val="000000"/>
+              </a:solidFill>
+              <a:uFill>
+                <a:solidFill>
+                  <a:srgbClr val="FFFFFF"/>
                 </a:solidFill>
               </a:uFill>
               <a:latin typeface="Arial"/>
@@ -1915,15 +2097,16 @@
           </a:prstGeom>
         </p:spPr>
         <p:txBody>
-          <a:bodyPr lIns="0" rIns="0" tIns="0" bIns="0"/>
-          <a:p>
-            <a:endParaRPr b="0" lang="en-US" sz="3200" spc="-1" strike="noStrike">
-              <a:solidFill>
-                <a:srgbClr val="000000"/>
-              </a:solidFill>
-              <a:uFill>
-                <a:solidFill>
-                  <a:srgbClr val="ffffff"/>
+          <a:bodyPr lIns="0" tIns="0" rIns="0" bIns="0"/>
+          <a:lstStyle/>
+          <a:p>
+            <a:endParaRPr lang="en-US" sz="3200" b="0" strike="noStrike" spc="-1">
+              <a:solidFill>
+                <a:srgbClr val="000000"/>
+              </a:solidFill>
+              <a:uFill>
+                <a:solidFill>
+                  <a:srgbClr val="FFFFFF"/>
                 </a:solidFill>
               </a:uFill>
               <a:latin typeface="Arial"/>
@@ -1951,15 +2134,16 @@
           </a:prstGeom>
         </p:spPr>
         <p:txBody>
-          <a:bodyPr lIns="0" rIns="0" tIns="0" bIns="0"/>
-          <a:p>
-            <a:endParaRPr b="0" lang="en-US" sz="3200" spc="-1" strike="noStrike">
-              <a:solidFill>
-                <a:srgbClr val="000000"/>
-              </a:solidFill>
-              <a:uFill>
-                <a:solidFill>
-                  <a:srgbClr val="ffffff"/>
+          <a:bodyPr lIns="0" tIns="0" rIns="0" bIns="0"/>
+          <a:lstStyle/>
+          <a:p>
+            <a:endParaRPr lang="en-US" sz="3200" b="0" strike="noStrike" spc="-1">
+              <a:solidFill>
+                <a:srgbClr val="000000"/>
+              </a:solidFill>
+              <a:uFill>
+                <a:solidFill>
+                  <a:srgbClr val="FFFFFF"/>
                 </a:solidFill>
               </a:uFill>
               <a:latin typeface="Arial"/>
@@ -1987,15 +2171,16 @@
           </a:prstGeom>
         </p:spPr>
         <p:txBody>
-          <a:bodyPr lIns="0" rIns="0" tIns="0" bIns="0"/>
-          <a:p>
-            <a:endParaRPr b="0" lang="en-US" sz="3200" spc="-1" strike="noStrike">
-              <a:solidFill>
-                <a:srgbClr val="000000"/>
-              </a:solidFill>
-              <a:uFill>
-                <a:solidFill>
-                  <a:srgbClr val="ffffff"/>
+          <a:bodyPr lIns="0" tIns="0" rIns="0" bIns="0"/>
+          <a:lstStyle/>
+          <a:p>
+            <a:endParaRPr lang="en-US" sz="3200" b="0" strike="noStrike" spc="-1">
+              <a:solidFill>
+                <a:srgbClr val="000000"/>
+              </a:solidFill>
+              <a:uFill>
+                <a:solidFill>
+                  <a:srgbClr val="FFFFFF"/>
                 </a:solidFill>
               </a:uFill>
               <a:latin typeface="Arial"/>
@@ -2023,15 +2208,16 @@
           </a:prstGeom>
         </p:spPr>
         <p:txBody>
-          <a:bodyPr lIns="0" rIns="0" tIns="0" bIns="0"/>
-          <a:p>
-            <a:endParaRPr b="0" lang="en-US" sz="3200" spc="-1" strike="noStrike">
-              <a:solidFill>
-                <a:srgbClr val="000000"/>
-              </a:solidFill>
-              <a:uFill>
-                <a:solidFill>
-                  <a:srgbClr val="ffffff"/>
+          <a:bodyPr lIns="0" tIns="0" rIns="0" bIns="0"/>
+          <a:lstStyle/>
+          <a:p>
+            <a:endParaRPr lang="en-US" sz="3200" b="0" strike="noStrike" spc="-1">
+              <a:solidFill>
+                <a:srgbClr val="000000"/>
+              </a:solidFill>
+              <a:uFill>
+                <a:solidFill>
+                  <a:srgbClr val="FFFFFF"/>
                 </a:solidFill>
               </a:uFill>
               <a:latin typeface="Arial"/>
@@ -2041,11 +2227,14 @@
       </p:sp>
     </p:spTree>
   </p:cSld>
+  <p:clrMapOvr>
+    <a:masterClrMapping/>
+  </p:clrMapOvr>
 </p:sldLayout>
 </file>
 
 <file path=ppt/slideLayouts/slideLayout24.xml><?xml version="1.0" encoding="utf-8"?>
-<p:sldLayout xmlns:a="http://schemas.openxmlformats.org/drawingml/2006/main" xmlns:p="http://schemas.openxmlformats.org/presentationml/2006/main" xmlns:r="http://schemas.openxmlformats.org/officeDocument/2006/relationships" xmlns:p14="http://schemas.microsoft.com/office/powerpoint/2010/main" xmlns:p15="http://schemas.microsoft.com/office/powerpoint/2012/main" xmlns:mc="http://schemas.openxmlformats.org/markup-compatibility/2006" type="blank" preserve="1">
+<p:sldLayout xmlns:a="http://schemas.openxmlformats.org/drawingml/2006/main" xmlns:r="http://schemas.openxmlformats.org/officeDocument/2006/relationships" xmlns:p="http://schemas.openxmlformats.org/presentationml/2006/main" type="blank" preserve="1">
   <p:cSld name="Title, 6 Content">
     <p:spTree>
       <p:nvGrpSpPr>
@@ -2081,16 +2270,17 @@
           </a:prstGeom>
         </p:spPr>
         <p:txBody>
-          <a:bodyPr lIns="0" rIns="0" tIns="0" bIns="0" anchor="ctr"/>
+          <a:bodyPr lIns="0" tIns="0" rIns="0" bIns="0" anchor="ctr"/>
+          <a:lstStyle/>
           <a:p>
             <a:pPr algn="ctr"/>
-            <a:endParaRPr b="0" lang="en-US" sz="4400" spc="-1" strike="noStrike">
-              <a:solidFill>
-                <a:srgbClr val="000000"/>
-              </a:solidFill>
-              <a:uFill>
-                <a:solidFill>
-                  <a:srgbClr val="ffffff"/>
+            <a:endParaRPr lang="en-US" sz="4400" b="0" strike="noStrike" spc="-1">
+              <a:solidFill>
+                <a:srgbClr val="000000"/>
+              </a:solidFill>
+              <a:uFill>
+                <a:solidFill>
+                  <a:srgbClr val="FFFFFF"/>
                 </a:solidFill>
               </a:uFill>
               <a:latin typeface="Arial"/>
@@ -2118,15 +2308,16 @@
           </a:prstGeom>
         </p:spPr>
         <p:txBody>
-          <a:bodyPr lIns="0" rIns="0" tIns="0" bIns="0"/>
-          <a:p>
-            <a:endParaRPr b="0" lang="en-US" sz="3200" spc="-1" strike="noStrike">
-              <a:solidFill>
-                <a:srgbClr val="000000"/>
-              </a:solidFill>
-              <a:uFill>
-                <a:solidFill>
-                  <a:srgbClr val="ffffff"/>
+          <a:bodyPr lIns="0" tIns="0" rIns="0" bIns="0"/>
+          <a:lstStyle/>
+          <a:p>
+            <a:endParaRPr lang="en-US" sz="3200" b="0" strike="noStrike" spc="-1">
+              <a:solidFill>
+                <a:srgbClr val="000000"/>
+              </a:solidFill>
+              <a:uFill>
+                <a:solidFill>
+                  <a:srgbClr val="FFFFFF"/>
                 </a:solidFill>
               </a:uFill>
               <a:latin typeface="Arial"/>
@@ -2154,15 +2345,16 @@
           </a:prstGeom>
         </p:spPr>
         <p:txBody>
-          <a:bodyPr lIns="0" rIns="0" tIns="0" bIns="0"/>
-          <a:p>
-            <a:endParaRPr b="0" lang="en-US" sz="3200" spc="-1" strike="noStrike">
-              <a:solidFill>
-                <a:srgbClr val="000000"/>
-              </a:solidFill>
-              <a:uFill>
-                <a:solidFill>
-                  <a:srgbClr val="ffffff"/>
+          <a:bodyPr lIns="0" tIns="0" rIns="0" bIns="0"/>
+          <a:lstStyle/>
+          <a:p>
+            <a:endParaRPr lang="en-US" sz="3200" b="0" strike="noStrike" spc="-1">
+              <a:solidFill>
+                <a:srgbClr val="000000"/>
+              </a:solidFill>
+              <a:uFill>
+                <a:solidFill>
+                  <a:srgbClr val="FFFFFF"/>
                 </a:solidFill>
               </a:uFill>
               <a:latin typeface="Arial"/>
@@ -2190,15 +2382,16 @@
           </a:prstGeom>
         </p:spPr>
         <p:txBody>
-          <a:bodyPr lIns="0" rIns="0" tIns="0" bIns="0"/>
-          <a:p>
-            <a:endParaRPr b="0" lang="en-US" sz="3200" spc="-1" strike="noStrike">
-              <a:solidFill>
-                <a:srgbClr val="000000"/>
-              </a:solidFill>
-              <a:uFill>
-                <a:solidFill>
-                  <a:srgbClr val="ffffff"/>
+          <a:bodyPr lIns="0" tIns="0" rIns="0" bIns="0"/>
+          <a:lstStyle/>
+          <a:p>
+            <a:endParaRPr lang="en-US" sz="3200" b="0" strike="noStrike" spc="-1">
+              <a:solidFill>
+                <a:srgbClr val="000000"/>
+              </a:solidFill>
+              <a:uFill>
+                <a:solidFill>
+                  <a:srgbClr val="FFFFFF"/>
                 </a:solidFill>
               </a:uFill>
               <a:latin typeface="Arial"/>
@@ -2226,15 +2419,16 @@
           </a:prstGeom>
         </p:spPr>
         <p:txBody>
-          <a:bodyPr lIns="0" rIns="0" tIns="0" bIns="0"/>
-          <a:p>
-            <a:endParaRPr b="0" lang="en-US" sz="3200" spc="-1" strike="noStrike">
-              <a:solidFill>
-                <a:srgbClr val="000000"/>
-              </a:solidFill>
-              <a:uFill>
-                <a:solidFill>
-                  <a:srgbClr val="ffffff"/>
+          <a:bodyPr lIns="0" tIns="0" rIns="0" bIns="0"/>
+          <a:lstStyle/>
+          <a:p>
+            <a:endParaRPr lang="en-US" sz="3200" b="0" strike="noStrike" spc="-1">
+              <a:solidFill>
+                <a:srgbClr val="000000"/>
+              </a:solidFill>
+              <a:uFill>
+                <a:solidFill>
+                  <a:srgbClr val="FFFFFF"/>
                 </a:solidFill>
               </a:uFill>
               <a:latin typeface="Arial"/>
@@ -2262,15 +2456,16 @@
           </a:prstGeom>
         </p:spPr>
         <p:txBody>
-          <a:bodyPr lIns="0" rIns="0" tIns="0" bIns="0"/>
-          <a:p>
-            <a:endParaRPr b="0" lang="en-US" sz="3200" spc="-1" strike="noStrike">
-              <a:solidFill>
-                <a:srgbClr val="000000"/>
-              </a:solidFill>
-              <a:uFill>
-                <a:solidFill>
-                  <a:srgbClr val="ffffff"/>
+          <a:bodyPr lIns="0" tIns="0" rIns="0" bIns="0"/>
+          <a:lstStyle/>
+          <a:p>
+            <a:endParaRPr lang="en-US" sz="3200" b="0" strike="noStrike" spc="-1">
+              <a:solidFill>
+                <a:srgbClr val="000000"/>
+              </a:solidFill>
+              <a:uFill>
+                <a:solidFill>
+                  <a:srgbClr val="FFFFFF"/>
                 </a:solidFill>
               </a:uFill>
               <a:latin typeface="Arial"/>
@@ -2298,15 +2493,16 @@
           </a:prstGeom>
         </p:spPr>
         <p:txBody>
-          <a:bodyPr lIns="0" rIns="0" tIns="0" bIns="0"/>
-          <a:p>
-            <a:endParaRPr b="0" lang="en-US" sz="3200" spc="-1" strike="noStrike">
-              <a:solidFill>
-                <a:srgbClr val="000000"/>
-              </a:solidFill>
-              <a:uFill>
-                <a:solidFill>
-                  <a:srgbClr val="ffffff"/>
+          <a:bodyPr lIns="0" tIns="0" rIns="0" bIns="0"/>
+          <a:lstStyle/>
+          <a:p>
+            <a:endParaRPr lang="en-US" sz="3200" b="0" strike="noStrike" spc="-1">
+              <a:solidFill>
+                <a:srgbClr val="000000"/>
+              </a:solidFill>
+              <a:uFill>
+                <a:solidFill>
+                  <a:srgbClr val="FFFFFF"/>
                 </a:solidFill>
               </a:uFill>
               <a:latin typeface="Arial"/>
@@ -2316,11 +2512,14 @@
       </p:sp>
     </p:spTree>
   </p:cSld>
+  <p:clrMapOvr>
+    <a:masterClrMapping/>
+  </p:clrMapOvr>
 </p:sldLayout>
 </file>
 
 <file path=ppt/slideLayouts/slideLayout3.xml><?xml version="1.0" encoding="utf-8"?>
-<p:sldLayout xmlns:a="http://schemas.openxmlformats.org/drawingml/2006/main" xmlns:p="http://schemas.openxmlformats.org/presentationml/2006/main" xmlns:r="http://schemas.openxmlformats.org/officeDocument/2006/relationships" xmlns:p14="http://schemas.microsoft.com/office/powerpoint/2010/main" xmlns:p15="http://schemas.microsoft.com/office/powerpoint/2012/main" xmlns:mc="http://schemas.openxmlformats.org/markup-compatibility/2006" type="obj" preserve="1">
+<p:sldLayout xmlns:a="http://schemas.openxmlformats.org/drawingml/2006/main" xmlns:r="http://schemas.openxmlformats.org/officeDocument/2006/relationships" xmlns:p="http://schemas.openxmlformats.org/presentationml/2006/main" type="obj" preserve="1">
   <p:cSld name="Title, Content">
     <p:spTree>
       <p:nvGrpSpPr>
@@ -2356,16 +2555,17 @@
           </a:prstGeom>
         </p:spPr>
         <p:txBody>
-          <a:bodyPr lIns="0" rIns="0" tIns="0" bIns="0" anchor="ctr"/>
+          <a:bodyPr lIns="0" tIns="0" rIns="0" bIns="0" anchor="ctr"/>
+          <a:lstStyle/>
           <a:p>
             <a:pPr algn="ctr"/>
-            <a:endParaRPr b="0" lang="en-US" sz="4400" spc="-1" strike="noStrike">
-              <a:solidFill>
-                <a:srgbClr val="000000"/>
-              </a:solidFill>
-              <a:uFill>
-                <a:solidFill>
-                  <a:srgbClr val="ffffff"/>
+            <a:endParaRPr lang="en-US" sz="4400" b="0" strike="noStrike" spc="-1">
+              <a:solidFill>
+                <a:srgbClr val="000000"/>
+              </a:solidFill>
+              <a:uFill>
+                <a:solidFill>
+                  <a:srgbClr val="FFFFFF"/>
                 </a:solidFill>
               </a:uFill>
               <a:latin typeface="Arial"/>
@@ -2393,15 +2593,16 @@
           </a:prstGeom>
         </p:spPr>
         <p:txBody>
-          <a:bodyPr lIns="0" rIns="0" tIns="0" bIns="0"/>
-          <a:p>
-            <a:endParaRPr b="0" lang="en-US" sz="3200" spc="-1" strike="noStrike">
-              <a:solidFill>
-                <a:srgbClr val="000000"/>
-              </a:solidFill>
-              <a:uFill>
-                <a:solidFill>
-                  <a:srgbClr val="ffffff"/>
+          <a:bodyPr lIns="0" tIns="0" rIns="0" bIns="0"/>
+          <a:lstStyle/>
+          <a:p>
+            <a:endParaRPr lang="en-US" sz="3200" b="0" strike="noStrike" spc="-1">
+              <a:solidFill>
+                <a:srgbClr val="000000"/>
+              </a:solidFill>
+              <a:uFill>
+                <a:solidFill>
+                  <a:srgbClr val="FFFFFF"/>
                 </a:solidFill>
               </a:uFill>
               <a:latin typeface="Arial"/>
@@ -2411,11 +2612,14 @@
       </p:sp>
     </p:spTree>
   </p:cSld>
+  <p:clrMapOvr>
+    <a:masterClrMapping/>
+  </p:clrMapOvr>
 </p:sldLayout>
 </file>
 
 <file path=ppt/slideLayouts/slideLayout4.xml><?xml version="1.0" encoding="utf-8"?>
-<p:sldLayout xmlns:a="http://schemas.openxmlformats.org/drawingml/2006/main" xmlns:p="http://schemas.openxmlformats.org/presentationml/2006/main" xmlns:r="http://schemas.openxmlformats.org/officeDocument/2006/relationships" xmlns:p14="http://schemas.microsoft.com/office/powerpoint/2010/main" xmlns:p15="http://schemas.microsoft.com/office/powerpoint/2012/main" xmlns:mc="http://schemas.openxmlformats.org/markup-compatibility/2006" type="twoObj" preserve="1">
+<p:sldLayout xmlns:a="http://schemas.openxmlformats.org/drawingml/2006/main" xmlns:r="http://schemas.openxmlformats.org/officeDocument/2006/relationships" xmlns:p="http://schemas.openxmlformats.org/presentationml/2006/main" type="twoObj" preserve="1">
   <p:cSld name="Title, 2 Content">
     <p:spTree>
       <p:nvGrpSpPr>
@@ -2451,16 +2655,17 @@
           </a:prstGeom>
         </p:spPr>
         <p:txBody>
-          <a:bodyPr lIns="0" rIns="0" tIns="0" bIns="0" anchor="ctr"/>
+          <a:bodyPr lIns="0" tIns="0" rIns="0" bIns="0" anchor="ctr"/>
+          <a:lstStyle/>
           <a:p>
             <a:pPr algn="ctr"/>
-            <a:endParaRPr b="0" lang="en-US" sz="4400" spc="-1" strike="noStrike">
-              <a:solidFill>
-                <a:srgbClr val="000000"/>
-              </a:solidFill>
-              <a:uFill>
-                <a:solidFill>
-                  <a:srgbClr val="ffffff"/>
+            <a:endParaRPr lang="en-US" sz="4400" b="0" strike="noStrike" spc="-1">
+              <a:solidFill>
+                <a:srgbClr val="000000"/>
+              </a:solidFill>
+              <a:uFill>
+                <a:solidFill>
+                  <a:srgbClr val="FFFFFF"/>
                 </a:solidFill>
               </a:uFill>
               <a:latin typeface="Arial"/>
@@ -2488,15 +2693,16 @@
           </a:prstGeom>
         </p:spPr>
         <p:txBody>
-          <a:bodyPr lIns="0" rIns="0" tIns="0" bIns="0"/>
-          <a:p>
-            <a:endParaRPr b="0" lang="en-US" sz="3200" spc="-1" strike="noStrike">
-              <a:solidFill>
-                <a:srgbClr val="000000"/>
-              </a:solidFill>
-              <a:uFill>
-                <a:solidFill>
-                  <a:srgbClr val="ffffff"/>
+          <a:bodyPr lIns="0" tIns="0" rIns="0" bIns="0"/>
+          <a:lstStyle/>
+          <a:p>
+            <a:endParaRPr lang="en-US" sz="3200" b="0" strike="noStrike" spc="-1">
+              <a:solidFill>
+                <a:srgbClr val="000000"/>
+              </a:solidFill>
+              <a:uFill>
+                <a:solidFill>
+                  <a:srgbClr val="FFFFFF"/>
                 </a:solidFill>
               </a:uFill>
               <a:latin typeface="Arial"/>
@@ -2524,15 +2730,16 @@
           </a:prstGeom>
         </p:spPr>
         <p:txBody>
-          <a:bodyPr lIns="0" rIns="0" tIns="0" bIns="0"/>
-          <a:p>
-            <a:endParaRPr b="0" lang="en-US" sz="3200" spc="-1" strike="noStrike">
-              <a:solidFill>
-                <a:srgbClr val="000000"/>
-              </a:solidFill>
-              <a:uFill>
-                <a:solidFill>
-                  <a:srgbClr val="ffffff"/>
+          <a:bodyPr lIns="0" tIns="0" rIns="0" bIns="0"/>
+          <a:lstStyle/>
+          <a:p>
+            <a:endParaRPr lang="en-US" sz="3200" b="0" strike="noStrike" spc="-1">
+              <a:solidFill>
+                <a:srgbClr val="000000"/>
+              </a:solidFill>
+              <a:uFill>
+                <a:solidFill>
+                  <a:srgbClr val="FFFFFF"/>
                 </a:solidFill>
               </a:uFill>
               <a:latin typeface="Arial"/>
@@ -2542,11 +2749,14 @@
       </p:sp>
     </p:spTree>
   </p:cSld>
+  <p:clrMapOvr>
+    <a:masterClrMapping/>
+  </p:clrMapOvr>
 </p:sldLayout>
 </file>
 
 <file path=ppt/slideLayouts/slideLayout5.xml><?xml version="1.0" encoding="utf-8"?>
-<p:sldLayout xmlns:a="http://schemas.openxmlformats.org/drawingml/2006/main" xmlns:p="http://schemas.openxmlformats.org/presentationml/2006/main" xmlns:r="http://schemas.openxmlformats.org/officeDocument/2006/relationships" xmlns:p14="http://schemas.microsoft.com/office/powerpoint/2010/main" xmlns:p15="http://schemas.microsoft.com/office/powerpoint/2012/main" xmlns:mc="http://schemas.openxmlformats.org/markup-compatibility/2006" type="titleOnly" preserve="1">
+<p:sldLayout xmlns:a="http://schemas.openxmlformats.org/drawingml/2006/main" xmlns:r="http://schemas.openxmlformats.org/officeDocument/2006/relationships" xmlns:p="http://schemas.openxmlformats.org/presentationml/2006/main" type="titleOnly" preserve="1">
   <p:cSld name="Title Only">
     <p:spTree>
       <p:nvGrpSpPr>
@@ -2582,16 +2792,17 @@
           </a:prstGeom>
         </p:spPr>
         <p:txBody>
-          <a:bodyPr lIns="0" rIns="0" tIns="0" bIns="0" anchor="ctr"/>
+          <a:bodyPr lIns="0" tIns="0" rIns="0" bIns="0" anchor="ctr"/>
+          <a:lstStyle/>
           <a:p>
             <a:pPr algn="ctr"/>
-            <a:endParaRPr b="0" lang="en-US" sz="4400" spc="-1" strike="noStrike">
-              <a:solidFill>
-                <a:srgbClr val="000000"/>
-              </a:solidFill>
-              <a:uFill>
-                <a:solidFill>
-                  <a:srgbClr val="ffffff"/>
+            <a:endParaRPr lang="en-US" sz="4400" b="0" strike="noStrike" spc="-1">
+              <a:solidFill>
+                <a:srgbClr val="000000"/>
+              </a:solidFill>
+              <a:uFill>
+                <a:solidFill>
+                  <a:srgbClr val="FFFFFF"/>
                 </a:solidFill>
               </a:uFill>
               <a:latin typeface="Arial"/>
@@ -2601,11 +2812,14 @@
       </p:sp>
     </p:spTree>
   </p:cSld>
+  <p:clrMapOvr>
+    <a:masterClrMapping/>
+  </p:clrMapOvr>
 </p:sldLayout>
 </file>
 
 <file path=ppt/slideLayouts/slideLayout6.xml><?xml version="1.0" encoding="utf-8"?>
-<p:sldLayout xmlns:a="http://schemas.openxmlformats.org/drawingml/2006/main" xmlns:p="http://schemas.openxmlformats.org/presentationml/2006/main" xmlns:r="http://schemas.openxmlformats.org/officeDocument/2006/relationships" xmlns:p14="http://schemas.microsoft.com/office/powerpoint/2010/main" xmlns:p15="http://schemas.microsoft.com/office/powerpoint/2012/main" xmlns:mc="http://schemas.openxmlformats.org/markup-compatibility/2006" type="objOnly" preserve="1">
+<p:sldLayout xmlns:a="http://schemas.openxmlformats.org/drawingml/2006/main" xmlns:r="http://schemas.openxmlformats.org/officeDocument/2006/relationships" xmlns:p="http://schemas.openxmlformats.org/presentationml/2006/main" type="objOnly" preserve="1">
   <p:cSld name="Centered Text">
     <p:spTree>
       <p:nvGrpSpPr>
@@ -2641,16 +2855,17 @@
           </a:prstGeom>
         </p:spPr>
         <p:txBody>
-          <a:bodyPr lIns="0" rIns="0" tIns="0" bIns="0" anchor="ctr"/>
+          <a:bodyPr lIns="0" tIns="0" rIns="0" bIns="0" anchor="ctr"/>
+          <a:lstStyle/>
           <a:p>
             <a:pPr algn="ctr"/>
-            <a:endParaRPr b="0" lang="en-US" sz="3200" spc="-1" strike="noStrike">
-              <a:solidFill>
-                <a:srgbClr val="000000"/>
-              </a:solidFill>
-              <a:uFill>
-                <a:solidFill>
-                  <a:srgbClr val="ffffff"/>
+            <a:endParaRPr lang="en-US" sz="3200" b="0" strike="noStrike" spc="-1">
+              <a:solidFill>
+                <a:srgbClr val="000000"/>
+              </a:solidFill>
+              <a:uFill>
+                <a:solidFill>
+                  <a:srgbClr val="FFFFFF"/>
                 </a:solidFill>
               </a:uFill>
               <a:latin typeface="Arial"/>
@@ -2660,11 +2875,14 @@
       </p:sp>
     </p:spTree>
   </p:cSld>
+  <p:clrMapOvr>
+    <a:masterClrMapping/>
+  </p:clrMapOvr>
 </p:sldLayout>
 </file>
 
 <file path=ppt/slideLayouts/slideLayout7.xml><?xml version="1.0" encoding="utf-8"?>
-<p:sldLayout xmlns:a="http://schemas.openxmlformats.org/drawingml/2006/main" xmlns:p="http://schemas.openxmlformats.org/presentationml/2006/main" xmlns:r="http://schemas.openxmlformats.org/officeDocument/2006/relationships" xmlns:p14="http://schemas.microsoft.com/office/powerpoint/2010/main" xmlns:p15="http://schemas.microsoft.com/office/powerpoint/2012/main" xmlns:mc="http://schemas.openxmlformats.org/markup-compatibility/2006" type="twoObjAndObj" preserve="1">
+<p:sldLayout xmlns:a="http://schemas.openxmlformats.org/drawingml/2006/main" xmlns:r="http://schemas.openxmlformats.org/officeDocument/2006/relationships" xmlns:p="http://schemas.openxmlformats.org/presentationml/2006/main" type="twoObjAndObj" preserve="1">
   <p:cSld name="Title, 2 Content and Content">
     <p:spTree>
       <p:nvGrpSpPr>
@@ -2700,16 +2918,17 @@
           </a:prstGeom>
         </p:spPr>
         <p:txBody>
-          <a:bodyPr lIns="0" rIns="0" tIns="0" bIns="0" anchor="ctr"/>
+          <a:bodyPr lIns="0" tIns="0" rIns="0" bIns="0" anchor="ctr"/>
+          <a:lstStyle/>
           <a:p>
             <a:pPr algn="ctr"/>
-            <a:endParaRPr b="0" lang="en-US" sz="4400" spc="-1" strike="noStrike">
-              <a:solidFill>
-                <a:srgbClr val="000000"/>
-              </a:solidFill>
-              <a:uFill>
-                <a:solidFill>
-                  <a:srgbClr val="ffffff"/>
+            <a:endParaRPr lang="en-US" sz="4400" b="0" strike="noStrike" spc="-1">
+              <a:solidFill>
+                <a:srgbClr val="000000"/>
+              </a:solidFill>
+              <a:uFill>
+                <a:solidFill>
+                  <a:srgbClr val="FFFFFF"/>
                 </a:solidFill>
               </a:uFill>
               <a:latin typeface="Arial"/>
@@ -2737,15 +2956,16 @@
           </a:prstGeom>
         </p:spPr>
         <p:txBody>
-          <a:bodyPr lIns="0" rIns="0" tIns="0" bIns="0"/>
-          <a:p>
-            <a:endParaRPr b="0" lang="en-US" sz="3200" spc="-1" strike="noStrike">
-              <a:solidFill>
-                <a:srgbClr val="000000"/>
-              </a:solidFill>
-              <a:uFill>
-                <a:solidFill>
-                  <a:srgbClr val="ffffff"/>
+          <a:bodyPr lIns="0" tIns="0" rIns="0" bIns="0"/>
+          <a:lstStyle/>
+          <a:p>
+            <a:endParaRPr lang="en-US" sz="3200" b="0" strike="noStrike" spc="-1">
+              <a:solidFill>
+                <a:srgbClr val="000000"/>
+              </a:solidFill>
+              <a:uFill>
+                <a:solidFill>
+                  <a:srgbClr val="FFFFFF"/>
                 </a:solidFill>
               </a:uFill>
               <a:latin typeface="Arial"/>
@@ -2773,15 +2993,16 @@
           </a:prstGeom>
         </p:spPr>
         <p:txBody>
-          <a:bodyPr lIns="0" rIns="0" tIns="0" bIns="0"/>
-          <a:p>
-            <a:endParaRPr b="0" lang="en-US" sz="3200" spc="-1" strike="noStrike">
-              <a:solidFill>
-                <a:srgbClr val="000000"/>
-              </a:solidFill>
-              <a:uFill>
-                <a:solidFill>
-                  <a:srgbClr val="ffffff"/>
+          <a:bodyPr lIns="0" tIns="0" rIns="0" bIns="0"/>
+          <a:lstStyle/>
+          <a:p>
+            <a:endParaRPr lang="en-US" sz="3200" b="0" strike="noStrike" spc="-1">
+              <a:solidFill>
+                <a:srgbClr val="000000"/>
+              </a:solidFill>
+              <a:uFill>
+                <a:solidFill>
+                  <a:srgbClr val="FFFFFF"/>
                 </a:solidFill>
               </a:uFill>
               <a:latin typeface="Arial"/>
@@ -2809,15 +3030,16 @@
           </a:prstGeom>
         </p:spPr>
         <p:txBody>
-          <a:bodyPr lIns="0" rIns="0" tIns="0" bIns="0"/>
-          <a:p>
-            <a:endParaRPr b="0" lang="en-US" sz="3200" spc="-1" strike="noStrike">
-              <a:solidFill>
-                <a:srgbClr val="000000"/>
-              </a:solidFill>
-              <a:uFill>
-                <a:solidFill>
-                  <a:srgbClr val="ffffff"/>
+          <a:bodyPr lIns="0" tIns="0" rIns="0" bIns="0"/>
+          <a:lstStyle/>
+          <a:p>
+            <a:endParaRPr lang="en-US" sz="3200" b="0" strike="noStrike" spc="-1">
+              <a:solidFill>
+                <a:srgbClr val="000000"/>
+              </a:solidFill>
+              <a:uFill>
+                <a:solidFill>
+                  <a:srgbClr val="FFFFFF"/>
                 </a:solidFill>
               </a:uFill>
               <a:latin typeface="Arial"/>
@@ -2827,11 +3049,14 @@
       </p:sp>
     </p:spTree>
   </p:cSld>
+  <p:clrMapOvr>
+    <a:masterClrMapping/>
+  </p:clrMapOvr>
 </p:sldLayout>
 </file>
 
 <file path=ppt/slideLayouts/slideLayout8.xml><?xml version="1.0" encoding="utf-8"?>
-<p:sldLayout xmlns:a="http://schemas.openxmlformats.org/drawingml/2006/main" xmlns:p="http://schemas.openxmlformats.org/presentationml/2006/main" xmlns:r="http://schemas.openxmlformats.org/officeDocument/2006/relationships" xmlns:p14="http://schemas.microsoft.com/office/powerpoint/2010/main" xmlns:p15="http://schemas.microsoft.com/office/powerpoint/2012/main" xmlns:mc="http://schemas.openxmlformats.org/markup-compatibility/2006" type="objAndTwoObj" preserve="1">
+<p:sldLayout xmlns:a="http://schemas.openxmlformats.org/drawingml/2006/main" xmlns:r="http://schemas.openxmlformats.org/officeDocument/2006/relationships" xmlns:p="http://schemas.openxmlformats.org/presentationml/2006/main" type="objAndTwoObj" preserve="1">
   <p:cSld name="Title Content and 2 Content">
     <p:spTree>
       <p:nvGrpSpPr>
@@ -2867,16 +3092,17 @@
           </a:prstGeom>
         </p:spPr>
         <p:txBody>
-          <a:bodyPr lIns="0" rIns="0" tIns="0" bIns="0" anchor="ctr"/>
+          <a:bodyPr lIns="0" tIns="0" rIns="0" bIns="0" anchor="ctr"/>
+          <a:lstStyle/>
           <a:p>
             <a:pPr algn="ctr"/>
-            <a:endParaRPr b="0" lang="en-US" sz="4400" spc="-1" strike="noStrike">
-              <a:solidFill>
-                <a:srgbClr val="000000"/>
-              </a:solidFill>
-              <a:uFill>
-                <a:solidFill>
-                  <a:srgbClr val="ffffff"/>
+            <a:endParaRPr lang="en-US" sz="4400" b="0" strike="noStrike" spc="-1">
+              <a:solidFill>
+                <a:srgbClr val="000000"/>
+              </a:solidFill>
+              <a:uFill>
+                <a:solidFill>
+                  <a:srgbClr val="FFFFFF"/>
                 </a:solidFill>
               </a:uFill>
               <a:latin typeface="Arial"/>
@@ -2904,15 +3130,16 @@
           </a:prstGeom>
         </p:spPr>
         <p:txBody>
-          <a:bodyPr lIns="0" rIns="0" tIns="0" bIns="0"/>
-          <a:p>
-            <a:endParaRPr b="0" lang="en-US" sz="3200" spc="-1" strike="noStrike">
-              <a:solidFill>
-                <a:srgbClr val="000000"/>
-              </a:solidFill>
-              <a:uFill>
-                <a:solidFill>
-                  <a:srgbClr val="ffffff"/>
+          <a:bodyPr lIns="0" tIns="0" rIns="0" bIns="0"/>
+          <a:lstStyle/>
+          <a:p>
+            <a:endParaRPr lang="en-US" sz="3200" b="0" strike="noStrike" spc="-1">
+              <a:solidFill>
+                <a:srgbClr val="000000"/>
+              </a:solidFill>
+              <a:uFill>
+                <a:solidFill>
+                  <a:srgbClr val="FFFFFF"/>
                 </a:solidFill>
               </a:uFill>
               <a:latin typeface="Arial"/>
@@ -2940,15 +3167,16 @@
           </a:prstGeom>
         </p:spPr>
         <p:txBody>
-          <a:bodyPr lIns="0" rIns="0" tIns="0" bIns="0"/>
-          <a:p>
-            <a:endParaRPr b="0" lang="en-US" sz="3200" spc="-1" strike="noStrike">
-              <a:solidFill>
-                <a:srgbClr val="000000"/>
-              </a:solidFill>
-              <a:uFill>
-                <a:solidFill>
-                  <a:srgbClr val="ffffff"/>
+          <a:bodyPr lIns="0" tIns="0" rIns="0" bIns="0"/>
+          <a:lstStyle/>
+          <a:p>
+            <a:endParaRPr lang="en-US" sz="3200" b="0" strike="noStrike" spc="-1">
+              <a:solidFill>
+                <a:srgbClr val="000000"/>
+              </a:solidFill>
+              <a:uFill>
+                <a:solidFill>
+                  <a:srgbClr val="FFFFFF"/>
                 </a:solidFill>
               </a:uFill>
               <a:latin typeface="Arial"/>
@@ -2976,15 +3204,16 @@
           </a:prstGeom>
         </p:spPr>
         <p:txBody>
-          <a:bodyPr lIns="0" rIns="0" tIns="0" bIns="0"/>
-          <a:p>
-            <a:endParaRPr b="0" lang="en-US" sz="3200" spc="-1" strike="noStrike">
-              <a:solidFill>
-                <a:srgbClr val="000000"/>
-              </a:solidFill>
-              <a:uFill>
-                <a:solidFill>
-                  <a:srgbClr val="ffffff"/>
+          <a:bodyPr lIns="0" tIns="0" rIns="0" bIns="0"/>
+          <a:lstStyle/>
+          <a:p>
+            <a:endParaRPr lang="en-US" sz="3200" b="0" strike="noStrike" spc="-1">
+              <a:solidFill>
+                <a:srgbClr val="000000"/>
+              </a:solidFill>
+              <a:uFill>
+                <a:solidFill>
+                  <a:srgbClr val="FFFFFF"/>
                 </a:solidFill>
               </a:uFill>
               <a:latin typeface="Arial"/>
@@ -2994,11 +3223,14 @@
       </p:sp>
     </p:spTree>
   </p:cSld>
+  <p:clrMapOvr>
+    <a:masterClrMapping/>
+  </p:clrMapOvr>
 </p:sldLayout>
 </file>
 
 <file path=ppt/slideLayouts/slideLayout9.xml><?xml version="1.0" encoding="utf-8"?>
-<p:sldLayout xmlns:a="http://schemas.openxmlformats.org/drawingml/2006/main" xmlns:p="http://schemas.openxmlformats.org/presentationml/2006/main" xmlns:r="http://schemas.openxmlformats.org/officeDocument/2006/relationships" xmlns:p14="http://schemas.microsoft.com/office/powerpoint/2010/main" xmlns:p15="http://schemas.microsoft.com/office/powerpoint/2012/main" xmlns:mc="http://schemas.openxmlformats.org/markup-compatibility/2006" type="twoObjOverTx" preserve="1">
+<p:sldLayout xmlns:a="http://schemas.openxmlformats.org/drawingml/2006/main" xmlns:r="http://schemas.openxmlformats.org/officeDocument/2006/relationships" xmlns:p="http://schemas.openxmlformats.org/presentationml/2006/main" type="twoObjOverTx" preserve="1">
   <p:cSld name="Title, 2 Content over Content">
     <p:spTree>
       <p:nvGrpSpPr>
@@ -3034,16 +3266,17 @@
           </a:prstGeom>
         </p:spPr>
         <p:txBody>
-          <a:bodyPr lIns="0" rIns="0" tIns="0" bIns="0" anchor="ctr"/>
+          <a:bodyPr lIns="0" tIns="0" rIns="0" bIns="0" anchor="ctr"/>
+          <a:lstStyle/>
           <a:p>
             <a:pPr algn="ctr"/>
-            <a:endParaRPr b="0" lang="en-US" sz="4400" spc="-1" strike="noStrike">
-              <a:solidFill>
-                <a:srgbClr val="000000"/>
-              </a:solidFill>
-              <a:uFill>
-                <a:solidFill>
-                  <a:srgbClr val="ffffff"/>
+            <a:endParaRPr lang="en-US" sz="4400" b="0" strike="noStrike" spc="-1">
+              <a:solidFill>
+                <a:srgbClr val="000000"/>
+              </a:solidFill>
+              <a:uFill>
+                <a:solidFill>
+                  <a:srgbClr val="FFFFFF"/>
                 </a:solidFill>
               </a:uFill>
               <a:latin typeface="Arial"/>
@@ -3071,15 +3304,16 @@
           </a:prstGeom>
         </p:spPr>
         <p:txBody>
-          <a:bodyPr lIns="0" rIns="0" tIns="0" bIns="0"/>
-          <a:p>
-            <a:endParaRPr b="0" lang="en-US" sz="3200" spc="-1" strike="noStrike">
-              <a:solidFill>
-                <a:srgbClr val="000000"/>
-              </a:solidFill>
-              <a:uFill>
-                <a:solidFill>
-                  <a:srgbClr val="ffffff"/>
+          <a:bodyPr lIns="0" tIns="0" rIns="0" bIns="0"/>
+          <a:lstStyle/>
+          <a:p>
+            <a:endParaRPr lang="en-US" sz="3200" b="0" strike="noStrike" spc="-1">
+              <a:solidFill>
+                <a:srgbClr val="000000"/>
+              </a:solidFill>
+              <a:uFill>
+                <a:solidFill>
+                  <a:srgbClr val="FFFFFF"/>
                 </a:solidFill>
               </a:uFill>
               <a:latin typeface="Arial"/>
@@ -3107,15 +3341,16 @@
           </a:prstGeom>
         </p:spPr>
         <p:txBody>
-          <a:bodyPr lIns="0" rIns="0" tIns="0" bIns="0"/>
-          <a:p>
-            <a:endParaRPr b="0" lang="en-US" sz="3200" spc="-1" strike="noStrike">
-              <a:solidFill>
-                <a:srgbClr val="000000"/>
-              </a:solidFill>
-              <a:uFill>
-                <a:solidFill>
-                  <a:srgbClr val="ffffff"/>
+          <a:bodyPr lIns="0" tIns="0" rIns="0" bIns="0"/>
+          <a:lstStyle/>
+          <a:p>
+            <a:endParaRPr lang="en-US" sz="3200" b="0" strike="noStrike" spc="-1">
+              <a:solidFill>
+                <a:srgbClr val="000000"/>
+              </a:solidFill>
+              <a:uFill>
+                <a:solidFill>
+                  <a:srgbClr val="FFFFFF"/>
                 </a:solidFill>
               </a:uFill>
               <a:latin typeface="Arial"/>
@@ -3143,15 +3378,16 @@
           </a:prstGeom>
         </p:spPr>
         <p:txBody>
-          <a:bodyPr lIns="0" rIns="0" tIns="0" bIns="0"/>
-          <a:p>
-            <a:endParaRPr b="0" lang="en-US" sz="3200" spc="-1" strike="noStrike">
-              <a:solidFill>
-                <a:srgbClr val="000000"/>
-              </a:solidFill>
-              <a:uFill>
-                <a:solidFill>
-                  <a:srgbClr val="ffffff"/>
+          <a:bodyPr lIns="0" tIns="0" rIns="0" bIns="0"/>
+          <a:lstStyle/>
+          <a:p>
+            <a:endParaRPr lang="en-US" sz="3200" b="0" strike="noStrike" spc="-1">
+              <a:solidFill>
+                <a:srgbClr val="000000"/>
+              </a:solidFill>
+              <a:uFill>
+                <a:solidFill>
+                  <a:srgbClr val="FFFFFF"/>
                 </a:solidFill>
               </a:uFill>
               <a:latin typeface="Arial"/>
@@ -3161,11 +3397,14 @@
       </p:sp>
     </p:spTree>
   </p:cSld>
+  <p:clrMapOvr>
+    <a:masterClrMapping/>
+  </p:clrMapOvr>
 </p:sldLayout>
 </file>
 
 <file path=ppt/slideMasters/slideMaster1.xml><?xml version="1.0" encoding="utf-8"?>
-<p:sldMaster xmlns:a="http://schemas.openxmlformats.org/drawingml/2006/main" xmlns:p="http://schemas.openxmlformats.org/presentationml/2006/main" xmlns:r="http://schemas.openxmlformats.org/officeDocument/2006/relationships" xmlns:p14="http://schemas.microsoft.com/office/powerpoint/2010/main" xmlns:p15="http://schemas.microsoft.com/office/powerpoint/2012/main" xmlns:mc="http://schemas.openxmlformats.org/markup-compatibility/2006">
+<p:sldMaster xmlns:a="http://schemas.openxmlformats.org/drawingml/2006/main" xmlns:r="http://schemas.openxmlformats.org/officeDocument/2006/relationships" xmlns:p="http://schemas.openxmlformats.org/presentationml/2006/main">
   <p:cSld>
     <p:spTree>
       <p:nvGrpSpPr>
@@ -3183,35 +3422,41 @@
       </p:grpSpPr>
       <p:sp>
         <p:nvSpPr>
-          <p:cNvPr id="0" name="CustomShape 1"/>
+          <p:cNvPr id="3" name="CustomShape 1"/>
           <p:cNvSpPr/>
           <p:nvPr/>
         </p:nvSpPr>
         <p:spPr>
           <a:xfrm>
             <a:off x="360" y="3240000"/>
-            <a:ext cx="502560" cy="808560"/>
+            <a:ext cx="503280" cy="809280"/>
           </a:xfrm>
           <a:prstGeom prst="rect">
             <a:avLst/>
           </a:prstGeom>
           <a:solidFill>
-            <a:srgbClr val="ef2929"/>
+            <a:srgbClr val="EF2929"/>
           </a:solidFill>
           <a:ln>
             <a:noFill/>
           </a:ln>
         </p:spPr>
         <p:style>
-          <a:lnRef idx="0"/>
-          <a:fillRef idx="0"/>
-          <a:effectRef idx="0"/>
+          <a:lnRef idx="0">
+            <a:scrgbClr r="0" g="0" b="0"/>
+          </a:lnRef>
+          <a:fillRef idx="0">
+            <a:scrgbClr r="0" g="0" b="0"/>
+          </a:fillRef>
+          <a:effectRef idx="0">
+            <a:scrgbClr r="0" g="0" b="0"/>
+          </a:effectRef>
           <a:fontRef idx="minor"/>
         </p:style>
       </p:sp>
       <p:sp>
         <p:nvSpPr>
-          <p:cNvPr id="1" name="PlaceHolder 2"/>
+          <p:cNvPr id="4" name="PlaceHolder 2"/>
           <p:cNvSpPr>
             <a:spLocks noGrp="1"/>
           </p:cNvSpPr>
@@ -3221,42 +3466,31 @@
         </p:nvSpPr>
         <p:spPr>
           <a:xfrm>
-            <a:off x="504000" y="226080"/>
-            <a:ext cx="9072000" cy="946440"/>
-          </a:xfrm>
-          <a:prstGeom prst="rect">
-            <a:avLst/>
-          </a:prstGeom>
-        </p:spPr>
-        <p:txBody>
-          <a:bodyPr lIns="0" rIns="0" tIns="0" bIns="0" anchor="ctr"/>
-          <a:p>
-            <a:pPr algn="ctr"/>
+            <a:off x="719640" y="225720"/>
+            <a:ext cx="8854200" cy="946440"/>
+          </a:xfrm>
+          <a:prstGeom prst="rect">
+            <a:avLst/>
+          </a:prstGeom>
+        </p:spPr>
+        <p:txBody>
+          <a:bodyPr lIns="0" tIns="0" rIns="0" bIns="0" anchor="ctr"/>
+          <a:lstStyle/>
+          <a:p>
             <a:r>
-              <a:rPr b="0" lang="en-US" sz="4400" spc="-1" strike="noStrike">
+              <a:rPr lang="en-US" sz="1800" b="0" strike="noStrike" spc="-1">
                 <a:solidFill>
                   <a:srgbClr val="000000"/>
                 </a:solidFill>
                 <a:uFill>
                   <a:solidFill>
-                    <a:srgbClr val="ffffff"/>
+                    <a:srgbClr val="FFFFFF"/>
                   </a:solidFill>
                 </a:uFill>
                 <a:latin typeface="Arial"/>
               </a:rPr>
               <a:t>Click to edit the title text format</a:t>
             </a:r>
-            <a:endParaRPr b="0" lang="en-US" sz="4400" spc="-1" strike="noStrike">
-              <a:solidFill>
-                <a:srgbClr val="000000"/>
-              </a:solidFill>
-              <a:uFill>
-                <a:solidFill>
-                  <a:srgbClr val="ffffff"/>
-                </a:solidFill>
-              </a:uFill>
-              <a:latin typeface="Arial"/>
-            </a:endParaRPr>
           </a:p>
         </p:txBody>
       </p:sp>
@@ -3272,15 +3506,16 @@
         </p:nvSpPr>
         <p:spPr>
           <a:xfrm>
-            <a:off x="504000" y="1326600"/>
-            <a:ext cx="9072000" cy="3288600"/>
-          </a:xfrm>
-          <a:prstGeom prst="rect">
-            <a:avLst/>
-          </a:prstGeom>
-        </p:spPr>
-        <p:txBody>
-          <a:bodyPr lIns="0" rIns="0" tIns="0" bIns="0"/>
+            <a:off x="719640" y="1620000"/>
+            <a:ext cx="8638560" cy="3288240"/>
+          </a:xfrm>
+          <a:prstGeom prst="rect">
+            <a:avLst/>
+          </a:prstGeom>
+        </p:spPr>
+        <p:txBody>
+          <a:bodyPr lIns="0" tIns="0" rIns="0" bIns="0"/>
+          <a:lstStyle/>
           <a:p>
             <a:pPr marL="432000" indent="-324000">
               <a:spcBef>
@@ -3294,33 +3529,22 @@
               <a:buChar char=""/>
             </a:pPr>
             <a:r>
-              <a:rPr b="0" lang="en-US" sz="3200" spc="-1" strike="noStrike">
+              <a:rPr lang="en-US" sz="1800" b="0" strike="noStrike" spc="-1">
                 <a:solidFill>
                   <a:srgbClr val="000000"/>
                 </a:solidFill>
                 <a:uFill>
                   <a:solidFill>
-                    <a:srgbClr val="ffffff"/>
+                    <a:srgbClr val="FFFFFF"/>
                   </a:solidFill>
                 </a:uFill>
                 <a:latin typeface="Arial"/>
               </a:rPr>
               <a:t>Click to edit the outline text format</a:t>
             </a:r>
-            <a:endParaRPr b="0" lang="en-US" sz="3200" spc="-1" strike="noStrike">
-              <a:solidFill>
-                <a:srgbClr val="000000"/>
-              </a:solidFill>
-              <a:uFill>
-                <a:solidFill>
-                  <a:srgbClr val="ffffff"/>
-                </a:solidFill>
-              </a:uFill>
-              <a:latin typeface="Arial"/>
-            </a:endParaRPr>
-          </a:p>
-          <a:p>
-            <a:pPr lvl="1" marL="864000" indent="-324000">
+          </a:p>
+          <a:p>
+            <a:pPr marL="864000" lvl="1" indent="-324000">
               <a:spcBef>
                 <a:spcPts val="1134"/>
               </a:spcBef>
@@ -3332,33 +3556,22 @@
               <a:buChar char=""/>
             </a:pPr>
             <a:r>
-              <a:rPr b="0" lang="en-US" sz="2800" spc="-1" strike="noStrike">
+              <a:rPr lang="en-US" sz="1800" b="0" strike="noStrike" spc="-1">
                 <a:solidFill>
                   <a:srgbClr val="000000"/>
                 </a:solidFill>
                 <a:uFill>
                   <a:solidFill>
-                    <a:srgbClr val="ffffff"/>
+                    <a:srgbClr val="FFFFFF"/>
                   </a:solidFill>
                 </a:uFill>
                 <a:latin typeface="Arial"/>
               </a:rPr>
               <a:t>Second Outline Level</a:t>
             </a:r>
-            <a:endParaRPr b="0" lang="en-US" sz="2800" spc="-1" strike="noStrike">
-              <a:solidFill>
-                <a:srgbClr val="000000"/>
-              </a:solidFill>
-              <a:uFill>
-                <a:solidFill>
-                  <a:srgbClr val="ffffff"/>
-                </a:solidFill>
-              </a:uFill>
-              <a:latin typeface="Arial"/>
-            </a:endParaRPr>
-          </a:p>
-          <a:p>
-            <a:pPr lvl="2" marL="1296000" indent="-288000">
+          </a:p>
+          <a:p>
+            <a:pPr marL="1296000" lvl="2" indent="-288000">
               <a:spcBef>
                 <a:spcPts val="850"/>
               </a:spcBef>
@@ -3370,33 +3583,22 @@
               <a:buChar char=""/>
             </a:pPr>
             <a:r>
-              <a:rPr b="0" lang="en-US" sz="2400" spc="-1" strike="noStrike">
+              <a:rPr lang="en-US" sz="1800" b="0" strike="noStrike" spc="-1">
                 <a:solidFill>
                   <a:srgbClr val="000000"/>
                 </a:solidFill>
                 <a:uFill>
                   <a:solidFill>
-                    <a:srgbClr val="ffffff"/>
+                    <a:srgbClr val="FFFFFF"/>
                   </a:solidFill>
                 </a:uFill>
                 <a:latin typeface="Arial"/>
               </a:rPr>
               <a:t>Third Outline Level</a:t>
             </a:r>
-            <a:endParaRPr b="0" lang="en-US" sz="2400" spc="-1" strike="noStrike">
-              <a:solidFill>
-                <a:srgbClr val="000000"/>
-              </a:solidFill>
-              <a:uFill>
-                <a:solidFill>
-                  <a:srgbClr val="ffffff"/>
-                </a:solidFill>
-              </a:uFill>
-              <a:latin typeface="Arial"/>
-            </a:endParaRPr>
-          </a:p>
-          <a:p>
-            <a:pPr lvl="3" marL="1728000" indent="-216000">
+          </a:p>
+          <a:p>
+            <a:pPr marL="1728000" lvl="3" indent="-216000">
               <a:spcBef>
                 <a:spcPts val="567"/>
               </a:spcBef>
@@ -3408,33 +3610,22 @@
               <a:buChar char=""/>
             </a:pPr>
             <a:r>
-              <a:rPr b="0" lang="en-US" sz="2000" spc="-1" strike="noStrike">
+              <a:rPr lang="en-US" sz="1800" b="0" strike="noStrike" spc="-1">
                 <a:solidFill>
                   <a:srgbClr val="000000"/>
                 </a:solidFill>
                 <a:uFill>
                   <a:solidFill>
-                    <a:srgbClr val="ffffff"/>
+                    <a:srgbClr val="FFFFFF"/>
                   </a:solidFill>
                 </a:uFill>
                 <a:latin typeface="Arial"/>
               </a:rPr>
               <a:t>Fourth Outline Level</a:t>
             </a:r>
-            <a:endParaRPr b="0" lang="en-US" sz="2000" spc="-1" strike="noStrike">
-              <a:solidFill>
-                <a:srgbClr val="000000"/>
-              </a:solidFill>
-              <a:uFill>
-                <a:solidFill>
-                  <a:srgbClr val="ffffff"/>
-                </a:solidFill>
-              </a:uFill>
-              <a:latin typeface="Arial"/>
-            </a:endParaRPr>
-          </a:p>
-          <a:p>
-            <a:pPr lvl="4" marL="2160000" indent="-216000">
+          </a:p>
+          <a:p>
+            <a:pPr marL="2160000" lvl="4" indent="-216000">
               <a:spcBef>
                 <a:spcPts val="283"/>
               </a:spcBef>
@@ -3446,33 +3637,22 @@
               <a:buChar char=""/>
             </a:pPr>
             <a:r>
-              <a:rPr b="0" lang="en-US" sz="2000" spc="-1" strike="noStrike">
+              <a:rPr lang="en-US" sz="1800" b="0" strike="noStrike" spc="-1">
                 <a:solidFill>
                   <a:srgbClr val="000000"/>
                 </a:solidFill>
                 <a:uFill>
                   <a:solidFill>
-                    <a:srgbClr val="ffffff"/>
+                    <a:srgbClr val="FFFFFF"/>
                   </a:solidFill>
                 </a:uFill>
                 <a:latin typeface="Arial"/>
               </a:rPr>
               <a:t>Fifth Outline Level</a:t>
             </a:r>
-            <a:endParaRPr b="0" lang="en-US" sz="2000" spc="-1" strike="noStrike">
-              <a:solidFill>
-                <a:srgbClr val="000000"/>
-              </a:solidFill>
-              <a:uFill>
-                <a:solidFill>
-                  <a:srgbClr val="ffffff"/>
-                </a:solidFill>
-              </a:uFill>
-              <a:latin typeface="Arial"/>
-            </a:endParaRPr>
-          </a:p>
-          <a:p>
-            <a:pPr lvl="5" marL="2592000" indent="-216000">
+          </a:p>
+          <a:p>
+            <a:pPr marL="2592000" lvl="5" indent="-216000">
               <a:spcBef>
                 <a:spcPts val="283"/>
               </a:spcBef>
@@ -3484,33 +3664,22 @@
               <a:buChar char=""/>
             </a:pPr>
             <a:r>
-              <a:rPr b="0" lang="en-US" sz="2000" spc="-1" strike="noStrike">
+              <a:rPr lang="en-US" sz="1800" b="0" strike="noStrike" spc="-1">
                 <a:solidFill>
                   <a:srgbClr val="000000"/>
                 </a:solidFill>
                 <a:uFill>
                   <a:solidFill>
-                    <a:srgbClr val="ffffff"/>
+                    <a:srgbClr val="FFFFFF"/>
                   </a:solidFill>
                 </a:uFill>
                 <a:latin typeface="Arial"/>
               </a:rPr>
               <a:t>Sixth Outline Level</a:t>
             </a:r>
-            <a:endParaRPr b="0" lang="en-US" sz="2000" spc="-1" strike="noStrike">
-              <a:solidFill>
-                <a:srgbClr val="000000"/>
-              </a:solidFill>
-              <a:uFill>
-                <a:solidFill>
-                  <a:srgbClr val="ffffff"/>
-                </a:solidFill>
-              </a:uFill>
-              <a:latin typeface="Arial"/>
-            </a:endParaRPr>
-          </a:p>
-          <a:p>
-            <a:pPr lvl="6" marL="3024000" indent="-216000">
+          </a:p>
+          <a:p>
+            <a:pPr marL="3024000" lvl="6" indent="-216000">
               <a:spcBef>
                 <a:spcPts val="283"/>
               </a:spcBef>
@@ -3522,55 +3691,49 @@
               <a:buChar char=""/>
             </a:pPr>
             <a:r>
-              <a:rPr b="0" lang="en-US" sz="2000" spc="-1" strike="noStrike">
+              <a:rPr lang="en-US" sz="1800" b="0" strike="noStrike" spc="-1">
                 <a:solidFill>
                   <a:srgbClr val="000000"/>
                 </a:solidFill>
                 <a:uFill>
                   <a:solidFill>
-                    <a:srgbClr val="ffffff"/>
+                    <a:srgbClr val="FFFFFF"/>
                   </a:solidFill>
                 </a:uFill>
                 <a:latin typeface="Arial"/>
               </a:rPr>
               <a:t>Seventh Outline Level</a:t>
             </a:r>
-            <a:endParaRPr b="0" lang="en-US" sz="2000" spc="-1" strike="noStrike">
-              <a:solidFill>
-                <a:srgbClr val="000000"/>
-              </a:solidFill>
-              <a:uFill>
-                <a:solidFill>
-                  <a:srgbClr val="ffffff"/>
-                </a:solidFill>
-              </a:uFill>
-              <a:latin typeface="Arial"/>
-            </a:endParaRPr>
           </a:p>
         </p:txBody>
       </p:sp>
     </p:spTree>
   </p:cSld>
-  <p:clrMap bg1="lt1" bg2="lt2" tx1="dk1" tx2="dk2" accent1="accent1" accent2="accent2" accent3="accent3" accent4="accent4" accent5="accent5" accent6="accent6" hlink="hlink" folHlink="folHlink"/>
+  <p:clrMap bg1="lt1" tx1="dk1" bg2="lt2" tx2="dk2" accent1="accent1" accent2="accent2" accent3="accent3" accent4="accent4" accent5="accent5" accent6="accent6" hlink="hlink" folHlink="folHlink"/>
   <p:sldLayoutIdLst>
-    <p:sldLayoutId id="2147483649" r:id="rId2"/>
-    <p:sldLayoutId id="2147483650" r:id="rId3"/>
-    <p:sldLayoutId id="2147483651" r:id="rId4"/>
-    <p:sldLayoutId id="2147483652" r:id="rId5"/>
-    <p:sldLayoutId id="2147483653" r:id="rId6"/>
-    <p:sldLayoutId id="2147483654" r:id="rId7"/>
-    <p:sldLayoutId id="2147483655" r:id="rId8"/>
-    <p:sldLayoutId id="2147483656" r:id="rId9"/>
-    <p:sldLayoutId id="2147483657" r:id="rId10"/>
-    <p:sldLayoutId id="2147483658" r:id="rId11"/>
-    <p:sldLayoutId id="2147483659" r:id="rId12"/>
-    <p:sldLayoutId id="2147483660" r:id="rId13"/>
+    <p:sldLayoutId id="2147483649" r:id="rId1"/>
+    <p:sldLayoutId id="2147483650" r:id="rId2"/>
+    <p:sldLayoutId id="2147483651" r:id="rId3"/>
+    <p:sldLayoutId id="2147483652" r:id="rId4"/>
+    <p:sldLayoutId id="2147483653" r:id="rId5"/>
+    <p:sldLayoutId id="2147483654" r:id="rId6"/>
+    <p:sldLayoutId id="2147483655" r:id="rId7"/>
+    <p:sldLayoutId id="2147483656" r:id="rId8"/>
+    <p:sldLayoutId id="2147483657" r:id="rId9"/>
+    <p:sldLayoutId id="2147483658" r:id="rId10"/>
+    <p:sldLayoutId id="2147483659" r:id="rId11"/>
+    <p:sldLayoutId id="2147483660" r:id="rId12"/>
   </p:sldLayoutIdLst>
+  <p:txStyles>
+    <p:titleStyle/>
+    <p:bodyStyle/>
+    <p:otherStyle/>
+  </p:txStyles>
 </p:sldMaster>
 </file>
 
 <file path=ppt/slideMasters/slideMaster2.xml><?xml version="1.0" encoding="utf-8"?>
-<p:sldMaster xmlns:a="http://schemas.openxmlformats.org/drawingml/2006/main" xmlns:p="http://schemas.openxmlformats.org/presentationml/2006/main" xmlns:r="http://schemas.openxmlformats.org/officeDocument/2006/relationships" xmlns:p14="http://schemas.microsoft.com/office/powerpoint/2010/main" xmlns:p15="http://schemas.microsoft.com/office/powerpoint/2012/main" xmlns:mc="http://schemas.openxmlformats.org/markup-compatibility/2006">
+<p:sldMaster xmlns:a="http://schemas.openxmlformats.org/drawingml/2006/main" xmlns:r="http://schemas.openxmlformats.org/officeDocument/2006/relationships" xmlns:p="http://schemas.openxmlformats.org/presentationml/2006/main">
   <p:cSld>
     <p:spTree>
       <p:nvGrpSpPr>
@@ -3595,22 +3758,28 @@
         <p:spPr>
           <a:xfrm>
             <a:off x="360" y="216000"/>
-            <a:ext cx="502560" cy="808560"/>
+            <a:ext cx="503280" cy="809280"/>
           </a:xfrm>
           <a:prstGeom prst="rect">
             <a:avLst/>
           </a:prstGeom>
           <a:solidFill>
-            <a:srgbClr val="ef2929"/>
+            <a:srgbClr val="EF2929"/>
           </a:solidFill>
           <a:ln>
             <a:noFill/>
           </a:ln>
         </p:spPr>
         <p:style>
-          <a:lnRef idx="0"/>
-          <a:fillRef idx="0"/>
-          <a:effectRef idx="0"/>
+          <a:lnRef idx="0">
+            <a:scrgbClr r="0" g="0" b="0"/>
+          </a:lnRef>
+          <a:fillRef idx="0">
+            <a:scrgbClr r="0" g="0" b="0"/>
+          </a:fillRef>
+          <a:effectRef idx="0">
+            <a:scrgbClr r="0" g="0" b="0"/>
+          </a:effectRef>
           <a:fontRef idx="minor"/>
         </p:style>
       </p:sp>
@@ -3634,34 +3803,24 @@
           </a:prstGeom>
         </p:spPr>
         <p:txBody>
-          <a:bodyPr lIns="0" rIns="0" tIns="0" bIns="0" anchor="ctr"/>
+          <a:bodyPr lIns="0" tIns="0" rIns="0" bIns="0" anchor="ctr"/>
+          <a:lstStyle/>
           <a:p>
             <a:pPr algn="ctr"/>
             <a:r>
-              <a:rPr b="0" lang="en-US" sz="4400" spc="-1" strike="noStrike">
+              <a:rPr lang="en-US" sz="4400" b="0" strike="noStrike" spc="-1">
                 <a:solidFill>
                   <a:srgbClr val="000000"/>
                 </a:solidFill>
                 <a:uFill>
                   <a:solidFill>
-                    <a:srgbClr val="ffffff"/>
+                    <a:srgbClr val="FFFFFF"/>
                   </a:solidFill>
                 </a:uFill>
                 <a:latin typeface="Arial"/>
               </a:rPr>
               <a:t>Click to edit the title text format</a:t>
             </a:r>
-            <a:endParaRPr b="0" lang="en-US" sz="4400" spc="-1" strike="noStrike">
-              <a:solidFill>
-                <a:srgbClr val="000000"/>
-              </a:solidFill>
-              <a:uFill>
-                <a:solidFill>
-                  <a:srgbClr val="ffffff"/>
-                </a:solidFill>
-              </a:uFill>
-              <a:latin typeface="Arial"/>
-            </a:endParaRPr>
           </a:p>
         </p:txBody>
       </p:sp>
@@ -3685,7 +3844,8 @@
           </a:prstGeom>
         </p:spPr>
         <p:txBody>
-          <a:bodyPr lIns="0" rIns="0" tIns="0" bIns="0"/>
+          <a:bodyPr lIns="0" tIns="0" rIns="0" bIns="0"/>
+          <a:lstStyle/>
           <a:p>
             <a:pPr marL="432000" indent="-324000">
               <a:spcBef>
@@ -3699,33 +3859,22 @@
               <a:buChar char=""/>
             </a:pPr>
             <a:r>
-              <a:rPr b="0" lang="en-US" sz="3200" spc="-1" strike="noStrike">
+              <a:rPr lang="en-US" sz="3200" b="0" strike="noStrike" spc="-1">
                 <a:solidFill>
                   <a:srgbClr val="000000"/>
                 </a:solidFill>
                 <a:uFill>
                   <a:solidFill>
-                    <a:srgbClr val="ffffff"/>
+                    <a:srgbClr val="FFFFFF"/>
                   </a:solidFill>
                 </a:uFill>
                 <a:latin typeface="Arial"/>
               </a:rPr>
               <a:t>Click to edit the outline text format</a:t>
             </a:r>
-            <a:endParaRPr b="0" lang="en-US" sz="3200" spc="-1" strike="noStrike">
-              <a:solidFill>
-                <a:srgbClr val="000000"/>
-              </a:solidFill>
-              <a:uFill>
-                <a:solidFill>
-                  <a:srgbClr val="ffffff"/>
-                </a:solidFill>
-              </a:uFill>
-              <a:latin typeface="Arial"/>
-            </a:endParaRPr>
-          </a:p>
-          <a:p>
-            <a:pPr lvl="1" marL="864000" indent="-324000">
+          </a:p>
+          <a:p>
+            <a:pPr marL="864000" lvl="1" indent="-324000">
               <a:spcBef>
                 <a:spcPts val="1134"/>
               </a:spcBef>
@@ -3737,33 +3886,22 @@
               <a:buChar char=""/>
             </a:pPr>
             <a:r>
-              <a:rPr b="0" lang="en-US" sz="2800" spc="-1" strike="noStrike">
+              <a:rPr lang="en-US" sz="2800" b="0" strike="noStrike" spc="-1">
                 <a:solidFill>
                   <a:srgbClr val="000000"/>
                 </a:solidFill>
                 <a:uFill>
                   <a:solidFill>
-                    <a:srgbClr val="ffffff"/>
+                    <a:srgbClr val="FFFFFF"/>
                   </a:solidFill>
                 </a:uFill>
                 <a:latin typeface="Arial"/>
               </a:rPr>
               <a:t>Second Outline Level</a:t>
             </a:r>
-            <a:endParaRPr b="0" lang="en-US" sz="2800" spc="-1" strike="noStrike">
-              <a:solidFill>
-                <a:srgbClr val="000000"/>
-              </a:solidFill>
-              <a:uFill>
-                <a:solidFill>
-                  <a:srgbClr val="ffffff"/>
-                </a:solidFill>
-              </a:uFill>
-              <a:latin typeface="Arial"/>
-            </a:endParaRPr>
-          </a:p>
-          <a:p>
-            <a:pPr lvl="2" marL="1296000" indent="-288000">
+          </a:p>
+          <a:p>
+            <a:pPr marL="1296000" lvl="2" indent="-288000">
               <a:spcBef>
                 <a:spcPts val="850"/>
               </a:spcBef>
@@ -3775,33 +3913,22 @@
               <a:buChar char=""/>
             </a:pPr>
             <a:r>
-              <a:rPr b="0" lang="en-US" sz="2400" spc="-1" strike="noStrike">
+              <a:rPr lang="en-US" sz="2400" b="0" strike="noStrike" spc="-1">
                 <a:solidFill>
                   <a:srgbClr val="000000"/>
                 </a:solidFill>
                 <a:uFill>
                   <a:solidFill>
-                    <a:srgbClr val="ffffff"/>
+                    <a:srgbClr val="FFFFFF"/>
                   </a:solidFill>
                 </a:uFill>
                 <a:latin typeface="Arial"/>
               </a:rPr>
               <a:t>Third Outline Level</a:t>
             </a:r>
-            <a:endParaRPr b="0" lang="en-US" sz="2400" spc="-1" strike="noStrike">
-              <a:solidFill>
-                <a:srgbClr val="000000"/>
-              </a:solidFill>
-              <a:uFill>
-                <a:solidFill>
-                  <a:srgbClr val="ffffff"/>
-                </a:solidFill>
-              </a:uFill>
-              <a:latin typeface="Arial"/>
-            </a:endParaRPr>
-          </a:p>
-          <a:p>
-            <a:pPr lvl="3" marL="1728000" indent="-216000">
+          </a:p>
+          <a:p>
+            <a:pPr marL="1728000" lvl="3" indent="-216000">
               <a:spcBef>
                 <a:spcPts val="567"/>
               </a:spcBef>
@@ -3813,33 +3940,22 @@
               <a:buChar char=""/>
             </a:pPr>
             <a:r>
-              <a:rPr b="0" lang="en-US" sz="2000" spc="-1" strike="noStrike">
+              <a:rPr lang="en-US" sz="2000" b="0" strike="noStrike" spc="-1">
                 <a:solidFill>
                   <a:srgbClr val="000000"/>
                 </a:solidFill>
                 <a:uFill>
                   <a:solidFill>
-                    <a:srgbClr val="ffffff"/>
+                    <a:srgbClr val="FFFFFF"/>
                   </a:solidFill>
                 </a:uFill>
                 <a:latin typeface="Arial"/>
               </a:rPr>
               <a:t>Fourth Outline Level</a:t>
             </a:r>
-            <a:endParaRPr b="0" lang="en-US" sz="2000" spc="-1" strike="noStrike">
-              <a:solidFill>
-                <a:srgbClr val="000000"/>
-              </a:solidFill>
-              <a:uFill>
-                <a:solidFill>
-                  <a:srgbClr val="ffffff"/>
-                </a:solidFill>
-              </a:uFill>
-              <a:latin typeface="Arial"/>
-            </a:endParaRPr>
-          </a:p>
-          <a:p>
-            <a:pPr lvl="4" marL="2160000" indent="-216000">
+          </a:p>
+          <a:p>
+            <a:pPr marL="2160000" lvl="4" indent="-216000">
               <a:spcBef>
                 <a:spcPts val="283"/>
               </a:spcBef>
@@ -3851,33 +3967,22 @@
               <a:buChar char=""/>
             </a:pPr>
             <a:r>
-              <a:rPr b="0" lang="en-US" sz="2000" spc="-1" strike="noStrike">
+              <a:rPr lang="en-US" sz="2000" b="0" strike="noStrike" spc="-1">
                 <a:solidFill>
                   <a:srgbClr val="000000"/>
                 </a:solidFill>
                 <a:uFill>
                   <a:solidFill>
-                    <a:srgbClr val="ffffff"/>
+                    <a:srgbClr val="FFFFFF"/>
                   </a:solidFill>
                 </a:uFill>
                 <a:latin typeface="Arial"/>
               </a:rPr>
               <a:t>Fifth Outline Level</a:t>
             </a:r>
-            <a:endParaRPr b="0" lang="en-US" sz="2000" spc="-1" strike="noStrike">
-              <a:solidFill>
-                <a:srgbClr val="000000"/>
-              </a:solidFill>
-              <a:uFill>
-                <a:solidFill>
-                  <a:srgbClr val="ffffff"/>
-                </a:solidFill>
-              </a:uFill>
-              <a:latin typeface="Arial"/>
-            </a:endParaRPr>
-          </a:p>
-          <a:p>
-            <a:pPr lvl="5" marL="2592000" indent="-216000">
+          </a:p>
+          <a:p>
+            <a:pPr marL="2592000" lvl="5" indent="-216000">
               <a:spcBef>
                 <a:spcPts val="283"/>
               </a:spcBef>
@@ -3889,33 +3994,22 @@
               <a:buChar char=""/>
             </a:pPr>
             <a:r>
-              <a:rPr b="0" lang="en-US" sz="2000" spc="-1" strike="noStrike">
+              <a:rPr lang="en-US" sz="2000" b="0" strike="noStrike" spc="-1">
                 <a:solidFill>
                   <a:srgbClr val="000000"/>
                 </a:solidFill>
                 <a:uFill>
                   <a:solidFill>
-                    <a:srgbClr val="ffffff"/>
+                    <a:srgbClr val="FFFFFF"/>
                   </a:solidFill>
                 </a:uFill>
                 <a:latin typeface="Arial"/>
               </a:rPr>
               <a:t>Sixth Outline Level</a:t>
             </a:r>
-            <a:endParaRPr b="0" lang="en-US" sz="2000" spc="-1" strike="noStrike">
-              <a:solidFill>
-                <a:srgbClr val="000000"/>
-              </a:solidFill>
-              <a:uFill>
-                <a:solidFill>
-                  <a:srgbClr val="ffffff"/>
-                </a:solidFill>
-              </a:uFill>
-              <a:latin typeface="Arial"/>
-            </a:endParaRPr>
-          </a:p>
-          <a:p>
-            <a:pPr lvl="6" marL="3024000" indent="-216000">
+          </a:p>
+          <a:p>
+            <a:pPr marL="3024000" lvl="6" indent="-216000">
               <a:spcBef>
                 <a:spcPts val="283"/>
               </a:spcBef>
@@ -3927,55 +4021,49 @@
               <a:buChar char=""/>
             </a:pPr>
             <a:r>
-              <a:rPr b="0" lang="en-US" sz="2000" spc="-1" strike="noStrike">
+              <a:rPr lang="en-US" sz="2000" b="0" strike="noStrike" spc="-1">
                 <a:solidFill>
                   <a:srgbClr val="000000"/>
                 </a:solidFill>
                 <a:uFill>
                   <a:solidFill>
-                    <a:srgbClr val="ffffff"/>
+                    <a:srgbClr val="FFFFFF"/>
                   </a:solidFill>
                 </a:uFill>
                 <a:latin typeface="Arial"/>
               </a:rPr>
               <a:t>Seventh Outline Level</a:t>
             </a:r>
-            <a:endParaRPr b="0" lang="en-US" sz="2000" spc="-1" strike="noStrike">
-              <a:solidFill>
-                <a:srgbClr val="000000"/>
-              </a:solidFill>
-              <a:uFill>
-                <a:solidFill>
-                  <a:srgbClr val="ffffff"/>
-                </a:solidFill>
-              </a:uFill>
-              <a:latin typeface="Arial"/>
-            </a:endParaRPr>
           </a:p>
         </p:txBody>
       </p:sp>
     </p:spTree>
   </p:cSld>
-  <p:clrMap bg1="lt1" bg2="lt2" tx1="dk1" tx2="dk2" accent1="accent1" accent2="accent2" accent3="accent3" accent4="accent4" accent5="accent5" accent6="accent6" hlink="hlink" folHlink="folHlink"/>
+  <p:clrMap bg1="lt1" tx1="dk1" bg2="lt2" tx2="dk2" accent1="accent1" accent2="accent2" accent3="accent3" accent4="accent4" accent5="accent5" accent6="accent6" hlink="hlink" folHlink="folHlink"/>
   <p:sldLayoutIdLst>
-    <p:sldLayoutId id="2147483662" r:id="rId2"/>
-    <p:sldLayoutId id="2147483663" r:id="rId3"/>
-    <p:sldLayoutId id="2147483664" r:id="rId4"/>
-    <p:sldLayoutId id="2147483665" r:id="rId5"/>
-    <p:sldLayoutId id="2147483666" r:id="rId6"/>
-    <p:sldLayoutId id="2147483667" r:id="rId7"/>
-    <p:sldLayoutId id="2147483668" r:id="rId8"/>
-    <p:sldLayoutId id="2147483669" r:id="rId9"/>
-    <p:sldLayoutId id="2147483670" r:id="rId10"/>
-    <p:sldLayoutId id="2147483671" r:id="rId11"/>
-    <p:sldLayoutId id="2147483672" r:id="rId12"/>
-    <p:sldLayoutId id="2147483673" r:id="rId13"/>
+    <p:sldLayoutId id="2147483662" r:id="rId1"/>
+    <p:sldLayoutId id="2147483663" r:id="rId2"/>
+    <p:sldLayoutId id="2147483664" r:id="rId3"/>
+    <p:sldLayoutId id="2147483665" r:id="rId4"/>
+    <p:sldLayoutId id="2147483666" r:id="rId5"/>
+    <p:sldLayoutId id="2147483667" r:id="rId6"/>
+    <p:sldLayoutId id="2147483668" r:id="rId7"/>
+    <p:sldLayoutId id="2147483669" r:id="rId8"/>
+    <p:sldLayoutId id="2147483670" r:id="rId9"/>
+    <p:sldLayoutId id="2147483671" r:id="rId10"/>
+    <p:sldLayoutId id="2147483672" r:id="rId11"/>
+    <p:sldLayoutId id="2147483673" r:id="rId12"/>
   </p:sldLayoutIdLst>
+  <p:txStyles>
+    <p:titleStyle/>
+    <p:bodyStyle/>
+    <p:otherStyle/>
+  </p:txStyles>
 </p:sldMaster>
 </file>
 
 <file path=ppt/slides/slide1.xml><?xml version="1.0" encoding="utf-8"?>
-<p:sld xmlns:a="http://schemas.openxmlformats.org/drawingml/2006/main" xmlns:p="http://schemas.openxmlformats.org/presentationml/2006/main" xmlns:r="http://schemas.openxmlformats.org/officeDocument/2006/relationships" xmlns:p14="http://schemas.microsoft.com/office/powerpoint/2010/main" xmlns:p15="http://schemas.microsoft.com/office/powerpoint/2012/main" xmlns:mc="http://schemas.openxmlformats.org/markup-compatibility/2006">
+<p:sld xmlns:a="http://schemas.openxmlformats.org/drawingml/2006/main" xmlns:r="http://schemas.openxmlformats.org/officeDocument/2006/relationships" xmlns:p="http://schemas.openxmlformats.org/presentationml/2006/main">
   <p:cSld>
     <p:spTree>
       <p:nvGrpSpPr>
@@ -4000,7 +4088,7 @@
         <p:spPr>
           <a:xfrm>
             <a:off x="791640" y="2996280"/>
-            <a:ext cx="8565840" cy="1242720"/>
+            <a:ext cx="8566560" cy="1243440"/>
           </a:xfrm>
           <a:prstGeom prst="rect">
             <a:avLst/>
@@ -4011,22 +4099,29 @@
           </a:ln>
         </p:spPr>
         <p:style>
-          <a:lnRef idx="0"/>
-          <a:fillRef idx="0"/>
-          <a:effectRef idx="0"/>
+          <a:lnRef idx="0">
+            <a:scrgbClr r="0" g="0" b="0"/>
+          </a:lnRef>
+          <a:fillRef idx="0">
+            <a:scrgbClr r="0" g="0" b="0"/>
+          </a:fillRef>
+          <a:effectRef idx="0">
+            <a:scrgbClr r="0" g="0" b="0"/>
+          </a:effectRef>
           <a:fontRef idx="minor"/>
         </p:style>
         <p:txBody>
-          <a:bodyPr lIns="0" rIns="0" tIns="0" bIns="0" anchor="ctr"/>
+          <a:bodyPr lIns="0" tIns="0" rIns="0" bIns="0" anchor="ctr"/>
+          <a:lstStyle/>
           <a:p>
             <a:r>
-              <a:rPr b="1" lang="en-US" sz="4800" spc="-1" strike="noStrike">
+              <a:rPr lang="en-US" sz="4800" b="1" strike="noStrike" spc="-1">
                 <a:solidFill>
                   <a:srgbClr val="333333"/>
                 </a:solidFill>
                 <a:uFill>
                   <a:solidFill>
-                    <a:srgbClr val="ffffff"/>
+                    <a:srgbClr val="FFFFFF"/>
                   </a:solidFill>
                 </a:uFill>
                 <a:latin typeface="Open Sans"/>
@@ -4034,13 +4129,13 @@
               </a:rPr>
               <a:t>Cybersecurity Password Vault using Java</a:t>
             </a:r>
-            <a:endParaRPr b="0" lang="en-US" sz="1800" spc="-1" strike="noStrike">
-              <a:solidFill>
-                <a:srgbClr val="000000"/>
-              </a:solidFill>
-              <a:uFill>
-                <a:solidFill>
-                  <a:srgbClr val="ffffff"/>
+            <a:endParaRPr lang="en-US" sz="1800" b="0" strike="noStrike" spc="-1">
+              <a:solidFill>
+                <a:srgbClr val="000000"/>
+              </a:solidFill>
+              <a:uFill>
+                <a:solidFill>
+                  <a:srgbClr val="FFFFFF"/>
                 </a:solidFill>
               </a:uFill>
               <a:latin typeface="Arial"/>
@@ -4057,7 +4152,7 @@
         <p:spPr>
           <a:xfrm>
             <a:off x="791640" y="4428000"/>
-            <a:ext cx="8565840" cy="735480"/>
+            <a:ext cx="8566560" cy="736200"/>
           </a:xfrm>
           <a:prstGeom prst="rect">
             <a:avLst/>
@@ -4068,14 +4163,23 @@
           </a:ln>
         </p:spPr>
         <p:style>
-          <a:lnRef idx="0"/>
-          <a:fillRef idx="0"/>
-          <a:effectRef idx="0"/>
+          <a:lnRef idx="0">
+            <a:scrgbClr r="0" g="0" b="0"/>
+          </a:lnRef>
+          <a:fillRef idx="0">
+            <a:scrgbClr r="0" g="0" b="0"/>
+          </a:fillRef>
+          <a:effectRef idx="0">
+            <a:scrgbClr r="0" g="0" b="0"/>
+          </a:effectRef>
           <a:fontRef idx="minor"/>
         </p:style>
       </p:sp>
     </p:spTree>
   </p:cSld>
+  <p:clrMapOvr>
+    <a:masterClrMapping/>
+  </p:clrMapOvr>
   <p:timing>
     <p:tnLst>
       <p:par>
@@ -4084,14 +4188,14 @@
             <p:seq>
               <p:cTn id="2" nodeType="mainSeq"/>
               <p:prevCondLst>
-                <p:cond delay="0" evt="onPrev">
+                <p:cond evt="onPrev" delay="0">
                   <p:tgtEl>
                     <p:sldTgt/>
                   </p:tgtEl>
                 </p:cond>
               </p:prevCondLst>
               <p:nextCondLst>
-                <p:cond delay="0" evt="onNext">
+                <p:cond evt="onNext" delay="0">
                   <p:tgtEl>
                     <p:sldTgt/>
                   </p:tgtEl>
@@ -4107,7 +4211,7 @@
 </file>
 
 <file path=ppt/slides/slide2.xml><?xml version="1.0" encoding="utf-8"?>
-<p:sld xmlns:a="http://schemas.openxmlformats.org/drawingml/2006/main" xmlns:p="http://schemas.openxmlformats.org/presentationml/2006/main" xmlns:r="http://schemas.openxmlformats.org/officeDocument/2006/relationships" xmlns:p14="http://schemas.microsoft.com/office/powerpoint/2010/main" xmlns:p15="http://schemas.microsoft.com/office/powerpoint/2012/main" xmlns:mc="http://schemas.openxmlformats.org/markup-compatibility/2006">
+<p:sld xmlns:a="http://schemas.openxmlformats.org/drawingml/2006/main" xmlns:r="http://schemas.openxmlformats.org/officeDocument/2006/relationships" xmlns:p="http://schemas.openxmlformats.org/presentationml/2006/main">
   <p:cSld>
     <p:spTree>
       <p:nvGrpSpPr>
@@ -4125,14 +4229,14 @@
       </p:grpSpPr>
       <p:sp>
         <p:nvSpPr>
-          <p:cNvPr id="80" name="CustomShape 1"/>
-          <p:cNvSpPr/>
+          <p:cNvPr id="80" name="TextShape 1"/>
+          <p:cNvSpPr txBox="1"/>
           <p:nvPr/>
         </p:nvSpPr>
         <p:spPr>
           <a:xfrm>
             <a:off x="642240" y="182880"/>
-            <a:ext cx="6580800" cy="850320"/>
+            <a:ext cx="6581520" cy="851040"/>
           </a:xfrm>
           <a:prstGeom prst="rect">
             <a:avLst/>
@@ -4142,69 +4246,49 @@
             <a:noFill/>
           </a:ln>
         </p:spPr>
-        <p:style>
-          <a:lnRef idx="0"/>
-          <a:fillRef idx="0"/>
-          <a:effectRef idx="0"/>
-          <a:fontRef idx="minor"/>
-        </p:style>
-        <p:txBody>
-          <a:bodyPr lIns="90000" rIns="90000" tIns="45000" bIns="45000"/>
+        <p:txBody>
+          <a:bodyPr lIns="90000" tIns="45000" rIns="90000" bIns="45000"/>
+          <a:lstStyle/>
           <a:p>
             <a:r>
-              <a:rPr b="1" lang="en-US" sz="4400" spc="-1" strike="noStrike">
+              <a:rPr lang="en-US" sz="4400" b="1" strike="noStrike" spc="-1">
                 <a:solidFill>
                   <a:srgbClr val="333333"/>
                 </a:solidFill>
                 <a:uFill>
                   <a:solidFill>
-                    <a:srgbClr val="ffffff"/>
+                    <a:srgbClr val="FFFFFF"/>
                   </a:solidFill>
                 </a:uFill>
                 <a:latin typeface="Open Sans"/>
                 <a:ea typeface="DejaVu Sans"/>
               </a:rPr>
-              <a:t>Password Vault </a:t>
+              <a:t>Password Vault 	</a:t>
             </a:r>
-            <a:r>
-              <a:rPr b="1" lang="en-US" sz="4400" spc="-1" strike="noStrike">
-                <a:solidFill>
-                  <a:srgbClr val="333333"/>
-                </a:solidFill>
-                <a:uFill>
-                  <a:solidFill>
-                    <a:srgbClr val="ffffff"/>
-                  </a:solidFill>
-                </a:uFill>
-                <a:latin typeface="Open Sans"/>
-                <a:ea typeface="DejaVu Sans"/>
-              </a:rPr>
-              <a:t>	</a:t>
-            </a:r>
-            <a:endParaRPr b="0" lang="en-US" sz="1800" spc="-1" strike="noStrike">
-              <a:solidFill>
-                <a:srgbClr val="000000"/>
-              </a:solidFill>
-              <a:uFill>
-                <a:solidFill>
-                  <a:srgbClr val="ffffff"/>
-                </a:solidFill>
-              </a:uFill>
-              <a:latin typeface="Arial"/>
-            </a:endParaRPr>
-          </a:p>
-        </p:txBody>
-      </p:sp>
-      <p:sp>
-        <p:nvSpPr>
-          <p:cNvPr id="81" name="CustomShape 2"/>
-          <p:cNvSpPr/>
+            <a:endParaRPr lang="en-US" sz="1800" b="0" strike="noStrike" spc="-1">
+              <a:solidFill>
+                <a:srgbClr val="000000"/>
+              </a:solidFill>
+              <a:uFill>
+                <a:solidFill>
+                  <a:srgbClr val="FFFFFF"/>
+                </a:solidFill>
+              </a:uFill>
+              <a:latin typeface="Arial"/>
+            </a:endParaRPr>
+          </a:p>
+        </p:txBody>
+      </p:sp>
+      <p:sp>
+        <p:nvSpPr>
+          <p:cNvPr id="81" name="TextShape 2"/>
+          <p:cNvSpPr txBox="1"/>
           <p:nvPr/>
         </p:nvSpPr>
         <p:spPr>
           <a:xfrm>
             <a:off x="731520" y="1371600"/>
-            <a:ext cx="8686080" cy="4114080"/>
+            <a:ext cx="8686800" cy="4114800"/>
           </a:xfrm>
           <a:prstGeom prst="rect">
             <a:avLst/>
@@ -4214,14 +4298,9 @@
             <a:noFill/>
           </a:ln>
         </p:spPr>
-        <p:style>
-          <a:lnRef idx="0"/>
-          <a:fillRef idx="0"/>
-          <a:effectRef idx="0"/>
-          <a:fontRef idx="minor"/>
-        </p:style>
-        <p:txBody>
-          <a:bodyPr lIns="90000" rIns="90000" tIns="45000" bIns="45000"/>
+        <p:txBody>
+          <a:bodyPr lIns="90000" tIns="45000" rIns="90000" bIns="45000"/>
+          <a:lstStyle/>
           <a:p>
             <a:pPr>
               <a:lnSpc>
@@ -4232,13 +4311,13 @@
               </a:spcAft>
             </a:pPr>
             <a:r>
-              <a:rPr b="0" lang="en-US" sz="2800" spc="-1" strike="noStrike">
+              <a:rPr lang="en-US" sz="2800" b="0" strike="noStrike" spc="-1">
                 <a:solidFill>
                   <a:srgbClr val="333333"/>
                 </a:solidFill>
                 <a:uFill>
                   <a:solidFill>
-                    <a:srgbClr val="ffffff"/>
+                    <a:srgbClr val="FFFFFF"/>
                   </a:solidFill>
                 </a:uFill>
                 <a:latin typeface="Open Sans"/>
@@ -4246,13 +4325,13 @@
               </a:rPr>
               <a:t>A password vault is a program that will allow a user to store their username and passwords for websites and programs. It uses encryption to ensure only the user will have access to the information</a:t>
             </a:r>
-            <a:endParaRPr b="0" lang="en-US" sz="1800" spc="-1" strike="noStrike">
-              <a:solidFill>
-                <a:srgbClr val="000000"/>
-              </a:solidFill>
-              <a:uFill>
-                <a:solidFill>
-                  <a:srgbClr val="ffffff"/>
+            <a:endParaRPr lang="en-US" sz="1800" b="0" strike="noStrike" spc="-1">
+              <a:solidFill>
+                <a:srgbClr val="000000"/>
+              </a:solidFill>
+              <a:uFill>
+                <a:solidFill>
+                  <a:srgbClr val="FFFFFF"/>
                 </a:solidFill>
               </a:uFill>
               <a:latin typeface="Arial"/>
@@ -4262,22 +4341,25 @@
       </p:sp>
     </p:spTree>
   </p:cSld>
+  <p:clrMapOvr>
+    <a:masterClrMapping/>
+  </p:clrMapOvr>
   <p:timing>
     <p:tnLst>
       <p:par>
-        <p:cTn id="3" dur="indefinite" restart="never" nodeType="tmRoot">
+        <p:cTn id="1" dur="indefinite" restart="never" nodeType="tmRoot">
           <p:childTnLst>
             <p:seq>
-              <p:cTn id="4" nodeType="mainSeq"/>
+              <p:cTn id="2" nodeType="mainSeq"/>
               <p:prevCondLst>
-                <p:cond delay="0" evt="onPrev">
+                <p:cond evt="onPrev" delay="0">
                   <p:tgtEl>
                     <p:sldTgt/>
                   </p:tgtEl>
                 </p:cond>
               </p:prevCondLst>
               <p:nextCondLst>
-                <p:cond delay="0" evt="onNext">
+                <p:cond evt="onNext" delay="0">
                   <p:tgtEl>
                     <p:sldTgt/>
                   </p:tgtEl>
@@ -4293,7 +4375,7 @@
 </file>
 
 <file path=ppt/slides/slide3.xml><?xml version="1.0" encoding="utf-8"?>
-<p:sld xmlns:a="http://schemas.openxmlformats.org/drawingml/2006/main" xmlns:p="http://schemas.openxmlformats.org/presentationml/2006/main" xmlns:r="http://schemas.openxmlformats.org/officeDocument/2006/relationships" xmlns:p14="http://schemas.microsoft.com/office/powerpoint/2010/main" xmlns:p15="http://schemas.microsoft.com/office/powerpoint/2012/main" xmlns:mc="http://schemas.openxmlformats.org/markup-compatibility/2006">
+<p:sld xmlns:a="http://schemas.openxmlformats.org/drawingml/2006/main" xmlns:r="http://schemas.openxmlformats.org/officeDocument/2006/relationships" xmlns:p="http://schemas.openxmlformats.org/presentationml/2006/main">
   <p:cSld>
     <p:spTree>
       <p:nvGrpSpPr>
@@ -4318,7 +4400,7 @@
         <p:spPr>
           <a:xfrm>
             <a:off x="719640" y="225720"/>
-            <a:ext cx="8853480" cy="945720"/>
+            <a:ext cx="8854200" cy="946440"/>
           </a:xfrm>
           <a:prstGeom prst="rect">
             <a:avLst/>
@@ -4329,51 +4411,43 @@
           </a:ln>
         </p:spPr>
         <p:style>
-          <a:lnRef idx="0"/>
-          <a:fillRef idx="0"/>
-          <a:effectRef idx="0"/>
+          <a:lnRef idx="0">
+            <a:scrgbClr r="0" g="0" b="0"/>
+          </a:lnRef>
+          <a:fillRef idx="0">
+            <a:scrgbClr r="0" g="0" b="0"/>
+          </a:fillRef>
+          <a:effectRef idx="0">
+            <a:scrgbClr r="0" g="0" b="0"/>
+          </a:effectRef>
           <a:fontRef idx="minor"/>
         </p:style>
         <p:txBody>
-          <a:bodyPr lIns="0" rIns="0" tIns="0" bIns="0" anchor="ctr"/>
+          <a:bodyPr lIns="0" tIns="0" rIns="0" bIns="0" anchor="ctr"/>
+          <a:lstStyle/>
           <a:p>
             <a:r>
-              <a:rPr b="1" lang="en-US" sz="4400" spc="-1" strike="noStrike">
+              <a:rPr lang="en-US" sz="4400" b="1" strike="noStrike" spc="-1">
                 <a:solidFill>
                   <a:srgbClr val="333333"/>
                 </a:solidFill>
                 <a:uFill>
                   <a:solidFill>
-                    <a:srgbClr val="ffffff"/>
+                    <a:srgbClr val="FFFFFF"/>
                   </a:solidFill>
                 </a:uFill>
                 <a:latin typeface="Open Sans"/>
                 <a:ea typeface="DejaVu Sans"/>
               </a:rPr>
-              <a:t>Password Vault Team </a:t>
+              <a:t>Password Vault Team 	</a:t>
             </a:r>
-            <a:r>
-              <a:rPr b="1" lang="en-US" sz="4400" spc="-1" strike="noStrike">
-                <a:solidFill>
-                  <a:srgbClr val="333333"/>
-                </a:solidFill>
-                <a:uFill>
-                  <a:solidFill>
-                    <a:srgbClr val="ffffff"/>
-                  </a:solidFill>
-                </a:uFill>
-                <a:latin typeface="Open Sans"/>
-                <a:ea typeface="DejaVu Sans"/>
-              </a:rPr>
-              <a:t>	</a:t>
-            </a:r>
-            <a:endParaRPr b="0" lang="en-US" sz="1800" spc="-1" strike="noStrike">
-              <a:solidFill>
-                <a:srgbClr val="000000"/>
-              </a:solidFill>
-              <a:uFill>
-                <a:solidFill>
-                  <a:srgbClr val="ffffff"/>
+            <a:endParaRPr lang="en-US" sz="1800" b="0" strike="noStrike" spc="-1">
+              <a:solidFill>
+                <a:srgbClr val="000000"/>
+              </a:solidFill>
+              <a:uFill>
+                <a:solidFill>
+                  <a:srgbClr val="FFFFFF"/>
                 </a:solidFill>
               </a:uFill>
               <a:latin typeface="Arial"/>
@@ -4390,7 +4464,7 @@
         <p:spPr>
           <a:xfrm>
             <a:off x="719640" y="1620000"/>
-            <a:ext cx="8637840" cy="3287160"/>
+            <a:ext cx="8638560" cy="3287880"/>
           </a:xfrm>
           <a:prstGeom prst="rect">
             <a:avLst/>
@@ -4401,15 +4475,22 @@
           </a:ln>
         </p:spPr>
         <p:style>
-          <a:lnRef idx="0"/>
-          <a:fillRef idx="0"/>
-          <a:effectRef idx="0"/>
+          <a:lnRef idx="0">
+            <a:scrgbClr r="0" g="0" b="0"/>
+          </a:lnRef>
+          <a:fillRef idx="0">
+            <a:scrgbClr r="0" g="0" b="0"/>
+          </a:fillRef>
+          <a:effectRef idx="0">
+            <a:scrgbClr r="0" g="0" b="0"/>
+          </a:effectRef>
           <a:fontRef idx="minor"/>
         </p:style>
         <p:txBody>
-          <a:bodyPr lIns="0" rIns="0" tIns="0" bIns="0"/>
-          <a:p>
-            <a:pPr marL="432000" indent="-322560">
+          <a:bodyPr lIns="0" tIns="0" rIns="0" bIns="0"/>
+          <a:lstStyle/>
+          <a:p>
+            <a:pPr marL="432000" indent="-323280">
               <a:lnSpc>
                 <a:spcPct val="100000"/>
               </a:lnSpc>
@@ -4417,20 +4498,20 @@
                 <a:spcPts val="1414"/>
               </a:spcAft>
               <a:buClr>
-                <a:srgbClr val="ef2929"/>
+                <a:srgbClr val="EF2929"/>
               </a:buClr>
               <a:buSzPct val="45000"/>
               <a:buFont typeface="Wingdings" charset="2"/>
               <a:buChar char=""/>
             </a:pPr>
             <a:r>
-              <a:rPr b="0" lang="en-US" sz="2800" spc="-1" strike="noStrike">
+              <a:rPr lang="en-US" sz="2800" b="0" strike="noStrike" spc="-1">
                 <a:solidFill>
                   <a:srgbClr val="333333"/>
                 </a:solidFill>
                 <a:uFill>
                   <a:solidFill>
-                    <a:srgbClr val="ffffff"/>
+                    <a:srgbClr val="FFFFFF"/>
                   </a:solidFill>
                 </a:uFill>
                 <a:latin typeface="Open Sans"/>
@@ -4438,20 +4519,20 @@
               </a:rPr>
               <a:t>John Crosby - Authentication</a:t>
             </a:r>
-            <a:endParaRPr b="0" lang="en-US" sz="1800" spc="-1" strike="noStrike">
-              <a:solidFill>
-                <a:srgbClr val="000000"/>
-              </a:solidFill>
-              <a:uFill>
-                <a:solidFill>
-                  <a:srgbClr val="ffffff"/>
-                </a:solidFill>
-              </a:uFill>
-              <a:latin typeface="Arial"/>
-            </a:endParaRPr>
-          </a:p>
-          <a:p>
-            <a:pPr marL="432000" indent="-322560">
+            <a:endParaRPr lang="en-US" sz="1800" b="0" strike="noStrike" spc="-1">
+              <a:solidFill>
+                <a:srgbClr val="000000"/>
+              </a:solidFill>
+              <a:uFill>
+                <a:solidFill>
+                  <a:srgbClr val="FFFFFF"/>
+                </a:solidFill>
+              </a:uFill>
+              <a:latin typeface="Arial"/>
+            </a:endParaRPr>
+          </a:p>
+          <a:p>
+            <a:pPr marL="432000" indent="-323280">
               <a:lnSpc>
                 <a:spcPct val="100000"/>
               </a:lnSpc>
@@ -4459,20 +4540,20 @@
                 <a:spcPts val="1414"/>
               </a:spcAft>
               <a:buClr>
-                <a:srgbClr val="ef2929"/>
+                <a:srgbClr val="EF2929"/>
               </a:buClr>
               <a:buSzPct val="45000"/>
               <a:buFont typeface="Wingdings" charset="2"/>
               <a:buChar char=""/>
             </a:pPr>
             <a:r>
-              <a:rPr b="0" lang="en-US" sz="2800" spc="-1" strike="noStrike">
+              <a:rPr lang="en-US" sz="2800" b="0" strike="noStrike" spc="-1">
                 <a:solidFill>
                   <a:srgbClr val="333333"/>
                 </a:solidFill>
                 <a:uFill>
                   <a:solidFill>
-                    <a:srgbClr val="ffffff"/>
+                    <a:srgbClr val="FFFFFF"/>
                   </a:solidFill>
                 </a:uFill>
                 <a:latin typeface="Open Sans"/>
@@ -4480,20 +4561,20 @@
               </a:rPr>
               <a:t>Kevin Yang – Password Encryption</a:t>
             </a:r>
-            <a:endParaRPr b="0" lang="en-US" sz="1800" spc="-1" strike="noStrike">
-              <a:solidFill>
-                <a:srgbClr val="000000"/>
-              </a:solidFill>
-              <a:uFill>
-                <a:solidFill>
-                  <a:srgbClr val="ffffff"/>
-                </a:solidFill>
-              </a:uFill>
-              <a:latin typeface="Arial"/>
-            </a:endParaRPr>
-          </a:p>
-          <a:p>
-            <a:pPr marL="432000" indent="-322560">
+            <a:endParaRPr lang="en-US" sz="1800" b="0" strike="noStrike" spc="-1">
+              <a:solidFill>
+                <a:srgbClr val="000000"/>
+              </a:solidFill>
+              <a:uFill>
+                <a:solidFill>
+                  <a:srgbClr val="FFFFFF"/>
+                </a:solidFill>
+              </a:uFill>
+              <a:latin typeface="Arial"/>
+            </a:endParaRPr>
+          </a:p>
+          <a:p>
+            <a:pPr marL="432000" indent="-323280">
               <a:lnSpc>
                 <a:spcPct val="100000"/>
               </a:lnSpc>
@@ -4501,20 +4582,20 @@
                 <a:spcPts val="1414"/>
               </a:spcAft>
               <a:buClr>
-                <a:srgbClr val="ef2929"/>
+                <a:srgbClr val="EF2929"/>
               </a:buClr>
               <a:buSzPct val="45000"/>
               <a:buFont typeface="Wingdings" charset="2"/>
               <a:buChar char=""/>
             </a:pPr>
             <a:r>
-              <a:rPr b="0" lang="en-US" sz="2800" spc="-1" strike="noStrike">
+              <a:rPr lang="en-US" sz="2800" b="0" strike="noStrike" spc="-1">
                 <a:solidFill>
                   <a:srgbClr val="333333"/>
                 </a:solidFill>
                 <a:uFill>
                   <a:solidFill>
-                    <a:srgbClr val="ffffff"/>
+                    <a:srgbClr val="FFFFFF"/>
                   </a:solidFill>
                 </a:uFill>
                 <a:latin typeface="Open Sans"/>
@@ -4522,13 +4603,13 @@
               </a:rPr>
               <a:t>Brian Sumner – User Interface</a:t>
             </a:r>
-            <a:endParaRPr b="0" lang="en-US" sz="1800" spc="-1" strike="noStrike">
-              <a:solidFill>
-                <a:srgbClr val="000000"/>
-              </a:solidFill>
-              <a:uFill>
-                <a:solidFill>
-                  <a:srgbClr val="ffffff"/>
+            <a:endParaRPr lang="en-US" sz="1800" b="0" strike="noStrike" spc="-1">
+              <a:solidFill>
+                <a:srgbClr val="000000"/>
+              </a:solidFill>
+              <a:uFill>
+                <a:solidFill>
+                  <a:srgbClr val="FFFFFF"/>
                 </a:solidFill>
               </a:uFill>
               <a:latin typeface="Arial"/>
@@ -4543,13 +4624,13 @@
                 <a:spcPts val="1414"/>
               </a:spcAft>
             </a:pPr>
-            <a:endParaRPr b="0" lang="en-US" sz="1800" spc="-1" strike="noStrike">
-              <a:solidFill>
-                <a:srgbClr val="000000"/>
-              </a:solidFill>
-              <a:uFill>
-                <a:solidFill>
-                  <a:srgbClr val="ffffff"/>
+            <a:endParaRPr lang="en-US" sz="1800" b="0" strike="noStrike" spc="-1">
+              <a:solidFill>
+                <a:srgbClr val="000000"/>
+              </a:solidFill>
+              <a:uFill>
+                <a:solidFill>
+                  <a:srgbClr val="FFFFFF"/>
                 </a:solidFill>
               </a:uFill>
               <a:latin typeface="Arial"/>
@@ -4559,22 +4640,25 @@
       </p:sp>
     </p:spTree>
   </p:cSld>
+  <p:clrMapOvr>
+    <a:masterClrMapping/>
+  </p:clrMapOvr>
   <p:timing>
     <p:tnLst>
       <p:par>
-        <p:cTn id="5" dur="indefinite" restart="never" nodeType="tmRoot">
+        <p:cTn id="1" dur="indefinite" restart="never" nodeType="tmRoot">
           <p:childTnLst>
             <p:seq>
-              <p:cTn id="6" nodeType="mainSeq"/>
+              <p:cTn id="2" nodeType="mainSeq"/>
               <p:prevCondLst>
-                <p:cond delay="0" evt="onPrev">
+                <p:cond evt="onPrev" delay="0">
                   <p:tgtEl>
                     <p:sldTgt/>
                   </p:tgtEl>
                 </p:cond>
               </p:prevCondLst>
               <p:nextCondLst>
-                <p:cond delay="0" evt="onNext">
+                <p:cond evt="onNext" delay="0">
                   <p:tgtEl>
                     <p:sldTgt/>
                   </p:tgtEl>
@@ -4590,7 +4674,7 @@
 </file>
 
 <file path=ppt/slides/slide4.xml><?xml version="1.0" encoding="utf-8"?>
-<p:sld xmlns:a="http://schemas.openxmlformats.org/drawingml/2006/main" xmlns:p="http://schemas.openxmlformats.org/presentationml/2006/main" xmlns:r="http://schemas.openxmlformats.org/officeDocument/2006/relationships" xmlns:p14="http://schemas.microsoft.com/office/powerpoint/2010/main" xmlns:p15="http://schemas.microsoft.com/office/powerpoint/2012/main" xmlns:mc="http://schemas.openxmlformats.org/markup-compatibility/2006">
+<p:sld xmlns:a="http://schemas.openxmlformats.org/drawingml/2006/main" xmlns:r="http://schemas.openxmlformats.org/officeDocument/2006/relationships" xmlns:p="http://schemas.openxmlformats.org/presentationml/2006/main">
   <p:cSld>
     <p:spTree>
       <p:nvGrpSpPr>
@@ -4615,7 +4699,7 @@
         <p:spPr>
           <a:xfrm>
             <a:off x="719640" y="225720"/>
-            <a:ext cx="8853480" cy="945720"/>
+            <a:ext cx="8854200" cy="946440"/>
           </a:xfrm>
           <a:prstGeom prst="rect">
             <a:avLst/>
@@ -4626,22 +4710,29 @@
           </a:ln>
         </p:spPr>
         <p:style>
-          <a:lnRef idx="0"/>
-          <a:fillRef idx="0"/>
-          <a:effectRef idx="0"/>
+          <a:lnRef idx="0">
+            <a:scrgbClr r="0" g="0" b="0"/>
+          </a:lnRef>
+          <a:fillRef idx="0">
+            <a:scrgbClr r="0" g="0" b="0"/>
+          </a:fillRef>
+          <a:effectRef idx="0">
+            <a:scrgbClr r="0" g="0" b="0"/>
+          </a:effectRef>
           <a:fontRef idx="minor"/>
         </p:style>
         <p:txBody>
-          <a:bodyPr lIns="0" rIns="0" tIns="0" bIns="0" anchor="ctr"/>
+          <a:bodyPr lIns="0" tIns="0" rIns="0" bIns="0" anchor="ctr"/>
+          <a:lstStyle/>
           <a:p>
             <a:r>
-              <a:rPr b="1" lang="en-US" sz="4400" spc="-1" strike="noStrike">
+              <a:rPr lang="en-US" sz="4400" b="1" strike="noStrike" spc="-1">
                 <a:solidFill>
                   <a:srgbClr val="333333"/>
                 </a:solidFill>
                 <a:uFill>
                   <a:solidFill>
-                    <a:srgbClr val="ffffff"/>
+                    <a:srgbClr val="FFFFFF"/>
                   </a:solidFill>
                 </a:uFill>
                 <a:latin typeface="Open Sans"/>
@@ -4649,13 +4740,13 @@
               </a:rPr>
               <a:t>Project Overview</a:t>
             </a:r>
-            <a:endParaRPr b="0" lang="en-US" sz="1800" spc="-1" strike="noStrike">
-              <a:solidFill>
-                <a:srgbClr val="000000"/>
-              </a:solidFill>
-              <a:uFill>
-                <a:solidFill>
-                  <a:srgbClr val="ffffff"/>
+            <a:endParaRPr lang="en-US" sz="1800" b="0" strike="noStrike" spc="-1">
+              <a:solidFill>
+                <a:srgbClr val="000000"/>
+              </a:solidFill>
+              <a:uFill>
+                <a:solidFill>
+                  <a:srgbClr val="FFFFFF"/>
                 </a:solidFill>
               </a:uFill>
               <a:latin typeface="Arial"/>
@@ -4672,7 +4763,7 @@
         <p:spPr>
           <a:xfrm>
             <a:off x="719640" y="1566000"/>
-            <a:ext cx="8637840" cy="3734640"/>
+            <a:ext cx="8638560" cy="3735360"/>
           </a:xfrm>
           <a:prstGeom prst="rect">
             <a:avLst/>
@@ -4683,15 +4774,22 @@
           </a:ln>
         </p:spPr>
         <p:style>
-          <a:lnRef idx="0"/>
-          <a:fillRef idx="0"/>
-          <a:effectRef idx="0"/>
+          <a:lnRef idx="0">
+            <a:scrgbClr r="0" g="0" b="0"/>
+          </a:lnRef>
+          <a:fillRef idx="0">
+            <a:scrgbClr r="0" g="0" b="0"/>
+          </a:fillRef>
+          <a:effectRef idx="0">
+            <a:scrgbClr r="0" g="0" b="0"/>
+          </a:effectRef>
           <a:fontRef idx="minor"/>
         </p:style>
         <p:txBody>
-          <a:bodyPr lIns="0" rIns="0" tIns="0" bIns="0"/>
-          <a:p>
-            <a:pPr marL="432000" indent="-322560">
+          <a:bodyPr lIns="0" tIns="0" rIns="0" bIns="0"/>
+          <a:lstStyle/>
+          <a:p>
+            <a:pPr marL="432000" indent="-323280">
               <a:lnSpc>
                 <a:spcPct val="100000"/>
               </a:lnSpc>
@@ -4699,20 +4797,20 @@
                 <a:spcPts val="1414"/>
               </a:spcAft>
               <a:buClr>
-                <a:srgbClr val="ef2929"/>
+                <a:srgbClr val="EF2929"/>
               </a:buClr>
               <a:buSzPct val="45000"/>
               <a:buFont typeface="Wingdings" charset="2"/>
               <a:buChar char=""/>
             </a:pPr>
             <a:r>
-              <a:rPr b="0" lang="en-US" sz="2800" spc="-1" strike="noStrike">
+              <a:rPr lang="en-US" sz="2800" b="0" strike="noStrike" spc="-1">
                 <a:solidFill>
                   <a:srgbClr val="333333"/>
                 </a:solidFill>
                 <a:uFill>
                   <a:solidFill>
-                    <a:srgbClr val="ffffff"/>
+                    <a:srgbClr val="FFFFFF"/>
                   </a:solidFill>
                 </a:uFill>
                 <a:latin typeface="Open Sans"/>
@@ -4720,20 +4818,20 @@
               </a:rPr>
               <a:t>When starting the program, the user will have the option to create a new vault file, or opening an existing vault file.</a:t>
             </a:r>
-            <a:endParaRPr b="0" lang="en-US" sz="1800" spc="-1" strike="noStrike">
-              <a:solidFill>
-                <a:srgbClr val="000000"/>
-              </a:solidFill>
-              <a:uFill>
-                <a:solidFill>
-                  <a:srgbClr val="ffffff"/>
-                </a:solidFill>
-              </a:uFill>
-              <a:latin typeface="Arial"/>
-            </a:endParaRPr>
-          </a:p>
-          <a:p>
-            <a:pPr marL="432000" indent="-322560">
+            <a:endParaRPr lang="en-US" sz="1800" b="0" strike="noStrike" spc="-1">
+              <a:solidFill>
+                <a:srgbClr val="000000"/>
+              </a:solidFill>
+              <a:uFill>
+                <a:solidFill>
+                  <a:srgbClr val="FFFFFF"/>
+                </a:solidFill>
+              </a:uFill>
+              <a:latin typeface="Arial"/>
+            </a:endParaRPr>
+          </a:p>
+          <a:p>
+            <a:pPr marL="432000" indent="-323280">
               <a:lnSpc>
                 <a:spcPct val="100000"/>
               </a:lnSpc>
@@ -4741,41 +4839,41 @@
                 <a:spcPts val="1414"/>
               </a:spcAft>
               <a:buClr>
-                <a:srgbClr val="ef2929"/>
+                <a:srgbClr val="EF2929"/>
               </a:buClr>
               <a:buSzPct val="45000"/>
               <a:buFont typeface="Wingdings" charset="2"/>
               <a:buChar char=""/>
             </a:pPr>
             <a:r>
-              <a:rPr b="0" lang="en-US" sz="2800" spc="-1" strike="noStrike">
+              <a:rPr lang="en-US" sz="2800" b="0" strike="noStrike" spc="-1">
                 <a:solidFill>
                   <a:srgbClr val="333333"/>
                 </a:solidFill>
                 <a:uFill>
                   <a:solidFill>
-                    <a:srgbClr val="ffffff"/>
+                    <a:srgbClr val="FFFFFF"/>
                   </a:solidFill>
                 </a:uFill>
                 <a:latin typeface="Open Sans"/>
                 <a:ea typeface="DejaVu Sans"/>
               </a:rPr>
-              <a:t>User will enter a password with an optional 2-factor verification using a keyfile.</a:t>
+              <a:t>User will enter a password with an optional 2-step verification using a keyfile.</a:t>
             </a:r>
-            <a:endParaRPr b="0" lang="en-US" sz="1800" spc="-1" strike="noStrike">
-              <a:solidFill>
-                <a:srgbClr val="000000"/>
-              </a:solidFill>
-              <a:uFill>
-                <a:solidFill>
-                  <a:srgbClr val="ffffff"/>
-                </a:solidFill>
-              </a:uFill>
-              <a:latin typeface="Arial"/>
-            </a:endParaRPr>
-          </a:p>
-          <a:p>
-            <a:pPr marL="432000" indent="-322560">
+            <a:endParaRPr lang="en-US" sz="1800" b="0" strike="noStrike" spc="-1">
+              <a:solidFill>
+                <a:srgbClr val="000000"/>
+              </a:solidFill>
+              <a:uFill>
+                <a:solidFill>
+                  <a:srgbClr val="FFFFFF"/>
+                </a:solidFill>
+              </a:uFill>
+              <a:latin typeface="Arial"/>
+            </a:endParaRPr>
+          </a:p>
+          <a:p>
+            <a:pPr marL="432000" indent="-323280">
               <a:lnSpc>
                 <a:spcPct val="100000"/>
               </a:lnSpc>
@@ -4783,20 +4881,20 @@
                 <a:spcPts val="1414"/>
               </a:spcAft>
               <a:buClr>
-                <a:srgbClr val="ef2929"/>
+                <a:srgbClr val="EF2929"/>
               </a:buClr>
               <a:buSzPct val="45000"/>
               <a:buFont typeface="Wingdings" charset="2"/>
               <a:buChar char=""/>
             </a:pPr>
             <a:r>
-              <a:rPr b="0" lang="en-US" sz="2800" spc="-1" strike="noStrike">
+              <a:rPr lang="en-US" sz="2800" b="0" strike="noStrike" spc="-1">
                 <a:solidFill>
                   <a:srgbClr val="333333"/>
                 </a:solidFill>
                 <a:uFill>
                   <a:solidFill>
-                    <a:srgbClr val="ffffff"/>
+                    <a:srgbClr val="FFFFFF"/>
                   </a:solidFill>
                 </a:uFill>
                 <a:latin typeface="Open Sans"/>
@@ -4804,13 +4902,13 @@
               </a:rPr>
               <a:t>User‘s password vault file will be opened, decrypted, and displayed using a graphical user interface. </a:t>
             </a:r>
-            <a:endParaRPr b="0" lang="en-US" sz="1800" spc="-1" strike="noStrike">
-              <a:solidFill>
-                <a:srgbClr val="000000"/>
-              </a:solidFill>
-              <a:uFill>
-                <a:solidFill>
-                  <a:srgbClr val="ffffff"/>
+            <a:endParaRPr lang="en-US" sz="1800" b="0" strike="noStrike" spc="-1">
+              <a:solidFill>
+                <a:srgbClr val="000000"/>
+              </a:solidFill>
+              <a:uFill>
+                <a:solidFill>
+                  <a:srgbClr val="FFFFFF"/>
                 </a:solidFill>
               </a:uFill>
               <a:latin typeface="Arial"/>
@@ -4820,22 +4918,25 @@
       </p:sp>
     </p:spTree>
   </p:cSld>
+  <p:clrMapOvr>
+    <a:masterClrMapping/>
+  </p:clrMapOvr>
   <p:timing>
     <p:tnLst>
       <p:par>
-        <p:cTn id="7" dur="indefinite" restart="never" nodeType="tmRoot">
+        <p:cTn id="1" dur="indefinite" restart="never" nodeType="tmRoot">
           <p:childTnLst>
             <p:seq>
-              <p:cTn id="8" nodeType="mainSeq"/>
+              <p:cTn id="2" nodeType="mainSeq"/>
               <p:prevCondLst>
-                <p:cond delay="0" evt="onPrev">
+                <p:cond evt="onPrev" delay="0">
                   <p:tgtEl>
                     <p:sldTgt/>
                   </p:tgtEl>
                 </p:cond>
               </p:prevCondLst>
               <p:nextCondLst>
-                <p:cond delay="0" evt="onNext">
+                <p:cond evt="onNext" delay="0">
                   <p:tgtEl>
                     <p:sldTgt/>
                   </p:tgtEl>
@@ -4851,7 +4952,7 @@
 </file>
 
 <file path=ppt/slides/slide5.xml><?xml version="1.0" encoding="utf-8"?>
-<p:sld xmlns:a="http://schemas.openxmlformats.org/drawingml/2006/main" xmlns:p="http://schemas.openxmlformats.org/presentationml/2006/main" xmlns:r="http://schemas.openxmlformats.org/officeDocument/2006/relationships" xmlns:p14="http://schemas.microsoft.com/office/powerpoint/2010/main" xmlns:p15="http://schemas.microsoft.com/office/powerpoint/2012/main" xmlns:mc="http://schemas.openxmlformats.org/markup-compatibility/2006">
+<p:sld xmlns:a="http://schemas.openxmlformats.org/drawingml/2006/main" xmlns:r="http://schemas.openxmlformats.org/officeDocument/2006/relationships" xmlns:p="http://schemas.openxmlformats.org/presentationml/2006/main">
   <p:cSld>
     <p:spTree>
       <p:nvGrpSpPr>
@@ -4876,7 +4977,7 @@
         <p:spPr>
           <a:xfrm>
             <a:off x="719640" y="225720"/>
-            <a:ext cx="8853480" cy="945720"/>
+            <a:ext cx="8854200" cy="946440"/>
           </a:xfrm>
           <a:prstGeom prst="rect">
             <a:avLst/>
@@ -4887,51 +4988,43 @@
           </a:ln>
         </p:spPr>
         <p:style>
-          <a:lnRef idx="0"/>
-          <a:fillRef idx="0"/>
-          <a:effectRef idx="0"/>
+          <a:lnRef idx="0">
+            <a:scrgbClr r="0" g="0" b="0"/>
+          </a:lnRef>
+          <a:fillRef idx="0">
+            <a:scrgbClr r="0" g="0" b="0"/>
+          </a:fillRef>
+          <a:effectRef idx="0">
+            <a:scrgbClr r="0" g="0" b="0"/>
+          </a:effectRef>
           <a:fontRef idx="minor"/>
         </p:style>
         <p:txBody>
-          <a:bodyPr lIns="0" rIns="0" tIns="0" bIns="0" anchor="ctr"/>
+          <a:bodyPr lIns="0" tIns="0" rIns="0" bIns="0" anchor="ctr"/>
+          <a:lstStyle/>
           <a:p>
             <a:r>
-              <a:rPr b="1" lang="en-US" sz="4400" spc="-1" strike="noStrike">
+              <a:rPr lang="en-US" sz="4400" b="1" strike="noStrike" spc="-1">
                 <a:solidFill>
                   <a:srgbClr val="333333"/>
                 </a:solidFill>
                 <a:uFill>
                   <a:solidFill>
-                    <a:srgbClr val="ffffff"/>
+                    <a:srgbClr val="FFFFFF"/>
                   </a:solidFill>
                 </a:uFill>
                 <a:latin typeface="Open Sans"/>
                 <a:ea typeface="DejaVu Sans"/>
               </a:rPr>
-              <a:t>Project Overview</a:t>
+              <a:t>Project Overview	</a:t>
             </a:r>
-            <a:r>
-              <a:rPr b="1" lang="en-US" sz="4400" spc="-1" strike="noStrike">
-                <a:solidFill>
-                  <a:srgbClr val="333333"/>
-                </a:solidFill>
-                <a:uFill>
-                  <a:solidFill>
-                    <a:srgbClr val="ffffff"/>
-                  </a:solidFill>
-                </a:uFill>
-                <a:latin typeface="Open Sans"/>
-                <a:ea typeface="DejaVu Sans"/>
-              </a:rPr>
-              <a:t>	</a:t>
-            </a:r>
-            <a:endParaRPr b="0" lang="en-US" sz="1800" spc="-1" strike="noStrike">
-              <a:solidFill>
-                <a:srgbClr val="000000"/>
-              </a:solidFill>
-              <a:uFill>
-                <a:solidFill>
-                  <a:srgbClr val="ffffff"/>
+            <a:endParaRPr lang="en-US" sz="1800" b="0" strike="noStrike" spc="-1">
+              <a:solidFill>
+                <a:srgbClr val="000000"/>
+              </a:solidFill>
+              <a:uFill>
+                <a:solidFill>
+                  <a:srgbClr val="FFFFFF"/>
                 </a:solidFill>
               </a:uFill>
               <a:latin typeface="Arial"/>
@@ -4948,7 +5041,7 @@
         <p:spPr>
           <a:xfrm>
             <a:off x="719640" y="1620000"/>
-            <a:ext cx="8637840" cy="3287160"/>
+            <a:ext cx="8638560" cy="3287880"/>
           </a:xfrm>
           <a:prstGeom prst="rect">
             <a:avLst/>
@@ -4959,15 +5052,22 @@
           </a:ln>
         </p:spPr>
         <p:style>
-          <a:lnRef idx="0"/>
-          <a:fillRef idx="0"/>
-          <a:effectRef idx="0"/>
+          <a:lnRef idx="0">
+            <a:scrgbClr r="0" g="0" b="0"/>
+          </a:lnRef>
+          <a:fillRef idx="0">
+            <a:scrgbClr r="0" g="0" b="0"/>
+          </a:fillRef>
+          <a:effectRef idx="0">
+            <a:scrgbClr r="0" g="0" b="0"/>
+          </a:effectRef>
           <a:fontRef idx="minor"/>
         </p:style>
         <p:txBody>
-          <a:bodyPr lIns="0" rIns="0" tIns="0" bIns="0"/>
-          <a:p>
-            <a:pPr marL="432000" indent="-322560">
+          <a:bodyPr lIns="0" tIns="0" rIns="0" bIns="0"/>
+          <a:lstStyle/>
+          <a:p>
+            <a:pPr marL="432000" indent="-323280">
               <a:lnSpc>
                 <a:spcPct val="100000"/>
               </a:lnSpc>
@@ -4975,20 +5075,20 @@
                 <a:spcPts val="1414"/>
               </a:spcAft>
               <a:buClr>
-                <a:srgbClr val="ef2929"/>
+                <a:srgbClr val="EF2929"/>
               </a:buClr>
               <a:buSzPct val="45000"/>
               <a:buFont typeface="Wingdings" charset="2"/>
               <a:buChar char=""/>
             </a:pPr>
             <a:r>
-              <a:rPr b="0" lang="en-US" sz="2800" spc="-1" strike="noStrike">
+              <a:rPr lang="en-US" sz="2800" b="0" strike="noStrike" spc="-1">
                 <a:solidFill>
                   <a:srgbClr val="333333"/>
                 </a:solidFill>
                 <a:uFill>
                   <a:solidFill>
-                    <a:srgbClr val="ffffff"/>
+                    <a:srgbClr val="FFFFFF"/>
                   </a:solidFill>
                 </a:uFill>
                 <a:latin typeface="Open Sans"/>
@@ -4996,20 +5096,20 @@
               </a:rPr>
               <a:t>User may create new entries, delete entries, or alter existing entries to securely store their usernames and passwords. </a:t>
             </a:r>
-            <a:endParaRPr b="0" lang="en-US" sz="1800" spc="-1" strike="noStrike">
-              <a:solidFill>
-                <a:srgbClr val="000000"/>
-              </a:solidFill>
-              <a:uFill>
-                <a:solidFill>
-                  <a:srgbClr val="ffffff"/>
-                </a:solidFill>
-              </a:uFill>
-              <a:latin typeface="Arial"/>
-            </a:endParaRPr>
-          </a:p>
-          <a:p>
-            <a:pPr marL="432000" indent="-322560">
+            <a:endParaRPr lang="en-US" sz="1800" b="0" strike="noStrike" spc="-1">
+              <a:solidFill>
+                <a:srgbClr val="000000"/>
+              </a:solidFill>
+              <a:uFill>
+                <a:solidFill>
+                  <a:srgbClr val="FFFFFF"/>
+                </a:solidFill>
+              </a:uFill>
+              <a:latin typeface="Arial"/>
+            </a:endParaRPr>
+          </a:p>
+          <a:p>
+            <a:pPr marL="432000" indent="-323280">
               <a:lnSpc>
                 <a:spcPct val="100000"/>
               </a:lnSpc>
@@ -5017,34 +5117,34 @@
                 <a:spcPts val="1414"/>
               </a:spcAft>
               <a:buClr>
-                <a:srgbClr val="ef2929"/>
+                <a:srgbClr val="EF2929"/>
               </a:buClr>
               <a:buSzPct val="45000"/>
               <a:buFont typeface="Wingdings" charset="2"/>
               <a:buChar char=""/>
             </a:pPr>
             <a:r>
-              <a:rPr b="0" lang="en-US" sz="2800" spc="-1" strike="noStrike">
+              <a:rPr lang="en-US" sz="2800" b="0" strike="noStrike" spc="-1">
                 <a:solidFill>
                   <a:srgbClr val="333333"/>
                 </a:solidFill>
                 <a:uFill>
                   <a:solidFill>
-                    <a:srgbClr val="ffffff"/>
+                    <a:srgbClr val="FFFFFF"/>
                   </a:solidFill>
                 </a:uFill>
                 <a:latin typeface="Open Sans"/>
                 <a:ea typeface="DejaVu Sans"/>
               </a:rPr>
-              <a:t>Before exiting the program, all information will have to option to be saved, and will be stored encrypted on to hard drive.</a:t>
+              <a:t>Before exiting the program, all information will be encrypted and stored on to hard drive.</a:t>
             </a:r>
-            <a:endParaRPr b="0" lang="en-US" sz="1800" spc="-1" strike="noStrike">
-              <a:solidFill>
-                <a:srgbClr val="000000"/>
-              </a:solidFill>
-              <a:uFill>
-                <a:solidFill>
-                  <a:srgbClr val="ffffff"/>
+            <a:endParaRPr lang="en-US" sz="1800" b="0" strike="noStrike" spc="-1">
+              <a:solidFill>
+                <a:srgbClr val="000000"/>
+              </a:solidFill>
+              <a:uFill>
+                <a:solidFill>
+                  <a:srgbClr val="FFFFFF"/>
                 </a:solidFill>
               </a:uFill>
               <a:latin typeface="Arial"/>
@@ -5054,22 +5154,25 @@
       </p:sp>
     </p:spTree>
   </p:cSld>
+  <p:clrMapOvr>
+    <a:masterClrMapping/>
+  </p:clrMapOvr>
   <p:timing>
     <p:tnLst>
       <p:par>
-        <p:cTn id="9" dur="indefinite" restart="never" nodeType="tmRoot">
+        <p:cTn id="1" dur="indefinite" restart="never" nodeType="tmRoot">
           <p:childTnLst>
             <p:seq>
-              <p:cTn id="10" nodeType="mainSeq"/>
+              <p:cTn id="2" nodeType="mainSeq"/>
               <p:prevCondLst>
-                <p:cond delay="0" evt="onPrev">
+                <p:cond evt="onPrev" delay="0">
                   <p:tgtEl>
                     <p:sldTgt/>
                   </p:tgtEl>
                 </p:cond>
               </p:prevCondLst>
               <p:nextCondLst>
-                <p:cond delay="0" evt="onNext">
+                <p:cond evt="onNext" delay="0">
                   <p:tgtEl>
                     <p:sldTgt/>
                   </p:tgtEl>
@@ -5085,7 +5188,7 @@
 </file>
 
 <file path=ppt/slides/slide6.xml><?xml version="1.0" encoding="utf-8"?>
-<p:sld xmlns:a="http://schemas.openxmlformats.org/drawingml/2006/main" xmlns:p="http://schemas.openxmlformats.org/presentationml/2006/main" xmlns:r="http://schemas.openxmlformats.org/officeDocument/2006/relationships" xmlns:p14="http://schemas.microsoft.com/office/powerpoint/2010/main" xmlns:p15="http://schemas.microsoft.com/office/powerpoint/2012/main" xmlns:mc="http://schemas.openxmlformats.org/markup-compatibility/2006">
+<p:sld xmlns:a="http://schemas.openxmlformats.org/drawingml/2006/main" xmlns:r="http://schemas.openxmlformats.org/officeDocument/2006/relationships" xmlns:p="http://schemas.openxmlformats.org/presentationml/2006/main">
   <p:cSld>
     <p:spTree>
       <p:nvGrpSpPr>
@@ -5110,7 +5213,7 @@
         <p:spPr>
           <a:xfrm>
             <a:off x="719640" y="225720"/>
-            <a:ext cx="8853480" cy="945720"/>
+            <a:ext cx="8854200" cy="946440"/>
           </a:xfrm>
           <a:prstGeom prst="rect">
             <a:avLst/>
@@ -5121,22 +5224,29 @@
           </a:ln>
         </p:spPr>
         <p:style>
-          <a:lnRef idx="0"/>
-          <a:fillRef idx="0"/>
-          <a:effectRef idx="0"/>
+          <a:lnRef idx="0">
+            <a:scrgbClr r="0" g="0" b="0"/>
+          </a:lnRef>
+          <a:fillRef idx="0">
+            <a:scrgbClr r="0" g="0" b="0"/>
+          </a:fillRef>
+          <a:effectRef idx="0">
+            <a:scrgbClr r="0" g="0" b="0"/>
+          </a:effectRef>
           <a:fontRef idx="minor"/>
         </p:style>
         <p:txBody>
-          <a:bodyPr lIns="0" rIns="0" tIns="0" bIns="0" anchor="ctr"/>
+          <a:bodyPr lIns="0" tIns="0" rIns="0" bIns="0" anchor="ctr"/>
+          <a:lstStyle/>
           <a:p>
             <a:r>
-              <a:rPr b="1" lang="en-US" sz="4400" spc="-1" strike="noStrike">
+              <a:rPr lang="en-US" sz="4400" b="1" strike="noStrike" spc="-1">
                 <a:solidFill>
                   <a:srgbClr val="333333"/>
                 </a:solidFill>
                 <a:uFill>
                   <a:solidFill>
-                    <a:srgbClr val="ffffff"/>
+                    <a:srgbClr val="FFFFFF"/>
                   </a:solidFill>
                 </a:uFill>
                 <a:latin typeface="Open Sans"/>
@@ -5144,13 +5254,13 @@
               </a:rPr>
               <a:t>Authentication</a:t>
             </a:r>
-            <a:endParaRPr b="0" lang="en-US" sz="1800" spc="-1" strike="noStrike">
-              <a:solidFill>
-                <a:srgbClr val="000000"/>
-              </a:solidFill>
-              <a:uFill>
-                <a:solidFill>
-                  <a:srgbClr val="ffffff"/>
+            <a:endParaRPr lang="en-US" sz="1800" b="0" strike="noStrike" spc="-1">
+              <a:solidFill>
+                <a:srgbClr val="000000"/>
+              </a:solidFill>
+              <a:uFill>
+                <a:solidFill>
+                  <a:srgbClr val="FFFFFF"/>
                 </a:solidFill>
               </a:uFill>
               <a:latin typeface="Arial"/>
@@ -5167,7 +5277,7 @@
         <p:spPr>
           <a:xfrm>
             <a:off x="719640" y="1280160"/>
-            <a:ext cx="8637840" cy="3287160"/>
+            <a:ext cx="8638560" cy="3287880"/>
           </a:xfrm>
           <a:prstGeom prst="rect">
             <a:avLst/>
@@ -5178,15 +5288,22 @@
           </a:ln>
         </p:spPr>
         <p:style>
-          <a:lnRef idx="0"/>
-          <a:fillRef idx="0"/>
-          <a:effectRef idx="0"/>
+          <a:lnRef idx="0">
+            <a:scrgbClr r="0" g="0" b="0"/>
+          </a:lnRef>
+          <a:fillRef idx="0">
+            <a:scrgbClr r="0" g="0" b="0"/>
+          </a:fillRef>
+          <a:effectRef idx="0">
+            <a:scrgbClr r="0" g="0" b="0"/>
+          </a:effectRef>
           <a:fontRef idx="minor"/>
         </p:style>
         <p:txBody>
-          <a:bodyPr lIns="0" rIns="0" tIns="0" bIns="0"/>
-          <a:p>
-            <a:pPr marL="432000" indent="-322560">
+          <a:bodyPr lIns="0" tIns="0" rIns="0" bIns="0"/>
+          <a:lstStyle/>
+          <a:p>
+            <a:pPr marL="432000" indent="-323280">
               <a:lnSpc>
                 <a:spcPct val="100000"/>
               </a:lnSpc>
@@ -5194,41 +5311,41 @@
                 <a:spcPts val="1414"/>
               </a:spcAft>
               <a:buClr>
-                <a:srgbClr val="ef2929"/>
+                <a:srgbClr val="EF2929"/>
               </a:buClr>
               <a:buSzPct val="45000"/>
               <a:buFont typeface="Wingdings" charset="2"/>
               <a:buChar char=""/>
             </a:pPr>
             <a:r>
-              <a:rPr b="0" lang="en-US" sz="2800" spc="-1" strike="noStrike">
+              <a:rPr lang="en-US" sz="2800" b="0" strike="noStrike" spc="-1">
                 <a:solidFill>
                   <a:srgbClr val="333333"/>
                 </a:solidFill>
                 <a:uFill>
                   <a:solidFill>
-                    <a:srgbClr val="ffffff"/>
+                    <a:srgbClr val="FFFFFF"/>
                   </a:solidFill>
                 </a:uFill>
                 <a:latin typeface="Open Sans"/>
                 <a:ea typeface="DejaVu Sans"/>
               </a:rPr>
-              <a:t>User will enter their password and optional keyfile for 2-factor authentication </a:t>
+              <a:t>User will enter their password and optional keyfile for 2-step authentication </a:t>
             </a:r>
-            <a:endParaRPr b="0" lang="en-US" sz="1800" spc="-1" strike="noStrike">
-              <a:solidFill>
-                <a:srgbClr val="000000"/>
-              </a:solidFill>
-              <a:uFill>
-                <a:solidFill>
-                  <a:srgbClr val="ffffff"/>
-                </a:solidFill>
-              </a:uFill>
-              <a:latin typeface="Arial"/>
-            </a:endParaRPr>
-          </a:p>
-          <a:p>
-            <a:pPr marL="432000" indent="-322560">
+            <a:endParaRPr lang="en-US" sz="1800" b="0" strike="noStrike" spc="-1">
+              <a:solidFill>
+                <a:srgbClr val="000000"/>
+              </a:solidFill>
+              <a:uFill>
+                <a:solidFill>
+                  <a:srgbClr val="FFFFFF"/>
+                </a:solidFill>
+              </a:uFill>
+              <a:latin typeface="Arial"/>
+            </a:endParaRPr>
+          </a:p>
+          <a:p>
+            <a:pPr marL="432000" indent="-323280">
               <a:lnSpc>
                 <a:spcPct val="100000"/>
               </a:lnSpc>
@@ -5236,41 +5353,41 @@
                 <a:spcPts val="1414"/>
               </a:spcAft>
               <a:buClr>
-                <a:srgbClr val="ef2929"/>
+                <a:srgbClr val="EF2929"/>
               </a:buClr>
               <a:buSzPct val="45000"/>
               <a:buFont typeface="Wingdings" charset="2"/>
               <a:buChar char=""/>
             </a:pPr>
             <a:r>
-              <a:rPr b="0" lang="en-US" sz="2800" spc="-1" strike="noStrike">
+              <a:rPr lang="en-US" sz="2800" b="0" strike="noStrike" spc="-1">
                 <a:solidFill>
                   <a:srgbClr val="333333"/>
                 </a:solidFill>
                 <a:uFill>
                   <a:solidFill>
-                    <a:srgbClr val="ffffff"/>
+                    <a:srgbClr val="FFFFFF"/>
                   </a:solidFill>
                 </a:uFill>
                 <a:latin typeface="Open Sans"/>
                 <a:ea typeface="DejaVu Sans"/>
               </a:rPr>
-              <a:t>The program will convert both the password and the file contents into byte arrays.</a:t>
+              <a:t>The program will convert both the password and the file into a byte arrays.</a:t>
             </a:r>
-            <a:endParaRPr b="0" lang="en-US" sz="1800" spc="-1" strike="noStrike">
-              <a:solidFill>
-                <a:srgbClr val="000000"/>
-              </a:solidFill>
-              <a:uFill>
-                <a:solidFill>
-                  <a:srgbClr val="ffffff"/>
-                </a:solidFill>
-              </a:uFill>
-              <a:latin typeface="Arial"/>
-            </a:endParaRPr>
-          </a:p>
-          <a:p>
-            <a:pPr marL="432000" indent="-322560">
+            <a:endParaRPr lang="en-US" sz="1800" b="0" strike="noStrike" spc="-1">
+              <a:solidFill>
+                <a:srgbClr val="000000"/>
+              </a:solidFill>
+              <a:uFill>
+                <a:solidFill>
+                  <a:srgbClr val="FFFFFF"/>
+                </a:solidFill>
+              </a:uFill>
+              <a:latin typeface="Arial"/>
+            </a:endParaRPr>
+          </a:p>
+          <a:p>
+            <a:pPr marL="432000" indent="-323280">
               <a:lnSpc>
                 <a:spcPct val="100000"/>
               </a:lnSpc>
@@ -5278,20 +5395,20 @@
                 <a:spcPts val="1414"/>
               </a:spcAft>
               <a:buClr>
-                <a:srgbClr val="ef2929"/>
+                <a:srgbClr val="EF2929"/>
               </a:buClr>
               <a:buSzPct val="45000"/>
               <a:buFont typeface="Wingdings" charset="2"/>
               <a:buChar char=""/>
             </a:pPr>
             <a:r>
-              <a:rPr b="0" lang="en-US" sz="2800" spc="-1" strike="noStrike">
+              <a:rPr lang="en-US" sz="2800" b="0" strike="noStrike" spc="-1">
                 <a:solidFill>
                   <a:srgbClr val="333333"/>
                 </a:solidFill>
                 <a:uFill>
                   <a:solidFill>
-                    <a:srgbClr val="ffffff"/>
+                    <a:srgbClr val="FFFFFF"/>
                   </a:solidFill>
                 </a:uFill>
                 <a:latin typeface="Open Sans"/>
@@ -5299,20 +5416,20 @@
               </a:rPr>
               <a:t>The byte arrays will be sent to a SHA-256 hashing algorithm and combined to form one hash. </a:t>
             </a:r>
-            <a:endParaRPr b="0" lang="en-US" sz="1800" spc="-1" strike="noStrike">
-              <a:solidFill>
-                <a:srgbClr val="000000"/>
-              </a:solidFill>
-              <a:uFill>
-                <a:solidFill>
-                  <a:srgbClr val="ffffff"/>
-                </a:solidFill>
-              </a:uFill>
-              <a:latin typeface="Arial"/>
-            </a:endParaRPr>
-          </a:p>
-          <a:p>
-            <a:pPr marL="432000" indent="-322560">
+            <a:endParaRPr lang="en-US" sz="1800" b="0" strike="noStrike" spc="-1">
+              <a:solidFill>
+                <a:srgbClr val="000000"/>
+              </a:solidFill>
+              <a:uFill>
+                <a:solidFill>
+                  <a:srgbClr val="FFFFFF"/>
+                </a:solidFill>
+              </a:uFill>
+              <a:latin typeface="Arial"/>
+            </a:endParaRPr>
+          </a:p>
+          <a:p>
+            <a:pPr marL="432000" indent="-323280">
               <a:lnSpc>
                 <a:spcPct val="100000"/>
               </a:lnSpc>
@@ -5320,20 +5437,20 @@
                 <a:spcPts val="1414"/>
               </a:spcAft>
               <a:buClr>
-                <a:srgbClr val="ef2929"/>
+                <a:srgbClr val="EF2929"/>
               </a:buClr>
               <a:buSzPct val="45000"/>
               <a:buFont typeface="Wingdings" charset="2"/>
               <a:buChar char=""/>
             </a:pPr>
             <a:r>
-              <a:rPr b="0" lang="en-US" sz="2800" spc="-1" strike="noStrike">
+              <a:rPr lang="en-US" sz="2800" b="0" strike="noStrike" spc="-1">
                 <a:solidFill>
                   <a:srgbClr val="333333"/>
                 </a:solidFill>
                 <a:uFill>
                   <a:solidFill>
-                    <a:srgbClr val="ffffff"/>
+                    <a:srgbClr val="FFFFFF"/>
                   </a:solidFill>
                 </a:uFill>
                 <a:latin typeface="Open Sans"/>
@@ -5341,13 +5458,13 @@
               </a:rPr>
               <a:t>The hash is converted to a character array and used as authentication to open the password vault. </a:t>
             </a:r>
-            <a:endParaRPr b="0" lang="en-US" sz="1800" spc="-1" strike="noStrike">
-              <a:solidFill>
-                <a:srgbClr val="000000"/>
-              </a:solidFill>
-              <a:uFill>
-                <a:solidFill>
-                  <a:srgbClr val="ffffff"/>
+            <a:endParaRPr lang="en-US" sz="1800" b="0" strike="noStrike" spc="-1">
+              <a:solidFill>
+                <a:srgbClr val="000000"/>
+              </a:solidFill>
+              <a:uFill>
+                <a:solidFill>
+                  <a:srgbClr val="FFFFFF"/>
                 </a:solidFill>
               </a:uFill>
               <a:latin typeface="Arial"/>
@@ -5357,22 +5474,25 @@
       </p:sp>
     </p:spTree>
   </p:cSld>
+  <p:clrMapOvr>
+    <a:masterClrMapping/>
+  </p:clrMapOvr>
   <p:timing>
     <p:tnLst>
       <p:par>
-        <p:cTn id="11" dur="indefinite" restart="never" nodeType="tmRoot">
+        <p:cTn id="1" dur="indefinite" restart="never" nodeType="tmRoot">
           <p:childTnLst>
             <p:seq>
-              <p:cTn id="12" nodeType="mainSeq"/>
+              <p:cTn id="2" nodeType="mainSeq"/>
               <p:prevCondLst>
-                <p:cond delay="0" evt="onPrev">
+                <p:cond evt="onPrev" delay="0">
                   <p:tgtEl>
                     <p:sldTgt/>
                   </p:tgtEl>
                 </p:cond>
               </p:prevCondLst>
               <p:nextCondLst>
-                <p:cond delay="0" evt="onNext">
+                <p:cond evt="onNext" delay="0">
                   <p:tgtEl>
                     <p:sldTgt/>
                   </p:tgtEl>
@@ -5388,7 +5508,7 @@
 </file>
 
 <file path=ppt/slides/slide7.xml><?xml version="1.0" encoding="utf-8"?>
-<p:sld xmlns:a="http://schemas.openxmlformats.org/drawingml/2006/main" xmlns:p="http://schemas.openxmlformats.org/presentationml/2006/main" xmlns:r="http://schemas.openxmlformats.org/officeDocument/2006/relationships" xmlns:p14="http://schemas.microsoft.com/office/powerpoint/2010/main" xmlns:p15="http://schemas.microsoft.com/office/powerpoint/2012/main" xmlns:mc="http://schemas.openxmlformats.org/markup-compatibility/2006">
+<p:sld xmlns:a="http://schemas.openxmlformats.org/drawingml/2006/main" xmlns:r="http://schemas.openxmlformats.org/officeDocument/2006/relationships" xmlns:p="http://schemas.openxmlformats.org/presentationml/2006/main">
   <p:cSld>
     <p:spTree>
       <p:nvGrpSpPr>
@@ -5413,7 +5533,7 @@
         <p:spPr>
           <a:xfrm>
             <a:off x="719640" y="225720"/>
-            <a:ext cx="8853480" cy="945720"/>
+            <a:ext cx="8854200" cy="946440"/>
           </a:xfrm>
           <a:prstGeom prst="rect">
             <a:avLst/>
@@ -5424,22 +5544,29 @@
           </a:ln>
         </p:spPr>
         <p:style>
-          <a:lnRef idx="0"/>
-          <a:fillRef idx="0"/>
-          <a:effectRef idx="0"/>
+          <a:lnRef idx="0">
+            <a:scrgbClr r="0" g="0" b="0"/>
+          </a:lnRef>
+          <a:fillRef idx="0">
+            <a:scrgbClr r="0" g="0" b="0"/>
+          </a:fillRef>
+          <a:effectRef idx="0">
+            <a:scrgbClr r="0" g="0" b="0"/>
+          </a:effectRef>
           <a:fontRef idx="minor"/>
         </p:style>
         <p:txBody>
-          <a:bodyPr lIns="0" rIns="0" tIns="0" bIns="0" anchor="ctr"/>
+          <a:bodyPr lIns="0" tIns="0" rIns="0" bIns="0" anchor="ctr"/>
+          <a:lstStyle/>
           <a:p>
             <a:r>
-              <a:rPr b="1" lang="en-US" sz="4400" spc="-1" strike="noStrike">
+              <a:rPr lang="en-US" sz="4400" b="1" strike="noStrike" spc="-1">
                 <a:solidFill>
                   <a:srgbClr val="333333"/>
                 </a:solidFill>
                 <a:uFill>
                   <a:solidFill>
-                    <a:srgbClr val="ffffff"/>
+                    <a:srgbClr val="FFFFFF"/>
                   </a:solidFill>
                 </a:uFill>
                 <a:latin typeface="Open Sans"/>
@@ -5447,13 +5574,13 @@
               </a:rPr>
               <a:t>Password Vault</a:t>
             </a:r>
-            <a:endParaRPr b="0" lang="en-US" sz="1800" spc="-1" strike="noStrike">
-              <a:solidFill>
-                <a:srgbClr val="000000"/>
-              </a:solidFill>
-              <a:uFill>
-                <a:solidFill>
-                  <a:srgbClr val="ffffff"/>
+            <a:endParaRPr lang="en-US" sz="1800" b="0" strike="noStrike" spc="-1">
+              <a:solidFill>
+                <a:srgbClr val="000000"/>
+              </a:solidFill>
+              <a:uFill>
+                <a:solidFill>
+                  <a:srgbClr val="FFFFFF"/>
                 </a:solidFill>
               </a:uFill>
               <a:latin typeface="Arial"/>
@@ -5470,7 +5597,7 @@
         <p:spPr>
           <a:xfrm>
             <a:off x="719640" y="1620000"/>
-            <a:ext cx="8637840" cy="3287160"/>
+            <a:ext cx="8638560" cy="3287880"/>
           </a:xfrm>
           <a:prstGeom prst="rect">
             <a:avLst/>
@@ -5481,905 +5608,596 @@
           </a:ln>
         </p:spPr>
         <p:style>
-          <a:lnRef idx="0"/>
-          <a:fillRef idx="0"/>
-          <a:effectRef idx="0"/>
+          <a:lnRef idx="0">
+            <a:scrgbClr r="0" g="0" b="0"/>
+          </a:lnRef>
+          <a:fillRef idx="0">
+            <a:scrgbClr r="0" g="0" b="0"/>
+          </a:fillRef>
+          <a:effectRef idx="0">
+            <a:scrgbClr r="0" g="0" b="0"/>
+          </a:effectRef>
           <a:fontRef idx="minor"/>
         </p:style>
       </p:sp>
       <p:sp>
         <p:nvSpPr>
-          <p:cNvPr id="92" name="CustomShape 3"/>
+          <p:cNvPr id="93" name="CustomShape 4"/>
           <p:cNvSpPr/>
           <p:nvPr/>
         </p:nvSpPr>
         <p:spPr>
           <a:xfrm>
-            <a:off x="640080" y="1280160"/>
-            <a:ext cx="1188000" cy="3748320"/>
+            <a:off x="4206240" y="1280160"/>
+            <a:ext cx="2743200" cy="1097280"/>
           </a:xfrm>
           <a:prstGeom prst="rect">
             <a:avLst/>
           </a:prstGeom>
           <a:solidFill>
-            <a:srgbClr val="eeeeee"/>
+            <a:srgbClr val="EEEEEE"/>
           </a:solidFill>
           <a:ln>
             <a:solidFill>
-              <a:srgbClr val="3465a4"/>
+              <a:srgbClr val="3465A4"/>
             </a:solidFill>
           </a:ln>
         </p:spPr>
         <p:style>
-          <a:lnRef idx="0"/>
-          <a:fillRef idx="0"/>
-          <a:effectRef idx="0"/>
+          <a:lnRef idx="0">
+            <a:scrgbClr r="0" g="0" b="0"/>
+          </a:lnRef>
+          <a:fillRef idx="0">
+            <a:scrgbClr r="0" g="0" b="0"/>
+          </a:fillRef>
+          <a:effectRef idx="0">
+            <a:scrgbClr r="0" g="0" b="0"/>
+          </a:effectRef>
           <a:fontRef idx="minor"/>
         </p:style>
         <p:txBody>
-          <a:bodyPr wrap="none" lIns="90000" rIns="90000" tIns="45000" bIns="45000" anchor="ctr"/>
-          <a:p>
-            <a:pPr algn="ctr">
-              <a:lnSpc>
-                <a:spcPct val="100000"/>
-              </a:lnSpc>
-            </a:pPr>
+          <a:bodyPr wrap="none" lIns="90000" tIns="45000" rIns="90000" bIns="45000" anchor="ctr"/>
+          <a:lstStyle/>
+          <a:p>
+            <a:pPr algn="ctr"/>
             <a:r>
-              <a:rPr b="0" lang="en-US" sz="1800" spc="-1" strike="noStrike">
+              <a:rPr lang="en-US" sz="1800" b="0" strike="noStrike" spc="-1">
                 <a:solidFill>
                   <a:srgbClr val="000000"/>
                 </a:solidFill>
                 <a:uFill>
                   <a:solidFill>
-                    <a:srgbClr val="ffffff"/>
+                    <a:srgbClr val="FFFFFF"/>
                   </a:solidFill>
                 </a:uFill>
                 <a:latin typeface="Arial"/>
-                <a:ea typeface="DejaVu Sans"/>
               </a:rPr>
-              <a:t>Vault</a:t>
+              <a:t>VaultEntry</a:t>
             </a:r>
-            <a:endParaRPr b="0" lang="en-US" sz="1800" spc="-1" strike="noStrike">
-              <a:solidFill>
-                <a:srgbClr val="000000"/>
-              </a:solidFill>
-              <a:uFill>
-                <a:solidFill>
-                  <a:srgbClr val="ffffff"/>
-                </a:solidFill>
-              </a:uFill>
-              <a:latin typeface="Arial"/>
-            </a:endParaRPr>
-          </a:p>
-        </p:txBody>
-      </p:sp>
-      <p:sp>
-        <p:nvSpPr>
-          <p:cNvPr id="93" name="CustomShape 4"/>
+          </a:p>
+        </p:txBody>
+      </p:sp>
+      <p:sp>
+        <p:nvSpPr>
+          <p:cNvPr id="94" name="CustomShape 5"/>
           <p:cNvSpPr/>
           <p:nvPr/>
         </p:nvSpPr>
         <p:spPr>
           <a:xfrm>
-            <a:off x="4206240" y="1280160"/>
-            <a:ext cx="2742480" cy="1096560"/>
+            <a:off x="6949440" y="1280160"/>
+            <a:ext cx="1371600" cy="1097280"/>
           </a:xfrm>
           <a:prstGeom prst="rect">
             <a:avLst/>
           </a:prstGeom>
           <a:solidFill>
-            <a:srgbClr val="eeeeee"/>
+            <a:srgbClr val="EEEEEE"/>
           </a:solidFill>
           <a:ln>
             <a:solidFill>
-              <a:srgbClr val="3465a4"/>
+              <a:srgbClr val="3465A4"/>
             </a:solidFill>
           </a:ln>
         </p:spPr>
         <p:style>
-          <a:lnRef idx="0"/>
-          <a:fillRef idx="0"/>
-          <a:effectRef idx="0"/>
+          <a:lnRef idx="0">
+            <a:scrgbClr r="0" g="0" b="0"/>
+          </a:lnRef>
+          <a:fillRef idx="0">
+            <a:scrgbClr r="0" g="0" b="0"/>
+          </a:fillRef>
+          <a:effectRef idx="0">
+            <a:scrgbClr r="0" g="0" b="0"/>
+          </a:effectRef>
           <a:fontRef idx="minor"/>
         </p:style>
         <p:txBody>
-          <a:bodyPr wrap="none" lIns="90000" rIns="90000" tIns="45000" bIns="45000" anchor="ctr"/>
-          <a:p>
-            <a:pPr algn="ctr">
-              <a:lnSpc>
-                <a:spcPct val="100000"/>
-              </a:lnSpc>
-            </a:pPr>
+          <a:bodyPr wrap="none" lIns="90000" tIns="45000" rIns="90000" bIns="45000" anchor="ctr"/>
+          <a:lstStyle/>
+          <a:p>
+            <a:pPr algn="ctr"/>
             <a:r>
-              <a:rPr b="0" lang="en-US" sz="1800" spc="-1" strike="noStrike">
+              <a:rPr lang="en-US" sz="1800" b="0" strike="noStrike" spc="-1">
                 <a:solidFill>
                   <a:srgbClr val="000000"/>
                 </a:solidFill>
                 <a:uFill>
                   <a:solidFill>
-                    <a:srgbClr val="ffffff"/>
+                    <a:srgbClr val="FFFFFF"/>
                   </a:solidFill>
                 </a:uFill>
                 <a:latin typeface="Arial"/>
-                <a:ea typeface="DejaVu Sans"/>
+              </a:rPr>
+              <a:t>id</a:t>
+            </a:r>
+          </a:p>
+          <a:p>
+            <a:pPr algn="ctr"/>
+            <a:r>
+              <a:rPr lang="en-US" sz="1800" b="0" strike="noStrike" spc="-1">
+                <a:solidFill>
+                  <a:srgbClr val="000000"/>
+                </a:solidFill>
+                <a:uFill>
+                  <a:solidFill>
+                    <a:srgbClr val="FFFFFF"/>
+                  </a:solidFill>
+                </a:uFill>
+                <a:latin typeface="Arial"/>
+              </a:rPr>
+              <a:t>Label</a:t>
+            </a:r>
+          </a:p>
+          <a:p>
+            <a:pPr algn="ctr"/>
+            <a:r>
+              <a:rPr lang="en-US" sz="1800" b="0" strike="noStrike" spc="-1">
+                <a:solidFill>
+                  <a:srgbClr val="000000"/>
+                </a:solidFill>
+                <a:uFill>
+                  <a:solidFill>
+                    <a:srgbClr val="FFFFFF"/>
+                  </a:solidFill>
+                </a:uFill>
+                <a:latin typeface="Arial"/>
+              </a:rPr>
+              <a:t>Username</a:t>
+            </a:r>
+          </a:p>
+          <a:p>
+            <a:pPr algn="ctr"/>
+            <a:r>
+              <a:rPr lang="en-US" sz="1800" b="0" strike="noStrike" spc="-1">
+                <a:solidFill>
+                  <a:srgbClr val="000000"/>
+                </a:solidFill>
+                <a:uFill>
+                  <a:solidFill>
+                    <a:srgbClr val="FFFFFF"/>
+                  </a:solidFill>
+                </a:uFill>
+                <a:latin typeface="Arial"/>
+              </a:rPr>
+              <a:t>Password</a:t>
+            </a:r>
+          </a:p>
+        </p:txBody>
+      </p:sp>
+      <p:sp>
+        <p:nvSpPr>
+          <p:cNvPr id="95" name="CustomShape 6"/>
+          <p:cNvSpPr/>
+          <p:nvPr/>
+        </p:nvSpPr>
+        <p:spPr>
+          <a:xfrm>
+            <a:off x="4206240" y="2743200"/>
+            <a:ext cx="2743200" cy="1097280"/>
+          </a:xfrm>
+          <a:prstGeom prst="rect">
+            <a:avLst/>
+          </a:prstGeom>
+          <a:solidFill>
+            <a:srgbClr val="EEEEEE"/>
+          </a:solidFill>
+          <a:ln>
+            <a:solidFill>
+              <a:srgbClr val="3465A4"/>
+            </a:solidFill>
+          </a:ln>
+        </p:spPr>
+        <p:style>
+          <a:lnRef idx="0">
+            <a:scrgbClr r="0" g="0" b="0"/>
+          </a:lnRef>
+          <a:fillRef idx="0">
+            <a:scrgbClr r="0" g="0" b="0"/>
+          </a:fillRef>
+          <a:effectRef idx="0">
+            <a:scrgbClr r="0" g="0" b="0"/>
+          </a:effectRef>
+          <a:fontRef idx="minor"/>
+        </p:style>
+        <p:txBody>
+          <a:bodyPr wrap="none" lIns="90000" tIns="45000" rIns="90000" bIns="45000" anchor="ctr"/>
+          <a:lstStyle/>
+          <a:p>
+            <a:pPr algn="ctr"/>
+            <a:r>
+              <a:rPr lang="en-US" sz="1800" b="0" strike="noStrike" spc="-1">
+                <a:solidFill>
+                  <a:srgbClr val="000000"/>
+                </a:solidFill>
+                <a:uFill>
+                  <a:solidFill>
+                    <a:srgbClr val="FFFFFF"/>
+                  </a:solidFill>
+                </a:uFill>
+                <a:latin typeface="Arial"/>
               </a:rPr>
               <a:t>VaultEntry</a:t>
             </a:r>
-            <a:endParaRPr b="0" lang="en-US" sz="1800" spc="-1" strike="noStrike">
-              <a:solidFill>
-                <a:srgbClr val="000000"/>
-              </a:solidFill>
-              <a:uFill>
-                <a:solidFill>
-                  <a:srgbClr val="ffffff"/>
-                </a:solidFill>
-              </a:uFill>
-              <a:latin typeface="Arial"/>
-            </a:endParaRPr>
-          </a:p>
-        </p:txBody>
-      </p:sp>
-      <p:sp>
-        <p:nvSpPr>
-          <p:cNvPr id="94" name="CustomShape 5"/>
+          </a:p>
+        </p:txBody>
+      </p:sp>
+      <p:sp>
+        <p:nvSpPr>
+          <p:cNvPr id="96" name="CustomShape 7"/>
           <p:cNvSpPr/>
           <p:nvPr/>
         </p:nvSpPr>
         <p:spPr>
           <a:xfrm>
-            <a:off x="6949440" y="1280160"/>
-            <a:ext cx="1370880" cy="1096560"/>
+            <a:off x="6949440" y="2743200"/>
+            <a:ext cx="1371600" cy="1097280"/>
           </a:xfrm>
           <a:prstGeom prst="rect">
             <a:avLst/>
           </a:prstGeom>
           <a:solidFill>
-            <a:srgbClr val="eeeeee"/>
+            <a:srgbClr val="EEEEEE"/>
           </a:solidFill>
           <a:ln>
             <a:solidFill>
-              <a:srgbClr val="3465a4"/>
+              <a:srgbClr val="3465A4"/>
             </a:solidFill>
           </a:ln>
         </p:spPr>
         <p:style>
-          <a:lnRef idx="0"/>
-          <a:fillRef idx="0"/>
-          <a:effectRef idx="0"/>
+          <a:lnRef idx="0">
+            <a:scrgbClr r="0" g="0" b="0"/>
+          </a:lnRef>
+          <a:fillRef idx="0">
+            <a:scrgbClr r="0" g="0" b="0"/>
+          </a:fillRef>
+          <a:effectRef idx="0">
+            <a:scrgbClr r="0" g="0" b="0"/>
+          </a:effectRef>
           <a:fontRef idx="minor"/>
         </p:style>
         <p:txBody>
-          <a:bodyPr wrap="none" lIns="90000" rIns="90000" tIns="45000" bIns="45000" anchor="ctr"/>
-          <a:p>
-            <a:pPr algn="ctr">
-              <a:lnSpc>
-                <a:spcPct val="100000"/>
-              </a:lnSpc>
-            </a:pPr>
+          <a:bodyPr wrap="none" lIns="90000" tIns="45000" rIns="90000" bIns="45000" anchor="ctr"/>
+          <a:lstStyle/>
+          <a:p>
+            <a:pPr algn="ctr"/>
             <a:r>
-              <a:rPr b="0" lang="en-US" sz="1800" spc="-1" strike="noStrike">
+              <a:rPr lang="en-US" sz="1800" b="0" strike="noStrike" spc="-1">
                 <a:solidFill>
                   <a:srgbClr val="000000"/>
                 </a:solidFill>
                 <a:uFill>
                   <a:solidFill>
-                    <a:srgbClr val="ffffff"/>
+                    <a:srgbClr val="FFFFFF"/>
                   </a:solidFill>
                 </a:uFill>
                 <a:latin typeface="Arial"/>
-                <a:ea typeface="DejaVu Sans"/>
               </a:rPr>
               <a:t>id</a:t>
             </a:r>
-            <a:endParaRPr b="0" lang="en-US" sz="1800" spc="-1" strike="noStrike">
-              <a:solidFill>
-                <a:srgbClr val="000000"/>
-              </a:solidFill>
-              <a:uFill>
-                <a:solidFill>
-                  <a:srgbClr val="ffffff"/>
-                </a:solidFill>
-              </a:uFill>
-              <a:latin typeface="Arial"/>
-            </a:endParaRPr>
-          </a:p>
-          <a:p>
-            <a:pPr algn="ctr">
-              <a:lnSpc>
-                <a:spcPct val="100000"/>
-              </a:lnSpc>
-            </a:pPr>
+          </a:p>
+          <a:p>
+            <a:pPr algn="ctr"/>
             <a:r>
-              <a:rPr b="0" lang="en-US" sz="1800" spc="-1" strike="noStrike">
+              <a:rPr lang="en-US" sz="1800" b="0" strike="noStrike" spc="-1">
                 <a:solidFill>
                   <a:srgbClr val="000000"/>
                 </a:solidFill>
                 <a:uFill>
                   <a:solidFill>
-                    <a:srgbClr val="ffffff"/>
+                    <a:srgbClr val="FFFFFF"/>
                   </a:solidFill>
                 </a:uFill>
                 <a:latin typeface="Arial"/>
-                <a:ea typeface="DejaVu Sans"/>
               </a:rPr>
               <a:t>Label</a:t>
             </a:r>
-            <a:endParaRPr b="0" lang="en-US" sz="1800" spc="-1" strike="noStrike">
-              <a:solidFill>
-                <a:srgbClr val="000000"/>
-              </a:solidFill>
-              <a:uFill>
-                <a:solidFill>
-                  <a:srgbClr val="ffffff"/>
-                </a:solidFill>
-              </a:uFill>
-              <a:latin typeface="Arial"/>
-            </a:endParaRPr>
-          </a:p>
-          <a:p>
-            <a:pPr algn="ctr">
-              <a:lnSpc>
-                <a:spcPct val="100000"/>
-              </a:lnSpc>
-            </a:pPr>
+          </a:p>
+          <a:p>
+            <a:pPr algn="ctr"/>
             <a:r>
-              <a:rPr b="0" lang="en-US" sz="1800" spc="-1" strike="noStrike">
+              <a:rPr lang="en-US" sz="1800" b="0" strike="noStrike" spc="-1">
                 <a:solidFill>
                   <a:srgbClr val="000000"/>
                 </a:solidFill>
                 <a:uFill>
                   <a:solidFill>
-                    <a:srgbClr val="ffffff"/>
+                    <a:srgbClr val="FFFFFF"/>
                   </a:solidFill>
                 </a:uFill>
                 <a:latin typeface="Arial"/>
-                <a:ea typeface="DejaVu Sans"/>
               </a:rPr>
               <a:t>Username</a:t>
             </a:r>
-            <a:endParaRPr b="0" lang="en-US" sz="1800" spc="-1" strike="noStrike">
-              <a:solidFill>
-                <a:srgbClr val="000000"/>
-              </a:solidFill>
-              <a:uFill>
-                <a:solidFill>
-                  <a:srgbClr val="ffffff"/>
-                </a:solidFill>
-              </a:uFill>
-              <a:latin typeface="Arial"/>
-            </a:endParaRPr>
-          </a:p>
-          <a:p>
-            <a:pPr algn="ctr">
-              <a:lnSpc>
-                <a:spcPct val="100000"/>
-              </a:lnSpc>
-            </a:pPr>
+          </a:p>
+          <a:p>
+            <a:pPr algn="ctr"/>
             <a:r>
-              <a:rPr b="0" lang="en-US" sz="1800" spc="-1" strike="noStrike">
+              <a:rPr lang="en-US" sz="1800" b="0" strike="noStrike" spc="-1">
                 <a:solidFill>
                   <a:srgbClr val="000000"/>
                 </a:solidFill>
                 <a:uFill>
                   <a:solidFill>
-                    <a:srgbClr val="ffffff"/>
+                    <a:srgbClr val="FFFFFF"/>
                   </a:solidFill>
                 </a:uFill>
                 <a:latin typeface="Arial"/>
-                <a:ea typeface="DejaVu Sans"/>
               </a:rPr>
               <a:t>Password</a:t>
             </a:r>
-            <a:endParaRPr b="0" lang="en-US" sz="1800" spc="-1" strike="noStrike">
-              <a:solidFill>
-                <a:srgbClr val="000000"/>
-              </a:solidFill>
-              <a:uFill>
-                <a:solidFill>
-                  <a:srgbClr val="ffffff"/>
-                </a:solidFill>
-              </a:uFill>
-              <a:latin typeface="Arial"/>
-            </a:endParaRPr>
-          </a:p>
-        </p:txBody>
-      </p:sp>
-      <p:sp>
-        <p:nvSpPr>
-          <p:cNvPr id="95" name="CustomShape 6"/>
+          </a:p>
+        </p:txBody>
+      </p:sp>
+      <p:sp>
+        <p:nvSpPr>
+          <p:cNvPr id="97" name="CustomShape 8"/>
           <p:cNvSpPr/>
           <p:nvPr/>
         </p:nvSpPr>
         <p:spPr>
           <a:xfrm>
-            <a:off x="4206240" y="2743200"/>
-            <a:ext cx="2742480" cy="1096560"/>
+            <a:off x="4206240" y="4297680"/>
+            <a:ext cx="2743200" cy="1097280"/>
           </a:xfrm>
           <a:prstGeom prst="rect">
             <a:avLst/>
           </a:prstGeom>
           <a:solidFill>
-            <a:srgbClr val="eeeeee"/>
+            <a:srgbClr val="EEEEEE"/>
           </a:solidFill>
           <a:ln>
             <a:solidFill>
-              <a:srgbClr val="3465a4"/>
+              <a:srgbClr val="3465A4"/>
             </a:solidFill>
           </a:ln>
         </p:spPr>
         <p:style>
-          <a:lnRef idx="0"/>
-          <a:fillRef idx="0"/>
-          <a:effectRef idx="0"/>
+          <a:lnRef idx="0">
+            <a:scrgbClr r="0" g="0" b="0"/>
+          </a:lnRef>
+          <a:fillRef idx="0">
+            <a:scrgbClr r="0" g="0" b="0"/>
+          </a:fillRef>
+          <a:effectRef idx="0">
+            <a:scrgbClr r="0" g="0" b="0"/>
+          </a:effectRef>
           <a:fontRef idx="minor"/>
         </p:style>
         <p:txBody>
-          <a:bodyPr wrap="none" lIns="90000" rIns="90000" tIns="45000" bIns="45000" anchor="ctr"/>
-          <a:p>
-            <a:pPr algn="ctr">
-              <a:lnSpc>
-                <a:spcPct val="100000"/>
-              </a:lnSpc>
-            </a:pPr>
+          <a:bodyPr wrap="none" lIns="90000" tIns="45000" rIns="90000" bIns="45000" anchor="ctr"/>
+          <a:lstStyle/>
+          <a:p>
+            <a:pPr algn="ctr"/>
             <a:r>
-              <a:rPr b="0" lang="en-US" sz="1800" spc="-1" strike="noStrike">
+              <a:rPr lang="en-US" sz="1800" b="0" strike="noStrike" spc="-1">
                 <a:solidFill>
                   <a:srgbClr val="000000"/>
                 </a:solidFill>
                 <a:uFill>
                   <a:solidFill>
-                    <a:srgbClr val="ffffff"/>
+                    <a:srgbClr val="FFFFFF"/>
                   </a:solidFill>
                 </a:uFill>
                 <a:latin typeface="Arial"/>
-                <a:ea typeface="DejaVu Sans"/>
               </a:rPr>
               <a:t>VaultEntry</a:t>
             </a:r>
-            <a:endParaRPr b="0" lang="en-US" sz="1800" spc="-1" strike="noStrike">
-              <a:solidFill>
-                <a:srgbClr val="000000"/>
-              </a:solidFill>
-              <a:uFill>
-                <a:solidFill>
-                  <a:srgbClr val="ffffff"/>
-                </a:solidFill>
-              </a:uFill>
-              <a:latin typeface="Arial"/>
-            </a:endParaRPr>
-          </a:p>
-        </p:txBody>
-      </p:sp>
-      <p:sp>
-        <p:nvSpPr>
-          <p:cNvPr id="96" name="CustomShape 7"/>
+          </a:p>
+        </p:txBody>
+      </p:sp>
+      <p:sp>
+        <p:nvSpPr>
+          <p:cNvPr id="98" name="CustomShape 9"/>
           <p:cNvSpPr/>
           <p:nvPr/>
         </p:nvSpPr>
         <p:spPr>
           <a:xfrm>
-            <a:off x="6949440" y="2743200"/>
-            <a:ext cx="1370880" cy="1096560"/>
+            <a:off x="6949440" y="4297680"/>
+            <a:ext cx="1371600" cy="1097280"/>
           </a:xfrm>
           <a:prstGeom prst="rect">
             <a:avLst/>
           </a:prstGeom>
           <a:solidFill>
-            <a:srgbClr val="eeeeee"/>
+            <a:srgbClr val="EEEEEE"/>
           </a:solidFill>
           <a:ln>
             <a:solidFill>
-              <a:srgbClr val="3465a4"/>
+              <a:srgbClr val="3465A4"/>
             </a:solidFill>
           </a:ln>
         </p:spPr>
         <p:style>
-          <a:lnRef idx="0"/>
-          <a:fillRef idx="0"/>
-          <a:effectRef idx="0"/>
+          <a:lnRef idx="0">
+            <a:scrgbClr r="0" g="0" b="0"/>
+          </a:lnRef>
+          <a:fillRef idx="0">
+            <a:scrgbClr r="0" g="0" b="0"/>
+          </a:fillRef>
+          <a:effectRef idx="0">
+            <a:scrgbClr r="0" g="0" b="0"/>
+          </a:effectRef>
           <a:fontRef idx="minor"/>
         </p:style>
         <p:txBody>
-          <a:bodyPr wrap="none" lIns="90000" rIns="90000" tIns="45000" bIns="45000" anchor="ctr"/>
-          <a:p>
-            <a:pPr algn="ctr">
-              <a:lnSpc>
-                <a:spcPct val="100000"/>
-              </a:lnSpc>
-            </a:pPr>
+          <a:bodyPr wrap="none" lIns="90000" tIns="45000" rIns="90000" bIns="45000" anchor="ctr"/>
+          <a:lstStyle/>
+          <a:p>
+            <a:pPr algn="ctr"/>
             <a:r>
-              <a:rPr b="0" lang="en-US" sz="1800" spc="-1" strike="noStrike">
+              <a:rPr lang="en-US" sz="1800" b="0" strike="noStrike" spc="-1">
                 <a:solidFill>
                   <a:srgbClr val="000000"/>
                 </a:solidFill>
                 <a:uFill>
                   <a:solidFill>
-                    <a:srgbClr val="ffffff"/>
+                    <a:srgbClr val="FFFFFF"/>
                   </a:solidFill>
                 </a:uFill>
                 <a:latin typeface="Arial"/>
-                <a:ea typeface="DejaVu Sans"/>
               </a:rPr>
               <a:t>id</a:t>
             </a:r>
-            <a:endParaRPr b="0" lang="en-US" sz="1800" spc="-1" strike="noStrike">
-              <a:solidFill>
-                <a:srgbClr val="000000"/>
-              </a:solidFill>
-              <a:uFill>
-                <a:solidFill>
-                  <a:srgbClr val="ffffff"/>
-                </a:solidFill>
-              </a:uFill>
-              <a:latin typeface="Arial"/>
-            </a:endParaRPr>
-          </a:p>
-          <a:p>
-            <a:pPr algn="ctr">
-              <a:lnSpc>
-                <a:spcPct val="100000"/>
-              </a:lnSpc>
-            </a:pPr>
+          </a:p>
+          <a:p>
+            <a:pPr algn="ctr"/>
             <a:r>
-              <a:rPr b="0" lang="en-US" sz="1800" spc="-1" strike="noStrike">
+              <a:rPr lang="en-US" sz="1800" b="0" strike="noStrike" spc="-1">
                 <a:solidFill>
                   <a:srgbClr val="000000"/>
                 </a:solidFill>
                 <a:uFill>
                   <a:solidFill>
-                    <a:srgbClr val="ffffff"/>
+                    <a:srgbClr val="FFFFFF"/>
                   </a:solidFill>
                 </a:uFill>
                 <a:latin typeface="Arial"/>
-                <a:ea typeface="DejaVu Sans"/>
               </a:rPr>
               <a:t>Label</a:t>
             </a:r>
-            <a:endParaRPr b="0" lang="en-US" sz="1800" spc="-1" strike="noStrike">
-              <a:solidFill>
-                <a:srgbClr val="000000"/>
-              </a:solidFill>
-              <a:uFill>
-                <a:solidFill>
-                  <a:srgbClr val="ffffff"/>
-                </a:solidFill>
-              </a:uFill>
-              <a:latin typeface="Arial"/>
-            </a:endParaRPr>
-          </a:p>
-          <a:p>
-            <a:pPr algn="ctr">
-              <a:lnSpc>
-                <a:spcPct val="100000"/>
-              </a:lnSpc>
-            </a:pPr>
+          </a:p>
+          <a:p>
+            <a:pPr algn="ctr"/>
             <a:r>
-              <a:rPr b="0" lang="en-US" sz="1800" spc="-1" strike="noStrike">
+              <a:rPr lang="en-US" sz="1800" b="0" strike="noStrike" spc="-1">
                 <a:solidFill>
                   <a:srgbClr val="000000"/>
                 </a:solidFill>
                 <a:uFill>
                   <a:solidFill>
-                    <a:srgbClr val="ffffff"/>
+                    <a:srgbClr val="FFFFFF"/>
                   </a:solidFill>
                 </a:uFill>
                 <a:latin typeface="Arial"/>
-                <a:ea typeface="DejaVu Sans"/>
               </a:rPr>
               <a:t>Username</a:t>
             </a:r>
-            <a:endParaRPr b="0" lang="en-US" sz="1800" spc="-1" strike="noStrike">
-              <a:solidFill>
-                <a:srgbClr val="000000"/>
-              </a:solidFill>
-              <a:uFill>
-                <a:solidFill>
-                  <a:srgbClr val="ffffff"/>
-                </a:solidFill>
-              </a:uFill>
-              <a:latin typeface="Arial"/>
-            </a:endParaRPr>
-          </a:p>
-          <a:p>
-            <a:pPr algn="ctr">
-              <a:lnSpc>
-                <a:spcPct val="100000"/>
-              </a:lnSpc>
-            </a:pPr>
+          </a:p>
+          <a:p>
+            <a:pPr algn="ctr"/>
             <a:r>
-              <a:rPr b="0" lang="en-US" sz="1800" spc="-1" strike="noStrike">
+              <a:rPr lang="en-US" sz="1800" b="0" strike="noStrike" spc="-1">
                 <a:solidFill>
                   <a:srgbClr val="000000"/>
                 </a:solidFill>
                 <a:uFill>
                   <a:solidFill>
-                    <a:srgbClr val="ffffff"/>
+                    <a:srgbClr val="FFFFFF"/>
                   </a:solidFill>
                 </a:uFill>
                 <a:latin typeface="Arial"/>
-                <a:ea typeface="DejaVu Sans"/>
               </a:rPr>
               <a:t>Password</a:t>
             </a:r>
-            <a:endParaRPr b="0" lang="en-US" sz="1800" spc="-1" strike="noStrike">
-              <a:solidFill>
-                <a:srgbClr val="000000"/>
-              </a:solidFill>
-              <a:uFill>
-                <a:solidFill>
-                  <a:srgbClr val="ffffff"/>
-                </a:solidFill>
-              </a:uFill>
-              <a:latin typeface="Arial"/>
-            </a:endParaRPr>
-          </a:p>
-        </p:txBody>
-      </p:sp>
-      <p:sp>
-        <p:nvSpPr>
-          <p:cNvPr id="97" name="CustomShape 8"/>
-          <p:cNvSpPr/>
+          </a:p>
+        </p:txBody>
+      </p:sp>
+      <p:cxnSp>
+        <p:nvCxnSpPr>
+          <p:cNvPr id="99" name="Line 10"/>
+          <p:cNvCxnSpPr>
+            <a:stCxn id="92" idx="3"/>
+            <a:endCxn id="93" idx="1"/>
+          </p:cNvCxnSpPr>
           <p:nvPr/>
-        </p:nvSpPr>
-        <p:spPr>
-          <a:xfrm>
-            <a:off x="4206240" y="4297680"/>
-            <a:ext cx="2742480" cy="1096560"/>
-          </a:xfrm>
-          <a:prstGeom prst="rect">
-            <a:avLst/>
-          </a:prstGeom>
-          <a:solidFill>
-            <a:srgbClr val="eeeeee"/>
-          </a:solidFill>
-          <a:ln>
-            <a:solidFill>
-              <a:srgbClr val="3465a4"/>
-            </a:solidFill>
-          </a:ln>
-        </p:spPr>
-        <p:style>
-          <a:lnRef idx="0"/>
-          <a:fillRef idx="0"/>
-          <a:effectRef idx="0"/>
-          <a:fontRef idx="minor"/>
-        </p:style>
-        <p:txBody>
-          <a:bodyPr wrap="none" lIns="90000" rIns="90000" tIns="45000" bIns="45000" anchor="ctr"/>
-          <a:p>
-            <a:pPr algn="ctr">
-              <a:lnSpc>
-                <a:spcPct val="100000"/>
-              </a:lnSpc>
-            </a:pPr>
-            <a:r>
-              <a:rPr b="0" lang="en-US" sz="1800" spc="-1" strike="noStrike">
-                <a:solidFill>
-                  <a:srgbClr val="000000"/>
-                </a:solidFill>
-                <a:uFill>
-                  <a:solidFill>
-                    <a:srgbClr val="ffffff"/>
-                  </a:solidFill>
-                </a:uFill>
-                <a:latin typeface="Arial"/>
-                <a:ea typeface="DejaVu Sans"/>
-              </a:rPr>
-              <a:t>VaultEntry</a:t>
-            </a:r>
-            <a:endParaRPr b="0" lang="en-US" sz="1800" spc="-1" strike="noStrike">
-              <a:solidFill>
-                <a:srgbClr val="000000"/>
-              </a:solidFill>
-              <a:uFill>
-                <a:solidFill>
-                  <a:srgbClr val="ffffff"/>
-                </a:solidFill>
-              </a:uFill>
-              <a:latin typeface="Arial"/>
-            </a:endParaRPr>
-          </a:p>
-        </p:txBody>
-      </p:sp>
-      <p:sp>
-        <p:nvSpPr>
-          <p:cNvPr id="98" name="CustomShape 9"/>
-          <p:cNvSpPr/>
-          <p:nvPr/>
-        </p:nvSpPr>
-        <p:spPr>
-          <a:xfrm>
-            <a:off x="6949440" y="4297680"/>
-            <a:ext cx="1370880" cy="1096560"/>
-          </a:xfrm>
-          <a:prstGeom prst="rect">
-            <a:avLst/>
-          </a:prstGeom>
-          <a:solidFill>
-            <a:srgbClr val="eeeeee"/>
-          </a:solidFill>
-          <a:ln>
-            <a:solidFill>
-              <a:srgbClr val="3465a4"/>
-            </a:solidFill>
-          </a:ln>
-        </p:spPr>
-        <p:style>
-          <a:lnRef idx="0"/>
-          <a:fillRef idx="0"/>
-          <a:effectRef idx="0"/>
-          <a:fontRef idx="minor"/>
-        </p:style>
-        <p:txBody>
-          <a:bodyPr wrap="none" lIns="90000" rIns="90000" tIns="45000" bIns="45000" anchor="ctr"/>
-          <a:p>
-            <a:pPr algn="ctr">
-              <a:lnSpc>
-                <a:spcPct val="100000"/>
-              </a:lnSpc>
-            </a:pPr>
-            <a:r>
-              <a:rPr b="0" lang="en-US" sz="1800" spc="-1" strike="noStrike">
-                <a:solidFill>
-                  <a:srgbClr val="000000"/>
-                </a:solidFill>
-                <a:uFill>
-                  <a:solidFill>
-                    <a:srgbClr val="ffffff"/>
-                  </a:solidFill>
-                </a:uFill>
-                <a:latin typeface="Arial"/>
-                <a:ea typeface="DejaVu Sans"/>
-              </a:rPr>
-              <a:t>id</a:t>
-            </a:r>
-            <a:endParaRPr b="0" lang="en-US" sz="1800" spc="-1" strike="noStrike">
-              <a:solidFill>
-                <a:srgbClr val="000000"/>
-              </a:solidFill>
-              <a:uFill>
-                <a:solidFill>
-                  <a:srgbClr val="ffffff"/>
-                </a:solidFill>
-              </a:uFill>
-              <a:latin typeface="Arial"/>
-            </a:endParaRPr>
-          </a:p>
-          <a:p>
-            <a:pPr algn="ctr">
-              <a:lnSpc>
-                <a:spcPct val="100000"/>
-              </a:lnSpc>
-            </a:pPr>
-            <a:r>
-              <a:rPr b="0" lang="en-US" sz="1800" spc="-1" strike="noStrike">
-                <a:solidFill>
-                  <a:srgbClr val="000000"/>
-                </a:solidFill>
-                <a:uFill>
-                  <a:solidFill>
-                    <a:srgbClr val="ffffff"/>
-                  </a:solidFill>
-                </a:uFill>
-                <a:latin typeface="Arial"/>
-                <a:ea typeface="DejaVu Sans"/>
-              </a:rPr>
-              <a:t>Label</a:t>
-            </a:r>
-            <a:endParaRPr b="0" lang="en-US" sz="1800" spc="-1" strike="noStrike">
-              <a:solidFill>
-                <a:srgbClr val="000000"/>
-              </a:solidFill>
-              <a:uFill>
-                <a:solidFill>
-                  <a:srgbClr val="ffffff"/>
-                </a:solidFill>
-              </a:uFill>
-              <a:latin typeface="Arial"/>
-            </a:endParaRPr>
-          </a:p>
-          <a:p>
-            <a:pPr algn="ctr">
-              <a:lnSpc>
-                <a:spcPct val="100000"/>
-              </a:lnSpc>
-            </a:pPr>
-            <a:r>
-              <a:rPr b="0" lang="en-US" sz="1800" spc="-1" strike="noStrike">
-                <a:solidFill>
-                  <a:srgbClr val="000000"/>
-                </a:solidFill>
-                <a:uFill>
-                  <a:solidFill>
-                    <a:srgbClr val="ffffff"/>
-                  </a:solidFill>
-                </a:uFill>
-                <a:latin typeface="Arial"/>
-                <a:ea typeface="DejaVu Sans"/>
-              </a:rPr>
-              <a:t>Username</a:t>
-            </a:r>
-            <a:endParaRPr b="0" lang="en-US" sz="1800" spc="-1" strike="noStrike">
-              <a:solidFill>
-                <a:srgbClr val="000000"/>
-              </a:solidFill>
-              <a:uFill>
-                <a:solidFill>
-                  <a:srgbClr val="ffffff"/>
-                </a:solidFill>
-              </a:uFill>
-              <a:latin typeface="Arial"/>
-            </a:endParaRPr>
-          </a:p>
-          <a:p>
-            <a:pPr algn="ctr">
-              <a:lnSpc>
-                <a:spcPct val="100000"/>
-              </a:lnSpc>
-            </a:pPr>
-            <a:r>
-              <a:rPr b="0" lang="en-US" sz="1800" spc="-1" strike="noStrike">
-                <a:solidFill>
-                  <a:srgbClr val="000000"/>
-                </a:solidFill>
-                <a:uFill>
-                  <a:solidFill>
-                    <a:srgbClr val="ffffff"/>
-                  </a:solidFill>
-                </a:uFill>
-                <a:latin typeface="Arial"/>
-                <a:ea typeface="DejaVu Sans"/>
-              </a:rPr>
-              <a:t>Password</a:t>
-            </a:r>
-            <a:endParaRPr b="0" lang="en-US" sz="1800" spc="-1" strike="noStrike">
-              <a:solidFill>
-                <a:srgbClr val="000000"/>
-              </a:solidFill>
-              <a:uFill>
-                <a:solidFill>
-                  <a:srgbClr val="ffffff"/>
-                </a:solidFill>
-              </a:uFill>
-              <a:latin typeface="Arial"/>
-            </a:endParaRPr>
-          </a:p>
-        </p:txBody>
-      </p:sp>
-      <p:sp>
-        <p:nvSpPr>
-          <p:cNvPr id="99" name="CustomShape 10"/>
-          <p:cNvSpPr/>
-          <p:nvPr/>
-        </p:nvSpPr>
+        </p:nvCxnSpPr>
         <p:spPr>
           <a:xfrm flipV="1">
-            <a:off x="1828800" y="1828080"/>
-            <a:ext cx="2377080" cy="1325520"/>
-          </a:xfrm>
-          <a:custGeom>
-            <a:avLst/>
-            <a:gdLst/>
-            <a:ahLst/>
-            <a:rect l="l" t="t" r="r" b="b"/>
-            <a:pathLst>
-              <a:path w="21600" h="21600">
-                <a:moveTo>
-                  <a:pt x="0" y="0"/>
-                </a:moveTo>
-                <a:lnTo>
-                  <a:pt x="21600" y="21600"/>
-                </a:lnTo>
-              </a:path>
-            </a:pathLst>
-          </a:custGeom>
-          <a:noFill/>
+            <a:off x="1828800" y="1828800"/>
+            <a:ext cx="2377800" cy="1326240"/>
+          </a:xfrm>
+          <a:prstGeom prst="straightConnector1">
+            <a:avLst/>
+          </a:prstGeom>
           <a:ln>
             <a:solidFill>
               <a:srgbClr val="000000"/>
             </a:solidFill>
-            <a:tailEnd len="med" type="triangle" w="med"/>
+            <a:tailEnd type="triangle" w="med" len="med"/>
           </a:ln>
         </p:spPr>
-        <p:style>
-          <a:lnRef idx="0"/>
-          <a:fillRef idx="0"/>
-          <a:effectRef idx="0"/>
-          <a:fontRef idx="minor"/>
-        </p:style>
-      </p:sp>
-      <p:sp>
-        <p:nvSpPr>
-          <p:cNvPr id="100" name="CustomShape 11"/>
-          <p:cNvSpPr/>
+      </p:cxnSp>
+      <p:cxnSp>
+        <p:nvCxnSpPr>
+          <p:cNvPr id="100" name="Line 11"/>
+          <p:cNvCxnSpPr>
+            <a:stCxn id="93" idx="2"/>
+            <a:endCxn id="95" idx="0"/>
+          </p:cNvCxnSpPr>
           <p:nvPr/>
-        </p:nvSpPr>
+        </p:nvCxnSpPr>
         <p:spPr>
           <a:xfrm>
             <a:off x="5577840" y="2377440"/>
-            <a:ext cx="360" cy="365400"/>
-          </a:xfrm>
-          <a:custGeom>
-            <a:avLst/>
-            <a:gdLst/>
-            <a:ahLst/>
-            <a:rect l="l" t="t" r="r" b="b"/>
-            <a:pathLst>
-              <a:path w="21600" h="21600">
-                <a:moveTo>
-                  <a:pt x="0" y="0"/>
-                </a:moveTo>
-                <a:lnTo>
-                  <a:pt x="21600" y="21600"/>
-                </a:lnTo>
-              </a:path>
-            </a:pathLst>
-          </a:custGeom>
-          <a:noFill/>
+            <a:ext cx="360" cy="366120"/>
+          </a:xfrm>
+          <a:prstGeom prst="straightConnector1">
+            <a:avLst/>
+          </a:prstGeom>
           <a:ln>
             <a:solidFill>
               <a:srgbClr val="000000"/>
             </a:solidFill>
-            <a:headEnd len="med" type="triangle" w="med"/>
-            <a:tailEnd len="med" type="triangle" w="med"/>
+            <a:headEnd type="triangle" w="med" len="med"/>
+            <a:tailEnd type="triangle" w="med" len="med"/>
           </a:ln>
         </p:spPr>
-        <p:style>
-          <a:lnRef idx="0"/>
-          <a:fillRef idx="0"/>
-          <a:effectRef idx="0"/>
-          <a:fontRef idx="minor"/>
-        </p:style>
-      </p:sp>
-      <p:sp>
-        <p:nvSpPr>
-          <p:cNvPr id="101" name="CustomShape 12"/>
-          <p:cNvSpPr/>
+      </p:cxnSp>
+      <p:cxnSp>
+        <p:nvCxnSpPr>
+          <p:cNvPr id="101" name="Line 12"/>
+          <p:cNvCxnSpPr>
+            <a:stCxn id="95" idx="2"/>
+            <a:endCxn id="97" idx="0"/>
+          </p:cNvCxnSpPr>
           <p:nvPr/>
-        </p:nvSpPr>
+        </p:nvCxnSpPr>
         <p:spPr>
           <a:xfrm>
             <a:off x="5577840" y="3840480"/>
-            <a:ext cx="360" cy="456840"/>
-          </a:xfrm>
-          <a:custGeom>
-            <a:avLst/>
-            <a:gdLst/>
-            <a:ahLst/>
-            <a:rect l="l" t="t" r="r" b="b"/>
-            <a:pathLst>
-              <a:path w="21600" h="21600">
-                <a:moveTo>
-                  <a:pt x="0" y="0"/>
-                </a:moveTo>
-                <a:lnTo>
-                  <a:pt x="21600" y="21600"/>
-                </a:lnTo>
-              </a:path>
-            </a:pathLst>
-          </a:custGeom>
-          <a:noFill/>
+            <a:ext cx="360" cy="457560"/>
+          </a:xfrm>
+          <a:prstGeom prst="straightConnector1">
+            <a:avLst/>
+          </a:prstGeom>
           <a:ln>
             <a:solidFill>
               <a:srgbClr val="000000"/>
             </a:solidFill>
-            <a:headEnd len="med" type="triangle" w="med"/>
-            <a:tailEnd len="med" type="triangle" w="med"/>
+            <a:headEnd type="triangle" w="med" len="med"/>
+            <a:tailEnd type="triangle" w="med" len="med"/>
           </a:ln>
         </p:spPr>
-        <p:style>
-          <a:lnRef idx="0"/>
-          <a:fillRef idx="0"/>
-          <a:effectRef idx="0"/>
-          <a:fontRef idx="minor"/>
-        </p:style>
-      </p:sp>
-      <p:sp>
-        <p:nvSpPr>
+      </p:cxnSp>
+      <p:cxnSp>
+        <p:nvCxnSpPr>
           <p:cNvPr id="102" name="Line 13"/>
-          <p:cNvSpPr/>
+          <p:cNvCxnSpPr/>
           <p:nvPr/>
-        </p:nvSpPr>
+        </p:nvCxnSpPr>
         <p:spPr>
           <a:xfrm>
             <a:off x="0" y="0"/>
@@ -6392,34 +6210,167 @@
             <a:solidFill>
               <a:srgbClr val="000000"/>
             </a:solidFill>
-            <a:tailEnd len="med" type="triangle" w="med"/>
+            <a:tailEnd type="triangle" w="med" len="med"/>
           </a:ln>
         </p:spPr>
+      </p:cxnSp>
+      <p:sp>
+        <p:nvSpPr>
+          <p:cNvPr id="21" name="CustomShape 3"/>
+          <p:cNvSpPr/>
+          <p:nvPr/>
+        </p:nvSpPr>
+        <p:spPr>
+          <a:xfrm>
+            <a:off x="1077912" y="2987675"/>
+            <a:ext cx="731520" cy="624840"/>
+          </a:xfrm>
+          <a:prstGeom prst="rect">
+            <a:avLst/>
+          </a:prstGeom>
+          <a:solidFill>
+            <a:srgbClr val="EEEEEE"/>
+          </a:solidFill>
+          <a:ln>
+            <a:solidFill>
+              <a:srgbClr val="3465A4"/>
+            </a:solidFill>
+          </a:ln>
+        </p:spPr>
         <p:style>
-          <a:lnRef idx="0"/>
-          <a:fillRef idx="0"/>
-          <a:effectRef idx="0"/>
+          <a:lnRef idx="0">
+            <a:scrgbClr r="0" g="0" b="0"/>
+          </a:lnRef>
+          <a:fillRef idx="0">
+            <a:scrgbClr r="0" g="0" b="0"/>
+          </a:fillRef>
+          <a:effectRef idx="0">
+            <a:scrgbClr r="0" g="0" b="0"/>
+          </a:effectRef>
           <a:fontRef idx="minor"/>
         </p:style>
+        <p:txBody>
+          <a:bodyPr wrap="none" lIns="90000" tIns="45000" rIns="90000" bIns="45000" anchor="ctr"/>
+          <a:lstStyle/>
+          <a:p>
+            <a:pPr algn="ctr"/>
+            <a:endParaRPr lang="en-US" sz="1800" b="0" strike="noStrike" spc="-1" dirty="0">
+              <a:solidFill>
+                <a:srgbClr val="000000"/>
+              </a:solidFill>
+              <a:uFill>
+                <a:solidFill>
+                  <a:srgbClr val="FFFFFF"/>
+                </a:solidFill>
+              </a:uFill>
+              <a:latin typeface="Arial"/>
+            </a:endParaRPr>
+          </a:p>
+        </p:txBody>
+      </p:sp>
+      <p:cxnSp>
+        <p:nvCxnSpPr>
+          <p:cNvPr id="22" name="Line 10"/>
+          <p:cNvCxnSpPr>
+            <a:stCxn id="21" idx="3"/>
+            <a:endCxn id="97" idx="1"/>
+          </p:cNvCxnSpPr>
+          <p:nvPr/>
+        </p:nvCxnSpPr>
+        <p:spPr>
+          <a:xfrm>
+            <a:off x="1809432" y="3300095"/>
+            <a:ext cx="2396808" cy="1546225"/>
+          </a:xfrm>
+          <a:prstGeom prst="straightConnector1">
+            <a:avLst/>
+          </a:prstGeom>
+          <a:ln>
+            <a:solidFill>
+              <a:srgbClr val="000000"/>
+            </a:solidFill>
+            <a:tailEnd type="triangle" w="med" len="med"/>
+          </a:ln>
+        </p:spPr>
+      </p:cxnSp>
+      <p:sp>
+        <p:nvSpPr>
+          <p:cNvPr id="92" name="CustomShape 3"/>
+          <p:cNvSpPr/>
+          <p:nvPr/>
+        </p:nvSpPr>
+        <p:spPr>
+          <a:xfrm>
+            <a:off x="640080" y="1280160"/>
+            <a:ext cx="1188720" cy="3749040"/>
+          </a:xfrm>
+          <a:prstGeom prst="rect">
+            <a:avLst/>
+          </a:prstGeom>
+          <a:solidFill>
+            <a:srgbClr val="EEEEEE"/>
+          </a:solidFill>
+          <a:ln>
+            <a:solidFill>
+              <a:srgbClr val="3465A4"/>
+            </a:solidFill>
+          </a:ln>
+        </p:spPr>
+        <p:style>
+          <a:lnRef idx="0">
+            <a:scrgbClr r="0" g="0" b="0"/>
+          </a:lnRef>
+          <a:fillRef idx="0">
+            <a:scrgbClr r="0" g="0" b="0"/>
+          </a:fillRef>
+          <a:effectRef idx="0">
+            <a:scrgbClr r="0" g="0" b="0"/>
+          </a:effectRef>
+          <a:fontRef idx="minor"/>
+        </p:style>
+        <p:txBody>
+          <a:bodyPr wrap="none" lIns="90000" tIns="45000" rIns="90000" bIns="45000" anchor="ctr"/>
+          <a:lstStyle/>
+          <a:p>
+            <a:pPr algn="ctr"/>
+            <a:r>
+              <a:rPr lang="en-US" sz="1800" b="0" strike="noStrike" spc="-1">
+                <a:solidFill>
+                  <a:srgbClr val="000000"/>
+                </a:solidFill>
+                <a:uFill>
+                  <a:solidFill>
+                    <a:srgbClr val="FFFFFF"/>
+                  </a:solidFill>
+                </a:uFill>
+                <a:latin typeface="Arial"/>
+              </a:rPr>
+              <a:t>Vault</a:t>
+            </a:r>
+          </a:p>
+        </p:txBody>
       </p:sp>
     </p:spTree>
   </p:cSld>
+  <p:clrMapOvr>
+    <a:masterClrMapping/>
+  </p:clrMapOvr>
   <p:timing>
     <p:tnLst>
       <p:par>
-        <p:cTn id="13" dur="indefinite" restart="never" nodeType="tmRoot">
+        <p:cTn id="1" dur="indefinite" restart="never" nodeType="tmRoot">
           <p:childTnLst>
             <p:seq>
-              <p:cTn id="14" nodeType="mainSeq"/>
+              <p:cTn id="2" nodeType="mainSeq"/>
               <p:prevCondLst>
-                <p:cond delay="0" evt="onPrev">
+                <p:cond evt="onPrev" delay="0">
                   <p:tgtEl>
                     <p:sldTgt/>
                   </p:tgtEl>
                 </p:cond>
               </p:prevCondLst>
               <p:nextCondLst>
-                <p:cond delay="0" evt="onNext">
+                <p:cond evt="onNext" delay="0">
                   <p:tgtEl>
                     <p:sldTgt/>
                   </p:tgtEl>
@@ -6435,7 +6386,7 @@
 </file>
 
 <file path=ppt/slides/slide8.xml><?xml version="1.0" encoding="utf-8"?>
-<p:sld xmlns:a="http://schemas.openxmlformats.org/drawingml/2006/main" xmlns:p="http://schemas.openxmlformats.org/presentationml/2006/main" xmlns:r="http://schemas.openxmlformats.org/officeDocument/2006/relationships" xmlns:p14="http://schemas.microsoft.com/office/powerpoint/2010/main" xmlns:p15="http://schemas.microsoft.com/office/powerpoint/2012/main" xmlns:mc="http://schemas.openxmlformats.org/markup-compatibility/2006">
+<p:sld xmlns:a="http://schemas.openxmlformats.org/drawingml/2006/main" xmlns:r="http://schemas.openxmlformats.org/officeDocument/2006/relationships" xmlns:p="http://schemas.openxmlformats.org/presentationml/2006/main">
   <p:cSld>
     <p:spTree>
       <p:nvGrpSpPr>
@@ -6460,7 +6411,7 @@
         <p:spPr>
           <a:xfrm>
             <a:off x="719640" y="225720"/>
-            <a:ext cx="8853480" cy="945720"/>
+            <a:ext cx="8854200" cy="946440"/>
           </a:xfrm>
           <a:prstGeom prst="rect">
             <a:avLst/>
@@ -6471,22 +6422,29 @@
           </a:ln>
         </p:spPr>
         <p:style>
-          <a:lnRef idx="0"/>
-          <a:fillRef idx="0"/>
-          <a:effectRef idx="0"/>
+          <a:lnRef idx="0">
+            <a:scrgbClr r="0" g="0" b="0"/>
+          </a:lnRef>
+          <a:fillRef idx="0">
+            <a:scrgbClr r="0" g="0" b="0"/>
+          </a:fillRef>
+          <a:effectRef idx="0">
+            <a:scrgbClr r="0" g="0" b="0"/>
+          </a:effectRef>
           <a:fontRef idx="minor"/>
         </p:style>
         <p:txBody>
-          <a:bodyPr lIns="0" rIns="0" tIns="0" bIns="0" anchor="ctr"/>
+          <a:bodyPr lIns="0" tIns="0" rIns="0" bIns="0" anchor="ctr"/>
+          <a:lstStyle/>
           <a:p>
             <a:r>
-              <a:rPr b="1" lang="en-US" sz="4400" spc="-1" strike="noStrike">
+              <a:rPr lang="en-US" sz="4400" b="1" strike="noStrike" spc="-1">
                 <a:solidFill>
                   <a:srgbClr val="333333"/>
                 </a:solidFill>
                 <a:uFill>
                   <a:solidFill>
-                    <a:srgbClr val="ffffff"/>
+                    <a:srgbClr val="FFFFFF"/>
                   </a:solidFill>
                 </a:uFill>
                 <a:latin typeface="Open Sans"/>
@@ -6494,13 +6452,13 @@
               </a:rPr>
               <a:t>Password Vault</a:t>
             </a:r>
-            <a:endParaRPr b="0" lang="en-US" sz="1800" spc="-1" strike="noStrike">
-              <a:solidFill>
-                <a:srgbClr val="000000"/>
-              </a:solidFill>
-              <a:uFill>
-                <a:solidFill>
-                  <a:srgbClr val="ffffff"/>
+            <a:endParaRPr lang="en-US" sz="1800" b="0" strike="noStrike" spc="-1">
+              <a:solidFill>
+                <a:srgbClr val="000000"/>
+              </a:solidFill>
+              <a:uFill>
+                <a:solidFill>
+                  <a:srgbClr val="FFFFFF"/>
                 </a:solidFill>
               </a:uFill>
               <a:latin typeface="Arial"/>
@@ -6517,24 +6475,33 @@
         <p:spPr>
           <a:xfrm>
             <a:off x="914400" y="1554480"/>
-            <a:ext cx="8443080" cy="4296960"/>
+            <a:ext cx="8443800" cy="4297680"/>
           </a:xfrm>
           <a:prstGeom prst="rect">
             <a:avLst/>
           </a:prstGeom>
           <a:solidFill>
-            <a:srgbClr val="ff7f00"/>
+            <a:schemeClr val="accent6">
+              <a:lumMod val="40000"/>
+              <a:lumOff val="60000"/>
+            </a:schemeClr>
           </a:solidFill>
           <a:ln>
             <a:solidFill>
-              <a:srgbClr val="3465a4"/>
+              <a:srgbClr val="3465A4"/>
             </a:solidFill>
           </a:ln>
         </p:spPr>
         <p:style>
-          <a:lnRef idx="0"/>
-          <a:fillRef idx="0"/>
-          <a:effectRef idx="0"/>
+          <a:lnRef idx="0">
+            <a:scrgbClr r="0" g="0" b="0"/>
+          </a:lnRef>
+          <a:fillRef idx="0">
+            <a:scrgbClr r="0" g="0" b="0"/>
+          </a:fillRef>
+          <a:effectRef idx="0">
+            <a:scrgbClr r="0" g="0" b="0"/>
+          </a:effectRef>
           <a:fontRef idx="minor"/>
         </p:style>
       </p:sp>
@@ -6547,7 +6514,7 @@
         <p:spPr>
           <a:xfrm>
             <a:off x="719640" y="1620000"/>
-            <a:ext cx="8637840" cy="3287160"/>
+            <a:ext cx="8638560" cy="3287880"/>
           </a:xfrm>
           <a:prstGeom prst="rect">
             <a:avLst/>
@@ -6558,9 +6525,15 @@
           </a:ln>
         </p:spPr>
         <p:style>
-          <a:lnRef idx="0"/>
-          <a:fillRef idx="0"/>
-          <a:effectRef idx="0"/>
+          <a:lnRef idx="0">
+            <a:scrgbClr r="0" g="0" b="0"/>
+          </a:lnRef>
+          <a:fillRef idx="0">
+            <a:scrgbClr r="0" g="0" b="0"/>
+          </a:fillRef>
+          <a:effectRef idx="0">
+            <a:scrgbClr r="0" g="0" b="0"/>
+          </a:effectRef>
           <a:fontRef idx="minor"/>
         </p:style>
       </p:sp>
@@ -6573,60 +6546,51 @@
         <p:spPr>
           <a:xfrm>
             <a:off x="1280160" y="1920240"/>
-            <a:ext cx="2193840" cy="365040"/>
+            <a:ext cx="2194560" cy="365760"/>
           </a:xfrm>
           <a:prstGeom prst="rect">
             <a:avLst/>
           </a:prstGeom>
           <a:solidFill>
-            <a:srgbClr val="eeeeee"/>
+            <a:srgbClr val="EEEEEE"/>
           </a:solidFill>
           <a:ln>
             <a:solidFill>
-              <a:srgbClr val="3465a4"/>
+              <a:srgbClr val="3465A4"/>
             </a:solidFill>
           </a:ln>
         </p:spPr>
         <p:style>
-          <a:lnRef idx="0"/>
-          <a:fillRef idx="0"/>
-          <a:effectRef idx="0"/>
+          <a:lnRef idx="0">
+            <a:scrgbClr r="0" g="0" b="0"/>
+          </a:lnRef>
+          <a:fillRef idx="0">
+            <a:scrgbClr r="0" g="0" b="0"/>
+          </a:fillRef>
+          <a:effectRef idx="0">
+            <a:scrgbClr r="0" g="0" b="0"/>
+          </a:effectRef>
           <a:fontRef idx="minor"/>
         </p:style>
         <p:txBody>
-          <a:bodyPr wrap="none" lIns="90000" rIns="90000" tIns="45000" bIns="45000" anchor="ctr"/>
-          <a:p>
-            <a:pPr algn="ctr">
-              <a:lnSpc>
-                <a:spcPct val="100000"/>
-              </a:lnSpc>
-            </a:pPr>
+          <a:bodyPr wrap="none" lIns="90000" tIns="45000" rIns="90000" bIns="45000" anchor="ctr"/>
+          <a:lstStyle/>
+          <a:p>
+            <a:pPr algn="ctr"/>
             <a:r>
-              <a:rPr b="0" lang="en-US" sz="1800" spc="-1" strike="noStrike">
+              <a:rPr lang="en-US" sz="1800" b="0" strike="noStrike" spc="-1">
                 <a:solidFill>
                   <a:srgbClr val="000000"/>
                 </a:solidFill>
                 <a:uFill>
                   <a:solidFill>
-                    <a:srgbClr val="ffffff"/>
+                    <a:srgbClr val="FFFFFF"/>
                   </a:solidFill>
                 </a:uFill>
                 <a:latin typeface="Arial"/>
-                <a:ea typeface="DejaVu Sans"/>
               </a:rPr>
               <a:t>firstId</a:t>
             </a:r>
-            <a:endParaRPr b="0" lang="en-US" sz="1800" spc="-1" strike="noStrike">
-              <a:solidFill>
-                <a:srgbClr val="000000"/>
-              </a:solidFill>
-              <a:uFill>
-                <a:solidFill>
-                  <a:srgbClr val="ffffff"/>
-                </a:solidFill>
-              </a:uFill>
-              <a:latin typeface="Arial"/>
-            </a:endParaRPr>
           </a:p>
         </p:txBody>
       </p:sp>
@@ -6639,7 +6603,7 @@
         <p:spPr>
           <a:xfrm>
             <a:off x="4206240" y="1828800"/>
-            <a:ext cx="3108240" cy="913680"/>
+            <a:ext cx="3108960" cy="914400"/>
           </a:xfrm>
           <a:prstGeom prst="rect">
             <a:avLst/>
@@ -6650,15 +6614,22 @@
           </a:ln>
         </p:spPr>
         <p:style>
-          <a:lnRef idx="0"/>
-          <a:fillRef idx="0"/>
-          <a:effectRef idx="0"/>
+          <a:lnRef idx="0">
+            <a:scrgbClr r="0" g="0" b="0"/>
+          </a:lnRef>
+          <a:fillRef idx="0">
+            <a:scrgbClr r="0" g="0" b="0"/>
+          </a:fillRef>
+          <a:effectRef idx="0">
+            <a:scrgbClr r="0" g="0" b="0"/>
+          </a:effectRef>
           <a:fontRef idx="minor"/>
         </p:style>
         <p:txBody>
-          <a:bodyPr lIns="0" rIns="0" tIns="0" bIns="0"/>
-          <a:p>
-            <a:pPr marL="432000" indent="-322560" algn="ctr">
+          <a:bodyPr lIns="0" tIns="0" rIns="0" bIns="0"/>
+          <a:lstStyle/>
+          <a:p>
+            <a:pPr marL="432000" indent="-323280" algn="ctr">
               <a:lnSpc>
                 <a:spcPct val="100000"/>
               </a:lnSpc>
@@ -6666,20 +6637,20 @@
                 <a:spcPts val="1414"/>
               </a:spcAft>
               <a:buClr>
-                <a:srgbClr val="ef2929"/>
+                <a:srgbClr val="EF2929"/>
               </a:buClr>
               <a:buSzPct val="45000"/>
               <a:buFont typeface="Wingdings" charset="2"/>
               <a:buChar char=""/>
             </a:pPr>
             <a:r>
-              <a:rPr b="0" lang="en-US" sz="1800" spc="-1" strike="noStrike">
+              <a:rPr lang="en-US" sz="1800" b="0" strike="noStrike" spc="-1">
                 <a:solidFill>
                   <a:srgbClr val="333333"/>
                 </a:solidFill>
                 <a:uFill>
                   <a:solidFill>
-                    <a:srgbClr val="ffffff"/>
+                    <a:srgbClr val="FFFFFF"/>
                   </a:solidFill>
                 </a:uFill>
                 <a:latin typeface="Open Sans"/>
@@ -6687,13 +6658,13 @@
               </a:rPr>
               <a:t>(Entry #0)</a:t>
             </a:r>
-            <a:endParaRPr b="0" lang="en-US" sz="1800" spc="-1" strike="noStrike">
-              <a:solidFill>
-                <a:srgbClr val="000000"/>
-              </a:solidFill>
-              <a:uFill>
-                <a:solidFill>
-                  <a:srgbClr val="ffffff"/>
+            <a:endParaRPr lang="en-US" sz="1800" b="0" strike="noStrike" spc="-1">
+              <a:solidFill>
+                <a:srgbClr val="000000"/>
+              </a:solidFill>
+              <a:uFill>
+                <a:solidFill>
+                  <a:srgbClr val="FFFFFF"/>
                 </a:solidFill>
               </a:uFill>
               <a:latin typeface="Arial"/>
@@ -6710,7 +6681,7 @@
         <p:spPr>
           <a:xfrm>
             <a:off x="719640" y="1005840"/>
-            <a:ext cx="8637840" cy="3735000"/>
+            <a:ext cx="8638560" cy="3735720"/>
           </a:xfrm>
           <a:prstGeom prst="rect">
             <a:avLst/>
@@ -6721,15 +6692,22 @@
           </a:ln>
         </p:spPr>
         <p:style>
-          <a:lnRef idx="0"/>
-          <a:fillRef idx="0"/>
-          <a:effectRef idx="0"/>
+          <a:lnRef idx="0">
+            <a:scrgbClr r="0" g="0" b="0"/>
+          </a:lnRef>
+          <a:fillRef idx="0">
+            <a:scrgbClr r="0" g="0" b="0"/>
+          </a:fillRef>
+          <a:effectRef idx="0">
+            <a:scrgbClr r="0" g="0" b="0"/>
+          </a:effectRef>
           <a:fontRef idx="minor"/>
         </p:style>
         <p:txBody>
-          <a:bodyPr lIns="0" rIns="0" tIns="0" bIns="0"/>
-          <a:p>
-            <a:pPr marL="432000" indent="-322560" algn="ctr">
+          <a:bodyPr lIns="0" tIns="0" rIns="0" bIns="0"/>
+          <a:lstStyle/>
+          <a:p>
+            <a:pPr marL="432000" indent="-323280" algn="ctr">
               <a:lnSpc>
                 <a:spcPct val="100000"/>
               </a:lnSpc>
@@ -6737,20 +6715,20 @@
                 <a:spcPts val="1414"/>
               </a:spcAft>
               <a:buClr>
-                <a:srgbClr val="ef2929"/>
+                <a:srgbClr val="EF2929"/>
               </a:buClr>
               <a:buSzPct val="45000"/>
               <a:buFont typeface="Wingdings" charset="2"/>
               <a:buChar char=""/>
             </a:pPr>
             <a:r>
-              <a:rPr b="0" lang="en-US" sz="2800" spc="-1" strike="noStrike">
+              <a:rPr lang="en-US" sz="2800" b="0" strike="noStrike" spc="-1">
                 <a:solidFill>
                   <a:srgbClr val="333333"/>
                 </a:solidFill>
                 <a:uFill>
                   <a:solidFill>
-                    <a:srgbClr val="ffffff"/>
+                    <a:srgbClr val="FFFFFF"/>
                   </a:solidFill>
                 </a:uFill>
                 <a:latin typeface="Open Sans"/>
@@ -6758,13 +6736,13 @@
               </a:rPr>
               <a:t>File</a:t>
             </a:r>
-            <a:endParaRPr b="0" lang="en-US" sz="1800" spc="-1" strike="noStrike">
-              <a:solidFill>
-                <a:srgbClr val="000000"/>
-              </a:solidFill>
-              <a:uFill>
-                <a:solidFill>
-                  <a:srgbClr val="ffffff"/>
+            <a:endParaRPr lang="en-US" sz="1800" b="0" strike="noStrike" spc="-1">
+              <a:solidFill>
+                <a:srgbClr val="000000"/>
+              </a:solidFill>
+              <a:uFill>
+                <a:solidFill>
+                  <a:srgbClr val="FFFFFF"/>
                 </a:solidFill>
               </a:uFill>
               <a:latin typeface="Arial"/>
@@ -6781,7 +6759,7 @@
         <p:spPr>
           <a:xfrm>
             <a:off x="4206240" y="3657600"/>
-            <a:ext cx="3108240" cy="913680"/>
+            <a:ext cx="3108960" cy="914400"/>
           </a:xfrm>
           <a:prstGeom prst="rect">
             <a:avLst/>
@@ -6792,15 +6770,22 @@
           </a:ln>
         </p:spPr>
         <p:style>
-          <a:lnRef idx="0"/>
-          <a:fillRef idx="0"/>
-          <a:effectRef idx="0"/>
+          <a:lnRef idx="0">
+            <a:scrgbClr r="0" g="0" b="0"/>
+          </a:lnRef>
+          <a:fillRef idx="0">
+            <a:scrgbClr r="0" g="0" b="0"/>
+          </a:fillRef>
+          <a:effectRef idx="0">
+            <a:scrgbClr r="0" g="0" b="0"/>
+          </a:effectRef>
           <a:fontRef idx="minor"/>
         </p:style>
         <p:txBody>
-          <a:bodyPr lIns="0" rIns="0" tIns="0" bIns="0"/>
-          <a:p>
-            <a:pPr marL="432000" indent="-322560" algn="ctr">
+          <a:bodyPr lIns="0" tIns="0" rIns="0" bIns="0"/>
+          <a:lstStyle/>
+          <a:p>
+            <a:pPr marL="432000" indent="-323280" algn="ctr">
               <a:lnSpc>
                 <a:spcPct val="100000"/>
               </a:lnSpc>
@@ -6808,20 +6793,20 @@
                 <a:spcPts val="1414"/>
               </a:spcAft>
               <a:buClr>
-                <a:srgbClr val="ef2929"/>
+                <a:srgbClr val="EF2929"/>
               </a:buClr>
               <a:buSzPct val="45000"/>
               <a:buFont typeface="Wingdings" charset="2"/>
               <a:buChar char=""/>
             </a:pPr>
             <a:r>
-              <a:rPr b="0" lang="en-US" sz="1800" spc="-1" strike="noStrike">
+              <a:rPr lang="en-US" sz="1800" b="0" strike="noStrike" spc="-1">
                 <a:solidFill>
                   <a:srgbClr val="333333"/>
                 </a:solidFill>
                 <a:uFill>
                   <a:solidFill>
-                    <a:srgbClr val="ffffff"/>
+                    <a:srgbClr val="FFFFFF"/>
                   </a:solidFill>
                 </a:uFill>
                 <a:latin typeface="Open Sans"/>
@@ -6829,13 +6814,13 @@
               </a:rPr>
               <a:t>(Entry #1)</a:t>
             </a:r>
-            <a:endParaRPr b="0" lang="en-US" sz="1800" spc="-1" strike="noStrike">
-              <a:solidFill>
-                <a:srgbClr val="000000"/>
-              </a:solidFill>
-              <a:uFill>
-                <a:solidFill>
-                  <a:srgbClr val="ffffff"/>
+            <a:endParaRPr lang="en-US" sz="1800" b="0" strike="noStrike" spc="-1">
+              <a:solidFill>
+                <a:srgbClr val="000000"/>
+              </a:solidFill>
+              <a:uFill>
+                <a:solidFill>
+                  <a:srgbClr val="FFFFFF"/>
                 </a:solidFill>
               </a:uFill>
               <a:latin typeface="Arial"/>
@@ -6852,60 +6837,51 @@
         <p:spPr>
           <a:xfrm>
             <a:off x="3108960" y="1920240"/>
-            <a:ext cx="365040" cy="365040"/>
+            <a:ext cx="365760" cy="365760"/>
           </a:xfrm>
           <a:prstGeom prst="rect">
             <a:avLst/>
           </a:prstGeom>
           <a:solidFill>
-            <a:srgbClr val="eeeeee"/>
+            <a:srgbClr val="EEEEEE"/>
           </a:solidFill>
           <a:ln>
             <a:solidFill>
-              <a:srgbClr val="3465a4"/>
+              <a:srgbClr val="3465A4"/>
             </a:solidFill>
           </a:ln>
         </p:spPr>
         <p:style>
-          <a:lnRef idx="0"/>
-          <a:fillRef idx="0"/>
-          <a:effectRef idx="0"/>
+          <a:lnRef idx="0">
+            <a:scrgbClr r="0" g="0" b="0"/>
+          </a:lnRef>
+          <a:fillRef idx="0">
+            <a:scrgbClr r="0" g="0" b="0"/>
+          </a:fillRef>
+          <a:effectRef idx="0">
+            <a:scrgbClr r="0" g="0" b="0"/>
+          </a:effectRef>
           <a:fontRef idx="minor"/>
         </p:style>
         <p:txBody>
-          <a:bodyPr wrap="none" lIns="90000" rIns="90000" tIns="45000" bIns="45000" anchor="ctr"/>
-          <a:p>
-            <a:pPr algn="ctr">
-              <a:lnSpc>
-                <a:spcPct val="100000"/>
-              </a:lnSpc>
-            </a:pPr>
+          <a:bodyPr wrap="none" lIns="90000" tIns="45000" rIns="90000" bIns="45000" anchor="ctr"/>
+          <a:lstStyle/>
+          <a:p>
+            <a:pPr algn="ctr"/>
             <a:r>
-              <a:rPr b="0" lang="en-US" sz="1800" spc="-1" strike="noStrike">
+              <a:rPr lang="en-US" sz="1800" b="0" strike="noStrike" spc="-1">
                 <a:solidFill>
                   <a:srgbClr val="000000"/>
                 </a:solidFill>
                 <a:uFill>
                   <a:solidFill>
-                    <a:srgbClr val="ffffff"/>
+                    <a:srgbClr val="FFFFFF"/>
                   </a:solidFill>
                 </a:uFill>
                 <a:latin typeface="Arial"/>
-                <a:ea typeface="DejaVu Sans"/>
               </a:rPr>
               <a:t>0</a:t>
             </a:r>
-            <a:endParaRPr b="0" lang="en-US" sz="1800" spc="-1" strike="noStrike">
-              <a:solidFill>
-                <a:srgbClr val="000000"/>
-              </a:solidFill>
-              <a:uFill>
-                <a:solidFill>
-                  <a:srgbClr val="ffffff"/>
-                </a:solidFill>
-              </a:uFill>
-              <a:latin typeface="Arial"/>
-            </a:endParaRPr>
           </a:p>
         </p:txBody>
       </p:sp>
@@ -6918,60 +6894,51 @@
         <p:spPr>
           <a:xfrm>
             <a:off x="1280160" y="2286000"/>
-            <a:ext cx="2193840" cy="365040"/>
+            <a:ext cx="2194560" cy="365760"/>
           </a:xfrm>
           <a:prstGeom prst="rect">
             <a:avLst/>
           </a:prstGeom>
           <a:solidFill>
-            <a:srgbClr val="eeeeee"/>
+            <a:srgbClr val="EEEEEE"/>
           </a:solidFill>
           <a:ln>
             <a:solidFill>
-              <a:srgbClr val="3465a4"/>
+              <a:srgbClr val="3465A4"/>
             </a:solidFill>
           </a:ln>
         </p:spPr>
         <p:style>
-          <a:lnRef idx="0"/>
-          <a:fillRef idx="0"/>
-          <a:effectRef idx="0"/>
+          <a:lnRef idx="0">
+            <a:scrgbClr r="0" g="0" b="0"/>
+          </a:lnRef>
+          <a:fillRef idx="0">
+            <a:scrgbClr r="0" g="0" b="0"/>
+          </a:fillRef>
+          <a:effectRef idx="0">
+            <a:scrgbClr r="0" g="0" b="0"/>
+          </a:effectRef>
           <a:fontRef idx="minor"/>
         </p:style>
         <p:txBody>
-          <a:bodyPr wrap="none" lIns="90000" rIns="90000" tIns="45000" bIns="45000" anchor="ctr"/>
-          <a:p>
-            <a:pPr algn="ctr">
-              <a:lnSpc>
-                <a:spcPct val="100000"/>
-              </a:lnSpc>
-            </a:pPr>
+          <a:bodyPr wrap="none" lIns="90000" tIns="45000" rIns="90000" bIns="45000" anchor="ctr"/>
+          <a:lstStyle/>
+          <a:p>
+            <a:pPr algn="ctr"/>
             <a:r>
-              <a:rPr b="0" lang="en-US" sz="1800" spc="-1" strike="noStrike">
+              <a:rPr lang="en-US" sz="1800" b="0" strike="noStrike" spc="-1">
                 <a:solidFill>
                   <a:srgbClr val="000000"/>
                 </a:solidFill>
                 <a:uFill>
                   <a:solidFill>
-                    <a:srgbClr val="ffffff"/>
+                    <a:srgbClr val="FFFFFF"/>
                   </a:solidFill>
                 </a:uFill>
                 <a:latin typeface="Arial"/>
-                <a:ea typeface="DejaVu Sans"/>
               </a:rPr>
               <a:t>lastId</a:t>
             </a:r>
-            <a:endParaRPr b="0" lang="en-US" sz="1800" spc="-1" strike="noStrike">
-              <a:solidFill>
-                <a:srgbClr val="000000"/>
-              </a:solidFill>
-              <a:uFill>
-                <a:solidFill>
-                  <a:srgbClr val="ffffff"/>
-                </a:solidFill>
-              </a:uFill>
-              <a:latin typeface="Arial"/>
-            </a:endParaRPr>
           </a:p>
         </p:txBody>
       </p:sp>
@@ -6984,60 +6951,51 @@
         <p:spPr>
           <a:xfrm>
             <a:off x="3108960" y="2286000"/>
-            <a:ext cx="365040" cy="365040"/>
+            <a:ext cx="365760" cy="365760"/>
           </a:xfrm>
           <a:prstGeom prst="rect">
             <a:avLst/>
           </a:prstGeom>
           <a:solidFill>
-            <a:srgbClr val="eeeeee"/>
+            <a:srgbClr val="EEEEEE"/>
           </a:solidFill>
           <a:ln>
             <a:solidFill>
-              <a:srgbClr val="3465a4"/>
+              <a:srgbClr val="3465A4"/>
             </a:solidFill>
           </a:ln>
         </p:spPr>
         <p:style>
-          <a:lnRef idx="0"/>
-          <a:fillRef idx="0"/>
-          <a:effectRef idx="0"/>
+          <a:lnRef idx="0">
+            <a:scrgbClr r="0" g="0" b="0"/>
+          </a:lnRef>
+          <a:fillRef idx="0">
+            <a:scrgbClr r="0" g="0" b="0"/>
+          </a:fillRef>
+          <a:effectRef idx="0">
+            <a:scrgbClr r="0" g="0" b="0"/>
+          </a:effectRef>
           <a:fontRef idx="minor"/>
         </p:style>
         <p:txBody>
-          <a:bodyPr wrap="none" lIns="90000" rIns="90000" tIns="45000" bIns="45000" anchor="ctr"/>
-          <a:p>
-            <a:pPr algn="ctr">
-              <a:lnSpc>
-                <a:spcPct val="100000"/>
-              </a:lnSpc>
-            </a:pPr>
+          <a:bodyPr wrap="none" lIns="90000" tIns="45000" rIns="90000" bIns="45000" anchor="ctr"/>
+          <a:lstStyle/>
+          <a:p>
+            <a:pPr algn="ctr"/>
             <a:r>
-              <a:rPr b="0" lang="en-US" sz="1800" spc="-1" strike="noStrike">
+              <a:rPr lang="en-US" sz="1800" b="0" strike="noStrike" spc="-1">
                 <a:solidFill>
                   <a:srgbClr val="000000"/>
                 </a:solidFill>
                 <a:uFill>
                   <a:solidFill>
-                    <a:srgbClr val="ffffff"/>
+                    <a:srgbClr val="FFFFFF"/>
                   </a:solidFill>
                 </a:uFill>
                 <a:latin typeface="Arial"/>
-                <a:ea typeface="DejaVu Sans"/>
               </a:rPr>
               <a:t>2</a:t>
             </a:r>
-            <a:endParaRPr b="0" lang="en-US" sz="1800" spc="-1" strike="noStrike">
-              <a:solidFill>
-                <a:srgbClr val="000000"/>
-              </a:solidFill>
-              <a:uFill>
-                <a:solidFill>
-                  <a:srgbClr val="ffffff"/>
-                </a:solidFill>
-              </a:uFill>
-              <a:latin typeface="Arial"/>
-            </a:endParaRPr>
           </a:p>
         </p:txBody>
       </p:sp>
@@ -7050,60 +7008,51 @@
         <p:spPr>
           <a:xfrm>
             <a:off x="1280160" y="3200400"/>
-            <a:ext cx="2193840" cy="365040"/>
+            <a:ext cx="2194560" cy="365760"/>
           </a:xfrm>
           <a:prstGeom prst="rect">
             <a:avLst/>
           </a:prstGeom>
           <a:solidFill>
-            <a:srgbClr val="eeeeee"/>
+            <a:srgbClr val="EEEEEE"/>
           </a:solidFill>
           <a:ln>
             <a:solidFill>
-              <a:srgbClr val="3465a4"/>
+              <a:srgbClr val="3465A4"/>
             </a:solidFill>
           </a:ln>
         </p:spPr>
         <p:style>
-          <a:lnRef idx="0"/>
-          <a:fillRef idx="0"/>
-          <a:effectRef idx="0"/>
+          <a:lnRef idx="0">
+            <a:scrgbClr r="0" g="0" b="0"/>
+          </a:lnRef>
+          <a:fillRef idx="0">
+            <a:scrgbClr r="0" g="0" b="0"/>
+          </a:fillRef>
+          <a:effectRef idx="0">
+            <a:scrgbClr r="0" g="0" b="0"/>
+          </a:effectRef>
           <a:fontRef idx="minor"/>
         </p:style>
         <p:txBody>
-          <a:bodyPr wrap="none" lIns="90000" rIns="90000" tIns="45000" bIns="45000" anchor="ctr"/>
-          <a:p>
-            <a:pPr algn="ctr">
-              <a:lnSpc>
-                <a:spcPct val="100000"/>
-              </a:lnSpc>
-            </a:pPr>
+          <a:bodyPr wrap="none" lIns="90000" tIns="45000" rIns="90000" bIns="45000" anchor="ctr"/>
+          <a:lstStyle/>
+          <a:p>
+            <a:pPr algn="ctr"/>
             <a:r>
-              <a:rPr b="0" lang="en-US" sz="1800" spc="-1" strike="noStrike">
+              <a:rPr lang="en-US" sz="1800" b="0" strike="noStrike" spc="-1">
                 <a:solidFill>
                   <a:srgbClr val="000000"/>
                 </a:solidFill>
                 <a:uFill>
                   <a:solidFill>
-                    <a:srgbClr val="ffffff"/>
+                    <a:srgbClr val="FFFFFF"/>
                   </a:solidFill>
                 </a:uFill>
                 <a:latin typeface="Arial"/>
-                <a:ea typeface="DejaVu Sans"/>
               </a:rPr>
               <a:t>nextFreeId</a:t>
             </a:r>
-            <a:endParaRPr b="0" lang="en-US" sz="1800" spc="-1" strike="noStrike">
-              <a:solidFill>
-                <a:srgbClr val="000000"/>
-              </a:solidFill>
-              <a:uFill>
-                <a:solidFill>
-                  <a:srgbClr val="ffffff"/>
-                </a:solidFill>
-              </a:uFill>
-              <a:latin typeface="Arial"/>
-            </a:endParaRPr>
           </a:p>
         </p:txBody>
       </p:sp>
@@ -7116,60 +7065,51 @@
         <p:spPr>
           <a:xfrm>
             <a:off x="3108960" y="3200400"/>
-            <a:ext cx="365040" cy="365040"/>
+            <a:ext cx="365760" cy="365760"/>
           </a:xfrm>
           <a:prstGeom prst="rect">
             <a:avLst/>
           </a:prstGeom>
           <a:solidFill>
-            <a:srgbClr val="eeeeee"/>
+            <a:srgbClr val="EEEEEE"/>
           </a:solidFill>
           <a:ln>
             <a:solidFill>
-              <a:srgbClr val="3465a4"/>
+              <a:srgbClr val="3465A4"/>
             </a:solidFill>
           </a:ln>
         </p:spPr>
         <p:style>
-          <a:lnRef idx="0"/>
-          <a:fillRef idx="0"/>
-          <a:effectRef idx="0"/>
+          <a:lnRef idx="0">
+            <a:scrgbClr r="0" g="0" b="0"/>
+          </a:lnRef>
+          <a:fillRef idx="0">
+            <a:scrgbClr r="0" g="0" b="0"/>
+          </a:fillRef>
+          <a:effectRef idx="0">
+            <a:scrgbClr r="0" g="0" b="0"/>
+          </a:effectRef>
           <a:fontRef idx="minor"/>
         </p:style>
         <p:txBody>
-          <a:bodyPr wrap="none" lIns="90000" rIns="90000" tIns="45000" bIns="45000" anchor="ctr"/>
-          <a:p>
-            <a:pPr algn="ctr">
-              <a:lnSpc>
-                <a:spcPct val="100000"/>
-              </a:lnSpc>
-            </a:pPr>
+          <a:bodyPr wrap="none" lIns="90000" tIns="45000" rIns="90000" bIns="45000" anchor="ctr"/>
+          <a:lstStyle/>
+          <a:p>
+            <a:pPr algn="ctr"/>
             <a:r>
-              <a:rPr b="0" lang="en-US" sz="1800" spc="-1" strike="noStrike">
+              <a:rPr lang="en-US" sz="1800" b="0" strike="noStrike" spc="-1">
                 <a:solidFill>
                   <a:srgbClr val="000000"/>
                 </a:solidFill>
                 <a:uFill>
                   <a:solidFill>
-                    <a:srgbClr val="ffffff"/>
+                    <a:srgbClr val="FFFFFF"/>
                   </a:solidFill>
                 </a:uFill>
                 <a:latin typeface="Arial"/>
-                <a:ea typeface="DejaVu Sans"/>
               </a:rPr>
               <a:t>3</a:t>
             </a:r>
-            <a:endParaRPr b="0" lang="en-US" sz="1800" spc="-1" strike="noStrike">
-              <a:solidFill>
-                <a:srgbClr val="000000"/>
-              </a:solidFill>
-              <a:uFill>
-                <a:solidFill>
-                  <a:srgbClr val="ffffff"/>
-                </a:solidFill>
-              </a:uFill>
-              <a:latin typeface="Arial"/>
-            </a:endParaRPr>
           </a:p>
         </p:txBody>
       </p:sp>
@@ -7182,60 +7122,51 @@
         <p:spPr>
           <a:xfrm>
             <a:off x="6583680" y="1645920"/>
-            <a:ext cx="1279440" cy="365040"/>
+            <a:ext cx="1280160" cy="365760"/>
           </a:xfrm>
           <a:prstGeom prst="rect">
             <a:avLst/>
           </a:prstGeom>
           <a:solidFill>
-            <a:srgbClr val="eeeeee"/>
+            <a:srgbClr val="EEEEEE"/>
           </a:solidFill>
           <a:ln>
             <a:solidFill>
-              <a:srgbClr val="3465a4"/>
+              <a:srgbClr val="3465A4"/>
             </a:solidFill>
           </a:ln>
         </p:spPr>
         <p:style>
-          <a:lnRef idx="0"/>
-          <a:fillRef idx="0"/>
-          <a:effectRef idx="0"/>
+          <a:lnRef idx="0">
+            <a:scrgbClr r="0" g="0" b="0"/>
+          </a:lnRef>
+          <a:fillRef idx="0">
+            <a:scrgbClr r="0" g="0" b="0"/>
+          </a:fillRef>
+          <a:effectRef idx="0">
+            <a:scrgbClr r="0" g="0" b="0"/>
+          </a:effectRef>
           <a:fontRef idx="minor"/>
         </p:style>
         <p:txBody>
-          <a:bodyPr wrap="none" lIns="90000" rIns="90000" tIns="45000" bIns="45000" anchor="ctr"/>
-          <a:p>
-            <a:pPr algn="ctr">
-              <a:lnSpc>
-                <a:spcPct val="100000"/>
-              </a:lnSpc>
-            </a:pPr>
+          <a:bodyPr wrap="none" lIns="90000" tIns="45000" rIns="90000" bIns="45000" anchor="ctr"/>
+          <a:lstStyle/>
+          <a:p>
+            <a:pPr algn="ctr"/>
             <a:r>
-              <a:rPr b="0" lang="en-US" sz="1800" spc="-1" strike="noStrike">
+              <a:rPr lang="en-US" sz="1800" b="0" strike="noStrike" spc="-1">
                 <a:solidFill>
                   <a:srgbClr val="000000"/>
                 </a:solidFill>
                 <a:uFill>
                   <a:solidFill>
-                    <a:srgbClr val="ffffff"/>
+                    <a:srgbClr val="FFFFFF"/>
                   </a:solidFill>
                 </a:uFill>
                 <a:latin typeface="Arial"/>
-                <a:ea typeface="DejaVu Sans"/>
               </a:rPr>
               <a:t>label0</a:t>
             </a:r>
-            <a:endParaRPr b="0" lang="en-US" sz="1800" spc="-1" strike="noStrike">
-              <a:solidFill>
-                <a:srgbClr val="000000"/>
-              </a:solidFill>
-              <a:uFill>
-                <a:solidFill>
-                  <a:srgbClr val="ffffff"/>
-                </a:solidFill>
-              </a:uFill>
-              <a:latin typeface="Arial"/>
-            </a:endParaRPr>
           </a:p>
         </p:txBody>
       </p:sp>
@@ -7248,60 +7179,51 @@
         <p:spPr>
           <a:xfrm>
             <a:off x="7863840" y="1645920"/>
-            <a:ext cx="1279440" cy="365040"/>
+            <a:ext cx="1280160" cy="365760"/>
           </a:xfrm>
           <a:prstGeom prst="rect">
             <a:avLst/>
           </a:prstGeom>
           <a:solidFill>
-            <a:srgbClr val="eeeeee"/>
+            <a:srgbClr val="EEEEEE"/>
           </a:solidFill>
           <a:ln>
             <a:solidFill>
-              <a:srgbClr val="3465a4"/>
+              <a:srgbClr val="3465A4"/>
             </a:solidFill>
           </a:ln>
         </p:spPr>
         <p:style>
-          <a:lnRef idx="0"/>
-          <a:fillRef idx="0"/>
-          <a:effectRef idx="0"/>
+          <a:lnRef idx="0">
+            <a:scrgbClr r="0" g="0" b="0"/>
+          </a:lnRef>
+          <a:fillRef idx="0">
+            <a:scrgbClr r="0" g="0" b="0"/>
+          </a:fillRef>
+          <a:effectRef idx="0">
+            <a:scrgbClr r="0" g="0" b="0"/>
+          </a:effectRef>
           <a:fontRef idx="minor"/>
         </p:style>
         <p:txBody>
-          <a:bodyPr wrap="none" lIns="90000" rIns="90000" tIns="45000" bIns="45000" anchor="ctr"/>
-          <a:p>
-            <a:pPr algn="ctr">
-              <a:lnSpc>
-                <a:spcPct val="100000"/>
-              </a:lnSpc>
-            </a:pPr>
+          <a:bodyPr wrap="none" lIns="90000" tIns="45000" rIns="90000" bIns="45000" anchor="ctr"/>
+          <a:lstStyle/>
+          <a:p>
+            <a:pPr algn="ctr"/>
             <a:r>
-              <a:rPr b="0" lang="en-US" sz="1800" spc="-1" strike="noStrike">
+              <a:rPr lang="en-US" sz="1800" b="0" strike="noStrike" spc="-1">
                 <a:solidFill>
                   <a:srgbClr val="000000"/>
                 </a:solidFill>
                 <a:uFill>
                   <a:solidFill>
-                    <a:srgbClr val="ffffff"/>
+                    <a:srgbClr val="FFFFFF"/>
                   </a:solidFill>
                 </a:uFill>
                 <a:latin typeface="Arial"/>
-                <a:ea typeface="DejaVu Sans"/>
               </a:rPr>
               <a:t>google</a:t>
             </a:r>
-            <a:endParaRPr b="0" lang="en-US" sz="1800" spc="-1" strike="noStrike">
-              <a:solidFill>
-                <a:srgbClr val="000000"/>
-              </a:solidFill>
-              <a:uFill>
-                <a:solidFill>
-                  <a:srgbClr val="ffffff"/>
-                </a:solidFill>
-              </a:uFill>
-              <a:latin typeface="Arial"/>
-            </a:endParaRPr>
           </a:p>
         </p:txBody>
       </p:sp>
@@ -7314,60 +7236,51 @@
         <p:spPr>
           <a:xfrm>
             <a:off x="6583680" y="2011680"/>
-            <a:ext cx="1279440" cy="365040"/>
+            <a:ext cx="1280160" cy="365760"/>
           </a:xfrm>
           <a:prstGeom prst="rect">
             <a:avLst/>
           </a:prstGeom>
           <a:solidFill>
-            <a:srgbClr val="eeeeee"/>
+            <a:srgbClr val="EEEEEE"/>
           </a:solidFill>
           <a:ln>
             <a:solidFill>
-              <a:srgbClr val="3465a4"/>
+              <a:srgbClr val="3465A4"/>
             </a:solidFill>
           </a:ln>
         </p:spPr>
         <p:style>
-          <a:lnRef idx="0"/>
-          <a:fillRef idx="0"/>
-          <a:effectRef idx="0"/>
+          <a:lnRef idx="0">
+            <a:scrgbClr r="0" g="0" b="0"/>
+          </a:lnRef>
+          <a:fillRef idx="0">
+            <a:scrgbClr r="0" g="0" b="0"/>
+          </a:fillRef>
+          <a:effectRef idx="0">
+            <a:scrgbClr r="0" g="0" b="0"/>
+          </a:effectRef>
           <a:fontRef idx="minor"/>
         </p:style>
         <p:txBody>
-          <a:bodyPr wrap="none" lIns="90000" rIns="90000" tIns="45000" bIns="45000" anchor="ctr"/>
-          <a:p>
-            <a:pPr algn="ctr">
-              <a:lnSpc>
-                <a:spcPct val="100000"/>
-              </a:lnSpc>
-            </a:pPr>
+          <a:bodyPr wrap="none" lIns="90000" tIns="45000" rIns="90000" bIns="45000" anchor="ctr"/>
+          <a:lstStyle/>
+          <a:p>
+            <a:pPr algn="ctr"/>
             <a:r>
-              <a:rPr b="0" lang="en-US" sz="1800" spc="-1" strike="noStrike">
+              <a:rPr lang="en-US" sz="1800" b="0" strike="noStrike" spc="-1">
                 <a:solidFill>
                   <a:srgbClr val="000000"/>
                 </a:solidFill>
                 <a:uFill>
                   <a:solidFill>
-                    <a:srgbClr val="ffffff"/>
+                    <a:srgbClr val="FFFFFF"/>
                   </a:solidFill>
                 </a:uFill>
                 <a:latin typeface="Arial"/>
-                <a:ea typeface="DejaVu Sans"/>
               </a:rPr>
               <a:t>user0</a:t>
             </a:r>
-            <a:endParaRPr b="0" lang="en-US" sz="1800" spc="-1" strike="noStrike">
-              <a:solidFill>
-                <a:srgbClr val="000000"/>
-              </a:solidFill>
-              <a:uFill>
-                <a:solidFill>
-                  <a:srgbClr val="ffffff"/>
-                </a:solidFill>
-              </a:uFill>
-              <a:latin typeface="Arial"/>
-            </a:endParaRPr>
           </a:p>
         </p:txBody>
       </p:sp>
@@ -7380,60 +7293,51 @@
         <p:spPr>
           <a:xfrm>
             <a:off x="7863840" y="2011680"/>
-            <a:ext cx="1279440" cy="365040"/>
+            <a:ext cx="1280160" cy="365760"/>
           </a:xfrm>
           <a:prstGeom prst="rect">
             <a:avLst/>
           </a:prstGeom>
           <a:solidFill>
-            <a:srgbClr val="eeeeee"/>
+            <a:srgbClr val="EEEEEE"/>
           </a:solidFill>
           <a:ln>
             <a:solidFill>
-              <a:srgbClr val="3465a4"/>
+              <a:srgbClr val="3465A4"/>
             </a:solidFill>
           </a:ln>
         </p:spPr>
         <p:style>
-          <a:lnRef idx="0"/>
-          <a:fillRef idx="0"/>
-          <a:effectRef idx="0"/>
+          <a:lnRef idx="0">
+            <a:scrgbClr r="0" g="0" b="0"/>
+          </a:lnRef>
+          <a:fillRef idx="0">
+            <a:scrgbClr r="0" g="0" b="0"/>
+          </a:fillRef>
+          <a:effectRef idx="0">
+            <a:scrgbClr r="0" g="0" b="0"/>
+          </a:effectRef>
           <a:fontRef idx="minor"/>
         </p:style>
         <p:txBody>
-          <a:bodyPr wrap="none" lIns="90000" rIns="90000" tIns="45000" bIns="45000" anchor="ctr"/>
-          <a:p>
-            <a:pPr algn="ctr">
-              <a:lnSpc>
-                <a:spcPct val="100000"/>
-              </a:lnSpc>
-            </a:pPr>
+          <a:bodyPr wrap="none" lIns="90000" tIns="45000" rIns="90000" bIns="45000" anchor="ctr"/>
+          <a:lstStyle/>
+          <a:p>
+            <a:pPr algn="ctr"/>
             <a:r>
-              <a:rPr b="0" lang="en-US" sz="1800" spc="-1" strike="noStrike">
+              <a:rPr lang="en-US" sz="1800" b="0" strike="noStrike" spc="-1">
                 <a:solidFill>
                   <a:srgbClr val="000000"/>
                 </a:solidFill>
                 <a:uFill>
                   <a:solidFill>
-                    <a:srgbClr val="ffffff"/>
+                    <a:srgbClr val="FFFFFF"/>
                   </a:solidFill>
                 </a:uFill>
                 <a:latin typeface="Arial"/>
-                <a:ea typeface="DejaVu Sans"/>
               </a:rPr>
               <a:t>bobble</a:t>
             </a:r>
-            <a:endParaRPr b="0" lang="en-US" sz="1800" spc="-1" strike="noStrike">
-              <a:solidFill>
-                <a:srgbClr val="000000"/>
-              </a:solidFill>
-              <a:uFill>
-                <a:solidFill>
-                  <a:srgbClr val="ffffff"/>
-                </a:solidFill>
-              </a:uFill>
-              <a:latin typeface="Arial"/>
-            </a:endParaRPr>
           </a:p>
         </p:txBody>
       </p:sp>
@@ -7446,60 +7350,51 @@
         <p:spPr>
           <a:xfrm>
             <a:off x="6583680" y="1645920"/>
-            <a:ext cx="1279440" cy="365040"/>
+            <a:ext cx="1280160" cy="365760"/>
           </a:xfrm>
           <a:prstGeom prst="rect">
             <a:avLst/>
           </a:prstGeom>
           <a:solidFill>
-            <a:srgbClr val="eeeeee"/>
+            <a:srgbClr val="EEEEEE"/>
           </a:solidFill>
           <a:ln>
             <a:solidFill>
-              <a:srgbClr val="3465a4"/>
+              <a:srgbClr val="3465A4"/>
             </a:solidFill>
           </a:ln>
         </p:spPr>
         <p:style>
-          <a:lnRef idx="0"/>
-          <a:fillRef idx="0"/>
-          <a:effectRef idx="0"/>
+          <a:lnRef idx="0">
+            <a:scrgbClr r="0" g="0" b="0"/>
+          </a:lnRef>
+          <a:fillRef idx="0">
+            <a:scrgbClr r="0" g="0" b="0"/>
+          </a:fillRef>
+          <a:effectRef idx="0">
+            <a:scrgbClr r="0" g="0" b="0"/>
+          </a:effectRef>
           <a:fontRef idx="minor"/>
         </p:style>
         <p:txBody>
-          <a:bodyPr wrap="none" lIns="90000" rIns="90000" tIns="45000" bIns="45000" anchor="ctr"/>
-          <a:p>
-            <a:pPr algn="ctr">
-              <a:lnSpc>
-                <a:spcPct val="100000"/>
-              </a:lnSpc>
-            </a:pPr>
+          <a:bodyPr wrap="none" lIns="90000" tIns="45000" rIns="90000" bIns="45000" anchor="ctr"/>
+          <a:lstStyle/>
+          <a:p>
+            <a:pPr algn="ctr"/>
             <a:r>
-              <a:rPr b="0" lang="en-US" sz="1800" spc="-1" strike="noStrike">
+              <a:rPr lang="en-US" sz="1800" b="0" strike="noStrike" spc="-1">
                 <a:solidFill>
                   <a:srgbClr val="000000"/>
                 </a:solidFill>
                 <a:uFill>
                   <a:solidFill>
-                    <a:srgbClr val="ffffff"/>
+                    <a:srgbClr val="FFFFFF"/>
                   </a:solidFill>
                 </a:uFill>
                 <a:latin typeface="Arial"/>
-                <a:ea typeface="DejaVu Sans"/>
               </a:rPr>
               <a:t>label0</a:t>
             </a:r>
-            <a:endParaRPr b="0" lang="en-US" sz="1800" spc="-1" strike="noStrike">
-              <a:solidFill>
-                <a:srgbClr val="000000"/>
-              </a:solidFill>
-              <a:uFill>
-                <a:solidFill>
-                  <a:srgbClr val="ffffff"/>
-                </a:solidFill>
-              </a:uFill>
-              <a:latin typeface="Arial"/>
-            </a:endParaRPr>
           </a:p>
         </p:txBody>
       </p:sp>
@@ -7512,60 +7407,51 @@
         <p:spPr>
           <a:xfrm>
             <a:off x="7863840" y="1645920"/>
-            <a:ext cx="1279440" cy="365040"/>
+            <a:ext cx="1280160" cy="365760"/>
           </a:xfrm>
           <a:prstGeom prst="rect">
             <a:avLst/>
           </a:prstGeom>
           <a:solidFill>
-            <a:srgbClr val="eeeeee"/>
+            <a:srgbClr val="EEEEEE"/>
           </a:solidFill>
           <a:ln>
             <a:solidFill>
-              <a:srgbClr val="3465a4"/>
+              <a:srgbClr val="3465A4"/>
             </a:solidFill>
           </a:ln>
         </p:spPr>
         <p:style>
-          <a:lnRef idx="0"/>
-          <a:fillRef idx="0"/>
-          <a:effectRef idx="0"/>
+          <a:lnRef idx="0">
+            <a:scrgbClr r="0" g="0" b="0"/>
+          </a:lnRef>
+          <a:fillRef idx="0">
+            <a:scrgbClr r="0" g="0" b="0"/>
+          </a:fillRef>
+          <a:effectRef idx="0">
+            <a:scrgbClr r="0" g="0" b="0"/>
+          </a:effectRef>
           <a:fontRef idx="minor"/>
         </p:style>
         <p:txBody>
-          <a:bodyPr wrap="none" lIns="90000" rIns="90000" tIns="45000" bIns="45000" anchor="ctr"/>
-          <a:p>
-            <a:pPr algn="ctr">
-              <a:lnSpc>
-                <a:spcPct val="100000"/>
-              </a:lnSpc>
-            </a:pPr>
+          <a:bodyPr wrap="none" lIns="90000" tIns="45000" rIns="90000" bIns="45000" anchor="ctr"/>
+          <a:lstStyle/>
+          <a:p>
+            <a:pPr algn="ctr"/>
             <a:r>
-              <a:rPr b="0" lang="en-US" sz="1800" spc="-1" strike="noStrike">
+              <a:rPr lang="en-US" sz="1800" b="0" strike="noStrike" spc="-1">
                 <a:solidFill>
                   <a:srgbClr val="000000"/>
                 </a:solidFill>
                 <a:uFill>
                   <a:solidFill>
-                    <a:srgbClr val="ffffff"/>
+                    <a:srgbClr val="FFFFFF"/>
                   </a:solidFill>
                 </a:uFill>
                 <a:latin typeface="Arial"/>
-                <a:ea typeface="DejaVu Sans"/>
               </a:rPr>
               <a:t>google</a:t>
             </a:r>
-            <a:endParaRPr b="0" lang="en-US" sz="1800" spc="-1" strike="noStrike">
-              <a:solidFill>
-                <a:srgbClr val="000000"/>
-              </a:solidFill>
-              <a:uFill>
-                <a:solidFill>
-                  <a:srgbClr val="ffffff"/>
-                </a:solidFill>
-              </a:uFill>
-              <a:latin typeface="Arial"/>
-            </a:endParaRPr>
           </a:p>
         </p:txBody>
       </p:sp>
@@ -7578,60 +7464,51 @@
         <p:spPr>
           <a:xfrm>
             <a:off x="6583680" y="2377440"/>
-            <a:ext cx="1279440" cy="365040"/>
+            <a:ext cx="1280160" cy="365760"/>
           </a:xfrm>
           <a:prstGeom prst="rect">
             <a:avLst/>
           </a:prstGeom>
           <a:solidFill>
-            <a:srgbClr val="eeeeee"/>
+            <a:srgbClr val="EEEEEE"/>
           </a:solidFill>
           <a:ln>
             <a:solidFill>
-              <a:srgbClr val="3465a4"/>
+              <a:srgbClr val="3465A4"/>
             </a:solidFill>
           </a:ln>
         </p:spPr>
         <p:style>
-          <a:lnRef idx="0"/>
-          <a:fillRef idx="0"/>
-          <a:effectRef idx="0"/>
+          <a:lnRef idx="0">
+            <a:scrgbClr r="0" g="0" b="0"/>
+          </a:lnRef>
+          <a:fillRef idx="0">
+            <a:scrgbClr r="0" g="0" b="0"/>
+          </a:fillRef>
+          <a:effectRef idx="0">
+            <a:scrgbClr r="0" g="0" b="0"/>
+          </a:effectRef>
           <a:fontRef idx="minor"/>
         </p:style>
         <p:txBody>
-          <a:bodyPr wrap="none" lIns="90000" rIns="90000" tIns="45000" bIns="45000" anchor="ctr"/>
-          <a:p>
-            <a:pPr algn="ctr">
-              <a:lnSpc>
-                <a:spcPct val="100000"/>
-              </a:lnSpc>
-            </a:pPr>
+          <a:bodyPr wrap="none" lIns="90000" tIns="45000" rIns="90000" bIns="45000" anchor="ctr"/>
+          <a:lstStyle/>
+          <a:p>
+            <a:pPr algn="ctr"/>
             <a:r>
-              <a:rPr b="0" lang="en-US" sz="1800" spc="-1" strike="noStrike">
+              <a:rPr lang="en-US" sz="1800" b="0" strike="noStrike" spc="-1">
                 <a:solidFill>
                   <a:srgbClr val="000000"/>
                 </a:solidFill>
                 <a:uFill>
                   <a:solidFill>
-                    <a:srgbClr val="ffffff"/>
+                    <a:srgbClr val="FFFFFF"/>
                   </a:solidFill>
                 </a:uFill>
                 <a:latin typeface="Arial"/>
-                <a:ea typeface="DejaVu Sans"/>
               </a:rPr>
               <a:t>pass0</a:t>
             </a:r>
-            <a:endParaRPr b="0" lang="en-US" sz="1800" spc="-1" strike="noStrike">
-              <a:solidFill>
-                <a:srgbClr val="000000"/>
-              </a:solidFill>
-              <a:uFill>
-                <a:solidFill>
-                  <a:srgbClr val="ffffff"/>
-                </a:solidFill>
-              </a:uFill>
-              <a:latin typeface="Arial"/>
-            </a:endParaRPr>
           </a:p>
         </p:txBody>
       </p:sp>
@@ -7644,60 +7521,51 @@
         <p:spPr>
           <a:xfrm>
             <a:off x="7863840" y="2377440"/>
-            <a:ext cx="1279440" cy="365040"/>
+            <a:ext cx="1280160" cy="365760"/>
           </a:xfrm>
           <a:prstGeom prst="rect">
             <a:avLst/>
           </a:prstGeom>
           <a:solidFill>
-            <a:srgbClr val="eeeeee"/>
+            <a:srgbClr val="EEEEEE"/>
           </a:solidFill>
           <a:ln>
             <a:solidFill>
-              <a:srgbClr val="3465a4"/>
+              <a:srgbClr val="3465A4"/>
             </a:solidFill>
           </a:ln>
         </p:spPr>
         <p:style>
-          <a:lnRef idx="0"/>
-          <a:fillRef idx="0"/>
-          <a:effectRef idx="0"/>
+          <a:lnRef idx="0">
+            <a:scrgbClr r="0" g="0" b="0"/>
+          </a:lnRef>
+          <a:fillRef idx="0">
+            <a:scrgbClr r="0" g="0" b="0"/>
+          </a:fillRef>
+          <a:effectRef idx="0">
+            <a:scrgbClr r="0" g="0" b="0"/>
+          </a:effectRef>
           <a:fontRef idx="minor"/>
         </p:style>
         <p:txBody>
-          <a:bodyPr wrap="none" lIns="90000" rIns="90000" tIns="45000" bIns="45000" anchor="ctr"/>
-          <a:p>
-            <a:pPr algn="ctr">
-              <a:lnSpc>
-                <a:spcPct val="100000"/>
-              </a:lnSpc>
-            </a:pPr>
+          <a:bodyPr wrap="none" lIns="90000" tIns="45000" rIns="90000" bIns="45000" anchor="ctr"/>
+          <a:lstStyle/>
+          <a:p>
+            <a:pPr algn="ctr"/>
             <a:r>
-              <a:rPr b="0" lang="en-US" sz="1800" spc="-1" strike="noStrike">
+              <a:rPr lang="en-US" sz="1800" b="0" strike="noStrike" spc="-1">
                 <a:solidFill>
                   <a:srgbClr val="000000"/>
                 </a:solidFill>
                 <a:uFill>
                   <a:solidFill>
-                    <a:srgbClr val="ffffff"/>
+                    <a:srgbClr val="FFFFFF"/>
                   </a:solidFill>
                 </a:uFill>
                 <a:latin typeface="Arial"/>
-                <a:ea typeface="DejaVu Sans"/>
               </a:rPr>
               <a:t>secret@2</a:t>
             </a:r>
-            <a:endParaRPr b="0" lang="en-US" sz="1800" spc="-1" strike="noStrike">
-              <a:solidFill>
-                <a:srgbClr val="000000"/>
-              </a:solidFill>
-              <a:uFill>
-                <a:solidFill>
-                  <a:srgbClr val="ffffff"/>
-                </a:solidFill>
-              </a:uFill>
-              <a:latin typeface="Arial"/>
-            </a:endParaRPr>
           </a:p>
         </p:txBody>
       </p:sp>
@@ -7710,60 +7578,51 @@
         <p:spPr>
           <a:xfrm>
             <a:off x="6583680" y="2743200"/>
-            <a:ext cx="1279440" cy="365040"/>
+            <a:ext cx="1280160" cy="365760"/>
           </a:xfrm>
           <a:prstGeom prst="rect">
             <a:avLst/>
           </a:prstGeom>
           <a:solidFill>
-            <a:srgbClr val="eeeeee"/>
+            <a:srgbClr val="EEEEEE"/>
           </a:solidFill>
           <a:ln>
             <a:solidFill>
-              <a:srgbClr val="3465a4"/>
+              <a:srgbClr val="3465A4"/>
             </a:solidFill>
           </a:ln>
         </p:spPr>
         <p:style>
-          <a:lnRef idx="0"/>
-          <a:fillRef idx="0"/>
-          <a:effectRef idx="0"/>
+          <a:lnRef idx="0">
+            <a:scrgbClr r="0" g="0" b="0"/>
+          </a:lnRef>
+          <a:fillRef idx="0">
+            <a:scrgbClr r="0" g="0" b="0"/>
+          </a:fillRef>
+          <a:effectRef idx="0">
+            <a:scrgbClr r="0" g="0" b="0"/>
+          </a:effectRef>
           <a:fontRef idx="minor"/>
         </p:style>
         <p:txBody>
-          <a:bodyPr wrap="none" lIns="90000" rIns="90000" tIns="45000" bIns="45000" anchor="ctr"/>
-          <a:p>
-            <a:pPr algn="ctr">
-              <a:lnSpc>
-                <a:spcPct val="100000"/>
-              </a:lnSpc>
-            </a:pPr>
+          <a:bodyPr wrap="none" lIns="90000" tIns="45000" rIns="90000" bIns="45000" anchor="ctr"/>
+          <a:lstStyle/>
+          <a:p>
+            <a:pPr algn="ctr"/>
             <a:r>
-              <a:rPr b="0" lang="en-US" sz="1800" spc="-1" strike="noStrike">
+              <a:rPr lang="en-US" sz="1800" b="0" strike="noStrike" spc="-1">
                 <a:solidFill>
                   <a:srgbClr val="000000"/>
                 </a:solidFill>
                 <a:uFill>
                   <a:solidFill>
-                    <a:srgbClr val="ffffff"/>
+                    <a:srgbClr val="FFFFFF"/>
                   </a:solidFill>
                 </a:uFill>
                 <a:latin typeface="Arial"/>
-                <a:ea typeface="DejaVu Sans"/>
               </a:rPr>
               <a:t>nextEnt0</a:t>
             </a:r>
-            <a:endParaRPr b="0" lang="en-US" sz="1800" spc="-1" strike="noStrike">
-              <a:solidFill>
-                <a:srgbClr val="000000"/>
-              </a:solidFill>
-              <a:uFill>
-                <a:solidFill>
-                  <a:srgbClr val="ffffff"/>
-                </a:solidFill>
-              </a:uFill>
-              <a:latin typeface="Arial"/>
-            </a:endParaRPr>
           </a:p>
         </p:txBody>
       </p:sp>
@@ -7776,60 +7635,51 @@
         <p:spPr>
           <a:xfrm>
             <a:off x="7863840" y="2743200"/>
-            <a:ext cx="1279440" cy="365040"/>
+            <a:ext cx="1280160" cy="365760"/>
           </a:xfrm>
           <a:prstGeom prst="rect">
             <a:avLst/>
           </a:prstGeom>
           <a:solidFill>
-            <a:srgbClr val="eeeeee"/>
+            <a:srgbClr val="EEEEEE"/>
           </a:solidFill>
           <a:ln>
             <a:solidFill>
-              <a:srgbClr val="3465a4"/>
+              <a:srgbClr val="3465A4"/>
             </a:solidFill>
           </a:ln>
         </p:spPr>
         <p:style>
-          <a:lnRef idx="0"/>
-          <a:fillRef idx="0"/>
-          <a:effectRef idx="0"/>
+          <a:lnRef idx="0">
+            <a:scrgbClr r="0" g="0" b="0"/>
+          </a:lnRef>
+          <a:fillRef idx="0">
+            <a:scrgbClr r="0" g="0" b="0"/>
+          </a:fillRef>
+          <a:effectRef idx="0">
+            <a:scrgbClr r="0" g="0" b="0"/>
+          </a:effectRef>
           <a:fontRef idx="minor"/>
         </p:style>
         <p:txBody>
-          <a:bodyPr wrap="none" lIns="90000" rIns="90000" tIns="45000" bIns="45000" anchor="ctr"/>
-          <a:p>
-            <a:pPr algn="ctr">
-              <a:lnSpc>
-                <a:spcPct val="100000"/>
-              </a:lnSpc>
-            </a:pPr>
+          <a:bodyPr wrap="none" lIns="90000" tIns="45000" rIns="90000" bIns="45000" anchor="ctr"/>
+          <a:lstStyle/>
+          <a:p>
+            <a:pPr algn="ctr"/>
             <a:r>
-              <a:rPr b="0" lang="en-US" sz="1800" spc="-1" strike="noStrike">
+              <a:rPr lang="en-US" sz="1800" b="0" strike="noStrike" spc="-1">
                 <a:solidFill>
                   <a:srgbClr val="000000"/>
                 </a:solidFill>
                 <a:uFill>
                   <a:solidFill>
-                    <a:srgbClr val="ffffff"/>
+                    <a:srgbClr val="FFFFFF"/>
                   </a:solidFill>
                 </a:uFill>
                 <a:latin typeface="Arial"/>
-                <a:ea typeface="DejaVu Sans"/>
               </a:rPr>
               <a:t>1</a:t>
             </a:r>
-            <a:endParaRPr b="0" lang="en-US" sz="1800" spc="-1" strike="noStrike">
-              <a:solidFill>
-                <a:srgbClr val="000000"/>
-              </a:solidFill>
-              <a:uFill>
-                <a:solidFill>
-                  <a:srgbClr val="ffffff"/>
-                </a:solidFill>
-              </a:uFill>
-              <a:latin typeface="Arial"/>
-            </a:endParaRPr>
           </a:p>
         </p:txBody>
       </p:sp>
@@ -7842,60 +7692,51 @@
         <p:spPr>
           <a:xfrm>
             <a:off x="6583680" y="3108960"/>
-            <a:ext cx="1279440" cy="365040"/>
+            <a:ext cx="1280160" cy="365760"/>
           </a:xfrm>
           <a:prstGeom prst="rect">
             <a:avLst/>
           </a:prstGeom>
           <a:solidFill>
-            <a:srgbClr val="eeeeee"/>
+            <a:srgbClr val="EEEEEE"/>
           </a:solidFill>
           <a:ln>
             <a:solidFill>
-              <a:srgbClr val="3465a4"/>
+              <a:srgbClr val="3465A4"/>
             </a:solidFill>
           </a:ln>
         </p:spPr>
         <p:style>
-          <a:lnRef idx="0"/>
-          <a:fillRef idx="0"/>
-          <a:effectRef idx="0"/>
+          <a:lnRef idx="0">
+            <a:scrgbClr r="0" g="0" b="0"/>
+          </a:lnRef>
+          <a:fillRef idx="0">
+            <a:scrgbClr r="0" g="0" b="0"/>
+          </a:fillRef>
+          <a:effectRef idx="0">
+            <a:scrgbClr r="0" g="0" b="0"/>
+          </a:effectRef>
           <a:fontRef idx="minor"/>
         </p:style>
         <p:txBody>
-          <a:bodyPr wrap="none" lIns="90000" rIns="90000" tIns="45000" bIns="45000" anchor="ctr"/>
-          <a:p>
-            <a:pPr algn="ctr">
-              <a:lnSpc>
-                <a:spcPct val="100000"/>
-              </a:lnSpc>
-            </a:pPr>
+          <a:bodyPr wrap="none" lIns="90000" tIns="45000" rIns="90000" bIns="45000" anchor="ctr"/>
+          <a:lstStyle/>
+          <a:p>
+            <a:pPr algn="ctr"/>
             <a:r>
-              <a:rPr b="0" lang="en-US" sz="1800" spc="-1" strike="noStrike">
+              <a:rPr lang="en-US" sz="1800" b="0" strike="noStrike" spc="-1">
                 <a:solidFill>
                   <a:srgbClr val="000000"/>
                 </a:solidFill>
                 <a:uFill>
                   <a:solidFill>
-                    <a:srgbClr val="ffffff"/>
+                    <a:srgbClr val="FFFFFF"/>
                   </a:solidFill>
                 </a:uFill>
                 <a:latin typeface="Arial"/>
-                <a:ea typeface="DejaVu Sans"/>
               </a:rPr>
               <a:t>prevEnt0</a:t>
             </a:r>
-            <a:endParaRPr b="0" lang="en-US" sz="1800" spc="-1" strike="noStrike">
-              <a:solidFill>
-                <a:srgbClr val="000000"/>
-              </a:solidFill>
-              <a:uFill>
-                <a:solidFill>
-                  <a:srgbClr val="ffffff"/>
-                </a:solidFill>
-              </a:uFill>
-              <a:latin typeface="Arial"/>
-            </a:endParaRPr>
           </a:p>
         </p:txBody>
       </p:sp>
@@ -7908,60 +7749,51 @@
         <p:spPr>
           <a:xfrm>
             <a:off x="7863840" y="3108960"/>
-            <a:ext cx="1279440" cy="365040"/>
+            <a:ext cx="1280160" cy="365760"/>
           </a:xfrm>
           <a:prstGeom prst="rect">
             <a:avLst/>
           </a:prstGeom>
           <a:solidFill>
-            <a:srgbClr val="eeeeee"/>
+            <a:srgbClr val="EEEEEE"/>
           </a:solidFill>
           <a:ln>
             <a:solidFill>
-              <a:srgbClr val="3465a4"/>
+              <a:srgbClr val="3465A4"/>
             </a:solidFill>
           </a:ln>
         </p:spPr>
         <p:style>
-          <a:lnRef idx="0"/>
-          <a:fillRef idx="0"/>
-          <a:effectRef idx="0"/>
+          <a:lnRef idx="0">
+            <a:scrgbClr r="0" g="0" b="0"/>
+          </a:lnRef>
+          <a:fillRef idx="0">
+            <a:scrgbClr r="0" g="0" b="0"/>
+          </a:fillRef>
+          <a:effectRef idx="0">
+            <a:scrgbClr r="0" g="0" b="0"/>
+          </a:effectRef>
           <a:fontRef idx="minor"/>
         </p:style>
         <p:txBody>
-          <a:bodyPr wrap="none" lIns="90000" rIns="90000" tIns="45000" bIns="45000" anchor="ctr"/>
-          <a:p>
-            <a:pPr algn="ctr">
-              <a:lnSpc>
-                <a:spcPct val="100000"/>
-              </a:lnSpc>
-            </a:pPr>
+          <a:bodyPr wrap="none" lIns="90000" tIns="45000" rIns="90000" bIns="45000" anchor="ctr"/>
+          <a:lstStyle/>
+          <a:p>
+            <a:pPr algn="ctr"/>
             <a:r>
-              <a:rPr b="0" lang="en-US" sz="1800" spc="-1" strike="noStrike">
+              <a:rPr lang="en-US" sz="1800" b="0" strike="noStrike" spc="-1">
                 <a:solidFill>
                   <a:srgbClr val="000000"/>
                 </a:solidFill>
                 <a:uFill>
                   <a:solidFill>
-                    <a:srgbClr val="ffffff"/>
+                    <a:srgbClr val="FFFFFF"/>
                   </a:solidFill>
                 </a:uFill>
                 <a:latin typeface="Arial"/>
-                <a:ea typeface="DejaVu Sans"/>
               </a:rPr>
               <a:t>-1</a:t>
             </a:r>
-            <a:endParaRPr b="0" lang="en-US" sz="1800" spc="-1" strike="noStrike">
-              <a:solidFill>
-                <a:srgbClr val="000000"/>
-              </a:solidFill>
-              <a:uFill>
-                <a:solidFill>
-                  <a:srgbClr val="ffffff"/>
-                </a:solidFill>
-              </a:uFill>
-              <a:latin typeface="Arial"/>
-            </a:endParaRPr>
           </a:p>
         </p:txBody>
       </p:sp>
@@ -7974,60 +7806,51 @@
         <p:spPr>
           <a:xfrm>
             <a:off x="6583680" y="3566160"/>
-            <a:ext cx="1279440" cy="365040"/>
+            <a:ext cx="1280160" cy="365760"/>
           </a:xfrm>
           <a:prstGeom prst="rect">
             <a:avLst/>
           </a:prstGeom>
           <a:solidFill>
-            <a:srgbClr val="eeeeee"/>
+            <a:srgbClr val="EEEEEE"/>
           </a:solidFill>
           <a:ln>
             <a:solidFill>
-              <a:srgbClr val="3465a4"/>
+              <a:srgbClr val="3465A4"/>
             </a:solidFill>
           </a:ln>
         </p:spPr>
         <p:style>
-          <a:lnRef idx="0"/>
-          <a:fillRef idx="0"/>
-          <a:effectRef idx="0"/>
+          <a:lnRef idx="0">
+            <a:scrgbClr r="0" g="0" b="0"/>
+          </a:lnRef>
+          <a:fillRef idx="0">
+            <a:scrgbClr r="0" g="0" b="0"/>
+          </a:fillRef>
+          <a:effectRef idx="0">
+            <a:scrgbClr r="0" g="0" b="0"/>
+          </a:effectRef>
           <a:fontRef idx="minor"/>
         </p:style>
         <p:txBody>
-          <a:bodyPr wrap="none" lIns="90000" rIns="90000" tIns="45000" bIns="45000" anchor="ctr"/>
-          <a:p>
-            <a:pPr algn="ctr">
-              <a:lnSpc>
-                <a:spcPct val="100000"/>
-              </a:lnSpc>
-            </a:pPr>
+          <a:bodyPr wrap="none" lIns="90000" tIns="45000" rIns="90000" bIns="45000" anchor="ctr"/>
+          <a:lstStyle/>
+          <a:p>
+            <a:pPr algn="ctr"/>
             <a:r>
-              <a:rPr b="0" lang="en-US" sz="1800" spc="-1" strike="noStrike">
+              <a:rPr lang="en-US" sz="1800" b="0" strike="noStrike" spc="-1">
                 <a:solidFill>
                   <a:srgbClr val="000000"/>
                 </a:solidFill>
                 <a:uFill>
                   <a:solidFill>
-                    <a:srgbClr val="ffffff"/>
+                    <a:srgbClr val="FFFFFF"/>
                   </a:solidFill>
                 </a:uFill>
                 <a:latin typeface="Arial"/>
-                <a:ea typeface="DejaVu Sans"/>
               </a:rPr>
               <a:t>label0</a:t>
             </a:r>
-            <a:endParaRPr b="0" lang="en-US" sz="1800" spc="-1" strike="noStrike">
-              <a:solidFill>
-                <a:srgbClr val="000000"/>
-              </a:solidFill>
-              <a:uFill>
-                <a:solidFill>
-                  <a:srgbClr val="ffffff"/>
-                </a:solidFill>
-              </a:uFill>
-              <a:latin typeface="Arial"/>
-            </a:endParaRPr>
           </a:p>
         </p:txBody>
       </p:sp>
@@ -8040,60 +7863,51 @@
         <p:spPr>
           <a:xfrm>
             <a:off x="7863840" y="3566160"/>
-            <a:ext cx="1279440" cy="365040"/>
+            <a:ext cx="1280160" cy="365760"/>
           </a:xfrm>
           <a:prstGeom prst="rect">
             <a:avLst/>
           </a:prstGeom>
           <a:solidFill>
-            <a:srgbClr val="eeeeee"/>
+            <a:srgbClr val="EEEEEE"/>
           </a:solidFill>
           <a:ln>
             <a:solidFill>
-              <a:srgbClr val="3465a4"/>
+              <a:srgbClr val="3465A4"/>
             </a:solidFill>
           </a:ln>
         </p:spPr>
         <p:style>
-          <a:lnRef idx="0"/>
-          <a:fillRef idx="0"/>
-          <a:effectRef idx="0"/>
+          <a:lnRef idx="0">
+            <a:scrgbClr r="0" g="0" b="0"/>
+          </a:lnRef>
+          <a:fillRef idx="0">
+            <a:scrgbClr r="0" g="0" b="0"/>
+          </a:fillRef>
+          <a:effectRef idx="0">
+            <a:scrgbClr r="0" g="0" b="0"/>
+          </a:effectRef>
           <a:fontRef idx="minor"/>
         </p:style>
         <p:txBody>
-          <a:bodyPr wrap="none" lIns="90000" rIns="90000" tIns="45000" bIns="45000" anchor="ctr"/>
-          <a:p>
-            <a:pPr algn="ctr">
-              <a:lnSpc>
-                <a:spcPct val="100000"/>
-              </a:lnSpc>
-            </a:pPr>
+          <a:bodyPr wrap="none" lIns="90000" tIns="45000" rIns="90000" bIns="45000" anchor="ctr"/>
+          <a:lstStyle/>
+          <a:p>
+            <a:pPr algn="ctr"/>
             <a:r>
-              <a:rPr b="0" lang="en-US" sz="1800" spc="-1" strike="noStrike">
+              <a:rPr lang="en-US" sz="1800" b="0" strike="noStrike" spc="-1">
                 <a:solidFill>
                   <a:srgbClr val="000000"/>
                 </a:solidFill>
                 <a:uFill>
                   <a:solidFill>
-                    <a:srgbClr val="ffffff"/>
+                    <a:srgbClr val="FFFFFF"/>
                   </a:solidFill>
                 </a:uFill>
                 <a:latin typeface="Arial"/>
-                <a:ea typeface="DejaVu Sans"/>
               </a:rPr>
               <a:t>google</a:t>
             </a:r>
-            <a:endParaRPr b="0" lang="en-US" sz="1800" spc="-1" strike="noStrike">
-              <a:solidFill>
-                <a:srgbClr val="000000"/>
-              </a:solidFill>
-              <a:uFill>
-                <a:solidFill>
-                  <a:srgbClr val="ffffff"/>
-                </a:solidFill>
-              </a:uFill>
-              <a:latin typeface="Arial"/>
-            </a:endParaRPr>
           </a:p>
         </p:txBody>
       </p:sp>
@@ -8106,60 +7920,51 @@
         <p:spPr>
           <a:xfrm>
             <a:off x="6583680" y="3931920"/>
-            <a:ext cx="1279440" cy="365040"/>
+            <a:ext cx="1280160" cy="365760"/>
           </a:xfrm>
           <a:prstGeom prst="rect">
             <a:avLst/>
           </a:prstGeom>
           <a:solidFill>
-            <a:srgbClr val="eeeeee"/>
+            <a:srgbClr val="EEEEEE"/>
           </a:solidFill>
           <a:ln>
             <a:solidFill>
-              <a:srgbClr val="3465a4"/>
+              <a:srgbClr val="3465A4"/>
             </a:solidFill>
           </a:ln>
         </p:spPr>
         <p:style>
-          <a:lnRef idx="0"/>
-          <a:fillRef idx="0"/>
-          <a:effectRef idx="0"/>
+          <a:lnRef idx="0">
+            <a:scrgbClr r="0" g="0" b="0"/>
+          </a:lnRef>
+          <a:fillRef idx="0">
+            <a:scrgbClr r="0" g="0" b="0"/>
+          </a:fillRef>
+          <a:effectRef idx="0">
+            <a:scrgbClr r="0" g="0" b="0"/>
+          </a:effectRef>
           <a:fontRef idx="minor"/>
         </p:style>
         <p:txBody>
-          <a:bodyPr wrap="none" lIns="90000" rIns="90000" tIns="45000" bIns="45000" anchor="ctr"/>
-          <a:p>
-            <a:pPr algn="ctr">
-              <a:lnSpc>
-                <a:spcPct val="100000"/>
-              </a:lnSpc>
-            </a:pPr>
+          <a:bodyPr wrap="none" lIns="90000" tIns="45000" rIns="90000" bIns="45000" anchor="ctr"/>
+          <a:lstStyle/>
+          <a:p>
+            <a:pPr algn="ctr"/>
             <a:r>
-              <a:rPr b="0" lang="en-US" sz="1800" spc="-1" strike="noStrike">
+              <a:rPr lang="en-US" sz="1800" b="0" strike="noStrike" spc="-1">
                 <a:solidFill>
                   <a:srgbClr val="000000"/>
                 </a:solidFill>
                 <a:uFill>
                   <a:solidFill>
-                    <a:srgbClr val="ffffff"/>
+                    <a:srgbClr val="FFFFFF"/>
                   </a:solidFill>
                 </a:uFill>
                 <a:latin typeface="Arial"/>
-                <a:ea typeface="DejaVu Sans"/>
               </a:rPr>
               <a:t>user1</a:t>
             </a:r>
-            <a:endParaRPr b="0" lang="en-US" sz="1800" spc="-1" strike="noStrike">
-              <a:solidFill>
-                <a:srgbClr val="000000"/>
-              </a:solidFill>
-              <a:uFill>
-                <a:solidFill>
-                  <a:srgbClr val="ffffff"/>
-                </a:solidFill>
-              </a:uFill>
-              <a:latin typeface="Arial"/>
-            </a:endParaRPr>
           </a:p>
         </p:txBody>
       </p:sp>
@@ -8172,60 +7977,51 @@
         <p:spPr>
           <a:xfrm>
             <a:off x="7863840" y="3931920"/>
-            <a:ext cx="1279440" cy="365040"/>
+            <a:ext cx="1280160" cy="365760"/>
           </a:xfrm>
           <a:prstGeom prst="rect">
             <a:avLst/>
           </a:prstGeom>
           <a:solidFill>
-            <a:srgbClr val="eeeeee"/>
+            <a:srgbClr val="EEEEEE"/>
           </a:solidFill>
           <a:ln>
             <a:solidFill>
-              <a:srgbClr val="3465a4"/>
+              <a:srgbClr val="3465A4"/>
             </a:solidFill>
           </a:ln>
         </p:spPr>
         <p:style>
-          <a:lnRef idx="0"/>
-          <a:fillRef idx="0"/>
-          <a:effectRef idx="0"/>
+          <a:lnRef idx="0">
+            <a:scrgbClr r="0" g="0" b="0"/>
+          </a:lnRef>
+          <a:fillRef idx="0">
+            <a:scrgbClr r="0" g="0" b="0"/>
+          </a:fillRef>
+          <a:effectRef idx="0">
+            <a:scrgbClr r="0" g="0" b="0"/>
+          </a:effectRef>
           <a:fontRef idx="minor"/>
         </p:style>
         <p:txBody>
-          <a:bodyPr wrap="none" lIns="90000" rIns="90000" tIns="45000" bIns="45000" anchor="ctr"/>
-          <a:p>
-            <a:pPr algn="ctr">
-              <a:lnSpc>
-                <a:spcPct val="100000"/>
-              </a:lnSpc>
-            </a:pPr>
+          <a:bodyPr wrap="none" lIns="90000" tIns="45000" rIns="90000" bIns="45000" anchor="ctr"/>
+          <a:lstStyle/>
+          <a:p>
+            <a:pPr algn="ctr"/>
             <a:r>
-              <a:rPr b="0" lang="en-US" sz="1800" spc="-1" strike="noStrike">
+              <a:rPr lang="en-US" sz="1800" b="0" strike="noStrike" spc="-1">
                 <a:solidFill>
                   <a:srgbClr val="000000"/>
                 </a:solidFill>
                 <a:uFill>
                   <a:solidFill>
-                    <a:srgbClr val="ffffff"/>
+                    <a:srgbClr val="FFFFFF"/>
                   </a:solidFill>
                 </a:uFill>
                 <a:latin typeface="Arial"/>
-                <a:ea typeface="DejaVu Sans"/>
               </a:rPr>
               <a:t>bob</a:t>
             </a:r>
-            <a:endParaRPr b="0" lang="en-US" sz="1800" spc="-1" strike="noStrike">
-              <a:solidFill>
-                <a:srgbClr val="000000"/>
-              </a:solidFill>
-              <a:uFill>
-                <a:solidFill>
-                  <a:srgbClr val="ffffff"/>
-                </a:solidFill>
-              </a:uFill>
-              <a:latin typeface="Arial"/>
-            </a:endParaRPr>
           </a:p>
         </p:txBody>
       </p:sp>
@@ -8238,60 +8034,51 @@
         <p:spPr>
           <a:xfrm>
             <a:off x="6583680" y="3566160"/>
-            <a:ext cx="1279440" cy="365040"/>
+            <a:ext cx="1280160" cy="365760"/>
           </a:xfrm>
           <a:prstGeom prst="rect">
             <a:avLst/>
           </a:prstGeom>
           <a:solidFill>
-            <a:srgbClr val="eeeeee"/>
+            <a:srgbClr val="EEEEEE"/>
           </a:solidFill>
           <a:ln>
             <a:solidFill>
-              <a:srgbClr val="3465a4"/>
+              <a:srgbClr val="3465A4"/>
             </a:solidFill>
           </a:ln>
         </p:spPr>
         <p:style>
-          <a:lnRef idx="0"/>
-          <a:fillRef idx="0"/>
-          <a:effectRef idx="0"/>
+          <a:lnRef idx="0">
+            <a:scrgbClr r="0" g="0" b="0"/>
+          </a:lnRef>
+          <a:fillRef idx="0">
+            <a:scrgbClr r="0" g="0" b="0"/>
+          </a:fillRef>
+          <a:effectRef idx="0">
+            <a:scrgbClr r="0" g="0" b="0"/>
+          </a:effectRef>
           <a:fontRef idx="minor"/>
         </p:style>
         <p:txBody>
-          <a:bodyPr wrap="none" lIns="90000" rIns="90000" tIns="45000" bIns="45000" anchor="ctr"/>
-          <a:p>
-            <a:pPr algn="ctr">
-              <a:lnSpc>
-                <a:spcPct val="100000"/>
-              </a:lnSpc>
-            </a:pPr>
+          <a:bodyPr wrap="none" lIns="90000" tIns="45000" rIns="90000" bIns="45000" anchor="ctr"/>
+          <a:lstStyle/>
+          <a:p>
+            <a:pPr algn="ctr"/>
             <a:r>
-              <a:rPr b="0" lang="en-US" sz="1800" spc="-1" strike="noStrike">
+              <a:rPr lang="en-US" sz="1800" b="0" strike="noStrike" spc="-1">
                 <a:solidFill>
                   <a:srgbClr val="000000"/>
                 </a:solidFill>
                 <a:uFill>
                   <a:solidFill>
-                    <a:srgbClr val="ffffff"/>
+                    <a:srgbClr val="FFFFFF"/>
                   </a:solidFill>
                 </a:uFill>
                 <a:latin typeface="Arial"/>
-                <a:ea typeface="DejaVu Sans"/>
               </a:rPr>
               <a:t>label1</a:t>
             </a:r>
-            <a:endParaRPr b="0" lang="en-US" sz="1800" spc="-1" strike="noStrike">
-              <a:solidFill>
-                <a:srgbClr val="000000"/>
-              </a:solidFill>
-              <a:uFill>
-                <a:solidFill>
-                  <a:srgbClr val="ffffff"/>
-                </a:solidFill>
-              </a:uFill>
-              <a:latin typeface="Arial"/>
-            </a:endParaRPr>
           </a:p>
         </p:txBody>
       </p:sp>
@@ -8304,60 +8091,51 @@
         <p:spPr>
           <a:xfrm>
             <a:off x="7863840" y="3566160"/>
-            <a:ext cx="1279440" cy="365040"/>
+            <a:ext cx="1280160" cy="365760"/>
           </a:xfrm>
           <a:prstGeom prst="rect">
             <a:avLst/>
           </a:prstGeom>
           <a:solidFill>
-            <a:srgbClr val="eeeeee"/>
+            <a:srgbClr val="EEEEEE"/>
           </a:solidFill>
           <a:ln>
             <a:solidFill>
-              <a:srgbClr val="3465a4"/>
+              <a:srgbClr val="3465A4"/>
             </a:solidFill>
           </a:ln>
         </p:spPr>
         <p:style>
-          <a:lnRef idx="0"/>
-          <a:fillRef idx="0"/>
-          <a:effectRef idx="0"/>
+          <a:lnRef idx="0">
+            <a:scrgbClr r="0" g="0" b="0"/>
+          </a:lnRef>
+          <a:fillRef idx="0">
+            <a:scrgbClr r="0" g="0" b="0"/>
+          </a:fillRef>
+          <a:effectRef idx="0">
+            <a:scrgbClr r="0" g="0" b="0"/>
+          </a:effectRef>
           <a:fontRef idx="minor"/>
         </p:style>
         <p:txBody>
-          <a:bodyPr wrap="none" lIns="90000" rIns="90000" tIns="45000" bIns="45000" anchor="ctr"/>
-          <a:p>
-            <a:pPr algn="ctr">
-              <a:lnSpc>
-                <a:spcPct val="100000"/>
-              </a:lnSpc>
-            </a:pPr>
+          <a:bodyPr wrap="none" lIns="90000" tIns="45000" rIns="90000" bIns="45000" anchor="ctr"/>
+          <a:lstStyle/>
+          <a:p>
+            <a:pPr algn="ctr"/>
             <a:r>
-              <a:rPr b="0" lang="en-US" sz="1800" spc="-1" strike="noStrike">
+              <a:rPr lang="en-US" sz="1800" b="0" strike="noStrike" spc="-1">
                 <a:solidFill>
                   <a:srgbClr val="000000"/>
                 </a:solidFill>
                 <a:uFill>
                   <a:solidFill>
-                    <a:srgbClr val="ffffff"/>
+                    <a:srgbClr val="FFFFFF"/>
                   </a:solidFill>
                 </a:uFill>
                 <a:latin typeface="Arial"/>
-                <a:ea typeface="DejaVu Sans"/>
               </a:rPr>
               <a:t>facebook</a:t>
             </a:r>
-            <a:endParaRPr b="0" lang="en-US" sz="1800" spc="-1" strike="noStrike">
-              <a:solidFill>
-                <a:srgbClr val="000000"/>
-              </a:solidFill>
-              <a:uFill>
-                <a:solidFill>
-                  <a:srgbClr val="ffffff"/>
-                </a:solidFill>
-              </a:uFill>
-              <a:latin typeface="Arial"/>
-            </a:endParaRPr>
           </a:p>
         </p:txBody>
       </p:sp>
@@ -8370,60 +8148,51 @@
         <p:spPr>
           <a:xfrm>
             <a:off x="6583680" y="4297680"/>
-            <a:ext cx="1279440" cy="365040"/>
+            <a:ext cx="1280160" cy="365760"/>
           </a:xfrm>
           <a:prstGeom prst="rect">
             <a:avLst/>
           </a:prstGeom>
           <a:solidFill>
-            <a:srgbClr val="eeeeee"/>
+            <a:srgbClr val="EEEEEE"/>
           </a:solidFill>
           <a:ln>
             <a:solidFill>
-              <a:srgbClr val="3465a4"/>
+              <a:srgbClr val="3465A4"/>
             </a:solidFill>
           </a:ln>
         </p:spPr>
         <p:style>
-          <a:lnRef idx="0"/>
-          <a:fillRef idx="0"/>
-          <a:effectRef idx="0"/>
+          <a:lnRef idx="0">
+            <a:scrgbClr r="0" g="0" b="0"/>
+          </a:lnRef>
+          <a:fillRef idx="0">
+            <a:scrgbClr r="0" g="0" b="0"/>
+          </a:fillRef>
+          <a:effectRef idx="0">
+            <a:scrgbClr r="0" g="0" b="0"/>
+          </a:effectRef>
           <a:fontRef idx="minor"/>
         </p:style>
         <p:txBody>
-          <a:bodyPr wrap="none" lIns="90000" rIns="90000" tIns="45000" bIns="45000" anchor="ctr"/>
-          <a:p>
-            <a:pPr algn="ctr">
-              <a:lnSpc>
-                <a:spcPct val="100000"/>
-              </a:lnSpc>
-            </a:pPr>
+          <a:bodyPr wrap="none" lIns="90000" tIns="45000" rIns="90000" bIns="45000" anchor="ctr"/>
+          <a:lstStyle/>
+          <a:p>
+            <a:pPr algn="ctr"/>
             <a:r>
-              <a:rPr b="0" lang="en-US" sz="1800" spc="-1" strike="noStrike">
+              <a:rPr lang="en-US" sz="1800" b="0" strike="noStrike" spc="-1">
                 <a:solidFill>
                   <a:srgbClr val="000000"/>
                 </a:solidFill>
                 <a:uFill>
                   <a:solidFill>
-                    <a:srgbClr val="ffffff"/>
+                    <a:srgbClr val="FFFFFF"/>
                   </a:solidFill>
                 </a:uFill>
                 <a:latin typeface="Arial"/>
-                <a:ea typeface="DejaVu Sans"/>
               </a:rPr>
               <a:t>pass1</a:t>
             </a:r>
-            <a:endParaRPr b="0" lang="en-US" sz="1800" spc="-1" strike="noStrike">
-              <a:solidFill>
-                <a:srgbClr val="000000"/>
-              </a:solidFill>
-              <a:uFill>
-                <a:solidFill>
-                  <a:srgbClr val="ffffff"/>
-                </a:solidFill>
-              </a:uFill>
-              <a:latin typeface="Arial"/>
-            </a:endParaRPr>
           </a:p>
         </p:txBody>
       </p:sp>
@@ -8436,60 +8205,51 @@
         <p:spPr>
           <a:xfrm>
             <a:off x="7863840" y="4297680"/>
-            <a:ext cx="1279440" cy="365040"/>
+            <a:ext cx="1280160" cy="365760"/>
           </a:xfrm>
           <a:prstGeom prst="rect">
             <a:avLst/>
           </a:prstGeom>
           <a:solidFill>
-            <a:srgbClr val="eeeeee"/>
+            <a:srgbClr val="EEEEEE"/>
           </a:solidFill>
           <a:ln>
             <a:solidFill>
-              <a:srgbClr val="3465a4"/>
+              <a:srgbClr val="3465A4"/>
             </a:solidFill>
           </a:ln>
         </p:spPr>
         <p:style>
-          <a:lnRef idx="0"/>
-          <a:fillRef idx="0"/>
-          <a:effectRef idx="0"/>
+          <a:lnRef idx="0">
+            <a:scrgbClr r="0" g="0" b="0"/>
+          </a:lnRef>
+          <a:fillRef idx="0">
+            <a:scrgbClr r="0" g="0" b="0"/>
+          </a:fillRef>
+          <a:effectRef idx="0">
+            <a:scrgbClr r="0" g="0" b="0"/>
+          </a:effectRef>
           <a:fontRef idx="minor"/>
         </p:style>
         <p:txBody>
-          <a:bodyPr wrap="none" lIns="90000" rIns="90000" tIns="45000" bIns="45000" anchor="ctr"/>
-          <a:p>
-            <a:pPr algn="ctr">
-              <a:lnSpc>
-                <a:spcPct val="100000"/>
-              </a:lnSpc>
-            </a:pPr>
+          <a:bodyPr wrap="none" lIns="90000" tIns="45000" rIns="90000" bIns="45000" anchor="ctr"/>
+          <a:lstStyle/>
+          <a:p>
+            <a:pPr algn="ctr"/>
             <a:r>
-              <a:rPr b="0" lang="en-US" sz="1800" spc="-1" strike="noStrike">
+              <a:rPr lang="en-US" sz="1800" b="0" strike="noStrike" spc="-1">
                 <a:solidFill>
                   <a:srgbClr val="000000"/>
                 </a:solidFill>
                 <a:uFill>
                   <a:solidFill>
-                    <a:srgbClr val="ffffff"/>
+                    <a:srgbClr val="FFFFFF"/>
                   </a:solidFill>
                 </a:uFill>
                 <a:latin typeface="Arial"/>
-                <a:ea typeface="DejaVu Sans"/>
               </a:rPr>
               <a:t>pass123</a:t>
             </a:r>
-            <a:endParaRPr b="0" lang="en-US" sz="1800" spc="-1" strike="noStrike">
-              <a:solidFill>
-                <a:srgbClr val="000000"/>
-              </a:solidFill>
-              <a:uFill>
-                <a:solidFill>
-                  <a:srgbClr val="ffffff"/>
-                </a:solidFill>
-              </a:uFill>
-              <a:latin typeface="Arial"/>
-            </a:endParaRPr>
           </a:p>
         </p:txBody>
       </p:sp>
@@ -8502,60 +8262,51 @@
         <p:spPr>
           <a:xfrm>
             <a:off x="6583680" y="4663440"/>
-            <a:ext cx="1279440" cy="365040"/>
+            <a:ext cx="1280160" cy="365760"/>
           </a:xfrm>
           <a:prstGeom prst="rect">
             <a:avLst/>
           </a:prstGeom>
           <a:solidFill>
-            <a:srgbClr val="eeeeee"/>
+            <a:srgbClr val="EEEEEE"/>
           </a:solidFill>
           <a:ln>
             <a:solidFill>
-              <a:srgbClr val="3465a4"/>
+              <a:srgbClr val="3465A4"/>
             </a:solidFill>
           </a:ln>
         </p:spPr>
         <p:style>
-          <a:lnRef idx="0"/>
-          <a:fillRef idx="0"/>
-          <a:effectRef idx="0"/>
+          <a:lnRef idx="0">
+            <a:scrgbClr r="0" g="0" b="0"/>
+          </a:lnRef>
+          <a:fillRef idx="0">
+            <a:scrgbClr r="0" g="0" b="0"/>
+          </a:fillRef>
+          <a:effectRef idx="0">
+            <a:scrgbClr r="0" g="0" b="0"/>
+          </a:effectRef>
           <a:fontRef idx="minor"/>
         </p:style>
         <p:txBody>
-          <a:bodyPr wrap="none" lIns="90000" rIns="90000" tIns="45000" bIns="45000" anchor="ctr"/>
-          <a:p>
-            <a:pPr algn="ctr">
-              <a:lnSpc>
-                <a:spcPct val="100000"/>
-              </a:lnSpc>
-            </a:pPr>
+          <a:bodyPr wrap="none" lIns="90000" tIns="45000" rIns="90000" bIns="45000" anchor="ctr"/>
+          <a:lstStyle/>
+          <a:p>
+            <a:pPr algn="ctr"/>
             <a:r>
-              <a:rPr b="0" lang="en-US" sz="1800" spc="-1" strike="noStrike">
+              <a:rPr lang="en-US" sz="1800" b="0" strike="noStrike" spc="-1">
                 <a:solidFill>
                   <a:srgbClr val="000000"/>
                 </a:solidFill>
                 <a:uFill>
                   <a:solidFill>
-                    <a:srgbClr val="ffffff"/>
+                    <a:srgbClr val="FFFFFF"/>
                   </a:solidFill>
                 </a:uFill>
                 <a:latin typeface="Arial"/>
-                <a:ea typeface="DejaVu Sans"/>
               </a:rPr>
               <a:t>nextEnt1</a:t>
             </a:r>
-            <a:endParaRPr b="0" lang="en-US" sz="1800" spc="-1" strike="noStrike">
-              <a:solidFill>
-                <a:srgbClr val="000000"/>
-              </a:solidFill>
-              <a:uFill>
-                <a:solidFill>
-                  <a:srgbClr val="ffffff"/>
-                </a:solidFill>
-              </a:uFill>
-              <a:latin typeface="Arial"/>
-            </a:endParaRPr>
           </a:p>
         </p:txBody>
       </p:sp>
@@ -8568,60 +8319,51 @@
         <p:spPr>
           <a:xfrm>
             <a:off x="7863840" y="4663440"/>
-            <a:ext cx="1279440" cy="365040"/>
+            <a:ext cx="1280160" cy="365760"/>
           </a:xfrm>
           <a:prstGeom prst="rect">
             <a:avLst/>
           </a:prstGeom>
           <a:solidFill>
-            <a:srgbClr val="eeeeee"/>
+            <a:srgbClr val="EEEEEE"/>
           </a:solidFill>
           <a:ln>
             <a:solidFill>
-              <a:srgbClr val="3465a4"/>
+              <a:srgbClr val="3465A4"/>
             </a:solidFill>
           </a:ln>
         </p:spPr>
         <p:style>
-          <a:lnRef idx="0"/>
-          <a:fillRef idx="0"/>
-          <a:effectRef idx="0"/>
+          <a:lnRef idx="0">
+            <a:scrgbClr r="0" g="0" b="0"/>
+          </a:lnRef>
+          <a:fillRef idx="0">
+            <a:scrgbClr r="0" g="0" b="0"/>
+          </a:fillRef>
+          <a:effectRef idx="0">
+            <a:scrgbClr r="0" g="0" b="0"/>
+          </a:effectRef>
           <a:fontRef idx="minor"/>
         </p:style>
         <p:txBody>
-          <a:bodyPr wrap="none" lIns="90000" rIns="90000" tIns="45000" bIns="45000" anchor="ctr"/>
-          <a:p>
-            <a:pPr algn="ctr">
-              <a:lnSpc>
-                <a:spcPct val="100000"/>
-              </a:lnSpc>
-            </a:pPr>
+          <a:bodyPr wrap="none" lIns="90000" tIns="45000" rIns="90000" bIns="45000" anchor="ctr"/>
+          <a:lstStyle/>
+          <a:p>
+            <a:pPr algn="ctr"/>
             <a:r>
-              <a:rPr b="0" lang="en-US" sz="1800" spc="-1" strike="noStrike">
+              <a:rPr lang="en-US" sz="1800" b="0" strike="noStrike" spc="-1">
                 <a:solidFill>
                   <a:srgbClr val="000000"/>
                 </a:solidFill>
                 <a:uFill>
                   <a:solidFill>
-                    <a:srgbClr val="ffffff"/>
+                    <a:srgbClr val="FFFFFF"/>
                   </a:solidFill>
                 </a:uFill>
                 <a:latin typeface="Arial"/>
-                <a:ea typeface="DejaVu Sans"/>
               </a:rPr>
               <a:t>2</a:t>
             </a:r>
-            <a:endParaRPr b="0" lang="en-US" sz="1800" spc="-1" strike="noStrike">
-              <a:solidFill>
-                <a:srgbClr val="000000"/>
-              </a:solidFill>
-              <a:uFill>
-                <a:solidFill>
-                  <a:srgbClr val="ffffff"/>
-                </a:solidFill>
-              </a:uFill>
-              <a:latin typeface="Arial"/>
-            </a:endParaRPr>
           </a:p>
         </p:txBody>
       </p:sp>
@@ -8634,60 +8376,51 @@
         <p:spPr>
           <a:xfrm>
             <a:off x="6583680" y="5029200"/>
-            <a:ext cx="1279440" cy="365040"/>
+            <a:ext cx="1280160" cy="365760"/>
           </a:xfrm>
           <a:prstGeom prst="rect">
             <a:avLst/>
           </a:prstGeom>
           <a:solidFill>
-            <a:srgbClr val="eeeeee"/>
+            <a:srgbClr val="EEEEEE"/>
           </a:solidFill>
           <a:ln>
             <a:solidFill>
-              <a:srgbClr val="3465a4"/>
+              <a:srgbClr val="3465A4"/>
             </a:solidFill>
           </a:ln>
         </p:spPr>
         <p:style>
-          <a:lnRef idx="0"/>
-          <a:fillRef idx="0"/>
-          <a:effectRef idx="0"/>
+          <a:lnRef idx="0">
+            <a:scrgbClr r="0" g="0" b="0"/>
+          </a:lnRef>
+          <a:fillRef idx="0">
+            <a:scrgbClr r="0" g="0" b="0"/>
+          </a:fillRef>
+          <a:effectRef idx="0">
+            <a:scrgbClr r="0" g="0" b="0"/>
+          </a:effectRef>
           <a:fontRef idx="minor"/>
         </p:style>
         <p:txBody>
-          <a:bodyPr wrap="none" lIns="90000" rIns="90000" tIns="45000" bIns="45000" anchor="ctr"/>
-          <a:p>
-            <a:pPr algn="ctr">
-              <a:lnSpc>
-                <a:spcPct val="100000"/>
-              </a:lnSpc>
-            </a:pPr>
+          <a:bodyPr wrap="none" lIns="90000" tIns="45000" rIns="90000" bIns="45000" anchor="ctr"/>
+          <a:lstStyle/>
+          <a:p>
+            <a:pPr algn="ctr"/>
             <a:r>
-              <a:rPr b="0" lang="en-US" sz="1800" spc="-1" strike="noStrike">
+              <a:rPr lang="en-US" sz="1800" b="0" strike="noStrike" spc="-1">
                 <a:solidFill>
                   <a:srgbClr val="000000"/>
                 </a:solidFill>
                 <a:uFill>
                   <a:solidFill>
-                    <a:srgbClr val="ffffff"/>
+                    <a:srgbClr val="FFFFFF"/>
                   </a:solidFill>
                 </a:uFill>
                 <a:latin typeface="Arial"/>
-                <a:ea typeface="DejaVu Sans"/>
               </a:rPr>
               <a:t>prevEnt1</a:t>
             </a:r>
-            <a:endParaRPr b="0" lang="en-US" sz="1800" spc="-1" strike="noStrike">
-              <a:solidFill>
-                <a:srgbClr val="000000"/>
-              </a:solidFill>
-              <a:uFill>
-                <a:solidFill>
-                  <a:srgbClr val="ffffff"/>
-                </a:solidFill>
-              </a:uFill>
-              <a:latin typeface="Arial"/>
-            </a:endParaRPr>
           </a:p>
         </p:txBody>
       </p:sp>
@@ -8700,81 +8433,75 @@
         <p:spPr>
           <a:xfrm>
             <a:off x="7863840" y="5029200"/>
-            <a:ext cx="1279440" cy="365040"/>
+            <a:ext cx="1280160" cy="365760"/>
           </a:xfrm>
           <a:prstGeom prst="rect">
             <a:avLst/>
           </a:prstGeom>
           <a:solidFill>
-            <a:srgbClr val="eeeeee"/>
+            <a:srgbClr val="EEEEEE"/>
           </a:solidFill>
           <a:ln>
             <a:solidFill>
-              <a:srgbClr val="3465a4"/>
+              <a:srgbClr val="3465A4"/>
             </a:solidFill>
           </a:ln>
         </p:spPr>
         <p:style>
-          <a:lnRef idx="0"/>
-          <a:fillRef idx="0"/>
-          <a:effectRef idx="0"/>
+          <a:lnRef idx="0">
+            <a:scrgbClr r="0" g="0" b="0"/>
+          </a:lnRef>
+          <a:fillRef idx="0">
+            <a:scrgbClr r="0" g="0" b="0"/>
+          </a:fillRef>
+          <a:effectRef idx="0">
+            <a:scrgbClr r="0" g="0" b="0"/>
+          </a:effectRef>
           <a:fontRef idx="minor"/>
         </p:style>
         <p:txBody>
-          <a:bodyPr wrap="none" lIns="90000" rIns="90000" tIns="45000" bIns="45000" anchor="ctr"/>
-          <a:p>
-            <a:pPr algn="ctr">
-              <a:lnSpc>
-                <a:spcPct val="100000"/>
-              </a:lnSpc>
-            </a:pPr>
+          <a:bodyPr wrap="none" lIns="90000" tIns="45000" rIns="90000" bIns="45000" anchor="ctr"/>
+          <a:lstStyle/>
+          <a:p>
+            <a:pPr algn="ctr"/>
             <a:r>
-              <a:rPr b="0" lang="en-US" sz="1800" spc="-1" strike="noStrike">
+              <a:rPr lang="en-US" sz="1800" b="0" strike="noStrike" spc="-1">
                 <a:solidFill>
                   <a:srgbClr val="000000"/>
                 </a:solidFill>
                 <a:uFill>
                   <a:solidFill>
-                    <a:srgbClr val="ffffff"/>
+                    <a:srgbClr val="FFFFFF"/>
                   </a:solidFill>
                 </a:uFill>
                 <a:latin typeface="Arial"/>
-                <a:ea typeface="DejaVu Sans"/>
               </a:rPr>
               <a:t>1</a:t>
             </a:r>
-            <a:endParaRPr b="0" lang="en-US" sz="1800" spc="-1" strike="noStrike">
-              <a:solidFill>
-                <a:srgbClr val="000000"/>
-              </a:solidFill>
-              <a:uFill>
-                <a:solidFill>
-                  <a:srgbClr val="ffffff"/>
-                </a:solidFill>
-              </a:uFill>
-              <a:latin typeface="Arial"/>
-            </a:endParaRPr>
           </a:p>
         </p:txBody>
       </p:sp>
     </p:spTree>
   </p:cSld>
+  <p:clrMapOvr>
+    <a:masterClrMapping/>
+  </p:clrMapOvr>
   <p:timing>
     <p:tnLst>
       <p:par>
-        <p:cTn id="15" dur="indefinite" restart="never" nodeType="tmRoot">
+        <p:cTn id="1" dur="indefinite" restart="never" nodeType="tmRoot">
           <p:childTnLst>
             <p:seq>
-              <p:cTn id="16" nodeType="mainSeq"/>
+              <p:cTn id="2" nodeType="mainSeq"/>
               <p:prevCondLst>
-                <p:cond delay="0" evt="onPrev">
+                <p:cond evt="onPrev" delay="0">
                   <p:tgtEl>
                     <p:sldTgt/>
                   </p:tgtEl>
                 </p:cond>
               </p:prevCondLst>
               <p:nextCondLst>
-                <p:cond delay="0" evt="onNext">
+                <p:cond evt="onNext" delay="0">
                   <p:tgtEl>
                     <p:sldTgt/>
                   </p:tgtEl>
@@ -9009,6 +8736,8 @@
       </a:bgFillStyleLst>
     </a:fmtScheme>
   </a:themeElements>
+  <a:objectDefaults/>
+  <a:extraClrSchemeLst/>
 </a:theme>
 </file>
 
@@ -9232,5 +8961,7 @@
       </a:bgFillStyleLst>
     </a:fmtScheme>
   </a:themeElements>
+  <a:objectDefaults/>
+  <a:extraClrSchemeLst/>
 </a:theme>
 </file>
--- a/Cybersecurity_presentation.pptx
+++ b/Cybersecurity_presentation.pptx
@@ -1,122 +1,27 @@
 
 <file path=ppt/presentation.xml><?xml version="1.0" encoding="utf-8"?>
-<p:presentation xmlns:a="http://schemas.openxmlformats.org/drawingml/2006/main" xmlns:r="http://schemas.openxmlformats.org/officeDocument/2006/relationships" xmlns:p="http://schemas.openxmlformats.org/presentationml/2006/main">
+<p:presentation xmlns:a="http://schemas.openxmlformats.org/drawingml/2006/main" xmlns:p="http://schemas.openxmlformats.org/presentationml/2006/main" xmlns:r="http://schemas.openxmlformats.org/officeDocument/2006/relationships" xmlns:p14="http://schemas.microsoft.com/office/powerpoint/2010/main" xmlns:p15="http://schemas.microsoft.com/office/powerpoint/2012/main" xmlns:mc="http://schemas.openxmlformats.org/markup-compatibility/2006">
   <p:sldMasterIdLst>
-    <p:sldMasterId id="2147483648" r:id="rId1"/>
-    <p:sldMasterId id="2147483661" r:id="rId2"/>
+    <p:sldMasterId id="2147483648" r:id="rId2"/>
+    <p:sldMasterId id="2147483661" r:id="rId3"/>
   </p:sldMasterIdLst>
   <p:sldIdLst>
-    <p:sldId id="256" r:id="rId3"/>
-    <p:sldId id="257" r:id="rId4"/>
-    <p:sldId id="258" r:id="rId5"/>
-    <p:sldId id="259" r:id="rId6"/>
-    <p:sldId id="260" r:id="rId7"/>
-    <p:sldId id="261" r:id="rId8"/>
-    <p:sldId id="262" r:id="rId9"/>
-    <p:sldId id="263" r:id="rId10"/>
+    <p:sldId id="256" r:id="rId4"/>
+    <p:sldId id="257" r:id="rId5"/>
+    <p:sldId id="258" r:id="rId6"/>
+    <p:sldId id="259" r:id="rId7"/>
+    <p:sldId id="260" r:id="rId8"/>
+    <p:sldId id="261" r:id="rId9"/>
+    <p:sldId id="262" r:id="rId10"/>
+    <p:sldId id="263" r:id="rId11"/>
   </p:sldIdLst>
   <p:sldSz cx="10080625" cy="5670550"/>
-  <p:notesSz cx="7315200" cy="9601200"/>
-  <p:defaultTextStyle>
-    <a:defPPr>
-      <a:defRPr lang="en-US"/>
-    </a:defPPr>
-    <a:lvl1pPr marL="0" algn="l" defTabSz="914400" rtl="0" eaLnBrk="1" latinLnBrk="0" hangingPunct="1">
-      <a:defRPr sz="1800" kern="1200">
-        <a:solidFill>
-          <a:schemeClr val="tx1"/>
-        </a:solidFill>
-        <a:latin typeface="+mn-lt"/>
-        <a:ea typeface="+mn-ea"/>
-        <a:cs typeface="+mn-cs"/>
-      </a:defRPr>
-    </a:lvl1pPr>
-    <a:lvl2pPr marL="457200" algn="l" defTabSz="914400" rtl="0" eaLnBrk="1" latinLnBrk="0" hangingPunct="1">
-      <a:defRPr sz="1800" kern="1200">
-        <a:solidFill>
-          <a:schemeClr val="tx1"/>
-        </a:solidFill>
-        <a:latin typeface="+mn-lt"/>
-        <a:ea typeface="+mn-ea"/>
-        <a:cs typeface="+mn-cs"/>
-      </a:defRPr>
-    </a:lvl2pPr>
-    <a:lvl3pPr marL="914400" algn="l" defTabSz="914400" rtl="0" eaLnBrk="1" latinLnBrk="0" hangingPunct="1">
-      <a:defRPr sz="1800" kern="1200">
-        <a:solidFill>
-          <a:schemeClr val="tx1"/>
-        </a:solidFill>
-        <a:latin typeface="+mn-lt"/>
-        <a:ea typeface="+mn-ea"/>
-        <a:cs typeface="+mn-cs"/>
-      </a:defRPr>
-    </a:lvl3pPr>
-    <a:lvl4pPr marL="1371600" algn="l" defTabSz="914400" rtl="0" eaLnBrk="1" latinLnBrk="0" hangingPunct="1">
-      <a:defRPr sz="1800" kern="1200">
-        <a:solidFill>
-          <a:schemeClr val="tx1"/>
-        </a:solidFill>
-        <a:latin typeface="+mn-lt"/>
-        <a:ea typeface="+mn-ea"/>
-        <a:cs typeface="+mn-cs"/>
-      </a:defRPr>
-    </a:lvl4pPr>
-    <a:lvl5pPr marL="1828800" algn="l" defTabSz="914400" rtl="0" eaLnBrk="1" latinLnBrk="0" hangingPunct="1">
-      <a:defRPr sz="1800" kern="1200">
-        <a:solidFill>
-          <a:schemeClr val="tx1"/>
-        </a:solidFill>
-        <a:latin typeface="+mn-lt"/>
-        <a:ea typeface="+mn-ea"/>
-        <a:cs typeface="+mn-cs"/>
-      </a:defRPr>
-    </a:lvl5pPr>
-    <a:lvl6pPr marL="2286000" algn="l" defTabSz="914400" rtl="0" eaLnBrk="1" latinLnBrk="0" hangingPunct="1">
-      <a:defRPr sz="1800" kern="1200">
-        <a:solidFill>
-          <a:schemeClr val="tx1"/>
-        </a:solidFill>
-        <a:latin typeface="+mn-lt"/>
-        <a:ea typeface="+mn-ea"/>
-        <a:cs typeface="+mn-cs"/>
-      </a:defRPr>
-    </a:lvl6pPr>
-    <a:lvl7pPr marL="2743200" algn="l" defTabSz="914400" rtl="0" eaLnBrk="1" latinLnBrk="0" hangingPunct="1">
-      <a:defRPr sz="1800" kern="1200">
-        <a:solidFill>
-          <a:schemeClr val="tx1"/>
-        </a:solidFill>
-        <a:latin typeface="+mn-lt"/>
-        <a:ea typeface="+mn-ea"/>
-        <a:cs typeface="+mn-cs"/>
-      </a:defRPr>
-    </a:lvl7pPr>
-    <a:lvl8pPr marL="3200400" algn="l" defTabSz="914400" rtl="0" eaLnBrk="1" latinLnBrk="0" hangingPunct="1">
-      <a:defRPr sz="1800" kern="1200">
-        <a:solidFill>
-          <a:schemeClr val="tx1"/>
-        </a:solidFill>
-        <a:latin typeface="+mn-lt"/>
-        <a:ea typeface="+mn-ea"/>
-        <a:cs typeface="+mn-cs"/>
-      </a:defRPr>
-    </a:lvl8pPr>
-    <a:lvl9pPr marL="3657600" algn="l" defTabSz="914400" rtl="0" eaLnBrk="1" latinLnBrk="0" hangingPunct="1">
-      <a:defRPr sz="1800" kern="1200">
-        <a:solidFill>
-          <a:schemeClr val="tx1"/>
-        </a:solidFill>
-        <a:latin typeface="+mn-lt"/>
-        <a:ea typeface="+mn-ea"/>
-        <a:cs typeface="+mn-cs"/>
-      </a:defRPr>
-    </a:lvl9pPr>
-  </p:defaultTextStyle>
+  <p:notesSz cx="7772400" cy="10058400"/>
 </p:presentation>
 </file>
 
 <file path=ppt/slideLayouts/slideLayout1.xml><?xml version="1.0" encoding="utf-8"?>
-<p:sldLayout xmlns:a="http://schemas.openxmlformats.org/drawingml/2006/main" xmlns:r="http://schemas.openxmlformats.org/officeDocument/2006/relationships" xmlns:p="http://schemas.openxmlformats.org/presentationml/2006/main" type="blank" preserve="1">
+<p:sldLayout xmlns:a="http://schemas.openxmlformats.org/drawingml/2006/main" xmlns:p="http://schemas.openxmlformats.org/presentationml/2006/main" xmlns:r="http://schemas.openxmlformats.org/officeDocument/2006/relationships" xmlns:p14="http://schemas.microsoft.com/office/powerpoint/2010/main" xmlns:p15="http://schemas.microsoft.com/office/powerpoint/2012/main" xmlns:mc="http://schemas.openxmlformats.org/markup-compatibility/2006" type="blank" preserve="1">
   <p:cSld name="Blank Slide">
     <p:spTree>
       <p:nvGrpSpPr>
@@ -134,14 +39,11 @@
       </p:grpSpPr>
     </p:spTree>
   </p:cSld>
-  <p:clrMapOvr>
-    <a:masterClrMapping/>
-  </p:clrMapOvr>
 </p:sldLayout>
 </file>
 
 <file path=ppt/slideLayouts/slideLayout10.xml><?xml version="1.0" encoding="utf-8"?>
-<p:sldLayout xmlns:a="http://schemas.openxmlformats.org/drawingml/2006/main" xmlns:r="http://schemas.openxmlformats.org/officeDocument/2006/relationships" xmlns:p="http://schemas.openxmlformats.org/presentationml/2006/main" type="objOverTx" preserve="1">
+<p:sldLayout xmlns:a="http://schemas.openxmlformats.org/drawingml/2006/main" xmlns:p="http://schemas.openxmlformats.org/presentationml/2006/main" xmlns:r="http://schemas.openxmlformats.org/officeDocument/2006/relationships" xmlns:p14="http://schemas.microsoft.com/office/powerpoint/2010/main" xmlns:p15="http://schemas.microsoft.com/office/powerpoint/2012/main" xmlns:mc="http://schemas.openxmlformats.org/markup-compatibility/2006" type="objOverTx" preserve="1">
   <p:cSld name="Title, Content over Content">
     <p:spTree>
       <p:nvGrpSpPr>
@@ -177,17 +79,15 @@
           </a:prstGeom>
         </p:spPr>
         <p:txBody>
-          <a:bodyPr lIns="0" tIns="0" rIns="0" bIns="0" anchor="ctr"/>
-          <a:lstStyle/>
-          <a:p>
-            <a:pPr algn="ctr"/>
-            <a:endParaRPr lang="en-US" sz="4400" b="0" strike="noStrike" spc="-1">
-              <a:solidFill>
-                <a:srgbClr val="000000"/>
-              </a:solidFill>
-              <a:uFill>
-                <a:solidFill>
-                  <a:srgbClr val="FFFFFF"/>
+          <a:bodyPr lIns="0" rIns="0" tIns="0" bIns="0" anchor="ctr"/>
+          <a:p>
+            <a:endParaRPr b="0" lang="en-US" sz="1800" spc="-1" strike="noStrike">
+              <a:solidFill>
+                <a:srgbClr val="000000"/>
+              </a:solidFill>
+              <a:uFill>
+                <a:solidFill>
+                  <a:srgbClr val="ffffff"/>
                 </a:solidFill>
               </a:uFill>
               <a:latin typeface="Arial"/>
@@ -215,16 +115,15 @@
           </a:prstGeom>
         </p:spPr>
         <p:txBody>
-          <a:bodyPr lIns="0" tIns="0" rIns="0" bIns="0"/>
-          <a:lstStyle/>
-          <a:p>
-            <a:endParaRPr lang="en-US" sz="3200" b="0" strike="noStrike" spc="-1">
-              <a:solidFill>
-                <a:srgbClr val="000000"/>
-              </a:solidFill>
-              <a:uFill>
-                <a:solidFill>
-                  <a:srgbClr val="FFFFFF"/>
+          <a:bodyPr lIns="0" rIns="0" tIns="0" bIns="0"/>
+          <a:p>
+            <a:endParaRPr b="0" lang="en-US" sz="1800" spc="-1" strike="noStrike">
+              <a:solidFill>
+                <a:srgbClr val="000000"/>
+              </a:solidFill>
+              <a:uFill>
+                <a:solidFill>
+                  <a:srgbClr val="ffffff"/>
                 </a:solidFill>
               </a:uFill>
               <a:latin typeface="Arial"/>
@@ -252,16 +151,15 @@
           </a:prstGeom>
         </p:spPr>
         <p:txBody>
-          <a:bodyPr lIns="0" tIns="0" rIns="0" bIns="0"/>
-          <a:lstStyle/>
-          <a:p>
-            <a:endParaRPr lang="en-US" sz="3200" b="0" strike="noStrike" spc="-1">
-              <a:solidFill>
-                <a:srgbClr val="000000"/>
-              </a:solidFill>
-              <a:uFill>
-                <a:solidFill>
-                  <a:srgbClr val="FFFFFF"/>
+          <a:bodyPr lIns="0" rIns="0" tIns="0" bIns="0"/>
+          <a:p>
+            <a:endParaRPr b="0" lang="en-US" sz="1800" spc="-1" strike="noStrike">
+              <a:solidFill>
+                <a:srgbClr val="000000"/>
+              </a:solidFill>
+              <a:uFill>
+                <a:solidFill>
+                  <a:srgbClr val="ffffff"/>
                 </a:solidFill>
               </a:uFill>
               <a:latin typeface="Arial"/>
@@ -271,14 +169,11 @@
       </p:sp>
     </p:spTree>
   </p:cSld>
-  <p:clrMapOvr>
-    <a:masterClrMapping/>
-  </p:clrMapOvr>
 </p:sldLayout>
 </file>
 
 <file path=ppt/slideLayouts/slideLayout11.xml><?xml version="1.0" encoding="utf-8"?>
-<p:sldLayout xmlns:a="http://schemas.openxmlformats.org/drawingml/2006/main" xmlns:r="http://schemas.openxmlformats.org/officeDocument/2006/relationships" xmlns:p="http://schemas.openxmlformats.org/presentationml/2006/main" type="fourObj" preserve="1">
+<p:sldLayout xmlns:a="http://schemas.openxmlformats.org/drawingml/2006/main" xmlns:p="http://schemas.openxmlformats.org/presentationml/2006/main" xmlns:r="http://schemas.openxmlformats.org/officeDocument/2006/relationships" xmlns:p14="http://schemas.microsoft.com/office/powerpoint/2010/main" xmlns:p15="http://schemas.microsoft.com/office/powerpoint/2012/main" xmlns:mc="http://schemas.openxmlformats.org/markup-compatibility/2006" type="fourObj" preserve="1">
   <p:cSld name="Title, 4 Content">
     <p:spTree>
       <p:nvGrpSpPr>
@@ -314,17 +209,15 @@
           </a:prstGeom>
         </p:spPr>
         <p:txBody>
-          <a:bodyPr lIns="0" tIns="0" rIns="0" bIns="0" anchor="ctr"/>
-          <a:lstStyle/>
-          <a:p>
-            <a:pPr algn="ctr"/>
-            <a:endParaRPr lang="en-US" sz="4400" b="0" strike="noStrike" spc="-1">
-              <a:solidFill>
-                <a:srgbClr val="000000"/>
-              </a:solidFill>
-              <a:uFill>
-                <a:solidFill>
-                  <a:srgbClr val="FFFFFF"/>
+          <a:bodyPr lIns="0" rIns="0" tIns="0" bIns="0" anchor="ctr"/>
+          <a:p>
+            <a:endParaRPr b="0" lang="en-US" sz="1800" spc="-1" strike="noStrike">
+              <a:solidFill>
+                <a:srgbClr val="000000"/>
+              </a:solidFill>
+              <a:uFill>
+                <a:solidFill>
+                  <a:srgbClr val="ffffff"/>
                 </a:solidFill>
               </a:uFill>
               <a:latin typeface="Arial"/>
@@ -352,16 +245,15 @@
           </a:prstGeom>
         </p:spPr>
         <p:txBody>
-          <a:bodyPr lIns="0" tIns="0" rIns="0" bIns="0"/>
-          <a:lstStyle/>
-          <a:p>
-            <a:endParaRPr lang="en-US" sz="3200" b="0" strike="noStrike" spc="-1">
-              <a:solidFill>
-                <a:srgbClr val="000000"/>
-              </a:solidFill>
-              <a:uFill>
-                <a:solidFill>
-                  <a:srgbClr val="FFFFFF"/>
+          <a:bodyPr lIns="0" rIns="0" tIns="0" bIns="0"/>
+          <a:p>
+            <a:endParaRPr b="0" lang="en-US" sz="1800" spc="-1" strike="noStrike">
+              <a:solidFill>
+                <a:srgbClr val="000000"/>
+              </a:solidFill>
+              <a:uFill>
+                <a:solidFill>
+                  <a:srgbClr val="ffffff"/>
                 </a:solidFill>
               </a:uFill>
               <a:latin typeface="Arial"/>
@@ -389,16 +281,15 @@
           </a:prstGeom>
         </p:spPr>
         <p:txBody>
-          <a:bodyPr lIns="0" tIns="0" rIns="0" bIns="0"/>
-          <a:lstStyle/>
-          <a:p>
-            <a:endParaRPr lang="en-US" sz="3200" b="0" strike="noStrike" spc="-1">
-              <a:solidFill>
-                <a:srgbClr val="000000"/>
-              </a:solidFill>
-              <a:uFill>
-                <a:solidFill>
-                  <a:srgbClr val="FFFFFF"/>
+          <a:bodyPr lIns="0" rIns="0" tIns="0" bIns="0"/>
+          <a:p>
+            <a:endParaRPr b="0" lang="en-US" sz="1800" spc="-1" strike="noStrike">
+              <a:solidFill>
+                <a:srgbClr val="000000"/>
+              </a:solidFill>
+              <a:uFill>
+                <a:solidFill>
+                  <a:srgbClr val="ffffff"/>
                 </a:solidFill>
               </a:uFill>
               <a:latin typeface="Arial"/>
@@ -426,16 +317,15 @@
           </a:prstGeom>
         </p:spPr>
         <p:txBody>
-          <a:bodyPr lIns="0" tIns="0" rIns="0" bIns="0"/>
-          <a:lstStyle/>
-          <a:p>
-            <a:endParaRPr lang="en-US" sz="3200" b="0" strike="noStrike" spc="-1">
-              <a:solidFill>
-                <a:srgbClr val="000000"/>
-              </a:solidFill>
-              <a:uFill>
-                <a:solidFill>
-                  <a:srgbClr val="FFFFFF"/>
+          <a:bodyPr lIns="0" rIns="0" tIns="0" bIns="0"/>
+          <a:p>
+            <a:endParaRPr b="0" lang="en-US" sz="1800" spc="-1" strike="noStrike">
+              <a:solidFill>
+                <a:srgbClr val="000000"/>
+              </a:solidFill>
+              <a:uFill>
+                <a:solidFill>
+                  <a:srgbClr val="ffffff"/>
                 </a:solidFill>
               </a:uFill>
               <a:latin typeface="Arial"/>
@@ -463,16 +353,15 @@
           </a:prstGeom>
         </p:spPr>
         <p:txBody>
-          <a:bodyPr lIns="0" tIns="0" rIns="0" bIns="0"/>
-          <a:lstStyle/>
-          <a:p>
-            <a:endParaRPr lang="en-US" sz="3200" b="0" strike="noStrike" spc="-1">
-              <a:solidFill>
-                <a:srgbClr val="000000"/>
-              </a:solidFill>
-              <a:uFill>
-                <a:solidFill>
-                  <a:srgbClr val="FFFFFF"/>
+          <a:bodyPr lIns="0" rIns="0" tIns="0" bIns="0"/>
+          <a:p>
+            <a:endParaRPr b="0" lang="en-US" sz="1800" spc="-1" strike="noStrike">
+              <a:solidFill>
+                <a:srgbClr val="000000"/>
+              </a:solidFill>
+              <a:uFill>
+                <a:solidFill>
+                  <a:srgbClr val="ffffff"/>
                 </a:solidFill>
               </a:uFill>
               <a:latin typeface="Arial"/>
@@ -482,14 +371,11 @@
       </p:sp>
     </p:spTree>
   </p:cSld>
-  <p:clrMapOvr>
-    <a:masterClrMapping/>
-  </p:clrMapOvr>
 </p:sldLayout>
 </file>
 
 <file path=ppt/slideLayouts/slideLayout12.xml><?xml version="1.0" encoding="utf-8"?>
-<p:sldLayout xmlns:a="http://schemas.openxmlformats.org/drawingml/2006/main" xmlns:r="http://schemas.openxmlformats.org/officeDocument/2006/relationships" xmlns:p="http://schemas.openxmlformats.org/presentationml/2006/main" type="blank" preserve="1">
+<p:sldLayout xmlns:a="http://schemas.openxmlformats.org/drawingml/2006/main" xmlns:p="http://schemas.openxmlformats.org/presentationml/2006/main" xmlns:r="http://schemas.openxmlformats.org/officeDocument/2006/relationships" xmlns:p14="http://schemas.microsoft.com/office/powerpoint/2010/main" xmlns:p15="http://schemas.microsoft.com/office/powerpoint/2012/main" xmlns:mc="http://schemas.openxmlformats.org/markup-compatibility/2006" type="blank" preserve="1">
   <p:cSld name="Title, 6 Content">
     <p:spTree>
       <p:nvGrpSpPr>
@@ -525,17 +411,15 @@
           </a:prstGeom>
         </p:spPr>
         <p:txBody>
-          <a:bodyPr lIns="0" tIns="0" rIns="0" bIns="0" anchor="ctr"/>
-          <a:lstStyle/>
-          <a:p>
-            <a:pPr algn="ctr"/>
-            <a:endParaRPr lang="en-US" sz="4400" b="0" strike="noStrike" spc="-1">
-              <a:solidFill>
-                <a:srgbClr val="000000"/>
-              </a:solidFill>
-              <a:uFill>
-                <a:solidFill>
-                  <a:srgbClr val="FFFFFF"/>
+          <a:bodyPr lIns="0" rIns="0" tIns="0" bIns="0" anchor="ctr"/>
+          <a:p>
+            <a:endParaRPr b="0" lang="en-US" sz="1800" spc="-1" strike="noStrike">
+              <a:solidFill>
+                <a:srgbClr val="000000"/>
+              </a:solidFill>
+              <a:uFill>
+                <a:solidFill>
+                  <a:srgbClr val="ffffff"/>
                 </a:solidFill>
               </a:uFill>
               <a:latin typeface="Arial"/>
@@ -563,16 +447,15 @@
           </a:prstGeom>
         </p:spPr>
         <p:txBody>
-          <a:bodyPr lIns="0" tIns="0" rIns="0" bIns="0"/>
-          <a:lstStyle/>
-          <a:p>
-            <a:endParaRPr lang="en-US" sz="3200" b="0" strike="noStrike" spc="-1">
-              <a:solidFill>
-                <a:srgbClr val="000000"/>
-              </a:solidFill>
-              <a:uFill>
-                <a:solidFill>
-                  <a:srgbClr val="FFFFFF"/>
+          <a:bodyPr lIns="0" rIns="0" tIns="0" bIns="0"/>
+          <a:p>
+            <a:endParaRPr b="0" lang="en-US" sz="1800" spc="-1" strike="noStrike">
+              <a:solidFill>
+                <a:srgbClr val="000000"/>
+              </a:solidFill>
+              <a:uFill>
+                <a:solidFill>
+                  <a:srgbClr val="ffffff"/>
                 </a:solidFill>
               </a:uFill>
               <a:latin typeface="Arial"/>
@@ -600,16 +483,15 @@
           </a:prstGeom>
         </p:spPr>
         <p:txBody>
-          <a:bodyPr lIns="0" tIns="0" rIns="0" bIns="0"/>
-          <a:lstStyle/>
-          <a:p>
-            <a:endParaRPr lang="en-US" sz="3200" b="0" strike="noStrike" spc="-1">
-              <a:solidFill>
-                <a:srgbClr val="000000"/>
-              </a:solidFill>
-              <a:uFill>
-                <a:solidFill>
-                  <a:srgbClr val="FFFFFF"/>
+          <a:bodyPr lIns="0" rIns="0" tIns="0" bIns="0"/>
+          <a:p>
+            <a:endParaRPr b="0" lang="en-US" sz="1800" spc="-1" strike="noStrike">
+              <a:solidFill>
+                <a:srgbClr val="000000"/>
+              </a:solidFill>
+              <a:uFill>
+                <a:solidFill>
+                  <a:srgbClr val="ffffff"/>
                 </a:solidFill>
               </a:uFill>
               <a:latin typeface="Arial"/>
@@ -637,16 +519,15 @@
           </a:prstGeom>
         </p:spPr>
         <p:txBody>
-          <a:bodyPr lIns="0" tIns="0" rIns="0" bIns="0"/>
-          <a:lstStyle/>
-          <a:p>
-            <a:endParaRPr lang="en-US" sz="3200" b="0" strike="noStrike" spc="-1">
-              <a:solidFill>
-                <a:srgbClr val="000000"/>
-              </a:solidFill>
-              <a:uFill>
-                <a:solidFill>
-                  <a:srgbClr val="FFFFFF"/>
+          <a:bodyPr lIns="0" rIns="0" tIns="0" bIns="0"/>
+          <a:p>
+            <a:endParaRPr b="0" lang="en-US" sz="1800" spc="-1" strike="noStrike">
+              <a:solidFill>
+                <a:srgbClr val="000000"/>
+              </a:solidFill>
+              <a:uFill>
+                <a:solidFill>
+                  <a:srgbClr val="ffffff"/>
                 </a:solidFill>
               </a:uFill>
               <a:latin typeface="Arial"/>
@@ -674,16 +555,15 @@
           </a:prstGeom>
         </p:spPr>
         <p:txBody>
-          <a:bodyPr lIns="0" tIns="0" rIns="0" bIns="0"/>
-          <a:lstStyle/>
-          <a:p>
-            <a:endParaRPr lang="en-US" sz="3200" b="0" strike="noStrike" spc="-1">
-              <a:solidFill>
-                <a:srgbClr val="000000"/>
-              </a:solidFill>
-              <a:uFill>
-                <a:solidFill>
-                  <a:srgbClr val="FFFFFF"/>
+          <a:bodyPr lIns="0" rIns="0" tIns="0" bIns="0"/>
+          <a:p>
+            <a:endParaRPr b="0" lang="en-US" sz="1800" spc="-1" strike="noStrike">
+              <a:solidFill>
+                <a:srgbClr val="000000"/>
+              </a:solidFill>
+              <a:uFill>
+                <a:solidFill>
+                  <a:srgbClr val="ffffff"/>
                 </a:solidFill>
               </a:uFill>
               <a:latin typeface="Arial"/>
@@ -711,16 +591,15 @@
           </a:prstGeom>
         </p:spPr>
         <p:txBody>
-          <a:bodyPr lIns="0" tIns="0" rIns="0" bIns="0"/>
-          <a:lstStyle/>
-          <a:p>
-            <a:endParaRPr lang="en-US" sz="3200" b="0" strike="noStrike" spc="-1">
-              <a:solidFill>
-                <a:srgbClr val="000000"/>
-              </a:solidFill>
-              <a:uFill>
-                <a:solidFill>
-                  <a:srgbClr val="FFFFFF"/>
+          <a:bodyPr lIns="0" rIns="0" tIns="0" bIns="0"/>
+          <a:p>
+            <a:endParaRPr b="0" lang="en-US" sz="1800" spc="-1" strike="noStrike">
+              <a:solidFill>
+                <a:srgbClr val="000000"/>
+              </a:solidFill>
+              <a:uFill>
+                <a:solidFill>
+                  <a:srgbClr val="ffffff"/>
                 </a:solidFill>
               </a:uFill>
               <a:latin typeface="Arial"/>
@@ -748,16 +627,15 @@
           </a:prstGeom>
         </p:spPr>
         <p:txBody>
-          <a:bodyPr lIns="0" tIns="0" rIns="0" bIns="0"/>
-          <a:lstStyle/>
-          <a:p>
-            <a:endParaRPr lang="en-US" sz="3200" b="0" strike="noStrike" spc="-1">
-              <a:solidFill>
-                <a:srgbClr val="000000"/>
-              </a:solidFill>
-              <a:uFill>
-                <a:solidFill>
-                  <a:srgbClr val="FFFFFF"/>
+          <a:bodyPr lIns="0" rIns="0" tIns="0" bIns="0"/>
+          <a:p>
+            <a:endParaRPr b="0" lang="en-US" sz="1800" spc="-1" strike="noStrike">
+              <a:solidFill>
+                <a:srgbClr val="000000"/>
+              </a:solidFill>
+              <a:uFill>
+                <a:solidFill>
+                  <a:srgbClr val="ffffff"/>
                 </a:solidFill>
               </a:uFill>
               <a:latin typeface="Arial"/>
@@ -767,14 +645,11 @@
       </p:sp>
     </p:spTree>
   </p:cSld>
-  <p:clrMapOvr>
-    <a:masterClrMapping/>
-  </p:clrMapOvr>
 </p:sldLayout>
 </file>
 
 <file path=ppt/slideLayouts/slideLayout13.xml><?xml version="1.0" encoding="utf-8"?>
-<p:sldLayout xmlns:a="http://schemas.openxmlformats.org/drawingml/2006/main" xmlns:r="http://schemas.openxmlformats.org/officeDocument/2006/relationships" xmlns:p="http://schemas.openxmlformats.org/presentationml/2006/main" type="blank" preserve="1">
+<p:sldLayout xmlns:a="http://schemas.openxmlformats.org/drawingml/2006/main" xmlns:p="http://schemas.openxmlformats.org/presentationml/2006/main" xmlns:r="http://schemas.openxmlformats.org/officeDocument/2006/relationships" xmlns:p14="http://schemas.microsoft.com/office/powerpoint/2010/main" xmlns:p15="http://schemas.microsoft.com/office/powerpoint/2012/main" xmlns:mc="http://schemas.openxmlformats.org/markup-compatibility/2006" type="blank" preserve="1">
   <p:cSld name="Blank Slide">
     <p:spTree>
       <p:nvGrpSpPr>
@@ -792,14 +667,11 @@
       </p:grpSpPr>
     </p:spTree>
   </p:cSld>
-  <p:clrMapOvr>
-    <a:masterClrMapping/>
-  </p:clrMapOvr>
 </p:sldLayout>
 </file>
 
 <file path=ppt/slideLayouts/slideLayout14.xml><?xml version="1.0" encoding="utf-8"?>
-<p:sldLayout xmlns:a="http://schemas.openxmlformats.org/drawingml/2006/main" xmlns:r="http://schemas.openxmlformats.org/officeDocument/2006/relationships" xmlns:p="http://schemas.openxmlformats.org/presentationml/2006/main" type="tx" preserve="1">
+<p:sldLayout xmlns:a="http://schemas.openxmlformats.org/drawingml/2006/main" xmlns:p="http://schemas.openxmlformats.org/presentationml/2006/main" xmlns:r="http://schemas.openxmlformats.org/officeDocument/2006/relationships" xmlns:p14="http://schemas.microsoft.com/office/powerpoint/2010/main" xmlns:p15="http://schemas.microsoft.com/office/powerpoint/2012/main" xmlns:mc="http://schemas.openxmlformats.org/markup-compatibility/2006" type="tx" preserve="1">
   <p:cSld name="Title Slide">
     <p:spTree>
       <p:nvGrpSpPr>
@@ -835,17 +707,15 @@
           </a:prstGeom>
         </p:spPr>
         <p:txBody>
-          <a:bodyPr lIns="0" tIns="0" rIns="0" bIns="0" anchor="ctr"/>
-          <a:lstStyle/>
-          <a:p>
-            <a:pPr algn="ctr"/>
-            <a:endParaRPr lang="en-US" sz="4400" b="0" strike="noStrike" spc="-1">
-              <a:solidFill>
-                <a:srgbClr val="000000"/>
-              </a:solidFill>
-              <a:uFill>
-                <a:solidFill>
-                  <a:srgbClr val="FFFFFF"/>
+          <a:bodyPr lIns="0" rIns="0" tIns="0" bIns="0" anchor="ctr"/>
+          <a:p>
+            <a:endParaRPr b="0" lang="en-US" sz="1800" spc="-1" strike="noStrike">
+              <a:solidFill>
+                <a:srgbClr val="000000"/>
+              </a:solidFill>
+              <a:uFill>
+                <a:solidFill>
+                  <a:srgbClr val="ffffff"/>
                 </a:solidFill>
               </a:uFill>
               <a:latin typeface="Arial"/>
@@ -873,17 +743,16 @@
           </a:prstGeom>
         </p:spPr>
         <p:txBody>
-          <a:bodyPr lIns="0" tIns="0" rIns="0" bIns="0" anchor="ctr"/>
-          <a:lstStyle/>
+          <a:bodyPr lIns="0" rIns="0" tIns="0" bIns="0" anchor="ctr"/>
           <a:p>
             <a:pPr algn="ctr"/>
-            <a:endParaRPr lang="en-US" sz="3200" b="0" strike="noStrike" spc="-1">
-              <a:solidFill>
-                <a:srgbClr val="000000"/>
-              </a:solidFill>
-              <a:uFill>
-                <a:solidFill>
-                  <a:srgbClr val="FFFFFF"/>
+            <a:endParaRPr b="0" lang="en-US" sz="3200" spc="-1" strike="noStrike">
+              <a:solidFill>
+                <a:srgbClr val="000000"/>
+              </a:solidFill>
+              <a:uFill>
+                <a:solidFill>
+                  <a:srgbClr val="ffffff"/>
                 </a:solidFill>
               </a:uFill>
               <a:latin typeface="Arial"/>
@@ -893,14 +762,11 @@
       </p:sp>
     </p:spTree>
   </p:cSld>
-  <p:clrMapOvr>
-    <a:masterClrMapping/>
-  </p:clrMapOvr>
 </p:sldLayout>
 </file>
 
 <file path=ppt/slideLayouts/slideLayout15.xml><?xml version="1.0" encoding="utf-8"?>
-<p:sldLayout xmlns:a="http://schemas.openxmlformats.org/drawingml/2006/main" xmlns:r="http://schemas.openxmlformats.org/officeDocument/2006/relationships" xmlns:p="http://schemas.openxmlformats.org/presentationml/2006/main" type="obj" preserve="1">
+<p:sldLayout xmlns:a="http://schemas.openxmlformats.org/drawingml/2006/main" xmlns:p="http://schemas.openxmlformats.org/presentationml/2006/main" xmlns:r="http://schemas.openxmlformats.org/officeDocument/2006/relationships" xmlns:p14="http://schemas.microsoft.com/office/powerpoint/2010/main" xmlns:p15="http://schemas.microsoft.com/office/powerpoint/2012/main" xmlns:mc="http://schemas.openxmlformats.org/markup-compatibility/2006" type="obj" preserve="1">
   <p:cSld name="Title, Content">
     <p:spTree>
       <p:nvGrpSpPr>
@@ -936,17 +802,15 @@
           </a:prstGeom>
         </p:spPr>
         <p:txBody>
-          <a:bodyPr lIns="0" tIns="0" rIns="0" bIns="0" anchor="ctr"/>
-          <a:lstStyle/>
-          <a:p>
-            <a:pPr algn="ctr"/>
-            <a:endParaRPr lang="en-US" sz="4400" b="0" strike="noStrike" spc="-1">
-              <a:solidFill>
-                <a:srgbClr val="000000"/>
-              </a:solidFill>
-              <a:uFill>
-                <a:solidFill>
-                  <a:srgbClr val="FFFFFF"/>
+          <a:bodyPr lIns="0" rIns="0" tIns="0" bIns="0" anchor="ctr"/>
+          <a:p>
+            <a:endParaRPr b="0" lang="en-US" sz="1800" spc="-1" strike="noStrike">
+              <a:solidFill>
+                <a:srgbClr val="000000"/>
+              </a:solidFill>
+              <a:uFill>
+                <a:solidFill>
+                  <a:srgbClr val="ffffff"/>
                 </a:solidFill>
               </a:uFill>
               <a:latin typeface="Arial"/>
@@ -974,16 +838,15 @@
           </a:prstGeom>
         </p:spPr>
         <p:txBody>
-          <a:bodyPr lIns="0" tIns="0" rIns="0" bIns="0"/>
-          <a:lstStyle/>
-          <a:p>
-            <a:endParaRPr lang="en-US" sz="3200" b="0" strike="noStrike" spc="-1">
-              <a:solidFill>
-                <a:srgbClr val="000000"/>
-              </a:solidFill>
-              <a:uFill>
-                <a:solidFill>
-                  <a:srgbClr val="FFFFFF"/>
+          <a:bodyPr lIns="0" rIns="0" tIns="0" bIns="0"/>
+          <a:p>
+            <a:endParaRPr b="0" lang="en-US" sz="1800" spc="-1" strike="noStrike">
+              <a:solidFill>
+                <a:srgbClr val="000000"/>
+              </a:solidFill>
+              <a:uFill>
+                <a:solidFill>
+                  <a:srgbClr val="ffffff"/>
                 </a:solidFill>
               </a:uFill>
               <a:latin typeface="Arial"/>
@@ -993,14 +856,11 @@
       </p:sp>
     </p:spTree>
   </p:cSld>
-  <p:clrMapOvr>
-    <a:masterClrMapping/>
-  </p:clrMapOvr>
 </p:sldLayout>
 </file>
 
 <file path=ppt/slideLayouts/slideLayout16.xml><?xml version="1.0" encoding="utf-8"?>
-<p:sldLayout xmlns:a="http://schemas.openxmlformats.org/drawingml/2006/main" xmlns:r="http://schemas.openxmlformats.org/officeDocument/2006/relationships" xmlns:p="http://schemas.openxmlformats.org/presentationml/2006/main" type="twoObj" preserve="1">
+<p:sldLayout xmlns:a="http://schemas.openxmlformats.org/drawingml/2006/main" xmlns:p="http://schemas.openxmlformats.org/presentationml/2006/main" xmlns:r="http://schemas.openxmlformats.org/officeDocument/2006/relationships" xmlns:p14="http://schemas.microsoft.com/office/powerpoint/2010/main" xmlns:p15="http://schemas.microsoft.com/office/powerpoint/2012/main" xmlns:mc="http://schemas.openxmlformats.org/markup-compatibility/2006" type="twoObj" preserve="1">
   <p:cSld name="Title, 2 Content">
     <p:spTree>
       <p:nvGrpSpPr>
@@ -1036,17 +896,15 @@
           </a:prstGeom>
         </p:spPr>
         <p:txBody>
-          <a:bodyPr lIns="0" tIns="0" rIns="0" bIns="0" anchor="ctr"/>
-          <a:lstStyle/>
-          <a:p>
-            <a:pPr algn="ctr"/>
-            <a:endParaRPr lang="en-US" sz="4400" b="0" strike="noStrike" spc="-1">
-              <a:solidFill>
-                <a:srgbClr val="000000"/>
-              </a:solidFill>
-              <a:uFill>
-                <a:solidFill>
-                  <a:srgbClr val="FFFFFF"/>
+          <a:bodyPr lIns="0" rIns="0" tIns="0" bIns="0" anchor="ctr"/>
+          <a:p>
+            <a:endParaRPr b="0" lang="en-US" sz="1800" spc="-1" strike="noStrike">
+              <a:solidFill>
+                <a:srgbClr val="000000"/>
+              </a:solidFill>
+              <a:uFill>
+                <a:solidFill>
+                  <a:srgbClr val="ffffff"/>
                 </a:solidFill>
               </a:uFill>
               <a:latin typeface="Arial"/>
@@ -1074,16 +932,15 @@
           </a:prstGeom>
         </p:spPr>
         <p:txBody>
-          <a:bodyPr lIns="0" tIns="0" rIns="0" bIns="0"/>
-          <a:lstStyle/>
-          <a:p>
-            <a:endParaRPr lang="en-US" sz="3200" b="0" strike="noStrike" spc="-1">
-              <a:solidFill>
-                <a:srgbClr val="000000"/>
-              </a:solidFill>
-              <a:uFill>
-                <a:solidFill>
-                  <a:srgbClr val="FFFFFF"/>
+          <a:bodyPr lIns="0" rIns="0" tIns="0" bIns="0"/>
+          <a:p>
+            <a:endParaRPr b="0" lang="en-US" sz="1800" spc="-1" strike="noStrike">
+              <a:solidFill>
+                <a:srgbClr val="000000"/>
+              </a:solidFill>
+              <a:uFill>
+                <a:solidFill>
+                  <a:srgbClr val="ffffff"/>
                 </a:solidFill>
               </a:uFill>
               <a:latin typeface="Arial"/>
@@ -1111,16 +968,15 @@
           </a:prstGeom>
         </p:spPr>
         <p:txBody>
-          <a:bodyPr lIns="0" tIns="0" rIns="0" bIns="0"/>
-          <a:lstStyle/>
-          <a:p>
-            <a:endParaRPr lang="en-US" sz="3200" b="0" strike="noStrike" spc="-1">
-              <a:solidFill>
-                <a:srgbClr val="000000"/>
-              </a:solidFill>
-              <a:uFill>
-                <a:solidFill>
-                  <a:srgbClr val="FFFFFF"/>
+          <a:bodyPr lIns="0" rIns="0" tIns="0" bIns="0"/>
+          <a:p>
+            <a:endParaRPr b="0" lang="en-US" sz="1800" spc="-1" strike="noStrike">
+              <a:solidFill>
+                <a:srgbClr val="000000"/>
+              </a:solidFill>
+              <a:uFill>
+                <a:solidFill>
+                  <a:srgbClr val="ffffff"/>
                 </a:solidFill>
               </a:uFill>
               <a:latin typeface="Arial"/>
@@ -1130,14 +986,11 @@
       </p:sp>
     </p:spTree>
   </p:cSld>
-  <p:clrMapOvr>
-    <a:masterClrMapping/>
-  </p:clrMapOvr>
 </p:sldLayout>
 </file>
 
 <file path=ppt/slideLayouts/slideLayout17.xml><?xml version="1.0" encoding="utf-8"?>
-<p:sldLayout xmlns:a="http://schemas.openxmlformats.org/drawingml/2006/main" xmlns:r="http://schemas.openxmlformats.org/officeDocument/2006/relationships" xmlns:p="http://schemas.openxmlformats.org/presentationml/2006/main" type="titleOnly" preserve="1">
+<p:sldLayout xmlns:a="http://schemas.openxmlformats.org/drawingml/2006/main" xmlns:p="http://schemas.openxmlformats.org/presentationml/2006/main" xmlns:r="http://schemas.openxmlformats.org/officeDocument/2006/relationships" xmlns:p14="http://schemas.microsoft.com/office/powerpoint/2010/main" xmlns:p15="http://schemas.microsoft.com/office/powerpoint/2012/main" xmlns:mc="http://schemas.openxmlformats.org/markup-compatibility/2006" type="titleOnly" preserve="1">
   <p:cSld name="Title Only">
     <p:spTree>
       <p:nvGrpSpPr>
@@ -1173,17 +1026,15 @@
           </a:prstGeom>
         </p:spPr>
         <p:txBody>
-          <a:bodyPr lIns="0" tIns="0" rIns="0" bIns="0" anchor="ctr"/>
-          <a:lstStyle/>
-          <a:p>
-            <a:pPr algn="ctr"/>
-            <a:endParaRPr lang="en-US" sz="4400" b="0" strike="noStrike" spc="-1">
-              <a:solidFill>
-                <a:srgbClr val="000000"/>
-              </a:solidFill>
-              <a:uFill>
-                <a:solidFill>
-                  <a:srgbClr val="FFFFFF"/>
+          <a:bodyPr lIns="0" rIns="0" tIns="0" bIns="0" anchor="ctr"/>
+          <a:p>
+            <a:endParaRPr b="0" lang="en-US" sz="1800" spc="-1" strike="noStrike">
+              <a:solidFill>
+                <a:srgbClr val="000000"/>
+              </a:solidFill>
+              <a:uFill>
+                <a:solidFill>
+                  <a:srgbClr val="ffffff"/>
                 </a:solidFill>
               </a:uFill>
               <a:latin typeface="Arial"/>
@@ -1193,14 +1044,11 @@
       </p:sp>
     </p:spTree>
   </p:cSld>
-  <p:clrMapOvr>
-    <a:masterClrMapping/>
-  </p:clrMapOvr>
 </p:sldLayout>
 </file>
 
 <file path=ppt/slideLayouts/slideLayout18.xml><?xml version="1.0" encoding="utf-8"?>
-<p:sldLayout xmlns:a="http://schemas.openxmlformats.org/drawingml/2006/main" xmlns:r="http://schemas.openxmlformats.org/officeDocument/2006/relationships" xmlns:p="http://schemas.openxmlformats.org/presentationml/2006/main" type="objOnly" preserve="1">
+<p:sldLayout xmlns:a="http://schemas.openxmlformats.org/drawingml/2006/main" xmlns:p="http://schemas.openxmlformats.org/presentationml/2006/main" xmlns:r="http://schemas.openxmlformats.org/officeDocument/2006/relationships" xmlns:p14="http://schemas.microsoft.com/office/powerpoint/2010/main" xmlns:p15="http://schemas.microsoft.com/office/powerpoint/2012/main" xmlns:mc="http://schemas.openxmlformats.org/markup-compatibility/2006" type="objOnly" preserve="1">
   <p:cSld name="Centered Text">
     <p:spTree>
       <p:nvGrpSpPr>
@@ -1236,17 +1084,16 @@
           </a:prstGeom>
         </p:spPr>
         <p:txBody>
-          <a:bodyPr lIns="0" tIns="0" rIns="0" bIns="0" anchor="ctr"/>
-          <a:lstStyle/>
+          <a:bodyPr lIns="0" rIns="0" tIns="0" bIns="0" anchor="ctr"/>
           <a:p>
             <a:pPr algn="ctr"/>
-            <a:endParaRPr lang="en-US" sz="3200" b="0" strike="noStrike" spc="-1">
-              <a:solidFill>
-                <a:srgbClr val="000000"/>
-              </a:solidFill>
-              <a:uFill>
-                <a:solidFill>
-                  <a:srgbClr val="FFFFFF"/>
+            <a:endParaRPr b="0" lang="en-US" sz="3200" spc="-1" strike="noStrike">
+              <a:solidFill>
+                <a:srgbClr val="000000"/>
+              </a:solidFill>
+              <a:uFill>
+                <a:solidFill>
+                  <a:srgbClr val="ffffff"/>
                 </a:solidFill>
               </a:uFill>
               <a:latin typeface="Arial"/>
@@ -1256,14 +1103,11 @@
       </p:sp>
     </p:spTree>
   </p:cSld>
-  <p:clrMapOvr>
-    <a:masterClrMapping/>
-  </p:clrMapOvr>
 </p:sldLayout>
 </file>
 
 <file path=ppt/slideLayouts/slideLayout19.xml><?xml version="1.0" encoding="utf-8"?>
-<p:sldLayout xmlns:a="http://schemas.openxmlformats.org/drawingml/2006/main" xmlns:r="http://schemas.openxmlformats.org/officeDocument/2006/relationships" xmlns:p="http://schemas.openxmlformats.org/presentationml/2006/main" type="twoObjAndObj" preserve="1">
+<p:sldLayout xmlns:a="http://schemas.openxmlformats.org/drawingml/2006/main" xmlns:p="http://schemas.openxmlformats.org/presentationml/2006/main" xmlns:r="http://schemas.openxmlformats.org/officeDocument/2006/relationships" xmlns:p14="http://schemas.microsoft.com/office/powerpoint/2010/main" xmlns:p15="http://schemas.microsoft.com/office/powerpoint/2012/main" xmlns:mc="http://schemas.openxmlformats.org/markup-compatibility/2006" type="twoObjAndObj" preserve="1">
   <p:cSld name="Title, 2 Content and Content">
     <p:spTree>
       <p:nvGrpSpPr>
@@ -1299,17 +1143,15 @@
           </a:prstGeom>
         </p:spPr>
         <p:txBody>
-          <a:bodyPr lIns="0" tIns="0" rIns="0" bIns="0" anchor="ctr"/>
-          <a:lstStyle/>
-          <a:p>
-            <a:pPr algn="ctr"/>
-            <a:endParaRPr lang="en-US" sz="4400" b="0" strike="noStrike" spc="-1">
-              <a:solidFill>
-                <a:srgbClr val="000000"/>
-              </a:solidFill>
-              <a:uFill>
-                <a:solidFill>
-                  <a:srgbClr val="FFFFFF"/>
+          <a:bodyPr lIns="0" rIns="0" tIns="0" bIns="0" anchor="ctr"/>
+          <a:p>
+            <a:endParaRPr b="0" lang="en-US" sz="1800" spc="-1" strike="noStrike">
+              <a:solidFill>
+                <a:srgbClr val="000000"/>
+              </a:solidFill>
+              <a:uFill>
+                <a:solidFill>
+                  <a:srgbClr val="ffffff"/>
                 </a:solidFill>
               </a:uFill>
               <a:latin typeface="Arial"/>
@@ -1337,16 +1179,15 @@
           </a:prstGeom>
         </p:spPr>
         <p:txBody>
-          <a:bodyPr lIns="0" tIns="0" rIns="0" bIns="0"/>
-          <a:lstStyle/>
-          <a:p>
-            <a:endParaRPr lang="en-US" sz="3200" b="0" strike="noStrike" spc="-1">
-              <a:solidFill>
-                <a:srgbClr val="000000"/>
-              </a:solidFill>
-              <a:uFill>
-                <a:solidFill>
-                  <a:srgbClr val="FFFFFF"/>
+          <a:bodyPr lIns="0" rIns="0" tIns="0" bIns="0"/>
+          <a:p>
+            <a:endParaRPr b="0" lang="en-US" sz="1800" spc="-1" strike="noStrike">
+              <a:solidFill>
+                <a:srgbClr val="000000"/>
+              </a:solidFill>
+              <a:uFill>
+                <a:solidFill>
+                  <a:srgbClr val="ffffff"/>
                 </a:solidFill>
               </a:uFill>
               <a:latin typeface="Arial"/>
@@ -1374,16 +1215,15 @@
           </a:prstGeom>
         </p:spPr>
         <p:txBody>
-          <a:bodyPr lIns="0" tIns="0" rIns="0" bIns="0"/>
-          <a:lstStyle/>
-          <a:p>
-            <a:endParaRPr lang="en-US" sz="3200" b="0" strike="noStrike" spc="-1">
-              <a:solidFill>
-                <a:srgbClr val="000000"/>
-              </a:solidFill>
-              <a:uFill>
-                <a:solidFill>
-                  <a:srgbClr val="FFFFFF"/>
+          <a:bodyPr lIns="0" rIns="0" tIns="0" bIns="0"/>
+          <a:p>
+            <a:endParaRPr b="0" lang="en-US" sz="1800" spc="-1" strike="noStrike">
+              <a:solidFill>
+                <a:srgbClr val="000000"/>
+              </a:solidFill>
+              <a:uFill>
+                <a:solidFill>
+                  <a:srgbClr val="ffffff"/>
                 </a:solidFill>
               </a:uFill>
               <a:latin typeface="Arial"/>
@@ -1411,16 +1251,15 @@
           </a:prstGeom>
         </p:spPr>
         <p:txBody>
-          <a:bodyPr lIns="0" tIns="0" rIns="0" bIns="0"/>
-          <a:lstStyle/>
-          <a:p>
-            <a:endParaRPr lang="en-US" sz="3200" b="0" strike="noStrike" spc="-1">
-              <a:solidFill>
-                <a:srgbClr val="000000"/>
-              </a:solidFill>
-              <a:uFill>
-                <a:solidFill>
-                  <a:srgbClr val="FFFFFF"/>
+          <a:bodyPr lIns="0" rIns="0" tIns="0" bIns="0"/>
+          <a:p>
+            <a:endParaRPr b="0" lang="en-US" sz="1800" spc="-1" strike="noStrike">
+              <a:solidFill>
+                <a:srgbClr val="000000"/>
+              </a:solidFill>
+              <a:uFill>
+                <a:solidFill>
+                  <a:srgbClr val="ffffff"/>
                 </a:solidFill>
               </a:uFill>
               <a:latin typeface="Arial"/>
@@ -1430,14 +1269,11 @@
       </p:sp>
     </p:spTree>
   </p:cSld>
-  <p:clrMapOvr>
-    <a:masterClrMapping/>
-  </p:clrMapOvr>
 </p:sldLayout>
 </file>
 
 <file path=ppt/slideLayouts/slideLayout2.xml><?xml version="1.0" encoding="utf-8"?>
-<p:sldLayout xmlns:a="http://schemas.openxmlformats.org/drawingml/2006/main" xmlns:r="http://schemas.openxmlformats.org/officeDocument/2006/relationships" xmlns:p="http://schemas.openxmlformats.org/presentationml/2006/main" type="tx" preserve="1">
+<p:sldLayout xmlns:a="http://schemas.openxmlformats.org/drawingml/2006/main" xmlns:p="http://schemas.openxmlformats.org/presentationml/2006/main" xmlns:r="http://schemas.openxmlformats.org/officeDocument/2006/relationships" xmlns:p14="http://schemas.microsoft.com/office/powerpoint/2010/main" xmlns:p15="http://schemas.microsoft.com/office/powerpoint/2012/main" xmlns:mc="http://schemas.openxmlformats.org/markup-compatibility/2006" type="tx" preserve="1">
   <p:cSld name="Title Slide">
     <p:spTree>
       <p:nvGrpSpPr>
@@ -1473,17 +1309,15 @@
           </a:prstGeom>
         </p:spPr>
         <p:txBody>
-          <a:bodyPr lIns="0" tIns="0" rIns="0" bIns="0" anchor="ctr"/>
-          <a:lstStyle/>
-          <a:p>
-            <a:pPr algn="ctr"/>
-            <a:endParaRPr lang="en-US" sz="4400" b="0" strike="noStrike" spc="-1">
-              <a:solidFill>
-                <a:srgbClr val="000000"/>
-              </a:solidFill>
-              <a:uFill>
-                <a:solidFill>
-                  <a:srgbClr val="FFFFFF"/>
+          <a:bodyPr lIns="0" rIns="0" tIns="0" bIns="0" anchor="ctr"/>
+          <a:p>
+            <a:endParaRPr b="0" lang="en-US" sz="1800" spc="-1" strike="noStrike">
+              <a:solidFill>
+                <a:srgbClr val="000000"/>
+              </a:solidFill>
+              <a:uFill>
+                <a:solidFill>
+                  <a:srgbClr val="ffffff"/>
                 </a:solidFill>
               </a:uFill>
               <a:latin typeface="Arial"/>
@@ -1511,17 +1345,16 @@
           </a:prstGeom>
         </p:spPr>
         <p:txBody>
-          <a:bodyPr lIns="0" tIns="0" rIns="0" bIns="0" anchor="ctr"/>
-          <a:lstStyle/>
+          <a:bodyPr lIns="0" rIns="0" tIns="0" bIns="0" anchor="ctr"/>
           <a:p>
             <a:pPr algn="ctr"/>
-            <a:endParaRPr lang="en-US" sz="3200" b="0" strike="noStrike" spc="-1">
-              <a:solidFill>
-                <a:srgbClr val="000000"/>
-              </a:solidFill>
-              <a:uFill>
-                <a:solidFill>
-                  <a:srgbClr val="FFFFFF"/>
+            <a:endParaRPr b="0" lang="en-US" sz="3200" spc="-1" strike="noStrike">
+              <a:solidFill>
+                <a:srgbClr val="000000"/>
+              </a:solidFill>
+              <a:uFill>
+                <a:solidFill>
+                  <a:srgbClr val="ffffff"/>
                 </a:solidFill>
               </a:uFill>
               <a:latin typeface="Arial"/>
@@ -1531,14 +1364,11 @@
       </p:sp>
     </p:spTree>
   </p:cSld>
-  <p:clrMapOvr>
-    <a:masterClrMapping/>
-  </p:clrMapOvr>
 </p:sldLayout>
 </file>
 
 <file path=ppt/slideLayouts/slideLayout20.xml><?xml version="1.0" encoding="utf-8"?>
-<p:sldLayout xmlns:a="http://schemas.openxmlformats.org/drawingml/2006/main" xmlns:r="http://schemas.openxmlformats.org/officeDocument/2006/relationships" xmlns:p="http://schemas.openxmlformats.org/presentationml/2006/main" type="objAndTwoObj" preserve="1">
+<p:sldLayout xmlns:a="http://schemas.openxmlformats.org/drawingml/2006/main" xmlns:p="http://schemas.openxmlformats.org/presentationml/2006/main" xmlns:r="http://schemas.openxmlformats.org/officeDocument/2006/relationships" xmlns:p14="http://schemas.microsoft.com/office/powerpoint/2010/main" xmlns:p15="http://schemas.microsoft.com/office/powerpoint/2012/main" xmlns:mc="http://schemas.openxmlformats.org/markup-compatibility/2006" type="objAndTwoObj" preserve="1">
   <p:cSld name="Title Content and 2 Content">
     <p:spTree>
       <p:nvGrpSpPr>
@@ -1574,17 +1404,15 @@
           </a:prstGeom>
         </p:spPr>
         <p:txBody>
-          <a:bodyPr lIns="0" tIns="0" rIns="0" bIns="0" anchor="ctr"/>
-          <a:lstStyle/>
-          <a:p>
-            <a:pPr algn="ctr"/>
-            <a:endParaRPr lang="en-US" sz="4400" b="0" strike="noStrike" spc="-1">
-              <a:solidFill>
-                <a:srgbClr val="000000"/>
-              </a:solidFill>
-              <a:uFill>
-                <a:solidFill>
-                  <a:srgbClr val="FFFFFF"/>
+          <a:bodyPr lIns="0" rIns="0" tIns="0" bIns="0" anchor="ctr"/>
+          <a:p>
+            <a:endParaRPr b="0" lang="en-US" sz="1800" spc="-1" strike="noStrike">
+              <a:solidFill>
+                <a:srgbClr val="000000"/>
+              </a:solidFill>
+              <a:uFill>
+                <a:solidFill>
+                  <a:srgbClr val="ffffff"/>
                 </a:solidFill>
               </a:uFill>
               <a:latin typeface="Arial"/>
@@ -1612,16 +1440,15 @@
           </a:prstGeom>
         </p:spPr>
         <p:txBody>
-          <a:bodyPr lIns="0" tIns="0" rIns="0" bIns="0"/>
-          <a:lstStyle/>
-          <a:p>
-            <a:endParaRPr lang="en-US" sz="3200" b="0" strike="noStrike" spc="-1">
-              <a:solidFill>
-                <a:srgbClr val="000000"/>
-              </a:solidFill>
-              <a:uFill>
-                <a:solidFill>
-                  <a:srgbClr val="FFFFFF"/>
+          <a:bodyPr lIns="0" rIns="0" tIns="0" bIns="0"/>
+          <a:p>
+            <a:endParaRPr b="0" lang="en-US" sz="1800" spc="-1" strike="noStrike">
+              <a:solidFill>
+                <a:srgbClr val="000000"/>
+              </a:solidFill>
+              <a:uFill>
+                <a:solidFill>
+                  <a:srgbClr val="ffffff"/>
                 </a:solidFill>
               </a:uFill>
               <a:latin typeface="Arial"/>
@@ -1649,16 +1476,15 @@
           </a:prstGeom>
         </p:spPr>
         <p:txBody>
-          <a:bodyPr lIns="0" tIns="0" rIns="0" bIns="0"/>
-          <a:lstStyle/>
-          <a:p>
-            <a:endParaRPr lang="en-US" sz="3200" b="0" strike="noStrike" spc="-1">
-              <a:solidFill>
-                <a:srgbClr val="000000"/>
-              </a:solidFill>
-              <a:uFill>
-                <a:solidFill>
-                  <a:srgbClr val="FFFFFF"/>
+          <a:bodyPr lIns="0" rIns="0" tIns="0" bIns="0"/>
+          <a:p>
+            <a:endParaRPr b="0" lang="en-US" sz="1800" spc="-1" strike="noStrike">
+              <a:solidFill>
+                <a:srgbClr val="000000"/>
+              </a:solidFill>
+              <a:uFill>
+                <a:solidFill>
+                  <a:srgbClr val="ffffff"/>
                 </a:solidFill>
               </a:uFill>
               <a:latin typeface="Arial"/>
@@ -1686,16 +1512,15 @@
           </a:prstGeom>
         </p:spPr>
         <p:txBody>
-          <a:bodyPr lIns="0" tIns="0" rIns="0" bIns="0"/>
-          <a:lstStyle/>
-          <a:p>
-            <a:endParaRPr lang="en-US" sz="3200" b="0" strike="noStrike" spc="-1">
-              <a:solidFill>
-                <a:srgbClr val="000000"/>
-              </a:solidFill>
-              <a:uFill>
-                <a:solidFill>
-                  <a:srgbClr val="FFFFFF"/>
+          <a:bodyPr lIns="0" rIns="0" tIns="0" bIns="0"/>
+          <a:p>
+            <a:endParaRPr b="0" lang="en-US" sz="1800" spc="-1" strike="noStrike">
+              <a:solidFill>
+                <a:srgbClr val="000000"/>
+              </a:solidFill>
+              <a:uFill>
+                <a:solidFill>
+                  <a:srgbClr val="ffffff"/>
                 </a:solidFill>
               </a:uFill>
               <a:latin typeface="Arial"/>
@@ -1705,14 +1530,11 @@
       </p:sp>
     </p:spTree>
   </p:cSld>
-  <p:clrMapOvr>
-    <a:masterClrMapping/>
-  </p:clrMapOvr>
 </p:sldLayout>
 </file>
 
 <file path=ppt/slideLayouts/slideLayout21.xml><?xml version="1.0" encoding="utf-8"?>
-<p:sldLayout xmlns:a="http://schemas.openxmlformats.org/drawingml/2006/main" xmlns:r="http://schemas.openxmlformats.org/officeDocument/2006/relationships" xmlns:p="http://schemas.openxmlformats.org/presentationml/2006/main" type="twoObjOverTx" preserve="1">
+<p:sldLayout xmlns:a="http://schemas.openxmlformats.org/drawingml/2006/main" xmlns:p="http://schemas.openxmlformats.org/presentationml/2006/main" xmlns:r="http://schemas.openxmlformats.org/officeDocument/2006/relationships" xmlns:p14="http://schemas.microsoft.com/office/powerpoint/2010/main" xmlns:p15="http://schemas.microsoft.com/office/powerpoint/2012/main" xmlns:mc="http://schemas.openxmlformats.org/markup-compatibility/2006" type="twoObjOverTx" preserve="1">
   <p:cSld name="Title, 2 Content over Content">
     <p:spTree>
       <p:nvGrpSpPr>
@@ -1748,17 +1570,15 @@
           </a:prstGeom>
         </p:spPr>
         <p:txBody>
-          <a:bodyPr lIns="0" tIns="0" rIns="0" bIns="0" anchor="ctr"/>
-          <a:lstStyle/>
-          <a:p>
-            <a:pPr algn="ctr"/>
-            <a:endParaRPr lang="en-US" sz="4400" b="0" strike="noStrike" spc="-1">
-              <a:solidFill>
-                <a:srgbClr val="000000"/>
-              </a:solidFill>
-              <a:uFill>
-                <a:solidFill>
-                  <a:srgbClr val="FFFFFF"/>
+          <a:bodyPr lIns="0" rIns="0" tIns="0" bIns="0" anchor="ctr"/>
+          <a:p>
+            <a:endParaRPr b="0" lang="en-US" sz="1800" spc="-1" strike="noStrike">
+              <a:solidFill>
+                <a:srgbClr val="000000"/>
+              </a:solidFill>
+              <a:uFill>
+                <a:solidFill>
+                  <a:srgbClr val="ffffff"/>
                 </a:solidFill>
               </a:uFill>
               <a:latin typeface="Arial"/>
@@ -1786,16 +1606,15 @@
           </a:prstGeom>
         </p:spPr>
         <p:txBody>
-          <a:bodyPr lIns="0" tIns="0" rIns="0" bIns="0"/>
-          <a:lstStyle/>
-          <a:p>
-            <a:endParaRPr lang="en-US" sz="3200" b="0" strike="noStrike" spc="-1">
-              <a:solidFill>
-                <a:srgbClr val="000000"/>
-              </a:solidFill>
-              <a:uFill>
-                <a:solidFill>
-                  <a:srgbClr val="FFFFFF"/>
+          <a:bodyPr lIns="0" rIns="0" tIns="0" bIns="0"/>
+          <a:p>
+            <a:endParaRPr b="0" lang="en-US" sz="1800" spc="-1" strike="noStrike">
+              <a:solidFill>
+                <a:srgbClr val="000000"/>
+              </a:solidFill>
+              <a:uFill>
+                <a:solidFill>
+                  <a:srgbClr val="ffffff"/>
                 </a:solidFill>
               </a:uFill>
               <a:latin typeface="Arial"/>
@@ -1823,16 +1642,15 @@
           </a:prstGeom>
         </p:spPr>
         <p:txBody>
-          <a:bodyPr lIns="0" tIns="0" rIns="0" bIns="0"/>
-          <a:lstStyle/>
-          <a:p>
-            <a:endParaRPr lang="en-US" sz="3200" b="0" strike="noStrike" spc="-1">
-              <a:solidFill>
-                <a:srgbClr val="000000"/>
-              </a:solidFill>
-              <a:uFill>
-                <a:solidFill>
-                  <a:srgbClr val="FFFFFF"/>
+          <a:bodyPr lIns="0" rIns="0" tIns="0" bIns="0"/>
+          <a:p>
+            <a:endParaRPr b="0" lang="en-US" sz="1800" spc="-1" strike="noStrike">
+              <a:solidFill>
+                <a:srgbClr val="000000"/>
+              </a:solidFill>
+              <a:uFill>
+                <a:solidFill>
+                  <a:srgbClr val="ffffff"/>
                 </a:solidFill>
               </a:uFill>
               <a:latin typeface="Arial"/>
@@ -1860,16 +1678,15 @@
           </a:prstGeom>
         </p:spPr>
         <p:txBody>
-          <a:bodyPr lIns="0" tIns="0" rIns="0" bIns="0"/>
-          <a:lstStyle/>
-          <a:p>
-            <a:endParaRPr lang="en-US" sz="3200" b="0" strike="noStrike" spc="-1">
-              <a:solidFill>
-                <a:srgbClr val="000000"/>
-              </a:solidFill>
-              <a:uFill>
-                <a:solidFill>
-                  <a:srgbClr val="FFFFFF"/>
+          <a:bodyPr lIns="0" rIns="0" tIns="0" bIns="0"/>
+          <a:p>
+            <a:endParaRPr b="0" lang="en-US" sz="1800" spc="-1" strike="noStrike">
+              <a:solidFill>
+                <a:srgbClr val="000000"/>
+              </a:solidFill>
+              <a:uFill>
+                <a:solidFill>
+                  <a:srgbClr val="ffffff"/>
                 </a:solidFill>
               </a:uFill>
               <a:latin typeface="Arial"/>
@@ -1879,14 +1696,11 @@
       </p:sp>
     </p:spTree>
   </p:cSld>
-  <p:clrMapOvr>
-    <a:masterClrMapping/>
-  </p:clrMapOvr>
 </p:sldLayout>
 </file>
 
 <file path=ppt/slideLayouts/slideLayout22.xml><?xml version="1.0" encoding="utf-8"?>
-<p:sldLayout xmlns:a="http://schemas.openxmlformats.org/drawingml/2006/main" xmlns:r="http://schemas.openxmlformats.org/officeDocument/2006/relationships" xmlns:p="http://schemas.openxmlformats.org/presentationml/2006/main" type="objOverTx" preserve="1">
+<p:sldLayout xmlns:a="http://schemas.openxmlformats.org/drawingml/2006/main" xmlns:p="http://schemas.openxmlformats.org/presentationml/2006/main" xmlns:r="http://schemas.openxmlformats.org/officeDocument/2006/relationships" xmlns:p14="http://schemas.microsoft.com/office/powerpoint/2010/main" xmlns:p15="http://schemas.microsoft.com/office/powerpoint/2012/main" xmlns:mc="http://schemas.openxmlformats.org/markup-compatibility/2006" type="objOverTx" preserve="1">
   <p:cSld name="Title, Content over Content">
     <p:spTree>
       <p:nvGrpSpPr>
@@ -1922,17 +1736,15 @@
           </a:prstGeom>
         </p:spPr>
         <p:txBody>
-          <a:bodyPr lIns="0" tIns="0" rIns="0" bIns="0" anchor="ctr"/>
-          <a:lstStyle/>
-          <a:p>
-            <a:pPr algn="ctr"/>
-            <a:endParaRPr lang="en-US" sz="4400" b="0" strike="noStrike" spc="-1">
-              <a:solidFill>
-                <a:srgbClr val="000000"/>
-              </a:solidFill>
-              <a:uFill>
-                <a:solidFill>
-                  <a:srgbClr val="FFFFFF"/>
+          <a:bodyPr lIns="0" rIns="0" tIns="0" bIns="0" anchor="ctr"/>
+          <a:p>
+            <a:endParaRPr b="0" lang="en-US" sz="1800" spc="-1" strike="noStrike">
+              <a:solidFill>
+                <a:srgbClr val="000000"/>
+              </a:solidFill>
+              <a:uFill>
+                <a:solidFill>
+                  <a:srgbClr val="ffffff"/>
                 </a:solidFill>
               </a:uFill>
               <a:latin typeface="Arial"/>
@@ -1960,16 +1772,15 @@
           </a:prstGeom>
         </p:spPr>
         <p:txBody>
-          <a:bodyPr lIns="0" tIns="0" rIns="0" bIns="0"/>
-          <a:lstStyle/>
-          <a:p>
-            <a:endParaRPr lang="en-US" sz="3200" b="0" strike="noStrike" spc="-1">
-              <a:solidFill>
-                <a:srgbClr val="000000"/>
-              </a:solidFill>
-              <a:uFill>
-                <a:solidFill>
-                  <a:srgbClr val="FFFFFF"/>
+          <a:bodyPr lIns="0" rIns="0" tIns="0" bIns="0"/>
+          <a:p>
+            <a:endParaRPr b="0" lang="en-US" sz="1800" spc="-1" strike="noStrike">
+              <a:solidFill>
+                <a:srgbClr val="000000"/>
+              </a:solidFill>
+              <a:uFill>
+                <a:solidFill>
+                  <a:srgbClr val="ffffff"/>
                 </a:solidFill>
               </a:uFill>
               <a:latin typeface="Arial"/>
@@ -1997,16 +1808,15 @@
           </a:prstGeom>
         </p:spPr>
         <p:txBody>
-          <a:bodyPr lIns="0" tIns="0" rIns="0" bIns="0"/>
-          <a:lstStyle/>
-          <a:p>
-            <a:endParaRPr lang="en-US" sz="3200" b="0" strike="noStrike" spc="-1">
-              <a:solidFill>
-                <a:srgbClr val="000000"/>
-              </a:solidFill>
-              <a:uFill>
-                <a:solidFill>
-                  <a:srgbClr val="FFFFFF"/>
+          <a:bodyPr lIns="0" rIns="0" tIns="0" bIns="0"/>
+          <a:p>
+            <a:endParaRPr b="0" lang="en-US" sz="1800" spc="-1" strike="noStrike">
+              <a:solidFill>
+                <a:srgbClr val="000000"/>
+              </a:solidFill>
+              <a:uFill>
+                <a:solidFill>
+                  <a:srgbClr val="ffffff"/>
                 </a:solidFill>
               </a:uFill>
               <a:latin typeface="Arial"/>
@@ -2016,14 +1826,11 @@
       </p:sp>
     </p:spTree>
   </p:cSld>
-  <p:clrMapOvr>
-    <a:masterClrMapping/>
-  </p:clrMapOvr>
 </p:sldLayout>
 </file>
 
 <file path=ppt/slideLayouts/slideLayout23.xml><?xml version="1.0" encoding="utf-8"?>
-<p:sldLayout xmlns:a="http://schemas.openxmlformats.org/drawingml/2006/main" xmlns:r="http://schemas.openxmlformats.org/officeDocument/2006/relationships" xmlns:p="http://schemas.openxmlformats.org/presentationml/2006/main" type="fourObj" preserve="1">
+<p:sldLayout xmlns:a="http://schemas.openxmlformats.org/drawingml/2006/main" xmlns:p="http://schemas.openxmlformats.org/presentationml/2006/main" xmlns:r="http://schemas.openxmlformats.org/officeDocument/2006/relationships" xmlns:p14="http://schemas.microsoft.com/office/powerpoint/2010/main" xmlns:p15="http://schemas.microsoft.com/office/powerpoint/2012/main" xmlns:mc="http://schemas.openxmlformats.org/markup-compatibility/2006" type="fourObj" preserve="1">
   <p:cSld name="Title, 4 Content">
     <p:spTree>
       <p:nvGrpSpPr>
@@ -2059,17 +1866,15 @@
           </a:prstGeom>
         </p:spPr>
         <p:txBody>
-          <a:bodyPr lIns="0" tIns="0" rIns="0" bIns="0" anchor="ctr"/>
-          <a:lstStyle/>
-          <a:p>
-            <a:pPr algn="ctr"/>
-            <a:endParaRPr lang="en-US" sz="4400" b="0" strike="noStrike" spc="-1">
-              <a:solidFill>
-                <a:srgbClr val="000000"/>
-              </a:solidFill>
-              <a:uFill>
-                <a:solidFill>
-                  <a:srgbClr val="FFFFFF"/>
+          <a:bodyPr lIns="0" rIns="0" tIns="0" bIns="0" anchor="ctr"/>
+          <a:p>
+            <a:endParaRPr b="0" lang="en-US" sz="1800" spc="-1" strike="noStrike">
+              <a:solidFill>
+                <a:srgbClr val="000000"/>
+              </a:solidFill>
+              <a:uFill>
+                <a:solidFill>
+                  <a:srgbClr val="ffffff"/>
                 </a:solidFill>
               </a:uFill>
               <a:latin typeface="Arial"/>
@@ -2097,16 +1902,15 @@
           </a:prstGeom>
         </p:spPr>
         <p:txBody>
-          <a:bodyPr lIns="0" tIns="0" rIns="0" bIns="0"/>
-          <a:lstStyle/>
-          <a:p>
-            <a:endParaRPr lang="en-US" sz="3200" b="0" strike="noStrike" spc="-1">
-              <a:solidFill>
-                <a:srgbClr val="000000"/>
-              </a:solidFill>
-              <a:uFill>
-                <a:solidFill>
-                  <a:srgbClr val="FFFFFF"/>
+          <a:bodyPr lIns="0" rIns="0" tIns="0" bIns="0"/>
+          <a:p>
+            <a:endParaRPr b="0" lang="en-US" sz="1800" spc="-1" strike="noStrike">
+              <a:solidFill>
+                <a:srgbClr val="000000"/>
+              </a:solidFill>
+              <a:uFill>
+                <a:solidFill>
+                  <a:srgbClr val="ffffff"/>
                 </a:solidFill>
               </a:uFill>
               <a:latin typeface="Arial"/>
@@ -2134,16 +1938,15 @@
           </a:prstGeom>
         </p:spPr>
         <p:txBody>
-          <a:bodyPr lIns="0" tIns="0" rIns="0" bIns="0"/>
-          <a:lstStyle/>
-          <a:p>
-            <a:endParaRPr lang="en-US" sz="3200" b="0" strike="noStrike" spc="-1">
-              <a:solidFill>
-                <a:srgbClr val="000000"/>
-              </a:solidFill>
-              <a:uFill>
-                <a:solidFill>
-                  <a:srgbClr val="FFFFFF"/>
+          <a:bodyPr lIns="0" rIns="0" tIns="0" bIns="0"/>
+          <a:p>
+            <a:endParaRPr b="0" lang="en-US" sz="1800" spc="-1" strike="noStrike">
+              <a:solidFill>
+                <a:srgbClr val="000000"/>
+              </a:solidFill>
+              <a:uFill>
+                <a:solidFill>
+                  <a:srgbClr val="ffffff"/>
                 </a:solidFill>
               </a:uFill>
               <a:latin typeface="Arial"/>
@@ -2171,16 +1974,15 @@
           </a:prstGeom>
         </p:spPr>
         <p:txBody>
-          <a:bodyPr lIns="0" tIns="0" rIns="0" bIns="0"/>
-          <a:lstStyle/>
-          <a:p>
-            <a:endParaRPr lang="en-US" sz="3200" b="0" strike="noStrike" spc="-1">
-              <a:solidFill>
-                <a:srgbClr val="000000"/>
-              </a:solidFill>
-              <a:uFill>
-                <a:solidFill>
-                  <a:srgbClr val="FFFFFF"/>
+          <a:bodyPr lIns="0" rIns="0" tIns="0" bIns="0"/>
+          <a:p>
+            <a:endParaRPr b="0" lang="en-US" sz="1800" spc="-1" strike="noStrike">
+              <a:solidFill>
+                <a:srgbClr val="000000"/>
+              </a:solidFill>
+              <a:uFill>
+                <a:solidFill>
+                  <a:srgbClr val="ffffff"/>
                 </a:solidFill>
               </a:uFill>
               <a:latin typeface="Arial"/>
@@ -2208,16 +2010,15 @@
           </a:prstGeom>
         </p:spPr>
         <p:txBody>
-          <a:bodyPr lIns="0" tIns="0" rIns="0" bIns="0"/>
-          <a:lstStyle/>
-          <a:p>
-            <a:endParaRPr lang="en-US" sz="3200" b="0" strike="noStrike" spc="-1">
-              <a:solidFill>
-                <a:srgbClr val="000000"/>
-              </a:solidFill>
-              <a:uFill>
-                <a:solidFill>
-                  <a:srgbClr val="FFFFFF"/>
+          <a:bodyPr lIns="0" rIns="0" tIns="0" bIns="0"/>
+          <a:p>
+            <a:endParaRPr b="0" lang="en-US" sz="1800" spc="-1" strike="noStrike">
+              <a:solidFill>
+                <a:srgbClr val="000000"/>
+              </a:solidFill>
+              <a:uFill>
+                <a:solidFill>
+                  <a:srgbClr val="ffffff"/>
                 </a:solidFill>
               </a:uFill>
               <a:latin typeface="Arial"/>
@@ -2227,14 +2028,11 @@
       </p:sp>
     </p:spTree>
   </p:cSld>
-  <p:clrMapOvr>
-    <a:masterClrMapping/>
-  </p:clrMapOvr>
 </p:sldLayout>
 </file>
 
 <file path=ppt/slideLayouts/slideLayout24.xml><?xml version="1.0" encoding="utf-8"?>
-<p:sldLayout xmlns:a="http://schemas.openxmlformats.org/drawingml/2006/main" xmlns:r="http://schemas.openxmlformats.org/officeDocument/2006/relationships" xmlns:p="http://schemas.openxmlformats.org/presentationml/2006/main" type="blank" preserve="1">
+<p:sldLayout xmlns:a="http://schemas.openxmlformats.org/drawingml/2006/main" xmlns:p="http://schemas.openxmlformats.org/presentationml/2006/main" xmlns:r="http://schemas.openxmlformats.org/officeDocument/2006/relationships" xmlns:p14="http://schemas.microsoft.com/office/powerpoint/2010/main" xmlns:p15="http://schemas.microsoft.com/office/powerpoint/2012/main" xmlns:mc="http://schemas.openxmlformats.org/markup-compatibility/2006" type="blank" preserve="1">
   <p:cSld name="Title, 6 Content">
     <p:spTree>
       <p:nvGrpSpPr>
@@ -2270,17 +2068,15 @@
           </a:prstGeom>
         </p:spPr>
         <p:txBody>
-          <a:bodyPr lIns="0" tIns="0" rIns="0" bIns="0" anchor="ctr"/>
-          <a:lstStyle/>
-          <a:p>
-            <a:pPr algn="ctr"/>
-            <a:endParaRPr lang="en-US" sz="4400" b="0" strike="noStrike" spc="-1">
-              <a:solidFill>
-                <a:srgbClr val="000000"/>
-              </a:solidFill>
-              <a:uFill>
-                <a:solidFill>
-                  <a:srgbClr val="FFFFFF"/>
+          <a:bodyPr lIns="0" rIns="0" tIns="0" bIns="0" anchor="ctr"/>
+          <a:p>
+            <a:endParaRPr b="0" lang="en-US" sz="1800" spc="-1" strike="noStrike">
+              <a:solidFill>
+                <a:srgbClr val="000000"/>
+              </a:solidFill>
+              <a:uFill>
+                <a:solidFill>
+                  <a:srgbClr val="ffffff"/>
                 </a:solidFill>
               </a:uFill>
               <a:latin typeface="Arial"/>
@@ -2308,16 +2104,15 @@
           </a:prstGeom>
         </p:spPr>
         <p:txBody>
-          <a:bodyPr lIns="0" tIns="0" rIns="0" bIns="0"/>
-          <a:lstStyle/>
-          <a:p>
-            <a:endParaRPr lang="en-US" sz="3200" b="0" strike="noStrike" spc="-1">
-              <a:solidFill>
-                <a:srgbClr val="000000"/>
-              </a:solidFill>
-              <a:uFill>
-                <a:solidFill>
-                  <a:srgbClr val="FFFFFF"/>
+          <a:bodyPr lIns="0" rIns="0" tIns="0" bIns="0"/>
+          <a:p>
+            <a:endParaRPr b="0" lang="en-US" sz="1800" spc="-1" strike="noStrike">
+              <a:solidFill>
+                <a:srgbClr val="000000"/>
+              </a:solidFill>
+              <a:uFill>
+                <a:solidFill>
+                  <a:srgbClr val="ffffff"/>
                 </a:solidFill>
               </a:uFill>
               <a:latin typeface="Arial"/>
@@ -2345,16 +2140,15 @@
           </a:prstGeom>
         </p:spPr>
         <p:txBody>
-          <a:bodyPr lIns="0" tIns="0" rIns="0" bIns="0"/>
-          <a:lstStyle/>
-          <a:p>
-            <a:endParaRPr lang="en-US" sz="3200" b="0" strike="noStrike" spc="-1">
-              <a:solidFill>
-                <a:srgbClr val="000000"/>
-              </a:solidFill>
-              <a:uFill>
-                <a:solidFill>
-                  <a:srgbClr val="FFFFFF"/>
+          <a:bodyPr lIns="0" rIns="0" tIns="0" bIns="0"/>
+          <a:p>
+            <a:endParaRPr b="0" lang="en-US" sz="1800" spc="-1" strike="noStrike">
+              <a:solidFill>
+                <a:srgbClr val="000000"/>
+              </a:solidFill>
+              <a:uFill>
+                <a:solidFill>
+                  <a:srgbClr val="ffffff"/>
                 </a:solidFill>
               </a:uFill>
               <a:latin typeface="Arial"/>
@@ -2382,16 +2176,15 @@
           </a:prstGeom>
         </p:spPr>
         <p:txBody>
-          <a:bodyPr lIns="0" tIns="0" rIns="0" bIns="0"/>
-          <a:lstStyle/>
-          <a:p>
-            <a:endParaRPr lang="en-US" sz="3200" b="0" strike="noStrike" spc="-1">
-              <a:solidFill>
-                <a:srgbClr val="000000"/>
-              </a:solidFill>
-              <a:uFill>
-                <a:solidFill>
-                  <a:srgbClr val="FFFFFF"/>
+          <a:bodyPr lIns="0" rIns="0" tIns="0" bIns="0"/>
+          <a:p>
+            <a:endParaRPr b="0" lang="en-US" sz="1800" spc="-1" strike="noStrike">
+              <a:solidFill>
+                <a:srgbClr val="000000"/>
+              </a:solidFill>
+              <a:uFill>
+                <a:solidFill>
+                  <a:srgbClr val="ffffff"/>
                 </a:solidFill>
               </a:uFill>
               <a:latin typeface="Arial"/>
@@ -2419,16 +2212,15 @@
           </a:prstGeom>
         </p:spPr>
         <p:txBody>
-          <a:bodyPr lIns="0" tIns="0" rIns="0" bIns="0"/>
-          <a:lstStyle/>
-          <a:p>
-            <a:endParaRPr lang="en-US" sz="3200" b="0" strike="noStrike" spc="-1">
-              <a:solidFill>
-                <a:srgbClr val="000000"/>
-              </a:solidFill>
-              <a:uFill>
-                <a:solidFill>
-                  <a:srgbClr val="FFFFFF"/>
+          <a:bodyPr lIns="0" rIns="0" tIns="0" bIns="0"/>
+          <a:p>
+            <a:endParaRPr b="0" lang="en-US" sz="1800" spc="-1" strike="noStrike">
+              <a:solidFill>
+                <a:srgbClr val="000000"/>
+              </a:solidFill>
+              <a:uFill>
+                <a:solidFill>
+                  <a:srgbClr val="ffffff"/>
                 </a:solidFill>
               </a:uFill>
               <a:latin typeface="Arial"/>
@@ -2456,16 +2248,15 @@
           </a:prstGeom>
         </p:spPr>
         <p:txBody>
-          <a:bodyPr lIns="0" tIns="0" rIns="0" bIns="0"/>
-          <a:lstStyle/>
-          <a:p>
-            <a:endParaRPr lang="en-US" sz="3200" b="0" strike="noStrike" spc="-1">
-              <a:solidFill>
-                <a:srgbClr val="000000"/>
-              </a:solidFill>
-              <a:uFill>
-                <a:solidFill>
-                  <a:srgbClr val="FFFFFF"/>
+          <a:bodyPr lIns="0" rIns="0" tIns="0" bIns="0"/>
+          <a:p>
+            <a:endParaRPr b="0" lang="en-US" sz="1800" spc="-1" strike="noStrike">
+              <a:solidFill>
+                <a:srgbClr val="000000"/>
+              </a:solidFill>
+              <a:uFill>
+                <a:solidFill>
+                  <a:srgbClr val="ffffff"/>
                 </a:solidFill>
               </a:uFill>
               <a:latin typeface="Arial"/>
@@ -2493,16 +2284,15 @@
           </a:prstGeom>
         </p:spPr>
         <p:txBody>
-          <a:bodyPr lIns="0" tIns="0" rIns="0" bIns="0"/>
-          <a:lstStyle/>
-          <a:p>
-            <a:endParaRPr lang="en-US" sz="3200" b="0" strike="noStrike" spc="-1">
-              <a:solidFill>
-                <a:srgbClr val="000000"/>
-              </a:solidFill>
-              <a:uFill>
-                <a:solidFill>
-                  <a:srgbClr val="FFFFFF"/>
+          <a:bodyPr lIns="0" rIns="0" tIns="0" bIns="0"/>
+          <a:p>
+            <a:endParaRPr b="0" lang="en-US" sz="1800" spc="-1" strike="noStrike">
+              <a:solidFill>
+                <a:srgbClr val="000000"/>
+              </a:solidFill>
+              <a:uFill>
+                <a:solidFill>
+                  <a:srgbClr val="ffffff"/>
                 </a:solidFill>
               </a:uFill>
               <a:latin typeface="Arial"/>
@@ -2512,14 +2302,11 @@
       </p:sp>
     </p:spTree>
   </p:cSld>
-  <p:clrMapOvr>
-    <a:masterClrMapping/>
-  </p:clrMapOvr>
 </p:sldLayout>
 </file>
 
 <file path=ppt/slideLayouts/slideLayout3.xml><?xml version="1.0" encoding="utf-8"?>
-<p:sldLayout xmlns:a="http://schemas.openxmlformats.org/drawingml/2006/main" xmlns:r="http://schemas.openxmlformats.org/officeDocument/2006/relationships" xmlns:p="http://schemas.openxmlformats.org/presentationml/2006/main" type="obj" preserve="1">
+<p:sldLayout xmlns:a="http://schemas.openxmlformats.org/drawingml/2006/main" xmlns:p="http://schemas.openxmlformats.org/presentationml/2006/main" xmlns:r="http://schemas.openxmlformats.org/officeDocument/2006/relationships" xmlns:p14="http://schemas.microsoft.com/office/powerpoint/2010/main" xmlns:p15="http://schemas.microsoft.com/office/powerpoint/2012/main" xmlns:mc="http://schemas.openxmlformats.org/markup-compatibility/2006" type="obj" preserve="1">
   <p:cSld name="Title, Content">
     <p:spTree>
       <p:nvGrpSpPr>
@@ -2555,17 +2342,15 @@
           </a:prstGeom>
         </p:spPr>
         <p:txBody>
-          <a:bodyPr lIns="0" tIns="0" rIns="0" bIns="0" anchor="ctr"/>
-          <a:lstStyle/>
-          <a:p>
-            <a:pPr algn="ctr"/>
-            <a:endParaRPr lang="en-US" sz="4400" b="0" strike="noStrike" spc="-1">
-              <a:solidFill>
-                <a:srgbClr val="000000"/>
-              </a:solidFill>
-              <a:uFill>
-                <a:solidFill>
-                  <a:srgbClr val="FFFFFF"/>
+          <a:bodyPr lIns="0" rIns="0" tIns="0" bIns="0" anchor="ctr"/>
+          <a:p>
+            <a:endParaRPr b="0" lang="en-US" sz="1800" spc="-1" strike="noStrike">
+              <a:solidFill>
+                <a:srgbClr val="000000"/>
+              </a:solidFill>
+              <a:uFill>
+                <a:solidFill>
+                  <a:srgbClr val="ffffff"/>
                 </a:solidFill>
               </a:uFill>
               <a:latin typeface="Arial"/>
@@ -2593,16 +2378,15 @@
           </a:prstGeom>
         </p:spPr>
         <p:txBody>
-          <a:bodyPr lIns="0" tIns="0" rIns="0" bIns="0"/>
-          <a:lstStyle/>
-          <a:p>
-            <a:endParaRPr lang="en-US" sz="3200" b="0" strike="noStrike" spc="-1">
-              <a:solidFill>
-                <a:srgbClr val="000000"/>
-              </a:solidFill>
-              <a:uFill>
-                <a:solidFill>
-                  <a:srgbClr val="FFFFFF"/>
+          <a:bodyPr lIns="0" rIns="0" tIns="0" bIns="0"/>
+          <a:p>
+            <a:endParaRPr b="0" lang="en-US" sz="1800" spc="-1" strike="noStrike">
+              <a:solidFill>
+                <a:srgbClr val="000000"/>
+              </a:solidFill>
+              <a:uFill>
+                <a:solidFill>
+                  <a:srgbClr val="ffffff"/>
                 </a:solidFill>
               </a:uFill>
               <a:latin typeface="Arial"/>
@@ -2612,14 +2396,11 @@
       </p:sp>
     </p:spTree>
   </p:cSld>
-  <p:clrMapOvr>
-    <a:masterClrMapping/>
-  </p:clrMapOvr>
 </p:sldLayout>
 </file>
 
 <file path=ppt/slideLayouts/slideLayout4.xml><?xml version="1.0" encoding="utf-8"?>
-<p:sldLayout xmlns:a="http://schemas.openxmlformats.org/drawingml/2006/main" xmlns:r="http://schemas.openxmlformats.org/officeDocument/2006/relationships" xmlns:p="http://schemas.openxmlformats.org/presentationml/2006/main" type="twoObj" preserve="1">
+<p:sldLayout xmlns:a="http://schemas.openxmlformats.org/drawingml/2006/main" xmlns:p="http://schemas.openxmlformats.org/presentationml/2006/main" xmlns:r="http://schemas.openxmlformats.org/officeDocument/2006/relationships" xmlns:p14="http://schemas.microsoft.com/office/powerpoint/2010/main" xmlns:p15="http://schemas.microsoft.com/office/powerpoint/2012/main" xmlns:mc="http://schemas.openxmlformats.org/markup-compatibility/2006" type="twoObj" preserve="1">
   <p:cSld name="Title, 2 Content">
     <p:spTree>
       <p:nvGrpSpPr>
@@ -2655,17 +2436,15 @@
           </a:prstGeom>
         </p:spPr>
         <p:txBody>
-          <a:bodyPr lIns="0" tIns="0" rIns="0" bIns="0" anchor="ctr"/>
-          <a:lstStyle/>
-          <a:p>
-            <a:pPr algn="ctr"/>
-            <a:endParaRPr lang="en-US" sz="4400" b="0" strike="noStrike" spc="-1">
-              <a:solidFill>
-                <a:srgbClr val="000000"/>
-              </a:solidFill>
-              <a:uFill>
-                <a:solidFill>
-                  <a:srgbClr val="FFFFFF"/>
+          <a:bodyPr lIns="0" rIns="0" tIns="0" bIns="0" anchor="ctr"/>
+          <a:p>
+            <a:endParaRPr b="0" lang="en-US" sz="1800" spc="-1" strike="noStrike">
+              <a:solidFill>
+                <a:srgbClr val="000000"/>
+              </a:solidFill>
+              <a:uFill>
+                <a:solidFill>
+                  <a:srgbClr val="ffffff"/>
                 </a:solidFill>
               </a:uFill>
               <a:latin typeface="Arial"/>
@@ -2693,16 +2472,15 @@
           </a:prstGeom>
         </p:spPr>
         <p:txBody>
-          <a:bodyPr lIns="0" tIns="0" rIns="0" bIns="0"/>
-          <a:lstStyle/>
-          <a:p>
-            <a:endParaRPr lang="en-US" sz="3200" b="0" strike="noStrike" spc="-1">
-              <a:solidFill>
-                <a:srgbClr val="000000"/>
-              </a:solidFill>
-              <a:uFill>
-                <a:solidFill>
-                  <a:srgbClr val="FFFFFF"/>
+          <a:bodyPr lIns="0" rIns="0" tIns="0" bIns="0"/>
+          <a:p>
+            <a:endParaRPr b="0" lang="en-US" sz="1800" spc="-1" strike="noStrike">
+              <a:solidFill>
+                <a:srgbClr val="000000"/>
+              </a:solidFill>
+              <a:uFill>
+                <a:solidFill>
+                  <a:srgbClr val="ffffff"/>
                 </a:solidFill>
               </a:uFill>
               <a:latin typeface="Arial"/>
@@ -2730,16 +2508,15 @@
           </a:prstGeom>
         </p:spPr>
         <p:txBody>
-          <a:bodyPr lIns="0" tIns="0" rIns="0" bIns="0"/>
-          <a:lstStyle/>
-          <a:p>
-            <a:endParaRPr lang="en-US" sz="3200" b="0" strike="noStrike" spc="-1">
-              <a:solidFill>
-                <a:srgbClr val="000000"/>
-              </a:solidFill>
-              <a:uFill>
-                <a:solidFill>
-                  <a:srgbClr val="FFFFFF"/>
+          <a:bodyPr lIns="0" rIns="0" tIns="0" bIns="0"/>
+          <a:p>
+            <a:endParaRPr b="0" lang="en-US" sz="1800" spc="-1" strike="noStrike">
+              <a:solidFill>
+                <a:srgbClr val="000000"/>
+              </a:solidFill>
+              <a:uFill>
+                <a:solidFill>
+                  <a:srgbClr val="ffffff"/>
                 </a:solidFill>
               </a:uFill>
               <a:latin typeface="Arial"/>
@@ -2749,14 +2526,11 @@
       </p:sp>
     </p:spTree>
   </p:cSld>
-  <p:clrMapOvr>
-    <a:masterClrMapping/>
-  </p:clrMapOvr>
 </p:sldLayout>
 </file>
 
 <file path=ppt/slideLayouts/slideLayout5.xml><?xml version="1.0" encoding="utf-8"?>
-<p:sldLayout xmlns:a="http://schemas.openxmlformats.org/drawingml/2006/main" xmlns:r="http://schemas.openxmlformats.org/officeDocument/2006/relationships" xmlns:p="http://schemas.openxmlformats.org/presentationml/2006/main" type="titleOnly" preserve="1">
+<p:sldLayout xmlns:a="http://schemas.openxmlformats.org/drawingml/2006/main" xmlns:p="http://schemas.openxmlformats.org/presentationml/2006/main" xmlns:r="http://schemas.openxmlformats.org/officeDocument/2006/relationships" xmlns:p14="http://schemas.microsoft.com/office/powerpoint/2010/main" xmlns:p15="http://schemas.microsoft.com/office/powerpoint/2012/main" xmlns:mc="http://schemas.openxmlformats.org/markup-compatibility/2006" type="titleOnly" preserve="1">
   <p:cSld name="Title Only">
     <p:spTree>
       <p:nvGrpSpPr>
@@ -2792,17 +2566,15 @@
           </a:prstGeom>
         </p:spPr>
         <p:txBody>
-          <a:bodyPr lIns="0" tIns="0" rIns="0" bIns="0" anchor="ctr"/>
-          <a:lstStyle/>
-          <a:p>
-            <a:pPr algn="ctr"/>
-            <a:endParaRPr lang="en-US" sz="4400" b="0" strike="noStrike" spc="-1">
-              <a:solidFill>
-                <a:srgbClr val="000000"/>
-              </a:solidFill>
-              <a:uFill>
-                <a:solidFill>
-                  <a:srgbClr val="FFFFFF"/>
+          <a:bodyPr lIns="0" rIns="0" tIns="0" bIns="0" anchor="ctr"/>
+          <a:p>
+            <a:endParaRPr b="0" lang="en-US" sz="1800" spc="-1" strike="noStrike">
+              <a:solidFill>
+                <a:srgbClr val="000000"/>
+              </a:solidFill>
+              <a:uFill>
+                <a:solidFill>
+                  <a:srgbClr val="ffffff"/>
                 </a:solidFill>
               </a:uFill>
               <a:latin typeface="Arial"/>
@@ -2812,14 +2584,11 @@
       </p:sp>
     </p:spTree>
   </p:cSld>
-  <p:clrMapOvr>
-    <a:masterClrMapping/>
-  </p:clrMapOvr>
 </p:sldLayout>
 </file>
 
 <file path=ppt/slideLayouts/slideLayout6.xml><?xml version="1.0" encoding="utf-8"?>
-<p:sldLayout xmlns:a="http://schemas.openxmlformats.org/drawingml/2006/main" xmlns:r="http://schemas.openxmlformats.org/officeDocument/2006/relationships" xmlns:p="http://schemas.openxmlformats.org/presentationml/2006/main" type="objOnly" preserve="1">
+<p:sldLayout xmlns:a="http://schemas.openxmlformats.org/drawingml/2006/main" xmlns:p="http://schemas.openxmlformats.org/presentationml/2006/main" xmlns:r="http://schemas.openxmlformats.org/officeDocument/2006/relationships" xmlns:p14="http://schemas.microsoft.com/office/powerpoint/2010/main" xmlns:p15="http://schemas.microsoft.com/office/powerpoint/2012/main" xmlns:mc="http://schemas.openxmlformats.org/markup-compatibility/2006" type="objOnly" preserve="1">
   <p:cSld name="Centered Text">
     <p:spTree>
       <p:nvGrpSpPr>
@@ -2855,17 +2624,16 @@
           </a:prstGeom>
         </p:spPr>
         <p:txBody>
-          <a:bodyPr lIns="0" tIns="0" rIns="0" bIns="0" anchor="ctr"/>
-          <a:lstStyle/>
+          <a:bodyPr lIns="0" rIns="0" tIns="0" bIns="0" anchor="ctr"/>
           <a:p>
             <a:pPr algn="ctr"/>
-            <a:endParaRPr lang="en-US" sz="3200" b="0" strike="noStrike" spc="-1">
-              <a:solidFill>
-                <a:srgbClr val="000000"/>
-              </a:solidFill>
-              <a:uFill>
-                <a:solidFill>
-                  <a:srgbClr val="FFFFFF"/>
+            <a:endParaRPr b="0" lang="en-US" sz="3200" spc="-1" strike="noStrike">
+              <a:solidFill>
+                <a:srgbClr val="000000"/>
+              </a:solidFill>
+              <a:uFill>
+                <a:solidFill>
+                  <a:srgbClr val="ffffff"/>
                 </a:solidFill>
               </a:uFill>
               <a:latin typeface="Arial"/>
@@ -2875,14 +2643,11 @@
       </p:sp>
     </p:spTree>
   </p:cSld>
-  <p:clrMapOvr>
-    <a:masterClrMapping/>
-  </p:clrMapOvr>
 </p:sldLayout>
 </file>
 
 <file path=ppt/slideLayouts/slideLayout7.xml><?xml version="1.0" encoding="utf-8"?>
-<p:sldLayout xmlns:a="http://schemas.openxmlformats.org/drawingml/2006/main" xmlns:r="http://schemas.openxmlformats.org/officeDocument/2006/relationships" xmlns:p="http://schemas.openxmlformats.org/presentationml/2006/main" type="twoObjAndObj" preserve="1">
+<p:sldLayout xmlns:a="http://schemas.openxmlformats.org/drawingml/2006/main" xmlns:p="http://schemas.openxmlformats.org/presentationml/2006/main" xmlns:r="http://schemas.openxmlformats.org/officeDocument/2006/relationships" xmlns:p14="http://schemas.microsoft.com/office/powerpoint/2010/main" xmlns:p15="http://schemas.microsoft.com/office/powerpoint/2012/main" xmlns:mc="http://schemas.openxmlformats.org/markup-compatibility/2006" type="twoObjAndObj" preserve="1">
   <p:cSld name="Title, 2 Content and Content">
     <p:spTree>
       <p:nvGrpSpPr>
@@ -2918,17 +2683,15 @@
           </a:prstGeom>
         </p:spPr>
         <p:txBody>
-          <a:bodyPr lIns="0" tIns="0" rIns="0" bIns="0" anchor="ctr"/>
-          <a:lstStyle/>
-          <a:p>
-            <a:pPr algn="ctr"/>
-            <a:endParaRPr lang="en-US" sz="4400" b="0" strike="noStrike" spc="-1">
-              <a:solidFill>
-                <a:srgbClr val="000000"/>
-              </a:solidFill>
-              <a:uFill>
-                <a:solidFill>
-                  <a:srgbClr val="FFFFFF"/>
+          <a:bodyPr lIns="0" rIns="0" tIns="0" bIns="0" anchor="ctr"/>
+          <a:p>
+            <a:endParaRPr b="0" lang="en-US" sz="1800" spc="-1" strike="noStrike">
+              <a:solidFill>
+                <a:srgbClr val="000000"/>
+              </a:solidFill>
+              <a:uFill>
+                <a:solidFill>
+                  <a:srgbClr val="ffffff"/>
                 </a:solidFill>
               </a:uFill>
               <a:latin typeface="Arial"/>
@@ -2956,16 +2719,15 @@
           </a:prstGeom>
         </p:spPr>
         <p:txBody>
-          <a:bodyPr lIns="0" tIns="0" rIns="0" bIns="0"/>
-          <a:lstStyle/>
-          <a:p>
-            <a:endParaRPr lang="en-US" sz="3200" b="0" strike="noStrike" spc="-1">
-              <a:solidFill>
-                <a:srgbClr val="000000"/>
-              </a:solidFill>
-              <a:uFill>
-                <a:solidFill>
-                  <a:srgbClr val="FFFFFF"/>
+          <a:bodyPr lIns="0" rIns="0" tIns="0" bIns="0"/>
+          <a:p>
+            <a:endParaRPr b="0" lang="en-US" sz="1800" spc="-1" strike="noStrike">
+              <a:solidFill>
+                <a:srgbClr val="000000"/>
+              </a:solidFill>
+              <a:uFill>
+                <a:solidFill>
+                  <a:srgbClr val="ffffff"/>
                 </a:solidFill>
               </a:uFill>
               <a:latin typeface="Arial"/>
@@ -2993,16 +2755,15 @@
           </a:prstGeom>
         </p:spPr>
         <p:txBody>
-          <a:bodyPr lIns="0" tIns="0" rIns="0" bIns="0"/>
-          <a:lstStyle/>
-          <a:p>
-            <a:endParaRPr lang="en-US" sz="3200" b="0" strike="noStrike" spc="-1">
-              <a:solidFill>
-                <a:srgbClr val="000000"/>
-              </a:solidFill>
-              <a:uFill>
-                <a:solidFill>
-                  <a:srgbClr val="FFFFFF"/>
+          <a:bodyPr lIns="0" rIns="0" tIns="0" bIns="0"/>
+          <a:p>
+            <a:endParaRPr b="0" lang="en-US" sz="1800" spc="-1" strike="noStrike">
+              <a:solidFill>
+                <a:srgbClr val="000000"/>
+              </a:solidFill>
+              <a:uFill>
+                <a:solidFill>
+                  <a:srgbClr val="ffffff"/>
                 </a:solidFill>
               </a:uFill>
               <a:latin typeface="Arial"/>
@@ -3030,16 +2791,15 @@
           </a:prstGeom>
         </p:spPr>
         <p:txBody>
-          <a:bodyPr lIns="0" tIns="0" rIns="0" bIns="0"/>
-          <a:lstStyle/>
-          <a:p>
-            <a:endParaRPr lang="en-US" sz="3200" b="0" strike="noStrike" spc="-1">
-              <a:solidFill>
-                <a:srgbClr val="000000"/>
-              </a:solidFill>
-              <a:uFill>
-                <a:solidFill>
-                  <a:srgbClr val="FFFFFF"/>
+          <a:bodyPr lIns="0" rIns="0" tIns="0" bIns="0"/>
+          <a:p>
+            <a:endParaRPr b="0" lang="en-US" sz="1800" spc="-1" strike="noStrike">
+              <a:solidFill>
+                <a:srgbClr val="000000"/>
+              </a:solidFill>
+              <a:uFill>
+                <a:solidFill>
+                  <a:srgbClr val="ffffff"/>
                 </a:solidFill>
               </a:uFill>
               <a:latin typeface="Arial"/>
@@ -3049,14 +2809,11 @@
       </p:sp>
     </p:spTree>
   </p:cSld>
-  <p:clrMapOvr>
-    <a:masterClrMapping/>
-  </p:clrMapOvr>
 </p:sldLayout>
 </file>
 
 <file path=ppt/slideLayouts/slideLayout8.xml><?xml version="1.0" encoding="utf-8"?>
-<p:sldLayout xmlns:a="http://schemas.openxmlformats.org/drawingml/2006/main" xmlns:r="http://schemas.openxmlformats.org/officeDocument/2006/relationships" xmlns:p="http://schemas.openxmlformats.org/presentationml/2006/main" type="objAndTwoObj" preserve="1">
+<p:sldLayout xmlns:a="http://schemas.openxmlformats.org/drawingml/2006/main" xmlns:p="http://schemas.openxmlformats.org/presentationml/2006/main" xmlns:r="http://schemas.openxmlformats.org/officeDocument/2006/relationships" xmlns:p14="http://schemas.microsoft.com/office/powerpoint/2010/main" xmlns:p15="http://schemas.microsoft.com/office/powerpoint/2012/main" xmlns:mc="http://schemas.openxmlformats.org/markup-compatibility/2006" type="objAndTwoObj" preserve="1">
   <p:cSld name="Title Content and 2 Content">
     <p:spTree>
       <p:nvGrpSpPr>
@@ -3092,17 +2849,15 @@
           </a:prstGeom>
         </p:spPr>
         <p:txBody>
-          <a:bodyPr lIns="0" tIns="0" rIns="0" bIns="0" anchor="ctr"/>
-          <a:lstStyle/>
-          <a:p>
-            <a:pPr algn="ctr"/>
-            <a:endParaRPr lang="en-US" sz="4400" b="0" strike="noStrike" spc="-1">
-              <a:solidFill>
-                <a:srgbClr val="000000"/>
-              </a:solidFill>
-              <a:uFill>
-                <a:solidFill>
-                  <a:srgbClr val="FFFFFF"/>
+          <a:bodyPr lIns="0" rIns="0" tIns="0" bIns="0" anchor="ctr"/>
+          <a:p>
+            <a:endParaRPr b="0" lang="en-US" sz="1800" spc="-1" strike="noStrike">
+              <a:solidFill>
+                <a:srgbClr val="000000"/>
+              </a:solidFill>
+              <a:uFill>
+                <a:solidFill>
+                  <a:srgbClr val="ffffff"/>
                 </a:solidFill>
               </a:uFill>
               <a:latin typeface="Arial"/>
@@ -3130,16 +2885,15 @@
           </a:prstGeom>
         </p:spPr>
         <p:txBody>
-          <a:bodyPr lIns="0" tIns="0" rIns="0" bIns="0"/>
-          <a:lstStyle/>
-          <a:p>
-            <a:endParaRPr lang="en-US" sz="3200" b="0" strike="noStrike" spc="-1">
-              <a:solidFill>
-                <a:srgbClr val="000000"/>
-              </a:solidFill>
-              <a:uFill>
-                <a:solidFill>
-                  <a:srgbClr val="FFFFFF"/>
+          <a:bodyPr lIns="0" rIns="0" tIns="0" bIns="0"/>
+          <a:p>
+            <a:endParaRPr b="0" lang="en-US" sz="1800" spc="-1" strike="noStrike">
+              <a:solidFill>
+                <a:srgbClr val="000000"/>
+              </a:solidFill>
+              <a:uFill>
+                <a:solidFill>
+                  <a:srgbClr val="ffffff"/>
                 </a:solidFill>
               </a:uFill>
               <a:latin typeface="Arial"/>
@@ -3167,16 +2921,15 @@
           </a:prstGeom>
         </p:spPr>
         <p:txBody>
-          <a:bodyPr lIns="0" tIns="0" rIns="0" bIns="0"/>
-          <a:lstStyle/>
-          <a:p>
-            <a:endParaRPr lang="en-US" sz="3200" b="0" strike="noStrike" spc="-1">
-              <a:solidFill>
-                <a:srgbClr val="000000"/>
-              </a:solidFill>
-              <a:uFill>
-                <a:solidFill>
-                  <a:srgbClr val="FFFFFF"/>
+          <a:bodyPr lIns="0" rIns="0" tIns="0" bIns="0"/>
+          <a:p>
+            <a:endParaRPr b="0" lang="en-US" sz="1800" spc="-1" strike="noStrike">
+              <a:solidFill>
+                <a:srgbClr val="000000"/>
+              </a:solidFill>
+              <a:uFill>
+                <a:solidFill>
+                  <a:srgbClr val="ffffff"/>
                 </a:solidFill>
               </a:uFill>
               <a:latin typeface="Arial"/>
@@ -3204,16 +2957,15 @@
           </a:prstGeom>
         </p:spPr>
         <p:txBody>
-          <a:bodyPr lIns="0" tIns="0" rIns="0" bIns="0"/>
-          <a:lstStyle/>
-          <a:p>
-            <a:endParaRPr lang="en-US" sz="3200" b="0" strike="noStrike" spc="-1">
-              <a:solidFill>
-                <a:srgbClr val="000000"/>
-              </a:solidFill>
-              <a:uFill>
-                <a:solidFill>
-                  <a:srgbClr val="FFFFFF"/>
+          <a:bodyPr lIns="0" rIns="0" tIns="0" bIns="0"/>
+          <a:p>
+            <a:endParaRPr b="0" lang="en-US" sz="1800" spc="-1" strike="noStrike">
+              <a:solidFill>
+                <a:srgbClr val="000000"/>
+              </a:solidFill>
+              <a:uFill>
+                <a:solidFill>
+                  <a:srgbClr val="ffffff"/>
                 </a:solidFill>
               </a:uFill>
               <a:latin typeface="Arial"/>
@@ -3223,14 +2975,11 @@
       </p:sp>
     </p:spTree>
   </p:cSld>
-  <p:clrMapOvr>
-    <a:masterClrMapping/>
-  </p:clrMapOvr>
 </p:sldLayout>
 </file>
 
 <file path=ppt/slideLayouts/slideLayout9.xml><?xml version="1.0" encoding="utf-8"?>
-<p:sldLayout xmlns:a="http://schemas.openxmlformats.org/drawingml/2006/main" xmlns:r="http://schemas.openxmlformats.org/officeDocument/2006/relationships" xmlns:p="http://schemas.openxmlformats.org/presentationml/2006/main" type="twoObjOverTx" preserve="1">
+<p:sldLayout xmlns:a="http://schemas.openxmlformats.org/drawingml/2006/main" xmlns:p="http://schemas.openxmlformats.org/presentationml/2006/main" xmlns:r="http://schemas.openxmlformats.org/officeDocument/2006/relationships" xmlns:p14="http://schemas.microsoft.com/office/powerpoint/2010/main" xmlns:p15="http://schemas.microsoft.com/office/powerpoint/2012/main" xmlns:mc="http://schemas.openxmlformats.org/markup-compatibility/2006" type="twoObjOverTx" preserve="1">
   <p:cSld name="Title, 2 Content over Content">
     <p:spTree>
       <p:nvGrpSpPr>
@@ -3266,17 +3015,15 @@
           </a:prstGeom>
         </p:spPr>
         <p:txBody>
-          <a:bodyPr lIns="0" tIns="0" rIns="0" bIns="0" anchor="ctr"/>
-          <a:lstStyle/>
-          <a:p>
-            <a:pPr algn="ctr"/>
-            <a:endParaRPr lang="en-US" sz="4400" b="0" strike="noStrike" spc="-1">
-              <a:solidFill>
-                <a:srgbClr val="000000"/>
-              </a:solidFill>
-              <a:uFill>
-                <a:solidFill>
-                  <a:srgbClr val="FFFFFF"/>
+          <a:bodyPr lIns="0" rIns="0" tIns="0" bIns="0" anchor="ctr"/>
+          <a:p>
+            <a:endParaRPr b="0" lang="en-US" sz="1800" spc="-1" strike="noStrike">
+              <a:solidFill>
+                <a:srgbClr val="000000"/>
+              </a:solidFill>
+              <a:uFill>
+                <a:solidFill>
+                  <a:srgbClr val="ffffff"/>
                 </a:solidFill>
               </a:uFill>
               <a:latin typeface="Arial"/>
@@ -3304,16 +3051,15 @@
           </a:prstGeom>
         </p:spPr>
         <p:txBody>
-          <a:bodyPr lIns="0" tIns="0" rIns="0" bIns="0"/>
-          <a:lstStyle/>
-          <a:p>
-            <a:endParaRPr lang="en-US" sz="3200" b="0" strike="noStrike" spc="-1">
-              <a:solidFill>
-                <a:srgbClr val="000000"/>
-              </a:solidFill>
-              <a:uFill>
-                <a:solidFill>
-                  <a:srgbClr val="FFFFFF"/>
+          <a:bodyPr lIns="0" rIns="0" tIns="0" bIns="0"/>
+          <a:p>
+            <a:endParaRPr b="0" lang="en-US" sz="1800" spc="-1" strike="noStrike">
+              <a:solidFill>
+                <a:srgbClr val="000000"/>
+              </a:solidFill>
+              <a:uFill>
+                <a:solidFill>
+                  <a:srgbClr val="ffffff"/>
                 </a:solidFill>
               </a:uFill>
               <a:latin typeface="Arial"/>
@@ -3341,16 +3087,15 @@
           </a:prstGeom>
         </p:spPr>
         <p:txBody>
-          <a:bodyPr lIns="0" tIns="0" rIns="0" bIns="0"/>
-          <a:lstStyle/>
-          <a:p>
-            <a:endParaRPr lang="en-US" sz="3200" b="0" strike="noStrike" spc="-1">
-              <a:solidFill>
-                <a:srgbClr val="000000"/>
-              </a:solidFill>
-              <a:uFill>
-                <a:solidFill>
-                  <a:srgbClr val="FFFFFF"/>
+          <a:bodyPr lIns="0" rIns="0" tIns="0" bIns="0"/>
+          <a:p>
+            <a:endParaRPr b="0" lang="en-US" sz="1800" spc="-1" strike="noStrike">
+              <a:solidFill>
+                <a:srgbClr val="000000"/>
+              </a:solidFill>
+              <a:uFill>
+                <a:solidFill>
+                  <a:srgbClr val="ffffff"/>
                 </a:solidFill>
               </a:uFill>
               <a:latin typeface="Arial"/>
@@ -3378,16 +3123,15 @@
           </a:prstGeom>
         </p:spPr>
         <p:txBody>
-          <a:bodyPr lIns="0" tIns="0" rIns="0" bIns="0"/>
-          <a:lstStyle/>
-          <a:p>
-            <a:endParaRPr lang="en-US" sz="3200" b="0" strike="noStrike" spc="-1">
-              <a:solidFill>
-                <a:srgbClr val="000000"/>
-              </a:solidFill>
-              <a:uFill>
-                <a:solidFill>
-                  <a:srgbClr val="FFFFFF"/>
+          <a:bodyPr lIns="0" rIns="0" tIns="0" bIns="0"/>
+          <a:p>
+            <a:endParaRPr b="0" lang="en-US" sz="1800" spc="-1" strike="noStrike">
+              <a:solidFill>
+                <a:srgbClr val="000000"/>
+              </a:solidFill>
+              <a:uFill>
+                <a:solidFill>
+                  <a:srgbClr val="ffffff"/>
                 </a:solidFill>
               </a:uFill>
               <a:latin typeface="Arial"/>
@@ -3397,14 +3141,11 @@
       </p:sp>
     </p:spTree>
   </p:cSld>
-  <p:clrMapOvr>
-    <a:masterClrMapping/>
-  </p:clrMapOvr>
 </p:sldLayout>
 </file>
 
 <file path=ppt/slideMasters/slideMaster1.xml><?xml version="1.0" encoding="utf-8"?>
-<p:sldMaster xmlns:a="http://schemas.openxmlformats.org/drawingml/2006/main" xmlns:r="http://schemas.openxmlformats.org/officeDocument/2006/relationships" xmlns:p="http://schemas.openxmlformats.org/presentationml/2006/main">
+<p:sldMaster xmlns:a="http://schemas.openxmlformats.org/drawingml/2006/main" xmlns:p="http://schemas.openxmlformats.org/presentationml/2006/main" xmlns:r="http://schemas.openxmlformats.org/officeDocument/2006/relationships" xmlns:p14="http://schemas.microsoft.com/office/powerpoint/2010/main" xmlns:p15="http://schemas.microsoft.com/office/powerpoint/2012/main" xmlns:mc="http://schemas.openxmlformats.org/markup-compatibility/2006">
   <p:cSld>
     <p:spTree>
       <p:nvGrpSpPr>
@@ -3422,41 +3163,35 @@
       </p:grpSpPr>
       <p:sp>
         <p:nvSpPr>
-          <p:cNvPr id="3" name="CustomShape 1"/>
+          <p:cNvPr id="0" name="CustomShape 1"/>
           <p:cNvSpPr/>
           <p:nvPr/>
         </p:nvSpPr>
         <p:spPr>
           <a:xfrm>
             <a:off x="360" y="3240000"/>
-            <a:ext cx="503280" cy="809280"/>
+            <a:ext cx="502920" cy="808920"/>
           </a:xfrm>
           <a:prstGeom prst="rect">
             <a:avLst/>
           </a:prstGeom>
           <a:solidFill>
-            <a:srgbClr val="EF2929"/>
+            <a:srgbClr val="ef2929"/>
           </a:solidFill>
           <a:ln>
             <a:noFill/>
           </a:ln>
         </p:spPr>
         <p:style>
-          <a:lnRef idx="0">
-            <a:scrgbClr r="0" g="0" b="0"/>
-          </a:lnRef>
-          <a:fillRef idx="0">
-            <a:scrgbClr r="0" g="0" b="0"/>
-          </a:fillRef>
-          <a:effectRef idx="0">
-            <a:scrgbClr r="0" g="0" b="0"/>
-          </a:effectRef>
+          <a:lnRef idx="0"/>
+          <a:fillRef idx="0"/>
+          <a:effectRef idx="0"/>
           <a:fontRef idx="minor"/>
         </p:style>
       </p:sp>
       <p:sp>
         <p:nvSpPr>
-          <p:cNvPr id="4" name="PlaceHolder 2"/>
+          <p:cNvPr id="1" name="PlaceHolder 2"/>
           <p:cNvSpPr>
             <a:spLocks noGrp="1"/>
           </p:cNvSpPr>
@@ -3466,31 +3201,41 @@
         </p:nvSpPr>
         <p:spPr>
           <a:xfrm>
-            <a:off x="719640" y="225720"/>
-            <a:ext cx="8854200" cy="946440"/>
-          </a:xfrm>
-          <a:prstGeom prst="rect">
-            <a:avLst/>
-          </a:prstGeom>
-        </p:spPr>
-        <p:txBody>
-          <a:bodyPr lIns="0" tIns="0" rIns="0" bIns="0" anchor="ctr"/>
-          <a:lstStyle/>
+            <a:off x="504000" y="226080"/>
+            <a:ext cx="9072000" cy="946440"/>
+          </a:xfrm>
+          <a:prstGeom prst="rect">
+            <a:avLst/>
+          </a:prstGeom>
+        </p:spPr>
+        <p:txBody>
+          <a:bodyPr lIns="0" rIns="0" tIns="0" bIns="0" anchor="ctr"/>
           <a:p>
             <a:r>
-              <a:rPr lang="en-US" sz="1800" b="0" strike="noStrike" spc="-1">
+              <a:rPr b="0" lang="en-US" sz="1800" spc="-1" strike="noStrike">
                 <a:solidFill>
                   <a:srgbClr val="000000"/>
                 </a:solidFill>
                 <a:uFill>
                   <a:solidFill>
-                    <a:srgbClr val="FFFFFF"/>
+                    <a:srgbClr val="ffffff"/>
                   </a:solidFill>
                 </a:uFill>
                 <a:latin typeface="Arial"/>
               </a:rPr>
               <a:t>Click to edit the title text format</a:t>
             </a:r>
+            <a:endParaRPr b="0" lang="en-US" sz="1800" spc="-1" strike="noStrike">
+              <a:solidFill>
+                <a:srgbClr val="000000"/>
+              </a:solidFill>
+              <a:uFill>
+                <a:solidFill>
+                  <a:srgbClr val="ffffff"/>
+                </a:solidFill>
+              </a:uFill>
+              <a:latin typeface="Arial"/>
+            </a:endParaRPr>
           </a:p>
         </p:txBody>
       </p:sp>
@@ -3506,16 +3251,15 @@
         </p:nvSpPr>
         <p:spPr>
           <a:xfrm>
-            <a:off x="719640" y="1620000"/>
-            <a:ext cx="8638560" cy="3288240"/>
-          </a:xfrm>
-          <a:prstGeom prst="rect">
-            <a:avLst/>
-          </a:prstGeom>
-        </p:spPr>
-        <p:txBody>
-          <a:bodyPr lIns="0" tIns="0" rIns="0" bIns="0"/>
-          <a:lstStyle/>
+            <a:off x="504000" y="1326600"/>
+            <a:ext cx="9072000" cy="3288600"/>
+          </a:xfrm>
+          <a:prstGeom prst="rect">
+            <a:avLst/>
+          </a:prstGeom>
+        </p:spPr>
+        <p:txBody>
+          <a:bodyPr lIns="0" rIns="0" tIns="0" bIns="0"/>
           <a:p>
             <a:pPr marL="432000" indent="-324000">
               <a:spcBef>
@@ -3529,22 +3273,33 @@
               <a:buChar char=""/>
             </a:pPr>
             <a:r>
-              <a:rPr lang="en-US" sz="1800" b="0" strike="noStrike" spc="-1">
+              <a:rPr b="0" lang="en-US" sz="1800" spc="-1" strike="noStrike">
                 <a:solidFill>
                   <a:srgbClr val="000000"/>
                 </a:solidFill>
                 <a:uFill>
                   <a:solidFill>
-                    <a:srgbClr val="FFFFFF"/>
+                    <a:srgbClr val="ffffff"/>
                   </a:solidFill>
                 </a:uFill>
                 <a:latin typeface="Arial"/>
               </a:rPr>
               <a:t>Click to edit the outline text format</a:t>
             </a:r>
-          </a:p>
-          <a:p>
-            <a:pPr marL="864000" lvl="1" indent="-324000">
+            <a:endParaRPr b="0" lang="en-US" sz="1800" spc="-1" strike="noStrike">
+              <a:solidFill>
+                <a:srgbClr val="000000"/>
+              </a:solidFill>
+              <a:uFill>
+                <a:solidFill>
+                  <a:srgbClr val="ffffff"/>
+                </a:solidFill>
+              </a:uFill>
+              <a:latin typeface="Arial"/>
+            </a:endParaRPr>
+          </a:p>
+          <a:p>
+            <a:pPr lvl="1" marL="864000" indent="-324000">
               <a:spcBef>
                 <a:spcPts val="1134"/>
               </a:spcBef>
@@ -3556,22 +3311,33 @@
               <a:buChar char=""/>
             </a:pPr>
             <a:r>
-              <a:rPr lang="en-US" sz="1800" b="0" strike="noStrike" spc="-1">
+              <a:rPr b="0" lang="en-US" sz="1800" spc="-1" strike="noStrike">
                 <a:solidFill>
                   <a:srgbClr val="000000"/>
                 </a:solidFill>
                 <a:uFill>
                   <a:solidFill>
-                    <a:srgbClr val="FFFFFF"/>
+                    <a:srgbClr val="ffffff"/>
                   </a:solidFill>
                 </a:uFill>
                 <a:latin typeface="Arial"/>
               </a:rPr>
               <a:t>Second Outline Level</a:t>
             </a:r>
-          </a:p>
-          <a:p>
-            <a:pPr marL="1296000" lvl="2" indent="-288000">
+            <a:endParaRPr b="0" lang="en-US" sz="1800" spc="-1" strike="noStrike">
+              <a:solidFill>
+                <a:srgbClr val="000000"/>
+              </a:solidFill>
+              <a:uFill>
+                <a:solidFill>
+                  <a:srgbClr val="ffffff"/>
+                </a:solidFill>
+              </a:uFill>
+              <a:latin typeface="Arial"/>
+            </a:endParaRPr>
+          </a:p>
+          <a:p>
+            <a:pPr lvl="2" marL="1296000" indent="-288000">
               <a:spcBef>
                 <a:spcPts val="850"/>
               </a:spcBef>
@@ -3583,22 +3349,33 @@
               <a:buChar char=""/>
             </a:pPr>
             <a:r>
-              <a:rPr lang="en-US" sz="1800" b="0" strike="noStrike" spc="-1">
+              <a:rPr b="0" lang="en-US" sz="1800" spc="-1" strike="noStrike">
                 <a:solidFill>
                   <a:srgbClr val="000000"/>
                 </a:solidFill>
                 <a:uFill>
                   <a:solidFill>
-                    <a:srgbClr val="FFFFFF"/>
+                    <a:srgbClr val="ffffff"/>
                   </a:solidFill>
                 </a:uFill>
                 <a:latin typeface="Arial"/>
               </a:rPr>
               <a:t>Third Outline Level</a:t>
             </a:r>
-          </a:p>
-          <a:p>
-            <a:pPr marL="1728000" lvl="3" indent="-216000">
+            <a:endParaRPr b="0" lang="en-US" sz="1800" spc="-1" strike="noStrike">
+              <a:solidFill>
+                <a:srgbClr val="000000"/>
+              </a:solidFill>
+              <a:uFill>
+                <a:solidFill>
+                  <a:srgbClr val="ffffff"/>
+                </a:solidFill>
+              </a:uFill>
+              <a:latin typeface="Arial"/>
+            </a:endParaRPr>
+          </a:p>
+          <a:p>
+            <a:pPr lvl="3" marL="1728000" indent="-216000">
               <a:spcBef>
                 <a:spcPts val="567"/>
               </a:spcBef>
@@ -3610,22 +3387,33 @@
               <a:buChar char=""/>
             </a:pPr>
             <a:r>
-              <a:rPr lang="en-US" sz="1800" b="0" strike="noStrike" spc="-1">
+              <a:rPr b="0" lang="en-US" sz="1800" spc="-1" strike="noStrike">
                 <a:solidFill>
                   <a:srgbClr val="000000"/>
                 </a:solidFill>
                 <a:uFill>
                   <a:solidFill>
-                    <a:srgbClr val="FFFFFF"/>
+                    <a:srgbClr val="ffffff"/>
                   </a:solidFill>
                 </a:uFill>
                 <a:latin typeface="Arial"/>
               </a:rPr>
               <a:t>Fourth Outline Level</a:t>
             </a:r>
-          </a:p>
-          <a:p>
-            <a:pPr marL="2160000" lvl="4" indent="-216000">
+            <a:endParaRPr b="0" lang="en-US" sz="1800" spc="-1" strike="noStrike">
+              <a:solidFill>
+                <a:srgbClr val="000000"/>
+              </a:solidFill>
+              <a:uFill>
+                <a:solidFill>
+                  <a:srgbClr val="ffffff"/>
+                </a:solidFill>
+              </a:uFill>
+              <a:latin typeface="Arial"/>
+            </a:endParaRPr>
+          </a:p>
+          <a:p>
+            <a:pPr lvl="4" marL="2160000" indent="-216000">
               <a:spcBef>
                 <a:spcPts val="283"/>
               </a:spcBef>
@@ -3637,22 +3425,33 @@
               <a:buChar char=""/>
             </a:pPr>
             <a:r>
-              <a:rPr lang="en-US" sz="1800" b="0" strike="noStrike" spc="-1">
+              <a:rPr b="0" lang="en-US" sz="2000" spc="-1" strike="noStrike">
                 <a:solidFill>
                   <a:srgbClr val="000000"/>
                 </a:solidFill>
                 <a:uFill>
                   <a:solidFill>
-                    <a:srgbClr val="FFFFFF"/>
+                    <a:srgbClr val="ffffff"/>
                   </a:solidFill>
                 </a:uFill>
                 <a:latin typeface="Arial"/>
               </a:rPr>
               <a:t>Fifth Outline Level</a:t>
             </a:r>
-          </a:p>
-          <a:p>
-            <a:pPr marL="2592000" lvl="5" indent="-216000">
+            <a:endParaRPr b="0" lang="en-US" sz="2000" spc="-1" strike="noStrike">
+              <a:solidFill>
+                <a:srgbClr val="000000"/>
+              </a:solidFill>
+              <a:uFill>
+                <a:solidFill>
+                  <a:srgbClr val="ffffff"/>
+                </a:solidFill>
+              </a:uFill>
+              <a:latin typeface="Arial"/>
+            </a:endParaRPr>
+          </a:p>
+          <a:p>
+            <a:pPr lvl="5" marL="2592000" indent="-216000">
               <a:spcBef>
                 <a:spcPts val="283"/>
               </a:spcBef>
@@ -3664,22 +3463,33 @@
               <a:buChar char=""/>
             </a:pPr>
             <a:r>
-              <a:rPr lang="en-US" sz="1800" b="0" strike="noStrike" spc="-1">
+              <a:rPr b="0" lang="en-US" sz="2000" spc="-1" strike="noStrike">
                 <a:solidFill>
                   <a:srgbClr val="000000"/>
                 </a:solidFill>
                 <a:uFill>
                   <a:solidFill>
-                    <a:srgbClr val="FFFFFF"/>
+                    <a:srgbClr val="ffffff"/>
                   </a:solidFill>
                 </a:uFill>
                 <a:latin typeface="Arial"/>
               </a:rPr>
               <a:t>Sixth Outline Level</a:t>
             </a:r>
-          </a:p>
-          <a:p>
-            <a:pPr marL="3024000" lvl="6" indent="-216000">
+            <a:endParaRPr b="0" lang="en-US" sz="2000" spc="-1" strike="noStrike">
+              <a:solidFill>
+                <a:srgbClr val="000000"/>
+              </a:solidFill>
+              <a:uFill>
+                <a:solidFill>
+                  <a:srgbClr val="ffffff"/>
+                </a:solidFill>
+              </a:uFill>
+              <a:latin typeface="Arial"/>
+            </a:endParaRPr>
+          </a:p>
+          <a:p>
+            <a:pPr lvl="6" marL="3024000" indent="-216000">
               <a:spcBef>
                 <a:spcPts val="283"/>
               </a:spcBef>
@@ -3691,49 +3501,55 @@
               <a:buChar char=""/>
             </a:pPr>
             <a:r>
-              <a:rPr lang="en-US" sz="1800" b="0" strike="noStrike" spc="-1">
+              <a:rPr b="0" lang="en-US" sz="2000" spc="-1" strike="noStrike">
                 <a:solidFill>
                   <a:srgbClr val="000000"/>
                 </a:solidFill>
                 <a:uFill>
                   <a:solidFill>
-                    <a:srgbClr val="FFFFFF"/>
+                    <a:srgbClr val="ffffff"/>
                   </a:solidFill>
                 </a:uFill>
                 <a:latin typeface="Arial"/>
               </a:rPr>
               <a:t>Seventh Outline Level</a:t>
             </a:r>
+            <a:endParaRPr b="0" lang="en-US" sz="2000" spc="-1" strike="noStrike">
+              <a:solidFill>
+                <a:srgbClr val="000000"/>
+              </a:solidFill>
+              <a:uFill>
+                <a:solidFill>
+                  <a:srgbClr val="ffffff"/>
+                </a:solidFill>
+              </a:uFill>
+              <a:latin typeface="Arial"/>
+            </a:endParaRPr>
           </a:p>
         </p:txBody>
       </p:sp>
     </p:spTree>
   </p:cSld>
-  <p:clrMap bg1="lt1" tx1="dk1" bg2="lt2" tx2="dk2" accent1="accent1" accent2="accent2" accent3="accent3" accent4="accent4" accent5="accent5" accent6="accent6" hlink="hlink" folHlink="folHlink"/>
+  <p:clrMap bg1="lt1" bg2="lt2" tx1="dk1" tx2="dk2" accent1="accent1" accent2="accent2" accent3="accent3" accent4="accent4" accent5="accent5" accent6="accent6" hlink="hlink" folHlink="folHlink"/>
   <p:sldLayoutIdLst>
-    <p:sldLayoutId id="2147483649" r:id="rId1"/>
-    <p:sldLayoutId id="2147483650" r:id="rId2"/>
-    <p:sldLayoutId id="2147483651" r:id="rId3"/>
-    <p:sldLayoutId id="2147483652" r:id="rId4"/>
-    <p:sldLayoutId id="2147483653" r:id="rId5"/>
-    <p:sldLayoutId id="2147483654" r:id="rId6"/>
-    <p:sldLayoutId id="2147483655" r:id="rId7"/>
-    <p:sldLayoutId id="2147483656" r:id="rId8"/>
-    <p:sldLayoutId id="2147483657" r:id="rId9"/>
-    <p:sldLayoutId id="2147483658" r:id="rId10"/>
-    <p:sldLayoutId id="2147483659" r:id="rId11"/>
-    <p:sldLayoutId id="2147483660" r:id="rId12"/>
+    <p:sldLayoutId id="2147483649" r:id="rId2"/>
+    <p:sldLayoutId id="2147483650" r:id="rId3"/>
+    <p:sldLayoutId id="2147483651" r:id="rId4"/>
+    <p:sldLayoutId id="2147483652" r:id="rId5"/>
+    <p:sldLayoutId id="2147483653" r:id="rId6"/>
+    <p:sldLayoutId id="2147483654" r:id="rId7"/>
+    <p:sldLayoutId id="2147483655" r:id="rId8"/>
+    <p:sldLayoutId id="2147483656" r:id="rId9"/>
+    <p:sldLayoutId id="2147483657" r:id="rId10"/>
+    <p:sldLayoutId id="2147483658" r:id="rId11"/>
+    <p:sldLayoutId id="2147483659" r:id="rId12"/>
+    <p:sldLayoutId id="2147483660" r:id="rId13"/>
   </p:sldLayoutIdLst>
-  <p:txStyles>
-    <p:titleStyle/>
-    <p:bodyStyle/>
-    <p:otherStyle/>
-  </p:txStyles>
 </p:sldMaster>
 </file>
 
 <file path=ppt/slideMasters/slideMaster2.xml><?xml version="1.0" encoding="utf-8"?>
-<p:sldMaster xmlns:a="http://schemas.openxmlformats.org/drawingml/2006/main" xmlns:r="http://schemas.openxmlformats.org/officeDocument/2006/relationships" xmlns:p="http://schemas.openxmlformats.org/presentationml/2006/main">
+<p:sldMaster xmlns:a="http://schemas.openxmlformats.org/drawingml/2006/main" xmlns:p="http://schemas.openxmlformats.org/presentationml/2006/main" xmlns:r="http://schemas.openxmlformats.org/officeDocument/2006/relationships" xmlns:p14="http://schemas.microsoft.com/office/powerpoint/2010/main" xmlns:p15="http://schemas.microsoft.com/office/powerpoint/2012/main" xmlns:mc="http://schemas.openxmlformats.org/markup-compatibility/2006">
   <p:cSld>
     <p:spTree>
       <p:nvGrpSpPr>
@@ -3758,28 +3574,22 @@
         <p:spPr>
           <a:xfrm>
             <a:off x="360" y="216000"/>
-            <a:ext cx="503280" cy="809280"/>
+            <a:ext cx="502920" cy="808920"/>
           </a:xfrm>
           <a:prstGeom prst="rect">
             <a:avLst/>
           </a:prstGeom>
           <a:solidFill>
-            <a:srgbClr val="EF2929"/>
+            <a:srgbClr val="ef2929"/>
           </a:solidFill>
           <a:ln>
             <a:noFill/>
           </a:ln>
         </p:spPr>
         <p:style>
-          <a:lnRef idx="0">
-            <a:scrgbClr r="0" g="0" b="0"/>
-          </a:lnRef>
-          <a:fillRef idx="0">
-            <a:scrgbClr r="0" g="0" b="0"/>
-          </a:fillRef>
-          <a:effectRef idx="0">
-            <a:scrgbClr r="0" g="0" b="0"/>
-          </a:effectRef>
+          <a:lnRef idx="0"/>
+          <a:fillRef idx="0"/>
+          <a:effectRef idx="0"/>
           <a:fontRef idx="minor"/>
         </p:style>
       </p:sp>
@@ -3803,24 +3613,33 @@
           </a:prstGeom>
         </p:spPr>
         <p:txBody>
-          <a:bodyPr lIns="0" tIns="0" rIns="0" bIns="0" anchor="ctr"/>
-          <a:lstStyle/>
-          <a:p>
-            <a:pPr algn="ctr"/>
+          <a:bodyPr lIns="0" rIns="0" tIns="0" bIns="0" anchor="ctr"/>
+          <a:p>
             <a:r>
-              <a:rPr lang="en-US" sz="4400" b="0" strike="noStrike" spc="-1">
+              <a:rPr b="0" lang="en-US" sz="1800" spc="-1" strike="noStrike">
                 <a:solidFill>
                   <a:srgbClr val="000000"/>
                 </a:solidFill>
                 <a:uFill>
                   <a:solidFill>
-                    <a:srgbClr val="FFFFFF"/>
+                    <a:srgbClr val="ffffff"/>
                   </a:solidFill>
                 </a:uFill>
                 <a:latin typeface="Arial"/>
               </a:rPr>
               <a:t>Click to edit the title text format</a:t>
             </a:r>
+            <a:endParaRPr b="0" lang="en-US" sz="1800" spc="-1" strike="noStrike">
+              <a:solidFill>
+                <a:srgbClr val="000000"/>
+              </a:solidFill>
+              <a:uFill>
+                <a:solidFill>
+                  <a:srgbClr val="ffffff"/>
+                </a:solidFill>
+              </a:uFill>
+              <a:latin typeface="Arial"/>
+            </a:endParaRPr>
           </a:p>
         </p:txBody>
       </p:sp>
@@ -3844,8 +3663,7 @@
           </a:prstGeom>
         </p:spPr>
         <p:txBody>
-          <a:bodyPr lIns="0" tIns="0" rIns="0" bIns="0"/>
-          <a:lstStyle/>
+          <a:bodyPr lIns="0" rIns="0" tIns="0" bIns="0"/>
           <a:p>
             <a:pPr marL="432000" indent="-324000">
               <a:spcBef>
@@ -3859,22 +3677,33 @@
               <a:buChar char=""/>
             </a:pPr>
             <a:r>
-              <a:rPr lang="en-US" sz="3200" b="0" strike="noStrike" spc="-1">
+              <a:rPr b="0" lang="en-US" sz="1800" spc="-1" strike="noStrike">
                 <a:solidFill>
                   <a:srgbClr val="000000"/>
                 </a:solidFill>
                 <a:uFill>
                   <a:solidFill>
-                    <a:srgbClr val="FFFFFF"/>
+                    <a:srgbClr val="ffffff"/>
                   </a:solidFill>
                 </a:uFill>
                 <a:latin typeface="Arial"/>
               </a:rPr>
               <a:t>Click to edit the outline text format</a:t>
             </a:r>
-          </a:p>
-          <a:p>
-            <a:pPr marL="864000" lvl="1" indent="-324000">
+            <a:endParaRPr b="0" lang="en-US" sz="1800" spc="-1" strike="noStrike">
+              <a:solidFill>
+                <a:srgbClr val="000000"/>
+              </a:solidFill>
+              <a:uFill>
+                <a:solidFill>
+                  <a:srgbClr val="ffffff"/>
+                </a:solidFill>
+              </a:uFill>
+              <a:latin typeface="Arial"/>
+            </a:endParaRPr>
+          </a:p>
+          <a:p>
+            <a:pPr lvl="1" marL="864000" indent="-324000">
               <a:spcBef>
                 <a:spcPts val="1134"/>
               </a:spcBef>
@@ -3886,22 +3715,33 @@
               <a:buChar char=""/>
             </a:pPr>
             <a:r>
-              <a:rPr lang="en-US" sz="2800" b="0" strike="noStrike" spc="-1">
+              <a:rPr b="0" lang="en-US" sz="1800" spc="-1" strike="noStrike">
                 <a:solidFill>
                   <a:srgbClr val="000000"/>
                 </a:solidFill>
                 <a:uFill>
                   <a:solidFill>
-                    <a:srgbClr val="FFFFFF"/>
+                    <a:srgbClr val="ffffff"/>
                   </a:solidFill>
                 </a:uFill>
                 <a:latin typeface="Arial"/>
               </a:rPr>
               <a:t>Second Outline Level</a:t>
             </a:r>
-          </a:p>
-          <a:p>
-            <a:pPr marL="1296000" lvl="2" indent="-288000">
+            <a:endParaRPr b="0" lang="en-US" sz="1800" spc="-1" strike="noStrike">
+              <a:solidFill>
+                <a:srgbClr val="000000"/>
+              </a:solidFill>
+              <a:uFill>
+                <a:solidFill>
+                  <a:srgbClr val="ffffff"/>
+                </a:solidFill>
+              </a:uFill>
+              <a:latin typeface="Arial"/>
+            </a:endParaRPr>
+          </a:p>
+          <a:p>
+            <a:pPr lvl="2" marL="1296000" indent="-288000">
               <a:spcBef>
                 <a:spcPts val="850"/>
               </a:spcBef>
@@ -3913,22 +3753,33 @@
               <a:buChar char=""/>
             </a:pPr>
             <a:r>
-              <a:rPr lang="en-US" sz="2400" b="0" strike="noStrike" spc="-1">
+              <a:rPr b="0" lang="en-US" sz="1800" spc="-1" strike="noStrike">
                 <a:solidFill>
                   <a:srgbClr val="000000"/>
                 </a:solidFill>
                 <a:uFill>
                   <a:solidFill>
-                    <a:srgbClr val="FFFFFF"/>
+                    <a:srgbClr val="ffffff"/>
                   </a:solidFill>
                 </a:uFill>
                 <a:latin typeface="Arial"/>
               </a:rPr>
               <a:t>Third Outline Level</a:t>
             </a:r>
-          </a:p>
-          <a:p>
-            <a:pPr marL="1728000" lvl="3" indent="-216000">
+            <a:endParaRPr b="0" lang="en-US" sz="1800" spc="-1" strike="noStrike">
+              <a:solidFill>
+                <a:srgbClr val="000000"/>
+              </a:solidFill>
+              <a:uFill>
+                <a:solidFill>
+                  <a:srgbClr val="ffffff"/>
+                </a:solidFill>
+              </a:uFill>
+              <a:latin typeface="Arial"/>
+            </a:endParaRPr>
+          </a:p>
+          <a:p>
+            <a:pPr lvl="3" marL="1728000" indent="-216000">
               <a:spcBef>
                 <a:spcPts val="567"/>
               </a:spcBef>
@@ -3940,22 +3791,33 @@
               <a:buChar char=""/>
             </a:pPr>
             <a:r>
-              <a:rPr lang="en-US" sz="2000" b="0" strike="noStrike" spc="-1">
+              <a:rPr b="0" lang="en-US" sz="1800" spc="-1" strike="noStrike">
                 <a:solidFill>
                   <a:srgbClr val="000000"/>
                 </a:solidFill>
                 <a:uFill>
                   <a:solidFill>
-                    <a:srgbClr val="FFFFFF"/>
+                    <a:srgbClr val="ffffff"/>
                   </a:solidFill>
                 </a:uFill>
                 <a:latin typeface="Arial"/>
               </a:rPr>
               <a:t>Fourth Outline Level</a:t>
             </a:r>
-          </a:p>
-          <a:p>
-            <a:pPr marL="2160000" lvl="4" indent="-216000">
+            <a:endParaRPr b="0" lang="en-US" sz="1800" spc="-1" strike="noStrike">
+              <a:solidFill>
+                <a:srgbClr val="000000"/>
+              </a:solidFill>
+              <a:uFill>
+                <a:solidFill>
+                  <a:srgbClr val="ffffff"/>
+                </a:solidFill>
+              </a:uFill>
+              <a:latin typeface="Arial"/>
+            </a:endParaRPr>
+          </a:p>
+          <a:p>
+            <a:pPr lvl="4" marL="2160000" indent="-216000">
               <a:spcBef>
                 <a:spcPts val="283"/>
               </a:spcBef>
@@ -3967,22 +3829,33 @@
               <a:buChar char=""/>
             </a:pPr>
             <a:r>
-              <a:rPr lang="en-US" sz="2000" b="0" strike="noStrike" spc="-1">
+              <a:rPr b="0" lang="en-US" sz="2000" spc="-1" strike="noStrike">
                 <a:solidFill>
                   <a:srgbClr val="000000"/>
                 </a:solidFill>
                 <a:uFill>
                   <a:solidFill>
-                    <a:srgbClr val="FFFFFF"/>
+                    <a:srgbClr val="ffffff"/>
                   </a:solidFill>
                 </a:uFill>
                 <a:latin typeface="Arial"/>
               </a:rPr>
               <a:t>Fifth Outline Level</a:t>
             </a:r>
-          </a:p>
-          <a:p>
-            <a:pPr marL="2592000" lvl="5" indent="-216000">
+            <a:endParaRPr b="0" lang="en-US" sz="2000" spc="-1" strike="noStrike">
+              <a:solidFill>
+                <a:srgbClr val="000000"/>
+              </a:solidFill>
+              <a:uFill>
+                <a:solidFill>
+                  <a:srgbClr val="ffffff"/>
+                </a:solidFill>
+              </a:uFill>
+              <a:latin typeface="Arial"/>
+            </a:endParaRPr>
+          </a:p>
+          <a:p>
+            <a:pPr lvl="5" marL="2592000" indent="-216000">
               <a:spcBef>
                 <a:spcPts val="283"/>
               </a:spcBef>
@@ -3994,22 +3867,33 @@
               <a:buChar char=""/>
             </a:pPr>
             <a:r>
-              <a:rPr lang="en-US" sz="2000" b="0" strike="noStrike" spc="-1">
+              <a:rPr b="0" lang="en-US" sz="2000" spc="-1" strike="noStrike">
                 <a:solidFill>
                   <a:srgbClr val="000000"/>
                 </a:solidFill>
                 <a:uFill>
                   <a:solidFill>
-                    <a:srgbClr val="FFFFFF"/>
+                    <a:srgbClr val="ffffff"/>
                   </a:solidFill>
                 </a:uFill>
                 <a:latin typeface="Arial"/>
               </a:rPr>
               <a:t>Sixth Outline Level</a:t>
             </a:r>
-          </a:p>
-          <a:p>
-            <a:pPr marL="3024000" lvl="6" indent="-216000">
+            <a:endParaRPr b="0" lang="en-US" sz="2000" spc="-1" strike="noStrike">
+              <a:solidFill>
+                <a:srgbClr val="000000"/>
+              </a:solidFill>
+              <a:uFill>
+                <a:solidFill>
+                  <a:srgbClr val="ffffff"/>
+                </a:solidFill>
+              </a:uFill>
+              <a:latin typeface="Arial"/>
+            </a:endParaRPr>
+          </a:p>
+          <a:p>
+            <a:pPr lvl="6" marL="3024000" indent="-216000">
               <a:spcBef>
                 <a:spcPts val="283"/>
               </a:spcBef>
@@ -4021,49 +3905,55 @@
               <a:buChar char=""/>
             </a:pPr>
             <a:r>
-              <a:rPr lang="en-US" sz="2000" b="0" strike="noStrike" spc="-1">
+              <a:rPr b="0" lang="en-US" sz="2000" spc="-1" strike="noStrike">
                 <a:solidFill>
                   <a:srgbClr val="000000"/>
                 </a:solidFill>
                 <a:uFill>
                   <a:solidFill>
-                    <a:srgbClr val="FFFFFF"/>
+                    <a:srgbClr val="ffffff"/>
                   </a:solidFill>
                 </a:uFill>
                 <a:latin typeface="Arial"/>
               </a:rPr>
               <a:t>Seventh Outline Level</a:t>
             </a:r>
+            <a:endParaRPr b="0" lang="en-US" sz="2000" spc="-1" strike="noStrike">
+              <a:solidFill>
+                <a:srgbClr val="000000"/>
+              </a:solidFill>
+              <a:uFill>
+                <a:solidFill>
+                  <a:srgbClr val="ffffff"/>
+                </a:solidFill>
+              </a:uFill>
+              <a:latin typeface="Arial"/>
+            </a:endParaRPr>
           </a:p>
         </p:txBody>
       </p:sp>
     </p:spTree>
   </p:cSld>
-  <p:clrMap bg1="lt1" tx1="dk1" bg2="lt2" tx2="dk2" accent1="accent1" accent2="accent2" accent3="accent3" accent4="accent4" accent5="accent5" accent6="accent6" hlink="hlink" folHlink="folHlink"/>
+  <p:clrMap bg1="lt1" bg2="lt2" tx1="dk1" tx2="dk2" accent1="accent1" accent2="accent2" accent3="accent3" accent4="accent4" accent5="accent5" accent6="accent6" hlink="hlink" folHlink="folHlink"/>
   <p:sldLayoutIdLst>
-    <p:sldLayoutId id="2147483662" r:id="rId1"/>
-    <p:sldLayoutId id="2147483663" r:id="rId2"/>
-    <p:sldLayoutId id="2147483664" r:id="rId3"/>
-    <p:sldLayoutId id="2147483665" r:id="rId4"/>
-    <p:sldLayoutId id="2147483666" r:id="rId5"/>
-    <p:sldLayoutId id="2147483667" r:id="rId6"/>
-    <p:sldLayoutId id="2147483668" r:id="rId7"/>
-    <p:sldLayoutId id="2147483669" r:id="rId8"/>
-    <p:sldLayoutId id="2147483670" r:id="rId9"/>
-    <p:sldLayoutId id="2147483671" r:id="rId10"/>
-    <p:sldLayoutId id="2147483672" r:id="rId11"/>
-    <p:sldLayoutId id="2147483673" r:id="rId12"/>
+    <p:sldLayoutId id="2147483662" r:id="rId2"/>
+    <p:sldLayoutId id="2147483663" r:id="rId3"/>
+    <p:sldLayoutId id="2147483664" r:id="rId4"/>
+    <p:sldLayoutId id="2147483665" r:id="rId5"/>
+    <p:sldLayoutId id="2147483666" r:id="rId6"/>
+    <p:sldLayoutId id="2147483667" r:id="rId7"/>
+    <p:sldLayoutId id="2147483668" r:id="rId8"/>
+    <p:sldLayoutId id="2147483669" r:id="rId9"/>
+    <p:sldLayoutId id="2147483670" r:id="rId10"/>
+    <p:sldLayoutId id="2147483671" r:id="rId11"/>
+    <p:sldLayoutId id="2147483672" r:id="rId12"/>
+    <p:sldLayoutId id="2147483673" r:id="rId13"/>
   </p:sldLayoutIdLst>
-  <p:txStyles>
-    <p:titleStyle/>
-    <p:bodyStyle/>
-    <p:otherStyle/>
-  </p:txStyles>
 </p:sldMaster>
 </file>
 
 <file path=ppt/slides/slide1.xml><?xml version="1.0" encoding="utf-8"?>
-<p:sld xmlns:a="http://schemas.openxmlformats.org/drawingml/2006/main" xmlns:r="http://schemas.openxmlformats.org/officeDocument/2006/relationships" xmlns:p="http://schemas.openxmlformats.org/presentationml/2006/main">
+<p:sld xmlns:a="http://schemas.openxmlformats.org/drawingml/2006/main" xmlns:p="http://schemas.openxmlformats.org/presentationml/2006/main" xmlns:r="http://schemas.openxmlformats.org/officeDocument/2006/relationships" xmlns:p14="http://schemas.microsoft.com/office/powerpoint/2010/main" xmlns:p15="http://schemas.microsoft.com/office/powerpoint/2012/main" xmlns:mc="http://schemas.openxmlformats.org/markup-compatibility/2006">
   <p:cSld>
     <p:spTree>
       <p:nvGrpSpPr>
@@ -4088,7 +3978,7 @@
         <p:spPr>
           <a:xfrm>
             <a:off x="791640" y="2996280"/>
-            <a:ext cx="8566560" cy="1243440"/>
+            <a:ext cx="8566200" cy="1243080"/>
           </a:xfrm>
           <a:prstGeom prst="rect">
             <a:avLst/>
@@ -4099,29 +3989,27 @@
           </a:ln>
         </p:spPr>
         <p:style>
-          <a:lnRef idx="0">
-            <a:scrgbClr r="0" g="0" b="0"/>
-          </a:lnRef>
-          <a:fillRef idx="0">
-            <a:scrgbClr r="0" g="0" b="0"/>
-          </a:fillRef>
-          <a:effectRef idx="0">
-            <a:scrgbClr r="0" g="0" b="0"/>
-          </a:effectRef>
+          <a:lnRef idx="0"/>
+          <a:fillRef idx="0"/>
+          <a:effectRef idx="0"/>
           <a:fontRef idx="minor"/>
         </p:style>
         <p:txBody>
-          <a:bodyPr lIns="0" tIns="0" rIns="0" bIns="0" anchor="ctr"/>
-          <a:lstStyle/>
-          <a:p>
+          <a:bodyPr lIns="0" rIns="0" tIns="0" bIns="0" anchor="ctr"/>
+          <a:p>
+            <a:pPr>
+              <a:lnSpc>
+                <a:spcPct val="100000"/>
+              </a:lnSpc>
+            </a:pPr>
             <a:r>
-              <a:rPr lang="en-US" sz="4800" b="1" strike="noStrike" spc="-1">
+              <a:rPr b="1" lang="en-US" sz="4800" spc="-1" strike="noStrike">
                 <a:solidFill>
                   <a:srgbClr val="333333"/>
                 </a:solidFill>
                 <a:uFill>
                   <a:solidFill>
-                    <a:srgbClr val="FFFFFF"/>
+                    <a:srgbClr val="ffffff"/>
                   </a:solidFill>
                 </a:uFill>
                 <a:latin typeface="Open Sans"/>
@@ -4129,13 +4017,13 @@
               </a:rPr>
               <a:t>Cybersecurity Password Vault using Java</a:t>
             </a:r>
-            <a:endParaRPr lang="en-US" sz="1800" b="0" strike="noStrike" spc="-1">
-              <a:solidFill>
-                <a:srgbClr val="000000"/>
-              </a:solidFill>
-              <a:uFill>
-                <a:solidFill>
-                  <a:srgbClr val="FFFFFF"/>
+            <a:endParaRPr b="0" lang="en-US" sz="1800" spc="-1" strike="noStrike">
+              <a:solidFill>
+                <a:srgbClr val="000000"/>
+              </a:solidFill>
+              <a:uFill>
+                <a:solidFill>
+                  <a:srgbClr val="ffffff"/>
                 </a:solidFill>
               </a:uFill>
               <a:latin typeface="Arial"/>
@@ -4152,7 +4040,7 @@
         <p:spPr>
           <a:xfrm>
             <a:off x="791640" y="4428000"/>
-            <a:ext cx="8566560" cy="736200"/>
+            <a:ext cx="8566200" cy="735840"/>
           </a:xfrm>
           <a:prstGeom prst="rect">
             <a:avLst/>
@@ -4163,23 +4051,14 @@
           </a:ln>
         </p:spPr>
         <p:style>
-          <a:lnRef idx="0">
-            <a:scrgbClr r="0" g="0" b="0"/>
-          </a:lnRef>
-          <a:fillRef idx="0">
-            <a:scrgbClr r="0" g="0" b="0"/>
-          </a:fillRef>
-          <a:effectRef idx="0">
-            <a:scrgbClr r="0" g="0" b="0"/>
-          </a:effectRef>
+          <a:lnRef idx="0"/>
+          <a:fillRef idx="0"/>
+          <a:effectRef idx="0"/>
           <a:fontRef idx="minor"/>
         </p:style>
       </p:sp>
     </p:spTree>
   </p:cSld>
-  <p:clrMapOvr>
-    <a:masterClrMapping/>
-  </p:clrMapOvr>
   <p:timing>
     <p:tnLst>
       <p:par>
@@ -4188,14 +4067,14 @@
             <p:seq>
               <p:cTn id="2" nodeType="mainSeq"/>
               <p:prevCondLst>
-                <p:cond evt="onPrev" delay="0">
+                <p:cond delay="0" evt="onPrev">
                   <p:tgtEl>
                     <p:sldTgt/>
                   </p:tgtEl>
                 </p:cond>
               </p:prevCondLst>
               <p:nextCondLst>
-                <p:cond evt="onNext" delay="0">
+                <p:cond delay="0" evt="onNext">
                   <p:tgtEl>
                     <p:sldTgt/>
                   </p:tgtEl>
@@ -4211,7 +4090,7 @@
 </file>
 
 <file path=ppt/slides/slide2.xml><?xml version="1.0" encoding="utf-8"?>
-<p:sld xmlns:a="http://schemas.openxmlformats.org/drawingml/2006/main" xmlns:r="http://schemas.openxmlformats.org/officeDocument/2006/relationships" xmlns:p="http://schemas.openxmlformats.org/presentationml/2006/main">
+<p:sld xmlns:a="http://schemas.openxmlformats.org/drawingml/2006/main" xmlns:p="http://schemas.openxmlformats.org/presentationml/2006/main" xmlns:r="http://schemas.openxmlformats.org/officeDocument/2006/relationships" xmlns:p14="http://schemas.microsoft.com/office/powerpoint/2010/main" xmlns:p15="http://schemas.microsoft.com/office/powerpoint/2012/main" xmlns:mc="http://schemas.openxmlformats.org/markup-compatibility/2006">
   <p:cSld>
     <p:spTree>
       <p:nvGrpSpPr>
@@ -4229,14 +4108,14 @@
       </p:grpSpPr>
       <p:sp>
         <p:nvSpPr>
-          <p:cNvPr id="80" name="TextShape 1"/>
-          <p:cNvSpPr txBox="1"/>
+          <p:cNvPr id="80" name="CustomShape 1"/>
+          <p:cNvSpPr/>
           <p:nvPr/>
         </p:nvSpPr>
         <p:spPr>
           <a:xfrm>
             <a:off x="642240" y="182880"/>
-            <a:ext cx="6581520" cy="851040"/>
+            <a:ext cx="6581160" cy="850680"/>
           </a:xfrm>
           <a:prstGeom prst="rect">
             <a:avLst/>
@@ -4246,49 +4125,74 @@
             <a:noFill/>
           </a:ln>
         </p:spPr>
-        <p:txBody>
-          <a:bodyPr lIns="90000" tIns="45000" rIns="90000" bIns="45000"/>
-          <a:lstStyle/>
-          <a:p>
+        <p:style>
+          <a:lnRef idx="0"/>
+          <a:fillRef idx="0"/>
+          <a:effectRef idx="0"/>
+          <a:fontRef idx="minor"/>
+        </p:style>
+        <p:txBody>
+          <a:bodyPr lIns="90000" rIns="90000" tIns="45000" bIns="45000"/>
+          <a:p>
+            <a:pPr>
+              <a:lnSpc>
+                <a:spcPct val="100000"/>
+              </a:lnSpc>
+            </a:pPr>
             <a:r>
-              <a:rPr lang="en-US" sz="4400" b="1" strike="noStrike" spc="-1">
+              <a:rPr b="1" lang="en-US" sz="4400" spc="-1" strike="noStrike">
                 <a:solidFill>
                   <a:srgbClr val="333333"/>
                 </a:solidFill>
                 <a:uFill>
                   <a:solidFill>
-                    <a:srgbClr val="FFFFFF"/>
+                    <a:srgbClr val="ffffff"/>
                   </a:solidFill>
                 </a:uFill>
                 <a:latin typeface="Open Sans"/>
                 <a:ea typeface="DejaVu Sans"/>
               </a:rPr>
-              <a:t>Password Vault 	</a:t>
+              <a:t>Password Vault </a:t>
             </a:r>
-            <a:endParaRPr lang="en-US" sz="1800" b="0" strike="noStrike" spc="-1">
-              <a:solidFill>
-                <a:srgbClr val="000000"/>
-              </a:solidFill>
-              <a:uFill>
-                <a:solidFill>
-                  <a:srgbClr val="FFFFFF"/>
-                </a:solidFill>
-              </a:uFill>
-              <a:latin typeface="Arial"/>
-            </a:endParaRPr>
-          </a:p>
-        </p:txBody>
-      </p:sp>
-      <p:sp>
-        <p:nvSpPr>
-          <p:cNvPr id="81" name="TextShape 2"/>
-          <p:cNvSpPr txBox="1"/>
+            <a:r>
+              <a:rPr b="1" lang="en-US" sz="4400" spc="-1" strike="noStrike">
+                <a:solidFill>
+                  <a:srgbClr val="333333"/>
+                </a:solidFill>
+                <a:uFill>
+                  <a:solidFill>
+                    <a:srgbClr val="ffffff"/>
+                  </a:solidFill>
+                </a:uFill>
+                <a:latin typeface="Open Sans"/>
+                <a:ea typeface="DejaVu Sans"/>
+              </a:rPr>
+              <a:t>	</a:t>
+            </a:r>
+            <a:endParaRPr b="0" lang="en-US" sz="1800" spc="-1" strike="noStrike">
+              <a:solidFill>
+                <a:srgbClr val="000000"/>
+              </a:solidFill>
+              <a:uFill>
+                <a:solidFill>
+                  <a:srgbClr val="ffffff"/>
+                </a:solidFill>
+              </a:uFill>
+              <a:latin typeface="Arial"/>
+            </a:endParaRPr>
+          </a:p>
+        </p:txBody>
+      </p:sp>
+      <p:sp>
+        <p:nvSpPr>
+          <p:cNvPr id="81" name="CustomShape 2"/>
+          <p:cNvSpPr/>
           <p:nvPr/>
         </p:nvSpPr>
         <p:spPr>
           <a:xfrm>
             <a:off x="731520" y="1371600"/>
-            <a:ext cx="8686800" cy="4114800"/>
+            <a:ext cx="8686440" cy="4114440"/>
           </a:xfrm>
           <a:prstGeom prst="rect">
             <a:avLst/>
@@ -4298,9 +4202,14 @@
             <a:noFill/>
           </a:ln>
         </p:spPr>
-        <p:txBody>
-          <a:bodyPr lIns="90000" tIns="45000" rIns="90000" bIns="45000"/>
-          <a:lstStyle/>
+        <p:style>
+          <a:lnRef idx="0"/>
+          <a:fillRef idx="0"/>
+          <a:effectRef idx="0"/>
+          <a:fontRef idx="minor"/>
+        </p:style>
+        <p:txBody>
+          <a:bodyPr lIns="90000" rIns="90000" tIns="45000" bIns="45000"/>
           <a:p>
             <a:pPr>
               <a:lnSpc>
@@ -4311,13 +4220,13 @@
               </a:spcAft>
             </a:pPr>
             <a:r>
-              <a:rPr lang="en-US" sz="2800" b="0" strike="noStrike" spc="-1">
+              <a:rPr b="0" lang="en-US" sz="2800" spc="-1" strike="noStrike">
                 <a:solidFill>
                   <a:srgbClr val="333333"/>
                 </a:solidFill>
                 <a:uFill>
                   <a:solidFill>
-                    <a:srgbClr val="FFFFFF"/>
+                    <a:srgbClr val="ffffff"/>
                   </a:solidFill>
                 </a:uFill>
                 <a:latin typeface="Open Sans"/>
@@ -4325,13 +4234,13 @@
               </a:rPr>
               <a:t>A password vault is a program that will allow a user to store their username and passwords for websites and programs. It uses encryption to ensure only the user will have access to the information</a:t>
             </a:r>
-            <a:endParaRPr lang="en-US" sz="1800" b="0" strike="noStrike" spc="-1">
-              <a:solidFill>
-                <a:srgbClr val="000000"/>
-              </a:solidFill>
-              <a:uFill>
-                <a:solidFill>
-                  <a:srgbClr val="FFFFFF"/>
+            <a:endParaRPr b="0" lang="en-US" sz="1800" spc="-1" strike="noStrike">
+              <a:solidFill>
+                <a:srgbClr val="000000"/>
+              </a:solidFill>
+              <a:uFill>
+                <a:solidFill>
+                  <a:srgbClr val="ffffff"/>
                 </a:solidFill>
               </a:uFill>
               <a:latin typeface="Arial"/>
@@ -4341,25 +4250,22 @@
       </p:sp>
     </p:spTree>
   </p:cSld>
-  <p:clrMapOvr>
-    <a:masterClrMapping/>
-  </p:clrMapOvr>
   <p:timing>
     <p:tnLst>
       <p:par>
-        <p:cTn id="1" dur="indefinite" restart="never" nodeType="tmRoot">
+        <p:cTn id="3" dur="indefinite" restart="never" nodeType="tmRoot">
           <p:childTnLst>
             <p:seq>
-              <p:cTn id="2" nodeType="mainSeq"/>
+              <p:cTn id="4" nodeType="mainSeq"/>
               <p:prevCondLst>
-                <p:cond evt="onPrev" delay="0">
+                <p:cond delay="0" evt="onPrev">
                   <p:tgtEl>
                     <p:sldTgt/>
                   </p:tgtEl>
                 </p:cond>
               </p:prevCondLst>
               <p:nextCondLst>
-                <p:cond evt="onNext" delay="0">
+                <p:cond delay="0" evt="onNext">
                   <p:tgtEl>
                     <p:sldTgt/>
                   </p:tgtEl>
@@ -4375,7 +4281,7 @@
 </file>
 
 <file path=ppt/slides/slide3.xml><?xml version="1.0" encoding="utf-8"?>
-<p:sld xmlns:a="http://schemas.openxmlformats.org/drawingml/2006/main" xmlns:r="http://schemas.openxmlformats.org/officeDocument/2006/relationships" xmlns:p="http://schemas.openxmlformats.org/presentationml/2006/main">
+<p:sld xmlns:a="http://schemas.openxmlformats.org/drawingml/2006/main" xmlns:p="http://schemas.openxmlformats.org/presentationml/2006/main" xmlns:r="http://schemas.openxmlformats.org/officeDocument/2006/relationships" xmlns:p14="http://schemas.microsoft.com/office/powerpoint/2010/main" xmlns:p15="http://schemas.microsoft.com/office/powerpoint/2012/main" xmlns:mc="http://schemas.openxmlformats.org/markup-compatibility/2006">
   <p:cSld>
     <p:spTree>
       <p:nvGrpSpPr>
@@ -4400,7 +4306,7 @@
         <p:spPr>
           <a:xfrm>
             <a:off x="719640" y="225720"/>
-            <a:ext cx="8854200" cy="946440"/>
+            <a:ext cx="8853840" cy="946080"/>
           </a:xfrm>
           <a:prstGeom prst="rect">
             <a:avLst/>
@@ -4411,43 +4317,56 @@
           </a:ln>
         </p:spPr>
         <p:style>
-          <a:lnRef idx="0">
-            <a:scrgbClr r="0" g="0" b="0"/>
-          </a:lnRef>
-          <a:fillRef idx="0">
-            <a:scrgbClr r="0" g="0" b="0"/>
-          </a:fillRef>
-          <a:effectRef idx="0">
-            <a:scrgbClr r="0" g="0" b="0"/>
-          </a:effectRef>
+          <a:lnRef idx="0"/>
+          <a:fillRef idx="0"/>
+          <a:effectRef idx="0"/>
           <a:fontRef idx="minor"/>
         </p:style>
         <p:txBody>
-          <a:bodyPr lIns="0" tIns="0" rIns="0" bIns="0" anchor="ctr"/>
-          <a:lstStyle/>
-          <a:p>
+          <a:bodyPr lIns="0" rIns="0" tIns="0" bIns="0" anchor="ctr"/>
+          <a:p>
+            <a:pPr>
+              <a:lnSpc>
+                <a:spcPct val="100000"/>
+              </a:lnSpc>
+            </a:pPr>
             <a:r>
-              <a:rPr lang="en-US" sz="4400" b="1" strike="noStrike" spc="-1">
+              <a:rPr b="1" lang="en-US" sz="4400" spc="-1" strike="noStrike">
                 <a:solidFill>
                   <a:srgbClr val="333333"/>
                 </a:solidFill>
                 <a:uFill>
                   <a:solidFill>
-                    <a:srgbClr val="FFFFFF"/>
+                    <a:srgbClr val="ffffff"/>
                   </a:solidFill>
                 </a:uFill>
                 <a:latin typeface="Open Sans"/>
                 <a:ea typeface="DejaVu Sans"/>
               </a:rPr>
-              <a:t>Password Vault Team 	</a:t>
+              <a:t>Password Vault Team </a:t>
             </a:r>
-            <a:endParaRPr lang="en-US" sz="1800" b="0" strike="noStrike" spc="-1">
-              <a:solidFill>
-                <a:srgbClr val="000000"/>
-              </a:solidFill>
-              <a:uFill>
-                <a:solidFill>
-                  <a:srgbClr val="FFFFFF"/>
+            <a:r>
+              <a:rPr b="1" lang="en-US" sz="4400" spc="-1" strike="noStrike">
+                <a:solidFill>
+                  <a:srgbClr val="333333"/>
+                </a:solidFill>
+                <a:uFill>
+                  <a:solidFill>
+                    <a:srgbClr val="ffffff"/>
+                  </a:solidFill>
+                </a:uFill>
+                <a:latin typeface="Open Sans"/>
+                <a:ea typeface="DejaVu Sans"/>
+              </a:rPr>
+              <a:t>	</a:t>
+            </a:r>
+            <a:endParaRPr b="0" lang="en-US" sz="1800" spc="-1" strike="noStrike">
+              <a:solidFill>
+                <a:srgbClr val="000000"/>
+              </a:solidFill>
+              <a:uFill>
+                <a:solidFill>
+                  <a:srgbClr val="ffffff"/>
                 </a:solidFill>
               </a:uFill>
               <a:latin typeface="Arial"/>
@@ -4464,7 +4383,7 @@
         <p:spPr>
           <a:xfrm>
             <a:off x="719640" y="1620000"/>
-            <a:ext cx="8638560" cy="3287880"/>
+            <a:ext cx="8638200" cy="3287520"/>
           </a:xfrm>
           <a:prstGeom prst="rect">
             <a:avLst/>
@@ -4475,22 +4394,15 @@
           </a:ln>
         </p:spPr>
         <p:style>
-          <a:lnRef idx="0">
-            <a:scrgbClr r="0" g="0" b="0"/>
-          </a:lnRef>
-          <a:fillRef idx="0">
-            <a:scrgbClr r="0" g="0" b="0"/>
-          </a:fillRef>
-          <a:effectRef idx="0">
-            <a:scrgbClr r="0" g="0" b="0"/>
-          </a:effectRef>
+          <a:lnRef idx="0"/>
+          <a:fillRef idx="0"/>
+          <a:effectRef idx="0"/>
           <a:fontRef idx="minor"/>
         </p:style>
         <p:txBody>
-          <a:bodyPr lIns="0" tIns="0" rIns="0" bIns="0"/>
-          <a:lstStyle/>
-          <a:p>
-            <a:pPr marL="432000" indent="-323280">
+          <a:bodyPr lIns="0" rIns="0" tIns="0" bIns="0"/>
+          <a:p>
+            <a:pPr marL="432000" indent="-322920">
               <a:lnSpc>
                 <a:spcPct val="100000"/>
               </a:lnSpc>
@@ -4498,20 +4410,20 @@
                 <a:spcPts val="1414"/>
               </a:spcAft>
               <a:buClr>
-                <a:srgbClr val="EF2929"/>
+                <a:srgbClr val="ef2929"/>
               </a:buClr>
               <a:buSzPct val="45000"/>
               <a:buFont typeface="Wingdings" charset="2"/>
               <a:buChar char=""/>
             </a:pPr>
             <a:r>
-              <a:rPr lang="en-US" sz="2800" b="0" strike="noStrike" spc="-1">
+              <a:rPr b="0" lang="en-US" sz="2800" spc="-1" strike="noStrike">
                 <a:solidFill>
                   <a:srgbClr val="333333"/>
                 </a:solidFill>
                 <a:uFill>
                   <a:solidFill>
-                    <a:srgbClr val="FFFFFF"/>
+                    <a:srgbClr val="ffffff"/>
                   </a:solidFill>
                 </a:uFill>
                 <a:latin typeface="Open Sans"/>
@@ -4519,20 +4431,20 @@
               </a:rPr>
               <a:t>John Crosby - Authentication</a:t>
             </a:r>
-            <a:endParaRPr lang="en-US" sz="1800" b="0" strike="noStrike" spc="-1">
-              <a:solidFill>
-                <a:srgbClr val="000000"/>
-              </a:solidFill>
-              <a:uFill>
-                <a:solidFill>
-                  <a:srgbClr val="FFFFFF"/>
-                </a:solidFill>
-              </a:uFill>
-              <a:latin typeface="Arial"/>
-            </a:endParaRPr>
-          </a:p>
-          <a:p>
-            <a:pPr marL="432000" indent="-323280">
+            <a:endParaRPr b="0" lang="en-US" sz="1800" spc="-1" strike="noStrike">
+              <a:solidFill>
+                <a:srgbClr val="000000"/>
+              </a:solidFill>
+              <a:uFill>
+                <a:solidFill>
+                  <a:srgbClr val="ffffff"/>
+                </a:solidFill>
+              </a:uFill>
+              <a:latin typeface="Arial"/>
+            </a:endParaRPr>
+          </a:p>
+          <a:p>
+            <a:pPr marL="432000" indent="-322920">
               <a:lnSpc>
                 <a:spcPct val="100000"/>
               </a:lnSpc>
@@ -4540,20 +4452,20 @@
                 <a:spcPts val="1414"/>
               </a:spcAft>
               <a:buClr>
-                <a:srgbClr val="EF2929"/>
+                <a:srgbClr val="ef2929"/>
               </a:buClr>
               <a:buSzPct val="45000"/>
               <a:buFont typeface="Wingdings" charset="2"/>
               <a:buChar char=""/>
             </a:pPr>
             <a:r>
-              <a:rPr lang="en-US" sz="2800" b="0" strike="noStrike" spc="-1">
+              <a:rPr b="0" lang="en-US" sz="2800" spc="-1" strike="noStrike">
                 <a:solidFill>
                   <a:srgbClr val="333333"/>
                 </a:solidFill>
                 <a:uFill>
                   <a:solidFill>
-                    <a:srgbClr val="FFFFFF"/>
+                    <a:srgbClr val="ffffff"/>
                   </a:solidFill>
                 </a:uFill>
                 <a:latin typeface="Open Sans"/>
@@ -4561,20 +4473,20 @@
               </a:rPr>
               <a:t>Kevin Yang – Password Encryption</a:t>
             </a:r>
-            <a:endParaRPr lang="en-US" sz="1800" b="0" strike="noStrike" spc="-1">
-              <a:solidFill>
-                <a:srgbClr val="000000"/>
-              </a:solidFill>
-              <a:uFill>
-                <a:solidFill>
-                  <a:srgbClr val="FFFFFF"/>
-                </a:solidFill>
-              </a:uFill>
-              <a:latin typeface="Arial"/>
-            </a:endParaRPr>
-          </a:p>
-          <a:p>
-            <a:pPr marL="432000" indent="-323280">
+            <a:endParaRPr b="0" lang="en-US" sz="1800" spc="-1" strike="noStrike">
+              <a:solidFill>
+                <a:srgbClr val="000000"/>
+              </a:solidFill>
+              <a:uFill>
+                <a:solidFill>
+                  <a:srgbClr val="ffffff"/>
+                </a:solidFill>
+              </a:uFill>
+              <a:latin typeface="Arial"/>
+            </a:endParaRPr>
+          </a:p>
+          <a:p>
+            <a:pPr marL="432000" indent="-322920">
               <a:lnSpc>
                 <a:spcPct val="100000"/>
               </a:lnSpc>
@@ -4582,20 +4494,20 @@
                 <a:spcPts val="1414"/>
               </a:spcAft>
               <a:buClr>
-                <a:srgbClr val="EF2929"/>
+                <a:srgbClr val="ef2929"/>
               </a:buClr>
               <a:buSzPct val="45000"/>
               <a:buFont typeface="Wingdings" charset="2"/>
               <a:buChar char=""/>
             </a:pPr>
             <a:r>
-              <a:rPr lang="en-US" sz="2800" b="0" strike="noStrike" spc="-1">
+              <a:rPr b="0" lang="en-US" sz="2800" spc="-1" strike="noStrike">
                 <a:solidFill>
                   <a:srgbClr val="333333"/>
                 </a:solidFill>
                 <a:uFill>
                   <a:solidFill>
-                    <a:srgbClr val="FFFFFF"/>
+                    <a:srgbClr val="ffffff"/>
                   </a:solidFill>
                 </a:uFill>
                 <a:latin typeface="Open Sans"/>
@@ -4603,13 +4515,13 @@
               </a:rPr>
               <a:t>Brian Sumner – User Interface</a:t>
             </a:r>
-            <a:endParaRPr lang="en-US" sz="1800" b="0" strike="noStrike" spc="-1">
-              <a:solidFill>
-                <a:srgbClr val="000000"/>
-              </a:solidFill>
-              <a:uFill>
-                <a:solidFill>
-                  <a:srgbClr val="FFFFFF"/>
+            <a:endParaRPr b="0" lang="en-US" sz="1800" spc="-1" strike="noStrike">
+              <a:solidFill>
+                <a:srgbClr val="000000"/>
+              </a:solidFill>
+              <a:uFill>
+                <a:solidFill>
+                  <a:srgbClr val="ffffff"/>
                 </a:solidFill>
               </a:uFill>
               <a:latin typeface="Arial"/>
@@ -4624,13 +4536,13 @@
                 <a:spcPts val="1414"/>
               </a:spcAft>
             </a:pPr>
-            <a:endParaRPr lang="en-US" sz="1800" b="0" strike="noStrike" spc="-1">
-              <a:solidFill>
-                <a:srgbClr val="000000"/>
-              </a:solidFill>
-              <a:uFill>
-                <a:solidFill>
-                  <a:srgbClr val="FFFFFF"/>
+            <a:endParaRPr b="0" lang="en-US" sz="1800" spc="-1" strike="noStrike">
+              <a:solidFill>
+                <a:srgbClr val="000000"/>
+              </a:solidFill>
+              <a:uFill>
+                <a:solidFill>
+                  <a:srgbClr val="ffffff"/>
                 </a:solidFill>
               </a:uFill>
               <a:latin typeface="Arial"/>
@@ -4640,25 +4552,22 @@
       </p:sp>
     </p:spTree>
   </p:cSld>
-  <p:clrMapOvr>
-    <a:masterClrMapping/>
-  </p:clrMapOvr>
   <p:timing>
     <p:tnLst>
       <p:par>
-        <p:cTn id="1" dur="indefinite" restart="never" nodeType="tmRoot">
+        <p:cTn id="5" dur="indefinite" restart="never" nodeType="tmRoot">
           <p:childTnLst>
             <p:seq>
-              <p:cTn id="2" nodeType="mainSeq"/>
+              <p:cTn id="6" nodeType="mainSeq"/>
               <p:prevCondLst>
-                <p:cond evt="onPrev" delay="0">
+                <p:cond delay="0" evt="onPrev">
                   <p:tgtEl>
                     <p:sldTgt/>
                   </p:tgtEl>
                 </p:cond>
               </p:prevCondLst>
               <p:nextCondLst>
-                <p:cond evt="onNext" delay="0">
+                <p:cond delay="0" evt="onNext">
                   <p:tgtEl>
                     <p:sldTgt/>
                   </p:tgtEl>
@@ -4674,7 +4583,7 @@
 </file>
 
 <file path=ppt/slides/slide4.xml><?xml version="1.0" encoding="utf-8"?>
-<p:sld xmlns:a="http://schemas.openxmlformats.org/drawingml/2006/main" xmlns:r="http://schemas.openxmlformats.org/officeDocument/2006/relationships" xmlns:p="http://schemas.openxmlformats.org/presentationml/2006/main">
+<p:sld xmlns:a="http://schemas.openxmlformats.org/drawingml/2006/main" xmlns:p="http://schemas.openxmlformats.org/presentationml/2006/main" xmlns:r="http://schemas.openxmlformats.org/officeDocument/2006/relationships" xmlns:p14="http://schemas.microsoft.com/office/powerpoint/2010/main" xmlns:p15="http://schemas.microsoft.com/office/powerpoint/2012/main" xmlns:mc="http://schemas.openxmlformats.org/markup-compatibility/2006">
   <p:cSld>
     <p:spTree>
       <p:nvGrpSpPr>
@@ -4699,7 +4608,7 @@
         <p:spPr>
           <a:xfrm>
             <a:off x="719640" y="225720"/>
-            <a:ext cx="8854200" cy="946440"/>
+            <a:ext cx="8853840" cy="946080"/>
           </a:xfrm>
           <a:prstGeom prst="rect">
             <a:avLst/>
@@ -4710,29 +4619,27 @@
           </a:ln>
         </p:spPr>
         <p:style>
-          <a:lnRef idx="0">
-            <a:scrgbClr r="0" g="0" b="0"/>
-          </a:lnRef>
-          <a:fillRef idx="0">
-            <a:scrgbClr r="0" g="0" b="0"/>
-          </a:fillRef>
-          <a:effectRef idx="0">
-            <a:scrgbClr r="0" g="0" b="0"/>
-          </a:effectRef>
+          <a:lnRef idx="0"/>
+          <a:fillRef idx="0"/>
+          <a:effectRef idx="0"/>
           <a:fontRef idx="minor"/>
         </p:style>
         <p:txBody>
-          <a:bodyPr lIns="0" tIns="0" rIns="0" bIns="0" anchor="ctr"/>
-          <a:lstStyle/>
-          <a:p>
+          <a:bodyPr lIns="0" rIns="0" tIns="0" bIns="0" anchor="ctr"/>
+          <a:p>
+            <a:pPr>
+              <a:lnSpc>
+                <a:spcPct val="100000"/>
+              </a:lnSpc>
+            </a:pPr>
             <a:r>
-              <a:rPr lang="en-US" sz="4400" b="1" strike="noStrike" spc="-1">
+              <a:rPr b="1" lang="en-US" sz="4400" spc="-1" strike="noStrike">
                 <a:solidFill>
                   <a:srgbClr val="333333"/>
                 </a:solidFill>
                 <a:uFill>
                   <a:solidFill>
-                    <a:srgbClr val="FFFFFF"/>
+                    <a:srgbClr val="ffffff"/>
                   </a:solidFill>
                 </a:uFill>
                 <a:latin typeface="Open Sans"/>
@@ -4740,13 +4647,13 @@
               </a:rPr>
               <a:t>Project Overview</a:t>
             </a:r>
-            <a:endParaRPr lang="en-US" sz="1800" b="0" strike="noStrike" spc="-1">
-              <a:solidFill>
-                <a:srgbClr val="000000"/>
-              </a:solidFill>
-              <a:uFill>
-                <a:solidFill>
-                  <a:srgbClr val="FFFFFF"/>
+            <a:endParaRPr b="0" lang="en-US" sz="1800" spc="-1" strike="noStrike">
+              <a:solidFill>
+                <a:srgbClr val="000000"/>
+              </a:solidFill>
+              <a:uFill>
+                <a:solidFill>
+                  <a:srgbClr val="ffffff"/>
                 </a:solidFill>
               </a:uFill>
               <a:latin typeface="Arial"/>
@@ -4763,7 +4670,7 @@
         <p:spPr>
           <a:xfrm>
             <a:off x="719640" y="1566000"/>
-            <a:ext cx="8638560" cy="3735360"/>
+            <a:ext cx="8638200" cy="3735000"/>
           </a:xfrm>
           <a:prstGeom prst="rect">
             <a:avLst/>
@@ -4774,22 +4681,15 @@
           </a:ln>
         </p:spPr>
         <p:style>
-          <a:lnRef idx="0">
-            <a:scrgbClr r="0" g="0" b="0"/>
-          </a:lnRef>
-          <a:fillRef idx="0">
-            <a:scrgbClr r="0" g="0" b="0"/>
-          </a:fillRef>
-          <a:effectRef idx="0">
-            <a:scrgbClr r="0" g="0" b="0"/>
-          </a:effectRef>
+          <a:lnRef idx="0"/>
+          <a:fillRef idx="0"/>
+          <a:effectRef idx="0"/>
           <a:fontRef idx="minor"/>
         </p:style>
         <p:txBody>
-          <a:bodyPr lIns="0" tIns="0" rIns="0" bIns="0"/>
-          <a:lstStyle/>
-          <a:p>
-            <a:pPr marL="432000" indent="-323280">
+          <a:bodyPr lIns="0" rIns="0" tIns="0" bIns="0"/>
+          <a:p>
+            <a:pPr marL="432000" indent="-322920">
               <a:lnSpc>
                 <a:spcPct val="100000"/>
               </a:lnSpc>
@@ -4797,20 +4697,20 @@
                 <a:spcPts val="1414"/>
               </a:spcAft>
               <a:buClr>
-                <a:srgbClr val="EF2929"/>
+                <a:srgbClr val="ef2929"/>
               </a:buClr>
               <a:buSzPct val="45000"/>
               <a:buFont typeface="Wingdings" charset="2"/>
               <a:buChar char=""/>
             </a:pPr>
             <a:r>
-              <a:rPr lang="en-US" sz="2800" b="0" strike="noStrike" spc="-1">
+              <a:rPr b="0" lang="en-US" sz="2800" spc="-1" strike="noStrike">
                 <a:solidFill>
                   <a:srgbClr val="333333"/>
                 </a:solidFill>
                 <a:uFill>
                   <a:solidFill>
-                    <a:srgbClr val="FFFFFF"/>
+                    <a:srgbClr val="ffffff"/>
                   </a:solidFill>
                 </a:uFill>
                 <a:latin typeface="Open Sans"/>
@@ -4818,20 +4718,20 @@
               </a:rPr>
               <a:t>When starting the program, the user will have the option to create a new vault file, or opening an existing vault file.</a:t>
             </a:r>
-            <a:endParaRPr lang="en-US" sz="1800" b="0" strike="noStrike" spc="-1">
-              <a:solidFill>
-                <a:srgbClr val="000000"/>
-              </a:solidFill>
-              <a:uFill>
-                <a:solidFill>
-                  <a:srgbClr val="FFFFFF"/>
-                </a:solidFill>
-              </a:uFill>
-              <a:latin typeface="Arial"/>
-            </a:endParaRPr>
-          </a:p>
-          <a:p>
-            <a:pPr marL="432000" indent="-323280">
+            <a:endParaRPr b="0" lang="en-US" sz="1800" spc="-1" strike="noStrike">
+              <a:solidFill>
+                <a:srgbClr val="000000"/>
+              </a:solidFill>
+              <a:uFill>
+                <a:solidFill>
+                  <a:srgbClr val="ffffff"/>
+                </a:solidFill>
+              </a:uFill>
+              <a:latin typeface="Arial"/>
+            </a:endParaRPr>
+          </a:p>
+          <a:p>
+            <a:pPr marL="432000" indent="-322920">
               <a:lnSpc>
                 <a:spcPct val="100000"/>
               </a:lnSpc>
@@ -4839,41 +4739,41 @@
                 <a:spcPts val="1414"/>
               </a:spcAft>
               <a:buClr>
-                <a:srgbClr val="EF2929"/>
+                <a:srgbClr val="ef2929"/>
               </a:buClr>
               <a:buSzPct val="45000"/>
               <a:buFont typeface="Wingdings" charset="2"/>
               <a:buChar char=""/>
             </a:pPr>
             <a:r>
-              <a:rPr lang="en-US" sz="2800" b="0" strike="noStrike" spc="-1">
+              <a:rPr b="0" lang="en-US" sz="2800" spc="-1" strike="noStrike">
                 <a:solidFill>
                   <a:srgbClr val="333333"/>
                 </a:solidFill>
                 <a:uFill>
                   <a:solidFill>
-                    <a:srgbClr val="FFFFFF"/>
+                    <a:srgbClr val="ffffff"/>
                   </a:solidFill>
                 </a:uFill>
                 <a:latin typeface="Open Sans"/>
                 <a:ea typeface="DejaVu Sans"/>
               </a:rPr>
-              <a:t>User will enter a password with an optional 2-step verification using a keyfile.</a:t>
+              <a:t>User will enter a password with an optional 2-factor verification using a keyfile.</a:t>
             </a:r>
-            <a:endParaRPr lang="en-US" sz="1800" b="0" strike="noStrike" spc="-1">
-              <a:solidFill>
-                <a:srgbClr val="000000"/>
-              </a:solidFill>
-              <a:uFill>
-                <a:solidFill>
-                  <a:srgbClr val="FFFFFF"/>
-                </a:solidFill>
-              </a:uFill>
-              <a:latin typeface="Arial"/>
-            </a:endParaRPr>
-          </a:p>
-          <a:p>
-            <a:pPr marL="432000" indent="-323280">
+            <a:endParaRPr b="0" lang="en-US" sz="1800" spc="-1" strike="noStrike">
+              <a:solidFill>
+                <a:srgbClr val="000000"/>
+              </a:solidFill>
+              <a:uFill>
+                <a:solidFill>
+                  <a:srgbClr val="ffffff"/>
+                </a:solidFill>
+              </a:uFill>
+              <a:latin typeface="Arial"/>
+            </a:endParaRPr>
+          </a:p>
+          <a:p>
+            <a:pPr marL="432000" indent="-322920">
               <a:lnSpc>
                 <a:spcPct val="100000"/>
               </a:lnSpc>
@@ -4881,20 +4781,20 @@
                 <a:spcPts val="1414"/>
               </a:spcAft>
               <a:buClr>
-                <a:srgbClr val="EF2929"/>
+                <a:srgbClr val="ef2929"/>
               </a:buClr>
               <a:buSzPct val="45000"/>
               <a:buFont typeface="Wingdings" charset="2"/>
               <a:buChar char=""/>
             </a:pPr>
             <a:r>
-              <a:rPr lang="en-US" sz="2800" b="0" strike="noStrike" spc="-1">
+              <a:rPr b="0" lang="en-US" sz="2800" spc="-1" strike="noStrike">
                 <a:solidFill>
                   <a:srgbClr val="333333"/>
                 </a:solidFill>
                 <a:uFill>
                   <a:solidFill>
-                    <a:srgbClr val="FFFFFF"/>
+                    <a:srgbClr val="ffffff"/>
                   </a:solidFill>
                 </a:uFill>
                 <a:latin typeface="Open Sans"/>
@@ -4902,13 +4802,13 @@
               </a:rPr>
               <a:t>User‘s password vault file will be opened, decrypted, and displayed using a graphical user interface. </a:t>
             </a:r>
-            <a:endParaRPr lang="en-US" sz="1800" b="0" strike="noStrike" spc="-1">
-              <a:solidFill>
-                <a:srgbClr val="000000"/>
-              </a:solidFill>
-              <a:uFill>
-                <a:solidFill>
-                  <a:srgbClr val="FFFFFF"/>
+            <a:endParaRPr b="0" lang="en-US" sz="1800" spc="-1" strike="noStrike">
+              <a:solidFill>
+                <a:srgbClr val="000000"/>
+              </a:solidFill>
+              <a:uFill>
+                <a:solidFill>
+                  <a:srgbClr val="ffffff"/>
                 </a:solidFill>
               </a:uFill>
               <a:latin typeface="Arial"/>
@@ -4918,25 +4818,22 @@
       </p:sp>
     </p:spTree>
   </p:cSld>
-  <p:clrMapOvr>
-    <a:masterClrMapping/>
-  </p:clrMapOvr>
   <p:timing>
     <p:tnLst>
       <p:par>
-        <p:cTn id="1" dur="indefinite" restart="never" nodeType="tmRoot">
+        <p:cTn id="7" dur="indefinite" restart="never" nodeType="tmRoot">
           <p:childTnLst>
             <p:seq>
-              <p:cTn id="2" nodeType="mainSeq"/>
+              <p:cTn id="8" nodeType="mainSeq"/>
               <p:prevCondLst>
-                <p:cond evt="onPrev" delay="0">
+                <p:cond delay="0" evt="onPrev">
                   <p:tgtEl>
                     <p:sldTgt/>
                   </p:tgtEl>
                 </p:cond>
               </p:prevCondLst>
               <p:nextCondLst>
-                <p:cond evt="onNext" delay="0">
+                <p:cond delay="0" evt="onNext">
                   <p:tgtEl>
                     <p:sldTgt/>
                   </p:tgtEl>
@@ -4952,7 +4849,7 @@
 </file>
 
 <file path=ppt/slides/slide5.xml><?xml version="1.0" encoding="utf-8"?>
-<p:sld xmlns:a="http://schemas.openxmlformats.org/drawingml/2006/main" xmlns:r="http://schemas.openxmlformats.org/officeDocument/2006/relationships" xmlns:p="http://schemas.openxmlformats.org/presentationml/2006/main">
+<p:sld xmlns:a="http://schemas.openxmlformats.org/drawingml/2006/main" xmlns:p="http://schemas.openxmlformats.org/presentationml/2006/main" xmlns:r="http://schemas.openxmlformats.org/officeDocument/2006/relationships" xmlns:p14="http://schemas.microsoft.com/office/powerpoint/2010/main" xmlns:p15="http://schemas.microsoft.com/office/powerpoint/2012/main" xmlns:mc="http://schemas.openxmlformats.org/markup-compatibility/2006">
   <p:cSld>
     <p:spTree>
       <p:nvGrpSpPr>
@@ -4977,7 +4874,7 @@
         <p:spPr>
           <a:xfrm>
             <a:off x="719640" y="225720"/>
-            <a:ext cx="8854200" cy="946440"/>
+            <a:ext cx="8853840" cy="946080"/>
           </a:xfrm>
           <a:prstGeom prst="rect">
             <a:avLst/>
@@ -4988,43 +4885,56 @@
           </a:ln>
         </p:spPr>
         <p:style>
-          <a:lnRef idx="0">
-            <a:scrgbClr r="0" g="0" b="0"/>
-          </a:lnRef>
-          <a:fillRef idx="0">
-            <a:scrgbClr r="0" g="0" b="0"/>
-          </a:fillRef>
-          <a:effectRef idx="0">
-            <a:scrgbClr r="0" g="0" b="0"/>
-          </a:effectRef>
+          <a:lnRef idx="0"/>
+          <a:fillRef idx="0"/>
+          <a:effectRef idx="0"/>
           <a:fontRef idx="minor"/>
         </p:style>
         <p:txBody>
-          <a:bodyPr lIns="0" tIns="0" rIns="0" bIns="0" anchor="ctr"/>
-          <a:lstStyle/>
-          <a:p>
+          <a:bodyPr lIns="0" rIns="0" tIns="0" bIns="0" anchor="ctr"/>
+          <a:p>
+            <a:pPr>
+              <a:lnSpc>
+                <a:spcPct val="100000"/>
+              </a:lnSpc>
+            </a:pPr>
             <a:r>
-              <a:rPr lang="en-US" sz="4400" b="1" strike="noStrike" spc="-1">
+              <a:rPr b="1" lang="en-US" sz="4400" spc="-1" strike="noStrike">
                 <a:solidFill>
                   <a:srgbClr val="333333"/>
                 </a:solidFill>
                 <a:uFill>
                   <a:solidFill>
-                    <a:srgbClr val="FFFFFF"/>
+                    <a:srgbClr val="ffffff"/>
                   </a:solidFill>
                 </a:uFill>
                 <a:latin typeface="Open Sans"/>
                 <a:ea typeface="DejaVu Sans"/>
               </a:rPr>
-              <a:t>Project Overview	</a:t>
+              <a:t>Project Overview</a:t>
             </a:r>
-            <a:endParaRPr lang="en-US" sz="1800" b="0" strike="noStrike" spc="-1">
-              <a:solidFill>
-                <a:srgbClr val="000000"/>
-              </a:solidFill>
-              <a:uFill>
-                <a:solidFill>
-                  <a:srgbClr val="FFFFFF"/>
+            <a:r>
+              <a:rPr b="1" lang="en-US" sz="4400" spc="-1" strike="noStrike">
+                <a:solidFill>
+                  <a:srgbClr val="333333"/>
+                </a:solidFill>
+                <a:uFill>
+                  <a:solidFill>
+                    <a:srgbClr val="ffffff"/>
+                  </a:solidFill>
+                </a:uFill>
+                <a:latin typeface="Open Sans"/>
+                <a:ea typeface="DejaVu Sans"/>
+              </a:rPr>
+              <a:t>	</a:t>
+            </a:r>
+            <a:endParaRPr b="0" lang="en-US" sz="1800" spc="-1" strike="noStrike">
+              <a:solidFill>
+                <a:srgbClr val="000000"/>
+              </a:solidFill>
+              <a:uFill>
+                <a:solidFill>
+                  <a:srgbClr val="ffffff"/>
                 </a:solidFill>
               </a:uFill>
               <a:latin typeface="Arial"/>
@@ -5041,7 +4951,7 @@
         <p:spPr>
           <a:xfrm>
             <a:off x="719640" y="1620000"/>
-            <a:ext cx="8638560" cy="3287880"/>
+            <a:ext cx="8638200" cy="3287520"/>
           </a:xfrm>
           <a:prstGeom prst="rect">
             <a:avLst/>
@@ -5052,22 +4962,15 @@
           </a:ln>
         </p:spPr>
         <p:style>
-          <a:lnRef idx="0">
-            <a:scrgbClr r="0" g="0" b="0"/>
-          </a:lnRef>
-          <a:fillRef idx="0">
-            <a:scrgbClr r="0" g="0" b="0"/>
-          </a:fillRef>
-          <a:effectRef idx="0">
-            <a:scrgbClr r="0" g="0" b="0"/>
-          </a:effectRef>
+          <a:lnRef idx="0"/>
+          <a:fillRef idx="0"/>
+          <a:effectRef idx="0"/>
           <a:fontRef idx="minor"/>
         </p:style>
         <p:txBody>
-          <a:bodyPr lIns="0" tIns="0" rIns="0" bIns="0"/>
-          <a:lstStyle/>
-          <a:p>
-            <a:pPr marL="432000" indent="-323280">
+          <a:bodyPr lIns="0" rIns="0" tIns="0" bIns="0"/>
+          <a:p>
+            <a:pPr marL="432000" indent="-322920">
               <a:lnSpc>
                 <a:spcPct val="100000"/>
               </a:lnSpc>
@@ -5075,20 +4978,20 @@
                 <a:spcPts val="1414"/>
               </a:spcAft>
               <a:buClr>
-                <a:srgbClr val="EF2929"/>
+                <a:srgbClr val="ef2929"/>
               </a:buClr>
               <a:buSzPct val="45000"/>
               <a:buFont typeface="Wingdings" charset="2"/>
               <a:buChar char=""/>
             </a:pPr>
             <a:r>
-              <a:rPr lang="en-US" sz="2800" b="0" strike="noStrike" spc="-1">
+              <a:rPr b="0" lang="en-US" sz="2800" spc="-1" strike="noStrike">
                 <a:solidFill>
                   <a:srgbClr val="333333"/>
                 </a:solidFill>
                 <a:uFill>
                   <a:solidFill>
-                    <a:srgbClr val="FFFFFF"/>
+                    <a:srgbClr val="ffffff"/>
                   </a:solidFill>
                 </a:uFill>
                 <a:latin typeface="Open Sans"/>
@@ -5096,20 +4999,20 @@
               </a:rPr>
               <a:t>User may create new entries, delete entries, or alter existing entries to securely store their usernames and passwords. </a:t>
             </a:r>
-            <a:endParaRPr lang="en-US" sz="1800" b="0" strike="noStrike" spc="-1">
-              <a:solidFill>
-                <a:srgbClr val="000000"/>
-              </a:solidFill>
-              <a:uFill>
-                <a:solidFill>
-                  <a:srgbClr val="FFFFFF"/>
-                </a:solidFill>
-              </a:uFill>
-              <a:latin typeface="Arial"/>
-            </a:endParaRPr>
-          </a:p>
-          <a:p>
-            <a:pPr marL="432000" indent="-323280">
+            <a:endParaRPr b="0" lang="en-US" sz="1800" spc="-1" strike="noStrike">
+              <a:solidFill>
+                <a:srgbClr val="000000"/>
+              </a:solidFill>
+              <a:uFill>
+                <a:solidFill>
+                  <a:srgbClr val="ffffff"/>
+                </a:solidFill>
+              </a:uFill>
+              <a:latin typeface="Arial"/>
+            </a:endParaRPr>
+          </a:p>
+          <a:p>
+            <a:pPr marL="432000" indent="-322920">
               <a:lnSpc>
                 <a:spcPct val="100000"/>
               </a:lnSpc>
@@ -5117,34 +5020,34 @@
                 <a:spcPts val="1414"/>
               </a:spcAft>
               <a:buClr>
-                <a:srgbClr val="EF2929"/>
+                <a:srgbClr val="ef2929"/>
               </a:buClr>
               <a:buSzPct val="45000"/>
               <a:buFont typeface="Wingdings" charset="2"/>
               <a:buChar char=""/>
             </a:pPr>
             <a:r>
-              <a:rPr lang="en-US" sz="2800" b="0" strike="noStrike" spc="-1">
+              <a:rPr b="0" lang="en-US" sz="2800" spc="-1" strike="noStrike">
                 <a:solidFill>
                   <a:srgbClr val="333333"/>
                 </a:solidFill>
                 <a:uFill>
                   <a:solidFill>
-                    <a:srgbClr val="FFFFFF"/>
+                    <a:srgbClr val="ffffff"/>
                   </a:solidFill>
                 </a:uFill>
                 <a:latin typeface="Open Sans"/>
                 <a:ea typeface="DejaVu Sans"/>
               </a:rPr>
-              <a:t>Before exiting the program, all information will be encrypted and stored on to hard drive.</a:t>
+              <a:t>Before exiting the program, all information will have the option to be saved, encrypted, and stored on to hard drive.</a:t>
             </a:r>
-            <a:endParaRPr lang="en-US" sz="1800" b="0" strike="noStrike" spc="-1">
-              <a:solidFill>
-                <a:srgbClr val="000000"/>
-              </a:solidFill>
-              <a:uFill>
-                <a:solidFill>
-                  <a:srgbClr val="FFFFFF"/>
+            <a:endParaRPr b="0" lang="en-US" sz="1800" spc="-1" strike="noStrike">
+              <a:solidFill>
+                <a:srgbClr val="000000"/>
+              </a:solidFill>
+              <a:uFill>
+                <a:solidFill>
+                  <a:srgbClr val="ffffff"/>
                 </a:solidFill>
               </a:uFill>
               <a:latin typeface="Arial"/>
@@ -5154,25 +5057,22 @@
       </p:sp>
     </p:spTree>
   </p:cSld>
-  <p:clrMapOvr>
-    <a:masterClrMapping/>
-  </p:clrMapOvr>
   <p:timing>
     <p:tnLst>
       <p:par>
-        <p:cTn id="1" dur="indefinite" restart="never" nodeType="tmRoot">
+        <p:cTn id="9" dur="indefinite" restart="never" nodeType="tmRoot">
           <p:childTnLst>
             <p:seq>
-              <p:cTn id="2" nodeType="mainSeq"/>
+              <p:cTn id="10" nodeType="mainSeq"/>
               <p:prevCondLst>
-                <p:cond evt="onPrev" delay="0">
+                <p:cond delay="0" evt="onPrev">
                   <p:tgtEl>
                     <p:sldTgt/>
                   </p:tgtEl>
                 </p:cond>
               </p:prevCondLst>
               <p:nextCondLst>
-                <p:cond evt="onNext" delay="0">
+                <p:cond delay="0" evt="onNext">
                   <p:tgtEl>
                     <p:sldTgt/>
                   </p:tgtEl>
@@ -5188,7 +5088,7 @@
 </file>
 
 <file path=ppt/slides/slide6.xml><?xml version="1.0" encoding="utf-8"?>
-<p:sld xmlns:a="http://schemas.openxmlformats.org/drawingml/2006/main" xmlns:r="http://schemas.openxmlformats.org/officeDocument/2006/relationships" xmlns:p="http://schemas.openxmlformats.org/presentationml/2006/main">
+<p:sld xmlns:a="http://schemas.openxmlformats.org/drawingml/2006/main" xmlns:p="http://schemas.openxmlformats.org/presentationml/2006/main" xmlns:r="http://schemas.openxmlformats.org/officeDocument/2006/relationships" xmlns:p14="http://schemas.microsoft.com/office/powerpoint/2010/main" xmlns:p15="http://schemas.microsoft.com/office/powerpoint/2012/main" xmlns:mc="http://schemas.openxmlformats.org/markup-compatibility/2006">
   <p:cSld>
     <p:spTree>
       <p:nvGrpSpPr>
@@ -5213,7 +5113,7 @@
         <p:spPr>
           <a:xfrm>
             <a:off x="719640" y="225720"/>
-            <a:ext cx="8854200" cy="946440"/>
+            <a:ext cx="8853840" cy="946080"/>
           </a:xfrm>
           <a:prstGeom prst="rect">
             <a:avLst/>
@@ -5224,29 +5124,27 @@
           </a:ln>
         </p:spPr>
         <p:style>
-          <a:lnRef idx="0">
-            <a:scrgbClr r="0" g="0" b="0"/>
-          </a:lnRef>
-          <a:fillRef idx="0">
-            <a:scrgbClr r="0" g="0" b="0"/>
-          </a:fillRef>
-          <a:effectRef idx="0">
-            <a:scrgbClr r="0" g="0" b="0"/>
-          </a:effectRef>
+          <a:lnRef idx="0"/>
+          <a:fillRef idx="0"/>
+          <a:effectRef idx="0"/>
           <a:fontRef idx="minor"/>
         </p:style>
         <p:txBody>
-          <a:bodyPr lIns="0" tIns="0" rIns="0" bIns="0" anchor="ctr"/>
-          <a:lstStyle/>
-          <a:p>
+          <a:bodyPr lIns="0" rIns="0" tIns="0" bIns="0" anchor="ctr"/>
+          <a:p>
+            <a:pPr>
+              <a:lnSpc>
+                <a:spcPct val="100000"/>
+              </a:lnSpc>
+            </a:pPr>
             <a:r>
-              <a:rPr lang="en-US" sz="4400" b="1" strike="noStrike" spc="-1">
+              <a:rPr b="1" lang="en-US" sz="4400" spc="-1" strike="noStrike">
                 <a:solidFill>
                   <a:srgbClr val="333333"/>
                 </a:solidFill>
                 <a:uFill>
                   <a:solidFill>
-                    <a:srgbClr val="FFFFFF"/>
+                    <a:srgbClr val="ffffff"/>
                   </a:solidFill>
                 </a:uFill>
                 <a:latin typeface="Open Sans"/>
@@ -5254,13 +5152,13 @@
               </a:rPr>
               <a:t>Authentication</a:t>
             </a:r>
-            <a:endParaRPr lang="en-US" sz="1800" b="0" strike="noStrike" spc="-1">
-              <a:solidFill>
-                <a:srgbClr val="000000"/>
-              </a:solidFill>
-              <a:uFill>
-                <a:solidFill>
-                  <a:srgbClr val="FFFFFF"/>
+            <a:endParaRPr b="0" lang="en-US" sz="1800" spc="-1" strike="noStrike">
+              <a:solidFill>
+                <a:srgbClr val="000000"/>
+              </a:solidFill>
+              <a:uFill>
+                <a:solidFill>
+                  <a:srgbClr val="ffffff"/>
                 </a:solidFill>
               </a:uFill>
               <a:latin typeface="Arial"/>
@@ -5277,7 +5175,7 @@
         <p:spPr>
           <a:xfrm>
             <a:off x="719640" y="1280160"/>
-            <a:ext cx="8638560" cy="3287880"/>
+            <a:ext cx="8638200" cy="3287520"/>
           </a:xfrm>
           <a:prstGeom prst="rect">
             <a:avLst/>
@@ -5288,22 +5186,15 @@
           </a:ln>
         </p:spPr>
         <p:style>
-          <a:lnRef idx="0">
-            <a:scrgbClr r="0" g="0" b="0"/>
-          </a:lnRef>
-          <a:fillRef idx="0">
-            <a:scrgbClr r="0" g="0" b="0"/>
-          </a:fillRef>
-          <a:effectRef idx="0">
-            <a:scrgbClr r="0" g="0" b="0"/>
-          </a:effectRef>
+          <a:lnRef idx="0"/>
+          <a:fillRef idx="0"/>
+          <a:effectRef idx="0"/>
           <a:fontRef idx="minor"/>
         </p:style>
         <p:txBody>
-          <a:bodyPr lIns="0" tIns="0" rIns="0" bIns="0"/>
-          <a:lstStyle/>
-          <a:p>
-            <a:pPr marL="432000" indent="-323280">
+          <a:bodyPr lIns="0" rIns="0" tIns="0" bIns="0"/>
+          <a:p>
+            <a:pPr marL="432000" indent="-322920">
               <a:lnSpc>
                 <a:spcPct val="100000"/>
               </a:lnSpc>
@@ -5311,41 +5202,41 @@
                 <a:spcPts val="1414"/>
               </a:spcAft>
               <a:buClr>
-                <a:srgbClr val="EF2929"/>
+                <a:srgbClr val="ef2929"/>
               </a:buClr>
               <a:buSzPct val="45000"/>
               <a:buFont typeface="Wingdings" charset="2"/>
               <a:buChar char=""/>
             </a:pPr>
             <a:r>
-              <a:rPr lang="en-US" sz="2800" b="0" strike="noStrike" spc="-1">
+              <a:rPr b="0" lang="en-US" sz="2800" spc="-1" strike="noStrike">
                 <a:solidFill>
                   <a:srgbClr val="333333"/>
                 </a:solidFill>
                 <a:uFill>
                   <a:solidFill>
-                    <a:srgbClr val="FFFFFF"/>
+                    <a:srgbClr val="ffffff"/>
                   </a:solidFill>
                 </a:uFill>
                 <a:latin typeface="Open Sans"/>
                 <a:ea typeface="DejaVu Sans"/>
               </a:rPr>
-              <a:t>User will enter their password and optional keyfile for 2-step authentication </a:t>
+              <a:t>User will enter their password and optional keyfile for 2-factor authentication </a:t>
             </a:r>
-            <a:endParaRPr lang="en-US" sz="1800" b="0" strike="noStrike" spc="-1">
-              <a:solidFill>
-                <a:srgbClr val="000000"/>
-              </a:solidFill>
-              <a:uFill>
-                <a:solidFill>
-                  <a:srgbClr val="FFFFFF"/>
-                </a:solidFill>
-              </a:uFill>
-              <a:latin typeface="Arial"/>
-            </a:endParaRPr>
-          </a:p>
-          <a:p>
-            <a:pPr marL="432000" indent="-323280">
+            <a:endParaRPr b="0" lang="en-US" sz="1800" spc="-1" strike="noStrike">
+              <a:solidFill>
+                <a:srgbClr val="000000"/>
+              </a:solidFill>
+              <a:uFill>
+                <a:solidFill>
+                  <a:srgbClr val="ffffff"/>
+                </a:solidFill>
+              </a:uFill>
+              <a:latin typeface="Arial"/>
+            </a:endParaRPr>
+          </a:p>
+          <a:p>
+            <a:pPr marL="432000" indent="-322920">
               <a:lnSpc>
                 <a:spcPct val="100000"/>
               </a:lnSpc>
@@ -5353,41 +5244,41 @@
                 <a:spcPts val="1414"/>
               </a:spcAft>
               <a:buClr>
-                <a:srgbClr val="EF2929"/>
+                <a:srgbClr val="ef2929"/>
               </a:buClr>
               <a:buSzPct val="45000"/>
               <a:buFont typeface="Wingdings" charset="2"/>
               <a:buChar char=""/>
             </a:pPr>
             <a:r>
-              <a:rPr lang="en-US" sz="2800" b="0" strike="noStrike" spc="-1">
+              <a:rPr b="0" lang="en-US" sz="2800" spc="-1" strike="noStrike">
                 <a:solidFill>
                   <a:srgbClr val="333333"/>
                 </a:solidFill>
                 <a:uFill>
                   <a:solidFill>
-                    <a:srgbClr val="FFFFFF"/>
+                    <a:srgbClr val="ffffff"/>
                   </a:solidFill>
                 </a:uFill>
                 <a:latin typeface="Open Sans"/>
                 <a:ea typeface="DejaVu Sans"/>
               </a:rPr>
-              <a:t>The program will convert both the password and the file into a byte arrays.</a:t>
+              <a:t>The program will convert both the password and the file into byte arrays.</a:t>
             </a:r>
-            <a:endParaRPr lang="en-US" sz="1800" b="0" strike="noStrike" spc="-1">
-              <a:solidFill>
-                <a:srgbClr val="000000"/>
-              </a:solidFill>
-              <a:uFill>
-                <a:solidFill>
-                  <a:srgbClr val="FFFFFF"/>
-                </a:solidFill>
-              </a:uFill>
-              <a:latin typeface="Arial"/>
-            </a:endParaRPr>
-          </a:p>
-          <a:p>
-            <a:pPr marL="432000" indent="-323280">
+            <a:endParaRPr b="0" lang="en-US" sz="1800" spc="-1" strike="noStrike">
+              <a:solidFill>
+                <a:srgbClr val="000000"/>
+              </a:solidFill>
+              <a:uFill>
+                <a:solidFill>
+                  <a:srgbClr val="ffffff"/>
+                </a:solidFill>
+              </a:uFill>
+              <a:latin typeface="Arial"/>
+            </a:endParaRPr>
+          </a:p>
+          <a:p>
+            <a:pPr marL="432000" indent="-322920">
               <a:lnSpc>
                 <a:spcPct val="100000"/>
               </a:lnSpc>
@@ -5395,20 +5286,20 @@
                 <a:spcPts val="1414"/>
               </a:spcAft>
               <a:buClr>
-                <a:srgbClr val="EF2929"/>
+                <a:srgbClr val="ef2929"/>
               </a:buClr>
               <a:buSzPct val="45000"/>
               <a:buFont typeface="Wingdings" charset="2"/>
               <a:buChar char=""/>
             </a:pPr>
             <a:r>
-              <a:rPr lang="en-US" sz="2800" b="0" strike="noStrike" spc="-1">
+              <a:rPr b="0" lang="en-US" sz="2800" spc="-1" strike="noStrike">
                 <a:solidFill>
                   <a:srgbClr val="333333"/>
                 </a:solidFill>
                 <a:uFill>
                   <a:solidFill>
-                    <a:srgbClr val="FFFFFF"/>
+                    <a:srgbClr val="ffffff"/>
                   </a:solidFill>
                 </a:uFill>
                 <a:latin typeface="Open Sans"/>
@@ -5416,20 +5307,20 @@
               </a:rPr>
               <a:t>The byte arrays will be sent to a SHA-256 hashing algorithm and combined to form one hash. </a:t>
             </a:r>
-            <a:endParaRPr lang="en-US" sz="1800" b="0" strike="noStrike" spc="-1">
-              <a:solidFill>
-                <a:srgbClr val="000000"/>
-              </a:solidFill>
-              <a:uFill>
-                <a:solidFill>
-                  <a:srgbClr val="FFFFFF"/>
-                </a:solidFill>
-              </a:uFill>
-              <a:latin typeface="Arial"/>
-            </a:endParaRPr>
-          </a:p>
-          <a:p>
-            <a:pPr marL="432000" indent="-323280">
+            <a:endParaRPr b="0" lang="en-US" sz="1800" spc="-1" strike="noStrike">
+              <a:solidFill>
+                <a:srgbClr val="000000"/>
+              </a:solidFill>
+              <a:uFill>
+                <a:solidFill>
+                  <a:srgbClr val="ffffff"/>
+                </a:solidFill>
+              </a:uFill>
+              <a:latin typeface="Arial"/>
+            </a:endParaRPr>
+          </a:p>
+          <a:p>
+            <a:pPr marL="432000" indent="-322920">
               <a:lnSpc>
                 <a:spcPct val="100000"/>
               </a:lnSpc>
@@ -5437,20 +5328,20 @@
                 <a:spcPts val="1414"/>
               </a:spcAft>
               <a:buClr>
-                <a:srgbClr val="EF2929"/>
+                <a:srgbClr val="ef2929"/>
               </a:buClr>
               <a:buSzPct val="45000"/>
               <a:buFont typeface="Wingdings" charset="2"/>
               <a:buChar char=""/>
             </a:pPr>
             <a:r>
-              <a:rPr lang="en-US" sz="2800" b="0" strike="noStrike" spc="-1">
+              <a:rPr b="0" lang="en-US" sz="2800" spc="-1" strike="noStrike">
                 <a:solidFill>
                   <a:srgbClr val="333333"/>
                 </a:solidFill>
                 <a:uFill>
                   <a:solidFill>
-                    <a:srgbClr val="FFFFFF"/>
+                    <a:srgbClr val="ffffff"/>
                   </a:solidFill>
                 </a:uFill>
                 <a:latin typeface="Open Sans"/>
@@ -5458,13 +5349,13 @@
               </a:rPr>
               <a:t>The hash is converted to a character array and used as authentication to open the password vault. </a:t>
             </a:r>
-            <a:endParaRPr lang="en-US" sz="1800" b="0" strike="noStrike" spc="-1">
-              <a:solidFill>
-                <a:srgbClr val="000000"/>
-              </a:solidFill>
-              <a:uFill>
-                <a:solidFill>
-                  <a:srgbClr val="FFFFFF"/>
+            <a:endParaRPr b="0" lang="en-US" sz="1800" spc="-1" strike="noStrike">
+              <a:solidFill>
+                <a:srgbClr val="000000"/>
+              </a:solidFill>
+              <a:uFill>
+                <a:solidFill>
+                  <a:srgbClr val="ffffff"/>
                 </a:solidFill>
               </a:uFill>
               <a:latin typeface="Arial"/>
@@ -5474,25 +5365,22 @@
       </p:sp>
     </p:spTree>
   </p:cSld>
-  <p:clrMapOvr>
-    <a:masterClrMapping/>
-  </p:clrMapOvr>
   <p:timing>
     <p:tnLst>
       <p:par>
-        <p:cTn id="1" dur="indefinite" restart="never" nodeType="tmRoot">
+        <p:cTn id="11" dur="indefinite" restart="never" nodeType="tmRoot">
           <p:childTnLst>
             <p:seq>
-              <p:cTn id="2" nodeType="mainSeq"/>
+              <p:cTn id="12" nodeType="mainSeq"/>
               <p:prevCondLst>
-                <p:cond evt="onPrev" delay="0">
+                <p:cond delay="0" evt="onPrev">
                   <p:tgtEl>
                     <p:sldTgt/>
                   </p:tgtEl>
                 </p:cond>
               </p:prevCondLst>
               <p:nextCondLst>
-                <p:cond evt="onNext" delay="0">
+                <p:cond delay="0" evt="onNext">
                   <p:tgtEl>
                     <p:sldTgt/>
                   </p:tgtEl>
@@ -5508,7 +5396,7 @@
 </file>
 
 <file path=ppt/slides/slide7.xml><?xml version="1.0" encoding="utf-8"?>
-<p:sld xmlns:a="http://schemas.openxmlformats.org/drawingml/2006/main" xmlns:r="http://schemas.openxmlformats.org/officeDocument/2006/relationships" xmlns:p="http://schemas.openxmlformats.org/presentationml/2006/main">
+<p:sld xmlns:a="http://schemas.openxmlformats.org/drawingml/2006/main" xmlns:p="http://schemas.openxmlformats.org/presentationml/2006/main" xmlns:r="http://schemas.openxmlformats.org/officeDocument/2006/relationships" xmlns:p14="http://schemas.microsoft.com/office/powerpoint/2010/main" xmlns:p15="http://schemas.microsoft.com/office/powerpoint/2012/main" xmlns:mc="http://schemas.openxmlformats.org/markup-compatibility/2006">
   <p:cSld>
     <p:spTree>
       <p:nvGrpSpPr>
@@ -5533,7 +5421,7 @@
         <p:spPr>
           <a:xfrm>
             <a:off x="719640" y="225720"/>
-            <a:ext cx="8854200" cy="946440"/>
+            <a:ext cx="8853840" cy="946080"/>
           </a:xfrm>
           <a:prstGeom prst="rect">
             <a:avLst/>
@@ -5544,29 +5432,27 @@
           </a:ln>
         </p:spPr>
         <p:style>
-          <a:lnRef idx="0">
-            <a:scrgbClr r="0" g="0" b="0"/>
-          </a:lnRef>
-          <a:fillRef idx="0">
-            <a:scrgbClr r="0" g="0" b="0"/>
-          </a:fillRef>
-          <a:effectRef idx="0">
-            <a:scrgbClr r="0" g="0" b="0"/>
-          </a:effectRef>
+          <a:lnRef idx="0"/>
+          <a:fillRef idx="0"/>
+          <a:effectRef idx="0"/>
           <a:fontRef idx="minor"/>
         </p:style>
         <p:txBody>
-          <a:bodyPr lIns="0" tIns="0" rIns="0" bIns="0" anchor="ctr"/>
-          <a:lstStyle/>
-          <a:p>
+          <a:bodyPr lIns="0" rIns="0" tIns="0" bIns="0" anchor="ctr"/>
+          <a:p>
+            <a:pPr>
+              <a:lnSpc>
+                <a:spcPct val="100000"/>
+              </a:lnSpc>
+            </a:pPr>
             <a:r>
-              <a:rPr lang="en-US" sz="4400" b="1" strike="noStrike" spc="-1">
+              <a:rPr b="1" lang="en-US" sz="4400" spc="-1" strike="noStrike">
                 <a:solidFill>
                   <a:srgbClr val="333333"/>
                 </a:solidFill>
                 <a:uFill>
                   <a:solidFill>
-                    <a:srgbClr val="FFFFFF"/>
+                    <a:srgbClr val="ffffff"/>
                   </a:solidFill>
                 </a:uFill>
                 <a:latin typeface="Open Sans"/>
@@ -5574,13 +5460,13 @@
               </a:rPr>
               <a:t>Password Vault</a:t>
             </a:r>
-            <a:endParaRPr lang="en-US" sz="1800" b="0" strike="noStrike" spc="-1">
-              <a:solidFill>
-                <a:srgbClr val="000000"/>
-              </a:solidFill>
-              <a:uFill>
-                <a:solidFill>
-                  <a:srgbClr val="FFFFFF"/>
+            <a:endParaRPr b="0" lang="en-US" sz="1800" spc="-1" strike="noStrike">
+              <a:solidFill>
+                <a:srgbClr val="000000"/>
+              </a:solidFill>
+              <a:uFill>
+                <a:solidFill>
+                  <a:srgbClr val="ffffff"/>
                 </a:solidFill>
               </a:uFill>
               <a:latin typeface="Arial"/>
@@ -5597,7 +5483,7 @@
         <p:spPr>
           <a:xfrm>
             <a:off x="719640" y="1620000"/>
-            <a:ext cx="8638560" cy="3287880"/>
+            <a:ext cx="8638200" cy="3287520"/>
           </a:xfrm>
           <a:prstGeom prst="rect">
             <a:avLst/>
@@ -5608,17 +5494,77 @@
           </a:ln>
         </p:spPr>
         <p:style>
-          <a:lnRef idx="0">
-            <a:scrgbClr r="0" g="0" b="0"/>
-          </a:lnRef>
-          <a:fillRef idx="0">
-            <a:scrgbClr r="0" g="0" b="0"/>
-          </a:fillRef>
-          <a:effectRef idx="0">
-            <a:scrgbClr r="0" g="0" b="0"/>
-          </a:effectRef>
+          <a:lnRef idx="0"/>
+          <a:fillRef idx="0"/>
+          <a:effectRef idx="0"/>
           <a:fontRef idx="minor"/>
         </p:style>
+      </p:sp>
+      <p:sp>
+        <p:nvSpPr>
+          <p:cNvPr id="92" name="CustomShape 3"/>
+          <p:cNvSpPr/>
+          <p:nvPr/>
+        </p:nvSpPr>
+        <p:spPr>
+          <a:xfrm>
+            <a:off x="4206240" y="1280160"/>
+            <a:ext cx="2742840" cy="1096920"/>
+          </a:xfrm>
+          <a:prstGeom prst="rect">
+            <a:avLst/>
+          </a:prstGeom>
+          <a:solidFill>
+            <a:srgbClr val="eeeeee"/>
+          </a:solidFill>
+          <a:ln>
+            <a:solidFill>
+              <a:srgbClr val="3465a4"/>
+            </a:solidFill>
+          </a:ln>
+        </p:spPr>
+        <p:style>
+          <a:lnRef idx="0"/>
+          <a:fillRef idx="0"/>
+          <a:effectRef idx="0"/>
+          <a:fontRef idx="minor"/>
+        </p:style>
+        <p:txBody>
+          <a:bodyPr wrap="none" lIns="90000" rIns="90000" tIns="45000" bIns="45000" anchor="ctr"/>
+          <a:p>
+            <a:pPr algn="ctr">
+              <a:lnSpc>
+                <a:spcPct val="100000"/>
+              </a:lnSpc>
+            </a:pPr>
+            <a:r>
+              <a:rPr b="0" lang="en-US" sz="1800" spc="-1" strike="noStrike">
+                <a:solidFill>
+                  <a:srgbClr val="000000"/>
+                </a:solidFill>
+                <a:uFill>
+                  <a:solidFill>
+                    <a:srgbClr val="ffffff"/>
+                  </a:solidFill>
+                </a:uFill>
+                <a:latin typeface="Arial"/>
+                <a:ea typeface="DejaVu Sans"/>
+              </a:rPr>
+              <a:t>VaultEntry</a:t>
+            </a:r>
+            <a:endParaRPr b="0" lang="en-US" sz="1800" spc="-1" strike="noStrike">
+              <a:solidFill>
+                <a:srgbClr val="000000"/>
+              </a:solidFill>
+              <a:uFill>
+                <a:solidFill>
+                  <a:srgbClr val="ffffff"/>
+                </a:solidFill>
+              </a:uFill>
+              <a:latin typeface="Arial"/>
+            </a:endParaRPr>
+          </a:p>
+        </p:txBody>
       </p:sp>
       <p:sp>
         <p:nvSpPr>
@@ -5628,382 +5574,622 @@
         </p:nvSpPr>
         <p:spPr>
           <a:xfrm>
-            <a:off x="4206240" y="1280160"/>
-            <a:ext cx="2743200" cy="1097280"/>
+            <a:off x="6949440" y="1280160"/>
+            <a:ext cx="1371240" cy="1096920"/>
           </a:xfrm>
           <a:prstGeom prst="rect">
             <a:avLst/>
           </a:prstGeom>
           <a:solidFill>
-            <a:srgbClr val="EEEEEE"/>
+            <a:srgbClr val="eeeeee"/>
           </a:solidFill>
           <a:ln>
             <a:solidFill>
-              <a:srgbClr val="3465A4"/>
+              <a:srgbClr val="3465a4"/>
             </a:solidFill>
           </a:ln>
         </p:spPr>
         <p:style>
-          <a:lnRef idx="0">
-            <a:scrgbClr r="0" g="0" b="0"/>
-          </a:lnRef>
-          <a:fillRef idx="0">
-            <a:scrgbClr r="0" g="0" b="0"/>
-          </a:fillRef>
-          <a:effectRef idx="0">
-            <a:scrgbClr r="0" g="0" b="0"/>
-          </a:effectRef>
+          <a:lnRef idx="0"/>
+          <a:fillRef idx="0"/>
+          <a:effectRef idx="0"/>
           <a:fontRef idx="minor"/>
         </p:style>
         <p:txBody>
-          <a:bodyPr wrap="none" lIns="90000" tIns="45000" rIns="90000" bIns="45000" anchor="ctr"/>
-          <a:lstStyle/>
-          <a:p>
-            <a:pPr algn="ctr"/>
+          <a:bodyPr wrap="none" lIns="90000" rIns="90000" tIns="45000" bIns="45000" anchor="ctr"/>
+          <a:p>
+            <a:pPr algn="ctr">
+              <a:lnSpc>
+                <a:spcPct val="100000"/>
+              </a:lnSpc>
+            </a:pPr>
             <a:r>
-              <a:rPr lang="en-US" sz="1800" b="0" strike="noStrike" spc="-1">
+              <a:rPr b="0" lang="en-US" sz="1800" spc="-1" strike="noStrike">
                 <a:solidFill>
                   <a:srgbClr val="000000"/>
                 </a:solidFill>
                 <a:uFill>
                   <a:solidFill>
-                    <a:srgbClr val="FFFFFF"/>
+                    <a:srgbClr val="ffffff"/>
                   </a:solidFill>
                 </a:uFill>
                 <a:latin typeface="Arial"/>
+                <a:ea typeface="DejaVu Sans"/>
+              </a:rPr>
+              <a:t>id</a:t>
+            </a:r>
+            <a:endParaRPr b="0" lang="en-US" sz="1800" spc="-1" strike="noStrike">
+              <a:solidFill>
+                <a:srgbClr val="000000"/>
+              </a:solidFill>
+              <a:uFill>
+                <a:solidFill>
+                  <a:srgbClr val="ffffff"/>
+                </a:solidFill>
+              </a:uFill>
+              <a:latin typeface="Arial"/>
+            </a:endParaRPr>
+          </a:p>
+          <a:p>
+            <a:pPr algn="ctr">
+              <a:lnSpc>
+                <a:spcPct val="100000"/>
+              </a:lnSpc>
+            </a:pPr>
+            <a:r>
+              <a:rPr b="0" lang="en-US" sz="1800" spc="-1" strike="noStrike">
+                <a:solidFill>
+                  <a:srgbClr val="000000"/>
+                </a:solidFill>
+                <a:uFill>
+                  <a:solidFill>
+                    <a:srgbClr val="ffffff"/>
+                  </a:solidFill>
+                </a:uFill>
+                <a:latin typeface="Arial"/>
+                <a:ea typeface="DejaVu Sans"/>
+              </a:rPr>
+              <a:t>Label</a:t>
+            </a:r>
+            <a:endParaRPr b="0" lang="en-US" sz="1800" spc="-1" strike="noStrike">
+              <a:solidFill>
+                <a:srgbClr val="000000"/>
+              </a:solidFill>
+              <a:uFill>
+                <a:solidFill>
+                  <a:srgbClr val="ffffff"/>
+                </a:solidFill>
+              </a:uFill>
+              <a:latin typeface="Arial"/>
+            </a:endParaRPr>
+          </a:p>
+          <a:p>
+            <a:pPr algn="ctr">
+              <a:lnSpc>
+                <a:spcPct val="100000"/>
+              </a:lnSpc>
+            </a:pPr>
+            <a:r>
+              <a:rPr b="0" lang="en-US" sz="1800" spc="-1" strike="noStrike">
+                <a:solidFill>
+                  <a:srgbClr val="000000"/>
+                </a:solidFill>
+                <a:uFill>
+                  <a:solidFill>
+                    <a:srgbClr val="ffffff"/>
+                  </a:solidFill>
+                </a:uFill>
+                <a:latin typeface="Arial"/>
+                <a:ea typeface="DejaVu Sans"/>
+              </a:rPr>
+              <a:t>Username</a:t>
+            </a:r>
+            <a:endParaRPr b="0" lang="en-US" sz="1800" spc="-1" strike="noStrike">
+              <a:solidFill>
+                <a:srgbClr val="000000"/>
+              </a:solidFill>
+              <a:uFill>
+                <a:solidFill>
+                  <a:srgbClr val="ffffff"/>
+                </a:solidFill>
+              </a:uFill>
+              <a:latin typeface="Arial"/>
+            </a:endParaRPr>
+          </a:p>
+          <a:p>
+            <a:pPr algn="ctr">
+              <a:lnSpc>
+                <a:spcPct val="100000"/>
+              </a:lnSpc>
+            </a:pPr>
+            <a:r>
+              <a:rPr b="0" lang="en-US" sz="1800" spc="-1" strike="noStrike">
+                <a:solidFill>
+                  <a:srgbClr val="000000"/>
+                </a:solidFill>
+                <a:uFill>
+                  <a:solidFill>
+                    <a:srgbClr val="ffffff"/>
+                  </a:solidFill>
+                </a:uFill>
+                <a:latin typeface="Arial"/>
+                <a:ea typeface="DejaVu Sans"/>
+              </a:rPr>
+              <a:t>Password</a:t>
+            </a:r>
+            <a:endParaRPr b="0" lang="en-US" sz="1800" spc="-1" strike="noStrike">
+              <a:solidFill>
+                <a:srgbClr val="000000"/>
+              </a:solidFill>
+              <a:uFill>
+                <a:solidFill>
+                  <a:srgbClr val="ffffff"/>
+                </a:solidFill>
+              </a:uFill>
+              <a:latin typeface="Arial"/>
+            </a:endParaRPr>
+          </a:p>
+        </p:txBody>
+      </p:sp>
+      <p:sp>
+        <p:nvSpPr>
+          <p:cNvPr id="94" name="CustomShape 5"/>
+          <p:cNvSpPr/>
+          <p:nvPr/>
+        </p:nvSpPr>
+        <p:spPr>
+          <a:xfrm>
+            <a:off x="4206240" y="2743200"/>
+            <a:ext cx="2742840" cy="1096920"/>
+          </a:xfrm>
+          <a:prstGeom prst="rect">
+            <a:avLst/>
+          </a:prstGeom>
+          <a:solidFill>
+            <a:srgbClr val="eeeeee"/>
+          </a:solidFill>
+          <a:ln>
+            <a:solidFill>
+              <a:srgbClr val="3465a4"/>
+            </a:solidFill>
+          </a:ln>
+        </p:spPr>
+        <p:style>
+          <a:lnRef idx="0"/>
+          <a:fillRef idx="0"/>
+          <a:effectRef idx="0"/>
+          <a:fontRef idx="minor"/>
+        </p:style>
+        <p:txBody>
+          <a:bodyPr wrap="none" lIns="90000" rIns="90000" tIns="45000" bIns="45000" anchor="ctr"/>
+          <a:p>
+            <a:pPr algn="ctr">
+              <a:lnSpc>
+                <a:spcPct val="100000"/>
+              </a:lnSpc>
+            </a:pPr>
+            <a:r>
+              <a:rPr b="0" lang="en-US" sz="1800" spc="-1" strike="noStrike">
+                <a:solidFill>
+                  <a:srgbClr val="000000"/>
+                </a:solidFill>
+                <a:uFill>
+                  <a:solidFill>
+                    <a:srgbClr val="ffffff"/>
+                  </a:solidFill>
+                </a:uFill>
+                <a:latin typeface="Arial"/>
+                <a:ea typeface="DejaVu Sans"/>
               </a:rPr>
               <a:t>VaultEntry</a:t>
             </a:r>
-          </a:p>
-        </p:txBody>
-      </p:sp>
-      <p:sp>
-        <p:nvSpPr>
-          <p:cNvPr id="94" name="CustomShape 5"/>
+            <a:endParaRPr b="0" lang="en-US" sz="1800" spc="-1" strike="noStrike">
+              <a:solidFill>
+                <a:srgbClr val="000000"/>
+              </a:solidFill>
+              <a:uFill>
+                <a:solidFill>
+                  <a:srgbClr val="ffffff"/>
+                </a:solidFill>
+              </a:uFill>
+              <a:latin typeface="Arial"/>
+            </a:endParaRPr>
+          </a:p>
+        </p:txBody>
+      </p:sp>
+      <p:sp>
+        <p:nvSpPr>
+          <p:cNvPr id="95" name="CustomShape 6"/>
           <p:cNvSpPr/>
           <p:nvPr/>
         </p:nvSpPr>
         <p:spPr>
           <a:xfrm>
-            <a:off x="6949440" y="1280160"/>
-            <a:ext cx="1371600" cy="1097280"/>
+            <a:off x="6949440" y="2743200"/>
+            <a:ext cx="1371240" cy="1096920"/>
           </a:xfrm>
           <a:prstGeom prst="rect">
             <a:avLst/>
           </a:prstGeom>
           <a:solidFill>
-            <a:srgbClr val="EEEEEE"/>
+            <a:srgbClr val="eeeeee"/>
           </a:solidFill>
           <a:ln>
             <a:solidFill>
-              <a:srgbClr val="3465A4"/>
+              <a:srgbClr val="3465a4"/>
             </a:solidFill>
           </a:ln>
         </p:spPr>
         <p:style>
-          <a:lnRef idx="0">
-            <a:scrgbClr r="0" g="0" b="0"/>
-          </a:lnRef>
-          <a:fillRef idx="0">
-            <a:scrgbClr r="0" g="0" b="0"/>
-          </a:fillRef>
-          <a:effectRef idx="0">
-            <a:scrgbClr r="0" g="0" b="0"/>
-          </a:effectRef>
+          <a:lnRef idx="0"/>
+          <a:fillRef idx="0"/>
+          <a:effectRef idx="0"/>
           <a:fontRef idx="minor"/>
         </p:style>
         <p:txBody>
-          <a:bodyPr wrap="none" lIns="90000" tIns="45000" rIns="90000" bIns="45000" anchor="ctr"/>
-          <a:lstStyle/>
-          <a:p>
-            <a:pPr algn="ctr"/>
+          <a:bodyPr wrap="none" lIns="90000" rIns="90000" tIns="45000" bIns="45000" anchor="ctr"/>
+          <a:p>
+            <a:pPr algn="ctr">
+              <a:lnSpc>
+                <a:spcPct val="100000"/>
+              </a:lnSpc>
+            </a:pPr>
             <a:r>
-              <a:rPr lang="en-US" sz="1800" b="0" strike="noStrike" spc="-1">
+              <a:rPr b="0" lang="en-US" sz="1800" spc="-1" strike="noStrike">
                 <a:solidFill>
                   <a:srgbClr val="000000"/>
                 </a:solidFill>
                 <a:uFill>
                   <a:solidFill>
-                    <a:srgbClr val="FFFFFF"/>
+                    <a:srgbClr val="ffffff"/>
                   </a:solidFill>
                 </a:uFill>
                 <a:latin typeface="Arial"/>
+                <a:ea typeface="DejaVu Sans"/>
               </a:rPr>
               <a:t>id</a:t>
             </a:r>
-          </a:p>
-          <a:p>
-            <a:pPr algn="ctr"/>
+            <a:endParaRPr b="0" lang="en-US" sz="1800" spc="-1" strike="noStrike">
+              <a:solidFill>
+                <a:srgbClr val="000000"/>
+              </a:solidFill>
+              <a:uFill>
+                <a:solidFill>
+                  <a:srgbClr val="ffffff"/>
+                </a:solidFill>
+              </a:uFill>
+              <a:latin typeface="Arial"/>
+            </a:endParaRPr>
+          </a:p>
+          <a:p>
+            <a:pPr algn="ctr">
+              <a:lnSpc>
+                <a:spcPct val="100000"/>
+              </a:lnSpc>
+            </a:pPr>
             <a:r>
-              <a:rPr lang="en-US" sz="1800" b="0" strike="noStrike" spc="-1">
+              <a:rPr b="0" lang="en-US" sz="1800" spc="-1" strike="noStrike">
                 <a:solidFill>
                   <a:srgbClr val="000000"/>
                 </a:solidFill>
                 <a:uFill>
                   <a:solidFill>
-                    <a:srgbClr val="FFFFFF"/>
+                    <a:srgbClr val="ffffff"/>
                   </a:solidFill>
                 </a:uFill>
                 <a:latin typeface="Arial"/>
+                <a:ea typeface="DejaVu Sans"/>
               </a:rPr>
               <a:t>Label</a:t>
             </a:r>
-          </a:p>
-          <a:p>
-            <a:pPr algn="ctr"/>
+            <a:endParaRPr b="0" lang="en-US" sz="1800" spc="-1" strike="noStrike">
+              <a:solidFill>
+                <a:srgbClr val="000000"/>
+              </a:solidFill>
+              <a:uFill>
+                <a:solidFill>
+                  <a:srgbClr val="ffffff"/>
+                </a:solidFill>
+              </a:uFill>
+              <a:latin typeface="Arial"/>
+            </a:endParaRPr>
+          </a:p>
+          <a:p>
+            <a:pPr algn="ctr">
+              <a:lnSpc>
+                <a:spcPct val="100000"/>
+              </a:lnSpc>
+            </a:pPr>
             <a:r>
-              <a:rPr lang="en-US" sz="1800" b="0" strike="noStrike" spc="-1">
+              <a:rPr b="0" lang="en-US" sz="1800" spc="-1" strike="noStrike">
                 <a:solidFill>
                   <a:srgbClr val="000000"/>
                 </a:solidFill>
                 <a:uFill>
                   <a:solidFill>
-                    <a:srgbClr val="FFFFFF"/>
+                    <a:srgbClr val="ffffff"/>
                   </a:solidFill>
                 </a:uFill>
                 <a:latin typeface="Arial"/>
+                <a:ea typeface="DejaVu Sans"/>
               </a:rPr>
               <a:t>Username</a:t>
             </a:r>
-          </a:p>
-          <a:p>
-            <a:pPr algn="ctr"/>
+            <a:endParaRPr b="0" lang="en-US" sz="1800" spc="-1" strike="noStrike">
+              <a:solidFill>
+                <a:srgbClr val="000000"/>
+              </a:solidFill>
+              <a:uFill>
+                <a:solidFill>
+                  <a:srgbClr val="ffffff"/>
+                </a:solidFill>
+              </a:uFill>
+              <a:latin typeface="Arial"/>
+            </a:endParaRPr>
+          </a:p>
+          <a:p>
+            <a:pPr algn="ctr">
+              <a:lnSpc>
+                <a:spcPct val="100000"/>
+              </a:lnSpc>
+            </a:pPr>
             <a:r>
-              <a:rPr lang="en-US" sz="1800" b="0" strike="noStrike" spc="-1">
+              <a:rPr b="0" lang="en-US" sz="1800" spc="-1" strike="noStrike">
                 <a:solidFill>
                   <a:srgbClr val="000000"/>
                 </a:solidFill>
                 <a:uFill>
                   <a:solidFill>
-                    <a:srgbClr val="FFFFFF"/>
+                    <a:srgbClr val="ffffff"/>
                   </a:solidFill>
                 </a:uFill>
                 <a:latin typeface="Arial"/>
+                <a:ea typeface="DejaVu Sans"/>
               </a:rPr>
               <a:t>Password</a:t>
             </a:r>
-          </a:p>
-        </p:txBody>
-      </p:sp>
-      <p:sp>
-        <p:nvSpPr>
-          <p:cNvPr id="95" name="CustomShape 6"/>
+            <a:endParaRPr b="0" lang="en-US" sz="1800" spc="-1" strike="noStrike">
+              <a:solidFill>
+                <a:srgbClr val="000000"/>
+              </a:solidFill>
+              <a:uFill>
+                <a:solidFill>
+                  <a:srgbClr val="ffffff"/>
+                </a:solidFill>
+              </a:uFill>
+              <a:latin typeface="Arial"/>
+            </a:endParaRPr>
+          </a:p>
+        </p:txBody>
+      </p:sp>
+      <p:sp>
+        <p:nvSpPr>
+          <p:cNvPr id="96" name="CustomShape 7"/>
           <p:cNvSpPr/>
           <p:nvPr/>
         </p:nvSpPr>
         <p:spPr>
           <a:xfrm>
-            <a:off x="4206240" y="2743200"/>
-            <a:ext cx="2743200" cy="1097280"/>
+            <a:off x="4206240" y="4297680"/>
+            <a:ext cx="2742840" cy="1096920"/>
           </a:xfrm>
           <a:prstGeom prst="rect">
             <a:avLst/>
           </a:prstGeom>
           <a:solidFill>
-            <a:srgbClr val="EEEEEE"/>
+            <a:srgbClr val="eeeeee"/>
           </a:solidFill>
           <a:ln>
             <a:solidFill>
-              <a:srgbClr val="3465A4"/>
+              <a:srgbClr val="3465a4"/>
             </a:solidFill>
           </a:ln>
         </p:spPr>
         <p:style>
-          <a:lnRef idx="0">
-            <a:scrgbClr r="0" g="0" b="0"/>
-          </a:lnRef>
-          <a:fillRef idx="0">
-            <a:scrgbClr r="0" g="0" b="0"/>
-          </a:fillRef>
-          <a:effectRef idx="0">
-            <a:scrgbClr r="0" g="0" b="0"/>
-          </a:effectRef>
+          <a:lnRef idx="0"/>
+          <a:fillRef idx="0"/>
+          <a:effectRef idx="0"/>
           <a:fontRef idx="minor"/>
         </p:style>
         <p:txBody>
-          <a:bodyPr wrap="none" lIns="90000" tIns="45000" rIns="90000" bIns="45000" anchor="ctr"/>
-          <a:lstStyle/>
-          <a:p>
-            <a:pPr algn="ctr"/>
+          <a:bodyPr wrap="none" lIns="90000" rIns="90000" tIns="45000" bIns="45000" anchor="ctr"/>
+          <a:p>
+            <a:pPr algn="ctr">
+              <a:lnSpc>
+                <a:spcPct val="100000"/>
+              </a:lnSpc>
+            </a:pPr>
             <a:r>
-              <a:rPr lang="en-US" sz="1800" b="0" strike="noStrike" spc="-1">
+              <a:rPr b="0" lang="en-US" sz="1800" spc="-1" strike="noStrike">
                 <a:solidFill>
                   <a:srgbClr val="000000"/>
                 </a:solidFill>
                 <a:uFill>
                   <a:solidFill>
-                    <a:srgbClr val="FFFFFF"/>
+                    <a:srgbClr val="ffffff"/>
                   </a:solidFill>
                 </a:uFill>
                 <a:latin typeface="Arial"/>
+                <a:ea typeface="DejaVu Sans"/>
               </a:rPr>
               <a:t>VaultEntry</a:t>
             </a:r>
-          </a:p>
-        </p:txBody>
-      </p:sp>
-      <p:sp>
-        <p:nvSpPr>
-          <p:cNvPr id="96" name="CustomShape 7"/>
+            <a:endParaRPr b="0" lang="en-US" sz="1800" spc="-1" strike="noStrike">
+              <a:solidFill>
+                <a:srgbClr val="000000"/>
+              </a:solidFill>
+              <a:uFill>
+                <a:solidFill>
+                  <a:srgbClr val="ffffff"/>
+                </a:solidFill>
+              </a:uFill>
+              <a:latin typeface="Arial"/>
+            </a:endParaRPr>
+          </a:p>
+        </p:txBody>
+      </p:sp>
+      <p:sp>
+        <p:nvSpPr>
+          <p:cNvPr id="97" name="CustomShape 8"/>
           <p:cNvSpPr/>
           <p:nvPr/>
         </p:nvSpPr>
         <p:spPr>
           <a:xfrm>
-            <a:off x="6949440" y="2743200"/>
-            <a:ext cx="1371600" cy="1097280"/>
+            <a:off x="6949440" y="4297680"/>
+            <a:ext cx="1371240" cy="1096920"/>
           </a:xfrm>
           <a:prstGeom prst="rect">
             <a:avLst/>
           </a:prstGeom>
           <a:solidFill>
-            <a:srgbClr val="EEEEEE"/>
+            <a:srgbClr val="eeeeee"/>
           </a:solidFill>
           <a:ln>
             <a:solidFill>
-              <a:srgbClr val="3465A4"/>
+              <a:srgbClr val="3465a4"/>
             </a:solidFill>
           </a:ln>
         </p:spPr>
         <p:style>
-          <a:lnRef idx="0">
-            <a:scrgbClr r="0" g="0" b="0"/>
-          </a:lnRef>
-          <a:fillRef idx="0">
-            <a:scrgbClr r="0" g="0" b="0"/>
-          </a:fillRef>
-          <a:effectRef idx="0">
-            <a:scrgbClr r="0" g="0" b="0"/>
-          </a:effectRef>
+          <a:lnRef idx="0"/>
+          <a:fillRef idx="0"/>
+          <a:effectRef idx="0"/>
           <a:fontRef idx="minor"/>
         </p:style>
         <p:txBody>
-          <a:bodyPr wrap="none" lIns="90000" tIns="45000" rIns="90000" bIns="45000" anchor="ctr"/>
-          <a:lstStyle/>
-          <a:p>
-            <a:pPr algn="ctr"/>
+          <a:bodyPr wrap="none" lIns="90000" rIns="90000" tIns="45000" bIns="45000" anchor="ctr"/>
+          <a:p>
+            <a:pPr algn="ctr">
+              <a:lnSpc>
+                <a:spcPct val="100000"/>
+              </a:lnSpc>
+            </a:pPr>
             <a:r>
-              <a:rPr lang="en-US" sz="1800" b="0" strike="noStrike" spc="-1">
+              <a:rPr b="0" lang="en-US" sz="1800" spc="-1" strike="noStrike">
                 <a:solidFill>
                   <a:srgbClr val="000000"/>
                 </a:solidFill>
                 <a:uFill>
                   <a:solidFill>
-                    <a:srgbClr val="FFFFFF"/>
+                    <a:srgbClr val="ffffff"/>
                   </a:solidFill>
                 </a:uFill>
                 <a:latin typeface="Arial"/>
+                <a:ea typeface="DejaVu Sans"/>
               </a:rPr>
               <a:t>id</a:t>
             </a:r>
-          </a:p>
-          <a:p>
-            <a:pPr algn="ctr"/>
+            <a:endParaRPr b="0" lang="en-US" sz="1800" spc="-1" strike="noStrike">
+              <a:solidFill>
+                <a:srgbClr val="000000"/>
+              </a:solidFill>
+              <a:uFill>
+                <a:solidFill>
+                  <a:srgbClr val="ffffff"/>
+                </a:solidFill>
+              </a:uFill>
+              <a:latin typeface="Arial"/>
+            </a:endParaRPr>
+          </a:p>
+          <a:p>
+            <a:pPr algn="ctr">
+              <a:lnSpc>
+                <a:spcPct val="100000"/>
+              </a:lnSpc>
+            </a:pPr>
             <a:r>
-              <a:rPr lang="en-US" sz="1800" b="0" strike="noStrike" spc="-1">
+              <a:rPr b="0" lang="en-US" sz="1800" spc="-1" strike="noStrike">
                 <a:solidFill>
                   <a:srgbClr val="000000"/>
                 </a:solidFill>
                 <a:uFill>
                   <a:solidFill>
-                    <a:srgbClr val="FFFFFF"/>
+                    <a:srgbClr val="ffffff"/>
                   </a:solidFill>
                 </a:uFill>
                 <a:latin typeface="Arial"/>
+                <a:ea typeface="DejaVu Sans"/>
               </a:rPr>
               <a:t>Label</a:t>
             </a:r>
-          </a:p>
-          <a:p>
-            <a:pPr algn="ctr"/>
+            <a:endParaRPr b="0" lang="en-US" sz="1800" spc="-1" strike="noStrike">
+              <a:solidFill>
+                <a:srgbClr val="000000"/>
+              </a:solidFill>
+              <a:uFill>
+                <a:solidFill>
+                  <a:srgbClr val="ffffff"/>
+                </a:solidFill>
+              </a:uFill>
+              <a:latin typeface="Arial"/>
+            </a:endParaRPr>
+          </a:p>
+          <a:p>
+            <a:pPr algn="ctr">
+              <a:lnSpc>
+                <a:spcPct val="100000"/>
+              </a:lnSpc>
+            </a:pPr>
             <a:r>
-              <a:rPr lang="en-US" sz="1800" b="0" strike="noStrike" spc="-1">
+              <a:rPr b="0" lang="en-US" sz="1800" spc="-1" strike="noStrike">
                 <a:solidFill>
                   <a:srgbClr val="000000"/>
                 </a:solidFill>
                 <a:uFill>
                   <a:solidFill>
-                    <a:srgbClr val="FFFFFF"/>
+                    <a:srgbClr val="ffffff"/>
                   </a:solidFill>
                 </a:uFill>
                 <a:latin typeface="Arial"/>
+                <a:ea typeface="DejaVu Sans"/>
               </a:rPr>
               <a:t>Username</a:t>
             </a:r>
-          </a:p>
-          <a:p>
-            <a:pPr algn="ctr"/>
+            <a:endParaRPr b="0" lang="en-US" sz="1800" spc="-1" strike="noStrike">
+              <a:solidFill>
+                <a:srgbClr val="000000"/>
+              </a:solidFill>
+              <a:uFill>
+                <a:solidFill>
+                  <a:srgbClr val="ffffff"/>
+                </a:solidFill>
+              </a:uFill>
+              <a:latin typeface="Arial"/>
+            </a:endParaRPr>
+          </a:p>
+          <a:p>
+            <a:pPr algn="ctr">
+              <a:lnSpc>
+                <a:spcPct val="100000"/>
+              </a:lnSpc>
+            </a:pPr>
             <a:r>
-              <a:rPr lang="en-US" sz="1800" b="0" strike="noStrike" spc="-1">
+              <a:rPr b="0" lang="en-US" sz="1800" spc="-1" strike="noStrike">
                 <a:solidFill>
                   <a:srgbClr val="000000"/>
                 </a:solidFill>
                 <a:uFill>
                   <a:solidFill>
-                    <a:srgbClr val="FFFFFF"/>
+                    <a:srgbClr val="ffffff"/>
                   </a:solidFill>
                 </a:uFill>
                 <a:latin typeface="Arial"/>
+                <a:ea typeface="DejaVu Sans"/>
               </a:rPr>
               <a:t>Password</a:t>
             </a:r>
-          </a:p>
-        </p:txBody>
-      </p:sp>
-      <p:sp>
-        <p:nvSpPr>
-          <p:cNvPr id="97" name="CustomShape 8"/>
-          <p:cNvSpPr/>
-          <p:nvPr/>
-        </p:nvSpPr>
-        <p:spPr>
-          <a:xfrm>
-            <a:off x="4206240" y="4297680"/>
-            <a:ext cx="2743200" cy="1097280"/>
-          </a:xfrm>
-          <a:prstGeom prst="rect">
-            <a:avLst/>
-          </a:prstGeom>
-          <a:solidFill>
-            <a:srgbClr val="EEEEEE"/>
-          </a:solidFill>
-          <a:ln>
-            <a:solidFill>
-              <a:srgbClr val="3465A4"/>
-            </a:solidFill>
-          </a:ln>
-        </p:spPr>
-        <p:style>
-          <a:lnRef idx="0">
-            <a:scrgbClr r="0" g="0" b="0"/>
-          </a:lnRef>
-          <a:fillRef idx="0">
-            <a:scrgbClr r="0" g="0" b="0"/>
-          </a:fillRef>
-          <a:effectRef idx="0">
-            <a:scrgbClr r="0" g="0" b="0"/>
-          </a:effectRef>
-          <a:fontRef idx="minor"/>
-        </p:style>
-        <p:txBody>
-          <a:bodyPr wrap="none" lIns="90000" tIns="45000" rIns="90000" bIns="45000" anchor="ctr"/>
-          <a:lstStyle/>
-          <a:p>
-            <a:pPr algn="ctr"/>
-            <a:r>
-              <a:rPr lang="en-US" sz="1800" b="0" strike="noStrike" spc="-1">
-                <a:solidFill>
-                  <a:srgbClr val="000000"/>
-                </a:solidFill>
-                <a:uFill>
-                  <a:solidFill>
-                    <a:srgbClr val="FFFFFF"/>
-                  </a:solidFill>
-                </a:uFill>
-                <a:latin typeface="Arial"/>
-              </a:rPr>
-              <a:t>VaultEntry</a:t>
-            </a:r>
+            <a:endParaRPr b="0" lang="en-US" sz="1800" spc="-1" strike="noStrike">
+              <a:solidFill>
+                <a:srgbClr val="000000"/>
+              </a:solidFill>
+              <a:uFill>
+                <a:solidFill>
+                  <a:srgbClr val="ffffff"/>
+                </a:solidFill>
+              </a:uFill>
+              <a:latin typeface="Arial"/>
+            </a:endParaRPr>
           </a:p>
         </p:txBody>
       </p:sp>
@@ -6014,190 +6200,133 @@
           <p:nvPr/>
         </p:nvSpPr>
         <p:spPr>
-          <a:xfrm>
-            <a:off x="6949440" y="4297680"/>
-            <a:ext cx="1371600" cy="1097280"/>
-          </a:xfrm>
-          <a:prstGeom prst="rect">
-            <a:avLst/>
-          </a:prstGeom>
-          <a:solidFill>
-            <a:srgbClr val="EEEEEE"/>
-          </a:solidFill>
-          <a:ln>
-            <a:solidFill>
-              <a:srgbClr val="3465A4"/>
-            </a:solidFill>
-          </a:ln>
-        </p:spPr>
-        <p:style>
-          <a:lnRef idx="0">
-            <a:scrgbClr r="0" g="0" b="0"/>
-          </a:lnRef>
-          <a:fillRef idx="0">
-            <a:scrgbClr r="0" g="0" b="0"/>
-          </a:fillRef>
-          <a:effectRef idx="0">
-            <a:scrgbClr r="0" g="0" b="0"/>
-          </a:effectRef>
-          <a:fontRef idx="minor"/>
-        </p:style>
-        <p:txBody>
-          <a:bodyPr wrap="none" lIns="90000" tIns="45000" rIns="90000" bIns="45000" anchor="ctr"/>
-          <a:lstStyle/>
-          <a:p>
-            <a:pPr algn="ctr"/>
-            <a:r>
-              <a:rPr lang="en-US" sz="1800" b="0" strike="noStrike" spc="-1">
-                <a:solidFill>
-                  <a:srgbClr val="000000"/>
-                </a:solidFill>
-                <a:uFill>
-                  <a:solidFill>
-                    <a:srgbClr val="FFFFFF"/>
-                  </a:solidFill>
-                </a:uFill>
-                <a:latin typeface="Arial"/>
-              </a:rPr>
-              <a:t>id</a:t>
-            </a:r>
-          </a:p>
-          <a:p>
-            <a:pPr algn="ctr"/>
-            <a:r>
-              <a:rPr lang="en-US" sz="1800" b="0" strike="noStrike" spc="-1">
-                <a:solidFill>
-                  <a:srgbClr val="000000"/>
-                </a:solidFill>
-                <a:uFill>
-                  <a:solidFill>
-                    <a:srgbClr val="FFFFFF"/>
-                  </a:solidFill>
-                </a:uFill>
-                <a:latin typeface="Arial"/>
-              </a:rPr>
-              <a:t>Label</a:t>
-            </a:r>
-          </a:p>
-          <a:p>
-            <a:pPr algn="ctr"/>
-            <a:r>
-              <a:rPr lang="en-US" sz="1800" b="0" strike="noStrike" spc="-1">
-                <a:solidFill>
-                  <a:srgbClr val="000000"/>
-                </a:solidFill>
-                <a:uFill>
-                  <a:solidFill>
-                    <a:srgbClr val="FFFFFF"/>
-                  </a:solidFill>
-                </a:uFill>
-                <a:latin typeface="Arial"/>
-              </a:rPr>
-              <a:t>Username</a:t>
-            </a:r>
-          </a:p>
-          <a:p>
-            <a:pPr algn="ctr"/>
-            <a:r>
-              <a:rPr lang="en-US" sz="1800" b="0" strike="noStrike" spc="-1">
-                <a:solidFill>
-                  <a:srgbClr val="000000"/>
-                </a:solidFill>
-                <a:uFill>
-                  <a:solidFill>
-                    <a:srgbClr val="FFFFFF"/>
-                  </a:solidFill>
-                </a:uFill>
-                <a:latin typeface="Arial"/>
-              </a:rPr>
-              <a:t>Password</a:t>
-            </a:r>
-          </a:p>
-        </p:txBody>
-      </p:sp>
-      <p:cxnSp>
-        <p:nvCxnSpPr>
-          <p:cNvPr id="99" name="Line 10"/>
-          <p:cNvCxnSpPr>
-            <a:stCxn id="92" idx="3"/>
-            <a:endCxn id="93" idx="1"/>
-          </p:cNvCxnSpPr>
-          <p:nvPr/>
-        </p:nvCxnSpPr>
-        <p:spPr>
           <a:xfrm flipV="1">
-            <a:off x="1828800" y="1828800"/>
-            <a:ext cx="2377800" cy="1326240"/>
-          </a:xfrm>
-          <a:prstGeom prst="straightConnector1">
-            <a:avLst/>
-          </a:prstGeom>
+            <a:off x="1828800" y="1828080"/>
+            <a:ext cx="2377440" cy="1325880"/>
+          </a:xfrm>
+          <a:custGeom>
+            <a:avLst/>
+            <a:gdLst/>
+            <a:ahLst/>
+            <a:rect l="l" t="t" r="r" b="b"/>
+            <a:pathLst>
+              <a:path w="21600" h="21600">
+                <a:moveTo>
+                  <a:pt x="0" y="0"/>
+                </a:moveTo>
+                <a:lnTo>
+                  <a:pt x="21600" y="21600"/>
+                </a:lnTo>
+              </a:path>
+            </a:pathLst>
+          </a:custGeom>
+          <a:noFill/>
           <a:ln>
             <a:solidFill>
               <a:srgbClr val="000000"/>
             </a:solidFill>
-            <a:tailEnd type="triangle" w="med" len="med"/>
+            <a:tailEnd len="med" type="triangle" w="med"/>
           </a:ln>
         </p:spPr>
-      </p:cxnSp>
-      <p:cxnSp>
-        <p:nvCxnSpPr>
-          <p:cNvPr id="100" name="Line 11"/>
-          <p:cNvCxnSpPr>
-            <a:stCxn id="93" idx="2"/>
-            <a:endCxn id="95" idx="0"/>
-          </p:cNvCxnSpPr>
+        <p:style>
+          <a:lnRef idx="0"/>
+          <a:fillRef idx="0"/>
+          <a:effectRef idx="0"/>
+          <a:fontRef idx="minor"/>
+        </p:style>
+      </p:sp>
+      <p:sp>
+        <p:nvSpPr>
+          <p:cNvPr id="99" name="CustomShape 10"/>
+          <p:cNvSpPr/>
           <p:nvPr/>
-        </p:nvCxnSpPr>
+        </p:nvSpPr>
         <p:spPr>
           <a:xfrm>
             <a:off x="5577840" y="2377440"/>
-            <a:ext cx="360" cy="366120"/>
-          </a:xfrm>
-          <a:prstGeom prst="straightConnector1">
-            <a:avLst/>
-          </a:prstGeom>
+            <a:ext cx="360" cy="365760"/>
+          </a:xfrm>
+          <a:custGeom>
+            <a:avLst/>
+            <a:gdLst/>
+            <a:ahLst/>
+            <a:rect l="l" t="t" r="r" b="b"/>
+            <a:pathLst>
+              <a:path w="21600" h="21600">
+                <a:moveTo>
+                  <a:pt x="0" y="0"/>
+                </a:moveTo>
+                <a:lnTo>
+                  <a:pt x="21600" y="21600"/>
+                </a:lnTo>
+              </a:path>
+            </a:pathLst>
+          </a:custGeom>
+          <a:noFill/>
           <a:ln>
             <a:solidFill>
               <a:srgbClr val="000000"/>
             </a:solidFill>
-            <a:headEnd type="triangle" w="med" len="med"/>
-            <a:tailEnd type="triangle" w="med" len="med"/>
+            <a:headEnd len="med" type="triangle" w="med"/>
+            <a:tailEnd len="med" type="triangle" w="med"/>
           </a:ln>
         </p:spPr>
-      </p:cxnSp>
-      <p:cxnSp>
-        <p:nvCxnSpPr>
-          <p:cNvPr id="101" name="Line 12"/>
-          <p:cNvCxnSpPr>
-            <a:stCxn id="95" idx="2"/>
-            <a:endCxn id="97" idx="0"/>
-          </p:cNvCxnSpPr>
+        <p:style>
+          <a:lnRef idx="0"/>
+          <a:fillRef idx="0"/>
+          <a:effectRef idx="0"/>
+          <a:fontRef idx="minor"/>
+        </p:style>
+      </p:sp>
+      <p:sp>
+        <p:nvSpPr>
+          <p:cNvPr id="100" name="CustomShape 11"/>
+          <p:cNvSpPr/>
           <p:nvPr/>
-        </p:nvCxnSpPr>
+        </p:nvSpPr>
         <p:spPr>
           <a:xfrm>
             <a:off x="5577840" y="3840480"/>
-            <a:ext cx="360" cy="457560"/>
-          </a:xfrm>
-          <a:prstGeom prst="straightConnector1">
-            <a:avLst/>
-          </a:prstGeom>
+            <a:ext cx="360" cy="457200"/>
+          </a:xfrm>
+          <a:custGeom>
+            <a:avLst/>
+            <a:gdLst/>
+            <a:ahLst/>
+            <a:rect l="l" t="t" r="r" b="b"/>
+            <a:pathLst>
+              <a:path w="21600" h="21600">
+                <a:moveTo>
+                  <a:pt x="0" y="0"/>
+                </a:moveTo>
+                <a:lnTo>
+                  <a:pt x="21600" y="21600"/>
+                </a:lnTo>
+              </a:path>
+            </a:pathLst>
+          </a:custGeom>
+          <a:noFill/>
           <a:ln>
             <a:solidFill>
               <a:srgbClr val="000000"/>
             </a:solidFill>
-            <a:headEnd type="triangle" w="med" len="med"/>
-            <a:tailEnd type="triangle" w="med" len="med"/>
+            <a:headEnd len="med" type="triangle" w="med"/>
+            <a:tailEnd len="med" type="triangle" w="med"/>
           </a:ln>
         </p:spPr>
-      </p:cxnSp>
-      <p:cxnSp>
-        <p:nvCxnSpPr>
-          <p:cNvPr id="102" name="Line 13"/>
-          <p:cNvCxnSpPr/>
+        <p:style>
+          <a:lnRef idx="0"/>
+          <a:fillRef idx="0"/>
+          <a:effectRef idx="0"/>
+          <a:fontRef idx="minor"/>
+        </p:style>
+      </p:sp>
+      <p:sp>
+        <p:nvSpPr>
+          <p:cNvPr id="101" name="Line 12"/>
+          <p:cNvSpPr/>
           <p:nvPr/>
-        </p:nvCxnSpPr>
+        </p:nvSpPr>
         <p:spPr>
           <a:xfrm>
             <a:off x="0" y="0"/>
@@ -6210,167 +6339,172 @@
             <a:solidFill>
               <a:srgbClr val="000000"/>
             </a:solidFill>
-            <a:tailEnd type="triangle" w="med" len="med"/>
+            <a:tailEnd len="med" type="triangle" w="med"/>
           </a:ln>
         </p:spPr>
-      </p:cxnSp>
-      <p:sp>
-        <p:nvSpPr>
-          <p:cNvPr id="21" name="CustomShape 3"/>
+        <p:style>
+          <a:lnRef idx="0"/>
+          <a:fillRef idx="0"/>
+          <a:effectRef idx="0"/>
+          <a:fontRef idx="minor"/>
+        </p:style>
+      </p:sp>
+      <p:sp>
+        <p:nvSpPr>
+          <p:cNvPr id="102" name="CustomShape 13"/>
           <p:cNvSpPr/>
           <p:nvPr/>
         </p:nvSpPr>
         <p:spPr>
           <a:xfrm>
-            <a:off x="1077912" y="2987675"/>
-            <a:ext cx="731520" cy="624840"/>
+            <a:off x="1077840" y="2987640"/>
+            <a:ext cx="731160" cy="624600"/>
           </a:xfrm>
           <a:prstGeom prst="rect">
             <a:avLst/>
           </a:prstGeom>
           <a:solidFill>
-            <a:srgbClr val="EEEEEE"/>
+            <a:srgbClr val="eeeeee"/>
           </a:solidFill>
           <a:ln>
             <a:solidFill>
-              <a:srgbClr val="3465A4"/>
+              <a:srgbClr val="3465a4"/>
             </a:solidFill>
           </a:ln>
         </p:spPr>
         <p:style>
-          <a:lnRef idx="0">
-            <a:scrgbClr r="0" g="0" b="0"/>
-          </a:lnRef>
-          <a:fillRef idx="0">
-            <a:scrgbClr r="0" g="0" b="0"/>
-          </a:fillRef>
-          <a:effectRef idx="0">
-            <a:scrgbClr r="0" g="0" b="0"/>
-          </a:effectRef>
+          <a:lnRef idx="0"/>
+          <a:fillRef idx="0"/>
+          <a:effectRef idx="0"/>
           <a:fontRef idx="minor"/>
         </p:style>
-        <p:txBody>
-          <a:bodyPr wrap="none" lIns="90000" tIns="45000" rIns="90000" bIns="45000" anchor="ctr"/>
-          <a:lstStyle/>
-          <a:p>
-            <a:pPr algn="ctr"/>
-            <a:endParaRPr lang="en-US" sz="1800" b="0" strike="noStrike" spc="-1" dirty="0">
-              <a:solidFill>
-                <a:srgbClr val="000000"/>
-              </a:solidFill>
-              <a:uFill>
-                <a:solidFill>
-                  <a:srgbClr val="FFFFFF"/>
-                </a:solidFill>
-              </a:uFill>
-              <a:latin typeface="Arial"/>
-            </a:endParaRPr>
-          </a:p>
-        </p:txBody>
-      </p:sp>
-      <p:cxnSp>
-        <p:nvCxnSpPr>
-          <p:cNvPr id="22" name="Line 10"/>
-          <p:cNvCxnSpPr>
-            <a:stCxn id="21" idx="3"/>
-            <a:endCxn id="97" idx="1"/>
-          </p:cNvCxnSpPr>
+      </p:sp>
+      <p:sp>
+        <p:nvSpPr>
+          <p:cNvPr id="103" name="CustomShape 14"/>
+          <p:cNvSpPr/>
           <p:nvPr/>
-        </p:nvCxnSpPr>
-        <p:spPr>
-          <a:xfrm>
-            <a:off x="1809432" y="3300095"/>
-            <a:ext cx="2396808" cy="1546225"/>
-          </a:xfrm>
-          <a:prstGeom prst="straightConnector1">
-            <a:avLst/>
-          </a:prstGeom>
+        </p:nvSpPr>
+        <p:spPr>
+          <a:xfrm>
+            <a:off x="1809360" y="3300120"/>
+            <a:ext cx="2396520" cy="1545840"/>
+          </a:xfrm>
+          <a:custGeom>
+            <a:avLst/>
+            <a:gdLst/>
+            <a:ahLst/>
+            <a:rect l="l" t="t" r="r" b="b"/>
+            <a:pathLst>
+              <a:path w="21600" h="21600">
+                <a:moveTo>
+                  <a:pt x="0" y="0"/>
+                </a:moveTo>
+                <a:lnTo>
+                  <a:pt x="21600" y="21600"/>
+                </a:lnTo>
+              </a:path>
+            </a:pathLst>
+          </a:custGeom>
+          <a:noFill/>
           <a:ln>
             <a:solidFill>
               <a:srgbClr val="000000"/>
             </a:solidFill>
-            <a:tailEnd type="triangle" w="med" len="med"/>
+            <a:tailEnd len="med" type="triangle" w="med"/>
           </a:ln>
         </p:spPr>
-      </p:cxnSp>
-      <p:sp>
-        <p:nvSpPr>
-          <p:cNvPr id="92" name="CustomShape 3"/>
+        <p:style>
+          <a:lnRef idx="0"/>
+          <a:fillRef idx="0"/>
+          <a:effectRef idx="0"/>
+          <a:fontRef idx="minor"/>
+        </p:style>
+      </p:sp>
+      <p:sp>
+        <p:nvSpPr>
+          <p:cNvPr id="104" name="CustomShape 15"/>
           <p:cNvSpPr/>
           <p:nvPr/>
         </p:nvSpPr>
         <p:spPr>
           <a:xfrm>
             <a:off x="640080" y="1280160"/>
-            <a:ext cx="1188720" cy="3749040"/>
+            <a:ext cx="1188360" cy="3748680"/>
           </a:xfrm>
           <a:prstGeom prst="rect">
             <a:avLst/>
           </a:prstGeom>
           <a:solidFill>
-            <a:srgbClr val="EEEEEE"/>
+            <a:srgbClr val="eeeeee"/>
           </a:solidFill>
           <a:ln>
             <a:solidFill>
-              <a:srgbClr val="3465A4"/>
+              <a:srgbClr val="3465a4"/>
             </a:solidFill>
           </a:ln>
         </p:spPr>
         <p:style>
-          <a:lnRef idx="0">
-            <a:scrgbClr r="0" g="0" b="0"/>
-          </a:lnRef>
-          <a:fillRef idx="0">
-            <a:scrgbClr r="0" g="0" b="0"/>
-          </a:fillRef>
-          <a:effectRef idx="0">
-            <a:scrgbClr r="0" g="0" b="0"/>
-          </a:effectRef>
+          <a:lnRef idx="0"/>
+          <a:fillRef idx="0"/>
+          <a:effectRef idx="0"/>
           <a:fontRef idx="minor"/>
         </p:style>
         <p:txBody>
-          <a:bodyPr wrap="none" lIns="90000" tIns="45000" rIns="90000" bIns="45000" anchor="ctr"/>
-          <a:lstStyle/>
-          <a:p>
-            <a:pPr algn="ctr"/>
+          <a:bodyPr wrap="none" lIns="90000" rIns="90000" tIns="45000" bIns="45000" anchor="ctr"/>
+          <a:p>
+            <a:pPr algn="ctr">
+              <a:lnSpc>
+                <a:spcPct val="100000"/>
+              </a:lnSpc>
+            </a:pPr>
             <a:r>
-              <a:rPr lang="en-US" sz="1800" b="0" strike="noStrike" spc="-1">
+              <a:rPr b="0" lang="en-US" sz="1800" spc="-1" strike="noStrike">
                 <a:solidFill>
                   <a:srgbClr val="000000"/>
                 </a:solidFill>
                 <a:uFill>
                   <a:solidFill>
-                    <a:srgbClr val="FFFFFF"/>
+                    <a:srgbClr val="ffffff"/>
                   </a:solidFill>
                 </a:uFill>
                 <a:latin typeface="Arial"/>
+                <a:ea typeface="DejaVu Sans"/>
               </a:rPr>
               <a:t>Vault</a:t>
             </a:r>
+            <a:endParaRPr b="0" lang="en-US" sz="1800" spc="-1" strike="noStrike">
+              <a:solidFill>
+                <a:srgbClr val="000000"/>
+              </a:solidFill>
+              <a:uFill>
+                <a:solidFill>
+                  <a:srgbClr val="ffffff"/>
+                </a:solidFill>
+              </a:uFill>
+              <a:latin typeface="Arial"/>
+            </a:endParaRPr>
           </a:p>
         </p:txBody>
       </p:sp>
     </p:spTree>
   </p:cSld>
-  <p:clrMapOvr>
-    <a:masterClrMapping/>
-  </p:clrMapOvr>
   <p:timing>
     <p:tnLst>
       <p:par>
-        <p:cTn id="1" dur="indefinite" restart="never" nodeType="tmRoot">
+        <p:cTn id="13" dur="indefinite" restart="never" nodeType="tmRoot">
           <p:childTnLst>
             <p:seq>
-              <p:cTn id="2" nodeType="mainSeq"/>
+              <p:cTn id="14" nodeType="mainSeq"/>
               <p:prevCondLst>
-                <p:cond evt="onPrev" delay="0">
+                <p:cond delay="0" evt="onPrev">
                   <p:tgtEl>
                     <p:sldTgt/>
                   </p:tgtEl>
                 </p:cond>
               </p:prevCondLst>
               <p:nextCondLst>
-                <p:cond evt="onNext" delay="0">
+                <p:cond delay="0" evt="onNext">
                   <p:tgtEl>
                     <p:sldTgt/>
                   </p:tgtEl>
@@ -6386,7 +6520,7 @@
 </file>
 
 <file path=ppt/slides/slide8.xml><?xml version="1.0" encoding="utf-8"?>
-<p:sld xmlns:a="http://schemas.openxmlformats.org/drawingml/2006/main" xmlns:r="http://schemas.openxmlformats.org/officeDocument/2006/relationships" xmlns:p="http://schemas.openxmlformats.org/presentationml/2006/main">
+<p:sld xmlns:a="http://schemas.openxmlformats.org/drawingml/2006/main" xmlns:p="http://schemas.openxmlformats.org/presentationml/2006/main" xmlns:r="http://schemas.openxmlformats.org/officeDocument/2006/relationships" xmlns:p14="http://schemas.microsoft.com/office/powerpoint/2010/main" xmlns:p15="http://schemas.microsoft.com/office/powerpoint/2012/main" xmlns:mc="http://schemas.openxmlformats.org/markup-compatibility/2006">
   <p:cSld>
     <p:spTree>
       <p:nvGrpSpPr>
@@ -6404,14 +6538,14 @@
       </p:grpSpPr>
       <p:sp>
         <p:nvSpPr>
-          <p:cNvPr id="103" name="CustomShape 1"/>
+          <p:cNvPr id="105" name="CustomShape 1"/>
           <p:cNvSpPr/>
           <p:nvPr/>
         </p:nvSpPr>
         <p:spPr>
           <a:xfrm>
             <a:off x="719640" y="225720"/>
-            <a:ext cx="8854200" cy="946440"/>
+            <a:ext cx="8853840" cy="946080"/>
           </a:xfrm>
           <a:prstGeom prst="rect">
             <a:avLst/>
@@ -6422,29 +6556,27 @@
           </a:ln>
         </p:spPr>
         <p:style>
-          <a:lnRef idx="0">
-            <a:scrgbClr r="0" g="0" b="0"/>
-          </a:lnRef>
-          <a:fillRef idx="0">
-            <a:scrgbClr r="0" g="0" b="0"/>
-          </a:fillRef>
-          <a:effectRef idx="0">
-            <a:scrgbClr r="0" g="0" b="0"/>
-          </a:effectRef>
+          <a:lnRef idx="0"/>
+          <a:fillRef idx="0"/>
+          <a:effectRef idx="0"/>
           <a:fontRef idx="minor"/>
         </p:style>
         <p:txBody>
-          <a:bodyPr lIns="0" tIns="0" rIns="0" bIns="0" anchor="ctr"/>
-          <a:lstStyle/>
-          <a:p>
+          <a:bodyPr lIns="0" rIns="0" tIns="0" bIns="0" anchor="ctr"/>
+          <a:p>
+            <a:pPr>
+              <a:lnSpc>
+                <a:spcPct val="100000"/>
+              </a:lnSpc>
+            </a:pPr>
             <a:r>
-              <a:rPr lang="en-US" sz="4400" b="1" strike="noStrike" spc="-1">
+              <a:rPr b="1" lang="en-US" sz="4400" spc="-1" strike="noStrike">
                 <a:solidFill>
                   <a:srgbClr val="333333"/>
                 </a:solidFill>
                 <a:uFill>
                   <a:solidFill>
-                    <a:srgbClr val="FFFFFF"/>
+                    <a:srgbClr val="ffffff"/>
                   </a:solidFill>
                 </a:uFill>
                 <a:latin typeface="Open Sans"/>
@@ -6452,30 +6584,30 @@
               </a:rPr>
               <a:t>Password Vault</a:t>
             </a:r>
-            <a:endParaRPr lang="en-US" sz="1800" b="0" strike="noStrike" spc="-1">
-              <a:solidFill>
-                <a:srgbClr val="000000"/>
-              </a:solidFill>
-              <a:uFill>
-                <a:solidFill>
-                  <a:srgbClr val="FFFFFF"/>
-                </a:solidFill>
-              </a:uFill>
-              <a:latin typeface="Arial"/>
-            </a:endParaRPr>
-          </a:p>
-        </p:txBody>
-      </p:sp>
-      <p:sp>
-        <p:nvSpPr>
-          <p:cNvPr id="104" name="CustomShape 2"/>
+            <a:endParaRPr b="0" lang="en-US" sz="1800" spc="-1" strike="noStrike">
+              <a:solidFill>
+                <a:srgbClr val="000000"/>
+              </a:solidFill>
+              <a:uFill>
+                <a:solidFill>
+                  <a:srgbClr val="ffffff"/>
+                </a:solidFill>
+              </a:uFill>
+              <a:latin typeface="Arial"/>
+            </a:endParaRPr>
+          </a:p>
+        </p:txBody>
+      </p:sp>
+      <p:sp>
+        <p:nvSpPr>
+          <p:cNvPr id="106" name="CustomShape 2"/>
           <p:cNvSpPr/>
           <p:nvPr/>
         </p:nvSpPr>
         <p:spPr>
           <a:xfrm>
             <a:off x="914400" y="1554480"/>
-            <a:ext cx="8443800" cy="4297680"/>
+            <a:ext cx="8443440" cy="4297320"/>
           </a:xfrm>
           <a:prstGeom prst="rect">
             <a:avLst/>
@@ -6488,33 +6620,27 @@
           </a:solidFill>
           <a:ln>
             <a:solidFill>
-              <a:srgbClr val="3465A4"/>
+              <a:srgbClr val="3465a4"/>
             </a:solidFill>
           </a:ln>
         </p:spPr>
         <p:style>
-          <a:lnRef idx="0">
-            <a:scrgbClr r="0" g="0" b="0"/>
-          </a:lnRef>
-          <a:fillRef idx="0">
-            <a:scrgbClr r="0" g="0" b="0"/>
-          </a:fillRef>
-          <a:effectRef idx="0">
-            <a:scrgbClr r="0" g="0" b="0"/>
-          </a:effectRef>
+          <a:lnRef idx="0"/>
+          <a:fillRef idx="0"/>
+          <a:effectRef idx="0"/>
           <a:fontRef idx="minor"/>
         </p:style>
       </p:sp>
       <p:sp>
         <p:nvSpPr>
-          <p:cNvPr id="105" name="CustomShape 3"/>
+          <p:cNvPr id="107" name="CustomShape 3"/>
           <p:cNvSpPr/>
           <p:nvPr/>
         </p:nvSpPr>
         <p:spPr>
           <a:xfrm>
             <a:off x="719640" y="1620000"/>
-            <a:ext cx="8638560" cy="3287880"/>
+            <a:ext cx="8638200" cy="3287520"/>
           </a:xfrm>
           <a:prstGeom prst="rect">
             <a:avLst/>
@@ -6525,85 +6651,88 @@
           </a:ln>
         </p:spPr>
         <p:style>
-          <a:lnRef idx="0">
-            <a:scrgbClr r="0" g="0" b="0"/>
-          </a:lnRef>
-          <a:fillRef idx="0">
-            <a:scrgbClr r="0" g="0" b="0"/>
-          </a:fillRef>
-          <a:effectRef idx="0">
-            <a:scrgbClr r="0" g="0" b="0"/>
-          </a:effectRef>
+          <a:lnRef idx="0"/>
+          <a:fillRef idx="0"/>
+          <a:effectRef idx="0"/>
           <a:fontRef idx="minor"/>
         </p:style>
       </p:sp>
       <p:sp>
         <p:nvSpPr>
-          <p:cNvPr id="106" name="CustomShape 4"/>
+          <p:cNvPr id="108" name="CustomShape 4"/>
           <p:cNvSpPr/>
           <p:nvPr/>
         </p:nvSpPr>
         <p:spPr>
           <a:xfrm>
             <a:off x="1280160" y="1920240"/>
-            <a:ext cx="2194560" cy="365760"/>
+            <a:ext cx="2194200" cy="365400"/>
           </a:xfrm>
           <a:prstGeom prst="rect">
             <a:avLst/>
           </a:prstGeom>
           <a:solidFill>
-            <a:srgbClr val="EEEEEE"/>
+            <a:srgbClr val="eeeeee"/>
           </a:solidFill>
           <a:ln>
             <a:solidFill>
-              <a:srgbClr val="3465A4"/>
+              <a:srgbClr val="3465a4"/>
             </a:solidFill>
           </a:ln>
         </p:spPr>
         <p:style>
-          <a:lnRef idx="0">
-            <a:scrgbClr r="0" g="0" b="0"/>
-          </a:lnRef>
-          <a:fillRef idx="0">
-            <a:scrgbClr r="0" g="0" b="0"/>
-          </a:fillRef>
-          <a:effectRef idx="0">
-            <a:scrgbClr r="0" g="0" b="0"/>
-          </a:effectRef>
+          <a:lnRef idx="0"/>
+          <a:fillRef idx="0"/>
+          <a:effectRef idx="0"/>
           <a:fontRef idx="minor"/>
         </p:style>
         <p:txBody>
-          <a:bodyPr wrap="none" lIns="90000" tIns="45000" rIns="90000" bIns="45000" anchor="ctr"/>
-          <a:lstStyle/>
-          <a:p>
-            <a:pPr algn="ctr"/>
+          <a:bodyPr wrap="none" lIns="90000" rIns="90000" tIns="45000" bIns="45000" anchor="ctr"/>
+          <a:p>
+            <a:pPr algn="ctr">
+              <a:lnSpc>
+                <a:spcPct val="100000"/>
+              </a:lnSpc>
+            </a:pPr>
             <a:r>
-              <a:rPr lang="en-US" sz="1800" b="0" strike="noStrike" spc="-1">
+              <a:rPr b="0" lang="en-US" sz="1800" spc="-1" strike="noStrike">
                 <a:solidFill>
                   <a:srgbClr val="000000"/>
                 </a:solidFill>
                 <a:uFill>
                   <a:solidFill>
-                    <a:srgbClr val="FFFFFF"/>
+                    <a:srgbClr val="ffffff"/>
                   </a:solidFill>
                 </a:uFill>
                 <a:latin typeface="Arial"/>
+                <a:ea typeface="DejaVu Sans"/>
               </a:rPr>
               <a:t>firstId</a:t>
             </a:r>
-          </a:p>
-        </p:txBody>
-      </p:sp>
-      <p:sp>
-        <p:nvSpPr>
-          <p:cNvPr id="107" name="CustomShape 5"/>
+            <a:endParaRPr b="0" lang="en-US" sz="1800" spc="-1" strike="noStrike">
+              <a:solidFill>
+                <a:srgbClr val="000000"/>
+              </a:solidFill>
+              <a:uFill>
+                <a:solidFill>
+                  <a:srgbClr val="ffffff"/>
+                </a:solidFill>
+              </a:uFill>
+              <a:latin typeface="Arial"/>
+            </a:endParaRPr>
+          </a:p>
+        </p:txBody>
+      </p:sp>
+      <p:sp>
+        <p:nvSpPr>
+          <p:cNvPr id="109" name="CustomShape 5"/>
           <p:cNvSpPr/>
           <p:nvPr/>
         </p:nvSpPr>
         <p:spPr>
           <a:xfrm>
             <a:off x="4206240" y="1828800"/>
-            <a:ext cx="3108960" cy="914400"/>
+            <a:ext cx="3108600" cy="914040"/>
           </a:xfrm>
           <a:prstGeom prst="rect">
             <a:avLst/>
@@ -6614,22 +6743,15 @@
           </a:ln>
         </p:spPr>
         <p:style>
-          <a:lnRef idx="0">
-            <a:scrgbClr r="0" g="0" b="0"/>
-          </a:lnRef>
-          <a:fillRef idx="0">
-            <a:scrgbClr r="0" g="0" b="0"/>
-          </a:fillRef>
-          <a:effectRef idx="0">
-            <a:scrgbClr r="0" g="0" b="0"/>
-          </a:effectRef>
+          <a:lnRef idx="0"/>
+          <a:fillRef idx="0"/>
+          <a:effectRef idx="0"/>
           <a:fontRef idx="minor"/>
         </p:style>
         <p:txBody>
-          <a:bodyPr lIns="0" tIns="0" rIns="0" bIns="0"/>
-          <a:lstStyle/>
-          <a:p>
-            <a:pPr marL="432000" indent="-323280" algn="ctr">
+          <a:bodyPr lIns="0" rIns="0" tIns="0" bIns="0"/>
+          <a:p>
+            <a:pPr marL="432000" indent="-322920" algn="ctr">
               <a:lnSpc>
                 <a:spcPct val="100000"/>
               </a:lnSpc>
@@ -6637,20 +6759,20 @@
                 <a:spcPts val="1414"/>
               </a:spcAft>
               <a:buClr>
-                <a:srgbClr val="EF2929"/>
+                <a:srgbClr val="ef2929"/>
               </a:buClr>
               <a:buSzPct val="45000"/>
               <a:buFont typeface="Wingdings" charset="2"/>
               <a:buChar char=""/>
             </a:pPr>
             <a:r>
-              <a:rPr lang="en-US" sz="1800" b="0" strike="noStrike" spc="-1">
+              <a:rPr b="0" lang="en-US" sz="1800" spc="-1" strike="noStrike">
                 <a:solidFill>
                   <a:srgbClr val="333333"/>
                 </a:solidFill>
                 <a:uFill>
                   <a:solidFill>
-                    <a:srgbClr val="FFFFFF"/>
+                    <a:srgbClr val="ffffff"/>
                   </a:solidFill>
                 </a:uFill>
                 <a:latin typeface="Open Sans"/>
@@ -6658,30 +6780,30 @@
               </a:rPr>
               <a:t>(Entry #0)</a:t>
             </a:r>
-            <a:endParaRPr lang="en-US" sz="1800" b="0" strike="noStrike" spc="-1">
-              <a:solidFill>
-                <a:srgbClr val="000000"/>
-              </a:solidFill>
-              <a:uFill>
-                <a:solidFill>
-                  <a:srgbClr val="FFFFFF"/>
-                </a:solidFill>
-              </a:uFill>
-              <a:latin typeface="Arial"/>
-            </a:endParaRPr>
-          </a:p>
-        </p:txBody>
-      </p:sp>
-      <p:sp>
-        <p:nvSpPr>
-          <p:cNvPr id="108" name="CustomShape 6"/>
+            <a:endParaRPr b="0" lang="en-US" sz="1800" spc="-1" strike="noStrike">
+              <a:solidFill>
+                <a:srgbClr val="000000"/>
+              </a:solidFill>
+              <a:uFill>
+                <a:solidFill>
+                  <a:srgbClr val="ffffff"/>
+                </a:solidFill>
+              </a:uFill>
+              <a:latin typeface="Arial"/>
+            </a:endParaRPr>
+          </a:p>
+        </p:txBody>
+      </p:sp>
+      <p:sp>
+        <p:nvSpPr>
+          <p:cNvPr id="110" name="CustomShape 6"/>
           <p:cNvSpPr/>
           <p:nvPr/>
         </p:nvSpPr>
         <p:spPr>
           <a:xfrm>
             <a:off x="719640" y="1005840"/>
-            <a:ext cx="8638560" cy="3735720"/>
+            <a:ext cx="8638200" cy="3735360"/>
           </a:xfrm>
           <a:prstGeom prst="rect">
             <a:avLst/>
@@ -6692,22 +6814,15 @@
           </a:ln>
         </p:spPr>
         <p:style>
-          <a:lnRef idx="0">
-            <a:scrgbClr r="0" g="0" b="0"/>
-          </a:lnRef>
-          <a:fillRef idx="0">
-            <a:scrgbClr r="0" g="0" b="0"/>
-          </a:fillRef>
-          <a:effectRef idx="0">
-            <a:scrgbClr r="0" g="0" b="0"/>
-          </a:effectRef>
+          <a:lnRef idx="0"/>
+          <a:fillRef idx="0"/>
+          <a:effectRef idx="0"/>
           <a:fontRef idx="minor"/>
         </p:style>
         <p:txBody>
-          <a:bodyPr lIns="0" tIns="0" rIns="0" bIns="0"/>
-          <a:lstStyle/>
-          <a:p>
-            <a:pPr marL="432000" indent="-323280" algn="ctr">
+          <a:bodyPr lIns="0" rIns="0" tIns="0" bIns="0"/>
+          <a:p>
+            <a:pPr marL="432000" indent="-322920" algn="ctr">
               <a:lnSpc>
                 <a:spcPct val="100000"/>
               </a:lnSpc>
@@ -6715,20 +6830,20 @@
                 <a:spcPts val="1414"/>
               </a:spcAft>
               <a:buClr>
-                <a:srgbClr val="EF2929"/>
+                <a:srgbClr val="ef2929"/>
               </a:buClr>
               <a:buSzPct val="45000"/>
               <a:buFont typeface="Wingdings" charset="2"/>
               <a:buChar char=""/>
             </a:pPr>
             <a:r>
-              <a:rPr lang="en-US" sz="2800" b="0" strike="noStrike" spc="-1">
+              <a:rPr b="0" lang="en-US" sz="2800" spc="-1" strike="noStrike">
                 <a:solidFill>
                   <a:srgbClr val="333333"/>
                 </a:solidFill>
                 <a:uFill>
                   <a:solidFill>
-                    <a:srgbClr val="FFFFFF"/>
+                    <a:srgbClr val="ffffff"/>
                   </a:solidFill>
                 </a:uFill>
                 <a:latin typeface="Open Sans"/>
@@ -6736,30 +6851,30 @@
               </a:rPr>
               <a:t>File</a:t>
             </a:r>
-            <a:endParaRPr lang="en-US" sz="1800" b="0" strike="noStrike" spc="-1">
-              <a:solidFill>
-                <a:srgbClr val="000000"/>
-              </a:solidFill>
-              <a:uFill>
-                <a:solidFill>
-                  <a:srgbClr val="FFFFFF"/>
-                </a:solidFill>
-              </a:uFill>
-              <a:latin typeface="Arial"/>
-            </a:endParaRPr>
-          </a:p>
-        </p:txBody>
-      </p:sp>
-      <p:sp>
-        <p:nvSpPr>
-          <p:cNvPr id="109" name="CustomShape 7"/>
+            <a:endParaRPr b="0" lang="en-US" sz="1800" spc="-1" strike="noStrike">
+              <a:solidFill>
+                <a:srgbClr val="000000"/>
+              </a:solidFill>
+              <a:uFill>
+                <a:solidFill>
+                  <a:srgbClr val="ffffff"/>
+                </a:solidFill>
+              </a:uFill>
+              <a:latin typeface="Arial"/>
+            </a:endParaRPr>
+          </a:p>
+        </p:txBody>
+      </p:sp>
+      <p:sp>
+        <p:nvSpPr>
+          <p:cNvPr id="111" name="CustomShape 7"/>
           <p:cNvSpPr/>
           <p:nvPr/>
         </p:nvSpPr>
         <p:spPr>
           <a:xfrm>
             <a:off x="4206240" y="3657600"/>
-            <a:ext cx="3108960" cy="914400"/>
+            <a:ext cx="3108600" cy="914040"/>
           </a:xfrm>
           <a:prstGeom prst="rect">
             <a:avLst/>
@@ -6770,22 +6885,15 @@
           </a:ln>
         </p:spPr>
         <p:style>
-          <a:lnRef idx="0">
-            <a:scrgbClr r="0" g="0" b="0"/>
-          </a:lnRef>
-          <a:fillRef idx="0">
-            <a:scrgbClr r="0" g="0" b="0"/>
-          </a:fillRef>
-          <a:effectRef idx="0">
-            <a:scrgbClr r="0" g="0" b="0"/>
-          </a:effectRef>
+          <a:lnRef idx="0"/>
+          <a:fillRef idx="0"/>
+          <a:effectRef idx="0"/>
           <a:fontRef idx="minor"/>
         </p:style>
         <p:txBody>
-          <a:bodyPr lIns="0" tIns="0" rIns="0" bIns="0"/>
-          <a:lstStyle/>
-          <a:p>
-            <a:pPr marL="432000" indent="-323280" algn="ctr">
+          <a:bodyPr lIns="0" rIns="0" tIns="0" bIns="0"/>
+          <a:p>
+            <a:pPr marL="432000" indent="-322920" algn="ctr">
               <a:lnSpc>
                 <a:spcPct val="100000"/>
               </a:lnSpc>
@@ -6793,20 +6901,20 @@
                 <a:spcPts val="1414"/>
               </a:spcAft>
               <a:buClr>
-                <a:srgbClr val="EF2929"/>
+                <a:srgbClr val="ef2929"/>
               </a:buClr>
               <a:buSzPct val="45000"/>
               <a:buFont typeface="Wingdings" charset="2"/>
               <a:buChar char=""/>
             </a:pPr>
             <a:r>
-              <a:rPr lang="en-US" sz="1800" b="0" strike="noStrike" spc="-1">
+              <a:rPr b="0" lang="en-US" sz="1800" spc="-1" strike="noStrike">
                 <a:solidFill>
                   <a:srgbClr val="333333"/>
                 </a:solidFill>
                 <a:uFill>
                   <a:solidFill>
-                    <a:srgbClr val="FFFFFF"/>
+                    <a:srgbClr val="ffffff"/>
                   </a:solidFill>
                 </a:uFill>
                 <a:latin typeface="Open Sans"/>
@@ -6814,1694 +6922,1952 @@
               </a:rPr>
               <a:t>(Entry #1)</a:t>
             </a:r>
-            <a:endParaRPr lang="en-US" sz="1800" b="0" strike="noStrike" spc="-1">
-              <a:solidFill>
-                <a:srgbClr val="000000"/>
-              </a:solidFill>
-              <a:uFill>
-                <a:solidFill>
-                  <a:srgbClr val="FFFFFF"/>
-                </a:solidFill>
-              </a:uFill>
-              <a:latin typeface="Arial"/>
-            </a:endParaRPr>
-          </a:p>
-        </p:txBody>
-      </p:sp>
-      <p:sp>
-        <p:nvSpPr>
-          <p:cNvPr id="110" name="CustomShape 8"/>
+            <a:endParaRPr b="0" lang="en-US" sz="1800" spc="-1" strike="noStrike">
+              <a:solidFill>
+                <a:srgbClr val="000000"/>
+              </a:solidFill>
+              <a:uFill>
+                <a:solidFill>
+                  <a:srgbClr val="ffffff"/>
+                </a:solidFill>
+              </a:uFill>
+              <a:latin typeface="Arial"/>
+            </a:endParaRPr>
+          </a:p>
+        </p:txBody>
+      </p:sp>
+      <p:sp>
+        <p:nvSpPr>
+          <p:cNvPr id="112" name="CustomShape 8"/>
           <p:cNvSpPr/>
           <p:nvPr/>
         </p:nvSpPr>
         <p:spPr>
           <a:xfrm>
             <a:off x="3108960" y="1920240"/>
-            <a:ext cx="365760" cy="365760"/>
+            <a:ext cx="365400" cy="365400"/>
           </a:xfrm>
           <a:prstGeom prst="rect">
             <a:avLst/>
           </a:prstGeom>
           <a:solidFill>
-            <a:srgbClr val="EEEEEE"/>
+            <a:srgbClr val="eeeeee"/>
           </a:solidFill>
           <a:ln>
             <a:solidFill>
-              <a:srgbClr val="3465A4"/>
+              <a:srgbClr val="3465a4"/>
             </a:solidFill>
           </a:ln>
         </p:spPr>
         <p:style>
-          <a:lnRef idx="0">
-            <a:scrgbClr r="0" g="0" b="0"/>
-          </a:lnRef>
-          <a:fillRef idx="0">
-            <a:scrgbClr r="0" g="0" b="0"/>
-          </a:fillRef>
-          <a:effectRef idx="0">
-            <a:scrgbClr r="0" g="0" b="0"/>
-          </a:effectRef>
+          <a:lnRef idx="0"/>
+          <a:fillRef idx="0"/>
+          <a:effectRef idx="0"/>
           <a:fontRef idx="minor"/>
         </p:style>
         <p:txBody>
-          <a:bodyPr wrap="none" lIns="90000" tIns="45000" rIns="90000" bIns="45000" anchor="ctr"/>
-          <a:lstStyle/>
-          <a:p>
-            <a:pPr algn="ctr"/>
+          <a:bodyPr wrap="none" lIns="90000" rIns="90000" tIns="45000" bIns="45000" anchor="ctr"/>
+          <a:p>
+            <a:pPr algn="ctr">
+              <a:lnSpc>
+                <a:spcPct val="100000"/>
+              </a:lnSpc>
+            </a:pPr>
             <a:r>
-              <a:rPr lang="en-US" sz="1800" b="0" strike="noStrike" spc="-1">
+              <a:rPr b="0" lang="en-US" sz="1800" spc="-1" strike="noStrike">
                 <a:solidFill>
                   <a:srgbClr val="000000"/>
                 </a:solidFill>
                 <a:uFill>
                   <a:solidFill>
-                    <a:srgbClr val="FFFFFF"/>
+                    <a:srgbClr val="ffffff"/>
                   </a:solidFill>
                 </a:uFill>
                 <a:latin typeface="Arial"/>
+                <a:ea typeface="DejaVu Sans"/>
               </a:rPr>
               <a:t>0</a:t>
             </a:r>
-          </a:p>
-        </p:txBody>
-      </p:sp>
-      <p:sp>
-        <p:nvSpPr>
-          <p:cNvPr id="111" name="CustomShape 9"/>
+            <a:endParaRPr b="0" lang="en-US" sz="1800" spc="-1" strike="noStrike">
+              <a:solidFill>
+                <a:srgbClr val="000000"/>
+              </a:solidFill>
+              <a:uFill>
+                <a:solidFill>
+                  <a:srgbClr val="ffffff"/>
+                </a:solidFill>
+              </a:uFill>
+              <a:latin typeface="Arial"/>
+            </a:endParaRPr>
+          </a:p>
+        </p:txBody>
+      </p:sp>
+      <p:sp>
+        <p:nvSpPr>
+          <p:cNvPr id="113" name="CustomShape 9"/>
           <p:cNvSpPr/>
           <p:nvPr/>
         </p:nvSpPr>
         <p:spPr>
           <a:xfrm>
             <a:off x="1280160" y="2286000"/>
-            <a:ext cx="2194560" cy="365760"/>
+            <a:ext cx="2194200" cy="365400"/>
           </a:xfrm>
           <a:prstGeom prst="rect">
             <a:avLst/>
           </a:prstGeom>
           <a:solidFill>
-            <a:srgbClr val="EEEEEE"/>
+            <a:srgbClr val="eeeeee"/>
           </a:solidFill>
           <a:ln>
             <a:solidFill>
-              <a:srgbClr val="3465A4"/>
+              <a:srgbClr val="3465a4"/>
             </a:solidFill>
           </a:ln>
         </p:spPr>
         <p:style>
-          <a:lnRef idx="0">
-            <a:scrgbClr r="0" g="0" b="0"/>
-          </a:lnRef>
-          <a:fillRef idx="0">
-            <a:scrgbClr r="0" g="0" b="0"/>
-          </a:fillRef>
-          <a:effectRef idx="0">
-            <a:scrgbClr r="0" g="0" b="0"/>
-          </a:effectRef>
+          <a:lnRef idx="0"/>
+          <a:fillRef idx="0"/>
+          <a:effectRef idx="0"/>
           <a:fontRef idx="minor"/>
         </p:style>
         <p:txBody>
-          <a:bodyPr wrap="none" lIns="90000" tIns="45000" rIns="90000" bIns="45000" anchor="ctr"/>
-          <a:lstStyle/>
-          <a:p>
-            <a:pPr algn="ctr"/>
+          <a:bodyPr wrap="none" lIns="90000" rIns="90000" tIns="45000" bIns="45000" anchor="ctr"/>
+          <a:p>
+            <a:pPr algn="ctr">
+              <a:lnSpc>
+                <a:spcPct val="100000"/>
+              </a:lnSpc>
+            </a:pPr>
             <a:r>
-              <a:rPr lang="en-US" sz="1800" b="0" strike="noStrike" spc="-1">
+              <a:rPr b="0" lang="en-US" sz="1800" spc="-1" strike="noStrike">
                 <a:solidFill>
                   <a:srgbClr val="000000"/>
                 </a:solidFill>
                 <a:uFill>
                   <a:solidFill>
-                    <a:srgbClr val="FFFFFF"/>
+                    <a:srgbClr val="ffffff"/>
                   </a:solidFill>
                 </a:uFill>
                 <a:latin typeface="Arial"/>
+                <a:ea typeface="DejaVu Sans"/>
               </a:rPr>
               <a:t>lastId</a:t>
             </a:r>
-          </a:p>
-        </p:txBody>
-      </p:sp>
-      <p:sp>
-        <p:nvSpPr>
-          <p:cNvPr id="112" name="CustomShape 10"/>
+            <a:endParaRPr b="0" lang="en-US" sz="1800" spc="-1" strike="noStrike">
+              <a:solidFill>
+                <a:srgbClr val="000000"/>
+              </a:solidFill>
+              <a:uFill>
+                <a:solidFill>
+                  <a:srgbClr val="ffffff"/>
+                </a:solidFill>
+              </a:uFill>
+              <a:latin typeface="Arial"/>
+            </a:endParaRPr>
+          </a:p>
+        </p:txBody>
+      </p:sp>
+      <p:sp>
+        <p:nvSpPr>
+          <p:cNvPr id="114" name="CustomShape 10"/>
           <p:cNvSpPr/>
           <p:nvPr/>
         </p:nvSpPr>
         <p:spPr>
           <a:xfrm>
             <a:off x="3108960" y="2286000"/>
-            <a:ext cx="365760" cy="365760"/>
+            <a:ext cx="365400" cy="365400"/>
           </a:xfrm>
           <a:prstGeom prst="rect">
             <a:avLst/>
           </a:prstGeom>
           <a:solidFill>
-            <a:srgbClr val="EEEEEE"/>
+            <a:srgbClr val="eeeeee"/>
           </a:solidFill>
           <a:ln>
             <a:solidFill>
-              <a:srgbClr val="3465A4"/>
+              <a:srgbClr val="3465a4"/>
             </a:solidFill>
           </a:ln>
         </p:spPr>
         <p:style>
-          <a:lnRef idx="0">
-            <a:scrgbClr r="0" g="0" b="0"/>
-          </a:lnRef>
-          <a:fillRef idx="0">
-            <a:scrgbClr r="0" g="0" b="0"/>
-          </a:fillRef>
-          <a:effectRef idx="0">
-            <a:scrgbClr r="0" g="0" b="0"/>
-          </a:effectRef>
+          <a:lnRef idx="0"/>
+          <a:fillRef idx="0"/>
+          <a:effectRef idx="0"/>
           <a:fontRef idx="minor"/>
         </p:style>
         <p:txBody>
-          <a:bodyPr wrap="none" lIns="90000" tIns="45000" rIns="90000" bIns="45000" anchor="ctr"/>
-          <a:lstStyle/>
-          <a:p>
-            <a:pPr algn="ctr"/>
+          <a:bodyPr wrap="none" lIns="90000" rIns="90000" tIns="45000" bIns="45000" anchor="ctr"/>
+          <a:p>
+            <a:pPr algn="ctr">
+              <a:lnSpc>
+                <a:spcPct val="100000"/>
+              </a:lnSpc>
+            </a:pPr>
             <a:r>
-              <a:rPr lang="en-US" sz="1800" b="0" strike="noStrike" spc="-1">
+              <a:rPr b="0" lang="en-US" sz="1800" spc="-1" strike="noStrike">
                 <a:solidFill>
                   <a:srgbClr val="000000"/>
                 </a:solidFill>
                 <a:uFill>
                   <a:solidFill>
-                    <a:srgbClr val="FFFFFF"/>
+                    <a:srgbClr val="ffffff"/>
                   </a:solidFill>
                 </a:uFill>
                 <a:latin typeface="Arial"/>
+                <a:ea typeface="DejaVu Sans"/>
               </a:rPr>
               <a:t>2</a:t>
             </a:r>
-          </a:p>
-        </p:txBody>
-      </p:sp>
-      <p:sp>
-        <p:nvSpPr>
-          <p:cNvPr id="113" name="CustomShape 11"/>
+            <a:endParaRPr b="0" lang="en-US" sz="1800" spc="-1" strike="noStrike">
+              <a:solidFill>
+                <a:srgbClr val="000000"/>
+              </a:solidFill>
+              <a:uFill>
+                <a:solidFill>
+                  <a:srgbClr val="ffffff"/>
+                </a:solidFill>
+              </a:uFill>
+              <a:latin typeface="Arial"/>
+            </a:endParaRPr>
+          </a:p>
+        </p:txBody>
+      </p:sp>
+      <p:sp>
+        <p:nvSpPr>
+          <p:cNvPr id="115" name="CustomShape 11"/>
           <p:cNvSpPr/>
           <p:nvPr/>
         </p:nvSpPr>
         <p:spPr>
           <a:xfrm>
             <a:off x="1280160" y="3200400"/>
-            <a:ext cx="2194560" cy="365760"/>
+            <a:ext cx="2194200" cy="365400"/>
           </a:xfrm>
           <a:prstGeom prst="rect">
             <a:avLst/>
           </a:prstGeom>
           <a:solidFill>
-            <a:srgbClr val="EEEEEE"/>
+            <a:srgbClr val="eeeeee"/>
           </a:solidFill>
           <a:ln>
             <a:solidFill>
-              <a:srgbClr val="3465A4"/>
+              <a:srgbClr val="3465a4"/>
             </a:solidFill>
           </a:ln>
         </p:spPr>
         <p:style>
-          <a:lnRef idx="0">
-            <a:scrgbClr r="0" g="0" b="0"/>
-          </a:lnRef>
-          <a:fillRef idx="0">
-            <a:scrgbClr r="0" g="0" b="0"/>
-          </a:fillRef>
-          <a:effectRef idx="0">
-            <a:scrgbClr r="0" g="0" b="0"/>
-          </a:effectRef>
+          <a:lnRef idx="0"/>
+          <a:fillRef idx="0"/>
+          <a:effectRef idx="0"/>
           <a:fontRef idx="minor"/>
         </p:style>
         <p:txBody>
-          <a:bodyPr wrap="none" lIns="90000" tIns="45000" rIns="90000" bIns="45000" anchor="ctr"/>
-          <a:lstStyle/>
-          <a:p>
-            <a:pPr algn="ctr"/>
+          <a:bodyPr wrap="none" lIns="90000" rIns="90000" tIns="45000" bIns="45000" anchor="ctr"/>
+          <a:p>
+            <a:pPr algn="ctr">
+              <a:lnSpc>
+                <a:spcPct val="100000"/>
+              </a:lnSpc>
+            </a:pPr>
             <a:r>
-              <a:rPr lang="en-US" sz="1800" b="0" strike="noStrike" spc="-1">
+              <a:rPr b="0" lang="en-US" sz="1800" spc="-1" strike="noStrike">
                 <a:solidFill>
                   <a:srgbClr val="000000"/>
                 </a:solidFill>
                 <a:uFill>
                   <a:solidFill>
-                    <a:srgbClr val="FFFFFF"/>
+                    <a:srgbClr val="ffffff"/>
                   </a:solidFill>
                 </a:uFill>
                 <a:latin typeface="Arial"/>
+                <a:ea typeface="DejaVu Sans"/>
               </a:rPr>
               <a:t>nextFreeId</a:t>
             </a:r>
-          </a:p>
-        </p:txBody>
-      </p:sp>
-      <p:sp>
-        <p:nvSpPr>
-          <p:cNvPr id="114" name="CustomShape 12"/>
+            <a:endParaRPr b="0" lang="en-US" sz="1800" spc="-1" strike="noStrike">
+              <a:solidFill>
+                <a:srgbClr val="000000"/>
+              </a:solidFill>
+              <a:uFill>
+                <a:solidFill>
+                  <a:srgbClr val="ffffff"/>
+                </a:solidFill>
+              </a:uFill>
+              <a:latin typeface="Arial"/>
+            </a:endParaRPr>
+          </a:p>
+        </p:txBody>
+      </p:sp>
+      <p:sp>
+        <p:nvSpPr>
+          <p:cNvPr id="116" name="CustomShape 12"/>
           <p:cNvSpPr/>
           <p:nvPr/>
         </p:nvSpPr>
         <p:spPr>
           <a:xfrm>
             <a:off x="3108960" y="3200400"/>
-            <a:ext cx="365760" cy="365760"/>
+            <a:ext cx="365400" cy="365400"/>
           </a:xfrm>
           <a:prstGeom prst="rect">
             <a:avLst/>
           </a:prstGeom>
           <a:solidFill>
-            <a:srgbClr val="EEEEEE"/>
+            <a:srgbClr val="eeeeee"/>
           </a:solidFill>
           <a:ln>
             <a:solidFill>
-              <a:srgbClr val="3465A4"/>
+              <a:srgbClr val="3465a4"/>
             </a:solidFill>
           </a:ln>
         </p:spPr>
         <p:style>
-          <a:lnRef idx="0">
-            <a:scrgbClr r="0" g="0" b="0"/>
-          </a:lnRef>
-          <a:fillRef idx="0">
-            <a:scrgbClr r="0" g="0" b="0"/>
-          </a:fillRef>
-          <a:effectRef idx="0">
-            <a:scrgbClr r="0" g="0" b="0"/>
-          </a:effectRef>
+          <a:lnRef idx="0"/>
+          <a:fillRef idx="0"/>
+          <a:effectRef idx="0"/>
           <a:fontRef idx="minor"/>
         </p:style>
         <p:txBody>
-          <a:bodyPr wrap="none" lIns="90000" tIns="45000" rIns="90000" bIns="45000" anchor="ctr"/>
-          <a:lstStyle/>
-          <a:p>
-            <a:pPr algn="ctr"/>
+          <a:bodyPr wrap="none" lIns="90000" rIns="90000" tIns="45000" bIns="45000" anchor="ctr"/>
+          <a:p>
+            <a:pPr algn="ctr">
+              <a:lnSpc>
+                <a:spcPct val="100000"/>
+              </a:lnSpc>
+            </a:pPr>
             <a:r>
-              <a:rPr lang="en-US" sz="1800" b="0" strike="noStrike" spc="-1">
+              <a:rPr b="0" lang="en-US" sz="1800" spc="-1" strike="noStrike">
                 <a:solidFill>
                   <a:srgbClr val="000000"/>
                 </a:solidFill>
                 <a:uFill>
                   <a:solidFill>
-                    <a:srgbClr val="FFFFFF"/>
+                    <a:srgbClr val="ffffff"/>
                   </a:solidFill>
                 </a:uFill>
                 <a:latin typeface="Arial"/>
+                <a:ea typeface="DejaVu Sans"/>
               </a:rPr>
               <a:t>3</a:t>
             </a:r>
-          </a:p>
-        </p:txBody>
-      </p:sp>
-      <p:sp>
-        <p:nvSpPr>
-          <p:cNvPr id="115" name="CustomShape 13"/>
+            <a:endParaRPr b="0" lang="en-US" sz="1800" spc="-1" strike="noStrike">
+              <a:solidFill>
+                <a:srgbClr val="000000"/>
+              </a:solidFill>
+              <a:uFill>
+                <a:solidFill>
+                  <a:srgbClr val="ffffff"/>
+                </a:solidFill>
+              </a:uFill>
+              <a:latin typeface="Arial"/>
+            </a:endParaRPr>
+          </a:p>
+        </p:txBody>
+      </p:sp>
+      <p:sp>
+        <p:nvSpPr>
+          <p:cNvPr id="117" name="CustomShape 13"/>
           <p:cNvSpPr/>
           <p:nvPr/>
         </p:nvSpPr>
         <p:spPr>
           <a:xfrm>
             <a:off x="6583680" y="1645920"/>
-            <a:ext cx="1280160" cy="365760"/>
+            <a:ext cx="1279800" cy="365400"/>
           </a:xfrm>
           <a:prstGeom prst="rect">
             <a:avLst/>
           </a:prstGeom>
           <a:solidFill>
-            <a:srgbClr val="EEEEEE"/>
+            <a:srgbClr val="eeeeee"/>
           </a:solidFill>
           <a:ln>
             <a:solidFill>
-              <a:srgbClr val="3465A4"/>
+              <a:srgbClr val="3465a4"/>
             </a:solidFill>
           </a:ln>
         </p:spPr>
         <p:style>
-          <a:lnRef idx="0">
-            <a:scrgbClr r="0" g="0" b="0"/>
-          </a:lnRef>
-          <a:fillRef idx="0">
-            <a:scrgbClr r="0" g="0" b="0"/>
-          </a:fillRef>
-          <a:effectRef idx="0">
-            <a:scrgbClr r="0" g="0" b="0"/>
-          </a:effectRef>
+          <a:lnRef idx="0"/>
+          <a:fillRef idx="0"/>
+          <a:effectRef idx="0"/>
           <a:fontRef idx="minor"/>
         </p:style>
         <p:txBody>
-          <a:bodyPr wrap="none" lIns="90000" tIns="45000" rIns="90000" bIns="45000" anchor="ctr"/>
-          <a:lstStyle/>
-          <a:p>
-            <a:pPr algn="ctr"/>
+          <a:bodyPr wrap="none" lIns="90000" rIns="90000" tIns="45000" bIns="45000" anchor="ctr"/>
+          <a:p>
+            <a:pPr algn="ctr">
+              <a:lnSpc>
+                <a:spcPct val="100000"/>
+              </a:lnSpc>
+            </a:pPr>
             <a:r>
-              <a:rPr lang="en-US" sz="1800" b="0" strike="noStrike" spc="-1">
+              <a:rPr b="0" lang="en-US" sz="1800" spc="-1" strike="noStrike">
                 <a:solidFill>
                   <a:srgbClr val="000000"/>
                 </a:solidFill>
                 <a:uFill>
                   <a:solidFill>
-                    <a:srgbClr val="FFFFFF"/>
+                    <a:srgbClr val="ffffff"/>
                   </a:solidFill>
                 </a:uFill>
                 <a:latin typeface="Arial"/>
+                <a:ea typeface="DejaVu Sans"/>
               </a:rPr>
               <a:t>label0</a:t>
             </a:r>
-          </a:p>
-        </p:txBody>
-      </p:sp>
-      <p:sp>
-        <p:nvSpPr>
-          <p:cNvPr id="116" name="CustomShape 14"/>
+            <a:endParaRPr b="0" lang="en-US" sz="1800" spc="-1" strike="noStrike">
+              <a:solidFill>
+                <a:srgbClr val="000000"/>
+              </a:solidFill>
+              <a:uFill>
+                <a:solidFill>
+                  <a:srgbClr val="ffffff"/>
+                </a:solidFill>
+              </a:uFill>
+              <a:latin typeface="Arial"/>
+            </a:endParaRPr>
+          </a:p>
+        </p:txBody>
+      </p:sp>
+      <p:sp>
+        <p:nvSpPr>
+          <p:cNvPr id="118" name="CustomShape 14"/>
           <p:cNvSpPr/>
           <p:nvPr/>
         </p:nvSpPr>
         <p:spPr>
           <a:xfrm>
             <a:off x="7863840" y="1645920"/>
-            <a:ext cx="1280160" cy="365760"/>
+            <a:ext cx="1279800" cy="365400"/>
           </a:xfrm>
           <a:prstGeom prst="rect">
             <a:avLst/>
           </a:prstGeom>
           <a:solidFill>
-            <a:srgbClr val="EEEEEE"/>
+            <a:srgbClr val="eeeeee"/>
           </a:solidFill>
           <a:ln>
             <a:solidFill>
-              <a:srgbClr val="3465A4"/>
+              <a:srgbClr val="3465a4"/>
             </a:solidFill>
           </a:ln>
         </p:spPr>
         <p:style>
-          <a:lnRef idx="0">
-            <a:scrgbClr r="0" g="0" b="0"/>
-          </a:lnRef>
-          <a:fillRef idx="0">
-            <a:scrgbClr r="0" g="0" b="0"/>
-          </a:fillRef>
-          <a:effectRef idx="0">
-            <a:scrgbClr r="0" g="0" b="0"/>
-          </a:effectRef>
+          <a:lnRef idx="0"/>
+          <a:fillRef idx="0"/>
+          <a:effectRef idx="0"/>
           <a:fontRef idx="minor"/>
         </p:style>
         <p:txBody>
-          <a:bodyPr wrap="none" lIns="90000" tIns="45000" rIns="90000" bIns="45000" anchor="ctr"/>
-          <a:lstStyle/>
-          <a:p>
-            <a:pPr algn="ctr"/>
+          <a:bodyPr wrap="none" lIns="90000" rIns="90000" tIns="45000" bIns="45000" anchor="ctr"/>
+          <a:p>
+            <a:pPr algn="ctr">
+              <a:lnSpc>
+                <a:spcPct val="100000"/>
+              </a:lnSpc>
+            </a:pPr>
             <a:r>
-              <a:rPr lang="en-US" sz="1800" b="0" strike="noStrike" spc="-1">
+              <a:rPr b="0" lang="en-US" sz="1800" spc="-1" strike="noStrike">
                 <a:solidFill>
                   <a:srgbClr val="000000"/>
                 </a:solidFill>
                 <a:uFill>
                   <a:solidFill>
-                    <a:srgbClr val="FFFFFF"/>
+                    <a:srgbClr val="ffffff"/>
                   </a:solidFill>
                 </a:uFill>
                 <a:latin typeface="Arial"/>
+                <a:ea typeface="DejaVu Sans"/>
               </a:rPr>
               <a:t>google</a:t>
             </a:r>
-          </a:p>
-        </p:txBody>
-      </p:sp>
-      <p:sp>
-        <p:nvSpPr>
-          <p:cNvPr id="117" name="CustomShape 15"/>
+            <a:endParaRPr b="0" lang="en-US" sz="1800" spc="-1" strike="noStrike">
+              <a:solidFill>
+                <a:srgbClr val="000000"/>
+              </a:solidFill>
+              <a:uFill>
+                <a:solidFill>
+                  <a:srgbClr val="ffffff"/>
+                </a:solidFill>
+              </a:uFill>
+              <a:latin typeface="Arial"/>
+            </a:endParaRPr>
+          </a:p>
+        </p:txBody>
+      </p:sp>
+      <p:sp>
+        <p:nvSpPr>
+          <p:cNvPr id="119" name="CustomShape 15"/>
           <p:cNvSpPr/>
           <p:nvPr/>
         </p:nvSpPr>
         <p:spPr>
           <a:xfrm>
             <a:off x="6583680" y="2011680"/>
-            <a:ext cx="1280160" cy="365760"/>
+            <a:ext cx="1279800" cy="365400"/>
           </a:xfrm>
           <a:prstGeom prst="rect">
             <a:avLst/>
           </a:prstGeom>
           <a:solidFill>
-            <a:srgbClr val="EEEEEE"/>
+            <a:srgbClr val="eeeeee"/>
           </a:solidFill>
           <a:ln>
             <a:solidFill>
-              <a:srgbClr val="3465A4"/>
+              <a:srgbClr val="3465a4"/>
             </a:solidFill>
           </a:ln>
         </p:spPr>
         <p:style>
-          <a:lnRef idx="0">
-            <a:scrgbClr r="0" g="0" b="0"/>
-          </a:lnRef>
-          <a:fillRef idx="0">
-            <a:scrgbClr r="0" g="0" b="0"/>
-          </a:fillRef>
-          <a:effectRef idx="0">
-            <a:scrgbClr r="0" g="0" b="0"/>
-          </a:effectRef>
+          <a:lnRef idx="0"/>
+          <a:fillRef idx="0"/>
+          <a:effectRef idx="0"/>
           <a:fontRef idx="minor"/>
         </p:style>
         <p:txBody>
-          <a:bodyPr wrap="none" lIns="90000" tIns="45000" rIns="90000" bIns="45000" anchor="ctr"/>
-          <a:lstStyle/>
-          <a:p>
-            <a:pPr algn="ctr"/>
+          <a:bodyPr wrap="none" lIns="90000" rIns="90000" tIns="45000" bIns="45000" anchor="ctr"/>
+          <a:p>
+            <a:pPr algn="ctr">
+              <a:lnSpc>
+                <a:spcPct val="100000"/>
+              </a:lnSpc>
+            </a:pPr>
             <a:r>
-              <a:rPr lang="en-US" sz="1800" b="0" strike="noStrike" spc="-1">
+              <a:rPr b="0" lang="en-US" sz="1800" spc="-1" strike="noStrike">
                 <a:solidFill>
                   <a:srgbClr val="000000"/>
                 </a:solidFill>
                 <a:uFill>
                   <a:solidFill>
-                    <a:srgbClr val="FFFFFF"/>
+                    <a:srgbClr val="ffffff"/>
                   </a:solidFill>
                 </a:uFill>
                 <a:latin typeface="Arial"/>
+                <a:ea typeface="DejaVu Sans"/>
               </a:rPr>
               <a:t>user0</a:t>
             </a:r>
-          </a:p>
-        </p:txBody>
-      </p:sp>
-      <p:sp>
-        <p:nvSpPr>
-          <p:cNvPr id="118" name="CustomShape 16"/>
+            <a:endParaRPr b="0" lang="en-US" sz="1800" spc="-1" strike="noStrike">
+              <a:solidFill>
+                <a:srgbClr val="000000"/>
+              </a:solidFill>
+              <a:uFill>
+                <a:solidFill>
+                  <a:srgbClr val="ffffff"/>
+                </a:solidFill>
+              </a:uFill>
+              <a:latin typeface="Arial"/>
+            </a:endParaRPr>
+          </a:p>
+        </p:txBody>
+      </p:sp>
+      <p:sp>
+        <p:nvSpPr>
+          <p:cNvPr id="120" name="CustomShape 16"/>
           <p:cNvSpPr/>
           <p:nvPr/>
         </p:nvSpPr>
         <p:spPr>
           <a:xfrm>
             <a:off x="7863840" y="2011680"/>
-            <a:ext cx="1280160" cy="365760"/>
+            <a:ext cx="1279800" cy="365400"/>
           </a:xfrm>
           <a:prstGeom prst="rect">
             <a:avLst/>
           </a:prstGeom>
           <a:solidFill>
-            <a:srgbClr val="EEEEEE"/>
+            <a:srgbClr val="eeeeee"/>
           </a:solidFill>
           <a:ln>
             <a:solidFill>
-              <a:srgbClr val="3465A4"/>
+              <a:srgbClr val="3465a4"/>
             </a:solidFill>
           </a:ln>
         </p:spPr>
         <p:style>
-          <a:lnRef idx="0">
-            <a:scrgbClr r="0" g="0" b="0"/>
-          </a:lnRef>
-          <a:fillRef idx="0">
-            <a:scrgbClr r="0" g="0" b="0"/>
-          </a:fillRef>
-          <a:effectRef idx="0">
-            <a:scrgbClr r="0" g="0" b="0"/>
-          </a:effectRef>
+          <a:lnRef idx="0"/>
+          <a:fillRef idx="0"/>
+          <a:effectRef idx="0"/>
           <a:fontRef idx="minor"/>
         </p:style>
         <p:txBody>
-          <a:bodyPr wrap="none" lIns="90000" tIns="45000" rIns="90000" bIns="45000" anchor="ctr"/>
-          <a:lstStyle/>
-          <a:p>
-            <a:pPr algn="ctr"/>
+          <a:bodyPr wrap="none" lIns="90000" rIns="90000" tIns="45000" bIns="45000" anchor="ctr"/>
+          <a:p>
+            <a:pPr algn="ctr">
+              <a:lnSpc>
+                <a:spcPct val="100000"/>
+              </a:lnSpc>
+            </a:pPr>
             <a:r>
-              <a:rPr lang="en-US" sz="1800" b="0" strike="noStrike" spc="-1">
+              <a:rPr b="0" lang="en-US" sz="1800" spc="-1" strike="noStrike">
                 <a:solidFill>
                   <a:srgbClr val="000000"/>
                 </a:solidFill>
                 <a:uFill>
                   <a:solidFill>
-                    <a:srgbClr val="FFFFFF"/>
+                    <a:srgbClr val="ffffff"/>
                   </a:solidFill>
                 </a:uFill>
                 <a:latin typeface="Arial"/>
+                <a:ea typeface="DejaVu Sans"/>
               </a:rPr>
               <a:t>bobble</a:t>
             </a:r>
-          </a:p>
-        </p:txBody>
-      </p:sp>
-      <p:sp>
-        <p:nvSpPr>
-          <p:cNvPr id="119" name="CustomShape 17"/>
+            <a:endParaRPr b="0" lang="en-US" sz="1800" spc="-1" strike="noStrike">
+              <a:solidFill>
+                <a:srgbClr val="000000"/>
+              </a:solidFill>
+              <a:uFill>
+                <a:solidFill>
+                  <a:srgbClr val="ffffff"/>
+                </a:solidFill>
+              </a:uFill>
+              <a:latin typeface="Arial"/>
+            </a:endParaRPr>
+          </a:p>
+        </p:txBody>
+      </p:sp>
+      <p:sp>
+        <p:nvSpPr>
+          <p:cNvPr id="121" name="CustomShape 17"/>
           <p:cNvSpPr/>
           <p:nvPr/>
         </p:nvSpPr>
         <p:spPr>
           <a:xfrm>
             <a:off x="6583680" y="1645920"/>
-            <a:ext cx="1280160" cy="365760"/>
+            <a:ext cx="1279800" cy="365400"/>
           </a:xfrm>
           <a:prstGeom prst="rect">
             <a:avLst/>
           </a:prstGeom>
           <a:solidFill>
-            <a:srgbClr val="EEEEEE"/>
+            <a:srgbClr val="eeeeee"/>
           </a:solidFill>
           <a:ln>
             <a:solidFill>
-              <a:srgbClr val="3465A4"/>
+              <a:srgbClr val="3465a4"/>
             </a:solidFill>
           </a:ln>
         </p:spPr>
         <p:style>
-          <a:lnRef idx="0">
-            <a:scrgbClr r="0" g="0" b="0"/>
-          </a:lnRef>
-          <a:fillRef idx="0">
-            <a:scrgbClr r="0" g="0" b="0"/>
-          </a:fillRef>
-          <a:effectRef idx="0">
-            <a:scrgbClr r="0" g="0" b="0"/>
-          </a:effectRef>
+          <a:lnRef idx="0"/>
+          <a:fillRef idx="0"/>
+          <a:effectRef idx="0"/>
           <a:fontRef idx="minor"/>
         </p:style>
         <p:txBody>
-          <a:bodyPr wrap="none" lIns="90000" tIns="45000" rIns="90000" bIns="45000" anchor="ctr"/>
-          <a:lstStyle/>
-          <a:p>
-            <a:pPr algn="ctr"/>
+          <a:bodyPr wrap="none" lIns="90000" rIns="90000" tIns="45000" bIns="45000" anchor="ctr"/>
+          <a:p>
+            <a:pPr algn="ctr">
+              <a:lnSpc>
+                <a:spcPct val="100000"/>
+              </a:lnSpc>
+            </a:pPr>
             <a:r>
-              <a:rPr lang="en-US" sz="1800" b="0" strike="noStrike" spc="-1">
+              <a:rPr b="0" lang="en-US" sz="1800" spc="-1" strike="noStrike">
                 <a:solidFill>
                   <a:srgbClr val="000000"/>
                 </a:solidFill>
                 <a:uFill>
                   <a:solidFill>
-                    <a:srgbClr val="FFFFFF"/>
+                    <a:srgbClr val="ffffff"/>
                   </a:solidFill>
                 </a:uFill>
                 <a:latin typeface="Arial"/>
+                <a:ea typeface="DejaVu Sans"/>
               </a:rPr>
               <a:t>label0</a:t>
             </a:r>
-          </a:p>
-        </p:txBody>
-      </p:sp>
-      <p:sp>
-        <p:nvSpPr>
-          <p:cNvPr id="120" name="CustomShape 18"/>
+            <a:endParaRPr b="0" lang="en-US" sz="1800" spc="-1" strike="noStrike">
+              <a:solidFill>
+                <a:srgbClr val="000000"/>
+              </a:solidFill>
+              <a:uFill>
+                <a:solidFill>
+                  <a:srgbClr val="ffffff"/>
+                </a:solidFill>
+              </a:uFill>
+              <a:latin typeface="Arial"/>
+            </a:endParaRPr>
+          </a:p>
+        </p:txBody>
+      </p:sp>
+      <p:sp>
+        <p:nvSpPr>
+          <p:cNvPr id="122" name="CustomShape 18"/>
           <p:cNvSpPr/>
           <p:nvPr/>
         </p:nvSpPr>
         <p:spPr>
           <a:xfrm>
             <a:off x="7863840" y="1645920"/>
-            <a:ext cx="1280160" cy="365760"/>
+            <a:ext cx="1279800" cy="365400"/>
           </a:xfrm>
           <a:prstGeom prst="rect">
             <a:avLst/>
           </a:prstGeom>
           <a:solidFill>
-            <a:srgbClr val="EEEEEE"/>
+            <a:srgbClr val="eeeeee"/>
           </a:solidFill>
           <a:ln>
             <a:solidFill>
-              <a:srgbClr val="3465A4"/>
+              <a:srgbClr val="3465a4"/>
             </a:solidFill>
           </a:ln>
         </p:spPr>
         <p:style>
-          <a:lnRef idx="0">
-            <a:scrgbClr r="0" g="0" b="0"/>
-          </a:lnRef>
-          <a:fillRef idx="0">
-            <a:scrgbClr r="0" g="0" b="0"/>
-          </a:fillRef>
-          <a:effectRef idx="0">
-            <a:scrgbClr r="0" g="0" b="0"/>
-          </a:effectRef>
+          <a:lnRef idx="0"/>
+          <a:fillRef idx="0"/>
+          <a:effectRef idx="0"/>
           <a:fontRef idx="minor"/>
         </p:style>
         <p:txBody>
-          <a:bodyPr wrap="none" lIns="90000" tIns="45000" rIns="90000" bIns="45000" anchor="ctr"/>
-          <a:lstStyle/>
-          <a:p>
-            <a:pPr algn="ctr"/>
+          <a:bodyPr wrap="none" lIns="90000" rIns="90000" tIns="45000" bIns="45000" anchor="ctr"/>
+          <a:p>
+            <a:pPr algn="ctr">
+              <a:lnSpc>
+                <a:spcPct val="100000"/>
+              </a:lnSpc>
+            </a:pPr>
             <a:r>
-              <a:rPr lang="en-US" sz="1800" b="0" strike="noStrike" spc="-1">
+              <a:rPr b="0" lang="en-US" sz="1800" spc="-1" strike="noStrike">
                 <a:solidFill>
                   <a:srgbClr val="000000"/>
                 </a:solidFill>
                 <a:uFill>
                   <a:solidFill>
-                    <a:srgbClr val="FFFFFF"/>
+                    <a:srgbClr val="ffffff"/>
                   </a:solidFill>
                 </a:uFill>
                 <a:latin typeface="Arial"/>
+                <a:ea typeface="DejaVu Sans"/>
               </a:rPr>
               <a:t>google</a:t>
             </a:r>
-          </a:p>
-        </p:txBody>
-      </p:sp>
-      <p:sp>
-        <p:nvSpPr>
-          <p:cNvPr id="121" name="CustomShape 19"/>
+            <a:endParaRPr b="0" lang="en-US" sz="1800" spc="-1" strike="noStrike">
+              <a:solidFill>
+                <a:srgbClr val="000000"/>
+              </a:solidFill>
+              <a:uFill>
+                <a:solidFill>
+                  <a:srgbClr val="ffffff"/>
+                </a:solidFill>
+              </a:uFill>
+              <a:latin typeface="Arial"/>
+            </a:endParaRPr>
+          </a:p>
+        </p:txBody>
+      </p:sp>
+      <p:sp>
+        <p:nvSpPr>
+          <p:cNvPr id="123" name="CustomShape 19"/>
           <p:cNvSpPr/>
           <p:nvPr/>
         </p:nvSpPr>
         <p:spPr>
           <a:xfrm>
             <a:off x="6583680" y="2377440"/>
-            <a:ext cx="1280160" cy="365760"/>
+            <a:ext cx="1279800" cy="365400"/>
           </a:xfrm>
           <a:prstGeom prst="rect">
             <a:avLst/>
           </a:prstGeom>
           <a:solidFill>
-            <a:srgbClr val="EEEEEE"/>
+            <a:srgbClr val="eeeeee"/>
           </a:solidFill>
           <a:ln>
             <a:solidFill>
-              <a:srgbClr val="3465A4"/>
+              <a:srgbClr val="3465a4"/>
             </a:solidFill>
           </a:ln>
         </p:spPr>
         <p:style>
-          <a:lnRef idx="0">
-            <a:scrgbClr r="0" g="0" b="0"/>
-          </a:lnRef>
-          <a:fillRef idx="0">
-            <a:scrgbClr r="0" g="0" b="0"/>
-          </a:fillRef>
-          <a:effectRef idx="0">
-            <a:scrgbClr r="0" g="0" b="0"/>
-          </a:effectRef>
+          <a:lnRef idx="0"/>
+          <a:fillRef idx="0"/>
+          <a:effectRef idx="0"/>
           <a:fontRef idx="minor"/>
         </p:style>
         <p:txBody>
-          <a:bodyPr wrap="none" lIns="90000" tIns="45000" rIns="90000" bIns="45000" anchor="ctr"/>
-          <a:lstStyle/>
-          <a:p>
-            <a:pPr algn="ctr"/>
+          <a:bodyPr wrap="none" lIns="90000" rIns="90000" tIns="45000" bIns="45000" anchor="ctr"/>
+          <a:p>
+            <a:pPr algn="ctr">
+              <a:lnSpc>
+                <a:spcPct val="100000"/>
+              </a:lnSpc>
+            </a:pPr>
             <a:r>
-              <a:rPr lang="en-US" sz="1800" b="0" strike="noStrike" spc="-1">
+              <a:rPr b="0" lang="en-US" sz="1800" spc="-1" strike="noStrike">
                 <a:solidFill>
                   <a:srgbClr val="000000"/>
                 </a:solidFill>
                 <a:uFill>
                   <a:solidFill>
-                    <a:srgbClr val="FFFFFF"/>
+                    <a:srgbClr val="ffffff"/>
                   </a:solidFill>
                 </a:uFill>
                 <a:latin typeface="Arial"/>
+                <a:ea typeface="DejaVu Sans"/>
               </a:rPr>
               <a:t>pass0</a:t>
             </a:r>
-          </a:p>
-        </p:txBody>
-      </p:sp>
-      <p:sp>
-        <p:nvSpPr>
-          <p:cNvPr id="122" name="CustomShape 20"/>
+            <a:endParaRPr b="0" lang="en-US" sz="1800" spc="-1" strike="noStrike">
+              <a:solidFill>
+                <a:srgbClr val="000000"/>
+              </a:solidFill>
+              <a:uFill>
+                <a:solidFill>
+                  <a:srgbClr val="ffffff"/>
+                </a:solidFill>
+              </a:uFill>
+              <a:latin typeface="Arial"/>
+            </a:endParaRPr>
+          </a:p>
+        </p:txBody>
+      </p:sp>
+      <p:sp>
+        <p:nvSpPr>
+          <p:cNvPr id="124" name="CustomShape 20"/>
           <p:cNvSpPr/>
           <p:nvPr/>
         </p:nvSpPr>
         <p:spPr>
           <a:xfrm>
             <a:off x="7863840" y="2377440"/>
-            <a:ext cx="1280160" cy="365760"/>
+            <a:ext cx="1279800" cy="365400"/>
           </a:xfrm>
           <a:prstGeom prst="rect">
             <a:avLst/>
           </a:prstGeom>
           <a:solidFill>
-            <a:srgbClr val="EEEEEE"/>
+            <a:srgbClr val="eeeeee"/>
           </a:solidFill>
           <a:ln>
             <a:solidFill>
-              <a:srgbClr val="3465A4"/>
+              <a:srgbClr val="3465a4"/>
             </a:solidFill>
           </a:ln>
         </p:spPr>
         <p:style>
-          <a:lnRef idx="0">
-            <a:scrgbClr r="0" g="0" b="0"/>
-          </a:lnRef>
-          <a:fillRef idx="0">
-            <a:scrgbClr r="0" g="0" b="0"/>
-          </a:fillRef>
-          <a:effectRef idx="0">
-            <a:scrgbClr r="0" g="0" b="0"/>
-          </a:effectRef>
+          <a:lnRef idx="0"/>
+          <a:fillRef idx="0"/>
+          <a:effectRef idx="0"/>
           <a:fontRef idx="minor"/>
         </p:style>
         <p:txBody>
-          <a:bodyPr wrap="none" lIns="90000" tIns="45000" rIns="90000" bIns="45000" anchor="ctr"/>
-          <a:lstStyle/>
-          <a:p>
-            <a:pPr algn="ctr"/>
+          <a:bodyPr wrap="none" lIns="90000" rIns="90000" tIns="45000" bIns="45000" anchor="ctr"/>
+          <a:p>
+            <a:pPr algn="ctr">
+              <a:lnSpc>
+                <a:spcPct val="100000"/>
+              </a:lnSpc>
+            </a:pPr>
             <a:r>
-              <a:rPr lang="en-US" sz="1800" b="0" strike="noStrike" spc="-1">
+              <a:rPr b="0" lang="en-US" sz="1800" spc="-1" strike="noStrike">
                 <a:solidFill>
                   <a:srgbClr val="000000"/>
                 </a:solidFill>
                 <a:uFill>
                   <a:solidFill>
-                    <a:srgbClr val="FFFFFF"/>
+                    <a:srgbClr val="ffffff"/>
                   </a:solidFill>
                 </a:uFill>
                 <a:latin typeface="Arial"/>
+                <a:ea typeface="DejaVu Sans"/>
               </a:rPr>
               <a:t>secret@2</a:t>
             </a:r>
-          </a:p>
-        </p:txBody>
-      </p:sp>
-      <p:sp>
-        <p:nvSpPr>
-          <p:cNvPr id="123" name="CustomShape 21"/>
+            <a:endParaRPr b="0" lang="en-US" sz="1800" spc="-1" strike="noStrike">
+              <a:solidFill>
+                <a:srgbClr val="000000"/>
+              </a:solidFill>
+              <a:uFill>
+                <a:solidFill>
+                  <a:srgbClr val="ffffff"/>
+                </a:solidFill>
+              </a:uFill>
+              <a:latin typeface="Arial"/>
+            </a:endParaRPr>
+          </a:p>
+        </p:txBody>
+      </p:sp>
+      <p:sp>
+        <p:nvSpPr>
+          <p:cNvPr id="125" name="CustomShape 21"/>
           <p:cNvSpPr/>
           <p:nvPr/>
         </p:nvSpPr>
         <p:spPr>
           <a:xfrm>
             <a:off x="6583680" y="2743200"/>
-            <a:ext cx="1280160" cy="365760"/>
+            <a:ext cx="1279800" cy="365400"/>
           </a:xfrm>
           <a:prstGeom prst="rect">
             <a:avLst/>
           </a:prstGeom>
           <a:solidFill>
-            <a:srgbClr val="EEEEEE"/>
+            <a:srgbClr val="eeeeee"/>
           </a:solidFill>
           <a:ln>
             <a:solidFill>
-              <a:srgbClr val="3465A4"/>
+              <a:srgbClr val="3465a4"/>
             </a:solidFill>
           </a:ln>
         </p:spPr>
         <p:style>
-          <a:lnRef idx="0">
-            <a:scrgbClr r="0" g="0" b="0"/>
-          </a:lnRef>
-          <a:fillRef idx="0">
-            <a:scrgbClr r="0" g="0" b="0"/>
-          </a:fillRef>
-          <a:effectRef idx="0">
-            <a:scrgbClr r="0" g="0" b="0"/>
-          </a:effectRef>
+          <a:lnRef idx="0"/>
+          <a:fillRef idx="0"/>
+          <a:effectRef idx="0"/>
           <a:fontRef idx="minor"/>
         </p:style>
         <p:txBody>
-          <a:bodyPr wrap="none" lIns="90000" tIns="45000" rIns="90000" bIns="45000" anchor="ctr"/>
-          <a:lstStyle/>
-          <a:p>
-            <a:pPr algn="ctr"/>
+          <a:bodyPr wrap="none" lIns="90000" rIns="90000" tIns="45000" bIns="45000" anchor="ctr"/>
+          <a:p>
+            <a:pPr algn="ctr">
+              <a:lnSpc>
+                <a:spcPct val="100000"/>
+              </a:lnSpc>
+            </a:pPr>
             <a:r>
-              <a:rPr lang="en-US" sz="1800" b="0" strike="noStrike" spc="-1">
+              <a:rPr b="0" lang="en-US" sz="1800" spc="-1" strike="noStrike">
                 <a:solidFill>
                   <a:srgbClr val="000000"/>
                 </a:solidFill>
                 <a:uFill>
                   <a:solidFill>
-                    <a:srgbClr val="FFFFFF"/>
+                    <a:srgbClr val="ffffff"/>
                   </a:solidFill>
                 </a:uFill>
                 <a:latin typeface="Arial"/>
+                <a:ea typeface="DejaVu Sans"/>
               </a:rPr>
               <a:t>nextEnt0</a:t>
             </a:r>
-          </a:p>
-        </p:txBody>
-      </p:sp>
-      <p:sp>
-        <p:nvSpPr>
-          <p:cNvPr id="124" name="CustomShape 22"/>
+            <a:endParaRPr b="0" lang="en-US" sz="1800" spc="-1" strike="noStrike">
+              <a:solidFill>
+                <a:srgbClr val="000000"/>
+              </a:solidFill>
+              <a:uFill>
+                <a:solidFill>
+                  <a:srgbClr val="ffffff"/>
+                </a:solidFill>
+              </a:uFill>
+              <a:latin typeface="Arial"/>
+            </a:endParaRPr>
+          </a:p>
+        </p:txBody>
+      </p:sp>
+      <p:sp>
+        <p:nvSpPr>
+          <p:cNvPr id="126" name="CustomShape 22"/>
           <p:cNvSpPr/>
           <p:nvPr/>
         </p:nvSpPr>
         <p:spPr>
           <a:xfrm>
             <a:off x="7863840" y="2743200"/>
-            <a:ext cx="1280160" cy="365760"/>
+            <a:ext cx="1279800" cy="365400"/>
           </a:xfrm>
           <a:prstGeom prst="rect">
             <a:avLst/>
           </a:prstGeom>
           <a:solidFill>
-            <a:srgbClr val="EEEEEE"/>
+            <a:srgbClr val="eeeeee"/>
           </a:solidFill>
           <a:ln>
             <a:solidFill>
-              <a:srgbClr val="3465A4"/>
+              <a:srgbClr val="3465a4"/>
             </a:solidFill>
           </a:ln>
         </p:spPr>
         <p:style>
-          <a:lnRef idx="0">
-            <a:scrgbClr r="0" g="0" b="0"/>
-          </a:lnRef>
-          <a:fillRef idx="0">
-            <a:scrgbClr r="0" g="0" b="0"/>
-          </a:fillRef>
-          <a:effectRef idx="0">
-            <a:scrgbClr r="0" g="0" b="0"/>
-          </a:effectRef>
+          <a:lnRef idx="0"/>
+          <a:fillRef idx="0"/>
+          <a:effectRef idx="0"/>
           <a:fontRef idx="minor"/>
         </p:style>
         <p:txBody>
-          <a:bodyPr wrap="none" lIns="90000" tIns="45000" rIns="90000" bIns="45000" anchor="ctr"/>
-          <a:lstStyle/>
-          <a:p>
-            <a:pPr algn="ctr"/>
+          <a:bodyPr wrap="none" lIns="90000" rIns="90000" tIns="45000" bIns="45000" anchor="ctr"/>
+          <a:p>
+            <a:pPr algn="ctr">
+              <a:lnSpc>
+                <a:spcPct val="100000"/>
+              </a:lnSpc>
+            </a:pPr>
             <a:r>
-              <a:rPr lang="en-US" sz="1800" b="0" strike="noStrike" spc="-1">
+              <a:rPr b="0" lang="en-US" sz="1800" spc="-1" strike="noStrike">
                 <a:solidFill>
                   <a:srgbClr val="000000"/>
                 </a:solidFill>
                 <a:uFill>
                   <a:solidFill>
-                    <a:srgbClr val="FFFFFF"/>
+                    <a:srgbClr val="ffffff"/>
                   </a:solidFill>
                 </a:uFill>
                 <a:latin typeface="Arial"/>
+                <a:ea typeface="DejaVu Sans"/>
               </a:rPr>
               <a:t>1</a:t>
             </a:r>
-          </a:p>
-        </p:txBody>
-      </p:sp>
-      <p:sp>
-        <p:nvSpPr>
-          <p:cNvPr id="125" name="CustomShape 23"/>
+            <a:endParaRPr b="0" lang="en-US" sz="1800" spc="-1" strike="noStrike">
+              <a:solidFill>
+                <a:srgbClr val="000000"/>
+              </a:solidFill>
+              <a:uFill>
+                <a:solidFill>
+                  <a:srgbClr val="ffffff"/>
+                </a:solidFill>
+              </a:uFill>
+              <a:latin typeface="Arial"/>
+            </a:endParaRPr>
+          </a:p>
+        </p:txBody>
+      </p:sp>
+      <p:sp>
+        <p:nvSpPr>
+          <p:cNvPr id="127" name="CustomShape 23"/>
           <p:cNvSpPr/>
           <p:nvPr/>
         </p:nvSpPr>
         <p:spPr>
           <a:xfrm>
             <a:off x="6583680" y="3108960"/>
-            <a:ext cx="1280160" cy="365760"/>
+            <a:ext cx="1279800" cy="365400"/>
           </a:xfrm>
           <a:prstGeom prst="rect">
             <a:avLst/>
           </a:prstGeom>
           <a:solidFill>
-            <a:srgbClr val="EEEEEE"/>
+            <a:srgbClr val="eeeeee"/>
           </a:solidFill>
           <a:ln>
             <a:solidFill>
-              <a:srgbClr val="3465A4"/>
+              <a:srgbClr val="3465a4"/>
             </a:solidFill>
           </a:ln>
         </p:spPr>
         <p:style>
-          <a:lnRef idx="0">
-            <a:scrgbClr r="0" g="0" b="0"/>
-          </a:lnRef>
-          <a:fillRef idx="0">
-            <a:scrgbClr r="0" g="0" b="0"/>
-          </a:fillRef>
-          <a:effectRef idx="0">
-            <a:scrgbClr r="0" g="0" b="0"/>
-          </a:effectRef>
+          <a:lnRef idx="0"/>
+          <a:fillRef idx="0"/>
+          <a:effectRef idx="0"/>
           <a:fontRef idx="minor"/>
         </p:style>
         <p:txBody>
-          <a:bodyPr wrap="none" lIns="90000" tIns="45000" rIns="90000" bIns="45000" anchor="ctr"/>
-          <a:lstStyle/>
-          <a:p>
-            <a:pPr algn="ctr"/>
+          <a:bodyPr wrap="none" lIns="90000" rIns="90000" tIns="45000" bIns="45000" anchor="ctr"/>
+          <a:p>
+            <a:pPr algn="ctr">
+              <a:lnSpc>
+                <a:spcPct val="100000"/>
+              </a:lnSpc>
+            </a:pPr>
             <a:r>
-              <a:rPr lang="en-US" sz="1800" b="0" strike="noStrike" spc="-1">
+              <a:rPr b="0" lang="en-US" sz="1800" spc="-1" strike="noStrike">
                 <a:solidFill>
                   <a:srgbClr val="000000"/>
                 </a:solidFill>
                 <a:uFill>
                   <a:solidFill>
-                    <a:srgbClr val="FFFFFF"/>
+                    <a:srgbClr val="ffffff"/>
                   </a:solidFill>
                 </a:uFill>
                 <a:latin typeface="Arial"/>
+                <a:ea typeface="DejaVu Sans"/>
               </a:rPr>
               <a:t>prevEnt0</a:t>
             </a:r>
-          </a:p>
-        </p:txBody>
-      </p:sp>
-      <p:sp>
-        <p:nvSpPr>
-          <p:cNvPr id="126" name="CustomShape 24"/>
+            <a:endParaRPr b="0" lang="en-US" sz="1800" spc="-1" strike="noStrike">
+              <a:solidFill>
+                <a:srgbClr val="000000"/>
+              </a:solidFill>
+              <a:uFill>
+                <a:solidFill>
+                  <a:srgbClr val="ffffff"/>
+                </a:solidFill>
+              </a:uFill>
+              <a:latin typeface="Arial"/>
+            </a:endParaRPr>
+          </a:p>
+        </p:txBody>
+      </p:sp>
+      <p:sp>
+        <p:nvSpPr>
+          <p:cNvPr id="128" name="CustomShape 24"/>
           <p:cNvSpPr/>
           <p:nvPr/>
         </p:nvSpPr>
         <p:spPr>
           <a:xfrm>
             <a:off x="7863840" y="3108960"/>
-            <a:ext cx="1280160" cy="365760"/>
+            <a:ext cx="1279800" cy="365400"/>
           </a:xfrm>
           <a:prstGeom prst="rect">
             <a:avLst/>
           </a:prstGeom>
           <a:solidFill>
-            <a:srgbClr val="EEEEEE"/>
+            <a:srgbClr val="eeeeee"/>
           </a:solidFill>
           <a:ln>
             <a:solidFill>
-              <a:srgbClr val="3465A4"/>
+              <a:srgbClr val="3465a4"/>
             </a:solidFill>
           </a:ln>
         </p:spPr>
         <p:style>
-          <a:lnRef idx="0">
-            <a:scrgbClr r="0" g="0" b="0"/>
-          </a:lnRef>
-          <a:fillRef idx="0">
-            <a:scrgbClr r="0" g="0" b="0"/>
-          </a:fillRef>
-          <a:effectRef idx="0">
-            <a:scrgbClr r="0" g="0" b="0"/>
-          </a:effectRef>
+          <a:lnRef idx="0"/>
+          <a:fillRef idx="0"/>
+          <a:effectRef idx="0"/>
           <a:fontRef idx="minor"/>
         </p:style>
         <p:txBody>
-          <a:bodyPr wrap="none" lIns="90000" tIns="45000" rIns="90000" bIns="45000" anchor="ctr"/>
-          <a:lstStyle/>
-          <a:p>
-            <a:pPr algn="ctr"/>
+          <a:bodyPr wrap="none" lIns="90000" rIns="90000" tIns="45000" bIns="45000" anchor="ctr"/>
+          <a:p>
+            <a:pPr algn="ctr">
+              <a:lnSpc>
+                <a:spcPct val="100000"/>
+              </a:lnSpc>
+            </a:pPr>
             <a:r>
-              <a:rPr lang="en-US" sz="1800" b="0" strike="noStrike" spc="-1">
+              <a:rPr b="0" lang="en-US" sz="1800" spc="-1" strike="noStrike">
                 <a:solidFill>
                   <a:srgbClr val="000000"/>
                 </a:solidFill>
                 <a:uFill>
                   <a:solidFill>
-                    <a:srgbClr val="FFFFFF"/>
+                    <a:srgbClr val="ffffff"/>
                   </a:solidFill>
                 </a:uFill>
                 <a:latin typeface="Arial"/>
+                <a:ea typeface="DejaVu Sans"/>
               </a:rPr>
               <a:t>-1</a:t>
             </a:r>
-          </a:p>
-        </p:txBody>
-      </p:sp>
-      <p:sp>
-        <p:nvSpPr>
-          <p:cNvPr id="127" name="CustomShape 25"/>
+            <a:endParaRPr b="0" lang="en-US" sz="1800" spc="-1" strike="noStrike">
+              <a:solidFill>
+                <a:srgbClr val="000000"/>
+              </a:solidFill>
+              <a:uFill>
+                <a:solidFill>
+                  <a:srgbClr val="ffffff"/>
+                </a:solidFill>
+              </a:uFill>
+              <a:latin typeface="Arial"/>
+            </a:endParaRPr>
+          </a:p>
+        </p:txBody>
+      </p:sp>
+      <p:sp>
+        <p:nvSpPr>
+          <p:cNvPr id="129" name="CustomShape 25"/>
           <p:cNvSpPr/>
           <p:nvPr/>
         </p:nvSpPr>
         <p:spPr>
           <a:xfrm>
             <a:off x="6583680" y="3566160"/>
-            <a:ext cx="1280160" cy="365760"/>
+            <a:ext cx="1279800" cy="365400"/>
           </a:xfrm>
           <a:prstGeom prst="rect">
             <a:avLst/>
           </a:prstGeom>
           <a:solidFill>
-            <a:srgbClr val="EEEEEE"/>
+            <a:srgbClr val="eeeeee"/>
           </a:solidFill>
           <a:ln>
             <a:solidFill>
-              <a:srgbClr val="3465A4"/>
+              <a:srgbClr val="3465a4"/>
             </a:solidFill>
           </a:ln>
         </p:spPr>
         <p:style>
-          <a:lnRef idx="0">
-            <a:scrgbClr r="0" g="0" b="0"/>
-          </a:lnRef>
-          <a:fillRef idx="0">
-            <a:scrgbClr r="0" g="0" b="0"/>
-          </a:fillRef>
-          <a:effectRef idx="0">
-            <a:scrgbClr r="0" g="0" b="0"/>
-          </a:effectRef>
+          <a:lnRef idx="0"/>
+          <a:fillRef idx="0"/>
+          <a:effectRef idx="0"/>
           <a:fontRef idx="minor"/>
         </p:style>
         <p:txBody>
-          <a:bodyPr wrap="none" lIns="90000" tIns="45000" rIns="90000" bIns="45000" anchor="ctr"/>
-          <a:lstStyle/>
-          <a:p>
-            <a:pPr algn="ctr"/>
+          <a:bodyPr wrap="none" lIns="90000" rIns="90000" tIns="45000" bIns="45000" anchor="ctr"/>
+          <a:p>
+            <a:pPr algn="ctr">
+              <a:lnSpc>
+                <a:spcPct val="100000"/>
+              </a:lnSpc>
+            </a:pPr>
             <a:r>
-              <a:rPr lang="en-US" sz="1800" b="0" strike="noStrike" spc="-1">
+              <a:rPr b="0" lang="en-US" sz="1800" spc="-1" strike="noStrike">
                 <a:solidFill>
                   <a:srgbClr val="000000"/>
                 </a:solidFill>
                 <a:uFill>
                   <a:solidFill>
-                    <a:srgbClr val="FFFFFF"/>
+                    <a:srgbClr val="ffffff"/>
                   </a:solidFill>
                 </a:uFill>
                 <a:latin typeface="Arial"/>
+                <a:ea typeface="DejaVu Sans"/>
               </a:rPr>
               <a:t>label0</a:t>
             </a:r>
-          </a:p>
-        </p:txBody>
-      </p:sp>
-      <p:sp>
-        <p:nvSpPr>
-          <p:cNvPr id="128" name="CustomShape 26"/>
+            <a:endParaRPr b="0" lang="en-US" sz="1800" spc="-1" strike="noStrike">
+              <a:solidFill>
+                <a:srgbClr val="000000"/>
+              </a:solidFill>
+              <a:uFill>
+                <a:solidFill>
+                  <a:srgbClr val="ffffff"/>
+                </a:solidFill>
+              </a:uFill>
+              <a:latin typeface="Arial"/>
+            </a:endParaRPr>
+          </a:p>
+        </p:txBody>
+      </p:sp>
+      <p:sp>
+        <p:nvSpPr>
+          <p:cNvPr id="130" name="CustomShape 26"/>
           <p:cNvSpPr/>
           <p:nvPr/>
         </p:nvSpPr>
         <p:spPr>
           <a:xfrm>
             <a:off x="7863840" y="3566160"/>
-            <a:ext cx="1280160" cy="365760"/>
+            <a:ext cx="1279800" cy="365400"/>
           </a:xfrm>
           <a:prstGeom prst="rect">
             <a:avLst/>
           </a:prstGeom>
           <a:solidFill>
-            <a:srgbClr val="EEEEEE"/>
+            <a:srgbClr val="eeeeee"/>
           </a:solidFill>
           <a:ln>
             <a:solidFill>
-              <a:srgbClr val="3465A4"/>
+              <a:srgbClr val="3465a4"/>
             </a:solidFill>
           </a:ln>
         </p:spPr>
         <p:style>
-          <a:lnRef idx="0">
-            <a:scrgbClr r="0" g="0" b="0"/>
-          </a:lnRef>
-          <a:fillRef idx="0">
-            <a:scrgbClr r="0" g="0" b="0"/>
-          </a:fillRef>
-          <a:effectRef idx="0">
-            <a:scrgbClr r="0" g="0" b="0"/>
-          </a:effectRef>
+          <a:lnRef idx="0"/>
+          <a:fillRef idx="0"/>
+          <a:effectRef idx="0"/>
           <a:fontRef idx="minor"/>
         </p:style>
         <p:txBody>
-          <a:bodyPr wrap="none" lIns="90000" tIns="45000" rIns="90000" bIns="45000" anchor="ctr"/>
-          <a:lstStyle/>
-          <a:p>
-            <a:pPr algn="ctr"/>
+          <a:bodyPr wrap="none" lIns="90000" rIns="90000" tIns="45000" bIns="45000" anchor="ctr"/>
+          <a:p>
+            <a:pPr algn="ctr">
+              <a:lnSpc>
+                <a:spcPct val="100000"/>
+              </a:lnSpc>
+            </a:pPr>
             <a:r>
-              <a:rPr lang="en-US" sz="1800" b="0" strike="noStrike" spc="-1">
+              <a:rPr b="0" lang="en-US" sz="1800" spc="-1" strike="noStrike">
                 <a:solidFill>
                   <a:srgbClr val="000000"/>
                 </a:solidFill>
                 <a:uFill>
                   <a:solidFill>
-                    <a:srgbClr val="FFFFFF"/>
+                    <a:srgbClr val="ffffff"/>
                   </a:solidFill>
                 </a:uFill>
                 <a:latin typeface="Arial"/>
+                <a:ea typeface="DejaVu Sans"/>
               </a:rPr>
               <a:t>google</a:t>
             </a:r>
-          </a:p>
-        </p:txBody>
-      </p:sp>
-      <p:sp>
-        <p:nvSpPr>
-          <p:cNvPr id="129" name="CustomShape 27"/>
+            <a:endParaRPr b="0" lang="en-US" sz="1800" spc="-1" strike="noStrike">
+              <a:solidFill>
+                <a:srgbClr val="000000"/>
+              </a:solidFill>
+              <a:uFill>
+                <a:solidFill>
+                  <a:srgbClr val="ffffff"/>
+                </a:solidFill>
+              </a:uFill>
+              <a:latin typeface="Arial"/>
+            </a:endParaRPr>
+          </a:p>
+        </p:txBody>
+      </p:sp>
+      <p:sp>
+        <p:nvSpPr>
+          <p:cNvPr id="131" name="CustomShape 27"/>
           <p:cNvSpPr/>
           <p:nvPr/>
         </p:nvSpPr>
         <p:spPr>
           <a:xfrm>
             <a:off x="6583680" y="3931920"/>
-            <a:ext cx="1280160" cy="365760"/>
+            <a:ext cx="1279800" cy="365400"/>
           </a:xfrm>
           <a:prstGeom prst="rect">
             <a:avLst/>
           </a:prstGeom>
           <a:solidFill>
-            <a:srgbClr val="EEEEEE"/>
+            <a:srgbClr val="eeeeee"/>
           </a:solidFill>
           <a:ln>
             <a:solidFill>
-              <a:srgbClr val="3465A4"/>
+              <a:srgbClr val="3465a4"/>
             </a:solidFill>
           </a:ln>
         </p:spPr>
         <p:style>
-          <a:lnRef idx="0">
-            <a:scrgbClr r="0" g="0" b="0"/>
-          </a:lnRef>
-          <a:fillRef idx="0">
-            <a:scrgbClr r="0" g="0" b="0"/>
-          </a:fillRef>
-          <a:effectRef idx="0">
-            <a:scrgbClr r="0" g="0" b="0"/>
-          </a:effectRef>
+          <a:lnRef idx="0"/>
+          <a:fillRef idx="0"/>
+          <a:effectRef idx="0"/>
           <a:fontRef idx="minor"/>
         </p:style>
         <p:txBody>
-          <a:bodyPr wrap="none" lIns="90000" tIns="45000" rIns="90000" bIns="45000" anchor="ctr"/>
-          <a:lstStyle/>
-          <a:p>
-            <a:pPr algn="ctr"/>
+          <a:bodyPr wrap="none" lIns="90000" rIns="90000" tIns="45000" bIns="45000" anchor="ctr"/>
+          <a:p>
+            <a:pPr algn="ctr">
+              <a:lnSpc>
+                <a:spcPct val="100000"/>
+              </a:lnSpc>
+            </a:pPr>
             <a:r>
-              <a:rPr lang="en-US" sz="1800" b="0" strike="noStrike" spc="-1">
+              <a:rPr b="0" lang="en-US" sz="1800" spc="-1" strike="noStrike">
                 <a:solidFill>
                   <a:srgbClr val="000000"/>
                 </a:solidFill>
                 <a:uFill>
                   <a:solidFill>
-                    <a:srgbClr val="FFFFFF"/>
+                    <a:srgbClr val="ffffff"/>
                   </a:solidFill>
                 </a:uFill>
                 <a:latin typeface="Arial"/>
+                <a:ea typeface="DejaVu Sans"/>
               </a:rPr>
               <a:t>user1</a:t>
             </a:r>
-          </a:p>
-        </p:txBody>
-      </p:sp>
-      <p:sp>
-        <p:nvSpPr>
-          <p:cNvPr id="130" name="CustomShape 28"/>
+            <a:endParaRPr b="0" lang="en-US" sz="1800" spc="-1" strike="noStrike">
+              <a:solidFill>
+                <a:srgbClr val="000000"/>
+              </a:solidFill>
+              <a:uFill>
+                <a:solidFill>
+                  <a:srgbClr val="ffffff"/>
+                </a:solidFill>
+              </a:uFill>
+              <a:latin typeface="Arial"/>
+            </a:endParaRPr>
+          </a:p>
+        </p:txBody>
+      </p:sp>
+      <p:sp>
+        <p:nvSpPr>
+          <p:cNvPr id="132" name="CustomShape 28"/>
           <p:cNvSpPr/>
           <p:nvPr/>
         </p:nvSpPr>
         <p:spPr>
           <a:xfrm>
             <a:off x="7863840" y="3931920"/>
-            <a:ext cx="1280160" cy="365760"/>
+            <a:ext cx="1279800" cy="365400"/>
           </a:xfrm>
           <a:prstGeom prst="rect">
             <a:avLst/>
           </a:prstGeom>
           <a:solidFill>
-            <a:srgbClr val="EEEEEE"/>
+            <a:srgbClr val="eeeeee"/>
           </a:solidFill>
           <a:ln>
             <a:solidFill>
-              <a:srgbClr val="3465A4"/>
+              <a:srgbClr val="3465a4"/>
             </a:solidFill>
           </a:ln>
         </p:spPr>
         <p:style>
-          <a:lnRef idx="0">
-            <a:scrgbClr r="0" g="0" b="0"/>
-          </a:lnRef>
-          <a:fillRef idx="0">
-            <a:scrgbClr r="0" g="0" b="0"/>
-          </a:fillRef>
-          <a:effectRef idx="0">
-            <a:scrgbClr r="0" g="0" b="0"/>
-          </a:effectRef>
+          <a:lnRef idx="0"/>
+          <a:fillRef idx="0"/>
+          <a:effectRef idx="0"/>
           <a:fontRef idx="minor"/>
         </p:style>
         <p:txBody>
-          <a:bodyPr wrap="none" lIns="90000" tIns="45000" rIns="90000" bIns="45000" anchor="ctr"/>
-          <a:lstStyle/>
-          <a:p>
-            <a:pPr algn="ctr"/>
+          <a:bodyPr wrap="none" lIns="90000" rIns="90000" tIns="45000" bIns="45000" anchor="ctr"/>
+          <a:p>
+            <a:pPr algn="ctr">
+              <a:lnSpc>
+                <a:spcPct val="100000"/>
+              </a:lnSpc>
+            </a:pPr>
             <a:r>
-              <a:rPr lang="en-US" sz="1800" b="0" strike="noStrike" spc="-1">
+              <a:rPr b="0" lang="en-US" sz="1800" spc="-1" strike="noStrike">
                 <a:solidFill>
                   <a:srgbClr val="000000"/>
                 </a:solidFill>
                 <a:uFill>
                   <a:solidFill>
-                    <a:srgbClr val="FFFFFF"/>
+                    <a:srgbClr val="ffffff"/>
                   </a:solidFill>
                 </a:uFill>
                 <a:latin typeface="Arial"/>
+                <a:ea typeface="DejaVu Sans"/>
               </a:rPr>
               <a:t>bob</a:t>
             </a:r>
-          </a:p>
-        </p:txBody>
-      </p:sp>
-      <p:sp>
-        <p:nvSpPr>
-          <p:cNvPr id="131" name="CustomShape 29"/>
+            <a:endParaRPr b="0" lang="en-US" sz="1800" spc="-1" strike="noStrike">
+              <a:solidFill>
+                <a:srgbClr val="000000"/>
+              </a:solidFill>
+              <a:uFill>
+                <a:solidFill>
+                  <a:srgbClr val="ffffff"/>
+                </a:solidFill>
+              </a:uFill>
+              <a:latin typeface="Arial"/>
+            </a:endParaRPr>
+          </a:p>
+        </p:txBody>
+      </p:sp>
+      <p:sp>
+        <p:nvSpPr>
+          <p:cNvPr id="133" name="CustomShape 29"/>
           <p:cNvSpPr/>
           <p:nvPr/>
         </p:nvSpPr>
         <p:spPr>
           <a:xfrm>
             <a:off x="6583680" y="3566160"/>
-            <a:ext cx="1280160" cy="365760"/>
+            <a:ext cx="1279800" cy="365400"/>
           </a:xfrm>
           <a:prstGeom prst="rect">
             <a:avLst/>
           </a:prstGeom>
           <a:solidFill>
-            <a:srgbClr val="EEEEEE"/>
+            <a:srgbClr val="eeeeee"/>
           </a:solidFill>
           <a:ln>
             <a:solidFill>
-              <a:srgbClr val="3465A4"/>
+              <a:srgbClr val="3465a4"/>
             </a:solidFill>
           </a:ln>
         </p:spPr>
         <p:style>
-          <a:lnRef idx="0">
-            <a:scrgbClr r="0" g="0" b="0"/>
-          </a:lnRef>
-          <a:fillRef idx="0">
-            <a:scrgbClr r="0" g="0" b="0"/>
-          </a:fillRef>
-          <a:effectRef idx="0">
-            <a:scrgbClr r="0" g="0" b="0"/>
-          </a:effectRef>
+          <a:lnRef idx="0"/>
+          <a:fillRef idx="0"/>
+          <a:effectRef idx="0"/>
           <a:fontRef idx="minor"/>
         </p:style>
         <p:txBody>
-          <a:bodyPr wrap="none" lIns="90000" tIns="45000" rIns="90000" bIns="45000" anchor="ctr"/>
-          <a:lstStyle/>
-          <a:p>
-            <a:pPr algn="ctr"/>
+          <a:bodyPr wrap="none" lIns="90000" rIns="90000" tIns="45000" bIns="45000" anchor="ctr"/>
+          <a:p>
+            <a:pPr algn="ctr">
+              <a:lnSpc>
+                <a:spcPct val="100000"/>
+              </a:lnSpc>
+            </a:pPr>
             <a:r>
-              <a:rPr lang="en-US" sz="1800" b="0" strike="noStrike" spc="-1">
+              <a:rPr b="0" lang="en-US" sz="1800" spc="-1" strike="noStrike">
                 <a:solidFill>
                   <a:srgbClr val="000000"/>
                 </a:solidFill>
                 <a:uFill>
                   <a:solidFill>
-                    <a:srgbClr val="FFFFFF"/>
+                    <a:srgbClr val="ffffff"/>
                   </a:solidFill>
                 </a:uFill>
                 <a:latin typeface="Arial"/>
+                <a:ea typeface="DejaVu Sans"/>
               </a:rPr>
               <a:t>label1</a:t>
             </a:r>
-          </a:p>
-        </p:txBody>
-      </p:sp>
-      <p:sp>
-        <p:nvSpPr>
-          <p:cNvPr id="132" name="CustomShape 30"/>
+            <a:endParaRPr b="0" lang="en-US" sz="1800" spc="-1" strike="noStrike">
+              <a:solidFill>
+                <a:srgbClr val="000000"/>
+              </a:solidFill>
+              <a:uFill>
+                <a:solidFill>
+                  <a:srgbClr val="ffffff"/>
+                </a:solidFill>
+              </a:uFill>
+              <a:latin typeface="Arial"/>
+            </a:endParaRPr>
+          </a:p>
+        </p:txBody>
+      </p:sp>
+      <p:sp>
+        <p:nvSpPr>
+          <p:cNvPr id="134" name="CustomShape 30"/>
           <p:cNvSpPr/>
           <p:nvPr/>
         </p:nvSpPr>
         <p:spPr>
           <a:xfrm>
             <a:off x="7863840" y="3566160"/>
-            <a:ext cx="1280160" cy="365760"/>
+            <a:ext cx="1279800" cy="365400"/>
           </a:xfrm>
           <a:prstGeom prst="rect">
             <a:avLst/>
           </a:prstGeom>
           <a:solidFill>
-            <a:srgbClr val="EEEEEE"/>
+            <a:srgbClr val="eeeeee"/>
           </a:solidFill>
           <a:ln>
             <a:solidFill>
-              <a:srgbClr val="3465A4"/>
+              <a:srgbClr val="3465a4"/>
             </a:solidFill>
           </a:ln>
         </p:spPr>
         <p:style>
-          <a:lnRef idx="0">
-            <a:scrgbClr r="0" g="0" b="0"/>
-          </a:lnRef>
-          <a:fillRef idx="0">
-            <a:scrgbClr r="0" g="0" b="0"/>
-          </a:fillRef>
-          <a:effectRef idx="0">
-            <a:scrgbClr r="0" g="0" b="0"/>
-          </a:effectRef>
+          <a:lnRef idx="0"/>
+          <a:fillRef idx="0"/>
+          <a:effectRef idx="0"/>
           <a:fontRef idx="minor"/>
         </p:style>
         <p:txBody>
-          <a:bodyPr wrap="none" lIns="90000" tIns="45000" rIns="90000" bIns="45000" anchor="ctr"/>
-          <a:lstStyle/>
-          <a:p>
-            <a:pPr algn="ctr"/>
+          <a:bodyPr wrap="none" lIns="90000" rIns="90000" tIns="45000" bIns="45000" anchor="ctr"/>
+          <a:p>
+            <a:pPr algn="ctr">
+              <a:lnSpc>
+                <a:spcPct val="100000"/>
+              </a:lnSpc>
+            </a:pPr>
             <a:r>
-              <a:rPr lang="en-US" sz="1800" b="0" strike="noStrike" spc="-1">
+              <a:rPr b="0" lang="en-US" sz="1800" spc="-1" strike="noStrike">
                 <a:solidFill>
                   <a:srgbClr val="000000"/>
                 </a:solidFill>
                 <a:uFill>
                   <a:solidFill>
-                    <a:srgbClr val="FFFFFF"/>
+                    <a:srgbClr val="ffffff"/>
                   </a:solidFill>
                 </a:uFill>
                 <a:latin typeface="Arial"/>
+                <a:ea typeface="DejaVu Sans"/>
               </a:rPr>
               <a:t>facebook</a:t>
             </a:r>
-          </a:p>
-        </p:txBody>
-      </p:sp>
-      <p:sp>
-        <p:nvSpPr>
-          <p:cNvPr id="133" name="CustomShape 31"/>
+            <a:endParaRPr b="0" lang="en-US" sz="1800" spc="-1" strike="noStrike">
+              <a:solidFill>
+                <a:srgbClr val="000000"/>
+              </a:solidFill>
+              <a:uFill>
+                <a:solidFill>
+                  <a:srgbClr val="ffffff"/>
+                </a:solidFill>
+              </a:uFill>
+              <a:latin typeface="Arial"/>
+            </a:endParaRPr>
+          </a:p>
+        </p:txBody>
+      </p:sp>
+      <p:sp>
+        <p:nvSpPr>
+          <p:cNvPr id="135" name="CustomShape 31"/>
           <p:cNvSpPr/>
           <p:nvPr/>
         </p:nvSpPr>
         <p:spPr>
           <a:xfrm>
             <a:off x="6583680" y="4297680"/>
-            <a:ext cx="1280160" cy="365760"/>
+            <a:ext cx="1279800" cy="365400"/>
           </a:xfrm>
           <a:prstGeom prst="rect">
             <a:avLst/>
           </a:prstGeom>
           <a:solidFill>
-            <a:srgbClr val="EEEEEE"/>
+            <a:srgbClr val="eeeeee"/>
           </a:solidFill>
           <a:ln>
             <a:solidFill>
-              <a:srgbClr val="3465A4"/>
+              <a:srgbClr val="3465a4"/>
             </a:solidFill>
           </a:ln>
         </p:spPr>
         <p:style>
-          <a:lnRef idx="0">
-            <a:scrgbClr r="0" g="0" b="0"/>
-          </a:lnRef>
-          <a:fillRef idx="0">
-            <a:scrgbClr r="0" g="0" b="0"/>
-          </a:fillRef>
-          <a:effectRef idx="0">
-            <a:scrgbClr r="0" g="0" b="0"/>
-          </a:effectRef>
+          <a:lnRef idx="0"/>
+          <a:fillRef idx="0"/>
+          <a:effectRef idx="0"/>
           <a:fontRef idx="minor"/>
         </p:style>
         <p:txBody>
-          <a:bodyPr wrap="none" lIns="90000" tIns="45000" rIns="90000" bIns="45000" anchor="ctr"/>
-          <a:lstStyle/>
-          <a:p>
-            <a:pPr algn="ctr"/>
+          <a:bodyPr wrap="none" lIns="90000" rIns="90000" tIns="45000" bIns="45000" anchor="ctr"/>
+          <a:p>
+            <a:pPr algn="ctr">
+              <a:lnSpc>
+                <a:spcPct val="100000"/>
+              </a:lnSpc>
+            </a:pPr>
             <a:r>
-              <a:rPr lang="en-US" sz="1800" b="0" strike="noStrike" spc="-1">
+              <a:rPr b="0" lang="en-US" sz="1800" spc="-1" strike="noStrike">
                 <a:solidFill>
                   <a:srgbClr val="000000"/>
                 </a:solidFill>
                 <a:uFill>
                   <a:solidFill>
-                    <a:srgbClr val="FFFFFF"/>
+                    <a:srgbClr val="ffffff"/>
                   </a:solidFill>
                 </a:uFill>
                 <a:latin typeface="Arial"/>
+                <a:ea typeface="DejaVu Sans"/>
               </a:rPr>
               <a:t>pass1</a:t>
             </a:r>
-          </a:p>
-        </p:txBody>
-      </p:sp>
-      <p:sp>
-        <p:nvSpPr>
-          <p:cNvPr id="134" name="CustomShape 32"/>
+            <a:endParaRPr b="0" lang="en-US" sz="1800" spc="-1" strike="noStrike">
+              <a:solidFill>
+                <a:srgbClr val="000000"/>
+              </a:solidFill>
+              <a:uFill>
+                <a:solidFill>
+                  <a:srgbClr val="ffffff"/>
+                </a:solidFill>
+              </a:uFill>
+              <a:latin typeface="Arial"/>
+            </a:endParaRPr>
+          </a:p>
+        </p:txBody>
+      </p:sp>
+      <p:sp>
+        <p:nvSpPr>
+          <p:cNvPr id="136" name="CustomShape 32"/>
           <p:cNvSpPr/>
           <p:nvPr/>
         </p:nvSpPr>
         <p:spPr>
           <a:xfrm>
             <a:off x="7863840" y="4297680"/>
-            <a:ext cx="1280160" cy="365760"/>
+            <a:ext cx="1279800" cy="365400"/>
           </a:xfrm>
           <a:prstGeom prst="rect">
             <a:avLst/>
           </a:prstGeom>
           <a:solidFill>
-            <a:srgbClr val="EEEEEE"/>
+            <a:srgbClr val="eeeeee"/>
           </a:solidFill>
           <a:ln>
             <a:solidFill>
-              <a:srgbClr val="3465A4"/>
+              <a:srgbClr val="3465a4"/>
             </a:solidFill>
           </a:ln>
         </p:spPr>
         <p:style>
-          <a:lnRef idx="0">
-            <a:scrgbClr r="0" g="0" b="0"/>
-          </a:lnRef>
-          <a:fillRef idx="0">
-            <a:scrgbClr r="0" g="0" b="0"/>
-          </a:fillRef>
-          <a:effectRef idx="0">
-            <a:scrgbClr r="0" g="0" b="0"/>
-          </a:effectRef>
+          <a:lnRef idx="0"/>
+          <a:fillRef idx="0"/>
+          <a:effectRef idx="0"/>
           <a:fontRef idx="minor"/>
         </p:style>
         <p:txBody>
-          <a:bodyPr wrap="none" lIns="90000" tIns="45000" rIns="90000" bIns="45000" anchor="ctr"/>
-          <a:lstStyle/>
-          <a:p>
-            <a:pPr algn="ctr"/>
+          <a:bodyPr wrap="none" lIns="90000" rIns="90000" tIns="45000" bIns="45000" anchor="ctr"/>
+          <a:p>
+            <a:pPr algn="ctr">
+              <a:lnSpc>
+                <a:spcPct val="100000"/>
+              </a:lnSpc>
+            </a:pPr>
             <a:r>
-              <a:rPr lang="en-US" sz="1800" b="0" strike="noStrike" spc="-1">
+              <a:rPr b="0" lang="en-US" sz="1800" spc="-1" strike="noStrike">
                 <a:solidFill>
                   <a:srgbClr val="000000"/>
                 </a:solidFill>
                 <a:uFill>
                   <a:solidFill>
-                    <a:srgbClr val="FFFFFF"/>
+                    <a:srgbClr val="ffffff"/>
                   </a:solidFill>
                 </a:uFill>
                 <a:latin typeface="Arial"/>
+                <a:ea typeface="DejaVu Sans"/>
               </a:rPr>
               <a:t>pass123</a:t>
             </a:r>
-          </a:p>
-        </p:txBody>
-      </p:sp>
-      <p:sp>
-        <p:nvSpPr>
-          <p:cNvPr id="135" name="CustomShape 33"/>
+            <a:endParaRPr b="0" lang="en-US" sz="1800" spc="-1" strike="noStrike">
+              <a:solidFill>
+                <a:srgbClr val="000000"/>
+              </a:solidFill>
+              <a:uFill>
+                <a:solidFill>
+                  <a:srgbClr val="ffffff"/>
+                </a:solidFill>
+              </a:uFill>
+              <a:latin typeface="Arial"/>
+            </a:endParaRPr>
+          </a:p>
+        </p:txBody>
+      </p:sp>
+      <p:sp>
+        <p:nvSpPr>
+          <p:cNvPr id="137" name="CustomShape 33"/>
           <p:cNvSpPr/>
           <p:nvPr/>
         </p:nvSpPr>
         <p:spPr>
           <a:xfrm>
             <a:off x="6583680" y="4663440"/>
-            <a:ext cx="1280160" cy="365760"/>
+            <a:ext cx="1279800" cy="365400"/>
           </a:xfrm>
           <a:prstGeom prst="rect">
             <a:avLst/>
           </a:prstGeom>
           <a:solidFill>
-            <a:srgbClr val="EEEEEE"/>
+            <a:srgbClr val="eeeeee"/>
           </a:solidFill>
           <a:ln>
             <a:solidFill>
-              <a:srgbClr val="3465A4"/>
+              <a:srgbClr val="3465a4"/>
             </a:solidFill>
           </a:ln>
         </p:spPr>
         <p:style>
-          <a:lnRef idx="0">
-            <a:scrgbClr r="0" g="0" b="0"/>
-          </a:lnRef>
-          <a:fillRef idx="0">
-            <a:scrgbClr r="0" g="0" b="0"/>
-          </a:fillRef>
-          <a:effectRef idx="0">
-            <a:scrgbClr r="0" g="0" b="0"/>
-          </a:effectRef>
+          <a:lnRef idx="0"/>
+          <a:fillRef idx="0"/>
+          <a:effectRef idx="0"/>
           <a:fontRef idx="minor"/>
         </p:style>
         <p:txBody>
-          <a:bodyPr wrap="none" lIns="90000" tIns="45000" rIns="90000" bIns="45000" anchor="ctr"/>
-          <a:lstStyle/>
-          <a:p>
-            <a:pPr algn="ctr"/>
+          <a:bodyPr wrap="none" lIns="90000" rIns="90000" tIns="45000" bIns="45000" anchor="ctr"/>
+          <a:p>
+            <a:pPr algn="ctr">
+              <a:lnSpc>
+                <a:spcPct val="100000"/>
+              </a:lnSpc>
+            </a:pPr>
             <a:r>
-              <a:rPr lang="en-US" sz="1800" b="0" strike="noStrike" spc="-1">
+              <a:rPr b="0" lang="en-US" sz="1800" spc="-1" strike="noStrike">
                 <a:solidFill>
                   <a:srgbClr val="000000"/>
                 </a:solidFill>
                 <a:uFill>
                   <a:solidFill>
-                    <a:srgbClr val="FFFFFF"/>
+                    <a:srgbClr val="ffffff"/>
                   </a:solidFill>
                 </a:uFill>
                 <a:latin typeface="Arial"/>
+                <a:ea typeface="DejaVu Sans"/>
               </a:rPr>
               <a:t>nextEnt1</a:t>
             </a:r>
-          </a:p>
-        </p:txBody>
-      </p:sp>
-      <p:sp>
-        <p:nvSpPr>
-          <p:cNvPr id="136" name="CustomShape 34"/>
+            <a:endParaRPr b="0" lang="en-US" sz="1800" spc="-1" strike="noStrike">
+              <a:solidFill>
+                <a:srgbClr val="000000"/>
+              </a:solidFill>
+              <a:uFill>
+                <a:solidFill>
+                  <a:srgbClr val="ffffff"/>
+                </a:solidFill>
+              </a:uFill>
+              <a:latin typeface="Arial"/>
+            </a:endParaRPr>
+          </a:p>
+        </p:txBody>
+      </p:sp>
+      <p:sp>
+        <p:nvSpPr>
+          <p:cNvPr id="138" name="CustomShape 34"/>
           <p:cNvSpPr/>
           <p:nvPr/>
         </p:nvSpPr>
         <p:spPr>
           <a:xfrm>
             <a:off x="7863840" y="4663440"/>
-            <a:ext cx="1280160" cy="365760"/>
+            <a:ext cx="1279800" cy="365400"/>
           </a:xfrm>
           <a:prstGeom prst="rect">
             <a:avLst/>
           </a:prstGeom>
           <a:solidFill>
-            <a:srgbClr val="EEEEEE"/>
+            <a:srgbClr val="eeeeee"/>
           </a:solidFill>
           <a:ln>
             <a:solidFill>
-              <a:srgbClr val="3465A4"/>
+              <a:srgbClr val="3465a4"/>
             </a:solidFill>
           </a:ln>
         </p:spPr>
         <p:style>
-          <a:lnRef idx="0">
-            <a:scrgbClr r="0" g="0" b="0"/>
-          </a:lnRef>
-          <a:fillRef idx="0">
-            <a:scrgbClr r="0" g="0" b="0"/>
-          </a:fillRef>
-          <a:effectRef idx="0">
-            <a:scrgbClr r="0" g="0" b="0"/>
-          </a:effectRef>
+          <a:lnRef idx="0"/>
+          <a:fillRef idx="0"/>
+          <a:effectRef idx="0"/>
           <a:fontRef idx="minor"/>
         </p:style>
         <p:txBody>
-          <a:bodyPr wrap="none" lIns="90000" tIns="45000" rIns="90000" bIns="45000" anchor="ctr"/>
-          <a:lstStyle/>
-          <a:p>
-            <a:pPr algn="ctr"/>
+          <a:bodyPr wrap="none" lIns="90000" rIns="90000" tIns="45000" bIns="45000" anchor="ctr"/>
+          <a:p>
+            <a:pPr algn="ctr">
+              <a:lnSpc>
+                <a:spcPct val="100000"/>
+              </a:lnSpc>
+            </a:pPr>
             <a:r>
-              <a:rPr lang="en-US" sz="1800" b="0" strike="noStrike" spc="-1">
+              <a:rPr b="0" lang="en-US" sz="1800" spc="-1" strike="noStrike">
                 <a:solidFill>
                   <a:srgbClr val="000000"/>
                 </a:solidFill>
                 <a:uFill>
                   <a:solidFill>
-                    <a:srgbClr val="FFFFFF"/>
+                    <a:srgbClr val="ffffff"/>
                   </a:solidFill>
                 </a:uFill>
                 <a:latin typeface="Arial"/>
+                <a:ea typeface="DejaVu Sans"/>
               </a:rPr>
               <a:t>2</a:t>
             </a:r>
-          </a:p>
-        </p:txBody>
-      </p:sp>
-      <p:sp>
-        <p:nvSpPr>
-          <p:cNvPr id="137" name="CustomShape 35"/>
+            <a:endParaRPr b="0" lang="en-US" sz="1800" spc="-1" strike="noStrike">
+              <a:solidFill>
+                <a:srgbClr val="000000"/>
+              </a:solidFill>
+              <a:uFill>
+                <a:solidFill>
+                  <a:srgbClr val="ffffff"/>
+                </a:solidFill>
+              </a:uFill>
+              <a:latin typeface="Arial"/>
+            </a:endParaRPr>
+          </a:p>
+        </p:txBody>
+      </p:sp>
+      <p:sp>
+        <p:nvSpPr>
+          <p:cNvPr id="139" name="CustomShape 35"/>
           <p:cNvSpPr/>
           <p:nvPr/>
         </p:nvSpPr>
         <p:spPr>
           <a:xfrm>
             <a:off x="6583680" y="5029200"/>
-            <a:ext cx="1280160" cy="365760"/>
+            <a:ext cx="1279800" cy="365400"/>
           </a:xfrm>
           <a:prstGeom prst="rect">
             <a:avLst/>
           </a:prstGeom>
           <a:solidFill>
-            <a:srgbClr val="EEEEEE"/>
+            <a:srgbClr val="eeeeee"/>
           </a:solidFill>
           <a:ln>
             <a:solidFill>
-              <a:srgbClr val="3465A4"/>
+              <a:srgbClr val="3465a4"/>
             </a:solidFill>
           </a:ln>
         </p:spPr>
         <p:style>
-          <a:lnRef idx="0">
-            <a:scrgbClr r="0" g="0" b="0"/>
-          </a:lnRef>
-          <a:fillRef idx="0">
-            <a:scrgbClr r="0" g="0" b="0"/>
-          </a:fillRef>
-          <a:effectRef idx="0">
-            <a:scrgbClr r="0" g="0" b="0"/>
-          </a:effectRef>
+          <a:lnRef idx="0"/>
+          <a:fillRef idx="0"/>
+          <a:effectRef idx="0"/>
           <a:fontRef idx="minor"/>
         </p:style>
         <p:txBody>
-          <a:bodyPr wrap="none" lIns="90000" tIns="45000" rIns="90000" bIns="45000" anchor="ctr"/>
-          <a:lstStyle/>
-          <a:p>
-            <a:pPr algn="ctr"/>
+          <a:bodyPr wrap="none" lIns="90000" rIns="90000" tIns="45000" bIns="45000" anchor="ctr"/>
+          <a:p>
+            <a:pPr algn="ctr">
+              <a:lnSpc>
+                <a:spcPct val="100000"/>
+              </a:lnSpc>
+            </a:pPr>
             <a:r>
-              <a:rPr lang="en-US" sz="1800" b="0" strike="noStrike" spc="-1">
+              <a:rPr b="0" lang="en-US" sz="1800" spc="-1" strike="noStrike">
                 <a:solidFill>
                   <a:srgbClr val="000000"/>
                 </a:solidFill>
                 <a:uFill>
                   <a:solidFill>
-                    <a:srgbClr val="FFFFFF"/>
+                    <a:srgbClr val="ffffff"/>
                   </a:solidFill>
                 </a:uFill>
                 <a:latin typeface="Arial"/>
+                <a:ea typeface="DejaVu Sans"/>
               </a:rPr>
               <a:t>prevEnt1</a:t>
             </a:r>
-          </a:p>
-        </p:txBody>
-      </p:sp>
-      <p:sp>
-        <p:nvSpPr>
-          <p:cNvPr id="138" name="CustomShape 36"/>
+            <a:endParaRPr b="0" lang="en-US" sz="1800" spc="-1" strike="noStrike">
+              <a:solidFill>
+                <a:srgbClr val="000000"/>
+              </a:solidFill>
+              <a:uFill>
+                <a:solidFill>
+                  <a:srgbClr val="ffffff"/>
+                </a:solidFill>
+              </a:uFill>
+              <a:latin typeface="Arial"/>
+            </a:endParaRPr>
+          </a:p>
+        </p:txBody>
+      </p:sp>
+      <p:sp>
+        <p:nvSpPr>
+          <p:cNvPr id="140" name="CustomShape 36"/>
           <p:cNvSpPr/>
           <p:nvPr/>
         </p:nvSpPr>
         <p:spPr>
           <a:xfrm>
             <a:off x="7863840" y="5029200"/>
-            <a:ext cx="1280160" cy="365760"/>
+            <a:ext cx="1279800" cy="365400"/>
           </a:xfrm>
           <a:prstGeom prst="rect">
             <a:avLst/>
           </a:prstGeom>
           <a:solidFill>
-            <a:srgbClr val="EEEEEE"/>
+            <a:srgbClr val="eeeeee"/>
           </a:solidFill>
           <a:ln>
             <a:solidFill>
-              <a:srgbClr val="3465A4"/>
+              <a:srgbClr val="3465a4"/>
             </a:solidFill>
           </a:ln>
         </p:spPr>
         <p:style>
-          <a:lnRef idx="0">
-            <a:scrgbClr r="0" g="0" b="0"/>
-          </a:lnRef>
-          <a:fillRef idx="0">
-            <a:scrgbClr r="0" g="0" b="0"/>
-          </a:fillRef>
-          <a:effectRef idx="0">
-            <a:scrgbClr r="0" g="0" b="0"/>
-          </a:effectRef>
+          <a:lnRef idx="0"/>
+          <a:fillRef idx="0"/>
+          <a:effectRef idx="0"/>
           <a:fontRef idx="minor"/>
         </p:style>
         <p:txBody>
-          <a:bodyPr wrap="none" lIns="90000" tIns="45000" rIns="90000" bIns="45000" anchor="ctr"/>
-          <a:lstStyle/>
-          <a:p>
-            <a:pPr algn="ctr"/>
+          <a:bodyPr wrap="none" lIns="90000" rIns="90000" tIns="45000" bIns="45000" anchor="ctr"/>
+          <a:p>
+            <a:pPr algn="ctr">
+              <a:lnSpc>
+                <a:spcPct val="100000"/>
+              </a:lnSpc>
+            </a:pPr>
             <a:r>
-              <a:rPr lang="en-US" sz="1800" b="0" strike="noStrike" spc="-1">
+              <a:rPr b="0" lang="en-US" sz="1800" spc="-1" strike="noStrike">
                 <a:solidFill>
                   <a:srgbClr val="000000"/>
                 </a:solidFill>
                 <a:uFill>
                   <a:solidFill>
-                    <a:srgbClr val="FFFFFF"/>
+                    <a:srgbClr val="ffffff"/>
                   </a:solidFill>
                 </a:uFill>
                 <a:latin typeface="Arial"/>
+                <a:ea typeface="DejaVu Sans"/>
               </a:rPr>
               <a:t>1</a:t>
             </a:r>
+            <a:endParaRPr b="0" lang="en-US" sz="1800" spc="-1" strike="noStrike">
+              <a:solidFill>
+                <a:srgbClr val="000000"/>
+              </a:solidFill>
+              <a:uFill>
+                <a:solidFill>
+                  <a:srgbClr val="ffffff"/>
+                </a:solidFill>
+              </a:uFill>
+              <a:latin typeface="Arial"/>
+            </a:endParaRPr>
           </a:p>
         </p:txBody>
       </p:sp>
     </p:spTree>
   </p:cSld>
-  <p:clrMapOvr>
-    <a:masterClrMapping/>
-  </p:clrMapOvr>
   <p:timing>
     <p:tnLst>
       <p:par>
-        <p:cTn id="1" dur="indefinite" restart="never" nodeType="tmRoot">
+        <p:cTn id="15" dur="indefinite" restart="never" nodeType="tmRoot">
           <p:childTnLst>
             <p:seq>
-              <p:cTn id="2" nodeType="mainSeq"/>
+              <p:cTn id="16" nodeType="mainSeq"/>
               <p:prevCondLst>
-                <p:cond evt="onPrev" delay="0">
+                <p:cond delay="0" evt="onPrev">
                   <p:tgtEl>
                     <p:sldTgt/>
                   </p:tgtEl>
                 </p:cond>
               </p:prevCondLst>
               <p:nextCondLst>
-                <p:cond evt="onNext" delay="0">
+                <p:cond delay="0" evt="onNext">
                   <p:tgtEl>
                     <p:sldTgt/>
                   </p:tgtEl>
@@ -8736,8 +9102,6 @@
       </a:bgFillStyleLst>
     </a:fmtScheme>
   </a:themeElements>
-  <a:objectDefaults/>
-  <a:extraClrSchemeLst/>
 </a:theme>
 </file>
 
@@ -8961,7 +9325,5 @@
       </a:bgFillStyleLst>
     </a:fmtScheme>
   </a:themeElements>
-  <a:objectDefaults/>
-  <a:extraClrSchemeLst/>
 </a:theme>
 </file>
--- a/Cybersecurity_presentation.pptx
+++ b/Cybersecurity_presentation.pptx
@@ -1,27 +1,122 @@
 
 <file path=ppt/presentation.xml><?xml version="1.0" encoding="utf-8"?>
-<p:presentation xmlns:a="http://schemas.openxmlformats.org/drawingml/2006/main" xmlns:p="http://schemas.openxmlformats.org/presentationml/2006/main" xmlns:r="http://schemas.openxmlformats.org/officeDocument/2006/relationships" xmlns:p14="http://schemas.microsoft.com/office/powerpoint/2010/main" xmlns:p15="http://schemas.microsoft.com/office/powerpoint/2012/main" xmlns:mc="http://schemas.openxmlformats.org/markup-compatibility/2006">
+<p:presentation xmlns:a="http://schemas.openxmlformats.org/drawingml/2006/main" xmlns:r="http://schemas.openxmlformats.org/officeDocument/2006/relationships" xmlns:p="http://schemas.openxmlformats.org/presentationml/2006/main">
   <p:sldMasterIdLst>
-    <p:sldMasterId id="2147483648" r:id="rId2"/>
-    <p:sldMasterId id="2147483661" r:id="rId3"/>
+    <p:sldMasterId id="2147483648" r:id="rId1"/>
+    <p:sldMasterId id="2147483661" r:id="rId2"/>
   </p:sldMasterIdLst>
   <p:sldIdLst>
-    <p:sldId id="256" r:id="rId4"/>
-    <p:sldId id="257" r:id="rId5"/>
-    <p:sldId id="258" r:id="rId6"/>
-    <p:sldId id="259" r:id="rId7"/>
-    <p:sldId id="260" r:id="rId8"/>
-    <p:sldId id="261" r:id="rId9"/>
-    <p:sldId id="262" r:id="rId10"/>
-    <p:sldId id="263" r:id="rId11"/>
+    <p:sldId id="256" r:id="rId3"/>
+    <p:sldId id="257" r:id="rId4"/>
+    <p:sldId id="258" r:id="rId5"/>
+    <p:sldId id="259" r:id="rId6"/>
+    <p:sldId id="260" r:id="rId7"/>
+    <p:sldId id="261" r:id="rId8"/>
+    <p:sldId id="262" r:id="rId9"/>
+    <p:sldId id="263" r:id="rId10"/>
   </p:sldIdLst>
   <p:sldSz cx="10080625" cy="5670550"/>
-  <p:notesSz cx="7772400" cy="10058400"/>
+  <p:notesSz cx="7315200" cy="9601200"/>
+  <p:defaultTextStyle>
+    <a:defPPr>
+      <a:defRPr lang="en-US"/>
+    </a:defPPr>
+    <a:lvl1pPr marL="0" algn="l" defTabSz="914400" rtl="0" eaLnBrk="1" latinLnBrk="0" hangingPunct="1">
+      <a:defRPr sz="1800" kern="1200">
+        <a:solidFill>
+          <a:schemeClr val="tx1"/>
+        </a:solidFill>
+        <a:latin typeface="+mn-lt"/>
+        <a:ea typeface="+mn-ea"/>
+        <a:cs typeface="+mn-cs"/>
+      </a:defRPr>
+    </a:lvl1pPr>
+    <a:lvl2pPr marL="457200" algn="l" defTabSz="914400" rtl="0" eaLnBrk="1" latinLnBrk="0" hangingPunct="1">
+      <a:defRPr sz="1800" kern="1200">
+        <a:solidFill>
+          <a:schemeClr val="tx1"/>
+        </a:solidFill>
+        <a:latin typeface="+mn-lt"/>
+        <a:ea typeface="+mn-ea"/>
+        <a:cs typeface="+mn-cs"/>
+      </a:defRPr>
+    </a:lvl2pPr>
+    <a:lvl3pPr marL="914400" algn="l" defTabSz="914400" rtl="0" eaLnBrk="1" latinLnBrk="0" hangingPunct="1">
+      <a:defRPr sz="1800" kern="1200">
+        <a:solidFill>
+          <a:schemeClr val="tx1"/>
+        </a:solidFill>
+        <a:latin typeface="+mn-lt"/>
+        <a:ea typeface="+mn-ea"/>
+        <a:cs typeface="+mn-cs"/>
+      </a:defRPr>
+    </a:lvl3pPr>
+    <a:lvl4pPr marL="1371600" algn="l" defTabSz="914400" rtl="0" eaLnBrk="1" latinLnBrk="0" hangingPunct="1">
+      <a:defRPr sz="1800" kern="1200">
+        <a:solidFill>
+          <a:schemeClr val="tx1"/>
+        </a:solidFill>
+        <a:latin typeface="+mn-lt"/>
+        <a:ea typeface="+mn-ea"/>
+        <a:cs typeface="+mn-cs"/>
+      </a:defRPr>
+    </a:lvl4pPr>
+    <a:lvl5pPr marL="1828800" algn="l" defTabSz="914400" rtl="0" eaLnBrk="1" latinLnBrk="0" hangingPunct="1">
+      <a:defRPr sz="1800" kern="1200">
+        <a:solidFill>
+          <a:schemeClr val="tx1"/>
+        </a:solidFill>
+        <a:latin typeface="+mn-lt"/>
+        <a:ea typeface="+mn-ea"/>
+        <a:cs typeface="+mn-cs"/>
+      </a:defRPr>
+    </a:lvl5pPr>
+    <a:lvl6pPr marL="2286000" algn="l" defTabSz="914400" rtl="0" eaLnBrk="1" latinLnBrk="0" hangingPunct="1">
+      <a:defRPr sz="1800" kern="1200">
+        <a:solidFill>
+          <a:schemeClr val="tx1"/>
+        </a:solidFill>
+        <a:latin typeface="+mn-lt"/>
+        <a:ea typeface="+mn-ea"/>
+        <a:cs typeface="+mn-cs"/>
+      </a:defRPr>
+    </a:lvl6pPr>
+    <a:lvl7pPr marL="2743200" algn="l" defTabSz="914400" rtl="0" eaLnBrk="1" latinLnBrk="0" hangingPunct="1">
+      <a:defRPr sz="1800" kern="1200">
+        <a:solidFill>
+          <a:schemeClr val="tx1"/>
+        </a:solidFill>
+        <a:latin typeface="+mn-lt"/>
+        <a:ea typeface="+mn-ea"/>
+        <a:cs typeface="+mn-cs"/>
+      </a:defRPr>
+    </a:lvl7pPr>
+    <a:lvl8pPr marL="3200400" algn="l" defTabSz="914400" rtl="0" eaLnBrk="1" latinLnBrk="0" hangingPunct="1">
+      <a:defRPr sz="1800" kern="1200">
+        <a:solidFill>
+          <a:schemeClr val="tx1"/>
+        </a:solidFill>
+        <a:latin typeface="+mn-lt"/>
+        <a:ea typeface="+mn-ea"/>
+        <a:cs typeface="+mn-cs"/>
+      </a:defRPr>
+    </a:lvl8pPr>
+    <a:lvl9pPr marL="3657600" algn="l" defTabSz="914400" rtl="0" eaLnBrk="1" latinLnBrk="0" hangingPunct="1">
+      <a:defRPr sz="1800" kern="1200">
+        <a:solidFill>
+          <a:schemeClr val="tx1"/>
+        </a:solidFill>
+        <a:latin typeface="+mn-lt"/>
+        <a:ea typeface="+mn-ea"/>
+        <a:cs typeface="+mn-cs"/>
+      </a:defRPr>
+    </a:lvl9pPr>
+  </p:defaultTextStyle>
 </p:presentation>
 </file>
 
 <file path=ppt/slideLayouts/slideLayout1.xml><?xml version="1.0" encoding="utf-8"?>
-<p:sldLayout xmlns:a="http://schemas.openxmlformats.org/drawingml/2006/main" xmlns:p="http://schemas.openxmlformats.org/presentationml/2006/main" xmlns:r="http://schemas.openxmlformats.org/officeDocument/2006/relationships" xmlns:p14="http://schemas.microsoft.com/office/powerpoint/2010/main" xmlns:p15="http://schemas.microsoft.com/office/powerpoint/2012/main" xmlns:mc="http://schemas.openxmlformats.org/markup-compatibility/2006" type="blank" preserve="1">
+<p:sldLayout xmlns:a="http://schemas.openxmlformats.org/drawingml/2006/main" xmlns:r="http://schemas.openxmlformats.org/officeDocument/2006/relationships" xmlns:p="http://schemas.openxmlformats.org/presentationml/2006/main" type="blank" preserve="1">
   <p:cSld name="Blank Slide">
     <p:spTree>
       <p:nvGrpSpPr>
@@ -39,11 +134,14 @@
       </p:grpSpPr>
     </p:spTree>
   </p:cSld>
+  <p:clrMapOvr>
+    <a:masterClrMapping/>
+  </p:clrMapOvr>
 </p:sldLayout>
 </file>
 
 <file path=ppt/slideLayouts/slideLayout10.xml><?xml version="1.0" encoding="utf-8"?>
-<p:sldLayout xmlns:a="http://schemas.openxmlformats.org/drawingml/2006/main" xmlns:p="http://schemas.openxmlformats.org/presentationml/2006/main" xmlns:r="http://schemas.openxmlformats.org/officeDocument/2006/relationships" xmlns:p14="http://schemas.microsoft.com/office/powerpoint/2010/main" xmlns:p15="http://schemas.microsoft.com/office/powerpoint/2012/main" xmlns:mc="http://schemas.openxmlformats.org/markup-compatibility/2006" type="objOverTx" preserve="1">
+<p:sldLayout xmlns:a="http://schemas.openxmlformats.org/drawingml/2006/main" xmlns:r="http://schemas.openxmlformats.org/officeDocument/2006/relationships" xmlns:p="http://schemas.openxmlformats.org/presentationml/2006/main" type="objOverTx" preserve="1">
   <p:cSld name="Title, Content over Content">
     <p:spTree>
       <p:nvGrpSpPr>
@@ -79,15 +177,16 @@
           </a:prstGeom>
         </p:spPr>
         <p:txBody>
-          <a:bodyPr lIns="0" rIns="0" tIns="0" bIns="0" anchor="ctr"/>
-          <a:p>
-            <a:endParaRPr b="0" lang="en-US" sz="1800" spc="-1" strike="noStrike">
-              <a:solidFill>
-                <a:srgbClr val="000000"/>
-              </a:solidFill>
-              <a:uFill>
-                <a:solidFill>
-                  <a:srgbClr val="ffffff"/>
+          <a:bodyPr lIns="0" tIns="0" rIns="0" bIns="0" anchor="ctr"/>
+          <a:lstStyle/>
+          <a:p>
+            <a:endParaRPr lang="en-US" sz="1800" b="0" strike="noStrike" spc="-1">
+              <a:solidFill>
+                <a:srgbClr val="000000"/>
+              </a:solidFill>
+              <a:uFill>
+                <a:solidFill>
+                  <a:srgbClr val="FFFFFF"/>
                 </a:solidFill>
               </a:uFill>
               <a:latin typeface="Arial"/>
@@ -115,15 +214,16 @@
           </a:prstGeom>
         </p:spPr>
         <p:txBody>
-          <a:bodyPr lIns="0" rIns="0" tIns="0" bIns="0"/>
-          <a:p>
-            <a:endParaRPr b="0" lang="en-US" sz="1800" spc="-1" strike="noStrike">
-              <a:solidFill>
-                <a:srgbClr val="000000"/>
-              </a:solidFill>
-              <a:uFill>
-                <a:solidFill>
-                  <a:srgbClr val="ffffff"/>
+          <a:bodyPr lIns="0" tIns="0" rIns="0" bIns="0"/>
+          <a:lstStyle/>
+          <a:p>
+            <a:endParaRPr lang="en-US" sz="1800" b="0" strike="noStrike" spc="-1">
+              <a:solidFill>
+                <a:srgbClr val="000000"/>
+              </a:solidFill>
+              <a:uFill>
+                <a:solidFill>
+                  <a:srgbClr val="FFFFFF"/>
                 </a:solidFill>
               </a:uFill>
               <a:latin typeface="Arial"/>
@@ -151,15 +251,16 @@
           </a:prstGeom>
         </p:spPr>
         <p:txBody>
-          <a:bodyPr lIns="0" rIns="0" tIns="0" bIns="0"/>
-          <a:p>
-            <a:endParaRPr b="0" lang="en-US" sz="1800" spc="-1" strike="noStrike">
-              <a:solidFill>
-                <a:srgbClr val="000000"/>
-              </a:solidFill>
-              <a:uFill>
-                <a:solidFill>
-                  <a:srgbClr val="ffffff"/>
+          <a:bodyPr lIns="0" tIns="0" rIns="0" bIns="0"/>
+          <a:lstStyle/>
+          <a:p>
+            <a:endParaRPr lang="en-US" sz="1800" b="0" strike="noStrike" spc="-1">
+              <a:solidFill>
+                <a:srgbClr val="000000"/>
+              </a:solidFill>
+              <a:uFill>
+                <a:solidFill>
+                  <a:srgbClr val="FFFFFF"/>
                 </a:solidFill>
               </a:uFill>
               <a:latin typeface="Arial"/>
@@ -169,11 +270,14 @@
       </p:sp>
     </p:spTree>
   </p:cSld>
+  <p:clrMapOvr>
+    <a:masterClrMapping/>
+  </p:clrMapOvr>
 </p:sldLayout>
 </file>
 
 <file path=ppt/slideLayouts/slideLayout11.xml><?xml version="1.0" encoding="utf-8"?>
-<p:sldLayout xmlns:a="http://schemas.openxmlformats.org/drawingml/2006/main" xmlns:p="http://schemas.openxmlformats.org/presentationml/2006/main" xmlns:r="http://schemas.openxmlformats.org/officeDocument/2006/relationships" xmlns:p14="http://schemas.microsoft.com/office/powerpoint/2010/main" xmlns:p15="http://schemas.microsoft.com/office/powerpoint/2012/main" xmlns:mc="http://schemas.openxmlformats.org/markup-compatibility/2006" type="fourObj" preserve="1">
+<p:sldLayout xmlns:a="http://schemas.openxmlformats.org/drawingml/2006/main" xmlns:r="http://schemas.openxmlformats.org/officeDocument/2006/relationships" xmlns:p="http://schemas.openxmlformats.org/presentationml/2006/main" type="fourObj" preserve="1">
   <p:cSld name="Title, 4 Content">
     <p:spTree>
       <p:nvGrpSpPr>
@@ -209,15 +313,16 @@
           </a:prstGeom>
         </p:spPr>
         <p:txBody>
-          <a:bodyPr lIns="0" rIns="0" tIns="0" bIns="0" anchor="ctr"/>
-          <a:p>
-            <a:endParaRPr b="0" lang="en-US" sz="1800" spc="-1" strike="noStrike">
-              <a:solidFill>
-                <a:srgbClr val="000000"/>
-              </a:solidFill>
-              <a:uFill>
-                <a:solidFill>
-                  <a:srgbClr val="ffffff"/>
+          <a:bodyPr lIns="0" tIns="0" rIns="0" bIns="0" anchor="ctr"/>
+          <a:lstStyle/>
+          <a:p>
+            <a:endParaRPr lang="en-US" sz="1800" b="0" strike="noStrike" spc="-1">
+              <a:solidFill>
+                <a:srgbClr val="000000"/>
+              </a:solidFill>
+              <a:uFill>
+                <a:solidFill>
+                  <a:srgbClr val="FFFFFF"/>
                 </a:solidFill>
               </a:uFill>
               <a:latin typeface="Arial"/>
@@ -245,15 +350,16 @@
           </a:prstGeom>
         </p:spPr>
         <p:txBody>
-          <a:bodyPr lIns="0" rIns="0" tIns="0" bIns="0"/>
-          <a:p>
-            <a:endParaRPr b="0" lang="en-US" sz="1800" spc="-1" strike="noStrike">
-              <a:solidFill>
-                <a:srgbClr val="000000"/>
-              </a:solidFill>
-              <a:uFill>
-                <a:solidFill>
-                  <a:srgbClr val="ffffff"/>
+          <a:bodyPr lIns="0" tIns="0" rIns="0" bIns="0"/>
+          <a:lstStyle/>
+          <a:p>
+            <a:endParaRPr lang="en-US" sz="1800" b="0" strike="noStrike" spc="-1">
+              <a:solidFill>
+                <a:srgbClr val="000000"/>
+              </a:solidFill>
+              <a:uFill>
+                <a:solidFill>
+                  <a:srgbClr val="FFFFFF"/>
                 </a:solidFill>
               </a:uFill>
               <a:latin typeface="Arial"/>
@@ -281,15 +387,16 @@
           </a:prstGeom>
         </p:spPr>
         <p:txBody>
-          <a:bodyPr lIns="0" rIns="0" tIns="0" bIns="0"/>
-          <a:p>
-            <a:endParaRPr b="0" lang="en-US" sz="1800" spc="-1" strike="noStrike">
-              <a:solidFill>
-                <a:srgbClr val="000000"/>
-              </a:solidFill>
-              <a:uFill>
-                <a:solidFill>
-                  <a:srgbClr val="ffffff"/>
+          <a:bodyPr lIns="0" tIns="0" rIns="0" bIns="0"/>
+          <a:lstStyle/>
+          <a:p>
+            <a:endParaRPr lang="en-US" sz="1800" b="0" strike="noStrike" spc="-1">
+              <a:solidFill>
+                <a:srgbClr val="000000"/>
+              </a:solidFill>
+              <a:uFill>
+                <a:solidFill>
+                  <a:srgbClr val="FFFFFF"/>
                 </a:solidFill>
               </a:uFill>
               <a:latin typeface="Arial"/>
@@ -317,15 +424,16 @@
           </a:prstGeom>
         </p:spPr>
         <p:txBody>
-          <a:bodyPr lIns="0" rIns="0" tIns="0" bIns="0"/>
-          <a:p>
-            <a:endParaRPr b="0" lang="en-US" sz="1800" spc="-1" strike="noStrike">
-              <a:solidFill>
-                <a:srgbClr val="000000"/>
-              </a:solidFill>
-              <a:uFill>
-                <a:solidFill>
-                  <a:srgbClr val="ffffff"/>
+          <a:bodyPr lIns="0" tIns="0" rIns="0" bIns="0"/>
+          <a:lstStyle/>
+          <a:p>
+            <a:endParaRPr lang="en-US" sz="1800" b="0" strike="noStrike" spc="-1">
+              <a:solidFill>
+                <a:srgbClr val="000000"/>
+              </a:solidFill>
+              <a:uFill>
+                <a:solidFill>
+                  <a:srgbClr val="FFFFFF"/>
                 </a:solidFill>
               </a:uFill>
               <a:latin typeface="Arial"/>
@@ -353,15 +461,16 @@
           </a:prstGeom>
         </p:spPr>
         <p:txBody>
-          <a:bodyPr lIns="0" rIns="0" tIns="0" bIns="0"/>
-          <a:p>
-            <a:endParaRPr b="0" lang="en-US" sz="1800" spc="-1" strike="noStrike">
-              <a:solidFill>
-                <a:srgbClr val="000000"/>
-              </a:solidFill>
-              <a:uFill>
-                <a:solidFill>
-                  <a:srgbClr val="ffffff"/>
+          <a:bodyPr lIns="0" tIns="0" rIns="0" bIns="0"/>
+          <a:lstStyle/>
+          <a:p>
+            <a:endParaRPr lang="en-US" sz="1800" b="0" strike="noStrike" spc="-1">
+              <a:solidFill>
+                <a:srgbClr val="000000"/>
+              </a:solidFill>
+              <a:uFill>
+                <a:solidFill>
+                  <a:srgbClr val="FFFFFF"/>
                 </a:solidFill>
               </a:uFill>
               <a:latin typeface="Arial"/>
@@ -371,11 +480,14 @@
       </p:sp>
     </p:spTree>
   </p:cSld>
+  <p:clrMapOvr>
+    <a:masterClrMapping/>
+  </p:clrMapOvr>
 </p:sldLayout>
 </file>
 
 <file path=ppt/slideLayouts/slideLayout12.xml><?xml version="1.0" encoding="utf-8"?>
-<p:sldLayout xmlns:a="http://schemas.openxmlformats.org/drawingml/2006/main" xmlns:p="http://schemas.openxmlformats.org/presentationml/2006/main" xmlns:r="http://schemas.openxmlformats.org/officeDocument/2006/relationships" xmlns:p14="http://schemas.microsoft.com/office/powerpoint/2010/main" xmlns:p15="http://schemas.microsoft.com/office/powerpoint/2012/main" xmlns:mc="http://schemas.openxmlformats.org/markup-compatibility/2006" type="blank" preserve="1">
+<p:sldLayout xmlns:a="http://schemas.openxmlformats.org/drawingml/2006/main" xmlns:r="http://schemas.openxmlformats.org/officeDocument/2006/relationships" xmlns:p="http://schemas.openxmlformats.org/presentationml/2006/main" type="blank" preserve="1">
   <p:cSld name="Title, 6 Content">
     <p:spTree>
       <p:nvGrpSpPr>
@@ -411,15 +523,16 @@
           </a:prstGeom>
         </p:spPr>
         <p:txBody>
-          <a:bodyPr lIns="0" rIns="0" tIns="0" bIns="0" anchor="ctr"/>
-          <a:p>
-            <a:endParaRPr b="0" lang="en-US" sz="1800" spc="-1" strike="noStrike">
-              <a:solidFill>
-                <a:srgbClr val="000000"/>
-              </a:solidFill>
-              <a:uFill>
-                <a:solidFill>
-                  <a:srgbClr val="ffffff"/>
+          <a:bodyPr lIns="0" tIns="0" rIns="0" bIns="0" anchor="ctr"/>
+          <a:lstStyle/>
+          <a:p>
+            <a:endParaRPr lang="en-US" sz="1800" b="0" strike="noStrike" spc="-1">
+              <a:solidFill>
+                <a:srgbClr val="000000"/>
+              </a:solidFill>
+              <a:uFill>
+                <a:solidFill>
+                  <a:srgbClr val="FFFFFF"/>
                 </a:solidFill>
               </a:uFill>
               <a:latin typeface="Arial"/>
@@ -447,15 +560,16 @@
           </a:prstGeom>
         </p:spPr>
         <p:txBody>
-          <a:bodyPr lIns="0" rIns="0" tIns="0" bIns="0"/>
-          <a:p>
-            <a:endParaRPr b="0" lang="en-US" sz="1800" spc="-1" strike="noStrike">
-              <a:solidFill>
-                <a:srgbClr val="000000"/>
-              </a:solidFill>
-              <a:uFill>
-                <a:solidFill>
-                  <a:srgbClr val="ffffff"/>
+          <a:bodyPr lIns="0" tIns="0" rIns="0" bIns="0"/>
+          <a:lstStyle/>
+          <a:p>
+            <a:endParaRPr lang="en-US" sz="1800" b="0" strike="noStrike" spc="-1">
+              <a:solidFill>
+                <a:srgbClr val="000000"/>
+              </a:solidFill>
+              <a:uFill>
+                <a:solidFill>
+                  <a:srgbClr val="FFFFFF"/>
                 </a:solidFill>
               </a:uFill>
               <a:latin typeface="Arial"/>
@@ -483,15 +597,16 @@
           </a:prstGeom>
         </p:spPr>
         <p:txBody>
-          <a:bodyPr lIns="0" rIns="0" tIns="0" bIns="0"/>
-          <a:p>
-            <a:endParaRPr b="0" lang="en-US" sz="1800" spc="-1" strike="noStrike">
-              <a:solidFill>
-                <a:srgbClr val="000000"/>
-              </a:solidFill>
-              <a:uFill>
-                <a:solidFill>
-                  <a:srgbClr val="ffffff"/>
+          <a:bodyPr lIns="0" tIns="0" rIns="0" bIns="0"/>
+          <a:lstStyle/>
+          <a:p>
+            <a:endParaRPr lang="en-US" sz="1800" b="0" strike="noStrike" spc="-1">
+              <a:solidFill>
+                <a:srgbClr val="000000"/>
+              </a:solidFill>
+              <a:uFill>
+                <a:solidFill>
+                  <a:srgbClr val="FFFFFF"/>
                 </a:solidFill>
               </a:uFill>
               <a:latin typeface="Arial"/>
@@ -519,15 +634,16 @@
           </a:prstGeom>
         </p:spPr>
         <p:txBody>
-          <a:bodyPr lIns="0" rIns="0" tIns="0" bIns="0"/>
-          <a:p>
-            <a:endParaRPr b="0" lang="en-US" sz="1800" spc="-1" strike="noStrike">
-              <a:solidFill>
-                <a:srgbClr val="000000"/>
-              </a:solidFill>
-              <a:uFill>
-                <a:solidFill>
-                  <a:srgbClr val="ffffff"/>
+          <a:bodyPr lIns="0" tIns="0" rIns="0" bIns="0"/>
+          <a:lstStyle/>
+          <a:p>
+            <a:endParaRPr lang="en-US" sz="1800" b="0" strike="noStrike" spc="-1">
+              <a:solidFill>
+                <a:srgbClr val="000000"/>
+              </a:solidFill>
+              <a:uFill>
+                <a:solidFill>
+                  <a:srgbClr val="FFFFFF"/>
                 </a:solidFill>
               </a:uFill>
               <a:latin typeface="Arial"/>
@@ -555,15 +671,16 @@
           </a:prstGeom>
         </p:spPr>
         <p:txBody>
-          <a:bodyPr lIns="0" rIns="0" tIns="0" bIns="0"/>
-          <a:p>
-            <a:endParaRPr b="0" lang="en-US" sz="1800" spc="-1" strike="noStrike">
-              <a:solidFill>
-                <a:srgbClr val="000000"/>
-              </a:solidFill>
-              <a:uFill>
-                <a:solidFill>
-                  <a:srgbClr val="ffffff"/>
+          <a:bodyPr lIns="0" tIns="0" rIns="0" bIns="0"/>
+          <a:lstStyle/>
+          <a:p>
+            <a:endParaRPr lang="en-US" sz="1800" b="0" strike="noStrike" spc="-1">
+              <a:solidFill>
+                <a:srgbClr val="000000"/>
+              </a:solidFill>
+              <a:uFill>
+                <a:solidFill>
+                  <a:srgbClr val="FFFFFF"/>
                 </a:solidFill>
               </a:uFill>
               <a:latin typeface="Arial"/>
@@ -591,15 +708,16 @@
           </a:prstGeom>
         </p:spPr>
         <p:txBody>
-          <a:bodyPr lIns="0" rIns="0" tIns="0" bIns="0"/>
-          <a:p>
-            <a:endParaRPr b="0" lang="en-US" sz="1800" spc="-1" strike="noStrike">
-              <a:solidFill>
-                <a:srgbClr val="000000"/>
-              </a:solidFill>
-              <a:uFill>
-                <a:solidFill>
-                  <a:srgbClr val="ffffff"/>
+          <a:bodyPr lIns="0" tIns="0" rIns="0" bIns="0"/>
+          <a:lstStyle/>
+          <a:p>
+            <a:endParaRPr lang="en-US" sz="1800" b="0" strike="noStrike" spc="-1">
+              <a:solidFill>
+                <a:srgbClr val="000000"/>
+              </a:solidFill>
+              <a:uFill>
+                <a:solidFill>
+                  <a:srgbClr val="FFFFFF"/>
                 </a:solidFill>
               </a:uFill>
               <a:latin typeface="Arial"/>
@@ -627,15 +745,16 @@
           </a:prstGeom>
         </p:spPr>
         <p:txBody>
-          <a:bodyPr lIns="0" rIns="0" tIns="0" bIns="0"/>
-          <a:p>
-            <a:endParaRPr b="0" lang="en-US" sz="1800" spc="-1" strike="noStrike">
-              <a:solidFill>
-                <a:srgbClr val="000000"/>
-              </a:solidFill>
-              <a:uFill>
-                <a:solidFill>
-                  <a:srgbClr val="ffffff"/>
+          <a:bodyPr lIns="0" tIns="0" rIns="0" bIns="0"/>
+          <a:lstStyle/>
+          <a:p>
+            <a:endParaRPr lang="en-US" sz="1800" b="0" strike="noStrike" spc="-1">
+              <a:solidFill>
+                <a:srgbClr val="000000"/>
+              </a:solidFill>
+              <a:uFill>
+                <a:solidFill>
+                  <a:srgbClr val="FFFFFF"/>
                 </a:solidFill>
               </a:uFill>
               <a:latin typeface="Arial"/>
@@ -645,11 +764,14 @@
       </p:sp>
     </p:spTree>
   </p:cSld>
+  <p:clrMapOvr>
+    <a:masterClrMapping/>
+  </p:clrMapOvr>
 </p:sldLayout>
 </file>
 
 <file path=ppt/slideLayouts/slideLayout13.xml><?xml version="1.0" encoding="utf-8"?>
-<p:sldLayout xmlns:a="http://schemas.openxmlformats.org/drawingml/2006/main" xmlns:p="http://schemas.openxmlformats.org/presentationml/2006/main" xmlns:r="http://schemas.openxmlformats.org/officeDocument/2006/relationships" xmlns:p14="http://schemas.microsoft.com/office/powerpoint/2010/main" xmlns:p15="http://schemas.microsoft.com/office/powerpoint/2012/main" xmlns:mc="http://schemas.openxmlformats.org/markup-compatibility/2006" type="blank" preserve="1">
+<p:sldLayout xmlns:a="http://schemas.openxmlformats.org/drawingml/2006/main" xmlns:r="http://schemas.openxmlformats.org/officeDocument/2006/relationships" xmlns:p="http://schemas.openxmlformats.org/presentationml/2006/main" type="blank" preserve="1">
   <p:cSld name="Blank Slide">
     <p:spTree>
       <p:nvGrpSpPr>
@@ -667,11 +789,14 @@
       </p:grpSpPr>
     </p:spTree>
   </p:cSld>
+  <p:clrMapOvr>
+    <a:masterClrMapping/>
+  </p:clrMapOvr>
 </p:sldLayout>
 </file>
 
 <file path=ppt/slideLayouts/slideLayout14.xml><?xml version="1.0" encoding="utf-8"?>
-<p:sldLayout xmlns:a="http://schemas.openxmlformats.org/drawingml/2006/main" xmlns:p="http://schemas.openxmlformats.org/presentationml/2006/main" xmlns:r="http://schemas.openxmlformats.org/officeDocument/2006/relationships" xmlns:p14="http://schemas.microsoft.com/office/powerpoint/2010/main" xmlns:p15="http://schemas.microsoft.com/office/powerpoint/2012/main" xmlns:mc="http://schemas.openxmlformats.org/markup-compatibility/2006" type="tx" preserve="1">
+<p:sldLayout xmlns:a="http://schemas.openxmlformats.org/drawingml/2006/main" xmlns:r="http://schemas.openxmlformats.org/officeDocument/2006/relationships" xmlns:p="http://schemas.openxmlformats.org/presentationml/2006/main" type="tx" preserve="1">
   <p:cSld name="Title Slide">
     <p:spTree>
       <p:nvGrpSpPr>
@@ -707,15 +832,16 @@
           </a:prstGeom>
         </p:spPr>
         <p:txBody>
-          <a:bodyPr lIns="0" rIns="0" tIns="0" bIns="0" anchor="ctr"/>
-          <a:p>
-            <a:endParaRPr b="0" lang="en-US" sz="1800" spc="-1" strike="noStrike">
-              <a:solidFill>
-                <a:srgbClr val="000000"/>
-              </a:solidFill>
-              <a:uFill>
-                <a:solidFill>
-                  <a:srgbClr val="ffffff"/>
+          <a:bodyPr lIns="0" tIns="0" rIns="0" bIns="0" anchor="ctr"/>
+          <a:lstStyle/>
+          <a:p>
+            <a:endParaRPr lang="en-US" sz="1800" b="0" strike="noStrike" spc="-1">
+              <a:solidFill>
+                <a:srgbClr val="000000"/>
+              </a:solidFill>
+              <a:uFill>
+                <a:solidFill>
+                  <a:srgbClr val="FFFFFF"/>
                 </a:solidFill>
               </a:uFill>
               <a:latin typeface="Arial"/>
@@ -743,16 +869,17 @@
           </a:prstGeom>
         </p:spPr>
         <p:txBody>
-          <a:bodyPr lIns="0" rIns="0" tIns="0" bIns="0" anchor="ctr"/>
+          <a:bodyPr lIns="0" tIns="0" rIns="0" bIns="0" anchor="ctr"/>
+          <a:lstStyle/>
           <a:p>
             <a:pPr algn="ctr"/>
-            <a:endParaRPr b="0" lang="en-US" sz="3200" spc="-1" strike="noStrike">
-              <a:solidFill>
-                <a:srgbClr val="000000"/>
-              </a:solidFill>
-              <a:uFill>
-                <a:solidFill>
-                  <a:srgbClr val="ffffff"/>
+            <a:endParaRPr lang="en-US" sz="3200" b="0" strike="noStrike" spc="-1">
+              <a:solidFill>
+                <a:srgbClr val="000000"/>
+              </a:solidFill>
+              <a:uFill>
+                <a:solidFill>
+                  <a:srgbClr val="FFFFFF"/>
                 </a:solidFill>
               </a:uFill>
               <a:latin typeface="Arial"/>
@@ -762,11 +889,14 @@
       </p:sp>
     </p:spTree>
   </p:cSld>
+  <p:clrMapOvr>
+    <a:masterClrMapping/>
+  </p:clrMapOvr>
 </p:sldLayout>
 </file>
 
 <file path=ppt/slideLayouts/slideLayout15.xml><?xml version="1.0" encoding="utf-8"?>
-<p:sldLayout xmlns:a="http://schemas.openxmlformats.org/drawingml/2006/main" xmlns:p="http://schemas.openxmlformats.org/presentationml/2006/main" xmlns:r="http://schemas.openxmlformats.org/officeDocument/2006/relationships" xmlns:p14="http://schemas.microsoft.com/office/powerpoint/2010/main" xmlns:p15="http://schemas.microsoft.com/office/powerpoint/2012/main" xmlns:mc="http://schemas.openxmlformats.org/markup-compatibility/2006" type="obj" preserve="1">
+<p:sldLayout xmlns:a="http://schemas.openxmlformats.org/drawingml/2006/main" xmlns:r="http://schemas.openxmlformats.org/officeDocument/2006/relationships" xmlns:p="http://schemas.openxmlformats.org/presentationml/2006/main" type="obj" preserve="1">
   <p:cSld name="Title, Content">
     <p:spTree>
       <p:nvGrpSpPr>
@@ -802,15 +932,16 @@
           </a:prstGeom>
         </p:spPr>
         <p:txBody>
-          <a:bodyPr lIns="0" rIns="0" tIns="0" bIns="0" anchor="ctr"/>
-          <a:p>
-            <a:endParaRPr b="0" lang="en-US" sz="1800" spc="-1" strike="noStrike">
-              <a:solidFill>
-                <a:srgbClr val="000000"/>
-              </a:solidFill>
-              <a:uFill>
-                <a:solidFill>
-                  <a:srgbClr val="ffffff"/>
+          <a:bodyPr lIns="0" tIns="0" rIns="0" bIns="0" anchor="ctr"/>
+          <a:lstStyle/>
+          <a:p>
+            <a:endParaRPr lang="en-US" sz="1800" b="0" strike="noStrike" spc="-1">
+              <a:solidFill>
+                <a:srgbClr val="000000"/>
+              </a:solidFill>
+              <a:uFill>
+                <a:solidFill>
+                  <a:srgbClr val="FFFFFF"/>
                 </a:solidFill>
               </a:uFill>
               <a:latin typeface="Arial"/>
@@ -838,15 +969,16 @@
           </a:prstGeom>
         </p:spPr>
         <p:txBody>
-          <a:bodyPr lIns="0" rIns="0" tIns="0" bIns="0"/>
-          <a:p>
-            <a:endParaRPr b="0" lang="en-US" sz="1800" spc="-1" strike="noStrike">
-              <a:solidFill>
-                <a:srgbClr val="000000"/>
-              </a:solidFill>
-              <a:uFill>
-                <a:solidFill>
-                  <a:srgbClr val="ffffff"/>
+          <a:bodyPr lIns="0" tIns="0" rIns="0" bIns="0"/>
+          <a:lstStyle/>
+          <a:p>
+            <a:endParaRPr lang="en-US" sz="1800" b="0" strike="noStrike" spc="-1">
+              <a:solidFill>
+                <a:srgbClr val="000000"/>
+              </a:solidFill>
+              <a:uFill>
+                <a:solidFill>
+                  <a:srgbClr val="FFFFFF"/>
                 </a:solidFill>
               </a:uFill>
               <a:latin typeface="Arial"/>
@@ -856,11 +988,14 @@
       </p:sp>
     </p:spTree>
   </p:cSld>
+  <p:clrMapOvr>
+    <a:masterClrMapping/>
+  </p:clrMapOvr>
 </p:sldLayout>
 </file>
 
 <file path=ppt/slideLayouts/slideLayout16.xml><?xml version="1.0" encoding="utf-8"?>
-<p:sldLayout xmlns:a="http://schemas.openxmlformats.org/drawingml/2006/main" xmlns:p="http://schemas.openxmlformats.org/presentationml/2006/main" xmlns:r="http://schemas.openxmlformats.org/officeDocument/2006/relationships" xmlns:p14="http://schemas.microsoft.com/office/powerpoint/2010/main" xmlns:p15="http://schemas.microsoft.com/office/powerpoint/2012/main" xmlns:mc="http://schemas.openxmlformats.org/markup-compatibility/2006" type="twoObj" preserve="1">
+<p:sldLayout xmlns:a="http://schemas.openxmlformats.org/drawingml/2006/main" xmlns:r="http://schemas.openxmlformats.org/officeDocument/2006/relationships" xmlns:p="http://schemas.openxmlformats.org/presentationml/2006/main" type="twoObj" preserve="1">
   <p:cSld name="Title, 2 Content">
     <p:spTree>
       <p:nvGrpSpPr>
@@ -896,15 +1031,16 @@
           </a:prstGeom>
         </p:spPr>
         <p:txBody>
-          <a:bodyPr lIns="0" rIns="0" tIns="0" bIns="0" anchor="ctr"/>
-          <a:p>
-            <a:endParaRPr b="0" lang="en-US" sz="1800" spc="-1" strike="noStrike">
-              <a:solidFill>
-                <a:srgbClr val="000000"/>
-              </a:solidFill>
-              <a:uFill>
-                <a:solidFill>
-                  <a:srgbClr val="ffffff"/>
+          <a:bodyPr lIns="0" tIns="0" rIns="0" bIns="0" anchor="ctr"/>
+          <a:lstStyle/>
+          <a:p>
+            <a:endParaRPr lang="en-US" sz="1800" b="0" strike="noStrike" spc="-1">
+              <a:solidFill>
+                <a:srgbClr val="000000"/>
+              </a:solidFill>
+              <a:uFill>
+                <a:solidFill>
+                  <a:srgbClr val="FFFFFF"/>
                 </a:solidFill>
               </a:uFill>
               <a:latin typeface="Arial"/>
@@ -932,15 +1068,16 @@
           </a:prstGeom>
         </p:spPr>
         <p:txBody>
-          <a:bodyPr lIns="0" rIns="0" tIns="0" bIns="0"/>
-          <a:p>
-            <a:endParaRPr b="0" lang="en-US" sz="1800" spc="-1" strike="noStrike">
-              <a:solidFill>
-                <a:srgbClr val="000000"/>
-              </a:solidFill>
-              <a:uFill>
-                <a:solidFill>
-                  <a:srgbClr val="ffffff"/>
+          <a:bodyPr lIns="0" tIns="0" rIns="0" bIns="0"/>
+          <a:lstStyle/>
+          <a:p>
+            <a:endParaRPr lang="en-US" sz="1800" b="0" strike="noStrike" spc="-1">
+              <a:solidFill>
+                <a:srgbClr val="000000"/>
+              </a:solidFill>
+              <a:uFill>
+                <a:solidFill>
+                  <a:srgbClr val="FFFFFF"/>
                 </a:solidFill>
               </a:uFill>
               <a:latin typeface="Arial"/>
@@ -968,15 +1105,16 @@
           </a:prstGeom>
         </p:spPr>
         <p:txBody>
-          <a:bodyPr lIns="0" rIns="0" tIns="0" bIns="0"/>
-          <a:p>
-            <a:endParaRPr b="0" lang="en-US" sz="1800" spc="-1" strike="noStrike">
-              <a:solidFill>
-                <a:srgbClr val="000000"/>
-              </a:solidFill>
-              <a:uFill>
-                <a:solidFill>
-                  <a:srgbClr val="ffffff"/>
+          <a:bodyPr lIns="0" tIns="0" rIns="0" bIns="0"/>
+          <a:lstStyle/>
+          <a:p>
+            <a:endParaRPr lang="en-US" sz="1800" b="0" strike="noStrike" spc="-1">
+              <a:solidFill>
+                <a:srgbClr val="000000"/>
+              </a:solidFill>
+              <a:uFill>
+                <a:solidFill>
+                  <a:srgbClr val="FFFFFF"/>
                 </a:solidFill>
               </a:uFill>
               <a:latin typeface="Arial"/>
@@ -986,11 +1124,14 @@
       </p:sp>
     </p:spTree>
   </p:cSld>
+  <p:clrMapOvr>
+    <a:masterClrMapping/>
+  </p:clrMapOvr>
 </p:sldLayout>
 </file>
 
 <file path=ppt/slideLayouts/slideLayout17.xml><?xml version="1.0" encoding="utf-8"?>
-<p:sldLayout xmlns:a="http://schemas.openxmlformats.org/drawingml/2006/main" xmlns:p="http://schemas.openxmlformats.org/presentationml/2006/main" xmlns:r="http://schemas.openxmlformats.org/officeDocument/2006/relationships" xmlns:p14="http://schemas.microsoft.com/office/powerpoint/2010/main" xmlns:p15="http://schemas.microsoft.com/office/powerpoint/2012/main" xmlns:mc="http://schemas.openxmlformats.org/markup-compatibility/2006" type="titleOnly" preserve="1">
+<p:sldLayout xmlns:a="http://schemas.openxmlformats.org/drawingml/2006/main" xmlns:r="http://schemas.openxmlformats.org/officeDocument/2006/relationships" xmlns:p="http://schemas.openxmlformats.org/presentationml/2006/main" type="titleOnly" preserve="1">
   <p:cSld name="Title Only">
     <p:spTree>
       <p:nvGrpSpPr>
@@ -1026,15 +1167,16 @@
           </a:prstGeom>
         </p:spPr>
         <p:txBody>
-          <a:bodyPr lIns="0" rIns="0" tIns="0" bIns="0" anchor="ctr"/>
-          <a:p>
-            <a:endParaRPr b="0" lang="en-US" sz="1800" spc="-1" strike="noStrike">
-              <a:solidFill>
-                <a:srgbClr val="000000"/>
-              </a:solidFill>
-              <a:uFill>
-                <a:solidFill>
-                  <a:srgbClr val="ffffff"/>
+          <a:bodyPr lIns="0" tIns="0" rIns="0" bIns="0" anchor="ctr"/>
+          <a:lstStyle/>
+          <a:p>
+            <a:endParaRPr lang="en-US" sz="1800" b="0" strike="noStrike" spc="-1">
+              <a:solidFill>
+                <a:srgbClr val="000000"/>
+              </a:solidFill>
+              <a:uFill>
+                <a:solidFill>
+                  <a:srgbClr val="FFFFFF"/>
                 </a:solidFill>
               </a:uFill>
               <a:latin typeface="Arial"/>
@@ -1044,11 +1186,14 @@
       </p:sp>
     </p:spTree>
   </p:cSld>
+  <p:clrMapOvr>
+    <a:masterClrMapping/>
+  </p:clrMapOvr>
 </p:sldLayout>
 </file>
 
 <file path=ppt/slideLayouts/slideLayout18.xml><?xml version="1.0" encoding="utf-8"?>
-<p:sldLayout xmlns:a="http://schemas.openxmlformats.org/drawingml/2006/main" xmlns:p="http://schemas.openxmlformats.org/presentationml/2006/main" xmlns:r="http://schemas.openxmlformats.org/officeDocument/2006/relationships" xmlns:p14="http://schemas.microsoft.com/office/powerpoint/2010/main" xmlns:p15="http://schemas.microsoft.com/office/powerpoint/2012/main" xmlns:mc="http://schemas.openxmlformats.org/markup-compatibility/2006" type="objOnly" preserve="1">
+<p:sldLayout xmlns:a="http://schemas.openxmlformats.org/drawingml/2006/main" xmlns:r="http://schemas.openxmlformats.org/officeDocument/2006/relationships" xmlns:p="http://schemas.openxmlformats.org/presentationml/2006/main" type="objOnly" preserve="1">
   <p:cSld name="Centered Text">
     <p:spTree>
       <p:nvGrpSpPr>
@@ -1084,16 +1229,17 @@
           </a:prstGeom>
         </p:spPr>
         <p:txBody>
-          <a:bodyPr lIns="0" rIns="0" tIns="0" bIns="0" anchor="ctr"/>
+          <a:bodyPr lIns="0" tIns="0" rIns="0" bIns="0" anchor="ctr"/>
+          <a:lstStyle/>
           <a:p>
             <a:pPr algn="ctr"/>
-            <a:endParaRPr b="0" lang="en-US" sz="3200" spc="-1" strike="noStrike">
-              <a:solidFill>
-                <a:srgbClr val="000000"/>
-              </a:solidFill>
-              <a:uFill>
-                <a:solidFill>
-                  <a:srgbClr val="ffffff"/>
+            <a:endParaRPr lang="en-US" sz="3200" b="0" strike="noStrike" spc="-1">
+              <a:solidFill>
+                <a:srgbClr val="000000"/>
+              </a:solidFill>
+              <a:uFill>
+                <a:solidFill>
+                  <a:srgbClr val="FFFFFF"/>
                 </a:solidFill>
               </a:uFill>
               <a:latin typeface="Arial"/>
@@ -1103,11 +1249,14 @@
       </p:sp>
     </p:spTree>
   </p:cSld>
+  <p:clrMapOvr>
+    <a:masterClrMapping/>
+  </p:clrMapOvr>
 </p:sldLayout>
 </file>
 
 <file path=ppt/slideLayouts/slideLayout19.xml><?xml version="1.0" encoding="utf-8"?>
-<p:sldLayout xmlns:a="http://schemas.openxmlformats.org/drawingml/2006/main" xmlns:p="http://schemas.openxmlformats.org/presentationml/2006/main" xmlns:r="http://schemas.openxmlformats.org/officeDocument/2006/relationships" xmlns:p14="http://schemas.microsoft.com/office/powerpoint/2010/main" xmlns:p15="http://schemas.microsoft.com/office/powerpoint/2012/main" xmlns:mc="http://schemas.openxmlformats.org/markup-compatibility/2006" type="twoObjAndObj" preserve="1">
+<p:sldLayout xmlns:a="http://schemas.openxmlformats.org/drawingml/2006/main" xmlns:r="http://schemas.openxmlformats.org/officeDocument/2006/relationships" xmlns:p="http://schemas.openxmlformats.org/presentationml/2006/main" type="twoObjAndObj" preserve="1">
   <p:cSld name="Title, 2 Content and Content">
     <p:spTree>
       <p:nvGrpSpPr>
@@ -1143,15 +1292,16 @@
           </a:prstGeom>
         </p:spPr>
         <p:txBody>
-          <a:bodyPr lIns="0" rIns="0" tIns="0" bIns="0" anchor="ctr"/>
-          <a:p>
-            <a:endParaRPr b="0" lang="en-US" sz="1800" spc="-1" strike="noStrike">
-              <a:solidFill>
-                <a:srgbClr val="000000"/>
-              </a:solidFill>
-              <a:uFill>
-                <a:solidFill>
-                  <a:srgbClr val="ffffff"/>
+          <a:bodyPr lIns="0" tIns="0" rIns="0" bIns="0" anchor="ctr"/>
+          <a:lstStyle/>
+          <a:p>
+            <a:endParaRPr lang="en-US" sz="1800" b="0" strike="noStrike" spc="-1">
+              <a:solidFill>
+                <a:srgbClr val="000000"/>
+              </a:solidFill>
+              <a:uFill>
+                <a:solidFill>
+                  <a:srgbClr val="FFFFFF"/>
                 </a:solidFill>
               </a:uFill>
               <a:latin typeface="Arial"/>
@@ -1179,15 +1329,16 @@
           </a:prstGeom>
         </p:spPr>
         <p:txBody>
-          <a:bodyPr lIns="0" rIns="0" tIns="0" bIns="0"/>
-          <a:p>
-            <a:endParaRPr b="0" lang="en-US" sz="1800" spc="-1" strike="noStrike">
-              <a:solidFill>
-                <a:srgbClr val="000000"/>
-              </a:solidFill>
-              <a:uFill>
-                <a:solidFill>
-                  <a:srgbClr val="ffffff"/>
+          <a:bodyPr lIns="0" tIns="0" rIns="0" bIns="0"/>
+          <a:lstStyle/>
+          <a:p>
+            <a:endParaRPr lang="en-US" sz="1800" b="0" strike="noStrike" spc="-1">
+              <a:solidFill>
+                <a:srgbClr val="000000"/>
+              </a:solidFill>
+              <a:uFill>
+                <a:solidFill>
+                  <a:srgbClr val="FFFFFF"/>
                 </a:solidFill>
               </a:uFill>
               <a:latin typeface="Arial"/>
@@ -1215,15 +1366,16 @@
           </a:prstGeom>
         </p:spPr>
         <p:txBody>
-          <a:bodyPr lIns="0" rIns="0" tIns="0" bIns="0"/>
-          <a:p>
-            <a:endParaRPr b="0" lang="en-US" sz="1800" spc="-1" strike="noStrike">
-              <a:solidFill>
-                <a:srgbClr val="000000"/>
-              </a:solidFill>
-              <a:uFill>
-                <a:solidFill>
-                  <a:srgbClr val="ffffff"/>
+          <a:bodyPr lIns="0" tIns="0" rIns="0" bIns="0"/>
+          <a:lstStyle/>
+          <a:p>
+            <a:endParaRPr lang="en-US" sz="1800" b="0" strike="noStrike" spc="-1">
+              <a:solidFill>
+                <a:srgbClr val="000000"/>
+              </a:solidFill>
+              <a:uFill>
+                <a:solidFill>
+                  <a:srgbClr val="FFFFFF"/>
                 </a:solidFill>
               </a:uFill>
               <a:latin typeface="Arial"/>
@@ -1251,15 +1403,16 @@
           </a:prstGeom>
         </p:spPr>
         <p:txBody>
-          <a:bodyPr lIns="0" rIns="0" tIns="0" bIns="0"/>
-          <a:p>
-            <a:endParaRPr b="0" lang="en-US" sz="1800" spc="-1" strike="noStrike">
-              <a:solidFill>
-                <a:srgbClr val="000000"/>
-              </a:solidFill>
-              <a:uFill>
-                <a:solidFill>
-                  <a:srgbClr val="ffffff"/>
+          <a:bodyPr lIns="0" tIns="0" rIns="0" bIns="0"/>
+          <a:lstStyle/>
+          <a:p>
+            <a:endParaRPr lang="en-US" sz="1800" b="0" strike="noStrike" spc="-1">
+              <a:solidFill>
+                <a:srgbClr val="000000"/>
+              </a:solidFill>
+              <a:uFill>
+                <a:solidFill>
+                  <a:srgbClr val="FFFFFF"/>
                 </a:solidFill>
               </a:uFill>
               <a:latin typeface="Arial"/>
@@ -1269,11 +1422,14 @@
       </p:sp>
     </p:spTree>
   </p:cSld>
+  <p:clrMapOvr>
+    <a:masterClrMapping/>
+  </p:clrMapOvr>
 </p:sldLayout>
 </file>
 
 <file path=ppt/slideLayouts/slideLayout2.xml><?xml version="1.0" encoding="utf-8"?>
-<p:sldLayout xmlns:a="http://schemas.openxmlformats.org/drawingml/2006/main" xmlns:p="http://schemas.openxmlformats.org/presentationml/2006/main" xmlns:r="http://schemas.openxmlformats.org/officeDocument/2006/relationships" xmlns:p14="http://schemas.microsoft.com/office/powerpoint/2010/main" xmlns:p15="http://schemas.microsoft.com/office/powerpoint/2012/main" xmlns:mc="http://schemas.openxmlformats.org/markup-compatibility/2006" type="tx" preserve="1">
+<p:sldLayout xmlns:a="http://schemas.openxmlformats.org/drawingml/2006/main" xmlns:r="http://schemas.openxmlformats.org/officeDocument/2006/relationships" xmlns:p="http://schemas.openxmlformats.org/presentationml/2006/main" type="tx" preserve="1">
   <p:cSld name="Title Slide">
     <p:spTree>
       <p:nvGrpSpPr>
@@ -1309,15 +1465,16 @@
           </a:prstGeom>
         </p:spPr>
         <p:txBody>
-          <a:bodyPr lIns="0" rIns="0" tIns="0" bIns="0" anchor="ctr"/>
-          <a:p>
-            <a:endParaRPr b="0" lang="en-US" sz="1800" spc="-1" strike="noStrike">
-              <a:solidFill>
-                <a:srgbClr val="000000"/>
-              </a:solidFill>
-              <a:uFill>
-                <a:solidFill>
-                  <a:srgbClr val="ffffff"/>
+          <a:bodyPr lIns="0" tIns="0" rIns="0" bIns="0" anchor="ctr"/>
+          <a:lstStyle/>
+          <a:p>
+            <a:endParaRPr lang="en-US" sz="1800" b="0" strike="noStrike" spc="-1">
+              <a:solidFill>
+                <a:srgbClr val="000000"/>
+              </a:solidFill>
+              <a:uFill>
+                <a:solidFill>
+                  <a:srgbClr val="FFFFFF"/>
                 </a:solidFill>
               </a:uFill>
               <a:latin typeface="Arial"/>
@@ -1345,16 +1502,17 @@
           </a:prstGeom>
         </p:spPr>
         <p:txBody>
-          <a:bodyPr lIns="0" rIns="0" tIns="0" bIns="0" anchor="ctr"/>
+          <a:bodyPr lIns="0" tIns="0" rIns="0" bIns="0" anchor="ctr"/>
+          <a:lstStyle/>
           <a:p>
             <a:pPr algn="ctr"/>
-            <a:endParaRPr b="0" lang="en-US" sz="3200" spc="-1" strike="noStrike">
-              <a:solidFill>
-                <a:srgbClr val="000000"/>
-              </a:solidFill>
-              <a:uFill>
-                <a:solidFill>
-                  <a:srgbClr val="ffffff"/>
+            <a:endParaRPr lang="en-US" sz="3200" b="0" strike="noStrike" spc="-1">
+              <a:solidFill>
+                <a:srgbClr val="000000"/>
+              </a:solidFill>
+              <a:uFill>
+                <a:solidFill>
+                  <a:srgbClr val="FFFFFF"/>
                 </a:solidFill>
               </a:uFill>
               <a:latin typeface="Arial"/>
@@ -1364,11 +1522,14 @@
       </p:sp>
     </p:spTree>
   </p:cSld>
+  <p:clrMapOvr>
+    <a:masterClrMapping/>
+  </p:clrMapOvr>
 </p:sldLayout>
 </file>
 
 <file path=ppt/slideLayouts/slideLayout20.xml><?xml version="1.0" encoding="utf-8"?>
-<p:sldLayout xmlns:a="http://schemas.openxmlformats.org/drawingml/2006/main" xmlns:p="http://schemas.openxmlformats.org/presentationml/2006/main" xmlns:r="http://schemas.openxmlformats.org/officeDocument/2006/relationships" xmlns:p14="http://schemas.microsoft.com/office/powerpoint/2010/main" xmlns:p15="http://schemas.microsoft.com/office/powerpoint/2012/main" xmlns:mc="http://schemas.openxmlformats.org/markup-compatibility/2006" type="objAndTwoObj" preserve="1">
+<p:sldLayout xmlns:a="http://schemas.openxmlformats.org/drawingml/2006/main" xmlns:r="http://schemas.openxmlformats.org/officeDocument/2006/relationships" xmlns:p="http://schemas.openxmlformats.org/presentationml/2006/main" type="objAndTwoObj" preserve="1">
   <p:cSld name="Title Content and 2 Content">
     <p:spTree>
       <p:nvGrpSpPr>
@@ -1404,15 +1565,16 @@
           </a:prstGeom>
         </p:spPr>
         <p:txBody>
-          <a:bodyPr lIns="0" rIns="0" tIns="0" bIns="0" anchor="ctr"/>
-          <a:p>
-            <a:endParaRPr b="0" lang="en-US" sz="1800" spc="-1" strike="noStrike">
-              <a:solidFill>
-                <a:srgbClr val="000000"/>
-              </a:solidFill>
-              <a:uFill>
-                <a:solidFill>
-                  <a:srgbClr val="ffffff"/>
+          <a:bodyPr lIns="0" tIns="0" rIns="0" bIns="0" anchor="ctr"/>
+          <a:lstStyle/>
+          <a:p>
+            <a:endParaRPr lang="en-US" sz="1800" b="0" strike="noStrike" spc="-1">
+              <a:solidFill>
+                <a:srgbClr val="000000"/>
+              </a:solidFill>
+              <a:uFill>
+                <a:solidFill>
+                  <a:srgbClr val="FFFFFF"/>
                 </a:solidFill>
               </a:uFill>
               <a:latin typeface="Arial"/>
@@ -1440,15 +1602,16 @@
           </a:prstGeom>
         </p:spPr>
         <p:txBody>
-          <a:bodyPr lIns="0" rIns="0" tIns="0" bIns="0"/>
-          <a:p>
-            <a:endParaRPr b="0" lang="en-US" sz="1800" spc="-1" strike="noStrike">
-              <a:solidFill>
-                <a:srgbClr val="000000"/>
-              </a:solidFill>
-              <a:uFill>
-                <a:solidFill>
-                  <a:srgbClr val="ffffff"/>
+          <a:bodyPr lIns="0" tIns="0" rIns="0" bIns="0"/>
+          <a:lstStyle/>
+          <a:p>
+            <a:endParaRPr lang="en-US" sz="1800" b="0" strike="noStrike" spc="-1">
+              <a:solidFill>
+                <a:srgbClr val="000000"/>
+              </a:solidFill>
+              <a:uFill>
+                <a:solidFill>
+                  <a:srgbClr val="FFFFFF"/>
                 </a:solidFill>
               </a:uFill>
               <a:latin typeface="Arial"/>
@@ -1476,15 +1639,16 @@
           </a:prstGeom>
         </p:spPr>
         <p:txBody>
-          <a:bodyPr lIns="0" rIns="0" tIns="0" bIns="0"/>
-          <a:p>
-            <a:endParaRPr b="0" lang="en-US" sz="1800" spc="-1" strike="noStrike">
-              <a:solidFill>
-                <a:srgbClr val="000000"/>
-              </a:solidFill>
-              <a:uFill>
-                <a:solidFill>
-                  <a:srgbClr val="ffffff"/>
+          <a:bodyPr lIns="0" tIns="0" rIns="0" bIns="0"/>
+          <a:lstStyle/>
+          <a:p>
+            <a:endParaRPr lang="en-US" sz="1800" b="0" strike="noStrike" spc="-1">
+              <a:solidFill>
+                <a:srgbClr val="000000"/>
+              </a:solidFill>
+              <a:uFill>
+                <a:solidFill>
+                  <a:srgbClr val="FFFFFF"/>
                 </a:solidFill>
               </a:uFill>
               <a:latin typeface="Arial"/>
@@ -1512,15 +1676,16 @@
           </a:prstGeom>
         </p:spPr>
         <p:txBody>
-          <a:bodyPr lIns="0" rIns="0" tIns="0" bIns="0"/>
-          <a:p>
-            <a:endParaRPr b="0" lang="en-US" sz="1800" spc="-1" strike="noStrike">
-              <a:solidFill>
-                <a:srgbClr val="000000"/>
-              </a:solidFill>
-              <a:uFill>
-                <a:solidFill>
-                  <a:srgbClr val="ffffff"/>
+          <a:bodyPr lIns="0" tIns="0" rIns="0" bIns="0"/>
+          <a:lstStyle/>
+          <a:p>
+            <a:endParaRPr lang="en-US" sz="1800" b="0" strike="noStrike" spc="-1">
+              <a:solidFill>
+                <a:srgbClr val="000000"/>
+              </a:solidFill>
+              <a:uFill>
+                <a:solidFill>
+                  <a:srgbClr val="FFFFFF"/>
                 </a:solidFill>
               </a:uFill>
               <a:latin typeface="Arial"/>
@@ -1530,11 +1695,14 @@
       </p:sp>
     </p:spTree>
   </p:cSld>
+  <p:clrMapOvr>
+    <a:masterClrMapping/>
+  </p:clrMapOvr>
 </p:sldLayout>
 </file>
 
 <file path=ppt/slideLayouts/slideLayout21.xml><?xml version="1.0" encoding="utf-8"?>
-<p:sldLayout xmlns:a="http://schemas.openxmlformats.org/drawingml/2006/main" xmlns:p="http://schemas.openxmlformats.org/presentationml/2006/main" xmlns:r="http://schemas.openxmlformats.org/officeDocument/2006/relationships" xmlns:p14="http://schemas.microsoft.com/office/powerpoint/2010/main" xmlns:p15="http://schemas.microsoft.com/office/powerpoint/2012/main" xmlns:mc="http://schemas.openxmlformats.org/markup-compatibility/2006" type="twoObjOverTx" preserve="1">
+<p:sldLayout xmlns:a="http://schemas.openxmlformats.org/drawingml/2006/main" xmlns:r="http://schemas.openxmlformats.org/officeDocument/2006/relationships" xmlns:p="http://schemas.openxmlformats.org/presentationml/2006/main" type="twoObjOverTx" preserve="1">
   <p:cSld name="Title, 2 Content over Content">
     <p:spTree>
       <p:nvGrpSpPr>
@@ -1570,15 +1738,16 @@
           </a:prstGeom>
         </p:spPr>
         <p:txBody>
-          <a:bodyPr lIns="0" rIns="0" tIns="0" bIns="0" anchor="ctr"/>
-          <a:p>
-            <a:endParaRPr b="0" lang="en-US" sz="1800" spc="-1" strike="noStrike">
-              <a:solidFill>
-                <a:srgbClr val="000000"/>
-              </a:solidFill>
-              <a:uFill>
-                <a:solidFill>
-                  <a:srgbClr val="ffffff"/>
+          <a:bodyPr lIns="0" tIns="0" rIns="0" bIns="0" anchor="ctr"/>
+          <a:lstStyle/>
+          <a:p>
+            <a:endParaRPr lang="en-US" sz="1800" b="0" strike="noStrike" spc="-1">
+              <a:solidFill>
+                <a:srgbClr val="000000"/>
+              </a:solidFill>
+              <a:uFill>
+                <a:solidFill>
+                  <a:srgbClr val="FFFFFF"/>
                 </a:solidFill>
               </a:uFill>
               <a:latin typeface="Arial"/>
@@ -1606,15 +1775,16 @@
           </a:prstGeom>
         </p:spPr>
         <p:txBody>
-          <a:bodyPr lIns="0" rIns="0" tIns="0" bIns="0"/>
-          <a:p>
-            <a:endParaRPr b="0" lang="en-US" sz="1800" spc="-1" strike="noStrike">
-              <a:solidFill>
-                <a:srgbClr val="000000"/>
-              </a:solidFill>
-              <a:uFill>
-                <a:solidFill>
-                  <a:srgbClr val="ffffff"/>
+          <a:bodyPr lIns="0" tIns="0" rIns="0" bIns="0"/>
+          <a:lstStyle/>
+          <a:p>
+            <a:endParaRPr lang="en-US" sz="1800" b="0" strike="noStrike" spc="-1">
+              <a:solidFill>
+                <a:srgbClr val="000000"/>
+              </a:solidFill>
+              <a:uFill>
+                <a:solidFill>
+                  <a:srgbClr val="FFFFFF"/>
                 </a:solidFill>
               </a:uFill>
               <a:latin typeface="Arial"/>
@@ -1642,15 +1812,16 @@
           </a:prstGeom>
         </p:spPr>
         <p:txBody>
-          <a:bodyPr lIns="0" rIns="0" tIns="0" bIns="0"/>
-          <a:p>
-            <a:endParaRPr b="0" lang="en-US" sz="1800" spc="-1" strike="noStrike">
-              <a:solidFill>
-                <a:srgbClr val="000000"/>
-              </a:solidFill>
-              <a:uFill>
-                <a:solidFill>
-                  <a:srgbClr val="ffffff"/>
+          <a:bodyPr lIns="0" tIns="0" rIns="0" bIns="0"/>
+          <a:lstStyle/>
+          <a:p>
+            <a:endParaRPr lang="en-US" sz="1800" b="0" strike="noStrike" spc="-1">
+              <a:solidFill>
+                <a:srgbClr val="000000"/>
+              </a:solidFill>
+              <a:uFill>
+                <a:solidFill>
+                  <a:srgbClr val="FFFFFF"/>
                 </a:solidFill>
               </a:uFill>
               <a:latin typeface="Arial"/>
@@ -1678,15 +1849,16 @@
           </a:prstGeom>
         </p:spPr>
         <p:txBody>
-          <a:bodyPr lIns="0" rIns="0" tIns="0" bIns="0"/>
-          <a:p>
-            <a:endParaRPr b="0" lang="en-US" sz="1800" spc="-1" strike="noStrike">
-              <a:solidFill>
-                <a:srgbClr val="000000"/>
-              </a:solidFill>
-              <a:uFill>
-                <a:solidFill>
-                  <a:srgbClr val="ffffff"/>
+          <a:bodyPr lIns="0" tIns="0" rIns="0" bIns="0"/>
+          <a:lstStyle/>
+          <a:p>
+            <a:endParaRPr lang="en-US" sz="1800" b="0" strike="noStrike" spc="-1">
+              <a:solidFill>
+                <a:srgbClr val="000000"/>
+              </a:solidFill>
+              <a:uFill>
+                <a:solidFill>
+                  <a:srgbClr val="FFFFFF"/>
                 </a:solidFill>
               </a:uFill>
               <a:latin typeface="Arial"/>
@@ -1696,11 +1868,14 @@
       </p:sp>
     </p:spTree>
   </p:cSld>
+  <p:clrMapOvr>
+    <a:masterClrMapping/>
+  </p:clrMapOvr>
 </p:sldLayout>
 </file>
 
 <file path=ppt/slideLayouts/slideLayout22.xml><?xml version="1.0" encoding="utf-8"?>
-<p:sldLayout xmlns:a="http://schemas.openxmlformats.org/drawingml/2006/main" xmlns:p="http://schemas.openxmlformats.org/presentationml/2006/main" xmlns:r="http://schemas.openxmlformats.org/officeDocument/2006/relationships" xmlns:p14="http://schemas.microsoft.com/office/powerpoint/2010/main" xmlns:p15="http://schemas.microsoft.com/office/powerpoint/2012/main" xmlns:mc="http://schemas.openxmlformats.org/markup-compatibility/2006" type="objOverTx" preserve="1">
+<p:sldLayout xmlns:a="http://schemas.openxmlformats.org/drawingml/2006/main" xmlns:r="http://schemas.openxmlformats.org/officeDocument/2006/relationships" xmlns:p="http://schemas.openxmlformats.org/presentationml/2006/main" type="objOverTx" preserve="1">
   <p:cSld name="Title, Content over Content">
     <p:spTree>
       <p:nvGrpSpPr>
@@ -1736,15 +1911,16 @@
           </a:prstGeom>
         </p:spPr>
         <p:txBody>
-          <a:bodyPr lIns="0" rIns="0" tIns="0" bIns="0" anchor="ctr"/>
-          <a:p>
-            <a:endParaRPr b="0" lang="en-US" sz="1800" spc="-1" strike="noStrike">
-              <a:solidFill>
-                <a:srgbClr val="000000"/>
-              </a:solidFill>
-              <a:uFill>
-                <a:solidFill>
-                  <a:srgbClr val="ffffff"/>
+          <a:bodyPr lIns="0" tIns="0" rIns="0" bIns="0" anchor="ctr"/>
+          <a:lstStyle/>
+          <a:p>
+            <a:endParaRPr lang="en-US" sz="1800" b="0" strike="noStrike" spc="-1">
+              <a:solidFill>
+                <a:srgbClr val="000000"/>
+              </a:solidFill>
+              <a:uFill>
+                <a:solidFill>
+                  <a:srgbClr val="FFFFFF"/>
                 </a:solidFill>
               </a:uFill>
               <a:latin typeface="Arial"/>
@@ -1772,15 +1948,16 @@
           </a:prstGeom>
         </p:spPr>
         <p:txBody>
-          <a:bodyPr lIns="0" rIns="0" tIns="0" bIns="0"/>
-          <a:p>
-            <a:endParaRPr b="0" lang="en-US" sz="1800" spc="-1" strike="noStrike">
-              <a:solidFill>
-                <a:srgbClr val="000000"/>
-              </a:solidFill>
-              <a:uFill>
-                <a:solidFill>
-                  <a:srgbClr val="ffffff"/>
+          <a:bodyPr lIns="0" tIns="0" rIns="0" bIns="0"/>
+          <a:lstStyle/>
+          <a:p>
+            <a:endParaRPr lang="en-US" sz="1800" b="0" strike="noStrike" spc="-1">
+              <a:solidFill>
+                <a:srgbClr val="000000"/>
+              </a:solidFill>
+              <a:uFill>
+                <a:solidFill>
+                  <a:srgbClr val="FFFFFF"/>
                 </a:solidFill>
               </a:uFill>
               <a:latin typeface="Arial"/>
@@ -1808,15 +1985,16 @@
           </a:prstGeom>
         </p:spPr>
         <p:txBody>
-          <a:bodyPr lIns="0" rIns="0" tIns="0" bIns="0"/>
-          <a:p>
-            <a:endParaRPr b="0" lang="en-US" sz="1800" spc="-1" strike="noStrike">
-              <a:solidFill>
-                <a:srgbClr val="000000"/>
-              </a:solidFill>
-              <a:uFill>
-                <a:solidFill>
-                  <a:srgbClr val="ffffff"/>
+          <a:bodyPr lIns="0" tIns="0" rIns="0" bIns="0"/>
+          <a:lstStyle/>
+          <a:p>
+            <a:endParaRPr lang="en-US" sz="1800" b="0" strike="noStrike" spc="-1">
+              <a:solidFill>
+                <a:srgbClr val="000000"/>
+              </a:solidFill>
+              <a:uFill>
+                <a:solidFill>
+                  <a:srgbClr val="FFFFFF"/>
                 </a:solidFill>
               </a:uFill>
               <a:latin typeface="Arial"/>
@@ -1826,11 +2004,14 @@
       </p:sp>
     </p:spTree>
   </p:cSld>
+  <p:clrMapOvr>
+    <a:masterClrMapping/>
+  </p:clrMapOvr>
 </p:sldLayout>
 </file>
 
 <file path=ppt/slideLayouts/slideLayout23.xml><?xml version="1.0" encoding="utf-8"?>
-<p:sldLayout xmlns:a="http://schemas.openxmlformats.org/drawingml/2006/main" xmlns:p="http://schemas.openxmlformats.org/presentationml/2006/main" xmlns:r="http://schemas.openxmlformats.org/officeDocument/2006/relationships" xmlns:p14="http://schemas.microsoft.com/office/powerpoint/2010/main" xmlns:p15="http://schemas.microsoft.com/office/powerpoint/2012/main" xmlns:mc="http://schemas.openxmlformats.org/markup-compatibility/2006" type="fourObj" preserve="1">
+<p:sldLayout xmlns:a="http://schemas.openxmlformats.org/drawingml/2006/main" xmlns:r="http://schemas.openxmlformats.org/officeDocument/2006/relationships" xmlns:p="http://schemas.openxmlformats.org/presentationml/2006/main" type="fourObj" preserve="1">
   <p:cSld name="Title, 4 Content">
     <p:spTree>
       <p:nvGrpSpPr>
@@ -1866,15 +2047,16 @@
           </a:prstGeom>
         </p:spPr>
         <p:txBody>
-          <a:bodyPr lIns="0" rIns="0" tIns="0" bIns="0" anchor="ctr"/>
-          <a:p>
-            <a:endParaRPr b="0" lang="en-US" sz="1800" spc="-1" strike="noStrike">
-              <a:solidFill>
-                <a:srgbClr val="000000"/>
-              </a:solidFill>
-              <a:uFill>
-                <a:solidFill>
-                  <a:srgbClr val="ffffff"/>
+          <a:bodyPr lIns="0" tIns="0" rIns="0" bIns="0" anchor="ctr"/>
+          <a:lstStyle/>
+          <a:p>
+            <a:endParaRPr lang="en-US" sz="1800" b="0" strike="noStrike" spc="-1">
+              <a:solidFill>
+                <a:srgbClr val="000000"/>
+              </a:solidFill>
+              <a:uFill>
+                <a:solidFill>
+                  <a:srgbClr val="FFFFFF"/>
                 </a:solidFill>
               </a:uFill>
               <a:latin typeface="Arial"/>
@@ -1902,15 +2084,16 @@
           </a:prstGeom>
         </p:spPr>
         <p:txBody>
-          <a:bodyPr lIns="0" rIns="0" tIns="0" bIns="0"/>
-          <a:p>
-            <a:endParaRPr b="0" lang="en-US" sz="1800" spc="-1" strike="noStrike">
-              <a:solidFill>
-                <a:srgbClr val="000000"/>
-              </a:solidFill>
-              <a:uFill>
-                <a:solidFill>
-                  <a:srgbClr val="ffffff"/>
+          <a:bodyPr lIns="0" tIns="0" rIns="0" bIns="0"/>
+          <a:lstStyle/>
+          <a:p>
+            <a:endParaRPr lang="en-US" sz="1800" b="0" strike="noStrike" spc="-1">
+              <a:solidFill>
+                <a:srgbClr val="000000"/>
+              </a:solidFill>
+              <a:uFill>
+                <a:solidFill>
+                  <a:srgbClr val="FFFFFF"/>
                 </a:solidFill>
               </a:uFill>
               <a:latin typeface="Arial"/>
@@ -1938,15 +2121,16 @@
           </a:prstGeom>
         </p:spPr>
         <p:txBody>
-          <a:bodyPr lIns="0" rIns="0" tIns="0" bIns="0"/>
-          <a:p>
-            <a:endParaRPr b="0" lang="en-US" sz="1800" spc="-1" strike="noStrike">
-              <a:solidFill>
-                <a:srgbClr val="000000"/>
-              </a:solidFill>
-              <a:uFill>
-                <a:solidFill>
-                  <a:srgbClr val="ffffff"/>
+          <a:bodyPr lIns="0" tIns="0" rIns="0" bIns="0"/>
+          <a:lstStyle/>
+          <a:p>
+            <a:endParaRPr lang="en-US" sz="1800" b="0" strike="noStrike" spc="-1">
+              <a:solidFill>
+                <a:srgbClr val="000000"/>
+              </a:solidFill>
+              <a:uFill>
+                <a:solidFill>
+                  <a:srgbClr val="FFFFFF"/>
                 </a:solidFill>
               </a:uFill>
               <a:latin typeface="Arial"/>
@@ -1974,15 +2158,16 @@
           </a:prstGeom>
         </p:spPr>
         <p:txBody>
-          <a:bodyPr lIns="0" rIns="0" tIns="0" bIns="0"/>
-          <a:p>
-            <a:endParaRPr b="0" lang="en-US" sz="1800" spc="-1" strike="noStrike">
-              <a:solidFill>
-                <a:srgbClr val="000000"/>
-              </a:solidFill>
-              <a:uFill>
-                <a:solidFill>
-                  <a:srgbClr val="ffffff"/>
+          <a:bodyPr lIns="0" tIns="0" rIns="0" bIns="0"/>
+          <a:lstStyle/>
+          <a:p>
+            <a:endParaRPr lang="en-US" sz="1800" b="0" strike="noStrike" spc="-1">
+              <a:solidFill>
+                <a:srgbClr val="000000"/>
+              </a:solidFill>
+              <a:uFill>
+                <a:solidFill>
+                  <a:srgbClr val="FFFFFF"/>
                 </a:solidFill>
               </a:uFill>
               <a:latin typeface="Arial"/>
@@ -2010,15 +2195,16 @@
           </a:prstGeom>
         </p:spPr>
         <p:txBody>
-          <a:bodyPr lIns="0" rIns="0" tIns="0" bIns="0"/>
-          <a:p>
-            <a:endParaRPr b="0" lang="en-US" sz="1800" spc="-1" strike="noStrike">
-              <a:solidFill>
-                <a:srgbClr val="000000"/>
-              </a:solidFill>
-              <a:uFill>
-                <a:solidFill>
-                  <a:srgbClr val="ffffff"/>
+          <a:bodyPr lIns="0" tIns="0" rIns="0" bIns="0"/>
+          <a:lstStyle/>
+          <a:p>
+            <a:endParaRPr lang="en-US" sz="1800" b="0" strike="noStrike" spc="-1">
+              <a:solidFill>
+                <a:srgbClr val="000000"/>
+              </a:solidFill>
+              <a:uFill>
+                <a:solidFill>
+                  <a:srgbClr val="FFFFFF"/>
                 </a:solidFill>
               </a:uFill>
               <a:latin typeface="Arial"/>
@@ -2028,11 +2214,14 @@
       </p:sp>
     </p:spTree>
   </p:cSld>
+  <p:clrMapOvr>
+    <a:masterClrMapping/>
+  </p:clrMapOvr>
 </p:sldLayout>
 </file>
 
 <file path=ppt/slideLayouts/slideLayout24.xml><?xml version="1.0" encoding="utf-8"?>
-<p:sldLayout xmlns:a="http://schemas.openxmlformats.org/drawingml/2006/main" xmlns:p="http://schemas.openxmlformats.org/presentationml/2006/main" xmlns:r="http://schemas.openxmlformats.org/officeDocument/2006/relationships" xmlns:p14="http://schemas.microsoft.com/office/powerpoint/2010/main" xmlns:p15="http://schemas.microsoft.com/office/powerpoint/2012/main" xmlns:mc="http://schemas.openxmlformats.org/markup-compatibility/2006" type="blank" preserve="1">
+<p:sldLayout xmlns:a="http://schemas.openxmlformats.org/drawingml/2006/main" xmlns:r="http://schemas.openxmlformats.org/officeDocument/2006/relationships" xmlns:p="http://schemas.openxmlformats.org/presentationml/2006/main" type="blank" preserve="1">
   <p:cSld name="Title, 6 Content">
     <p:spTree>
       <p:nvGrpSpPr>
@@ -2068,15 +2257,16 @@
           </a:prstGeom>
         </p:spPr>
         <p:txBody>
-          <a:bodyPr lIns="0" rIns="0" tIns="0" bIns="0" anchor="ctr"/>
-          <a:p>
-            <a:endParaRPr b="0" lang="en-US" sz="1800" spc="-1" strike="noStrike">
-              <a:solidFill>
-                <a:srgbClr val="000000"/>
-              </a:solidFill>
-              <a:uFill>
-                <a:solidFill>
-                  <a:srgbClr val="ffffff"/>
+          <a:bodyPr lIns="0" tIns="0" rIns="0" bIns="0" anchor="ctr"/>
+          <a:lstStyle/>
+          <a:p>
+            <a:endParaRPr lang="en-US" sz="1800" b="0" strike="noStrike" spc="-1">
+              <a:solidFill>
+                <a:srgbClr val="000000"/>
+              </a:solidFill>
+              <a:uFill>
+                <a:solidFill>
+                  <a:srgbClr val="FFFFFF"/>
                 </a:solidFill>
               </a:uFill>
               <a:latin typeface="Arial"/>
@@ -2104,15 +2294,16 @@
           </a:prstGeom>
         </p:spPr>
         <p:txBody>
-          <a:bodyPr lIns="0" rIns="0" tIns="0" bIns="0"/>
-          <a:p>
-            <a:endParaRPr b="0" lang="en-US" sz="1800" spc="-1" strike="noStrike">
-              <a:solidFill>
-                <a:srgbClr val="000000"/>
-              </a:solidFill>
-              <a:uFill>
-                <a:solidFill>
-                  <a:srgbClr val="ffffff"/>
+          <a:bodyPr lIns="0" tIns="0" rIns="0" bIns="0"/>
+          <a:lstStyle/>
+          <a:p>
+            <a:endParaRPr lang="en-US" sz="1800" b="0" strike="noStrike" spc="-1">
+              <a:solidFill>
+                <a:srgbClr val="000000"/>
+              </a:solidFill>
+              <a:uFill>
+                <a:solidFill>
+                  <a:srgbClr val="FFFFFF"/>
                 </a:solidFill>
               </a:uFill>
               <a:latin typeface="Arial"/>
@@ -2140,15 +2331,16 @@
           </a:prstGeom>
         </p:spPr>
         <p:txBody>
-          <a:bodyPr lIns="0" rIns="0" tIns="0" bIns="0"/>
-          <a:p>
-            <a:endParaRPr b="0" lang="en-US" sz="1800" spc="-1" strike="noStrike">
-              <a:solidFill>
-                <a:srgbClr val="000000"/>
-              </a:solidFill>
-              <a:uFill>
-                <a:solidFill>
-                  <a:srgbClr val="ffffff"/>
+          <a:bodyPr lIns="0" tIns="0" rIns="0" bIns="0"/>
+          <a:lstStyle/>
+          <a:p>
+            <a:endParaRPr lang="en-US" sz="1800" b="0" strike="noStrike" spc="-1">
+              <a:solidFill>
+                <a:srgbClr val="000000"/>
+              </a:solidFill>
+              <a:uFill>
+                <a:solidFill>
+                  <a:srgbClr val="FFFFFF"/>
                 </a:solidFill>
               </a:uFill>
               <a:latin typeface="Arial"/>
@@ -2176,15 +2368,16 @@
           </a:prstGeom>
         </p:spPr>
         <p:txBody>
-          <a:bodyPr lIns="0" rIns="0" tIns="0" bIns="0"/>
-          <a:p>
-            <a:endParaRPr b="0" lang="en-US" sz="1800" spc="-1" strike="noStrike">
-              <a:solidFill>
-                <a:srgbClr val="000000"/>
-              </a:solidFill>
-              <a:uFill>
-                <a:solidFill>
-                  <a:srgbClr val="ffffff"/>
+          <a:bodyPr lIns="0" tIns="0" rIns="0" bIns="0"/>
+          <a:lstStyle/>
+          <a:p>
+            <a:endParaRPr lang="en-US" sz="1800" b="0" strike="noStrike" spc="-1">
+              <a:solidFill>
+                <a:srgbClr val="000000"/>
+              </a:solidFill>
+              <a:uFill>
+                <a:solidFill>
+                  <a:srgbClr val="FFFFFF"/>
                 </a:solidFill>
               </a:uFill>
               <a:latin typeface="Arial"/>
@@ -2212,15 +2405,16 @@
           </a:prstGeom>
         </p:spPr>
         <p:txBody>
-          <a:bodyPr lIns="0" rIns="0" tIns="0" bIns="0"/>
-          <a:p>
-            <a:endParaRPr b="0" lang="en-US" sz="1800" spc="-1" strike="noStrike">
-              <a:solidFill>
-                <a:srgbClr val="000000"/>
-              </a:solidFill>
-              <a:uFill>
-                <a:solidFill>
-                  <a:srgbClr val="ffffff"/>
+          <a:bodyPr lIns="0" tIns="0" rIns="0" bIns="0"/>
+          <a:lstStyle/>
+          <a:p>
+            <a:endParaRPr lang="en-US" sz="1800" b="0" strike="noStrike" spc="-1">
+              <a:solidFill>
+                <a:srgbClr val="000000"/>
+              </a:solidFill>
+              <a:uFill>
+                <a:solidFill>
+                  <a:srgbClr val="FFFFFF"/>
                 </a:solidFill>
               </a:uFill>
               <a:latin typeface="Arial"/>
@@ -2248,15 +2442,16 @@
           </a:prstGeom>
         </p:spPr>
         <p:txBody>
-          <a:bodyPr lIns="0" rIns="0" tIns="0" bIns="0"/>
-          <a:p>
-            <a:endParaRPr b="0" lang="en-US" sz="1800" spc="-1" strike="noStrike">
-              <a:solidFill>
-                <a:srgbClr val="000000"/>
-              </a:solidFill>
-              <a:uFill>
-                <a:solidFill>
-                  <a:srgbClr val="ffffff"/>
+          <a:bodyPr lIns="0" tIns="0" rIns="0" bIns="0"/>
+          <a:lstStyle/>
+          <a:p>
+            <a:endParaRPr lang="en-US" sz="1800" b="0" strike="noStrike" spc="-1">
+              <a:solidFill>
+                <a:srgbClr val="000000"/>
+              </a:solidFill>
+              <a:uFill>
+                <a:solidFill>
+                  <a:srgbClr val="FFFFFF"/>
                 </a:solidFill>
               </a:uFill>
               <a:latin typeface="Arial"/>
@@ -2284,15 +2479,16 @@
           </a:prstGeom>
         </p:spPr>
         <p:txBody>
-          <a:bodyPr lIns="0" rIns="0" tIns="0" bIns="0"/>
-          <a:p>
-            <a:endParaRPr b="0" lang="en-US" sz="1800" spc="-1" strike="noStrike">
-              <a:solidFill>
-                <a:srgbClr val="000000"/>
-              </a:solidFill>
-              <a:uFill>
-                <a:solidFill>
-                  <a:srgbClr val="ffffff"/>
+          <a:bodyPr lIns="0" tIns="0" rIns="0" bIns="0"/>
+          <a:lstStyle/>
+          <a:p>
+            <a:endParaRPr lang="en-US" sz="1800" b="0" strike="noStrike" spc="-1">
+              <a:solidFill>
+                <a:srgbClr val="000000"/>
+              </a:solidFill>
+              <a:uFill>
+                <a:solidFill>
+                  <a:srgbClr val="FFFFFF"/>
                 </a:solidFill>
               </a:uFill>
               <a:latin typeface="Arial"/>
@@ -2302,11 +2498,14 @@
       </p:sp>
     </p:spTree>
   </p:cSld>
+  <p:clrMapOvr>
+    <a:masterClrMapping/>
+  </p:clrMapOvr>
 </p:sldLayout>
 </file>
 
 <file path=ppt/slideLayouts/slideLayout3.xml><?xml version="1.0" encoding="utf-8"?>
-<p:sldLayout xmlns:a="http://schemas.openxmlformats.org/drawingml/2006/main" xmlns:p="http://schemas.openxmlformats.org/presentationml/2006/main" xmlns:r="http://schemas.openxmlformats.org/officeDocument/2006/relationships" xmlns:p14="http://schemas.microsoft.com/office/powerpoint/2010/main" xmlns:p15="http://schemas.microsoft.com/office/powerpoint/2012/main" xmlns:mc="http://schemas.openxmlformats.org/markup-compatibility/2006" type="obj" preserve="1">
+<p:sldLayout xmlns:a="http://schemas.openxmlformats.org/drawingml/2006/main" xmlns:r="http://schemas.openxmlformats.org/officeDocument/2006/relationships" xmlns:p="http://schemas.openxmlformats.org/presentationml/2006/main" type="obj" preserve="1">
   <p:cSld name="Title, Content">
     <p:spTree>
       <p:nvGrpSpPr>
@@ -2342,15 +2541,16 @@
           </a:prstGeom>
         </p:spPr>
         <p:txBody>
-          <a:bodyPr lIns="0" rIns="0" tIns="0" bIns="0" anchor="ctr"/>
-          <a:p>
-            <a:endParaRPr b="0" lang="en-US" sz="1800" spc="-1" strike="noStrike">
-              <a:solidFill>
-                <a:srgbClr val="000000"/>
-              </a:solidFill>
-              <a:uFill>
-                <a:solidFill>
-                  <a:srgbClr val="ffffff"/>
+          <a:bodyPr lIns="0" tIns="0" rIns="0" bIns="0" anchor="ctr"/>
+          <a:lstStyle/>
+          <a:p>
+            <a:endParaRPr lang="en-US" sz="1800" b="0" strike="noStrike" spc="-1">
+              <a:solidFill>
+                <a:srgbClr val="000000"/>
+              </a:solidFill>
+              <a:uFill>
+                <a:solidFill>
+                  <a:srgbClr val="FFFFFF"/>
                 </a:solidFill>
               </a:uFill>
               <a:latin typeface="Arial"/>
@@ -2378,15 +2578,16 @@
           </a:prstGeom>
         </p:spPr>
         <p:txBody>
-          <a:bodyPr lIns="0" rIns="0" tIns="0" bIns="0"/>
-          <a:p>
-            <a:endParaRPr b="0" lang="en-US" sz="1800" spc="-1" strike="noStrike">
-              <a:solidFill>
-                <a:srgbClr val="000000"/>
-              </a:solidFill>
-              <a:uFill>
-                <a:solidFill>
-                  <a:srgbClr val="ffffff"/>
+          <a:bodyPr lIns="0" tIns="0" rIns="0" bIns="0"/>
+          <a:lstStyle/>
+          <a:p>
+            <a:endParaRPr lang="en-US" sz="1800" b="0" strike="noStrike" spc="-1">
+              <a:solidFill>
+                <a:srgbClr val="000000"/>
+              </a:solidFill>
+              <a:uFill>
+                <a:solidFill>
+                  <a:srgbClr val="FFFFFF"/>
                 </a:solidFill>
               </a:uFill>
               <a:latin typeface="Arial"/>
@@ -2396,11 +2597,14 @@
       </p:sp>
     </p:spTree>
   </p:cSld>
+  <p:clrMapOvr>
+    <a:masterClrMapping/>
+  </p:clrMapOvr>
 </p:sldLayout>
 </file>
 
 <file path=ppt/slideLayouts/slideLayout4.xml><?xml version="1.0" encoding="utf-8"?>
-<p:sldLayout xmlns:a="http://schemas.openxmlformats.org/drawingml/2006/main" xmlns:p="http://schemas.openxmlformats.org/presentationml/2006/main" xmlns:r="http://schemas.openxmlformats.org/officeDocument/2006/relationships" xmlns:p14="http://schemas.microsoft.com/office/powerpoint/2010/main" xmlns:p15="http://schemas.microsoft.com/office/powerpoint/2012/main" xmlns:mc="http://schemas.openxmlformats.org/markup-compatibility/2006" type="twoObj" preserve="1">
+<p:sldLayout xmlns:a="http://schemas.openxmlformats.org/drawingml/2006/main" xmlns:r="http://schemas.openxmlformats.org/officeDocument/2006/relationships" xmlns:p="http://schemas.openxmlformats.org/presentationml/2006/main" type="twoObj" preserve="1">
   <p:cSld name="Title, 2 Content">
     <p:spTree>
       <p:nvGrpSpPr>
@@ -2436,15 +2640,16 @@
           </a:prstGeom>
         </p:spPr>
         <p:txBody>
-          <a:bodyPr lIns="0" rIns="0" tIns="0" bIns="0" anchor="ctr"/>
-          <a:p>
-            <a:endParaRPr b="0" lang="en-US" sz="1800" spc="-1" strike="noStrike">
-              <a:solidFill>
-                <a:srgbClr val="000000"/>
-              </a:solidFill>
-              <a:uFill>
-                <a:solidFill>
-                  <a:srgbClr val="ffffff"/>
+          <a:bodyPr lIns="0" tIns="0" rIns="0" bIns="0" anchor="ctr"/>
+          <a:lstStyle/>
+          <a:p>
+            <a:endParaRPr lang="en-US" sz="1800" b="0" strike="noStrike" spc="-1">
+              <a:solidFill>
+                <a:srgbClr val="000000"/>
+              </a:solidFill>
+              <a:uFill>
+                <a:solidFill>
+                  <a:srgbClr val="FFFFFF"/>
                 </a:solidFill>
               </a:uFill>
               <a:latin typeface="Arial"/>
@@ -2472,15 +2677,16 @@
           </a:prstGeom>
         </p:spPr>
         <p:txBody>
-          <a:bodyPr lIns="0" rIns="0" tIns="0" bIns="0"/>
-          <a:p>
-            <a:endParaRPr b="0" lang="en-US" sz="1800" spc="-1" strike="noStrike">
-              <a:solidFill>
-                <a:srgbClr val="000000"/>
-              </a:solidFill>
-              <a:uFill>
-                <a:solidFill>
-                  <a:srgbClr val="ffffff"/>
+          <a:bodyPr lIns="0" tIns="0" rIns="0" bIns="0"/>
+          <a:lstStyle/>
+          <a:p>
+            <a:endParaRPr lang="en-US" sz="1800" b="0" strike="noStrike" spc="-1">
+              <a:solidFill>
+                <a:srgbClr val="000000"/>
+              </a:solidFill>
+              <a:uFill>
+                <a:solidFill>
+                  <a:srgbClr val="FFFFFF"/>
                 </a:solidFill>
               </a:uFill>
               <a:latin typeface="Arial"/>
@@ -2508,15 +2714,16 @@
           </a:prstGeom>
         </p:spPr>
         <p:txBody>
-          <a:bodyPr lIns="0" rIns="0" tIns="0" bIns="0"/>
-          <a:p>
-            <a:endParaRPr b="0" lang="en-US" sz="1800" spc="-1" strike="noStrike">
-              <a:solidFill>
-                <a:srgbClr val="000000"/>
-              </a:solidFill>
-              <a:uFill>
-                <a:solidFill>
-                  <a:srgbClr val="ffffff"/>
+          <a:bodyPr lIns="0" tIns="0" rIns="0" bIns="0"/>
+          <a:lstStyle/>
+          <a:p>
+            <a:endParaRPr lang="en-US" sz="1800" b="0" strike="noStrike" spc="-1">
+              <a:solidFill>
+                <a:srgbClr val="000000"/>
+              </a:solidFill>
+              <a:uFill>
+                <a:solidFill>
+                  <a:srgbClr val="FFFFFF"/>
                 </a:solidFill>
               </a:uFill>
               <a:latin typeface="Arial"/>
@@ -2526,11 +2733,14 @@
       </p:sp>
     </p:spTree>
   </p:cSld>
+  <p:clrMapOvr>
+    <a:masterClrMapping/>
+  </p:clrMapOvr>
 </p:sldLayout>
 </file>
 
 <file path=ppt/slideLayouts/slideLayout5.xml><?xml version="1.0" encoding="utf-8"?>
-<p:sldLayout xmlns:a="http://schemas.openxmlformats.org/drawingml/2006/main" xmlns:p="http://schemas.openxmlformats.org/presentationml/2006/main" xmlns:r="http://schemas.openxmlformats.org/officeDocument/2006/relationships" xmlns:p14="http://schemas.microsoft.com/office/powerpoint/2010/main" xmlns:p15="http://schemas.microsoft.com/office/powerpoint/2012/main" xmlns:mc="http://schemas.openxmlformats.org/markup-compatibility/2006" type="titleOnly" preserve="1">
+<p:sldLayout xmlns:a="http://schemas.openxmlformats.org/drawingml/2006/main" xmlns:r="http://schemas.openxmlformats.org/officeDocument/2006/relationships" xmlns:p="http://schemas.openxmlformats.org/presentationml/2006/main" type="titleOnly" preserve="1">
   <p:cSld name="Title Only">
     <p:spTree>
       <p:nvGrpSpPr>
@@ -2566,15 +2776,16 @@
           </a:prstGeom>
         </p:spPr>
         <p:txBody>
-          <a:bodyPr lIns="0" rIns="0" tIns="0" bIns="0" anchor="ctr"/>
-          <a:p>
-            <a:endParaRPr b="0" lang="en-US" sz="1800" spc="-1" strike="noStrike">
-              <a:solidFill>
-                <a:srgbClr val="000000"/>
-              </a:solidFill>
-              <a:uFill>
-                <a:solidFill>
-                  <a:srgbClr val="ffffff"/>
+          <a:bodyPr lIns="0" tIns="0" rIns="0" bIns="0" anchor="ctr"/>
+          <a:lstStyle/>
+          <a:p>
+            <a:endParaRPr lang="en-US" sz="1800" b="0" strike="noStrike" spc="-1">
+              <a:solidFill>
+                <a:srgbClr val="000000"/>
+              </a:solidFill>
+              <a:uFill>
+                <a:solidFill>
+                  <a:srgbClr val="FFFFFF"/>
                 </a:solidFill>
               </a:uFill>
               <a:latin typeface="Arial"/>
@@ -2584,11 +2795,14 @@
       </p:sp>
     </p:spTree>
   </p:cSld>
+  <p:clrMapOvr>
+    <a:masterClrMapping/>
+  </p:clrMapOvr>
 </p:sldLayout>
 </file>
 
 <file path=ppt/slideLayouts/slideLayout6.xml><?xml version="1.0" encoding="utf-8"?>
-<p:sldLayout xmlns:a="http://schemas.openxmlformats.org/drawingml/2006/main" xmlns:p="http://schemas.openxmlformats.org/presentationml/2006/main" xmlns:r="http://schemas.openxmlformats.org/officeDocument/2006/relationships" xmlns:p14="http://schemas.microsoft.com/office/powerpoint/2010/main" xmlns:p15="http://schemas.microsoft.com/office/powerpoint/2012/main" xmlns:mc="http://schemas.openxmlformats.org/markup-compatibility/2006" type="objOnly" preserve="1">
+<p:sldLayout xmlns:a="http://schemas.openxmlformats.org/drawingml/2006/main" xmlns:r="http://schemas.openxmlformats.org/officeDocument/2006/relationships" xmlns:p="http://schemas.openxmlformats.org/presentationml/2006/main" type="objOnly" preserve="1">
   <p:cSld name="Centered Text">
     <p:spTree>
       <p:nvGrpSpPr>
@@ -2624,16 +2838,17 @@
           </a:prstGeom>
         </p:spPr>
         <p:txBody>
-          <a:bodyPr lIns="0" rIns="0" tIns="0" bIns="0" anchor="ctr"/>
+          <a:bodyPr lIns="0" tIns="0" rIns="0" bIns="0" anchor="ctr"/>
+          <a:lstStyle/>
           <a:p>
             <a:pPr algn="ctr"/>
-            <a:endParaRPr b="0" lang="en-US" sz="3200" spc="-1" strike="noStrike">
-              <a:solidFill>
-                <a:srgbClr val="000000"/>
-              </a:solidFill>
-              <a:uFill>
-                <a:solidFill>
-                  <a:srgbClr val="ffffff"/>
+            <a:endParaRPr lang="en-US" sz="3200" b="0" strike="noStrike" spc="-1">
+              <a:solidFill>
+                <a:srgbClr val="000000"/>
+              </a:solidFill>
+              <a:uFill>
+                <a:solidFill>
+                  <a:srgbClr val="FFFFFF"/>
                 </a:solidFill>
               </a:uFill>
               <a:latin typeface="Arial"/>
@@ -2643,11 +2858,14 @@
       </p:sp>
     </p:spTree>
   </p:cSld>
+  <p:clrMapOvr>
+    <a:masterClrMapping/>
+  </p:clrMapOvr>
 </p:sldLayout>
 </file>
 
 <file path=ppt/slideLayouts/slideLayout7.xml><?xml version="1.0" encoding="utf-8"?>
-<p:sldLayout xmlns:a="http://schemas.openxmlformats.org/drawingml/2006/main" xmlns:p="http://schemas.openxmlformats.org/presentationml/2006/main" xmlns:r="http://schemas.openxmlformats.org/officeDocument/2006/relationships" xmlns:p14="http://schemas.microsoft.com/office/powerpoint/2010/main" xmlns:p15="http://schemas.microsoft.com/office/powerpoint/2012/main" xmlns:mc="http://schemas.openxmlformats.org/markup-compatibility/2006" type="twoObjAndObj" preserve="1">
+<p:sldLayout xmlns:a="http://schemas.openxmlformats.org/drawingml/2006/main" xmlns:r="http://schemas.openxmlformats.org/officeDocument/2006/relationships" xmlns:p="http://schemas.openxmlformats.org/presentationml/2006/main" type="twoObjAndObj" preserve="1">
   <p:cSld name="Title, 2 Content and Content">
     <p:spTree>
       <p:nvGrpSpPr>
@@ -2683,15 +2901,16 @@
           </a:prstGeom>
         </p:spPr>
         <p:txBody>
-          <a:bodyPr lIns="0" rIns="0" tIns="0" bIns="0" anchor="ctr"/>
-          <a:p>
-            <a:endParaRPr b="0" lang="en-US" sz="1800" spc="-1" strike="noStrike">
-              <a:solidFill>
-                <a:srgbClr val="000000"/>
-              </a:solidFill>
-              <a:uFill>
-                <a:solidFill>
-                  <a:srgbClr val="ffffff"/>
+          <a:bodyPr lIns="0" tIns="0" rIns="0" bIns="0" anchor="ctr"/>
+          <a:lstStyle/>
+          <a:p>
+            <a:endParaRPr lang="en-US" sz="1800" b="0" strike="noStrike" spc="-1">
+              <a:solidFill>
+                <a:srgbClr val="000000"/>
+              </a:solidFill>
+              <a:uFill>
+                <a:solidFill>
+                  <a:srgbClr val="FFFFFF"/>
                 </a:solidFill>
               </a:uFill>
               <a:latin typeface="Arial"/>
@@ -2719,15 +2938,16 @@
           </a:prstGeom>
         </p:spPr>
         <p:txBody>
-          <a:bodyPr lIns="0" rIns="0" tIns="0" bIns="0"/>
-          <a:p>
-            <a:endParaRPr b="0" lang="en-US" sz="1800" spc="-1" strike="noStrike">
-              <a:solidFill>
-                <a:srgbClr val="000000"/>
-              </a:solidFill>
-              <a:uFill>
-                <a:solidFill>
-                  <a:srgbClr val="ffffff"/>
+          <a:bodyPr lIns="0" tIns="0" rIns="0" bIns="0"/>
+          <a:lstStyle/>
+          <a:p>
+            <a:endParaRPr lang="en-US" sz="1800" b="0" strike="noStrike" spc="-1">
+              <a:solidFill>
+                <a:srgbClr val="000000"/>
+              </a:solidFill>
+              <a:uFill>
+                <a:solidFill>
+                  <a:srgbClr val="FFFFFF"/>
                 </a:solidFill>
               </a:uFill>
               <a:latin typeface="Arial"/>
@@ -2755,15 +2975,16 @@
           </a:prstGeom>
         </p:spPr>
         <p:txBody>
-          <a:bodyPr lIns="0" rIns="0" tIns="0" bIns="0"/>
-          <a:p>
-            <a:endParaRPr b="0" lang="en-US" sz="1800" spc="-1" strike="noStrike">
-              <a:solidFill>
-                <a:srgbClr val="000000"/>
-              </a:solidFill>
-              <a:uFill>
-                <a:solidFill>
-                  <a:srgbClr val="ffffff"/>
+          <a:bodyPr lIns="0" tIns="0" rIns="0" bIns="0"/>
+          <a:lstStyle/>
+          <a:p>
+            <a:endParaRPr lang="en-US" sz="1800" b="0" strike="noStrike" spc="-1">
+              <a:solidFill>
+                <a:srgbClr val="000000"/>
+              </a:solidFill>
+              <a:uFill>
+                <a:solidFill>
+                  <a:srgbClr val="FFFFFF"/>
                 </a:solidFill>
               </a:uFill>
               <a:latin typeface="Arial"/>
@@ -2791,15 +3012,16 @@
           </a:prstGeom>
         </p:spPr>
         <p:txBody>
-          <a:bodyPr lIns="0" rIns="0" tIns="0" bIns="0"/>
-          <a:p>
-            <a:endParaRPr b="0" lang="en-US" sz="1800" spc="-1" strike="noStrike">
-              <a:solidFill>
-                <a:srgbClr val="000000"/>
-              </a:solidFill>
-              <a:uFill>
-                <a:solidFill>
-                  <a:srgbClr val="ffffff"/>
+          <a:bodyPr lIns="0" tIns="0" rIns="0" bIns="0"/>
+          <a:lstStyle/>
+          <a:p>
+            <a:endParaRPr lang="en-US" sz="1800" b="0" strike="noStrike" spc="-1">
+              <a:solidFill>
+                <a:srgbClr val="000000"/>
+              </a:solidFill>
+              <a:uFill>
+                <a:solidFill>
+                  <a:srgbClr val="FFFFFF"/>
                 </a:solidFill>
               </a:uFill>
               <a:latin typeface="Arial"/>
@@ -2809,11 +3031,14 @@
       </p:sp>
     </p:spTree>
   </p:cSld>
+  <p:clrMapOvr>
+    <a:masterClrMapping/>
+  </p:clrMapOvr>
 </p:sldLayout>
 </file>
 
 <file path=ppt/slideLayouts/slideLayout8.xml><?xml version="1.0" encoding="utf-8"?>
-<p:sldLayout xmlns:a="http://schemas.openxmlformats.org/drawingml/2006/main" xmlns:p="http://schemas.openxmlformats.org/presentationml/2006/main" xmlns:r="http://schemas.openxmlformats.org/officeDocument/2006/relationships" xmlns:p14="http://schemas.microsoft.com/office/powerpoint/2010/main" xmlns:p15="http://schemas.microsoft.com/office/powerpoint/2012/main" xmlns:mc="http://schemas.openxmlformats.org/markup-compatibility/2006" type="objAndTwoObj" preserve="1">
+<p:sldLayout xmlns:a="http://schemas.openxmlformats.org/drawingml/2006/main" xmlns:r="http://schemas.openxmlformats.org/officeDocument/2006/relationships" xmlns:p="http://schemas.openxmlformats.org/presentationml/2006/main" type="objAndTwoObj" preserve="1">
   <p:cSld name="Title Content and 2 Content">
     <p:spTree>
       <p:nvGrpSpPr>
@@ -2849,15 +3074,16 @@
           </a:prstGeom>
         </p:spPr>
         <p:txBody>
-          <a:bodyPr lIns="0" rIns="0" tIns="0" bIns="0" anchor="ctr"/>
-          <a:p>
-            <a:endParaRPr b="0" lang="en-US" sz="1800" spc="-1" strike="noStrike">
-              <a:solidFill>
-                <a:srgbClr val="000000"/>
-              </a:solidFill>
-              <a:uFill>
-                <a:solidFill>
-                  <a:srgbClr val="ffffff"/>
+          <a:bodyPr lIns="0" tIns="0" rIns="0" bIns="0" anchor="ctr"/>
+          <a:lstStyle/>
+          <a:p>
+            <a:endParaRPr lang="en-US" sz="1800" b="0" strike="noStrike" spc="-1">
+              <a:solidFill>
+                <a:srgbClr val="000000"/>
+              </a:solidFill>
+              <a:uFill>
+                <a:solidFill>
+                  <a:srgbClr val="FFFFFF"/>
                 </a:solidFill>
               </a:uFill>
               <a:latin typeface="Arial"/>
@@ -2885,15 +3111,16 @@
           </a:prstGeom>
         </p:spPr>
         <p:txBody>
-          <a:bodyPr lIns="0" rIns="0" tIns="0" bIns="0"/>
-          <a:p>
-            <a:endParaRPr b="0" lang="en-US" sz="1800" spc="-1" strike="noStrike">
-              <a:solidFill>
-                <a:srgbClr val="000000"/>
-              </a:solidFill>
-              <a:uFill>
-                <a:solidFill>
-                  <a:srgbClr val="ffffff"/>
+          <a:bodyPr lIns="0" tIns="0" rIns="0" bIns="0"/>
+          <a:lstStyle/>
+          <a:p>
+            <a:endParaRPr lang="en-US" sz="1800" b="0" strike="noStrike" spc="-1">
+              <a:solidFill>
+                <a:srgbClr val="000000"/>
+              </a:solidFill>
+              <a:uFill>
+                <a:solidFill>
+                  <a:srgbClr val="FFFFFF"/>
                 </a:solidFill>
               </a:uFill>
               <a:latin typeface="Arial"/>
@@ -2921,15 +3148,16 @@
           </a:prstGeom>
         </p:spPr>
         <p:txBody>
-          <a:bodyPr lIns="0" rIns="0" tIns="0" bIns="0"/>
-          <a:p>
-            <a:endParaRPr b="0" lang="en-US" sz="1800" spc="-1" strike="noStrike">
-              <a:solidFill>
-                <a:srgbClr val="000000"/>
-              </a:solidFill>
-              <a:uFill>
-                <a:solidFill>
-                  <a:srgbClr val="ffffff"/>
+          <a:bodyPr lIns="0" tIns="0" rIns="0" bIns="0"/>
+          <a:lstStyle/>
+          <a:p>
+            <a:endParaRPr lang="en-US" sz="1800" b="0" strike="noStrike" spc="-1">
+              <a:solidFill>
+                <a:srgbClr val="000000"/>
+              </a:solidFill>
+              <a:uFill>
+                <a:solidFill>
+                  <a:srgbClr val="FFFFFF"/>
                 </a:solidFill>
               </a:uFill>
               <a:latin typeface="Arial"/>
@@ -2957,15 +3185,16 @@
           </a:prstGeom>
         </p:spPr>
         <p:txBody>
-          <a:bodyPr lIns="0" rIns="0" tIns="0" bIns="0"/>
-          <a:p>
-            <a:endParaRPr b="0" lang="en-US" sz="1800" spc="-1" strike="noStrike">
-              <a:solidFill>
-                <a:srgbClr val="000000"/>
-              </a:solidFill>
-              <a:uFill>
-                <a:solidFill>
-                  <a:srgbClr val="ffffff"/>
+          <a:bodyPr lIns="0" tIns="0" rIns="0" bIns="0"/>
+          <a:lstStyle/>
+          <a:p>
+            <a:endParaRPr lang="en-US" sz="1800" b="0" strike="noStrike" spc="-1">
+              <a:solidFill>
+                <a:srgbClr val="000000"/>
+              </a:solidFill>
+              <a:uFill>
+                <a:solidFill>
+                  <a:srgbClr val="FFFFFF"/>
                 </a:solidFill>
               </a:uFill>
               <a:latin typeface="Arial"/>
@@ -2975,11 +3204,14 @@
       </p:sp>
     </p:spTree>
   </p:cSld>
+  <p:clrMapOvr>
+    <a:masterClrMapping/>
+  </p:clrMapOvr>
 </p:sldLayout>
 </file>
 
 <file path=ppt/slideLayouts/slideLayout9.xml><?xml version="1.0" encoding="utf-8"?>
-<p:sldLayout xmlns:a="http://schemas.openxmlformats.org/drawingml/2006/main" xmlns:p="http://schemas.openxmlformats.org/presentationml/2006/main" xmlns:r="http://schemas.openxmlformats.org/officeDocument/2006/relationships" xmlns:p14="http://schemas.microsoft.com/office/powerpoint/2010/main" xmlns:p15="http://schemas.microsoft.com/office/powerpoint/2012/main" xmlns:mc="http://schemas.openxmlformats.org/markup-compatibility/2006" type="twoObjOverTx" preserve="1">
+<p:sldLayout xmlns:a="http://schemas.openxmlformats.org/drawingml/2006/main" xmlns:r="http://schemas.openxmlformats.org/officeDocument/2006/relationships" xmlns:p="http://schemas.openxmlformats.org/presentationml/2006/main" type="twoObjOverTx" preserve="1">
   <p:cSld name="Title, 2 Content over Content">
     <p:spTree>
       <p:nvGrpSpPr>
@@ -3015,15 +3247,16 @@
           </a:prstGeom>
         </p:spPr>
         <p:txBody>
-          <a:bodyPr lIns="0" rIns="0" tIns="0" bIns="0" anchor="ctr"/>
-          <a:p>
-            <a:endParaRPr b="0" lang="en-US" sz="1800" spc="-1" strike="noStrike">
-              <a:solidFill>
-                <a:srgbClr val="000000"/>
-              </a:solidFill>
-              <a:uFill>
-                <a:solidFill>
-                  <a:srgbClr val="ffffff"/>
+          <a:bodyPr lIns="0" tIns="0" rIns="0" bIns="0" anchor="ctr"/>
+          <a:lstStyle/>
+          <a:p>
+            <a:endParaRPr lang="en-US" sz="1800" b="0" strike="noStrike" spc="-1">
+              <a:solidFill>
+                <a:srgbClr val="000000"/>
+              </a:solidFill>
+              <a:uFill>
+                <a:solidFill>
+                  <a:srgbClr val="FFFFFF"/>
                 </a:solidFill>
               </a:uFill>
               <a:latin typeface="Arial"/>
@@ -3051,15 +3284,16 @@
           </a:prstGeom>
         </p:spPr>
         <p:txBody>
-          <a:bodyPr lIns="0" rIns="0" tIns="0" bIns="0"/>
-          <a:p>
-            <a:endParaRPr b="0" lang="en-US" sz="1800" spc="-1" strike="noStrike">
-              <a:solidFill>
-                <a:srgbClr val="000000"/>
-              </a:solidFill>
-              <a:uFill>
-                <a:solidFill>
-                  <a:srgbClr val="ffffff"/>
+          <a:bodyPr lIns="0" tIns="0" rIns="0" bIns="0"/>
+          <a:lstStyle/>
+          <a:p>
+            <a:endParaRPr lang="en-US" sz="1800" b="0" strike="noStrike" spc="-1">
+              <a:solidFill>
+                <a:srgbClr val="000000"/>
+              </a:solidFill>
+              <a:uFill>
+                <a:solidFill>
+                  <a:srgbClr val="FFFFFF"/>
                 </a:solidFill>
               </a:uFill>
               <a:latin typeface="Arial"/>
@@ -3087,15 +3321,16 @@
           </a:prstGeom>
         </p:spPr>
         <p:txBody>
-          <a:bodyPr lIns="0" rIns="0" tIns="0" bIns="0"/>
-          <a:p>
-            <a:endParaRPr b="0" lang="en-US" sz="1800" spc="-1" strike="noStrike">
-              <a:solidFill>
-                <a:srgbClr val="000000"/>
-              </a:solidFill>
-              <a:uFill>
-                <a:solidFill>
-                  <a:srgbClr val="ffffff"/>
+          <a:bodyPr lIns="0" tIns="0" rIns="0" bIns="0"/>
+          <a:lstStyle/>
+          <a:p>
+            <a:endParaRPr lang="en-US" sz="1800" b="0" strike="noStrike" spc="-1">
+              <a:solidFill>
+                <a:srgbClr val="000000"/>
+              </a:solidFill>
+              <a:uFill>
+                <a:solidFill>
+                  <a:srgbClr val="FFFFFF"/>
                 </a:solidFill>
               </a:uFill>
               <a:latin typeface="Arial"/>
@@ -3123,15 +3358,16 @@
           </a:prstGeom>
         </p:spPr>
         <p:txBody>
-          <a:bodyPr lIns="0" rIns="0" tIns="0" bIns="0"/>
-          <a:p>
-            <a:endParaRPr b="0" lang="en-US" sz="1800" spc="-1" strike="noStrike">
-              <a:solidFill>
-                <a:srgbClr val="000000"/>
-              </a:solidFill>
-              <a:uFill>
-                <a:solidFill>
-                  <a:srgbClr val="ffffff"/>
+          <a:bodyPr lIns="0" tIns="0" rIns="0" bIns="0"/>
+          <a:lstStyle/>
+          <a:p>
+            <a:endParaRPr lang="en-US" sz="1800" b="0" strike="noStrike" spc="-1">
+              <a:solidFill>
+                <a:srgbClr val="000000"/>
+              </a:solidFill>
+              <a:uFill>
+                <a:solidFill>
+                  <a:srgbClr val="FFFFFF"/>
                 </a:solidFill>
               </a:uFill>
               <a:latin typeface="Arial"/>
@@ -3141,11 +3377,14 @@
       </p:sp>
     </p:spTree>
   </p:cSld>
+  <p:clrMapOvr>
+    <a:masterClrMapping/>
+  </p:clrMapOvr>
 </p:sldLayout>
 </file>
 
 <file path=ppt/slideMasters/slideMaster1.xml><?xml version="1.0" encoding="utf-8"?>
-<p:sldMaster xmlns:a="http://schemas.openxmlformats.org/drawingml/2006/main" xmlns:p="http://schemas.openxmlformats.org/presentationml/2006/main" xmlns:r="http://schemas.openxmlformats.org/officeDocument/2006/relationships" xmlns:p14="http://schemas.microsoft.com/office/powerpoint/2010/main" xmlns:p15="http://schemas.microsoft.com/office/powerpoint/2012/main" xmlns:mc="http://schemas.openxmlformats.org/markup-compatibility/2006">
+<p:sldMaster xmlns:a="http://schemas.openxmlformats.org/drawingml/2006/main" xmlns:r="http://schemas.openxmlformats.org/officeDocument/2006/relationships" xmlns:p="http://schemas.openxmlformats.org/presentationml/2006/main">
   <p:cSld>
     <p:spTree>
       <p:nvGrpSpPr>
@@ -3163,7 +3402,7 @@
       </p:grpSpPr>
       <p:sp>
         <p:nvSpPr>
-          <p:cNvPr id="0" name="CustomShape 1"/>
+          <p:cNvPr id="3" name="CustomShape 1"/>
           <p:cNvSpPr/>
           <p:nvPr/>
         </p:nvSpPr>
@@ -3176,22 +3415,28 @@
             <a:avLst/>
           </a:prstGeom>
           <a:solidFill>
-            <a:srgbClr val="ef2929"/>
+            <a:srgbClr val="EF2929"/>
           </a:solidFill>
           <a:ln>
             <a:noFill/>
           </a:ln>
         </p:spPr>
         <p:style>
-          <a:lnRef idx="0"/>
-          <a:fillRef idx="0"/>
-          <a:effectRef idx="0"/>
+          <a:lnRef idx="0">
+            <a:scrgbClr r="0" g="0" b="0"/>
+          </a:lnRef>
+          <a:fillRef idx="0">
+            <a:scrgbClr r="0" g="0" b="0"/>
+          </a:fillRef>
+          <a:effectRef idx="0">
+            <a:scrgbClr r="0" g="0" b="0"/>
+          </a:effectRef>
           <a:fontRef idx="minor"/>
         </p:style>
       </p:sp>
       <p:sp>
         <p:nvSpPr>
-          <p:cNvPr id="1" name="PlaceHolder 2"/>
+          <p:cNvPr id="4" name="PlaceHolder 2"/>
           <p:cNvSpPr>
             <a:spLocks noGrp="1"/>
           </p:cNvSpPr>
@@ -3209,33 +3454,23 @@
           </a:prstGeom>
         </p:spPr>
         <p:txBody>
-          <a:bodyPr lIns="0" rIns="0" tIns="0" bIns="0" anchor="ctr"/>
+          <a:bodyPr lIns="0" tIns="0" rIns="0" bIns="0" anchor="ctr"/>
+          <a:lstStyle/>
           <a:p>
             <a:r>
-              <a:rPr b="0" lang="en-US" sz="1800" spc="-1" strike="noStrike">
+              <a:rPr lang="en-US" sz="1800" b="0" strike="noStrike" spc="-1">
                 <a:solidFill>
                   <a:srgbClr val="000000"/>
                 </a:solidFill>
                 <a:uFill>
                   <a:solidFill>
-                    <a:srgbClr val="ffffff"/>
+                    <a:srgbClr val="FFFFFF"/>
                   </a:solidFill>
                 </a:uFill>
                 <a:latin typeface="Arial"/>
               </a:rPr>
               <a:t>Click to edit the title text format</a:t>
             </a:r>
-            <a:endParaRPr b="0" lang="en-US" sz="1800" spc="-1" strike="noStrike">
-              <a:solidFill>
-                <a:srgbClr val="000000"/>
-              </a:solidFill>
-              <a:uFill>
-                <a:solidFill>
-                  <a:srgbClr val="ffffff"/>
-                </a:solidFill>
-              </a:uFill>
-              <a:latin typeface="Arial"/>
-            </a:endParaRPr>
           </a:p>
         </p:txBody>
       </p:sp>
@@ -3259,7 +3494,8 @@
           </a:prstGeom>
         </p:spPr>
         <p:txBody>
-          <a:bodyPr lIns="0" rIns="0" tIns="0" bIns="0"/>
+          <a:bodyPr lIns="0" tIns="0" rIns="0" bIns="0"/>
+          <a:lstStyle/>
           <a:p>
             <a:pPr marL="432000" indent="-324000">
               <a:spcBef>
@@ -3273,33 +3509,22 @@
               <a:buChar char=""/>
             </a:pPr>
             <a:r>
-              <a:rPr b="0" lang="en-US" sz="1800" spc="-1" strike="noStrike">
+              <a:rPr lang="en-US" sz="1800" b="0" strike="noStrike" spc="-1">
                 <a:solidFill>
                   <a:srgbClr val="000000"/>
                 </a:solidFill>
                 <a:uFill>
                   <a:solidFill>
-                    <a:srgbClr val="ffffff"/>
+                    <a:srgbClr val="FFFFFF"/>
                   </a:solidFill>
                 </a:uFill>
                 <a:latin typeface="Arial"/>
               </a:rPr>
               <a:t>Click to edit the outline text format</a:t>
             </a:r>
-            <a:endParaRPr b="0" lang="en-US" sz="1800" spc="-1" strike="noStrike">
-              <a:solidFill>
-                <a:srgbClr val="000000"/>
-              </a:solidFill>
-              <a:uFill>
-                <a:solidFill>
-                  <a:srgbClr val="ffffff"/>
-                </a:solidFill>
-              </a:uFill>
-              <a:latin typeface="Arial"/>
-            </a:endParaRPr>
-          </a:p>
-          <a:p>
-            <a:pPr lvl="1" marL="864000" indent="-324000">
+          </a:p>
+          <a:p>
+            <a:pPr marL="864000" lvl="1" indent="-324000">
               <a:spcBef>
                 <a:spcPts val="1134"/>
               </a:spcBef>
@@ -3311,33 +3536,22 @@
               <a:buChar char=""/>
             </a:pPr>
             <a:r>
-              <a:rPr b="0" lang="en-US" sz="1800" spc="-1" strike="noStrike">
+              <a:rPr lang="en-US" sz="1800" b="0" strike="noStrike" spc="-1">
                 <a:solidFill>
                   <a:srgbClr val="000000"/>
                 </a:solidFill>
                 <a:uFill>
                   <a:solidFill>
-                    <a:srgbClr val="ffffff"/>
+                    <a:srgbClr val="FFFFFF"/>
                   </a:solidFill>
                 </a:uFill>
                 <a:latin typeface="Arial"/>
               </a:rPr>
               <a:t>Second Outline Level</a:t>
             </a:r>
-            <a:endParaRPr b="0" lang="en-US" sz="1800" spc="-1" strike="noStrike">
-              <a:solidFill>
-                <a:srgbClr val="000000"/>
-              </a:solidFill>
-              <a:uFill>
-                <a:solidFill>
-                  <a:srgbClr val="ffffff"/>
-                </a:solidFill>
-              </a:uFill>
-              <a:latin typeface="Arial"/>
-            </a:endParaRPr>
-          </a:p>
-          <a:p>
-            <a:pPr lvl="2" marL="1296000" indent="-288000">
+          </a:p>
+          <a:p>
+            <a:pPr marL="1296000" lvl="2" indent="-288000">
               <a:spcBef>
                 <a:spcPts val="850"/>
               </a:spcBef>
@@ -3349,33 +3563,22 @@
               <a:buChar char=""/>
             </a:pPr>
             <a:r>
-              <a:rPr b="0" lang="en-US" sz="1800" spc="-1" strike="noStrike">
+              <a:rPr lang="en-US" sz="1800" b="0" strike="noStrike" spc="-1">
                 <a:solidFill>
                   <a:srgbClr val="000000"/>
                 </a:solidFill>
                 <a:uFill>
                   <a:solidFill>
-                    <a:srgbClr val="ffffff"/>
+                    <a:srgbClr val="FFFFFF"/>
                   </a:solidFill>
                 </a:uFill>
                 <a:latin typeface="Arial"/>
               </a:rPr>
               <a:t>Third Outline Level</a:t>
             </a:r>
-            <a:endParaRPr b="0" lang="en-US" sz="1800" spc="-1" strike="noStrike">
-              <a:solidFill>
-                <a:srgbClr val="000000"/>
-              </a:solidFill>
-              <a:uFill>
-                <a:solidFill>
-                  <a:srgbClr val="ffffff"/>
-                </a:solidFill>
-              </a:uFill>
-              <a:latin typeface="Arial"/>
-            </a:endParaRPr>
-          </a:p>
-          <a:p>
-            <a:pPr lvl="3" marL="1728000" indent="-216000">
+          </a:p>
+          <a:p>
+            <a:pPr marL="1728000" lvl="3" indent="-216000">
               <a:spcBef>
                 <a:spcPts val="567"/>
               </a:spcBef>
@@ -3387,33 +3590,22 @@
               <a:buChar char=""/>
             </a:pPr>
             <a:r>
-              <a:rPr b="0" lang="en-US" sz="1800" spc="-1" strike="noStrike">
+              <a:rPr lang="en-US" sz="1800" b="0" strike="noStrike" spc="-1">
                 <a:solidFill>
                   <a:srgbClr val="000000"/>
                 </a:solidFill>
                 <a:uFill>
                   <a:solidFill>
-                    <a:srgbClr val="ffffff"/>
+                    <a:srgbClr val="FFFFFF"/>
                   </a:solidFill>
                 </a:uFill>
                 <a:latin typeface="Arial"/>
               </a:rPr>
               <a:t>Fourth Outline Level</a:t>
             </a:r>
-            <a:endParaRPr b="0" lang="en-US" sz="1800" spc="-1" strike="noStrike">
-              <a:solidFill>
-                <a:srgbClr val="000000"/>
-              </a:solidFill>
-              <a:uFill>
-                <a:solidFill>
-                  <a:srgbClr val="ffffff"/>
-                </a:solidFill>
-              </a:uFill>
-              <a:latin typeface="Arial"/>
-            </a:endParaRPr>
-          </a:p>
-          <a:p>
-            <a:pPr lvl="4" marL="2160000" indent="-216000">
+          </a:p>
+          <a:p>
+            <a:pPr marL="2160000" lvl="4" indent="-216000">
               <a:spcBef>
                 <a:spcPts val="283"/>
               </a:spcBef>
@@ -3425,33 +3617,22 @@
               <a:buChar char=""/>
             </a:pPr>
             <a:r>
-              <a:rPr b="0" lang="en-US" sz="2000" spc="-1" strike="noStrike">
+              <a:rPr lang="en-US" sz="2000" b="0" strike="noStrike" spc="-1">
                 <a:solidFill>
                   <a:srgbClr val="000000"/>
                 </a:solidFill>
                 <a:uFill>
                   <a:solidFill>
-                    <a:srgbClr val="ffffff"/>
+                    <a:srgbClr val="FFFFFF"/>
                   </a:solidFill>
                 </a:uFill>
                 <a:latin typeface="Arial"/>
               </a:rPr>
               <a:t>Fifth Outline Level</a:t>
             </a:r>
-            <a:endParaRPr b="0" lang="en-US" sz="2000" spc="-1" strike="noStrike">
-              <a:solidFill>
-                <a:srgbClr val="000000"/>
-              </a:solidFill>
-              <a:uFill>
-                <a:solidFill>
-                  <a:srgbClr val="ffffff"/>
-                </a:solidFill>
-              </a:uFill>
-              <a:latin typeface="Arial"/>
-            </a:endParaRPr>
-          </a:p>
-          <a:p>
-            <a:pPr lvl="5" marL="2592000" indent="-216000">
+          </a:p>
+          <a:p>
+            <a:pPr marL="2592000" lvl="5" indent="-216000">
               <a:spcBef>
                 <a:spcPts val="283"/>
               </a:spcBef>
@@ -3463,33 +3644,22 @@
               <a:buChar char=""/>
             </a:pPr>
             <a:r>
-              <a:rPr b="0" lang="en-US" sz="2000" spc="-1" strike="noStrike">
+              <a:rPr lang="en-US" sz="2000" b="0" strike="noStrike" spc="-1">
                 <a:solidFill>
                   <a:srgbClr val="000000"/>
                 </a:solidFill>
                 <a:uFill>
                   <a:solidFill>
-                    <a:srgbClr val="ffffff"/>
+                    <a:srgbClr val="FFFFFF"/>
                   </a:solidFill>
                 </a:uFill>
                 <a:latin typeface="Arial"/>
               </a:rPr>
               <a:t>Sixth Outline Level</a:t>
             </a:r>
-            <a:endParaRPr b="0" lang="en-US" sz="2000" spc="-1" strike="noStrike">
-              <a:solidFill>
-                <a:srgbClr val="000000"/>
-              </a:solidFill>
-              <a:uFill>
-                <a:solidFill>
-                  <a:srgbClr val="ffffff"/>
-                </a:solidFill>
-              </a:uFill>
-              <a:latin typeface="Arial"/>
-            </a:endParaRPr>
-          </a:p>
-          <a:p>
-            <a:pPr lvl="6" marL="3024000" indent="-216000">
+          </a:p>
+          <a:p>
+            <a:pPr marL="3024000" lvl="6" indent="-216000">
               <a:spcBef>
                 <a:spcPts val="283"/>
               </a:spcBef>
@@ -3501,55 +3671,49 @@
               <a:buChar char=""/>
             </a:pPr>
             <a:r>
-              <a:rPr b="0" lang="en-US" sz="2000" spc="-1" strike="noStrike">
+              <a:rPr lang="en-US" sz="2000" b="0" strike="noStrike" spc="-1">
                 <a:solidFill>
                   <a:srgbClr val="000000"/>
                 </a:solidFill>
                 <a:uFill>
                   <a:solidFill>
-                    <a:srgbClr val="ffffff"/>
+                    <a:srgbClr val="FFFFFF"/>
                   </a:solidFill>
                 </a:uFill>
                 <a:latin typeface="Arial"/>
               </a:rPr>
               <a:t>Seventh Outline Level</a:t>
             </a:r>
-            <a:endParaRPr b="0" lang="en-US" sz="2000" spc="-1" strike="noStrike">
-              <a:solidFill>
-                <a:srgbClr val="000000"/>
-              </a:solidFill>
-              <a:uFill>
-                <a:solidFill>
-                  <a:srgbClr val="ffffff"/>
-                </a:solidFill>
-              </a:uFill>
-              <a:latin typeface="Arial"/>
-            </a:endParaRPr>
           </a:p>
         </p:txBody>
       </p:sp>
     </p:spTree>
   </p:cSld>
-  <p:clrMap bg1="lt1" bg2="lt2" tx1="dk1" tx2="dk2" accent1="accent1" accent2="accent2" accent3="accent3" accent4="accent4" accent5="accent5" accent6="accent6" hlink="hlink" folHlink="folHlink"/>
+  <p:clrMap bg1="lt1" tx1="dk1" bg2="lt2" tx2="dk2" accent1="accent1" accent2="accent2" accent3="accent3" accent4="accent4" accent5="accent5" accent6="accent6" hlink="hlink" folHlink="folHlink"/>
   <p:sldLayoutIdLst>
-    <p:sldLayoutId id="2147483649" r:id="rId2"/>
-    <p:sldLayoutId id="2147483650" r:id="rId3"/>
-    <p:sldLayoutId id="2147483651" r:id="rId4"/>
-    <p:sldLayoutId id="2147483652" r:id="rId5"/>
-    <p:sldLayoutId id="2147483653" r:id="rId6"/>
-    <p:sldLayoutId id="2147483654" r:id="rId7"/>
-    <p:sldLayoutId id="2147483655" r:id="rId8"/>
-    <p:sldLayoutId id="2147483656" r:id="rId9"/>
-    <p:sldLayoutId id="2147483657" r:id="rId10"/>
-    <p:sldLayoutId id="2147483658" r:id="rId11"/>
-    <p:sldLayoutId id="2147483659" r:id="rId12"/>
-    <p:sldLayoutId id="2147483660" r:id="rId13"/>
+    <p:sldLayoutId id="2147483649" r:id="rId1"/>
+    <p:sldLayoutId id="2147483650" r:id="rId2"/>
+    <p:sldLayoutId id="2147483651" r:id="rId3"/>
+    <p:sldLayoutId id="2147483652" r:id="rId4"/>
+    <p:sldLayoutId id="2147483653" r:id="rId5"/>
+    <p:sldLayoutId id="2147483654" r:id="rId6"/>
+    <p:sldLayoutId id="2147483655" r:id="rId7"/>
+    <p:sldLayoutId id="2147483656" r:id="rId8"/>
+    <p:sldLayoutId id="2147483657" r:id="rId9"/>
+    <p:sldLayoutId id="2147483658" r:id="rId10"/>
+    <p:sldLayoutId id="2147483659" r:id="rId11"/>
+    <p:sldLayoutId id="2147483660" r:id="rId12"/>
   </p:sldLayoutIdLst>
+  <p:txStyles>
+    <p:titleStyle/>
+    <p:bodyStyle/>
+    <p:otherStyle/>
+  </p:txStyles>
 </p:sldMaster>
 </file>
 
 <file path=ppt/slideMasters/slideMaster2.xml><?xml version="1.0" encoding="utf-8"?>
-<p:sldMaster xmlns:a="http://schemas.openxmlformats.org/drawingml/2006/main" xmlns:p="http://schemas.openxmlformats.org/presentationml/2006/main" xmlns:r="http://schemas.openxmlformats.org/officeDocument/2006/relationships" xmlns:p14="http://schemas.microsoft.com/office/powerpoint/2010/main" xmlns:p15="http://schemas.microsoft.com/office/powerpoint/2012/main" xmlns:mc="http://schemas.openxmlformats.org/markup-compatibility/2006">
+<p:sldMaster xmlns:a="http://schemas.openxmlformats.org/drawingml/2006/main" xmlns:r="http://schemas.openxmlformats.org/officeDocument/2006/relationships" xmlns:p="http://schemas.openxmlformats.org/presentationml/2006/main">
   <p:cSld>
     <p:spTree>
       <p:nvGrpSpPr>
@@ -3580,16 +3744,22 @@
             <a:avLst/>
           </a:prstGeom>
           <a:solidFill>
-            <a:srgbClr val="ef2929"/>
+            <a:srgbClr val="EF2929"/>
           </a:solidFill>
           <a:ln>
             <a:noFill/>
           </a:ln>
         </p:spPr>
         <p:style>
-          <a:lnRef idx="0"/>
-          <a:fillRef idx="0"/>
-          <a:effectRef idx="0"/>
+          <a:lnRef idx="0">
+            <a:scrgbClr r="0" g="0" b="0"/>
+          </a:lnRef>
+          <a:fillRef idx="0">
+            <a:scrgbClr r="0" g="0" b="0"/>
+          </a:fillRef>
+          <a:effectRef idx="0">
+            <a:scrgbClr r="0" g="0" b="0"/>
+          </a:effectRef>
           <a:fontRef idx="minor"/>
         </p:style>
       </p:sp>
@@ -3613,33 +3783,23 @@
           </a:prstGeom>
         </p:spPr>
         <p:txBody>
-          <a:bodyPr lIns="0" rIns="0" tIns="0" bIns="0" anchor="ctr"/>
+          <a:bodyPr lIns="0" tIns="0" rIns="0" bIns="0" anchor="ctr"/>
+          <a:lstStyle/>
           <a:p>
             <a:r>
-              <a:rPr b="0" lang="en-US" sz="1800" spc="-1" strike="noStrike">
+              <a:rPr lang="en-US" sz="1800" b="0" strike="noStrike" spc="-1">
                 <a:solidFill>
                   <a:srgbClr val="000000"/>
                 </a:solidFill>
                 <a:uFill>
                   <a:solidFill>
-                    <a:srgbClr val="ffffff"/>
+                    <a:srgbClr val="FFFFFF"/>
                   </a:solidFill>
                 </a:uFill>
                 <a:latin typeface="Arial"/>
               </a:rPr>
               <a:t>Click to edit the title text format</a:t>
             </a:r>
-            <a:endParaRPr b="0" lang="en-US" sz="1800" spc="-1" strike="noStrike">
-              <a:solidFill>
-                <a:srgbClr val="000000"/>
-              </a:solidFill>
-              <a:uFill>
-                <a:solidFill>
-                  <a:srgbClr val="ffffff"/>
-                </a:solidFill>
-              </a:uFill>
-              <a:latin typeface="Arial"/>
-            </a:endParaRPr>
           </a:p>
         </p:txBody>
       </p:sp>
@@ -3663,7 +3823,8 @@
           </a:prstGeom>
         </p:spPr>
         <p:txBody>
-          <a:bodyPr lIns="0" rIns="0" tIns="0" bIns="0"/>
+          <a:bodyPr lIns="0" tIns="0" rIns="0" bIns="0"/>
+          <a:lstStyle/>
           <a:p>
             <a:pPr marL="432000" indent="-324000">
               <a:spcBef>
@@ -3677,33 +3838,22 @@
               <a:buChar char=""/>
             </a:pPr>
             <a:r>
-              <a:rPr b="0" lang="en-US" sz="1800" spc="-1" strike="noStrike">
+              <a:rPr lang="en-US" sz="1800" b="0" strike="noStrike" spc="-1">
                 <a:solidFill>
                   <a:srgbClr val="000000"/>
                 </a:solidFill>
                 <a:uFill>
                   <a:solidFill>
-                    <a:srgbClr val="ffffff"/>
+                    <a:srgbClr val="FFFFFF"/>
                   </a:solidFill>
                 </a:uFill>
                 <a:latin typeface="Arial"/>
               </a:rPr>
               <a:t>Click to edit the outline text format</a:t>
             </a:r>
-            <a:endParaRPr b="0" lang="en-US" sz="1800" spc="-1" strike="noStrike">
-              <a:solidFill>
-                <a:srgbClr val="000000"/>
-              </a:solidFill>
-              <a:uFill>
-                <a:solidFill>
-                  <a:srgbClr val="ffffff"/>
-                </a:solidFill>
-              </a:uFill>
-              <a:latin typeface="Arial"/>
-            </a:endParaRPr>
-          </a:p>
-          <a:p>
-            <a:pPr lvl="1" marL="864000" indent="-324000">
+          </a:p>
+          <a:p>
+            <a:pPr marL="864000" lvl="1" indent="-324000">
               <a:spcBef>
                 <a:spcPts val="1134"/>
               </a:spcBef>
@@ -3715,33 +3865,22 @@
               <a:buChar char=""/>
             </a:pPr>
             <a:r>
-              <a:rPr b="0" lang="en-US" sz="1800" spc="-1" strike="noStrike">
+              <a:rPr lang="en-US" sz="1800" b="0" strike="noStrike" spc="-1">
                 <a:solidFill>
                   <a:srgbClr val="000000"/>
                 </a:solidFill>
                 <a:uFill>
                   <a:solidFill>
-                    <a:srgbClr val="ffffff"/>
+                    <a:srgbClr val="FFFFFF"/>
                   </a:solidFill>
                 </a:uFill>
                 <a:latin typeface="Arial"/>
               </a:rPr>
               <a:t>Second Outline Level</a:t>
             </a:r>
-            <a:endParaRPr b="0" lang="en-US" sz="1800" spc="-1" strike="noStrike">
-              <a:solidFill>
-                <a:srgbClr val="000000"/>
-              </a:solidFill>
-              <a:uFill>
-                <a:solidFill>
-                  <a:srgbClr val="ffffff"/>
-                </a:solidFill>
-              </a:uFill>
-              <a:latin typeface="Arial"/>
-            </a:endParaRPr>
-          </a:p>
-          <a:p>
-            <a:pPr lvl="2" marL="1296000" indent="-288000">
+          </a:p>
+          <a:p>
+            <a:pPr marL="1296000" lvl="2" indent="-288000">
               <a:spcBef>
                 <a:spcPts val="850"/>
               </a:spcBef>
@@ -3753,33 +3892,22 @@
               <a:buChar char=""/>
             </a:pPr>
             <a:r>
-              <a:rPr b="0" lang="en-US" sz="1800" spc="-1" strike="noStrike">
+              <a:rPr lang="en-US" sz="1800" b="0" strike="noStrike" spc="-1">
                 <a:solidFill>
                   <a:srgbClr val="000000"/>
                 </a:solidFill>
                 <a:uFill>
                   <a:solidFill>
-                    <a:srgbClr val="ffffff"/>
+                    <a:srgbClr val="FFFFFF"/>
                   </a:solidFill>
                 </a:uFill>
                 <a:latin typeface="Arial"/>
               </a:rPr>
               <a:t>Third Outline Level</a:t>
             </a:r>
-            <a:endParaRPr b="0" lang="en-US" sz="1800" spc="-1" strike="noStrike">
-              <a:solidFill>
-                <a:srgbClr val="000000"/>
-              </a:solidFill>
-              <a:uFill>
-                <a:solidFill>
-                  <a:srgbClr val="ffffff"/>
-                </a:solidFill>
-              </a:uFill>
-              <a:latin typeface="Arial"/>
-            </a:endParaRPr>
-          </a:p>
-          <a:p>
-            <a:pPr lvl="3" marL="1728000" indent="-216000">
+          </a:p>
+          <a:p>
+            <a:pPr marL="1728000" lvl="3" indent="-216000">
               <a:spcBef>
                 <a:spcPts val="567"/>
               </a:spcBef>
@@ -3791,33 +3919,22 @@
               <a:buChar char=""/>
             </a:pPr>
             <a:r>
-              <a:rPr b="0" lang="en-US" sz="1800" spc="-1" strike="noStrike">
+              <a:rPr lang="en-US" sz="1800" b="0" strike="noStrike" spc="-1">
                 <a:solidFill>
                   <a:srgbClr val="000000"/>
                 </a:solidFill>
                 <a:uFill>
                   <a:solidFill>
-                    <a:srgbClr val="ffffff"/>
+                    <a:srgbClr val="FFFFFF"/>
                   </a:solidFill>
                 </a:uFill>
                 <a:latin typeface="Arial"/>
               </a:rPr>
               <a:t>Fourth Outline Level</a:t>
             </a:r>
-            <a:endParaRPr b="0" lang="en-US" sz="1800" spc="-1" strike="noStrike">
-              <a:solidFill>
-                <a:srgbClr val="000000"/>
-              </a:solidFill>
-              <a:uFill>
-                <a:solidFill>
-                  <a:srgbClr val="ffffff"/>
-                </a:solidFill>
-              </a:uFill>
-              <a:latin typeface="Arial"/>
-            </a:endParaRPr>
-          </a:p>
-          <a:p>
-            <a:pPr lvl="4" marL="2160000" indent="-216000">
+          </a:p>
+          <a:p>
+            <a:pPr marL="2160000" lvl="4" indent="-216000">
               <a:spcBef>
                 <a:spcPts val="283"/>
               </a:spcBef>
@@ -3829,33 +3946,22 @@
               <a:buChar char=""/>
             </a:pPr>
             <a:r>
-              <a:rPr b="0" lang="en-US" sz="2000" spc="-1" strike="noStrike">
+              <a:rPr lang="en-US" sz="2000" b="0" strike="noStrike" spc="-1">
                 <a:solidFill>
                   <a:srgbClr val="000000"/>
                 </a:solidFill>
                 <a:uFill>
                   <a:solidFill>
-                    <a:srgbClr val="ffffff"/>
+                    <a:srgbClr val="FFFFFF"/>
                   </a:solidFill>
                 </a:uFill>
                 <a:latin typeface="Arial"/>
               </a:rPr>
               <a:t>Fifth Outline Level</a:t>
             </a:r>
-            <a:endParaRPr b="0" lang="en-US" sz="2000" spc="-1" strike="noStrike">
-              <a:solidFill>
-                <a:srgbClr val="000000"/>
-              </a:solidFill>
-              <a:uFill>
-                <a:solidFill>
-                  <a:srgbClr val="ffffff"/>
-                </a:solidFill>
-              </a:uFill>
-              <a:latin typeface="Arial"/>
-            </a:endParaRPr>
-          </a:p>
-          <a:p>
-            <a:pPr lvl="5" marL="2592000" indent="-216000">
+          </a:p>
+          <a:p>
+            <a:pPr marL="2592000" lvl="5" indent="-216000">
               <a:spcBef>
                 <a:spcPts val="283"/>
               </a:spcBef>
@@ -3867,33 +3973,22 @@
               <a:buChar char=""/>
             </a:pPr>
             <a:r>
-              <a:rPr b="0" lang="en-US" sz="2000" spc="-1" strike="noStrike">
+              <a:rPr lang="en-US" sz="2000" b="0" strike="noStrike" spc="-1">
                 <a:solidFill>
                   <a:srgbClr val="000000"/>
                 </a:solidFill>
                 <a:uFill>
                   <a:solidFill>
-                    <a:srgbClr val="ffffff"/>
+                    <a:srgbClr val="FFFFFF"/>
                   </a:solidFill>
                 </a:uFill>
                 <a:latin typeface="Arial"/>
               </a:rPr>
               <a:t>Sixth Outline Level</a:t>
             </a:r>
-            <a:endParaRPr b="0" lang="en-US" sz="2000" spc="-1" strike="noStrike">
-              <a:solidFill>
-                <a:srgbClr val="000000"/>
-              </a:solidFill>
-              <a:uFill>
-                <a:solidFill>
-                  <a:srgbClr val="ffffff"/>
-                </a:solidFill>
-              </a:uFill>
-              <a:latin typeface="Arial"/>
-            </a:endParaRPr>
-          </a:p>
-          <a:p>
-            <a:pPr lvl="6" marL="3024000" indent="-216000">
+          </a:p>
+          <a:p>
+            <a:pPr marL="3024000" lvl="6" indent="-216000">
               <a:spcBef>
                 <a:spcPts val="283"/>
               </a:spcBef>
@@ -3905,55 +4000,49 @@
               <a:buChar char=""/>
             </a:pPr>
             <a:r>
-              <a:rPr b="0" lang="en-US" sz="2000" spc="-1" strike="noStrike">
+              <a:rPr lang="en-US" sz="2000" b="0" strike="noStrike" spc="-1">
                 <a:solidFill>
                   <a:srgbClr val="000000"/>
                 </a:solidFill>
                 <a:uFill>
                   <a:solidFill>
-                    <a:srgbClr val="ffffff"/>
+                    <a:srgbClr val="FFFFFF"/>
                   </a:solidFill>
                 </a:uFill>
                 <a:latin typeface="Arial"/>
               </a:rPr>
               <a:t>Seventh Outline Level</a:t>
             </a:r>
-            <a:endParaRPr b="0" lang="en-US" sz="2000" spc="-1" strike="noStrike">
-              <a:solidFill>
-                <a:srgbClr val="000000"/>
-              </a:solidFill>
-              <a:uFill>
-                <a:solidFill>
-                  <a:srgbClr val="ffffff"/>
-                </a:solidFill>
-              </a:uFill>
-              <a:latin typeface="Arial"/>
-            </a:endParaRPr>
           </a:p>
         </p:txBody>
       </p:sp>
     </p:spTree>
   </p:cSld>
-  <p:clrMap bg1="lt1" bg2="lt2" tx1="dk1" tx2="dk2" accent1="accent1" accent2="accent2" accent3="accent3" accent4="accent4" accent5="accent5" accent6="accent6" hlink="hlink" folHlink="folHlink"/>
+  <p:clrMap bg1="lt1" tx1="dk1" bg2="lt2" tx2="dk2" accent1="accent1" accent2="accent2" accent3="accent3" accent4="accent4" accent5="accent5" accent6="accent6" hlink="hlink" folHlink="folHlink"/>
   <p:sldLayoutIdLst>
-    <p:sldLayoutId id="2147483662" r:id="rId2"/>
-    <p:sldLayoutId id="2147483663" r:id="rId3"/>
-    <p:sldLayoutId id="2147483664" r:id="rId4"/>
-    <p:sldLayoutId id="2147483665" r:id="rId5"/>
-    <p:sldLayoutId id="2147483666" r:id="rId6"/>
-    <p:sldLayoutId id="2147483667" r:id="rId7"/>
-    <p:sldLayoutId id="2147483668" r:id="rId8"/>
-    <p:sldLayoutId id="2147483669" r:id="rId9"/>
-    <p:sldLayoutId id="2147483670" r:id="rId10"/>
-    <p:sldLayoutId id="2147483671" r:id="rId11"/>
-    <p:sldLayoutId id="2147483672" r:id="rId12"/>
-    <p:sldLayoutId id="2147483673" r:id="rId13"/>
+    <p:sldLayoutId id="2147483662" r:id="rId1"/>
+    <p:sldLayoutId id="2147483663" r:id="rId2"/>
+    <p:sldLayoutId id="2147483664" r:id="rId3"/>
+    <p:sldLayoutId id="2147483665" r:id="rId4"/>
+    <p:sldLayoutId id="2147483666" r:id="rId5"/>
+    <p:sldLayoutId id="2147483667" r:id="rId6"/>
+    <p:sldLayoutId id="2147483668" r:id="rId7"/>
+    <p:sldLayoutId id="2147483669" r:id="rId8"/>
+    <p:sldLayoutId id="2147483670" r:id="rId9"/>
+    <p:sldLayoutId id="2147483671" r:id="rId10"/>
+    <p:sldLayoutId id="2147483672" r:id="rId11"/>
+    <p:sldLayoutId id="2147483673" r:id="rId12"/>
   </p:sldLayoutIdLst>
+  <p:txStyles>
+    <p:titleStyle/>
+    <p:bodyStyle/>
+    <p:otherStyle/>
+  </p:txStyles>
 </p:sldMaster>
 </file>
 
 <file path=ppt/slides/slide1.xml><?xml version="1.0" encoding="utf-8"?>
-<p:sld xmlns:a="http://schemas.openxmlformats.org/drawingml/2006/main" xmlns:p="http://schemas.openxmlformats.org/presentationml/2006/main" xmlns:r="http://schemas.openxmlformats.org/officeDocument/2006/relationships" xmlns:p14="http://schemas.microsoft.com/office/powerpoint/2010/main" xmlns:p15="http://schemas.microsoft.com/office/powerpoint/2012/main" xmlns:mc="http://schemas.openxmlformats.org/markup-compatibility/2006">
+<p:sld xmlns:a="http://schemas.openxmlformats.org/drawingml/2006/main" xmlns:r="http://schemas.openxmlformats.org/officeDocument/2006/relationships" xmlns:p="http://schemas.openxmlformats.org/presentationml/2006/main">
   <p:cSld>
     <p:spTree>
       <p:nvGrpSpPr>
@@ -3989,13 +4078,20 @@
           </a:ln>
         </p:spPr>
         <p:style>
-          <a:lnRef idx="0"/>
-          <a:fillRef idx="0"/>
-          <a:effectRef idx="0"/>
+          <a:lnRef idx="0">
+            <a:scrgbClr r="0" g="0" b="0"/>
+          </a:lnRef>
+          <a:fillRef idx="0">
+            <a:scrgbClr r="0" g="0" b="0"/>
+          </a:fillRef>
+          <a:effectRef idx="0">
+            <a:scrgbClr r="0" g="0" b="0"/>
+          </a:effectRef>
           <a:fontRef idx="minor"/>
         </p:style>
         <p:txBody>
-          <a:bodyPr lIns="0" rIns="0" tIns="0" bIns="0" anchor="ctr"/>
+          <a:bodyPr lIns="0" tIns="0" rIns="0" bIns="0" anchor="ctr"/>
+          <a:lstStyle/>
           <a:p>
             <a:pPr>
               <a:lnSpc>
@@ -4003,13 +4099,13 @@
               </a:lnSpc>
             </a:pPr>
             <a:r>
-              <a:rPr b="1" lang="en-US" sz="4800" spc="-1" strike="noStrike">
+              <a:rPr lang="en-US" sz="4800" b="1" strike="noStrike" spc="-1">
                 <a:solidFill>
                   <a:srgbClr val="333333"/>
                 </a:solidFill>
                 <a:uFill>
                   <a:solidFill>
-                    <a:srgbClr val="ffffff"/>
+                    <a:srgbClr val="FFFFFF"/>
                   </a:solidFill>
                 </a:uFill>
                 <a:latin typeface="Open Sans"/>
@@ -4017,13 +4113,13 @@
               </a:rPr>
               <a:t>Cybersecurity Password Vault using Java</a:t>
             </a:r>
-            <a:endParaRPr b="0" lang="en-US" sz="1800" spc="-1" strike="noStrike">
-              <a:solidFill>
-                <a:srgbClr val="000000"/>
-              </a:solidFill>
-              <a:uFill>
-                <a:solidFill>
-                  <a:srgbClr val="ffffff"/>
+            <a:endParaRPr lang="en-US" sz="1800" b="0" strike="noStrike" spc="-1">
+              <a:solidFill>
+                <a:srgbClr val="000000"/>
+              </a:solidFill>
+              <a:uFill>
+                <a:solidFill>
+                  <a:srgbClr val="FFFFFF"/>
                 </a:solidFill>
               </a:uFill>
               <a:latin typeface="Arial"/>
@@ -4051,14 +4147,23 @@
           </a:ln>
         </p:spPr>
         <p:style>
-          <a:lnRef idx="0"/>
-          <a:fillRef idx="0"/>
-          <a:effectRef idx="0"/>
+          <a:lnRef idx="0">
+            <a:scrgbClr r="0" g="0" b="0"/>
+          </a:lnRef>
+          <a:fillRef idx="0">
+            <a:scrgbClr r="0" g="0" b="0"/>
+          </a:fillRef>
+          <a:effectRef idx="0">
+            <a:scrgbClr r="0" g="0" b="0"/>
+          </a:effectRef>
           <a:fontRef idx="minor"/>
         </p:style>
       </p:sp>
     </p:spTree>
   </p:cSld>
+  <p:clrMapOvr>
+    <a:masterClrMapping/>
+  </p:clrMapOvr>
   <p:timing>
     <p:tnLst>
       <p:par>
@@ -4067,14 +4172,14 @@
             <p:seq>
               <p:cTn id="2" nodeType="mainSeq"/>
               <p:prevCondLst>
-                <p:cond delay="0" evt="onPrev">
+                <p:cond evt="onPrev" delay="0">
                   <p:tgtEl>
                     <p:sldTgt/>
                   </p:tgtEl>
                 </p:cond>
               </p:prevCondLst>
               <p:nextCondLst>
-                <p:cond delay="0" evt="onNext">
+                <p:cond evt="onNext" delay="0">
                   <p:tgtEl>
                     <p:sldTgt/>
                   </p:tgtEl>
@@ -4090,7 +4195,7 @@
 </file>
 
 <file path=ppt/slides/slide2.xml><?xml version="1.0" encoding="utf-8"?>
-<p:sld xmlns:a="http://schemas.openxmlformats.org/drawingml/2006/main" xmlns:p="http://schemas.openxmlformats.org/presentationml/2006/main" xmlns:r="http://schemas.openxmlformats.org/officeDocument/2006/relationships" xmlns:p14="http://schemas.microsoft.com/office/powerpoint/2010/main" xmlns:p15="http://schemas.microsoft.com/office/powerpoint/2012/main" xmlns:mc="http://schemas.openxmlformats.org/markup-compatibility/2006">
+<p:sld xmlns:a="http://schemas.openxmlformats.org/drawingml/2006/main" xmlns:r="http://schemas.openxmlformats.org/officeDocument/2006/relationships" xmlns:p="http://schemas.openxmlformats.org/presentationml/2006/main">
   <p:cSld>
     <p:spTree>
       <p:nvGrpSpPr>
@@ -4126,13 +4231,20 @@
           </a:ln>
         </p:spPr>
         <p:style>
-          <a:lnRef idx="0"/>
-          <a:fillRef idx="0"/>
-          <a:effectRef idx="0"/>
+          <a:lnRef idx="0">
+            <a:scrgbClr r="0" g="0" b="0"/>
+          </a:lnRef>
+          <a:fillRef idx="0">
+            <a:scrgbClr r="0" g="0" b="0"/>
+          </a:fillRef>
+          <a:effectRef idx="0">
+            <a:scrgbClr r="0" g="0" b="0"/>
+          </a:effectRef>
           <a:fontRef idx="minor"/>
         </p:style>
         <p:txBody>
-          <a:bodyPr lIns="90000" rIns="90000" tIns="45000" bIns="45000"/>
+          <a:bodyPr lIns="90000" tIns="45000" rIns="90000" bIns="45000"/>
+          <a:lstStyle/>
           <a:p>
             <a:pPr>
               <a:lnSpc>
@@ -4140,42 +4252,27 @@
               </a:lnSpc>
             </a:pPr>
             <a:r>
-              <a:rPr b="1" lang="en-US" sz="4400" spc="-1" strike="noStrike">
+              <a:rPr lang="en-US" sz="4400" b="1" strike="noStrike" spc="-1">
                 <a:solidFill>
                   <a:srgbClr val="333333"/>
                 </a:solidFill>
                 <a:uFill>
                   <a:solidFill>
-                    <a:srgbClr val="ffffff"/>
+                    <a:srgbClr val="FFFFFF"/>
                   </a:solidFill>
                 </a:uFill>
                 <a:latin typeface="Open Sans"/>
                 <a:ea typeface="DejaVu Sans"/>
               </a:rPr>
-              <a:t>Password Vault </a:t>
+              <a:t>Password Vault 	</a:t>
             </a:r>
-            <a:r>
-              <a:rPr b="1" lang="en-US" sz="4400" spc="-1" strike="noStrike">
-                <a:solidFill>
-                  <a:srgbClr val="333333"/>
-                </a:solidFill>
-                <a:uFill>
-                  <a:solidFill>
-                    <a:srgbClr val="ffffff"/>
-                  </a:solidFill>
-                </a:uFill>
-                <a:latin typeface="Open Sans"/>
-                <a:ea typeface="DejaVu Sans"/>
-              </a:rPr>
-              <a:t>	</a:t>
-            </a:r>
-            <a:endParaRPr b="0" lang="en-US" sz="1800" spc="-1" strike="noStrike">
-              <a:solidFill>
-                <a:srgbClr val="000000"/>
-              </a:solidFill>
-              <a:uFill>
-                <a:solidFill>
-                  <a:srgbClr val="ffffff"/>
+            <a:endParaRPr lang="en-US" sz="1800" b="0" strike="noStrike" spc="-1">
+              <a:solidFill>
+                <a:srgbClr val="000000"/>
+              </a:solidFill>
+              <a:uFill>
+                <a:solidFill>
+                  <a:srgbClr val="FFFFFF"/>
                 </a:solidFill>
               </a:uFill>
               <a:latin typeface="Arial"/>
@@ -4203,13 +4300,20 @@
           </a:ln>
         </p:spPr>
         <p:style>
-          <a:lnRef idx="0"/>
-          <a:fillRef idx="0"/>
-          <a:effectRef idx="0"/>
+          <a:lnRef idx="0">
+            <a:scrgbClr r="0" g="0" b="0"/>
+          </a:lnRef>
+          <a:fillRef idx="0">
+            <a:scrgbClr r="0" g="0" b="0"/>
+          </a:fillRef>
+          <a:effectRef idx="0">
+            <a:scrgbClr r="0" g="0" b="0"/>
+          </a:effectRef>
           <a:fontRef idx="minor"/>
         </p:style>
         <p:txBody>
-          <a:bodyPr lIns="90000" rIns="90000" tIns="45000" bIns="45000"/>
+          <a:bodyPr lIns="90000" tIns="45000" rIns="90000" bIns="45000"/>
+          <a:lstStyle/>
           <a:p>
             <a:pPr>
               <a:lnSpc>
@@ -4220,13 +4324,13 @@
               </a:spcAft>
             </a:pPr>
             <a:r>
-              <a:rPr b="0" lang="en-US" sz="2800" spc="-1" strike="noStrike">
+              <a:rPr lang="en-US" sz="2800" b="0" strike="noStrike" spc="-1">
                 <a:solidFill>
                   <a:srgbClr val="333333"/>
                 </a:solidFill>
                 <a:uFill>
                   <a:solidFill>
-                    <a:srgbClr val="ffffff"/>
+                    <a:srgbClr val="FFFFFF"/>
                   </a:solidFill>
                 </a:uFill>
                 <a:latin typeface="Open Sans"/>
@@ -4234,13 +4338,13 @@
               </a:rPr>
               <a:t>A password vault is a program that will allow a user to store their username and passwords for websites and programs. It uses encryption to ensure only the user will have access to the information</a:t>
             </a:r>
-            <a:endParaRPr b="0" lang="en-US" sz="1800" spc="-1" strike="noStrike">
-              <a:solidFill>
-                <a:srgbClr val="000000"/>
-              </a:solidFill>
-              <a:uFill>
-                <a:solidFill>
-                  <a:srgbClr val="ffffff"/>
+            <a:endParaRPr lang="en-US" sz="1800" b="0" strike="noStrike" spc="-1">
+              <a:solidFill>
+                <a:srgbClr val="000000"/>
+              </a:solidFill>
+              <a:uFill>
+                <a:solidFill>
+                  <a:srgbClr val="FFFFFF"/>
                 </a:solidFill>
               </a:uFill>
               <a:latin typeface="Arial"/>
@@ -4250,22 +4354,25 @@
       </p:sp>
     </p:spTree>
   </p:cSld>
+  <p:clrMapOvr>
+    <a:masterClrMapping/>
+  </p:clrMapOvr>
   <p:timing>
     <p:tnLst>
       <p:par>
-        <p:cTn id="3" dur="indefinite" restart="never" nodeType="tmRoot">
+        <p:cTn id="1" dur="indefinite" restart="never" nodeType="tmRoot">
           <p:childTnLst>
             <p:seq>
-              <p:cTn id="4" nodeType="mainSeq"/>
+              <p:cTn id="2" nodeType="mainSeq"/>
               <p:prevCondLst>
-                <p:cond delay="0" evt="onPrev">
+                <p:cond evt="onPrev" delay="0">
                   <p:tgtEl>
                     <p:sldTgt/>
                   </p:tgtEl>
                 </p:cond>
               </p:prevCondLst>
               <p:nextCondLst>
-                <p:cond delay="0" evt="onNext">
+                <p:cond evt="onNext" delay="0">
                   <p:tgtEl>
                     <p:sldTgt/>
                   </p:tgtEl>
@@ -4281,7 +4388,7 @@
 </file>
 
 <file path=ppt/slides/slide3.xml><?xml version="1.0" encoding="utf-8"?>
-<p:sld xmlns:a="http://schemas.openxmlformats.org/drawingml/2006/main" xmlns:p="http://schemas.openxmlformats.org/presentationml/2006/main" xmlns:r="http://schemas.openxmlformats.org/officeDocument/2006/relationships" xmlns:p14="http://schemas.microsoft.com/office/powerpoint/2010/main" xmlns:p15="http://schemas.microsoft.com/office/powerpoint/2012/main" xmlns:mc="http://schemas.openxmlformats.org/markup-compatibility/2006">
+<p:sld xmlns:a="http://schemas.openxmlformats.org/drawingml/2006/main" xmlns:r="http://schemas.openxmlformats.org/officeDocument/2006/relationships" xmlns:p="http://schemas.openxmlformats.org/presentationml/2006/main">
   <p:cSld>
     <p:spTree>
       <p:nvGrpSpPr>
@@ -4317,13 +4424,20 @@
           </a:ln>
         </p:spPr>
         <p:style>
-          <a:lnRef idx="0"/>
-          <a:fillRef idx="0"/>
-          <a:effectRef idx="0"/>
+          <a:lnRef idx="0">
+            <a:scrgbClr r="0" g="0" b="0"/>
+          </a:lnRef>
+          <a:fillRef idx="0">
+            <a:scrgbClr r="0" g="0" b="0"/>
+          </a:fillRef>
+          <a:effectRef idx="0">
+            <a:scrgbClr r="0" g="0" b="0"/>
+          </a:effectRef>
           <a:fontRef idx="minor"/>
         </p:style>
         <p:txBody>
-          <a:bodyPr lIns="0" rIns="0" tIns="0" bIns="0" anchor="ctr"/>
+          <a:bodyPr lIns="0" tIns="0" rIns="0" bIns="0" anchor="ctr"/>
+          <a:lstStyle/>
           <a:p>
             <a:pPr>
               <a:lnSpc>
@@ -4331,42 +4445,27 @@
               </a:lnSpc>
             </a:pPr>
             <a:r>
-              <a:rPr b="1" lang="en-US" sz="4400" spc="-1" strike="noStrike">
+              <a:rPr lang="en-US" sz="4400" b="1" strike="noStrike" spc="-1">
                 <a:solidFill>
                   <a:srgbClr val="333333"/>
                 </a:solidFill>
                 <a:uFill>
                   <a:solidFill>
-                    <a:srgbClr val="ffffff"/>
+                    <a:srgbClr val="FFFFFF"/>
                   </a:solidFill>
                 </a:uFill>
                 <a:latin typeface="Open Sans"/>
                 <a:ea typeface="DejaVu Sans"/>
               </a:rPr>
-              <a:t>Password Vault Team </a:t>
+              <a:t>Password Vault Team 	</a:t>
             </a:r>
-            <a:r>
-              <a:rPr b="1" lang="en-US" sz="4400" spc="-1" strike="noStrike">
-                <a:solidFill>
-                  <a:srgbClr val="333333"/>
-                </a:solidFill>
-                <a:uFill>
-                  <a:solidFill>
-                    <a:srgbClr val="ffffff"/>
-                  </a:solidFill>
-                </a:uFill>
-                <a:latin typeface="Open Sans"/>
-                <a:ea typeface="DejaVu Sans"/>
-              </a:rPr>
-              <a:t>	</a:t>
-            </a:r>
-            <a:endParaRPr b="0" lang="en-US" sz="1800" spc="-1" strike="noStrike">
-              <a:solidFill>
-                <a:srgbClr val="000000"/>
-              </a:solidFill>
-              <a:uFill>
-                <a:solidFill>
-                  <a:srgbClr val="ffffff"/>
+            <a:endParaRPr lang="en-US" sz="1800" b="0" strike="noStrike" spc="-1">
+              <a:solidFill>
+                <a:srgbClr val="000000"/>
+              </a:solidFill>
+              <a:uFill>
+                <a:solidFill>
+                  <a:srgbClr val="FFFFFF"/>
                 </a:solidFill>
               </a:uFill>
               <a:latin typeface="Arial"/>
@@ -4394,13 +4493,20 @@
           </a:ln>
         </p:spPr>
         <p:style>
-          <a:lnRef idx="0"/>
-          <a:fillRef idx="0"/>
-          <a:effectRef idx="0"/>
+          <a:lnRef idx="0">
+            <a:scrgbClr r="0" g="0" b="0"/>
+          </a:lnRef>
+          <a:fillRef idx="0">
+            <a:scrgbClr r="0" g="0" b="0"/>
+          </a:fillRef>
+          <a:effectRef idx="0">
+            <a:scrgbClr r="0" g="0" b="0"/>
+          </a:effectRef>
           <a:fontRef idx="minor"/>
         </p:style>
         <p:txBody>
-          <a:bodyPr lIns="0" rIns="0" tIns="0" bIns="0"/>
+          <a:bodyPr lIns="0" tIns="0" rIns="0" bIns="0"/>
+          <a:lstStyle/>
           <a:p>
             <a:pPr marL="432000" indent="-322920">
               <a:lnSpc>
@@ -4410,20 +4516,20 @@
                 <a:spcPts val="1414"/>
               </a:spcAft>
               <a:buClr>
-                <a:srgbClr val="ef2929"/>
+                <a:srgbClr val="EF2929"/>
               </a:buClr>
               <a:buSzPct val="45000"/>
               <a:buFont typeface="Wingdings" charset="2"/>
               <a:buChar char=""/>
             </a:pPr>
             <a:r>
-              <a:rPr b="0" lang="en-US" sz="2800" spc="-1" strike="noStrike">
+              <a:rPr lang="en-US" sz="2800" b="0" strike="noStrike" spc="-1">
                 <a:solidFill>
                   <a:srgbClr val="333333"/>
                 </a:solidFill>
                 <a:uFill>
                   <a:solidFill>
-                    <a:srgbClr val="ffffff"/>
+                    <a:srgbClr val="FFFFFF"/>
                   </a:solidFill>
                 </a:uFill>
                 <a:latin typeface="Open Sans"/>
@@ -4431,13 +4537,13 @@
               </a:rPr>
               <a:t>John Crosby - Authentication</a:t>
             </a:r>
-            <a:endParaRPr b="0" lang="en-US" sz="1800" spc="-1" strike="noStrike">
-              <a:solidFill>
-                <a:srgbClr val="000000"/>
-              </a:solidFill>
-              <a:uFill>
-                <a:solidFill>
-                  <a:srgbClr val="ffffff"/>
+            <a:endParaRPr lang="en-US" sz="1800" b="0" strike="noStrike" spc="-1">
+              <a:solidFill>
+                <a:srgbClr val="000000"/>
+              </a:solidFill>
+              <a:uFill>
+                <a:solidFill>
+                  <a:srgbClr val="FFFFFF"/>
                 </a:solidFill>
               </a:uFill>
               <a:latin typeface="Arial"/>
@@ -4452,20 +4558,20 @@
                 <a:spcPts val="1414"/>
               </a:spcAft>
               <a:buClr>
-                <a:srgbClr val="ef2929"/>
+                <a:srgbClr val="EF2929"/>
               </a:buClr>
               <a:buSzPct val="45000"/>
               <a:buFont typeface="Wingdings" charset="2"/>
               <a:buChar char=""/>
             </a:pPr>
             <a:r>
-              <a:rPr b="0" lang="en-US" sz="2800" spc="-1" strike="noStrike">
+              <a:rPr lang="en-US" sz="2800" b="0" strike="noStrike" spc="-1">
                 <a:solidFill>
                   <a:srgbClr val="333333"/>
                 </a:solidFill>
                 <a:uFill>
                   <a:solidFill>
-                    <a:srgbClr val="ffffff"/>
+                    <a:srgbClr val="FFFFFF"/>
                   </a:solidFill>
                 </a:uFill>
                 <a:latin typeface="Open Sans"/>
@@ -4473,13 +4579,13 @@
               </a:rPr>
               <a:t>Kevin Yang – Password Encryption</a:t>
             </a:r>
-            <a:endParaRPr b="0" lang="en-US" sz="1800" spc="-1" strike="noStrike">
-              <a:solidFill>
-                <a:srgbClr val="000000"/>
-              </a:solidFill>
-              <a:uFill>
-                <a:solidFill>
-                  <a:srgbClr val="ffffff"/>
+            <a:endParaRPr lang="en-US" sz="1800" b="0" strike="noStrike" spc="-1">
+              <a:solidFill>
+                <a:srgbClr val="000000"/>
+              </a:solidFill>
+              <a:uFill>
+                <a:solidFill>
+                  <a:srgbClr val="FFFFFF"/>
                 </a:solidFill>
               </a:uFill>
               <a:latin typeface="Arial"/>
@@ -4494,20 +4600,20 @@
                 <a:spcPts val="1414"/>
               </a:spcAft>
               <a:buClr>
-                <a:srgbClr val="ef2929"/>
+                <a:srgbClr val="EF2929"/>
               </a:buClr>
               <a:buSzPct val="45000"/>
               <a:buFont typeface="Wingdings" charset="2"/>
               <a:buChar char=""/>
             </a:pPr>
             <a:r>
-              <a:rPr b="0" lang="en-US" sz="2800" spc="-1" strike="noStrike">
+              <a:rPr lang="en-US" sz="2800" b="0" strike="noStrike" spc="-1">
                 <a:solidFill>
                   <a:srgbClr val="333333"/>
                 </a:solidFill>
                 <a:uFill>
                   <a:solidFill>
-                    <a:srgbClr val="ffffff"/>
+                    <a:srgbClr val="FFFFFF"/>
                   </a:solidFill>
                 </a:uFill>
                 <a:latin typeface="Open Sans"/>
@@ -4515,13 +4621,13 @@
               </a:rPr>
               <a:t>Brian Sumner – User Interface</a:t>
             </a:r>
-            <a:endParaRPr b="0" lang="en-US" sz="1800" spc="-1" strike="noStrike">
-              <a:solidFill>
-                <a:srgbClr val="000000"/>
-              </a:solidFill>
-              <a:uFill>
-                <a:solidFill>
-                  <a:srgbClr val="ffffff"/>
+            <a:endParaRPr lang="en-US" sz="1800" b="0" strike="noStrike" spc="-1">
+              <a:solidFill>
+                <a:srgbClr val="000000"/>
+              </a:solidFill>
+              <a:uFill>
+                <a:solidFill>
+                  <a:srgbClr val="FFFFFF"/>
                 </a:solidFill>
               </a:uFill>
               <a:latin typeface="Arial"/>
@@ -4536,13 +4642,13 @@
                 <a:spcPts val="1414"/>
               </a:spcAft>
             </a:pPr>
-            <a:endParaRPr b="0" lang="en-US" sz="1800" spc="-1" strike="noStrike">
-              <a:solidFill>
-                <a:srgbClr val="000000"/>
-              </a:solidFill>
-              <a:uFill>
-                <a:solidFill>
-                  <a:srgbClr val="ffffff"/>
+            <a:endParaRPr lang="en-US" sz="1800" b="0" strike="noStrike" spc="-1">
+              <a:solidFill>
+                <a:srgbClr val="000000"/>
+              </a:solidFill>
+              <a:uFill>
+                <a:solidFill>
+                  <a:srgbClr val="FFFFFF"/>
                 </a:solidFill>
               </a:uFill>
               <a:latin typeface="Arial"/>
@@ -4552,22 +4658,25 @@
       </p:sp>
     </p:spTree>
   </p:cSld>
+  <p:clrMapOvr>
+    <a:masterClrMapping/>
+  </p:clrMapOvr>
   <p:timing>
     <p:tnLst>
       <p:par>
-        <p:cTn id="5" dur="indefinite" restart="never" nodeType="tmRoot">
+        <p:cTn id="1" dur="indefinite" restart="never" nodeType="tmRoot">
           <p:childTnLst>
             <p:seq>
-              <p:cTn id="6" nodeType="mainSeq"/>
+              <p:cTn id="2" nodeType="mainSeq"/>
               <p:prevCondLst>
-                <p:cond delay="0" evt="onPrev">
+                <p:cond evt="onPrev" delay="0">
                   <p:tgtEl>
                     <p:sldTgt/>
                   </p:tgtEl>
                 </p:cond>
               </p:prevCondLst>
               <p:nextCondLst>
-                <p:cond delay="0" evt="onNext">
+                <p:cond evt="onNext" delay="0">
                   <p:tgtEl>
                     <p:sldTgt/>
                   </p:tgtEl>
@@ -4583,7 +4692,7 @@
 </file>
 
 <file path=ppt/slides/slide4.xml><?xml version="1.0" encoding="utf-8"?>
-<p:sld xmlns:a="http://schemas.openxmlformats.org/drawingml/2006/main" xmlns:p="http://schemas.openxmlformats.org/presentationml/2006/main" xmlns:r="http://schemas.openxmlformats.org/officeDocument/2006/relationships" xmlns:p14="http://schemas.microsoft.com/office/powerpoint/2010/main" xmlns:p15="http://schemas.microsoft.com/office/powerpoint/2012/main" xmlns:mc="http://schemas.openxmlformats.org/markup-compatibility/2006">
+<p:sld xmlns:a="http://schemas.openxmlformats.org/drawingml/2006/main" xmlns:r="http://schemas.openxmlformats.org/officeDocument/2006/relationships" xmlns:p="http://schemas.openxmlformats.org/presentationml/2006/main">
   <p:cSld>
     <p:spTree>
       <p:nvGrpSpPr>
@@ -4619,13 +4728,20 @@
           </a:ln>
         </p:spPr>
         <p:style>
-          <a:lnRef idx="0"/>
-          <a:fillRef idx="0"/>
-          <a:effectRef idx="0"/>
+          <a:lnRef idx="0">
+            <a:scrgbClr r="0" g="0" b="0"/>
+          </a:lnRef>
+          <a:fillRef idx="0">
+            <a:scrgbClr r="0" g="0" b="0"/>
+          </a:fillRef>
+          <a:effectRef idx="0">
+            <a:scrgbClr r="0" g="0" b="0"/>
+          </a:effectRef>
           <a:fontRef idx="minor"/>
         </p:style>
         <p:txBody>
-          <a:bodyPr lIns="0" rIns="0" tIns="0" bIns="0" anchor="ctr"/>
+          <a:bodyPr lIns="0" tIns="0" rIns="0" bIns="0" anchor="ctr"/>
+          <a:lstStyle/>
           <a:p>
             <a:pPr>
               <a:lnSpc>
@@ -4633,13 +4749,13 @@
               </a:lnSpc>
             </a:pPr>
             <a:r>
-              <a:rPr b="1" lang="en-US" sz="4400" spc="-1" strike="noStrike">
+              <a:rPr lang="en-US" sz="4400" b="1" strike="noStrike" spc="-1">
                 <a:solidFill>
                   <a:srgbClr val="333333"/>
                 </a:solidFill>
                 <a:uFill>
                   <a:solidFill>
-                    <a:srgbClr val="ffffff"/>
+                    <a:srgbClr val="FFFFFF"/>
                   </a:solidFill>
                 </a:uFill>
                 <a:latin typeface="Open Sans"/>
@@ -4647,13 +4763,13 @@
               </a:rPr>
               <a:t>Project Overview</a:t>
             </a:r>
-            <a:endParaRPr b="0" lang="en-US" sz="1800" spc="-1" strike="noStrike">
-              <a:solidFill>
-                <a:srgbClr val="000000"/>
-              </a:solidFill>
-              <a:uFill>
-                <a:solidFill>
-                  <a:srgbClr val="ffffff"/>
+            <a:endParaRPr lang="en-US" sz="1800" b="0" strike="noStrike" spc="-1">
+              <a:solidFill>
+                <a:srgbClr val="000000"/>
+              </a:solidFill>
+              <a:uFill>
+                <a:solidFill>
+                  <a:srgbClr val="FFFFFF"/>
                 </a:solidFill>
               </a:uFill>
               <a:latin typeface="Arial"/>
@@ -4681,13 +4797,20 @@
           </a:ln>
         </p:spPr>
         <p:style>
-          <a:lnRef idx="0"/>
-          <a:fillRef idx="0"/>
-          <a:effectRef idx="0"/>
+          <a:lnRef idx="0">
+            <a:scrgbClr r="0" g="0" b="0"/>
+          </a:lnRef>
+          <a:fillRef idx="0">
+            <a:scrgbClr r="0" g="0" b="0"/>
+          </a:fillRef>
+          <a:effectRef idx="0">
+            <a:scrgbClr r="0" g="0" b="0"/>
+          </a:effectRef>
           <a:fontRef idx="minor"/>
         </p:style>
         <p:txBody>
-          <a:bodyPr lIns="0" rIns="0" tIns="0" bIns="0"/>
+          <a:bodyPr lIns="0" tIns="0" rIns="0" bIns="0"/>
+          <a:lstStyle/>
           <a:p>
             <a:pPr marL="432000" indent="-322920">
               <a:lnSpc>
@@ -4697,20 +4820,20 @@
                 <a:spcPts val="1414"/>
               </a:spcAft>
               <a:buClr>
-                <a:srgbClr val="ef2929"/>
+                <a:srgbClr val="EF2929"/>
               </a:buClr>
               <a:buSzPct val="45000"/>
               <a:buFont typeface="Wingdings" charset="2"/>
               <a:buChar char=""/>
             </a:pPr>
             <a:r>
-              <a:rPr b="0" lang="en-US" sz="2800" spc="-1" strike="noStrike">
+              <a:rPr lang="en-US" sz="2800" b="0" strike="noStrike" spc="-1">
                 <a:solidFill>
                   <a:srgbClr val="333333"/>
                 </a:solidFill>
                 <a:uFill>
                   <a:solidFill>
-                    <a:srgbClr val="ffffff"/>
+                    <a:srgbClr val="FFFFFF"/>
                   </a:solidFill>
                 </a:uFill>
                 <a:latin typeface="Open Sans"/>
@@ -4718,13 +4841,13 @@
               </a:rPr>
               <a:t>When starting the program, the user will have the option to create a new vault file, or opening an existing vault file.</a:t>
             </a:r>
-            <a:endParaRPr b="0" lang="en-US" sz="1800" spc="-1" strike="noStrike">
-              <a:solidFill>
-                <a:srgbClr val="000000"/>
-              </a:solidFill>
-              <a:uFill>
-                <a:solidFill>
-                  <a:srgbClr val="ffffff"/>
+            <a:endParaRPr lang="en-US" sz="1800" b="0" strike="noStrike" spc="-1">
+              <a:solidFill>
+                <a:srgbClr val="000000"/>
+              </a:solidFill>
+              <a:uFill>
+                <a:solidFill>
+                  <a:srgbClr val="FFFFFF"/>
                 </a:solidFill>
               </a:uFill>
               <a:latin typeface="Arial"/>
@@ -4739,20 +4862,20 @@
                 <a:spcPts val="1414"/>
               </a:spcAft>
               <a:buClr>
-                <a:srgbClr val="ef2929"/>
+                <a:srgbClr val="EF2929"/>
               </a:buClr>
               <a:buSzPct val="45000"/>
               <a:buFont typeface="Wingdings" charset="2"/>
               <a:buChar char=""/>
             </a:pPr>
             <a:r>
-              <a:rPr b="0" lang="en-US" sz="2800" spc="-1" strike="noStrike">
+              <a:rPr lang="en-US" sz="2800" b="0" strike="noStrike" spc="-1">
                 <a:solidFill>
                   <a:srgbClr val="333333"/>
                 </a:solidFill>
                 <a:uFill>
                   <a:solidFill>
-                    <a:srgbClr val="ffffff"/>
+                    <a:srgbClr val="FFFFFF"/>
                   </a:solidFill>
                 </a:uFill>
                 <a:latin typeface="Open Sans"/>
@@ -4760,13 +4883,13 @@
               </a:rPr>
               <a:t>User will enter a password with an optional 2-factor verification using a keyfile.</a:t>
             </a:r>
-            <a:endParaRPr b="0" lang="en-US" sz="1800" spc="-1" strike="noStrike">
-              <a:solidFill>
-                <a:srgbClr val="000000"/>
-              </a:solidFill>
-              <a:uFill>
-                <a:solidFill>
-                  <a:srgbClr val="ffffff"/>
+            <a:endParaRPr lang="en-US" sz="1800" b="0" strike="noStrike" spc="-1">
+              <a:solidFill>
+                <a:srgbClr val="000000"/>
+              </a:solidFill>
+              <a:uFill>
+                <a:solidFill>
+                  <a:srgbClr val="FFFFFF"/>
                 </a:solidFill>
               </a:uFill>
               <a:latin typeface="Arial"/>
@@ -4781,20 +4904,20 @@
                 <a:spcPts val="1414"/>
               </a:spcAft>
               <a:buClr>
-                <a:srgbClr val="ef2929"/>
+                <a:srgbClr val="EF2929"/>
               </a:buClr>
               <a:buSzPct val="45000"/>
               <a:buFont typeface="Wingdings" charset="2"/>
               <a:buChar char=""/>
             </a:pPr>
             <a:r>
-              <a:rPr b="0" lang="en-US" sz="2800" spc="-1" strike="noStrike">
+              <a:rPr lang="en-US" sz="2800" b="0" strike="noStrike" spc="-1">
                 <a:solidFill>
                   <a:srgbClr val="333333"/>
                 </a:solidFill>
                 <a:uFill>
                   <a:solidFill>
-                    <a:srgbClr val="ffffff"/>
+                    <a:srgbClr val="FFFFFF"/>
                   </a:solidFill>
                 </a:uFill>
                 <a:latin typeface="Open Sans"/>
@@ -4802,13 +4925,13 @@
               </a:rPr>
               <a:t>User‘s password vault file will be opened, decrypted, and displayed using a graphical user interface. </a:t>
             </a:r>
-            <a:endParaRPr b="0" lang="en-US" sz="1800" spc="-1" strike="noStrike">
-              <a:solidFill>
-                <a:srgbClr val="000000"/>
-              </a:solidFill>
-              <a:uFill>
-                <a:solidFill>
-                  <a:srgbClr val="ffffff"/>
+            <a:endParaRPr lang="en-US" sz="1800" b="0" strike="noStrike" spc="-1">
+              <a:solidFill>
+                <a:srgbClr val="000000"/>
+              </a:solidFill>
+              <a:uFill>
+                <a:solidFill>
+                  <a:srgbClr val="FFFFFF"/>
                 </a:solidFill>
               </a:uFill>
               <a:latin typeface="Arial"/>
@@ -4818,22 +4941,25 @@
       </p:sp>
     </p:spTree>
   </p:cSld>
+  <p:clrMapOvr>
+    <a:masterClrMapping/>
+  </p:clrMapOvr>
   <p:timing>
     <p:tnLst>
       <p:par>
-        <p:cTn id="7" dur="indefinite" restart="never" nodeType="tmRoot">
+        <p:cTn id="1" dur="indefinite" restart="never" nodeType="tmRoot">
           <p:childTnLst>
             <p:seq>
-              <p:cTn id="8" nodeType="mainSeq"/>
+              <p:cTn id="2" nodeType="mainSeq"/>
               <p:prevCondLst>
-                <p:cond delay="0" evt="onPrev">
+                <p:cond evt="onPrev" delay="0">
                   <p:tgtEl>
                     <p:sldTgt/>
                   </p:tgtEl>
                 </p:cond>
               </p:prevCondLst>
               <p:nextCondLst>
-                <p:cond delay="0" evt="onNext">
+                <p:cond evt="onNext" delay="0">
                   <p:tgtEl>
                     <p:sldTgt/>
                   </p:tgtEl>
@@ -4849,7 +4975,7 @@
 </file>
 
 <file path=ppt/slides/slide5.xml><?xml version="1.0" encoding="utf-8"?>
-<p:sld xmlns:a="http://schemas.openxmlformats.org/drawingml/2006/main" xmlns:p="http://schemas.openxmlformats.org/presentationml/2006/main" xmlns:r="http://schemas.openxmlformats.org/officeDocument/2006/relationships" xmlns:p14="http://schemas.microsoft.com/office/powerpoint/2010/main" xmlns:p15="http://schemas.microsoft.com/office/powerpoint/2012/main" xmlns:mc="http://schemas.openxmlformats.org/markup-compatibility/2006">
+<p:sld xmlns:a="http://schemas.openxmlformats.org/drawingml/2006/main" xmlns:r="http://schemas.openxmlformats.org/officeDocument/2006/relationships" xmlns:p="http://schemas.openxmlformats.org/presentationml/2006/main">
   <p:cSld>
     <p:spTree>
       <p:nvGrpSpPr>
@@ -4885,13 +5011,20 @@
           </a:ln>
         </p:spPr>
         <p:style>
-          <a:lnRef idx="0"/>
-          <a:fillRef idx="0"/>
-          <a:effectRef idx="0"/>
+          <a:lnRef idx="0">
+            <a:scrgbClr r="0" g="0" b="0"/>
+          </a:lnRef>
+          <a:fillRef idx="0">
+            <a:scrgbClr r="0" g="0" b="0"/>
+          </a:fillRef>
+          <a:effectRef idx="0">
+            <a:scrgbClr r="0" g="0" b="0"/>
+          </a:effectRef>
           <a:fontRef idx="minor"/>
         </p:style>
         <p:txBody>
-          <a:bodyPr lIns="0" rIns="0" tIns="0" bIns="0" anchor="ctr"/>
+          <a:bodyPr lIns="0" tIns="0" rIns="0" bIns="0" anchor="ctr"/>
+          <a:lstStyle/>
           <a:p>
             <a:pPr>
               <a:lnSpc>
@@ -4899,42 +5032,27 @@
               </a:lnSpc>
             </a:pPr>
             <a:r>
-              <a:rPr b="1" lang="en-US" sz="4400" spc="-1" strike="noStrike">
+              <a:rPr lang="en-US" sz="4400" b="1" strike="noStrike" spc="-1">
                 <a:solidFill>
                   <a:srgbClr val="333333"/>
                 </a:solidFill>
                 <a:uFill>
                   <a:solidFill>
-                    <a:srgbClr val="ffffff"/>
+                    <a:srgbClr val="FFFFFF"/>
                   </a:solidFill>
                 </a:uFill>
                 <a:latin typeface="Open Sans"/>
                 <a:ea typeface="DejaVu Sans"/>
               </a:rPr>
-              <a:t>Project Overview</a:t>
+              <a:t>Project Overview	</a:t>
             </a:r>
-            <a:r>
-              <a:rPr b="1" lang="en-US" sz="4400" spc="-1" strike="noStrike">
-                <a:solidFill>
-                  <a:srgbClr val="333333"/>
-                </a:solidFill>
-                <a:uFill>
-                  <a:solidFill>
-                    <a:srgbClr val="ffffff"/>
-                  </a:solidFill>
-                </a:uFill>
-                <a:latin typeface="Open Sans"/>
-                <a:ea typeface="DejaVu Sans"/>
-              </a:rPr>
-              <a:t>	</a:t>
-            </a:r>
-            <a:endParaRPr b="0" lang="en-US" sz="1800" spc="-1" strike="noStrike">
-              <a:solidFill>
-                <a:srgbClr val="000000"/>
-              </a:solidFill>
-              <a:uFill>
-                <a:solidFill>
-                  <a:srgbClr val="ffffff"/>
+            <a:endParaRPr lang="en-US" sz="1800" b="0" strike="noStrike" spc="-1">
+              <a:solidFill>
+                <a:srgbClr val="000000"/>
+              </a:solidFill>
+              <a:uFill>
+                <a:solidFill>
+                  <a:srgbClr val="FFFFFF"/>
                 </a:solidFill>
               </a:uFill>
               <a:latin typeface="Arial"/>
@@ -4962,13 +5080,20 @@
           </a:ln>
         </p:spPr>
         <p:style>
-          <a:lnRef idx="0"/>
-          <a:fillRef idx="0"/>
-          <a:effectRef idx="0"/>
+          <a:lnRef idx="0">
+            <a:scrgbClr r="0" g="0" b="0"/>
+          </a:lnRef>
+          <a:fillRef idx="0">
+            <a:scrgbClr r="0" g="0" b="0"/>
+          </a:fillRef>
+          <a:effectRef idx="0">
+            <a:scrgbClr r="0" g="0" b="0"/>
+          </a:effectRef>
           <a:fontRef idx="minor"/>
         </p:style>
         <p:txBody>
-          <a:bodyPr lIns="0" rIns="0" tIns="0" bIns="0"/>
+          <a:bodyPr lIns="0" tIns="0" rIns="0" bIns="0"/>
+          <a:lstStyle/>
           <a:p>
             <a:pPr marL="432000" indent="-322920">
               <a:lnSpc>
@@ -4978,20 +5103,20 @@
                 <a:spcPts val="1414"/>
               </a:spcAft>
               <a:buClr>
-                <a:srgbClr val="ef2929"/>
+                <a:srgbClr val="EF2929"/>
               </a:buClr>
               <a:buSzPct val="45000"/>
               <a:buFont typeface="Wingdings" charset="2"/>
               <a:buChar char=""/>
             </a:pPr>
             <a:r>
-              <a:rPr b="0" lang="en-US" sz="2800" spc="-1" strike="noStrike">
+              <a:rPr lang="en-US" sz="2800" b="0" strike="noStrike" spc="-1">
                 <a:solidFill>
                   <a:srgbClr val="333333"/>
                 </a:solidFill>
                 <a:uFill>
                   <a:solidFill>
-                    <a:srgbClr val="ffffff"/>
+                    <a:srgbClr val="FFFFFF"/>
                   </a:solidFill>
                 </a:uFill>
                 <a:latin typeface="Open Sans"/>
@@ -4999,13 +5124,13 @@
               </a:rPr>
               <a:t>User may create new entries, delete entries, or alter existing entries to securely store their usernames and passwords. </a:t>
             </a:r>
-            <a:endParaRPr b="0" lang="en-US" sz="1800" spc="-1" strike="noStrike">
-              <a:solidFill>
-                <a:srgbClr val="000000"/>
-              </a:solidFill>
-              <a:uFill>
-                <a:solidFill>
-                  <a:srgbClr val="ffffff"/>
+            <a:endParaRPr lang="en-US" sz="1800" b="0" strike="noStrike" spc="-1">
+              <a:solidFill>
+                <a:srgbClr val="000000"/>
+              </a:solidFill>
+              <a:uFill>
+                <a:solidFill>
+                  <a:srgbClr val="FFFFFF"/>
                 </a:solidFill>
               </a:uFill>
               <a:latin typeface="Arial"/>
@@ -5020,20 +5145,20 @@
                 <a:spcPts val="1414"/>
               </a:spcAft>
               <a:buClr>
-                <a:srgbClr val="ef2929"/>
+                <a:srgbClr val="EF2929"/>
               </a:buClr>
               <a:buSzPct val="45000"/>
               <a:buFont typeface="Wingdings" charset="2"/>
               <a:buChar char=""/>
             </a:pPr>
             <a:r>
-              <a:rPr b="0" lang="en-US" sz="2800" spc="-1" strike="noStrike">
+              <a:rPr lang="en-US" sz="2800" b="0" strike="noStrike" spc="-1">
                 <a:solidFill>
                   <a:srgbClr val="333333"/>
                 </a:solidFill>
                 <a:uFill>
                   <a:solidFill>
-                    <a:srgbClr val="ffffff"/>
+                    <a:srgbClr val="FFFFFF"/>
                   </a:solidFill>
                 </a:uFill>
                 <a:latin typeface="Open Sans"/>
@@ -5041,13 +5166,13 @@
               </a:rPr>
               <a:t>Before exiting the program, all information will have the option to be saved, encrypted, and stored on to hard drive.</a:t>
             </a:r>
-            <a:endParaRPr b="0" lang="en-US" sz="1800" spc="-1" strike="noStrike">
-              <a:solidFill>
-                <a:srgbClr val="000000"/>
-              </a:solidFill>
-              <a:uFill>
-                <a:solidFill>
-                  <a:srgbClr val="ffffff"/>
+            <a:endParaRPr lang="en-US" sz="1800" b="0" strike="noStrike" spc="-1">
+              <a:solidFill>
+                <a:srgbClr val="000000"/>
+              </a:solidFill>
+              <a:uFill>
+                <a:solidFill>
+                  <a:srgbClr val="FFFFFF"/>
                 </a:solidFill>
               </a:uFill>
               <a:latin typeface="Arial"/>
@@ -5057,22 +5182,25 @@
       </p:sp>
     </p:spTree>
   </p:cSld>
+  <p:clrMapOvr>
+    <a:masterClrMapping/>
+  </p:clrMapOvr>
   <p:timing>
     <p:tnLst>
       <p:par>
-        <p:cTn id="9" dur="indefinite" restart="never" nodeType="tmRoot">
+        <p:cTn id="1" dur="indefinite" restart="never" nodeType="tmRoot">
           <p:childTnLst>
             <p:seq>
-              <p:cTn id="10" nodeType="mainSeq"/>
+              <p:cTn id="2" nodeType="mainSeq"/>
               <p:prevCondLst>
-                <p:cond delay="0" evt="onPrev">
+                <p:cond evt="onPrev" delay="0">
                   <p:tgtEl>
                     <p:sldTgt/>
                   </p:tgtEl>
                 </p:cond>
               </p:prevCondLst>
               <p:nextCondLst>
-                <p:cond delay="0" evt="onNext">
+                <p:cond evt="onNext" delay="0">
                   <p:tgtEl>
                     <p:sldTgt/>
                   </p:tgtEl>
@@ -5088,7 +5216,7 @@
 </file>
 
 <file path=ppt/slides/slide6.xml><?xml version="1.0" encoding="utf-8"?>
-<p:sld xmlns:a="http://schemas.openxmlformats.org/drawingml/2006/main" xmlns:p="http://schemas.openxmlformats.org/presentationml/2006/main" xmlns:r="http://schemas.openxmlformats.org/officeDocument/2006/relationships" xmlns:p14="http://schemas.microsoft.com/office/powerpoint/2010/main" xmlns:p15="http://schemas.microsoft.com/office/powerpoint/2012/main" xmlns:mc="http://schemas.openxmlformats.org/markup-compatibility/2006">
+<p:sld xmlns:a="http://schemas.openxmlformats.org/drawingml/2006/main" xmlns:r="http://schemas.openxmlformats.org/officeDocument/2006/relationships" xmlns:p="http://schemas.openxmlformats.org/presentationml/2006/main">
   <p:cSld>
     <p:spTree>
       <p:nvGrpSpPr>
@@ -5124,13 +5252,20 @@
           </a:ln>
         </p:spPr>
         <p:style>
-          <a:lnRef idx="0"/>
-          <a:fillRef idx="0"/>
-          <a:effectRef idx="0"/>
+          <a:lnRef idx="0">
+            <a:scrgbClr r="0" g="0" b="0"/>
+          </a:lnRef>
+          <a:fillRef idx="0">
+            <a:scrgbClr r="0" g="0" b="0"/>
+          </a:fillRef>
+          <a:effectRef idx="0">
+            <a:scrgbClr r="0" g="0" b="0"/>
+          </a:effectRef>
           <a:fontRef idx="minor"/>
         </p:style>
         <p:txBody>
-          <a:bodyPr lIns="0" rIns="0" tIns="0" bIns="0" anchor="ctr"/>
+          <a:bodyPr lIns="0" tIns="0" rIns="0" bIns="0" anchor="ctr"/>
+          <a:lstStyle/>
           <a:p>
             <a:pPr>
               <a:lnSpc>
@@ -5138,13 +5273,13 @@
               </a:lnSpc>
             </a:pPr>
             <a:r>
-              <a:rPr b="1" lang="en-US" sz="4400" spc="-1" strike="noStrike">
+              <a:rPr lang="en-US" sz="4400" b="1" strike="noStrike" spc="-1">
                 <a:solidFill>
                   <a:srgbClr val="333333"/>
                 </a:solidFill>
                 <a:uFill>
                   <a:solidFill>
-                    <a:srgbClr val="ffffff"/>
+                    <a:srgbClr val="FFFFFF"/>
                   </a:solidFill>
                 </a:uFill>
                 <a:latin typeface="Open Sans"/>
@@ -5152,13 +5287,13 @@
               </a:rPr>
               <a:t>Authentication</a:t>
             </a:r>
-            <a:endParaRPr b="0" lang="en-US" sz="1800" spc="-1" strike="noStrike">
-              <a:solidFill>
-                <a:srgbClr val="000000"/>
-              </a:solidFill>
-              <a:uFill>
-                <a:solidFill>
-                  <a:srgbClr val="ffffff"/>
+            <a:endParaRPr lang="en-US" sz="1800" b="0" strike="noStrike" spc="-1">
+              <a:solidFill>
+                <a:srgbClr val="000000"/>
+              </a:solidFill>
+              <a:uFill>
+                <a:solidFill>
+                  <a:srgbClr val="FFFFFF"/>
                 </a:solidFill>
               </a:uFill>
               <a:latin typeface="Arial"/>
@@ -5186,13 +5321,20 @@
           </a:ln>
         </p:spPr>
         <p:style>
-          <a:lnRef idx="0"/>
-          <a:fillRef idx="0"/>
-          <a:effectRef idx="0"/>
+          <a:lnRef idx="0">
+            <a:scrgbClr r="0" g="0" b="0"/>
+          </a:lnRef>
+          <a:fillRef idx="0">
+            <a:scrgbClr r="0" g="0" b="0"/>
+          </a:fillRef>
+          <a:effectRef idx="0">
+            <a:scrgbClr r="0" g="0" b="0"/>
+          </a:effectRef>
           <a:fontRef idx="minor"/>
         </p:style>
         <p:txBody>
-          <a:bodyPr lIns="0" rIns="0" tIns="0" bIns="0"/>
+          <a:bodyPr lIns="0" tIns="0" rIns="0" bIns="0"/>
+          <a:lstStyle/>
           <a:p>
             <a:pPr marL="432000" indent="-322920">
               <a:lnSpc>
@@ -5202,20 +5344,20 @@
                 <a:spcPts val="1414"/>
               </a:spcAft>
               <a:buClr>
-                <a:srgbClr val="ef2929"/>
+                <a:srgbClr val="EF2929"/>
               </a:buClr>
               <a:buSzPct val="45000"/>
               <a:buFont typeface="Wingdings" charset="2"/>
               <a:buChar char=""/>
             </a:pPr>
             <a:r>
-              <a:rPr b="0" lang="en-US" sz="2800" spc="-1" strike="noStrike">
+              <a:rPr lang="en-US" sz="2800" b="0" strike="noStrike" spc="-1">
                 <a:solidFill>
                   <a:srgbClr val="333333"/>
                 </a:solidFill>
                 <a:uFill>
                   <a:solidFill>
-                    <a:srgbClr val="ffffff"/>
+                    <a:srgbClr val="FFFFFF"/>
                   </a:solidFill>
                 </a:uFill>
                 <a:latin typeface="Open Sans"/>
@@ -5223,13 +5365,13 @@
               </a:rPr>
               <a:t>User will enter their password and optional keyfile for 2-factor authentication </a:t>
             </a:r>
-            <a:endParaRPr b="0" lang="en-US" sz="1800" spc="-1" strike="noStrike">
-              <a:solidFill>
-                <a:srgbClr val="000000"/>
-              </a:solidFill>
-              <a:uFill>
-                <a:solidFill>
-                  <a:srgbClr val="ffffff"/>
+            <a:endParaRPr lang="en-US" sz="1800" b="0" strike="noStrike" spc="-1">
+              <a:solidFill>
+                <a:srgbClr val="000000"/>
+              </a:solidFill>
+              <a:uFill>
+                <a:solidFill>
+                  <a:srgbClr val="FFFFFF"/>
                 </a:solidFill>
               </a:uFill>
               <a:latin typeface="Arial"/>
@@ -5244,20 +5386,20 @@
                 <a:spcPts val="1414"/>
               </a:spcAft>
               <a:buClr>
-                <a:srgbClr val="ef2929"/>
+                <a:srgbClr val="EF2929"/>
               </a:buClr>
               <a:buSzPct val="45000"/>
               <a:buFont typeface="Wingdings" charset="2"/>
               <a:buChar char=""/>
             </a:pPr>
             <a:r>
-              <a:rPr b="0" lang="en-US" sz="2800" spc="-1" strike="noStrike">
+              <a:rPr lang="en-US" sz="2800" b="0" strike="noStrike" spc="-1">
                 <a:solidFill>
                   <a:srgbClr val="333333"/>
                 </a:solidFill>
                 <a:uFill>
                   <a:solidFill>
-                    <a:srgbClr val="ffffff"/>
+                    <a:srgbClr val="FFFFFF"/>
                   </a:solidFill>
                 </a:uFill>
                 <a:latin typeface="Open Sans"/>
@@ -5265,13 +5407,13 @@
               </a:rPr>
               <a:t>The program will convert both the password and the file into byte arrays.</a:t>
             </a:r>
-            <a:endParaRPr b="0" lang="en-US" sz="1800" spc="-1" strike="noStrike">
-              <a:solidFill>
-                <a:srgbClr val="000000"/>
-              </a:solidFill>
-              <a:uFill>
-                <a:solidFill>
-                  <a:srgbClr val="ffffff"/>
+            <a:endParaRPr lang="en-US" sz="1800" b="0" strike="noStrike" spc="-1">
+              <a:solidFill>
+                <a:srgbClr val="000000"/>
+              </a:solidFill>
+              <a:uFill>
+                <a:solidFill>
+                  <a:srgbClr val="FFFFFF"/>
                 </a:solidFill>
               </a:uFill>
               <a:latin typeface="Arial"/>
@@ -5286,20 +5428,20 @@
                 <a:spcPts val="1414"/>
               </a:spcAft>
               <a:buClr>
-                <a:srgbClr val="ef2929"/>
+                <a:srgbClr val="EF2929"/>
               </a:buClr>
               <a:buSzPct val="45000"/>
               <a:buFont typeface="Wingdings" charset="2"/>
               <a:buChar char=""/>
             </a:pPr>
             <a:r>
-              <a:rPr b="0" lang="en-US" sz="2800" spc="-1" strike="noStrike">
+              <a:rPr lang="en-US" sz="2800" b="0" strike="noStrike" spc="-1">
                 <a:solidFill>
                   <a:srgbClr val="333333"/>
                 </a:solidFill>
                 <a:uFill>
                   <a:solidFill>
-                    <a:srgbClr val="ffffff"/>
+                    <a:srgbClr val="FFFFFF"/>
                   </a:solidFill>
                 </a:uFill>
                 <a:latin typeface="Open Sans"/>
@@ -5307,13 +5449,13 @@
               </a:rPr>
               <a:t>The byte arrays will be sent to a SHA-256 hashing algorithm and combined to form one hash. </a:t>
             </a:r>
-            <a:endParaRPr b="0" lang="en-US" sz="1800" spc="-1" strike="noStrike">
-              <a:solidFill>
-                <a:srgbClr val="000000"/>
-              </a:solidFill>
-              <a:uFill>
-                <a:solidFill>
-                  <a:srgbClr val="ffffff"/>
+            <a:endParaRPr lang="en-US" sz="1800" b="0" strike="noStrike" spc="-1">
+              <a:solidFill>
+                <a:srgbClr val="000000"/>
+              </a:solidFill>
+              <a:uFill>
+                <a:solidFill>
+                  <a:srgbClr val="FFFFFF"/>
                 </a:solidFill>
               </a:uFill>
               <a:latin typeface="Arial"/>
@@ -5328,20 +5470,20 @@
                 <a:spcPts val="1414"/>
               </a:spcAft>
               <a:buClr>
-                <a:srgbClr val="ef2929"/>
+                <a:srgbClr val="EF2929"/>
               </a:buClr>
               <a:buSzPct val="45000"/>
               <a:buFont typeface="Wingdings" charset="2"/>
               <a:buChar char=""/>
             </a:pPr>
             <a:r>
-              <a:rPr b="0" lang="en-US" sz="2800" spc="-1" strike="noStrike">
+              <a:rPr lang="en-US" sz="2800" b="0" strike="noStrike" spc="-1">
                 <a:solidFill>
                   <a:srgbClr val="333333"/>
                 </a:solidFill>
                 <a:uFill>
                   <a:solidFill>
-                    <a:srgbClr val="ffffff"/>
+                    <a:srgbClr val="FFFFFF"/>
                   </a:solidFill>
                 </a:uFill>
                 <a:latin typeface="Open Sans"/>
@@ -5349,13 +5491,13 @@
               </a:rPr>
               <a:t>The hash is converted to a character array and used as authentication to open the password vault. </a:t>
             </a:r>
-            <a:endParaRPr b="0" lang="en-US" sz="1800" spc="-1" strike="noStrike">
-              <a:solidFill>
-                <a:srgbClr val="000000"/>
-              </a:solidFill>
-              <a:uFill>
-                <a:solidFill>
-                  <a:srgbClr val="ffffff"/>
+            <a:endParaRPr lang="en-US" sz="1800" b="0" strike="noStrike" spc="-1">
+              <a:solidFill>
+                <a:srgbClr val="000000"/>
+              </a:solidFill>
+              <a:uFill>
+                <a:solidFill>
+                  <a:srgbClr val="FFFFFF"/>
                 </a:solidFill>
               </a:uFill>
               <a:latin typeface="Arial"/>
@@ -5365,22 +5507,25 @@
       </p:sp>
     </p:spTree>
   </p:cSld>
+  <p:clrMapOvr>
+    <a:masterClrMapping/>
+  </p:clrMapOvr>
   <p:timing>
     <p:tnLst>
       <p:par>
-        <p:cTn id="11" dur="indefinite" restart="never" nodeType="tmRoot">
+        <p:cTn id="1" dur="indefinite" restart="never" nodeType="tmRoot">
           <p:childTnLst>
             <p:seq>
-              <p:cTn id="12" nodeType="mainSeq"/>
+              <p:cTn id="2" nodeType="mainSeq"/>
               <p:prevCondLst>
-                <p:cond delay="0" evt="onPrev">
+                <p:cond evt="onPrev" delay="0">
                   <p:tgtEl>
                     <p:sldTgt/>
                   </p:tgtEl>
                 </p:cond>
               </p:prevCondLst>
               <p:nextCondLst>
-                <p:cond delay="0" evt="onNext">
+                <p:cond evt="onNext" delay="0">
                   <p:tgtEl>
                     <p:sldTgt/>
                   </p:tgtEl>
@@ -5396,7 +5541,7 @@
 </file>
 
 <file path=ppt/slides/slide7.xml><?xml version="1.0" encoding="utf-8"?>
-<p:sld xmlns:a="http://schemas.openxmlformats.org/drawingml/2006/main" xmlns:p="http://schemas.openxmlformats.org/presentationml/2006/main" xmlns:r="http://schemas.openxmlformats.org/officeDocument/2006/relationships" xmlns:p14="http://schemas.microsoft.com/office/powerpoint/2010/main" xmlns:p15="http://schemas.microsoft.com/office/powerpoint/2012/main" xmlns:mc="http://schemas.openxmlformats.org/markup-compatibility/2006">
+<p:sld xmlns:a="http://schemas.openxmlformats.org/drawingml/2006/main" xmlns:r="http://schemas.openxmlformats.org/officeDocument/2006/relationships" xmlns:p="http://schemas.openxmlformats.org/presentationml/2006/main">
   <p:cSld>
     <p:spTree>
       <p:nvGrpSpPr>
@@ -5432,13 +5577,20 @@
           </a:ln>
         </p:spPr>
         <p:style>
-          <a:lnRef idx="0"/>
-          <a:fillRef idx="0"/>
-          <a:effectRef idx="0"/>
+          <a:lnRef idx="0">
+            <a:scrgbClr r="0" g="0" b="0"/>
+          </a:lnRef>
+          <a:fillRef idx="0">
+            <a:scrgbClr r="0" g="0" b="0"/>
+          </a:fillRef>
+          <a:effectRef idx="0">
+            <a:scrgbClr r="0" g="0" b="0"/>
+          </a:effectRef>
           <a:fontRef idx="minor"/>
         </p:style>
         <p:txBody>
-          <a:bodyPr lIns="0" rIns="0" tIns="0" bIns="0" anchor="ctr"/>
+          <a:bodyPr lIns="0" tIns="0" rIns="0" bIns="0" anchor="ctr"/>
+          <a:lstStyle/>
           <a:p>
             <a:pPr>
               <a:lnSpc>
@@ -5446,13 +5598,13 @@
               </a:lnSpc>
             </a:pPr>
             <a:r>
-              <a:rPr b="1" lang="en-US" sz="4400" spc="-1" strike="noStrike">
+              <a:rPr lang="en-US" sz="4400" b="1" strike="noStrike" spc="-1">
                 <a:solidFill>
                   <a:srgbClr val="333333"/>
                 </a:solidFill>
                 <a:uFill>
                   <a:solidFill>
-                    <a:srgbClr val="ffffff"/>
+                    <a:srgbClr val="FFFFFF"/>
                   </a:solidFill>
                 </a:uFill>
                 <a:latin typeface="Open Sans"/>
@@ -5460,13 +5612,13 @@
               </a:rPr>
               <a:t>Password Vault</a:t>
             </a:r>
-            <a:endParaRPr b="0" lang="en-US" sz="1800" spc="-1" strike="noStrike">
-              <a:solidFill>
-                <a:srgbClr val="000000"/>
-              </a:solidFill>
-              <a:uFill>
-                <a:solidFill>
-                  <a:srgbClr val="ffffff"/>
+            <a:endParaRPr lang="en-US" sz="1800" b="0" strike="noStrike" spc="-1">
+              <a:solidFill>
+                <a:srgbClr val="000000"/>
+              </a:solidFill>
+              <a:uFill>
+                <a:solidFill>
+                  <a:srgbClr val="FFFFFF"/>
                 </a:solidFill>
               </a:uFill>
               <a:latin typeface="Arial"/>
@@ -5494,9 +5646,15 @@
           </a:ln>
         </p:spPr>
         <p:style>
-          <a:lnRef idx="0"/>
-          <a:fillRef idx="0"/>
-          <a:effectRef idx="0"/>
+          <a:lnRef idx="0">
+            <a:scrgbClr r="0" g="0" b="0"/>
+          </a:lnRef>
+          <a:fillRef idx="0">
+            <a:scrgbClr r="0" g="0" b="0"/>
+          </a:fillRef>
+          <a:effectRef idx="0">
+            <a:scrgbClr r="0" g="0" b="0"/>
+          </a:effectRef>
           <a:fontRef idx="minor"/>
         </p:style>
       </p:sp>
@@ -5515,22 +5673,29 @@
             <a:avLst/>
           </a:prstGeom>
           <a:solidFill>
-            <a:srgbClr val="eeeeee"/>
+            <a:srgbClr val="EEEEEE"/>
           </a:solidFill>
           <a:ln>
             <a:solidFill>
-              <a:srgbClr val="3465a4"/>
+              <a:srgbClr val="3465A4"/>
             </a:solidFill>
           </a:ln>
         </p:spPr>
         <p:style>
-          <a:lnRef idx="0"/>
-          <a:fillRef idx="0"/>
-          <a:effectRef idx="0"/>
+          <a:lnRef idx="0">
+            <a:scrgbClr r="0" g="0" b="0"/>
+          </a:lnRef>
+          <a:fillRef idx="0">
+            <a:scrgbClr r="0" g="0" b="0"/>
+          </a:fillRef>
+          <a:effectRef idx="0">
+            <a:scrgbClr r="0" g="0" b="0"/>
+          </a:effectRef>
           <a:fontRef idx="minor"/>
         </p:style>
         <p:txBody>
-          <a:bodyPr wrap="none" lIns="90000" rIns="90000" tIns="45000" bIns="45000" anchor="ctr"/>
+          <a:bodyPr wrap="none" lIns="90000" tIns="45000" rIns="90000" bIns="45000" anchor="ctr"/>
+          <a:lstStyle/>
           <a:p>
             <a:pPr algn="ctr">
               <a:lnSpc>
@@ -5538,13 +5703,13 @@
               </a:lnSpc>
             </a:pPr>
             <a:r>
-              <a:rPr b="0" lang="en-US" sz="1800" spc="-1" strike="noStrike">
+              <a:rPr lang="en-US" sz="1800" b="0" strike="noStrike" spc="-1">
                 <a:solidFill>
                   <a:srgbClr val="000000"/>
                 </a:solidFill>
                 <a:uFill>
                   <a:solidFill>
-                    <a:srgbClr val="ffffff"/>
+                    <a:srgbClr val="FFFFFF"/>
                   </a:solidFill>
                 </a:uFill>
                 <a:latin typeface="Arial"/>
@@ -5552,13 +5717,13 @@
               </a:rPr>
               <a:t>VaultEntry</a:t>
             </a:r>
-            <a:endParaRPr b="0" lang="en-US" sz="1800" spc="-1" strike="noStrike">
-              <a:solidFill>
-                <a:srgbClr val="000000"/>
-              </a:solidFill>
-              <a:uFill>
-                <a:solidFill>
-                  <a:srgbClr val="ffffff"/>
+            <a:endParaRPr lang="en-US" sz="1800" b="0" strike="noStrike" spc="-1">
+              <a:solidFill>
+                <a:srgbClr val="000000"/>
+              </a:solidFill>
+              <a:uFill>
+                <a:solidFill>
+                  <a:srgbClr val="FFFFFF"/>
                 </a:solidFill>
               </a:uFill>
               <a:latin typeface="Arial"/>
@@ -5581,22 +5746,29 @@
             <a:avLst/>
           </a:prstGeom>
           <a:solidFill>
-            <a:srgbClr val="eeeeee"/>
+            <a:srgbClr val="EEEEEE"/>
           </a:solidFill>
           <a:ln>
             <a:solidFill>
-              <a:srgbClr val="3465a4"/>
+              <a:srgbClr val="3465A4"/>
             </a:solidFill>
           </a:ln>
         </p:spPr>
         <p:style>
-          <a:lnRef idx="0"/>
-          <a:fillRef idx="0"/>
-          <a:effectRef idx="0"/>
+          <a:lnRef idx="0">
+            <a:scrgbClr r="0" g="0" b="0"/>
+          </a:lnRef>
+          <a:fillRef idx="0">
+            <a:scrgbClr r="0" g="0" b="0"/>
+          </a:fillRef>
+          <a:effectRef idx="0">
+            <a:scrgbClr r="0" g="0" b="0"/>
+          </a:effectRef>
           <a:fontRef idx="minor"/>
         </p:style>
         <p:txBody>
-          <a:bodyPr wrap="none" lIns="90000" rIns="90000" tIns="45000" bIns="45000" anchor="ctr"/>
+          <a:bodyPr wrap="none" lIns="90000" tIns="45000" rIns="90000" bIns="45000" anchor="ctr"/>
+          <a:lstStyle/>
           <a:p>
             <a:pPr algn="ctr">
               <a:lnSpc>
@@ -5604,13 +5776,13 @@
               </a:lnSpc>
             </a:pPr>
             <a:r>
-              <a:rPr b="0" lang="en-US" sz="1800" spc="-1" strike="noStrike">
+              <a:rPr lang="en-US" sz="1800" b="0" strike="noStrike" spc="-1">
                 <a:solidFill>
                   <a:srgbClr val="000000"/>
                 </a:solidFill>
                 <a:uFill>
                   <a:solidFill>
-                    <a:srgbClr val="ffffff"/>
+                    <a:srgbClr val="FFFFFF"/>
                   </a:solidFill>
                 </a:uFill>
                 <a:latin typeface="Arial"/>
@@ -5618,13 +5790,13 @@
               </a:rPr>
               <a:t>id</a:t>
             </a:r>
-            <a:endParaRPr b="0" lang="en-US" sz="1800" spc="-1" strike="noStrike">
-              <a:solidFill>
-                <a:srgbClr val="000000"/>
-              </a:solidFill>
-              <a:uFill>
-                <a:solidFill>
-                  <a:srgbClr val="ffffff"/>
+            <a:endParaRPr lang="en-US" sz="1800" b="0" strike="noStrike" spc="-1">
+              <a:solidFill>
+                <a:srgbClr val="000000"/>
+              </a:solidFill>
+              <a:uFill>
+                <a:solidFill>
+                  <a:srgbClr val="FFFFFF"/>
                 </a:solidFill>
               </a:uFill>
               <a:latin typeface="Arial"/>
@@ -5637,13 +5809,13 @@
               </a:lnSpc>
             </a:pPr>
             <a:r>
-              <a:rPr b="0" lang="en-US" sz="1800" spc="-1" strike="noStrike">
+              <a:rPr lang="en-US" sz="1800" b="0" strike="noStrike" spc="-1">
                 <a:solidFill>
                   <a:srgbClr val="000000"/>
                 </a:solidFill>
                 <a:uFill>
                   <a:solidFill>
-                    <a:srgbClr val="ffffff"/>
+                    <a:srgbClr val="FFFFFF"/>
                   </a:solidFill>
                 </a:uFill>
                 <a:latin typeface="Arial"/>
@@ -5651,13 +5823,13 @@
               </a:rPr>
               <a:t>Label</a:t>
             </a:r>
-            <a:endParaRPr b="0" lang="en-US" sz="1800" spc="-1" strike="noStrike">
-              <a:solidFill>
-                <a:srgbClr val="000000"/>
-              </a:solidFill>
-              <a:uFill>
-                <a:solidFill>
-                  <a:srgbClr val="ffffff"/>
+            <a:endParaRPr lang="en-US" sz="1800" b="0" strike="noStrike" spc="-1">
+              <a:solidFill>
+                <a:srgbClr val="000000"/>
+              </a:solidFill>
+              <a:uFill>
+                <a:solidFill>
+                  <a:srgbClr val="FFFFFF"/>
                 </a:solidFill>
               </a:uFill>
               <a:latin typeface="Arial"/>
@@ -5670,13 +5842,13 @@
               </a:lnSpc>
             </a:pPr>
             <a:r>
-              <a:rPr b="0" lang="en-US" sz="1800" spc="-1" strike="noStrike">
+              <a:rPr lang="en-US" sz="1800" b="0" strike="noStrike" spc="-1">
                 <a:solidFill>
                   <a:srgbClr val="000000"/>
                 </a:solidFill>
                 <a:uFill>
                   <a:solidFill>
-                    <a:srgbClr val="ffffff"/>
+                    <a:srgbClr val="FFFFFF"/>
                   </a:solidFill>
                 </a:uFill>
                 <a:latin typeface="Arial"/>
@@ -5684,13 +5856,13 @@
               </a:rPr>
               <a:t>Username</a:t>
             </a:r>
-            <a:endParaRPr b="0" lang="en-US" sz="1800" spc="-1" strike="noStrike">
-              <a:solidFill>
-                <a:srgbClr val="000000"/>
-              </a:solidFill>
-              <a:uFill>
-                <a:solidFill>
-                  <a:srgbClr val="ffffff"/>
+            <a:endParaRPr lang="en-US" sz="1800" b="0" strike="noStrike" spc="-1">
+              <a:solidFill>
+                <a:srgbClr val="000000"/>
+              </a:solidFill>
+              <a:uFill>
+                <a:solidFill>
+                  <a:srgbClr val="FFFFFF"/>
                 </a:solidFill>
               </a:uFill>
               <a:latin typeface="Arial"/>
@@ -5703,13 +5875,13 @@
               </a:lnSpc>
             </a:pPr>
             <a:r>
-              <a:rPr b="0" lang="en-US" sz="1800" spc="-1" strike="noStrike">
+              <a:rPr lang="en-US" sz="1800" b="0" strike="noStrike" spc="-1">
                 <a:solidFill>
                   <a:srgbClr val="000000"/>
                 </a:solidFill>
                 <a:uFill>
                   <a:solidFill>
-                    <a:srgbClr val="ffffff"/>
+                    <a:srgbClr val="FFFFFF"/>
                   </a:solidFill>
                 </a:uFill>
                 <a:latin typeface="Arial"/>
@@ -5717,13 +5889,13 @@
               </a:rPr>
               <a:t>Password</a:t>
             </a:r>
-            <a:endParaRPr b="0" lang="en-US" sz="1800" spc="-1" strike="noStrike">
-              <a:solidFill>
-                <a:srgbClr val="000000"/>
-              </a:solidFill>
-              <a:uFill>
-                <a:solidFill>
-                  <a:srgbClr val="ffffff"/>
+            <a:endParaRPr lang="en-US" sz="1800" b="0" strike="noStrike" spc="-1">
+              <a:solidFill>
+                <a:srgbClr val="000000"/>
+              </a:solidFill>
+              <a:uFill>
+                <a:solidFill>
+                  <a:srgbClr val="FFFFFF"/>
                 </a:solidFill>
               </a:uFill>
               <a:latin typeface="Arial"/>
@@ -5746,22 +5918,29 @@
             <a:avLst/>
           </a:prstGeom>
           <a:solidFill>
-            <a:srgbClr val="eeeeee"/>
+            <a:srgbClr val="EEEEEE"/>
           </a:solidFill>
           <a:ln>
             <a:solidFill>
-              <a:srgbClr val="3465a4"/>
+              <a:srgbClr val="3465A4"/>
             </a:solidFill>
           </a:ln>
         </p:spPr>
         <p:style>
-          <a:lnRef idx="0"/>
-          <a:fillRef idx="0"/>
-          <a:effectRef idx="0"/>
+          <a:lnRef idx="0">
+            <a:scrgbClr r="0" g="0" b="0"/>
+          </a:lnRef>
+          <a:fillRef idx="0">
+            <a:scrgbClr r="0" g="0" b="0"/>
+          </a:fillRef>
+          <a:effectRef idx="0">
+            <a:scrgbClr r="0" g="0" b="0"/>
+          </a:effectRef>
           <a:fontRef idx="minor"/>
         </p:style>
         <p:txBody>
-          <a:bodyPr wrap="none" lIns="90000" rIns="90000" tIns="45000" bIns="45000" anchor="ctr"/>
+          <a:bodyPr wrap="none" lIns="90000" tIns="45000" rIns="90000" bIns="45000" anchor="ctr"/>
+          <a:lstStyle/>
           <a:p>
             <a:pPr algn="ctr">
               <a:lnSpc>
@@ -5769,13 +5948,13 @@
               </a:lnSpc>
             </a:pPr>
             <a:r>
-              <a:rPr b="0" lang="en-US" sz="1800" spc="-1" strike="noStrike">
+              <a:rPr lang="en-US" sz="1800" b="0" strike="noStrike" spc="-1">
                 <a:solidFill>
                   <a:srgbClr val="000000"/>
                 </a:solidFill>
                 <a:uFill>
                   <a:solidFill>
-                    <a:srgbClr val="ffffff"/>
+                    <a:srgbClr val="FFFFFF"/>
                   </a:solidFill>
                 </a:uFill>
                 <a:latin typeface="Arial"/>
@@ -5783,13 +5962,13 @@
               </a:rPr>
               <a:t>VaultEntry</a:t>
             </a:r>
-            <a:endParaRPr b="0" lang="en-US" sz="1800" spc="-1" strike="noStrike">
-              <a:solidFill>
-                <a:srgbClr val="000000"/>
-              </a:solidFill>
-              <a:uFill>
-                <a:solidFill>
-                  <a:srgbClr val="ffffff"/>
+            <a:endParaRPr lang="en-US" sz="1800" b="0" strike="noStrike" spc="-1">
+              <a:solidFill>
+                <a:srgbClr val="000000"/>
+              </a:solidFill>
+              <a:uFill>
+                <a:solidFill>
+                  <a:srgbClr val="FFFFFF"/>
                 </a:solidFill>
               </a:uFill>
               <a:latin typeface="Arial"/>
@@ -5812,22 +5991,29 @@
             <a:avLst/>
           </a:prstGeom>
           <a:solidFill>
-            <a:srgbClr val="eeeeee"/>
+            <a:srgbClr val="EEEEEE"/>
           </a:solidFill>
           <a:ln>
             <a:solidFill>
-              <a:srgbClr val="3465a4"/>
+              <a:srgbClr val="3465A4"/>
             </a:solidFill>
           </a:ln>
         </p:spPr>
         <p:style>
-          <a:lnRef idx="0"/>
-          <a:fillRef idx="0"/>
-          <a:effectRef idx="0"/>
+          <a:lnRef idx="0">
+            <a:scrgbClr r="0" g="0" b="0"/>
+          </a:lnRef>
+          <a:fillRef idx="0">
+            <a:scrgbClr r="0" g="0" b="0"/>
+          </a:fillRef>
+          <a:effectRef idx="0">
+            <a:scrgbClr r="0" g="0" b="0"/>
+          </a:effectRef>
           <a:fontRef idx="minor"/>
         </p:style>
         <p:txBody>
-          <a:bodyPr wrap="none" lIns="90000" rIns="90000" tIns="45000" bIns="45000" anchor="ctr"/>
+          <a:bodyPr wrap="none" lIns="90000" tIns="45000" rIns="90000" bIns="45000" anchor="ctr"/>
+          <a:lstStyle/>
           <a:p>
             <a:pPr algn="ctr">
               <a:lnSpc>
@@ -5835,13 +6021,13 @@
               </a:lnSpc>
             </a:pPr>
             <a:r>
-              <a:rPr b="0" lang="en-US" sz="1800" spc="-1" strike="noStrike">
+              <a:rPr lang="en-US" sz="1800" b="0" strike="noStrike" spc="-1">
                 <a:solidFill>
                   <a:srgbClr val="000000"/>
                 </a:solidFill>
                 <a:uFill>
                   <a:solidFill>
-                    <a:srgbClr val="ffffff"/>
+                    <a:srgbClr val="FFFFFF"/>
                   </a:solidFill>
                 </a:uFill>
                 <a:latin typeface="Arial"/>
@@ -5849,13 +6035,13 @@
               </a:rPr>
               <a:t>id</a:t>
             </a:r>
-            <a:endParaRPr b="0" lang="en-US" sz="1800" spc="-1" strike="noStrike">
-              <a:solidFill>
-                <a:srgbClr val="000000"/>
-              </a:solidFill>
-              <a:uFill>
-                <a:solidFill>
-                  <a:srgbClr val="ffffff"/>
+            <a:endParaRPr lang="en-US" sz="1800" b="0" strike="noStrike" spc="-1">
+              <a:solidFill>
+                <a:srgbClr val="000000"/>
+              </a:solidFill>
+              <a:uFill>
+                <a:solidFill>
+                  <a:srgbClr val="FFFFFF"/>
                 </a:solidFill>
               </a:uFill>
               <a:latin typeface="Arial"/>
@@ -5868,13 +6054,13 @@
               </a:lnSpc>
             </a:pPr>
             <a:r>
-              <a:rPr b="0" lang="en-US" sz="1800" spc="-1" strike="noStrike">
+              <a:rPr lang="en-US" sz="1800" b="0" strike="noStrike" spc="-1">
                 <a:solidFill>
                   <a:srgbClr val="000000"/>
                 </a:solidFill>
                 <a:uFill>
                   <a:solidFill>
-                    <a:srgbClr val="ffffff"/>
+                    <a:srgbClr val="FFFFFF"/>
                   </a:solidFill>
                 </a:uFill>
                 <a:latin typeface="Arial"/>
@@ -5882,13 +6068,13 @@
               </a:rPr>
               <a:t>Label</a:t>
             </a:r>
-            <a:endParaRPr b="0" lang="en-US" sz="1800" spc="-1" strike="noStrike">
-              <a:solidFill>
-                <a:srgbClr val="000000"/>
-              </a:solidFill>
-              <a:uFill>
-                <a:solidFill>
-                  <a:srgbClr val="ffffff"/>
+            <a:endParaRPr lang="en-US" sz="1800" b="0" strike="noStrike" spc="-1">
+              <a:solidFill>
+                <a:srgbClr val="000000"/>
+              </a:solidFill>
+              <a:uFill>
+                <a:solidFill>
+                  <a:srgbClr val="FFFFFF"/>
                 </a:solidFill>
               </a:uFill>
               <a:latin typeface="Arial"/>
@@ -5901,13 +6087,13 @@
               </a:lnSpc>
             </a:pPr>
             <a:r>
-              <a:rPr b="0" lang="en-US" sz="1800" spc="-1" strike="noStrike">
+              <a:rPr lang="en-US" sz="1800" b="0" strike="noStrike" spc="-1">
                 <a:solidFill>
                   <a:srgbClr val="000000"/>
                 </a:solidFill>
                 <a:uFill>
                   <a:solidFill>
-                    <a:srgbClr val="ffffff"/>
+                    <a:srgbClr val="FFFFFF"/>
                   </a:solidFill>
                 </a:uFill>
                 <a:latin typeface="Arial"/>
@@ -5915,13 +6101,13 @@
               </a:rPr>
               <a:t>Username</a:t>
             </a:r>
-            <a:endParaRPr b="0" lang="en-US" sz="1800" spc="-1" strike="noStrike">
-              <a:solidFill>
-                <a:srgbClr val="000000"/>
-              </a:solidFill>
-              <a:uFill>
-                <a:solidFill>
-                  <a:srgbClr val="ffffff"/>
+            <a:endParaRPr lang="en-US" sz="1800" b="0" strike="noStrike" spc="-1">
+              <a:solidFill>
+                <a:srgbClr val="000000"/>
+              </a:solidFill>
+              <a:uFill>
+                <a:solidFill>
+                  <a:srgbClr val="FFFFFF"/>
                 </a:solidFill>
               </a:uFill>
               <a:latin typeface="Arial"/>
@@ -5934,13 +6120,13 @@
               </a:lnSpc>
             </a:pPr>
             <a:r>
-              <a:rPr b="0" lang="en-US" sz="1800" spc="-1" strike="noStrike">
+              <a:rPr lang="en-US" sz="1800" b="0" strike="noStrike" spc="-1">
                 <a:solidFill>
                   <a:srgbClr val="000000"/>
                 </a:solidFill>
                 <a:uFill>
                   <a:solidFill>
-                    <a:srgbClr val="ffffff"/>
+                    <a:srgbClr val="FFFFFF"/>
                   </a:solidFill>
                 </a:uFill>
                 <a:latin typeface="Arial"/>
@@ -5948,13 +6134,13 @@
               </a:rPr>
               <a:t>Password</a:t>
             </a:r>
-            <a:endParaRPr b="0" lang="en-US" sz="1800" spc="-1" strike="noStrike">
-              <a:solidFill>
-                <a:srgbClr val="000000"/>
-              </a:solidFill>
-              <a:uFill>
-                <a:solidFill>
-                  <a:srgbClr val="ffffff"/>
+            <a:endParaRPr lang="en-US" sz="1800" b="0" strike="noStrike" spc="-1">
+              <a:solidFill>
+                <a:srgbClr val="000000"/>
+              </a:solidFill>
+              <a:uFill>
+                <a:solidFill>
+                  <a:srgbClr val="FFFFFF"/>
                 </a:solidFill>
               </a:uFill>
               <a:latin typeface="Arial"/>
@@ -5977,22 +6163,29 @@
             <a:avLst/>
           </a:prstGeom>
           <a:solidFill>
-            <a:srgbClr val="eeeeee"/>
+            <a:srgbClr val="EEEEEE"/>
           </a:solidFill>
           <a:ln>
             <a:solidFill>
-              <a:srgbClr val="3465a4"/>
+              <a:srgbClr val="3465A4"/>
             </a:solidFill>
           </a:ln>
         </p:spPr>
         <p:style>
-          <a:lnRef idx="0"/>
-          <a:fillRef idx="0"/>
-          <a:effectRef idx="0"/>
+          <a:lnRef idx="0">
+            <a:scrgbClr r="0" g="0" b="0"/>
+          </a:lnRef>
+          <a:fillRef idx="0">
+            <a:scrgbClr r="0" g="0" b="0"/>
+          </a:fillRef>
+          <a:effectRef idx="0">
+            <a:scrgbClr r="0" g="0" b="0"/>
+          </a:effectRef>
           <a:fontRef idx="minor"/>
         </p:style>
         <p:txBody>
-          <a:bodyPr wrap="none" lIns="90000" rIns="90000" tIns="45000" bIns="45000" anchor="ctr"/>
+          <a:bodyPr wrap="none" lIns="90000" tIns="45000" rIns="90000" bIns="45000" anchor="ctr"/>
+          <a:lstStyle/>
           <a:p>
             <a:pPr algn="ctr">
               <a:lnSpc>
@@ -6000,13 +6193,13 @@
               </a:lnSpc>
             </a:pPr>
             <a:r>
-              <a:rPr b="0" lang="en-US" sz="1800" spc="-1" strike="noStrike">
+              <a:rPr lang="en-US" sz="1800" b="0" strike="noStrike" spc="-1">
                 <a:solidFill>
                   <a:srgbClr val="000000"/>
                 </a:solidFill>
                 <a:uFill>
                   <a:solidFill>
-                    <a:srgbClr val="ffffff"/>
+                    <a:srgbClr val="FFFFFF"/>
                   </a:solidFill>
                 </a:uFill>
                 <a:latin typeface="Arial"/>
@@ -6014,13 +6207,13 @@
               </a:rPr>
               <a:t>VaultEntry</a:t>
             </a:r>
-            <a:endParaRPr b="0" lang="en-US" sz="1800" spc="-1" strike="noStrike">
-              <a:solidFill>
-                <a:srgbClr val="000000"/>
-              </a:solidFill>
-              <a:uFill>
-                <a:solidFill>
-                  <a:srgbClr val="ffffff"/>
+            <a:endParaRPr lang="en-US" sz="1800" b="0" strike="noStrike" spc="-1">
+              <a:solidFill>
+                <a:srgbClr val="000000"/>
+              </a:solidFill>
+              <a:uFill>
+                <a:solidFill>
+                  <a:srgbClr val="FFFFFF"/>
                 </a:solidFill>
               </a:uFill>
               <a:latin typeface="Arial"/>
@@ -6043,22 +6236,29 @@
             <a:avLst/>
           </a:prstGeom>
           <a:solidFill>
-            <a:srgbClr val="eeeeee"/>
+            <a:srgbClr val="EEEEEE"/>
           </a:solidFill>
           <a:ln>
             <a:solidFill>
-              <a:srgbClr val="3465a4"/>
+              <a:srgbClr val="3465A4"/>
             </a:solidFill>
           </a:ln>
         </p:spPr>
         <p:style>
-          <a:lnRef idx="0"/>
-          <a:fillRef idx="0"/>
-          <a:effectRef idx="0"/>
+          <a:lnRef idx="0">
+            <a:scrgbClr r="0" g="0" b="0"/>
+          </a:lnRef>
+          <a:fillRef idx="0">
+            <a:scrgbClr r="0" g="0" b="0"/>
+          </a:fillRef>
+          <a:effectRef idx="0">
+            <a:scrgbClr r="0" g="0" b="0"/>
+          </a:effectRef>
           <a:fontRef idx="minor"/>
         </p:style>
         <p:txBody>
-          <a:bodyPr wrap="none" lIns="90000" rIns="90000" tIns="45000" bIns="45000" anchor="ctr"/>
+          <a:bodyPr wrap="none" lIns="90000" tIns="45000" rIns="90000" bIns="45000" anchor="ctr"/>
+          <a:lstStyle/>
           <a:p>
             <a:pPr algn="ctr">
               <a:lnSpc>
@@ -6066,13 +6266,13 @@
               </a:lnSpc>
             </a:pPr>
             <a:r>
-              <a:rPr b="0" lang="en-US" sz="1800" spc="-1" strike="noStrike">
+              <a:rPr lang="en-US" sz="1800" b="0" strike="noStrike" spc="-1">
                 <a:solidFill>
                   <a:srgbClr val="000000"/>
                 </a:solidFill>
                 <a:uFill>
                   <a:solidFill>
-                    <a:srgbClr val="ffffff"/>
+                    <a:srgbClr val="FFFFFF"/>
                   </a:solidFill>
                 </a:uFill>
                 <a:latin typeface="Arial"/>
@@ -6080,13 +6280,13 @@
               </a:rPr>
               <a:t>id</a:t>
             </a:r>
-            <a:endParaRPr b="0" lang="en-US" sz="1800" spc="-1" strike="noStrike">
-              <a:solidFill>
-                <a:srgbClr val="000000"/>
-              </a:solidFill>
-              <a:uFill>
-                <a:solidFill>
-                  <a:srgbClr val="ffffff"/>
+            <a:endParaRPr lang="en-US" sz="1800" b="0" strike="noStrike" spc="-1">
+              <a:solidFill>
+                <a:srgbClr val="000000"/>
+              </a:solidFill>
+              <a:uFill>
+                <a:solidFill>
+                  <a:srgbClr val="FFFFFF"/>
                 </a:solidFill>
               </a:uFill>
               <a:latin typeface="Arial"/>
@@ -6099,13 +6299,13 @@
               </a:lnSpc>
             </a:pPr>
             <a:r>
-              <a:rPr b="0" lang="en-US" sz="1800" spc="-1" strike="noStrike">
+              <a:rPr lang="en-US" sz="1800" b="0" strike="noStrike" spc="-1">
                 <a:solidFill>
                   <a:srgbClr val="000000"/>
                 </a:solidFill>
                 <a:uFill>
                   <a:solidFill>
-                    <a:srgbClr val="ffffff"/>
+                    <a:srgbClr val="FFFFFF"/>
                   </a:solidFill>
                 </a:uFill>
                 <a:latin typeface="Arial"/>
@@ -6113,13 +6313,13 @@
               </a:rPr>
               <a:t>Label</a:t>
             </a:r>
-            <a:endParaRPr b="0" lang="en-US" sz="1800" spc="-1" strike="noStrike">
-              <a:solidFill>
-                <a:srgbClr val="000000"/>
-              </a:solidFill>
-              <a:uFill>
-                <a:solidFill>
-                  <a:srgbClr val="ffffff"/>
+            <a:endParaRPr lang="en-US" sz="1800" b="0" strike="noStrike" spc="-1">
+              <a:solidFill>
+                <a:srgbClr val="000000"/>
+              </a:solidFill>
+              <a:uFill>
+                <a:solidFill>
+                  <a:srgbClr val="FFFFFF"/>
                 </a:solidFill>
               </a:uFill>
               <a:latin typeface="Arial"/>
@@ -6132,13 +6332,13 @@
               </a:lnSpc>
             </a:pPr>
             <a:r>
-              <a:rPr b="0" lang="en-US" sz="1800" spc="-1" strike="noStrike">
+              <a:rPr lang="en-US" sz="1800" b="0" strike="noStrike" spc="-1">
                 <a:solidFill>
                   <a:srgbClr val="000000"/>
                 </a:solidFill>
                 <a:uFill>
                   <a:solidFill>
-                    <a:srgbClr val="ffffff"/>
+                    <a:srgbClr val="FFFFFF"/>
                   </a:solidFill>
                 </a:uFill>
                 <a:latin typeface="Arial"/>
@@ -6146,13 +6346,13 @@
               </a:rPr>
               <a:t>Username</a:t>
             </a:r>
-            <a:endParaRPr b="0" lang="en-US" sz="1800" spc="-1" strike="noStrike">
-              <a:solidFill>
-                <a:srgbClr val="000000"/>
-              </a:solidFill>
-              <a:uFill>
-                <a:solidFill>
-                  <a:srgbClr val="ffffff"/>
+            <a:endParaRPr lang="en-US" sz="1800" b="0" strike="noStrike" spc="-1">
+              <a:solidFill>
+                <a:srgbClr val="000000"/>
+              </a:solidFill>
+              <a:uFill>
+                <a:solidFill>
+                  <a:srgbClr val="FFFFFF"/>
                 </a:solidFill>
               </a:uFill>
               <a:latin typeface="Arial"/>
@@ -6165,13 +6365,13 @@
               </a:lnSpc>
             </a:pPr>
             <a:r>
-              <a:rPr b="0" lang="en-US" sz="1800" spc="-1" strike="noStrike">
+              <a:rPr lang="en-US" sz="1800" b="0" strike="noStrike" spc="-1">
                 <a:solidFill>
                   <a:srgbClr val="000000"/>
                 </a:solidFill>
                 <a:uFill>
                   <a:solidFill>
-                    <a:srgbClr val="ffffff"/>
+                    <a:srgbClr val="FFFFFF"/>
                   </a:solidFill>
                 </a:uFill>
                 <a:latin typeface="Arial"/>
@@ -6179,13 +6379,13 @@
               </a:rPr>
               <a:t>Password</a:t>
             </a:r>
-            <a:endParaRPr b="0" lang="en-US" sz="1800" spc="-1" strike="noStrike">
-              <a:solidFill>
-                <a:srgbClr val="000000"/>
-              </a:solidFill>
-              <a:uFill>
-                <a:solidFill>
-                  <a:srgbClr val="ffffff"/>
+            <a:endParaRPr lang="en-US" sz="1800" b="0" strike="noStrike" spc="-1">
+              <a:solidFill>
+                <a:srgbClr val="000000"/>
+              </a:solidFill>
+              <a:uFill>
+                <a:solidFill>
+                  <a:srgbClr val="FFFFFF"/>
                 </a:solidFill>
               </a:uFill>
               <a:latin typeface="Arial"/>
@@ -6208,6 +6408,7 @@
             <a:avLst/>
             <a:gdLst/>
             <a:ahLst/>
+            <a:cxnLst/>
             <a:rect l="l" t="t" r="r" b="b"/>
             <a:pathLst>
               <a:path w="21600" h="21600">
@@ -6225,13 +6426,19 @@
             <a:solidFill>
               <a:srgbClr val="000000"/>
             </a:solidFill>
-            <a:tailEnd len="med" type="triangle" w="med"/>
+            <a:tailEnd type="triangle" w="med" len="med"/>
           </a:ln>
         </p:spPr>
         <p:style>
-          <a:lnRef idx="0"/>
-          <a:fillRef idx="0"/>
-          <a:effectRef idx="0"/>
+          <a:lnRef idx="0">
+            <a:scrgbClr r="0" g="0" b="0"/>
+          </a:lnRef>
+          <a:fillRef idx="0">
+            <a:scrgbClr r="0" g="0" b="0"/>
+          </a:fillRef>
+          <a:effectRef idx="0">
+            <a:scrgbClr r="0" g="0" b="0"/>
+          </a:effectRef>
           <a:fontRef idx="minor"/>
         </p:style>
       </p:sp>
@@ -6250,6 +6457,7 @@
             <a:avLst/>
             <a:gdLst/>
             <a:ahLst/>
+            <a:cxnLst/>
             <a:rect l="l" t="t" r="r" b="b"/>
             <a:pathLst>
               <a:path w="21600" h="21600">
@@ -6267,14 +6475,20 @@
             <a:solidFill>
               <a:srgbClr val="000000"/>
             </a:solidFill>
-            <a:headEnd len="med" type="triangle" w="med"/>
-            <a:tailEnd len="med" type="triangle" w="med"/>
+            <a:headEnd type="triangle" w="med" len="med"/>
+            <a:tailEnd type="triangle" w="med" len="med"/>
           </a:ln>
         </p:spPr>
         <p:style>
-          <a:lnRef idx="0"/>
-          <a:fillRef idx="0"/>
-          <a:effectRef idx="0"/>
+          <a:lnRef idx="0">
+            <a:scrgbClr r="0" g="0" b="0"/>
+          </a:lnRef>
+          <a:fillRef idx="0">
+            <a:scrgbClr r="0" g="0" b="0"/>
+          </a:fillRef>
+          <a:effectRef idx="0">
+            <a:scrgbClr r="0" g="0" b="0"/>
+          </a:effectRef>
           <a:fontRef idx="minor"/>
         </p:style>
       </p:sp>
@@ -6293,6 +6507,7 @@
             <a:avLst/>
             <a:gdLst/>
             <a:ahLst/>
+            <a:cxnLst/>
             <a:rect l="l" t="t" r="r" b="b"/>
             <a:pathLst>
               <a:path w="21600" h="21600">
@@ -6310,14 +6525,20 @@
             <a:solidFill>
               <a:srgbClr val="000000"/>
             </a:solidFill>
-            <a:headEnd len="med" type="triangle" w="med"/>
-            <a:tailEnd len="med" type="triangle" w="med"/>
+            <a:headEnd type="triangle" w="med" len="med"/>
+            <a:tailEnd type="triangle" w="med" len="med"/>
           </a:ln>
         </p:spPr>
         <p:style>
-          <a:lnRef idx="0"/>
-          <a:fillRef idx="0"/>
-          <a:effectRef idx="0"/>
+          <a:lnRef idx="0">
+            <a:scrgbClr r="0" g="0" b="0"/>
+          </a:lnRef>
+          <a:fillRef idx="0">
+            <a:scrgbClr r="0" g="0" b="0"/>
+          </a:fillRef>
+          <a:effectRef idx="0">
+            <a:scrgbClr r="0" g="0" b="0"/>
+          </a:effectRef>
           <a:fontRef idx="minor"/>
         </p:style>
       </p:sp>
@@ -6339,13 +6560,19 @@
             <a:solidFill>
               <a:srgbClr val="000000"/>
             </a:solidFill>
-            <a:tailEnd len="med" type="triangle" w="med"/>
+            <a:tailEnd type="triangle" w="med" len="med"/>
           </a:ln>
         </p:spPr>
         <p:style>
-          <a:lnRef idx="0"/>
-          <a:fillRef idx="0"/>
-          <a:effectRef idx="0"/>
+          <a:lnRef idx="0">
+            <a:scrgbClr r="0" g="0" b="0"/>
+          </a:lnRef>
+          <a:fillRef idx="0">
+            <a:scrgbClr r="0" g="0" b="0"/>
+          </a:fillRef>
+          <a:effectRef idx="0">
+            <a:scrgbClr r="0" g="0" b="0"/>
+          </a:effectRef>
           <a:fontRef idx="minor"/>
         </p:style>
       </p:sp>
@@ -6364,18 +6591,24 @@
             <a:avLst/>
           </a:prstGeom>
           <a:solidFill>
-            <a:srgbClr val="eeeeee"/>
+            <a:srgbClr val="EEEEEE"/>
           </a:solidFill>
           <a:ln>
             <a:solidFill>
-              <a:srgbClr val="3465a4"/>
+              <a:srgbClr val="3465A4"/>
             </a:solidFill>
           </a:ln>
         </p:spPr>
         <p:style>
-          <a:lnRef idx="0"/>
-          <a:fillRef idx="0"/>
-          <a:effectRef idx="0"/>
+          <a:lnRef idx="0">
+            <a:scrgbClr r="0" g="0" b="0"/>
+          </a:lnRef>
+          <a:fillRef idx="0">
+            <a:scrgbClr r="0" g="0" b="0"/>
+          </a:fillRef>
+          <a:effectRef idx="0">
+            <a:scrgbClr r="0" g="0" b="0"/>
+          </a:effectRef>
           <a:fontRef idx="minor"/>
         </p:style>
       </p:sp>
@@ -6394,6 +6627,7 @@
             <a:avLst/>
             <a:gdLst/>
             <a:ahLst/>
+            <a:cxnLst/>
             <a:rect l="l" t="t" r="r" b="b"/>
             <a:pathLst>
               <a:path w="21600" h="21600">
@@ -6411,13 +6645,19 @@
             <a:solidFill>
               <a:srgbClr val="000000"/>
             </a:solidFill>
-            <a:tailEnd len="med" type="triangle" w="med"/>
+            <a:tailEnd type="triangle" w="med" len="med"/>
           </a:ln>
         </p:spPr>
         <p:style>
-          <a:lnRef idx="0"/>
-          <a:fillRef idx="0"/>
-          <a:effectRef idx="0"/>
+          <a:lnRef idx="0">
+            <a:scrgbClr r="0" g="0" b="0"/>
+          </a:lnRef>
+          <a:fillRef idx="0">
+            <a:scrgbClr r="0" g="0" b="0"/>
+          </a:fillRef>
+          <a:effectRef idx="0">
+            <a:scrgbClr r="0" g="0" b="0"/>
+          </a:effectRef>
           <a:fontRef idx="minor"/>
         </p:style>
       </p:sp>
@@ -6436,22 +6676,29 @@
             <a:avLst/>
           </a:prstGeom>
           <a:solidFill>
-            <a:srgbClr val="eeeeee"/>
+            <a:srgbClr val="EEEEEE"/>
           </a:solidFill>
           <a:ln>
             <a:solidFill>
-              <a:srgbClr val="3465a4"/>
+              <a:srgbClr val="3465A4"/>
             </a:solidFill>
           </a:ln>
         </p:spPr>
         <p:style>
-          <a:lnRef idx="0"/>
-          <a:fillRef idx="0"/>
-          <a:effectRef idx="0"/>
+          <a:lnRef idx="0">
+            <a:scrgbClr r="0" g="0" b="0"/>
+          </a:lnRef>
+          <a:fillRef idx="0">
+            <a:scrgbClr r="0" g="0" b="0"/>
+          </a:fillRef>
+          <a:effectRef idx="0">
+            <a:scrgbClr r="0" g="0" b="0"/>
+          </a:effectRef>
           <a:fontRef idx="minor"/>
         </p:style>
         <p:txBody>
-          <a:bodyPr wrap="none" lIns="90000" rIns="90000" tIns="45000" bIns="45000" anchor="ctr"/>
+          <a:bodyPr wrap="none" lIns="90000" tIns="45000" rIns="90000" bIns="45000" anchor="ctr"/>
+          <a:lstStyle/>
           <a:p>
             <a:pPr algn="ctr">
               <a:lnSpc>
@@ -6459,13 +6706,13 @@
               </a:lnSpc>
             </a:pPr>
             <a:r>
-              <a:rPr b="0" lang="en-US" sz="1800" spc="-1" strike="noStrike">
+              <a:rPr lang="en-US" sz="1800" b="0" strike="noStrike" spc="-1">
                 <a:solidFill>
                   <a:srgbClr val="000000"/>
                 </a:solidFill>
                 <a:uFill>
                   <a:solidFill>
-                    <a:srgbClr val="ffffff"/>
+                    <a:srgbClr val="FFFFFF"/>
                   </a:solidFill>
                 </a:uFill>
                 <a:latin typeface="Arial"/>
@@ -6473,13 +6720,13 @@
               </a:rPr>
               <a:t>Vault</a:t>
             </a:r>
-            <a:endParaRPr b="0" lang="en-US" sz="1800" spc="-1" strike="noStrike">
-              <a:solidFill>
-                <a:srgbClr val="000000"/>
-              </a:solidFill>
-              <a:uFill>
-                <a:solidFill>
-                  <a:srgbClr val="ffffff"/>
+            <a:endParaRPr lang="en-US" sz="1800" b="0" strike="noStrike" spc="-1">
+              <a:solidFill>
+                <a:srgbClr val="000000"/>
+              </a:solidFill>
+              <a:uFill>
+                <a:solidFill>
+                  <a:srgbClr val="FFFFFF"/>
                 </a:solidFill>
               </a:uFill>
               <a:latin typeface="Arial"/>
@@ -6489,22 +6736,25 @@
       </p:sp>
     </p:spTree>
   </p:cSld>
+  <p:clrMapOvr>
+    <a:masterClrMapping/>
+  </p:clrMapOvr>
   <p:timing>
     <p:tnLst>
       <p:par>
-        <p:cTn id="13" dur="indefinite" restart="never" nodeType="tmRoot">
+        <p:cTn id="1" dur="indefinite" restart="never" nodeType="tmRoot">
           <p:childTnLst>
             <p:seq>
-              <p:cTn id="14" nodeType="mainSeq"/>
+              <p:cTn id="2" nodeType="mainSeq"/>
               <p:prevCondLst>
-                <p:cond delay="0" evt="onPrev">
+                <p:cond evt="onPrev" delay="0">
                   <p:tgtEl>
                     <p:sldTgt/>
                   </p:tgtEl>
                 </p:cond>
               </p:prevCondLst>
               <p:nextCondLst>
-                <p:cond delay="0" evt="onNext">
+                <p:cond evt="onNext" delay="0">
                   <p:tgtEl>
                     <p:sldTgt/>
                   </p:tgtEl>
@@ -6520,7 +6770,7 @@
 </file>
 
 <file path=ppt/slides/slide8.xml><?xml version="1.0" encoding="utf-8"?>
-<p:sld xmlns:a="http://schemas.openxmlformats.org/drawingml/2006/main" xmlns:p="http://schemas.openxmlformats.org/presentationml/2006/main" xmlns:r="http://schemas.openxmlformats.org/officeDocument/2006/relationships" xmlns:p14="http://schemas.microsoft.com/office/powerpoint/2010/main" xmlns:p15="http://schemas.microsoft.com/office/powerpoint/2012/main" xmlns:mc="http://schemas.openxmlformats.org/markup-compatibility/2006">
+<p:sld xmlns:a="http://schemas.openxmlformats.org/drawingml/2006/main" xmlns:r="http://schemas.openxmlformats.org/officeDocument/2006/relationships" xmlns:p="http://schemas.openxmlformats.org/presentationml/2006/main">
   <p:cSld>
     <p:spTree>
       <p:nvGrpSpPr>
@@ -6556,13 +6806,20 @@
           </a:ln>
         </p:spPr>
         <p:style>
-          <a:lnRef idx="0"/>
-          <a:fillRef idx="0"/>
-          <a:effectRef idx="0"/>
+          <a:lnRef idx="0">
+            <a:scrgbClr r="0" g="0" b="0"/>
+          </a:lnRef>
+          <a:fillRef idx="0">
+            <a:scrgbClr r="0" g="0" b="0"/>
+          </a:fillRef>
+          <a:effectRef idx="0">
+            <a:scrgbClr r="0" g="0" b="0"/>
+          </a:effectRef>
           <a:fontRef idx="minor"/>
         </p:style>
         <p:txBody>
-          <a:bodyPr lIns="0" rIns="0" tIns="0" bIns="0" anchor="ctr"/>
+          <a:bodyPr lIns="0" tIns="0" rIns="0" bIns="0" anchor="ctr"/>
+          <a:lstStyle/>
           <a:p>
             <a:pPr>
               <a:lnSpc>
@@ -6570,13 +6827,13 @@
               </a:lnSpc>
             </a:pPr>
             <a:r>
-              <a:rPr b="1" lang="en-US" sz="4400" spc="-1" strike="noStrike">
+              <a:rPr lang="en-US" sz="4400" b="1" strike="noStrike" spc="-1">
                 <a:solidFill>
                   <a:srgbClr val="333333"/>
                 </a:solidFill>
                 <a:uFill>
                   <a:solidFill>
-                    <a:srgbClr val="ffffff"/>
+                    <a:srgbClr val="FFFFFF"/>
                   </a:solidFill>
                 </a:uFill>
                 <a:latin typeface="Open Sans"/>
@@ -6584,13 +6841,13 @@
               </a:rPr>
               <a:t>Password Vault</a:t>
             </a:r>
-            <a:endParaRPr b="0" lang="en-US" sz="1800" spc="-1" strike="noStrike">
-              <a:solidFill>
-                <a:srgbClr val="000000"/>
-              </a:solidFill>
-              <a:uFill>
-                <a:solidFill>
-                  <a:srgbClr val="ffffff"/>
+            <a:endParaRPr lang="en-US" sz="1800" b="0" strike="noStrike" spc="-1">
+              <a:solidFill>
+                <a:srgbClr val="000000"/>
+              </a:solidFill>
+              <a:uFill>
+                <a:solidFill>
+                  <a:srgbClr val="FFFFFF"/>
                 </a:solidFill>
               </a:uFill>
               <a:latin typeface="Arial"/>
@@ -6620,14 +6877,20 @@
           </a:solidFill>
           <a:ln>
             <a:solidFill>
-              <a:srgbClr val="3465a4"/>
+              <a:srgbClr val="3465A4"/>
             </a:solidFill>
           </a:ln>
         </p:spPr>
         <p:style>
-          <a:lnRef idx="0"/>
-          <a:fillRef idx="0"/>
-          <a:effectRef idx="0"/>
+          <a:lnRef idx="0">
+            <a:scrgbClr r="0" g="0" b="0"/>
+          </a:lnRef>
+          <a:fillRef idx="0">
+            <a:scrgbClr r="0" g="0" b="0"/>
+          </a:fillRef>
+          <a:effectRef idx="0">
+            <a:scrgbClr r="0" g="0" b="0"/>
+          </a:effectRef>
           <a:fontRef idx="minor"/>
         </p:style>
       </p:sp>
@@ -6651,9 +6914,15 @@
           </a:ln>
         </p:spPr>
         <p:style>
-          <a:lnRef idx="0"/>
-          <a:fillRef idx="0"/>
-          <a:effectRef idx="0"/>
+          <a:lnRef idx="0">
+            <a:scrgbClr r="0" g="0" b="0"/>
+          </a:lnRef>
+          <a:fillRef idx="0">
+            <a:scrgbClr r="0" g="0" b="0"/>
+          </a:fillRef>
+          <a:effectRef idx="0">
+            <a:scrgbClr r="0" g="0" b="0"/>
+          </a:effectRef>
           <a:fontRef idx="minor"/>
         </p:style>
       </p:sp>
@@ -6672,22 +6941,29 @@
             <a:avLst/>
           </a:prstGeom>
           <a:solidFill>
-            <a:srgbClr val="eeeeee"/>
+            <a:srgbClr val="EEEEEE"/>
           </a:solidFill>
           <a:ln>
             <a:solidFill>
-              <a:srgbClr val="3465a4"/>
+              <a:srgbClr val="3465A4"/>
             </a:solidFill>
           </a:ln>
         </p:spPr>
         <p:style>
-          <a:lnRef idx="0"/>
-          <a:fillRef idx="0"/>
-          <a:effectRef idx="0"/>
+          <a:lnRef idx="0">
+            <a:scrgbClr r="0" g="0" b="0"/>
+          </a:lnRef>
+          <a:fillRef idx="0">
+            <a:scrgbClr r="0" g="0" b="0"/>
+          </a:fillRef>
+          <a:effectRef idx="0">
+            <a:scrgbClr r="0" g="0" b="0"/>
+          </a:effectRef>
           <a:fontRef idx="minor"/>
         </p:style>
         <p:txBody>
-          <a:bodyPr wrap="none" lIns="90000" rIns="90000" tIns="45000" bIns="45000" anchor="ctr"/>
+          <a:bodyPr wrap="none" lIns="90000" tIns="45000" rIns="90000" bIns="45000" anchor="ctr"/>
+          <a:lstStyle/>
           <a:p>
             <a:pPr algn="ctr">
               <a:lnSpc>
@@ -6695,13 +6971,13 @@
               </a:lnSpc>
             </a:pPr>
             <a:r>
-              <a:rPr b="0" lang="en-US" sz="1800" spc="-1" strike="noStrike">
+              <a:rPr lang="en-US" sz="1800" b="0" strike="noStrike" spc="-1">
                 <a:solidFill>
                   <a:srgbClr val="000000"/>
                 </a:solidFill>
                 <a:uFill>
                   <a:solidFill>
-                    <a:srgbClr val="ffffff"/>
+                    <a:srgbClr val="FFFFFF"/>
                   </a:solidFill>
                 </a:uFill>
                 <a:latin typeface="Arial"/>
@@ -6709,13 +6985,13 @@
               </a:rPr>
               <a:t>firstId</a:t>
             </a:r>
-            <a:endParaRPr b="0" lang="en-US" sz="1800" spc="-1" strike="noStrike">
-              <a:solidFill>
-                <a:srgbClr val="000000"/>
-              </a:solidFill>
-              <a:uFill>
-                <a:solidFill>
-                  <a:srgbClr val="ffffff"/>
+            <a:endParaRPr lang="en-US" sz="1800" b="0" strike="noStrike" spc="-1">
+              <a:solidFill>
+                <a:srgbClr val="000000"/>
+              </a:solidFill>
+              <a:uFill>
+                <a:solidFill>
+                  <a:srgbClr val="FFFFFF"/>
                 </a:solidFill>
               </a:uFill>
               <a:latin typeface="Arial"/>
@@ -6743,13 +7019,20 @@
           </a:ln>
         </p:spPr>
         <p:style>
-          <a:lnRef idx="0"/>
-          <a:fillRef idx="0"/>
-          <a:effectRef idx="0"/>
+          <a:lnRef idx="0">
+            <a:scrgbClr r="0" g="0" b="0"/>
+          </a:lnRef>
+          <a:fillRef idx="0">
+            <a:scrgbClr r="0" g="0" b="0"/>
+          </a:fillRef>
+          <a:effectRef idx="0">
+            <a:scrgbClr r="0" g="0" b="0"/>
+          </a:effectRef>
           <a:fontRef idx="minor"/>
         </p:style>
         <p:txBody>
-          <a:bodyPr lIns="0" rIns="0" tIns="0" bIns="0"/>
+          <a:bodyPr lIns="0" tIns="0" rIns="0" bIns="0"/>
+          <a:lstStyle/>
           <a:p>
             <a:pPr marL="432000" indent="-322920" algn="ctr">
               <a:lnSpc>
@@ -6759,20 +7042,20 @@
                 <a:spcPts val="1414"/>
               </a:spcAft>
               <a:buClr>
-                <a:srgbClr val="ef2929"/>
+                <a:srgbClr val="EF2929"/>
               </a:buClr>
               <a:buSzPct val="45000"/>
               <a:buFont typeface="Wingdings" charset="2"/>
               <a:buChar char=""/>
             </a:pPr>
             <a:r>
-              <a:rPr b="0" lang="en-US" sz="1800" spc="-1" strike="noStrike">
+              <a:rPr lang="en-US" sz="1800" b="0" strike="noStrike" spc="-1">
                 <a:solidFill>
                   <a:srgbClr val="333333"/>
                 </a:solidFill>
                 <a:uFill>
                   <a:solidFill>
-                    <a:srgbClr val="ffffff"/>
+                    <a:srgbClr val="FFFFFF"/>
                   </a:solidFill>
                 </a:uFill>
                 <a:latin typeface="Open Sans"/>
@@ -6780,13 +7063,13 @@
               </a:rPr>
               <a:t>(Entry #0)</a:t>
             </a:r>
-            <a:endParaRPr b="0" lang="en-US" sz="1800" spc="-1" strike="noStrike">
-              <a:solidFill>
-                <a:srgbClr val="000000"/>
-              </a:solidFill>
-              <a:uFill>
-                <a:solidFill>
-                  <a:srgbClr val="ffffff"/>
+            <a:endParaRPr lang="en-US" sz="1800" b="0" strike="noStrike" spc="-1">
+              <a:solidFill>
+                <a:srgbClr val="000000"/>
+              </a:solidFill>
+              <a:uFill>
+                <a:solidFill>
+                  <a:srgbClr val="FFFFFF"/>
                 </a:solidFill>
               </a:uFill>
               <a:latin typeface="Arial"/>
@@ -6814,13 +7097,20 @@
           </a:ln>
         </p:spPr>
         <p:style>
-          <a:lnRef idx="0"/>
-          <a:fillRef idx="0"/>
-          <a:effectRef idx="0"/>
+          <a:lnRef idx="0">
+            <a:scrgbClr r="0" g="0" b="0"/>
+          </a:lnRef>
+          <a:fillRef idx="0">
+            <a:scrgbClr r="0" g="0" b="0"/>
+          </a:fillRef>
+          <a:effectRef idx="0">
+            <a:scrgbClr r="0" g="0" b="0"/>
+          </a:effectRef>
           <a:fontRef idx="minor"/>
         </p:style>
         <p:txBody>
-          <a:bodyPr lIns="0" rIns="0" tIns="0" bIns="0"/>
+          <a:bodyPr lIns="0" tIns="0" rIns="0" bIns="0"/>
+          <a:lstStyle/>
           <a:p>
             <a:pPr marL="432000" indent="-322920" algn="ctr">
               <a:lnSpc>
@@ -6830,20 +7120,20 @@
                 <a:spcPts val="1414"/>
               </a:spcAft>
               <a:buClr>
-                <a:srgbClr val="ef2929"/>
+                <a:srgbClr val="EF2929"/>
               </a:buClr>
               <a:buSzPct val="45000"/>
               <a:buFont typeface="Wingdings" charset="2"/>
               <a:buChar char=""/>
             </a:pPr>
             <a:r>
-              <a:rPr b="0" lang="en-US" sz="2800" spc="-1" strike="noStrike">
+              <a:rPr lang="en-US" sz="2800" b="0" strike="noStrike" spc="-1">
                 <a:solidFill>
                   <a:srgbClr val="333333"/>
                 </a:solidFill>
                 <a:uFill>
                   <a:solidFill>
-                    <a:srgbClr val="ffffff"/>
+                    <a:srgbClr val="FFFFFF"/>
                   </a:solidFill>
                 </a:uFill>
                 <a:latin typeface="Open Sans"/>
@@ -6851,13 +7141,13 @@
               </a:rPr>
               <a:t>File</a:t>
             </a:r>
-            <a:endParaRPr b="0" lang="en-US" sz="1800" spc="-1" strike="noStrike">
-              <a:solidFill>
-                <a:srgbClr val="000000"/>
-              </a:solidFill>
-              <a:uFill>
-                <a:solidFill>
-                  <a:srgbClr val="ffffff"/>
+            <a:endParaRPr lang="en-US" sz="1800" b="0" strike="noStrike" spc="-1">
+              <a:solidFill>
+                <a:srgbClr val="000000"/>
+              </a:solidFill>
+              <a:uFill>
+                <a:solidFill>
+                  <a:srgbClr val="FFFFFF"/>
                 </a:solidFill>
               </a:uFill>
               <a:latin typeface="Arial"/>
@@ -6885,13 +7175,20 @@
           </a:ln>
         </p:spPr>
         <p:style>
-          <a:lnRef idx="0"/>
-          <a:fillRef idx="0"/>
-          <a:effectRef idx="0"/>
+          <a:lnRef idx="0">
+            <a:scrgbClr r="0" g="0" b="0"/>
+          </a:lnRef>
+          <a:fillRef idx="0">
+            <a:scrgbClr r="0" g="0" b="0"/>
+          </a:fillRef>
+          <a:effectRef idx="0">
+            <a:scrgbClr r="0" g="0" b="0"/>
+          </a:effectRef>
           <a:fontRef idx="minor"/>
         </p:style>
         <p:txBody>
-          <a:bodyPr lIns="0" rIns="0" tIns="0" bIns="0"/>
+          <a:bodyPr lIns="0" tIns="0" rIns="0" bIns="0"/>
+          <a:lstStyle/>
           <a:p>
             <a:pPr marL="432000" indent="-322920" algn="ctr">
               <a:lnSpc>
@@ -6901,20 +7198,20 @@
                 <a:spcPts val="1414"/>
               </a:spcAft>
               <a:buClr>
-                <a:srgbClr val="ef2929"/>
+                <a:srgbClr val="EF2929"/>
               </a:buClr>
               <a:buSzPct val="45000"/>
               <a:buFont typeface="Wingdings" charset="2"/>
               <a:buChar char=""/>
             </a:pPr>
             <a:r>
-              <a:rPr b="0" lang="en-US" sz="1800" spc="-1" strike="noStrike">
+              <a:rPr lang="en-US" sz="1800" b="0" strike="noStrike" spc="-1">
                 <a:solidFill>
                   <a:srgbClr val="333333"/>
                 </a:solidFill>
                 <a:uFill>
                   <a:solidFill>
-                    <a:srgbClr val="ffffff"/>
+                    <a:srgbClr val="FFFFFF"/>
                   </a:solidFill>
                 </a:uFill>
                 <a:latin typeface="Open Sans"/>
@@ -6922,13 +7219,13 @@
               </a:rPr>
               <a:t>(Entry #1)</a:t>
             </a:r>
-            <a:endParaRPr b="0" lang="en-US" sz="1800" spc="-1" strike="noStrike">
-              <a:solidFill>
-                <a:srgbClr val="000000"/>
-              </a:solidFill>
-              <a:uFill>
-                <a:solidFill>
-                  <a:srgbClr val="ffffff"/>
+            <a:endParaRPr lang="en-US" sz="1800" b="0" strike="noStrike" spc="-1">
+              <a:solidFill>
+                <a:srgbClr val="000000"/>
+              </a:solidFill>
+              <a:uFill>
+                <a:solidFill>
+                  <a:srgbClr val="FFFFFF"/>
                 </a:solidFill>
               </a:uFill>
               <a:latin typeface="Arial"/>
@@ -6951,22 +7248,29 @@
             <a:avLst/>
           </a:prstGeom>
           <a:solidFill>
-            <a:srgbClr val="eeeeee"/>
+            <a:srgbClr val="EEEEEE"/>
           </a:solidFill>
           <a:ln>
             <a:solidFill>
-              <a:srgbClr val="3465a4"/>
+              <a:srgbClr val="3465A4"/>
             </a:solidFill>
           </a:ln>
         </p:spPr>
         <p:style>
-          <a:lnRef idx="0"/>
-          <a:fillRef idx="0"/>
-          <a:effectRef idx="0"/>
+          <a:lnRef idx="0">
+            <a:scrgbClr r="0" g="0" b="0"/>
+          </a:lnRef>
+          <a:fillRef idx="0">
+            <a:scrgbClr r="0" g="0" b="0"/>
+          </a:fillRef>
+          <a:effectRef idx="0">
+            <a:scrgbClr r="0" g="0" b="0"/>
+          </a:effectRef>
           <a:fontRef idx="minor"/>
         </p:style>
         <p:txBody>
-          <a:bodyPr wrap="none" lIns="90000" rIns="90000" tIns="45000" bIns="45000" anchor="ctr"/>
+          <a:bodyPr wrap="none" lIns="90000" tIns="45000" rIns="90000" bIns="45000" anchor="ctr"/>
+          <a:lstStyle/>
           <a:p>
             <a:pPr algn="ctr">
               <a:lnSpc>
@@ -6974,13 +7278,13 @@
               </a:lnSpc>
             </a:pPr>
             <a:r>
-              <a:rPr b="0" lang="en-US" sz="1800" spc="-1" strike="noStrike">
+              <a:rPr lang="en-US" sz="1800" b="0" strike="noStrike" spc="-1">
                 <a:solidFill>
                   <a:srgbClr val="000000"/>
                 </a:solidFill>
                 <a:uFill>
                   <a:solidFill>
-                    <a:srgbClr val="ffffff"/>
+                    <a:srgbClr val="FFFFFF"/>
                   </a:solidFill>
                 </a:uFill>
                 <a:latin typeface="Arial"/>
@@ -6988,13 +7292,13 @@
               </a:rPr>
               <a:t>0</a:t>
             </a:r>
-            <a:endParaRPr b="0" lang="en-US" sz="1800" spc="-1" strike="noStrike">
-              <a:solidFill>
-                <a:srgbClr val="000000"/>
-              </a:solidFill>
-              <a:uFill>
-                <a:solidFill>
-                  <a:srgbClr val="ffffff"/>
+            <a:endParaRPr lang="en-US" sz="1800" b="0" strike="noStrike" spc="-1">
+              <a:solidFill>
+                <a:srgbClr val="000000"/>
+              </a:solidFill>
+              <a:uFill>
+                <a:solidFill>
+                  <a:srgbClr val="FFFFFF"/>
                 </a:solidFill>
               </a:uFill>
               <a:latin typeface="Arial"/>
@@ -7017,22 +7321,29 @@
             <a:avLst/>
           </a:prstGeom>
           <a:solidFill>
-            <a:srgbClr val="eeeeee"/>
+            <a:srgbClr val="EEEEEE"/>
           </a:solidFill>
           <a:ln>
             <a:solidFill>
-              <a:srgbClr val="3465a4"/>
+              <a:srgbClr val="3465A4"/>
             </a:solidFill>
           </a:ln>
         </p:spPr>
         <p:style>
-          <a:lnRef idx="0"/>
-          <a:fillRef idx="0"/>
-          <a:effectRef idx="0"/>
+          <a:lnRef idx="0">
+            <a:scrgbClr r="0" g="0" b="0"/>
+          </a:lnRef>
+          <a:fillRef idx="0">
+            <a:scrgbClr r="0" g="0" b="0"/>
+          </a:fillRef>
+          <a:effectRef idx="0">
+            <a:scrgbClr r="0" g="0" b="0"/>
+          </a:effectRef>
           <a:fontRef idx="minor"/>
         </p:style>
         <p:txBody>
-          <a:bodyPr wrap="none" lIns="90000" rIns="90000" tIns="45000" bIns="45000" anchor="ctr"/>
+          <a:bodyPr wrap="none" lIns="90000" tIns="45000" rIns="90000" bIns="45000" anchor="ctr"/>
+          <a:lstStyle/>
           <a:p>
             <a:pPr algn="ctr">
               <a:lnSpc>
@@ -7040,13 +7351,13 @@
               </a:lnSpc>
             </a:pPr>
             <a:r>
-              <a:rPr b="0" lang="en-US" sz="1800" spc="-1" strike="noStrike">
+              <a:rPr lang="en-US" sz="1800" b="0" strike="noStrike" spc="-1">
                 <a:solidFill>
                   <a:srgbClr val="000000"/>
                 </a:solidFill>
                 <a:uFill>
                   <a:solidFill>
-                    <a:srgbClr val="ffffff"/>
+                    <a:srgbClr val="FFFFFF"/>
                   </a:solidFill>
                 </a:uFill>
                 <a:latin typeface="Arial"/>
@@ -7054,13 +7365,13 @@
               </a:rPr>
               <a:t>lastId</a:t>
             </a:r>
-            <a:endParaRPr b="0" lang="en-US" sz="1800" spc="-1" strike="noStrike">
-              <a:solidFill>
-                <a:srgbClr val="000000"/>
-              </a:solidFill>
-              <a:uFill>
-                <a:solidFill>
-                  <a:srgbClr val="ffffff"/>
+            <a:endParaRPr lang="en-US" sz="1800" b="0" strike="noStrike" spc="-1">
+              <a:solidFill>
+                <a:srgbClr val="000000"/>
+              </a:solidFill>
+              <a:uFill>
+                <a:solidFill>
+                  <a:srgbClr val="FFFFFF"/>
                 </a:solidFill>
               </a:uFill>
               <a:latin typeface="Arial"/>
@@ -7083,22 +7394,29 @@
             <a:avLst/>
           </a:prstGeom>
           <a:solidFill>
-            <a:srgbClr val="eeeeee"/>
+            <a:srgbClr val="EEEEEE"/>
           </a:solidFill>
           <a:ln>
             <a:solidFill>
-              <a:srgbClr val="3465a4"/>
+              <a:srgbClr val="3465A4"/>
             </a:solidFill>
           </a:ln>
         </p:spPr>
         <p:style>
-          <a:lnRef idx="0"/>
-          <a:fillRef idx="0"/>
-          <a:effectRef idx="0"/>
+          <a:lnRef idx="0">
+            <a:scrgbClr r="0" g="0" b="0"/>
+          </a:lnRef>
+          <a:fillRef idx="0">
+            <a:scrgbClr r="0" g="0" b="0"/>
+          </a:fillRef>
+          <a:effectRef idx="0">
+            <a:scrgbClr r="0" g="0" b="0"/>
+          </a:effectRef>
           <a:fontRef idx="minor"/>
         </p:style>
         <p:txBody>
-          <a:bodyPr wrap="none" lIns="90000" rIns="90000" tIns="45000" bIns="45000" anchor="ctr"/>
+          <a:bodyPr wrap="none" lIns="90000" tIns="45000" rIns="90000" bIns="45000" anchor="ctr"/>
+          <a:lstStyle/>
           <a:p>
             <a:pPr algn="ctr">
               <a:lnSpc>
@@ -7106,13 +7424,13 @@
               </a:lnSpc>
             </a:pPr>
             <a:r>
-              <a:rPr b="0" lang="en-US" sz="1800" spc="-1" strike="noStrike">
+              <a:rPr lang="en-US" sz="1800" b="0" strike="noStrike" spc="-1">
                 <a:solidFill>
                   <a:srgbClr val="000000"/>
                 </a:solidFill>
                 <a:uFill>
                   <a:solidFill>
-                    <a:srgbClr val="ffffff"/>
+                    <a:srgbClr val="FFFFFF"/>
                   </a:solidFill>
                 </a:uFill>
                 <a:latin typeface="Arial"/>
@@ -7120,13 +7438,13 @@
               </a:rPr>
               <a:t>2</a:t>
             </a:r>
-            <a:endParaRPr b="0" lang="en-US" sz="1800" spc="-1" strike="noStrike">
-              <a:solidFill>
-                <a:srgbClr val="000000"/>
-              </a:solidFill>
-              <a:uFill>
-                <a:solidFill>
-                  <a:srgbClr val="ffffff"/>
+            <a:endParaRPr lang="en-US" sz="1800" b="0" strike="noStrike" spc="-1">
+              <a:solidFill>
+                <a:srgbClr val="000000"/>
+              </a:solidFill>
+              <a:uFill>
+                <a:solidFill>
+                  <a:srgbClr val="FFFFFF"/>
                 </a:solidFill>
               </a:uFill>
               <a:latin typeface="Arial"/>
@@ -7149,22 +7467,29 @@
             <a:avLst/>
           </a:prstGeom>
           <a:solidFill>
-            <a:srgbClr val="eeeeee"/>
+            <a:srgbClr val="EEEEEE"/>
           </a:solidFill>
           <a:ln>
             <a:solidFill>
-              <a:srgbClr val="3465a4"/>
+              <a:srgbClr val="3465A4"/>
             </a:solidFill>
           </a:ln>
         </p:spPr>
         <p:style>
-          <a:lnRef idx="0"/>
-          <a:fillRef idx="0"/>
-          <a:effectRef idx="0"/>
+          <a:lnRef idx="0">
+            <a:scrgbClr r="0" g="0" b="0"/>
+          </a:lnRef>
+          <a:fillRef idx="0">
+            <a:scrgbClr r="0" g="0" b="0"/>
+          </a:fillRef>
+          <a:effectRef idx="0">
+            <a:scrgbClr r="0" g="0" b="0"/>
+          </a:effectRef>
           <a:fontRef idx="minor"/>
         </p:style>
         <p:txBody>
-          <a:bodyPr wrap="none" lIns="90000" rIns="90000" tIns="45000" bIns="45000" anchor="ctr"/>
+          <a:bodyPr wrap="none" lIns="90000" tIns="45000" rIns="90000" bIns="45000" anchor="ctr"/>
+          <a:lstStyle/>
           <a:p>
             <a:pPr algn="ctr">
               <a:lnSpc>
@@ -7172,13 +7497,13 @@
               </a:lnSpc>
             </a:pPr>
             <a:r>
-              <a:rPr b="0" lang="en-US" sz="1800" spc="-1" strike="noStrike">
+              <a:rPr lang="en-US" sz="1800" b="0" strike="noStrike" spc="-1">
                 <a:solidFill>
                   <a:srgbClr val="000000"/>
                 </a:solidFill>
                 <a:uFill>
                   <a:solidFill>
-                    <a:srgbClr val="ffffff"/>
+                    <a:srgbClr val="FFFFFF"/>
                   </a:solidFill>
                 </a:uFill>
                 <a:latin typeface="Arial"/>
@@ -7186,13 +7511,13 @@
               </a:rPr>
               <a:t>nextFreeId</a:t>
             </a:r>
-            <a:endParaRPr b="0" lang="en-US" sz="1800" spc="-1" strike="noStrike">
-              <a:solidFill>
-                <a:srgbClr val="000000"/>
-              </a:solidFill>
-              <a:uFill>
-                <a:solidFill>
-                  <a:srgbClr val="ffffff"/>
+            <a:endParaRPr lang="en-US" sz="1800" b="0" strike="noStrike" spc="-1">
+              <a:solidFill>
+                <a:srgbClr val="000000"/>
+              </a:solidFill>
+              <a:uFill>
+                <a:solidFill>
+                  <a:srgbClr val="FFFFFF"/>
                 </a:solidFill>
               </a:uFill>
               <a:latin typeface="Arial"/>
@@ -7215,22 +7540,29 @@
             <a:avLst/>
           </a:prstGeom>
           <a:solidFill>
-            <a:srgbClr val="eeeeee"/>
+            <a:srgbClr val="EEEEEE"/>
           </a:solidFill>
           <a:ln>
             <a:solidFill>
-              <a:srgbClr val="3465a4"/>
+              <a:srgbClr val="3465A4"/>
             </a:solidFill>
           </a:ln>
         </p:spPr>
         <p:style>
-          <a:lnRef idx="0"/>
-          <a:fillRef idx="0"/>
-          <a:effectRef idx="0"/>
+          <a:lnRef idx="0">
+            <a:scrgbClr r="0" g="0" b="0"/>
+          </a:lnRef>
+          <a:fillRef idx="0">
+            <a:scrgbClr r="0" g="0" b="0"/>
+          </a:fillRef>
+          <a:effectRef idx="0">
+            <a:scrgbClr r="0" g="0" b="0"/>
+          </a:effectRef>
           <a:fontRef idx="minor"/>
         </p:style>
         <p:txBody>
-          <a:bodyPr wrap="none" lIns="90000" rIns="90000" tIns="45000" bIns="45000" anchor="ctr"/>
+          <a:bodyPr wrap="none" lIns="90000" tIns="45000" rIns="90000" bIns="45000" anchor="ctr"/>
+          <a:lstStyle/>
           <a:p>
             <a:pPr algn="ctr">
               <a:lnSpc>
@@ -7238,13 +7570,13 @@
               </a:lnSpc>
             </a:pPr>
             <a:r>
-              <a:rPr b="0" lang="en-US" sz="1800" spc="-1" strike="noStrike">
+              <a:rPr lang="en-US" sz="1800" b="0" strike="noStrike" spc="-1">
                 <a:solidFill>
                   <a:srgbClr val="000000"/>
                 </a:solidFill>
                 <a:uFill>
                   <a:solidFill>
-                    <a:srgbClr val="ffffff"/>
+                    <a:srgbClr val="FFFFFF"/>
                   </a:solidFill>
                 </a:uFill>
                 <a:latin typeface="Arial"/>
@@ -7252,13 +7584,13 @@
               </a:rPr>
               <a:t>3</a:t>
             </a:r>
-            <a:endParaRPr b="0" lang="en-US" sz="1800" spc="-1" strike="noStrike">
-              <a:solidFill>
-                <a:srgbClr val="000000"/>
-              </a:solidFill>
-              <a:uFill>
-                <a:solidFill>
-                  <a:srgbClr val="ffffff"/>
+            <a:endParaRPr lang="en-US" sz="1800" b="0" strike="noStrike" spc="-1">
+              <a:solidFill>
+                <a:srgbClr val="000000"/>
+              </a:solidFill>
+              <a:uFill>
+                <a:solidFill>
+                  <a:srgbClr val="FFFFFF"/>
                 </a:solidFill>
               </a:uFill>
               <a:latin typeface="Arial"/>
@@ -7281,22 +7613,29 @@
             <a:avLst/>
           </a:prstGeom>
           <a:solidFill>
-            <a:srgbClr val="eeeeee"/>
+            <a:srgbClr val="EEEEEE"/>
           </a:solidFill>
           <a:ln>
             <a:solidFill>
-              <a:srgbClr val="3465a4"/>
+              <a:srgbClr val="3465A4"/>
             </a:solidFill>
           </a:ln>
         </p:spPr>
         <p:style>
-          <a:lnRef idx="0"/>
-          <a:fillRef idx="0"/>
-          <a:effectRef idx="0"/>
+          <a:lnRef idx="0">
+            <a:scrgbClr r="0" g="0" b="0"/>
+          </a:lnRef>
+          <a:fillRef idx="0">
+            <a:scrgbClr r="0" g="0" b="0"/>
+          </a:fillRef>
+          <a:effectRef idx="0">
+            <a:scrgbClr r="0" g="0" b="0"/>
+          </a:effectRef>
           <a:fontRef idx="minor"/>
         </p:style>
         <p:txBody>
-          <a:bodyPr wrap="none" lIns="90000" rIns="90000" tIns="45000" bIns="45000" anchor="ctr"/>
+          <a:bodyPr wrap="none" lIns="90000" tIns="45000" rIns="90000" bIns="45000" anchor="ctr"/>
+          <a:lstStyle/>
           <a:p>
             <a:pPr algn="ctr">
               <a:lnSpc>
@@ -7304,13 +7643,13 @@
               </a:lnSpc>
             </a:pPr>
             <a:r>
-              <a:rPr b="0" lang="en-US" sz="1800" spc="-1" strike="noStrike">
+              <a:rPr lang="en-US" sz="1800" b="0" strike="noStrike" spc="-1">
                 <a:solidFill>
                   <a:srgbClr val="000000"/>
                 </a:solidFill>
                 <a:uFill>
                   <a:solidFill>
-                    <a:srgbClr val="ffffff"/>
+                    <a:srgbClr val="FFFFFF"/>
                   </a:solidFill>
                 </a:uFill>
                 <a:latin typeface="Arial"/>
@@ -7318,13 +7657,13 @@
               </a:rPr>
               <a:t>label0</a:t>
             </a:r>
-            <a:endParaRPr b="0" lang="en-US" sz="1800" spc="-1" strike="noStrike">
-              <a:solidFill>
-                <a:srgbClr val="000000"/>
-              </a:solidFill>
-              <a:uFill>
-                <a:solidFill>
-                  <a:srgbClr val="ffffff"/>
+            <a:endParaRPr lang="en-US" sz="1800" b="0" strike="noStrike" spc="-1">
+              <a:solidFill>
+                <a:srgbClr val="000000"/>
+              </a:solidFill>
+              <a:uFill>
+                <a:solidFill>
+                  <a:srgbClr val="FFFFFF"/>
                 </a:solidFill>
               </a:uFill>
               <a:latin typeface="Arial"/>
@@ -7347,22 +7686,29 @@
             <a:avLst/>
           </a:prstGeom>
           <a:solidFill>
-            <a:srgbClr val="eeeeee"/>
+            <a:srgbClr val="EEEEEE"/>
           </a:solidFill>
           <a:ln>
             <a:solidFill>
-              <a:srgbClr val="3465a4"/>
+              <a:srgbClr val="3465A4"/>
             </a:solidFill>
           </a:ln>
         </p:spPr>
         <p:style>
-          <a:lnRef idx="0"/>
-          <a:fillRef idx="0"/>
-          <a:effectRef idx="0"/>
+          <a:lnRef idx="0">
+            <a:scrgbClr r="0" g="0" b="0"/>
+          </a:lnRef>
+          <a:fillRef idx="0">
+            <a:scrgbClr r="0" g="0" b="0"/>
+          </a:fillRef>
+          <a:effectRef idx="0">
+            <a:scrgbClr r="0" g="0" b="0"/>
+          </a:effectRef>
           <a:fontRef idx="minor"/>
         </p:style>
         <p:txBody>
-          <a:bodyPr wrap="none" lIns="90000" rIns="90000" tIns="45000" bIns="45000" anchor="ctr"/>
+          <a:bodyPr wrap="none" lIns="90000" tIns="45000" rIns="90000" bIns="45000" anchor="ctr"/>
+          <a:lstStyle/>
           <a:p>
             <a:pPr algn="ctr">
               <a:lnSpc>
@@ -7370,13 +7716,13 @@
               </a:lnSpc>
             </a:pPr>
             <a:r>
-              <a:rPr b="0" lang="en-US" sz="1800" spc="-1" strike="noStrike">
+              <a:rPr lang="en-US" sz="1800" b="0" strike="noStrike" spc="-1">
                 <a:solidFill>
                   <a:srgbClr val="000000"/>
                 </a:solidFill>
                 <a:uFill>
                   <a:solidFill>
-                    <a:srgbClr val="ffffff"/>
+                    <a:srgbClr val="FFFFFF"/>
                   </a:solidFill>
                 </a:uFill>
                 <a:latin typeface="Arial"/>
@@ -7384,13 +7730,13 @@
               </a:rPr>
               <a:t>google</a:t>
             </a:r>
-            <a:endParaRPr b="0" lang="en-US" sz="1800" spc="-1" strike="noStrike">
-              <a:solidFill>
-                <a:srgbClr val="000000"/>
-              </a:solidFill>
-              <a:uFill>
-                <a:solidFill>
-                  <a:srgbClr val="ffffff"/>
+            <a:endParaRPr lang="en-US" sz="1800" b="0" strike="noStrike" spc="-1">
+              <a:solidFill>
+                <a:srgbClr val="000000"/>
+              </a:solidFill>
+              <a:uFill>
+                <a:solidFill>
+                  <a:srgbClr val="FFFFFF"/>
                 </a:solidFill>
               </a:uFill>
               <a:latin typeface="Arial"/>
@@ -7413,22 +7759,29 @@
             <a:avLst/>
           </a:prstGeom>
           <a:solidFill>
-            <a:srgbClr val="eeeeee"/>
+            <a:srgbClr val="EEEEEE"/>
           </a:solidFill>
           <a:ln>
             <a:solidFill>
-              <a:srgbClr val="3465a4"/>
+              <a:srgbClr val="3465A4"/>
             </a:solidFill>
           </a:ln>
         </p:spPr>
         <p:style>
-          <a:lnRef idx="0"/>
-          <a:fillRef idx="0"/>
-          <a:effectRef idx="0"/>
+          <a:lnRef idx="0">
+            <a:scrgbClr r="0" g="0" b="0"/>
+          </a:lnRef>
+          <a:fillRef idx="0">
+            <a:scrgbClr r="0" g="0" b="0"/>
+          </a:fillRef>
+          <a:effectRef idx="0">
+            <a:scrgbClr r="0" g="0" b="0"/>
+          </a:effectRef>
           <a:fontRef idx="minor"/>
         </p:style>
         <p:txBody>
-          <a:bodyPr wrap="none" lIns="90000" rIns="90000" tIns="45000" bIns="45000" anchor="ctr"/>
+          <a:bodyPr wrap="none" lIns="90000" tIns="45000" rIns="90000" bIns="45000" anchor="ctr"/>
+          <a:lstStyle/>
           <a:p>
             <a:pPr algn="ctr">
               <a:lnSpc>
@@ -7436,13 +7789,13 @@
               </a:lnSpc>
             </a:pPr>
             <a:r>
-              <a:rPr b="0" lang="en-US" sz="1800" spc="-1" strike="noStrike">
+              <a:rPr lang="en-US" sz="1800" b="0" strike="noStrike" spc="-1">
                 <a:solidFill>
                   <a:srgbClr val="000000"/>
                 </a:solidFill>
                 <a:uFill>
                   <a:solidFill>
-                    <a:srgbClr val="ffffff"/>
+                    <a:srgbClr val="FFFFFF"/>
                   </a:solidFill>
                 </a:uFill>
                 <a:latin typeface="Arial"/>
@@ -7450,13 +7803,13 @@
               </a:rPr>
               <a:t>user0</a:t>
             </a:r>
-            <a:endParaRPr b="0" lang="en-US" sz="1800" spc="-1" strike="noStrike">
-              <a:solidFill>
-                <a:srgbClr val="000000"/>
-              </a:solidFill>
-              <a:uFill>
-                <a:solidFill>
-                  <a:srgbClr val="ffffff"/>
+            <a:endParaRPr lang="en-US" sz="1800" b="0" strike="noStrike" spc="-1">
+              <a:solidFill>
+                <a:srgbClr val="000000"/>
+              </a:solidFill>
+              <a:uFill>
+                <a:solidFill>
+                  <a:srgbClr val="FFFFFF"/>
                 </a:solidFill>
               </a:uFill>
               <a:latin typeface="Arial"/>
@@ -7479,22 +7832,29 @@
             <a:avLst/>
           </a:prstGeom>
           <a:solidFill>
-            <a:srgbClr val="eeeeee"/>
+            <a:srgbClr val="EEEEEE"/>
           </a:solidFill>
           <a:ln>
             <a:solidFill>
-              <a:srgbClr val="3465a4"/>
+              <a:srgbClr val="3465A4"/>
             </a:solidFill>
           </a:ln>
         </p:spPr>
         <p:style>
-          <a:lnRef idx="0"/>
-          <a:fillRef idx="0"/>
-          <a:effectRef idx="0"/>
+          <a:lnRef idx="0">
+            <a:scrgbClr r="0" g="0" b="0"/>
+          </a:lnRef>
+          <a:fillRef idx="0">
+            <a:scrgbClr r="0" g="0" b="0"/>
+          </a:fillRef>
+          <a:effectRef idx="0">
+            <a:scrgbClr r="0" g="0" b="0"/>
+          </a:effectRef>
           <a:fontRef idx="minor"/>
         </p:style>
         <p:txBody>
-          <a:bodyPr wrap="none" lIns="90000" rIns="90000" tIns="45000" bIns="45000" anchor="ctr"/>
+          <a:bodyPr wrap="none" lIns="90000" tIns="45000" rIns="90000" bIns="45000" anchor="ctr"/>
+          <a:lstStyle/>
           <a:p>
             <a:pPr algn="ctr">
               <a:lnSpc>
@@ -7502,13 +7862,13 @@
               </a:lnSpc>
             </a:pPr>
             <a:r>
-              <a:rPr b="0" lang="en-US" sz="1800" spc="-1" strike="noStrike">
+              <a:rPr lang="en-US" sz="1800" b="0" strike="noStrike" spc="-1">
                 <a:solidFill>
                   <a:srgbClr val="000000"/>
                 </a:solidFill>
                 <a:uFill>
                   <a:solidFill>
-                    <a:srgbClr val="ffffff"/>
+                    <a:srgbClr val="FFFFFF"/>
                   </a:solidFill>
                 </a:uFill>
                 <a:latin typeface="Arial"/>
@@ -7516,13 +7876,13 @@
               </a:rPr>
               <a:t>bobble</a:t>
             </a:r>
-            <a:endParaRPr b="0" lang="en-US" sz="1800" spc="-1" strike="noStrike">
-              <a:solidFill>
-                <a:srgbClr val="000000"/>
-              </a:solidFill>
-              <a:uFill>
-                <a:solidFill>
-                  <a:srgbClr val="ffffff"/>
+            <a:endParaRPr lang="en-US" sz="1800" b="0" strike="noStrike" spc="-1">
+              <a:solidFill>
+                <a:srgbClr val="000000"/>
+              </a:solidFill>
+              <a:uFill>
+                <a:solidFill>
+                  <a:srgbClr val="FFFFFF"/>
                 </a:solidFill>
               </a:uFill>
               <a:latin typeface="Arial"/>
@@ -7545,22 +7905,29 @@
             <a:avLst/>
           </a:prstGeom>
           <a:solidFill>
-            <a:srgbClr val="eeeeee"/>
+            <a:srgbClr val="EEEEEE"/>
           </a:solidFill>
           <a:ln>
             <a:solidFill>
-              <a:srgbClr val="3465a4"/>
+              <a:srgbClr val="3465A4"/>
             </a:solidFill>
           </a:ln>
         </p:spPr>
         <p:style>
-          <a:lnRef idx="0"/>
-          <a:fillRef idx="0"/>
-          <a:effectRef idx="0"/>
+          <a:lnRef idx="0">
+            <a:scrgbClr r="0" g="0" b="0"/>
+          </a:lnRef>
+          <a:fillRef idx="0">
+            <a:scrgbClr r="0" g="0" b="0"/>
+          </a:fillRef>
+          <a:effectRef idx="0">
+            <a:scrgbClr r="0" g="0" b="0"/>
+          </a:effectRef>
           <a:fontRef idx="minor"/>
         </p:style>
         <p:txBody>
-          <a:bodyPr wrap="none" lIns="90000" rIns="90000" tIns="45000" bIns="45000" anchor="ctr"/>
+          <a:bodyPr wrap="none" lIns="90000" tIns="45000" rIns="90000" bIns="45000" anchor="ctr"/>
+          <a:lstStyle/>
           <a:p>
             <a:pPr algn="ctr">
               <a:lnSpc>
@@ -7568,13 +7935,13 @@
               </a:lnSpc>
             </a:pPr>
             <a:r>
-              <a:rPr b="0" lang="en-US" sz="1800" spc="-1" strike="noStrike">
+              <a:rPr lang="en-US" sz="1800" b="0" strike="noStrike" spc="-1">
                 <a:solidFill>
                   <a:srgbClr val="000000"/>
                 </a:solidFill>
                 <a:uFill>
                   <a:solidFill>
-                    <a:srgbClr val="ffffff"/>
+                    <a:srgbClr val="FFFFFF"/>
                   </a:solidFill>
                 </a:uFill>
                 <a:latin typeface="Arial"/>
@@ -7582,13 +7949,13 @@
               </a:rPr>
               <a:t>label0</a:t>
             </a:r>
-            <a:endParaRPr b="0" lang="en-US" sz="1800" spc="-1" strike="noStrike">
-              <a:solidFill>
-                <a:srgbClr val="000000"/>
-              </a:solidFill>
-              <a:uFill>
-                <a:solidFill>
-                  <a:srgbClr val="ffffff"/>
+            <a:endParaRPr lang="en-US" sz="1800" b="0" strike="noStrike" spc="-1">
+              <a:solidFill>
+                <a:srgbClr val="000000"/>
+              </a:solidFill>
+              <a:uFill>
+                <a:solidFill>
+                  <a:srgbClr val="FFFFFF"/>
                 </a:solidFill>
               </a:uFill>
               <a:latin typeface="Arial"/>
@@ -7611,22 +7978,29 @@
             <a:avLst/>
           </a:prstGeom>
           <a:solidFill>
-            <a:srgbClr val="eeeeee"/>
+            <a:srgbClr val="EEEEEE"/>
           </a:solidFill>
           <a:ln>
             <a:solidFill>
-              <a:srgbClr val="3465a4"/>
+              <a:srgbClr val="3465A4"/>
             </a:solidFill>
           </a:ln>
         </p:spPr>
         <p:style>
-          <a:lnRef idx="0"/>
-          <a:fillRef idx="0"/>
-          <a:effectRef idx="0"/>
+          <a:lnRef idx="0">
+            <a:scrgbClr r="0" g="0" b="0"/>
+          </a:lnRef>
+          <a:fillRef idx="0">
+            <a:scrgbClr r="0" g="0" b="0"/>
+          </a:fillRef>
+          <a:effectRef idx="0">
+            <a:scrgbClr r="0" g="0" b="0"/>
+          </a:effectRef>
           <a:fontRef idx="minor"/>
         </p:style>
         <p:txBody>
-          <a:bodyPr wrap="none" lIns="90000" rIns="90000" tIns="45000" bIns="45000" anchor="ctr"/>
+          <a:bodyPr wrap="none" lIns="90000" tIns="45000" rIns="90000" bIns="45000" anchor="ctr"/>
+          <a:lstStyle/>
           <a:p>
             <a:pPr algn="ctr">
               <a:lnSpc>
@@ -7634,13 +8008,13 @@
               </a:lnSpc>
             </a:pPr>
             <a:r>
-              <a:rPr b="0" lang="en-US" sz="1800" spc="-1" strike="noStrike">
+              <a:rPr lang="en-US" sz="1800" b="0" strike="noStrike" spc="-1">
                 <a:solidFill>
                   <a:srgbClr val="000000"/>
                 </a:solidFill>
                 <a:uFill>
                   <a:solidFill>
-                    <a:srgbClr val="ffffff"/>
+                    <a:srgbClr val="FFFFFF"/>
                   </a:solidFill>
                 </a:uFill>
                 <a:latin typeface="Arial"/>
@@ -7648,13 +8022,13 @@
               </a:rPr>
               <a:t>google</a:t>
             </a:r>
-            <a:endParaRPr b="0" lang="en-US" sz="1800" spc="-1" strike="noStrike">
-              <a:solidFill>
-                <a:srgbClr val="000000"/>
-              </a:solidFill>
-              <a:uFill>
-                <a:solidFill>
-                  <a:srgbClr val="ffffff"/>
+            <a:endParaRPr lang="en-US" sz="1800" b="0" strike="noStrike" spc="-1">
+              <a:solidFill>
+                <a:srgbClr val="000000"/>
+              </a:solidFill>
+              <a:uFill>
+                <a:solidFill>
+                  <a:srgbClr val="FFFFFF"/>
                 </a:solidFill>
               </a:uFill>
               <a:latin typeface="Arial"/>
@@ -7677,22 +8051,29 @@
             <a:avLst/>
           </a:prstGeom>
           <a:solidFill>
-            <a:srgbClr val="eeeeee"/>
+            <a:srgbClr val="EEEEEE"/>
           </a:solidFill>
           <a:ln>
             <a:solidFill>
-              <a:srgbClr val="3465a4"/>
+              <a:srgbClr val="3465A4"/>
             </a:solidFill>
           </a:ln>
         </p:spPr>
         <p:style>
-          <a:lnRef idx="0"/>
-          <a:fillRef idx="0"/>
-          <a:effectRef idx="0"/>
+          <a:lnRef idx="0">
+            <a:scrgbClr r="0" g="0" b="0"/>
+          </a:lnRef>
+          <a:fillRef idx="0">
+            <a:scrgbClr r="0" g="0" b="0"/>
+          </a:fillRef>
+          <a:effectRef idx="0">
+            <a:scrgbClr r="0" g="0" b="0"/>
+          </a:effectRef>
           <a:fontRef idx="minor"/>
         </p:style>
         <p:txBody>
-          <a:bodyPr wrap="none" lIns="90000" rIns="90000" tIns="45000" bIns="45000" anchor="ctr"/>
+          <a:bodyPr wrap="none" lIns="90000" tIns="45000" rIns="90000" bIns="45000" anchor="ctr"/>
+          <a:lstStyle/>
           <a:p>
             <a:pPr algn="ctr">
               <a:lnSpc>
@@ -7700,13 +8081,13 @@
               </a:lnSpc>
             </a:pPr>
             <a:r>
-              <a:rPr b="0" lang="en-US" sz="1800" spc="-1" strike="noStrike">
+              <a:rPr lang="en-US" sz="1800" b="0" strike="noStrike" spc="-1">
                 <a:solidFill>
                   <a:srgbClr val="000000"/>
                 </a:solidFill>
                 <a:uFill>
                   <a:solidFill>
-                    <a:srgbClr val="ffffff"/>
+                    <a:srgbClr val="FFFFFF"/>
                   </a:solidFill>
                 </a:uFill>
                 <a:latin typeface="Arial"/>
@@ -7714,13 +8095,13 @@
               </a:rPr>
               <a:t>pass0</a:t>
             </a:r>
-            <a:endParaRPr b="0" lang="en-US" sz="1800" spc="-1" strike="noStrike">
-              <a:solidFill>
-                <a:srgbClr val="000000"/>
-              </a:solidFill>
-              <a:uFill>
-                <a:solidFill>
-                  <a:srgbClr val="ffffff"/>
+            <a:endParaRPr lang="en-US" sz="1800" b="0" strike="noStrike" spc="-1">
+              <a:solidFill>
+                <a:srgbClr val="000000"/>
+              </a:solidFill>
+              <a:uFill>
+                <a:solidFill>
+                  <a:srgbClr val="FFFFFF"/>
                 </a:solidFill>
               </a:uFill>
               <a:latin typeface="Arial"/>
@@ -7743,22 +8124,29 @@
             <a:avLst/>
           </a:prstGeom>
           <a:solidFill>
-            <a:srgbClr val="eeeeee"/>
+            <a:srgbClr val="EEEEEE"/>
           </a:solidFill>
           <a:ln>
             <a:solidFill>
-              <a:srgbClr val="3465a4"/>
+              <a:srgbClr val="3465A4"/>
             </a:solidFill>
           </a:ln>
         </p:spPr>
         <p:style>
-          <a:lnRef idx="0"/>
-          <a:fillRef idx="0"/>
-          <a:effectRef idx="0"/>
+          <a:lnRef idx="0">
+            <a:scrgbClr r="0" g="0" b="0"/>
+          </a:lnRef>
+          <a:fillRef idx="0">
+            <a:scrgbClr r="0" g="0" b="0"/>
+          </a:fillRef>
+          <a:effectRef idx="0">
+            <a:scrgbClr r="0" g="0" b="0"/>
+          </a:effectRef>
           <a:fontRef idx="minor"/>
         </p:style>
         <p:txBody>
-          <a:bodyPr wrap="none" lIns="90000" rIns="90000" tIns="45000" bIns="45000" anchor="ctr"/>
+          <a:bodyPr wrap="none" lIns="90000" tIns="45000" rIns="90000" bIns="45000" anchor="ctr"/>
+          <a:lstStyle/>
           <a:p>
             <a:pPr algn="ctr">
               <a:lnSpc>
@@ -7766,13 +8154,13 @@
               </a:lnSpc>
             </a:pPr>
             <a:r>
-              <a:rPr b="0" lang="en-US" sz="1800" spc="-1" strike="noStrike">
+              <a:rPr lang="en-US" sz="1800" b="0" strike="noStrike" spc="-1">
                 <a:solidFill>
                   <a:srgbClr val="000000"/>
                 </a:solidFill>
                 <a:uFill>
                   <a:solidFill>
-                    <a:srgbClr val="ffffff"/>
+                    <a:srgbClr val="FFFFFF"/>
                   </a:solidFill>
                 </a:uFill>
                 <a:latin typeface="Arial"/>
@@ -7780,13 +8168,13 @@
               </a:rPr>
               <a:t>secret@2</a:t>
             </a:r>
-            <a:endParaRPr b="0" lang="en-US" sz="1800" spc="-1" strike="noStrike">
-              <a:solidFill>
-                <a:srgbClr val="000000"/>
-              </a:solidFill>
-              <a:uFill>
-                <a:solidFill>
-                  <a:srgbClr val="ffffff"/>
+            <a:endParaRPr lang="en-US" sz="1800" b="0" strike="noStrike" spc="-1">
+              <a:solidFill>
+                <a:srgbClr val="000000"/>
+              </a:solidFill>
+              <a:uFill>
+                <a:solidFill>
+                  <a:srgbClr val="FFFFFF"/>
                 </a:solidFill>
               </a:uFill>
               <a:latin typeface="Arial"/>
@@ -7809,22 +8197,29 @@
             <a:avLst/>
           </a:prstGeom>
           <a:solidFill>
-            <a:srgbClr val="eeeeee"/>
+            <a:srgbClr val="EEEEEE"/>
           </a:solidFill>
           <a:ln>
             <a:solidFill>
-              <a:srgbClr val="3465a4"/>
+              <a:srgbClr val="3465A4"/>
             </a:solidFill>
           </a:ln>
         </p:spPr>
         <p:style>
-          <a:lnRef idx="0"/>
-          <a:fillRef idx="0"/>
-          <a:effectRef idx="0"/>
+          <a:lnRef idx="0">
+            <a:scrgbClr r="0" g="0" b="0"/>
+          </a:lnRef>
+          <a:fillRef idx="0">
+            <a:scrgbClr r="0" g="0" b="0"/>
+          </a:fillRef>
+          <a:effectRef idx="0">
+            <a:scrgbClr r="0" g="0" b="0"/>
+          </a:effectRef>
           <a:fontRef idx="minor"/>
         </p:style>
         <p:txBody>
-          <a:bodyPr wrap="none" lIns="90000" rIns="90000" tIns="45000" bIns="45000" anchor="ctr"/>
+          <a:bodyPr wrap="none" lIns="90000" tIns="45000" rIns="90000" bIns="45000" anchor="ctr"/>
+          <a:lstStyle/>
           <a:p>
             <a:pPr algn="ctr">
               <a:lnSpc>
@@ -7832,13 +8227,13 @@
               </a:lnSpc>
             </a:pPr>
             <a:r>
-              <a:rPr b="0" lang="en-US" sz="1800" spc="-1" strike="noStrike">
+              <a:rPr lang="en-US" sz="1800" b="0" strike="noStrike" spc="-1">
                 <a:solidFill>
                   <a:srgbClr val="000000"/>
                 </a:solidFill>
                 <a:uFill>
                   <a:solidFill>
-                    <a:srgbClr val="ffffff"/>
+                    <a:srgbClr val="FFFFFF"/>
                   </a:solidFill>
                 </a:uFill>
                 <a:latin typeface="Arial"/>
@@ -7846,13 +8241,13 @@
               </a:rPr>
               <a:t>nextEnt0</a:t>
             </a:r>
-            <a:endParaRPr b="0" lang="en-US" sz="1800" spc="-1" strike="noStrike">
-              <a:solidFill>
-                <a:srgbClr val="000000"/>
-              </a:solidFill>
-              <a:uFill>
-                <a:solidFill>
-                  <a:srgbClr val="ffffff"/>
+            <a:endParaRPr lang="en-US" sz="1800" b="0" strike="noStrike" spc="-1">
+              <a:solidFill>
+                <a:srgbClr val="000000"/>
+              </a:solidFill>
+              <a:uFill>
+                <a:solidFill>
+                  <a:srgbClr val="FFFFFF"/>
                 </a:solidFill>
               </a:uFill>
               <a:latin typeface="Arial"/>
@@ -7875,22 +8270,29 @@
             <a:avLst/>
           </a:prstGeom>
           <a:solidFill>
-            <a:srgbClr val="eeeeee"/>
+            <a:srgbClr val="EEEEEE"/>
           </a:solidFill>
           <a:ln>
             <a:solidFill>
-              <a:srgbClr val="3465a4"/>
+              <a:srgbClr val="3465A4"/>
             </a:solidFill>
           </a:ln>
         </p:spPr>
         <p:style>
-          <a:lnRef idx="0"/>
-          <a:fillRef idx="0"/>
-          <a:effectRef idx="0"/>
+          <a:lnRef idx="0">
+            <a:scrgbClr r="0" g="0" b="0"/>
+          </a:lnRef>
+          <a:fillRef idx="0">
+            <a:scrgbClr r="0" g="0" b="0"/>
+          </a:fillRef>
+          <a:effectRef idx="0">
+            <a:scrgbClr r="0" g="0" b="0"/>
+          </a:effectRef>
           <a:fontRef idx="minor"/>
         </p:style>
         <p:txBody>
-          <a:bodyPr wrap="none" lIns="90000" rIns="90000" tIns="45000" bIns="45000" anchor="ctr"/>
+          <a:bodyPr wrap="none" lIns="90000" tIns="45000" rIns="90000" bIns="45000" anchor="ctr"/>
+          <a:lstStyle/>
           <a:p>
             <a:pPr algn="ctr">
               <a:lnSpc>
@@ -7898,13 +8300,13 @@
               </a:lnSpc>
             </a:pPr>
             <a:r>
-              <a:rPr b="0" lang="en-US" sz="1800" spc="-1" strike="noStrike">
+              <a:rPr lang="en-US" sz="1800" b="0" strike="noStrike" spc="-1">
                 <a:solidFill>
                   <a:srgbClr val="000000"/>
                 </a:solidFill>
                 <a:uFill>
                   <a:solidFill>
-                    <a:srgbClr val="ffffff"/>
+                    <a:srgbClr val="FFFFFF"/>
                   </a:solidFill>
                 </a:uFill>
                 <a:latin typeface="Arial"/>
@@ -7912,13 +8314,13 @@
               </a:rPr>
               <a:t>1</a:t>
             </a:r>
-            <a:endParaRPr b="0" lang="en-US" sz="1800" spc="-1" strike="noStrike">
-              <a:solidFill>
-                <a:srgbClr val="000000"/>
-              </a:solidFill>
-              <a:uFill>
-                <a:solidFill>
-                  <a:srgbClr val="ffffff"/>
+            <a:endParaRPr lang="en-US" sz="1800" b="0" strike="noStrike" spc="-1">
+              <a:solidFill>
+                <a:srgbClr val="000000"/>
+              </a:solidFill>
+              <a:uFill>
+                <a:solidFill>
+                  <a:srgbClr val="FFFFFF"/>
                 </a:solidFill>
               </a:uFill>
               <a:latin typeface="Arial"/>
@@ -7941,22 +8343,29 @@
             <a:avLst/>
           </a:prstGeom>
           <a:solidFill>
-            <a:srgbClr val="eeeeee"/>
+            <a:srgbClr val="EEEEEE"/>
           </a:solidFill>
           <a:ln>
             <a:solidFill>
-              <a:srgbClr val="3465a4"/>
+              <a:srgbClr val="3465A4"/>
             </a:solidFill>
           </a:ln>
         </p:spPr>
         <p:style>
-          <a:lnRef idx="0"/>
-          <a:fillRef idx="0"/>
-          <a:effectRef idx="0"/>
+          <a:lnRef idx="0">
+            <a:scrgbClr r="0" g="0" b="0"/>
+          </a:lnRef>
+          <a:fillRef idx="0">
+            <a:scrgbClr r="0" g="0" b="0"/>
+          </a:fillRef>
+          <a:effectRef idx="0">
+            <a:scrgbClr r="0" g="0" b="0"/>
+          </a:effectRef>
           <a:fontRef idx="minor"/>
         </p:style>
         <p:txBody>
-          <a:bodyPr wrap="none" lIns="90000" rIns="90000" tIns="45000" bIns="45000" anchor="ctr"/>
+          <a:bodyPr wrap="none" lIns="90000" tIns="45000" rIns="90000" bIns="45000" anchor="ctr"/>
+          <a:lstStyle/>
           <a:p>
             <a:pPr algn="ctr">
               <a:lnSpc>
@@ -7964,13 +8373,13 @@
               </a:lnSpc>
             </a:pPr>
             <a:r>
-              <a:rPr b="0" lang="en-US" sz="1800" spc="-1" strike="noStrike">
+              <a:rPr lang="en-US" sz="1800" b="0" strike="noStrike" spc="-1">
                 <a:solidFill>
                   <a:srgbClr val="000000"/>
                 </a:solidFill>
                 <a:uFill>
                   <a:solidFill>
-                    <a:srgbClr val="ffffff"/>
+                    <a:srgbClr val="FFFFFF"/>
                   </a:solidFill>
                 </a:uFill>
                 <a:latin typeface="Arial"/>
@@ -7978,13 +8387,13 @@
               </a:rPr>
               <a:t>prevEnt0</a:t>
             </a:r>
-            <a:endParaRPr b="0" lang="en-US" sz="1800" spc="-1" strike="noStrike">
-              <a:solidFill>
-                <a:srgbClr val="000000"/>
-              </a:solidFill>
-              <a:uFill>
-                <a:solidFill>
-                  <a:srgbClr val="ffffff"/>
+            <a:endParaRPr lang="en-US" sz="1800" b="0" strike="noStrike" spc="-1">
+              <a:solidFill>
+                <a:srgbClr val="000000"/>
+              </a:solidFill>
+              <a:uFill>
+                <a:solidFill>
+                  <a:srgbClr val="FFFFFF"/>
                 </a:solidFill>
               </a:uFill>
               <a:latin typeface="Arial"/>
@@ -8007,22 +8416,29 @@
             <a:avLst/>
           </a:prstGeom>
           <a:solidFill>
-            <a:srgbClr val="eeeeee"/>
+            <a:srgbClr val="EEEEEE"/>
           </a:solidFill>
           <a:ln>
             <a:solidFill>
-              <a:srgbClr val="3465a4"/>
+              <a:srgbClr val="3465A4"/>
             </a:solidFill>
           </a:ln>
         </p:spPr>
         <p:style>
-          <a:lnRef idx="0"/>
-          <a:fillRef idx="0"/>
-          <a:effectRef idx="0"/>
+          <a:lnRef idx="0">
+            <a:scrgbClr r="0" g="0" b="0"/>
+          </a:lnRef>
+          <a:fillRef idx="0">
+            <a:scrgbClr r="0" g="0" b="0"/>
+          </a:fillRef>
+          <a:effectRef idx="0">
+            <a:scrgbClr r="0" g="0" b="0"/>
+          </a:effectRef>
           <a:fontRef idx="minor"/>
         </p:style>
         <p:txBody>
-          <a:bodyPr wrap="none" lIns="90000" rIns="90000" tIns="45000" bIns="45000" anchor="ctr"/>
+          <a:bodyPr wrap="none" lIns="90000" tIns="45000" rIns="90000" bIns="45000" anchor="ctr"/>
+          <a:lstStyle/>
           <a:p>
             <a:pPr algn="ctr">
               <a:lnSpc>
@@ -8030,13 +8446,13 @@
               </a:lnSpc>
             </a:pPr>
             <a:r>
-              <a:rPr b="0" lang="en-US" sz="1800" spc="-1" strike="noStrike">
+              <a:rPr lang="en-US" sz="1800" b="0" strike="noStrike" spc="-1">
                 <a:solidFill>
                   <a:srgbClr val="000000"/>
                 </a:solidFill>
                 <a:uFill>
                   <a:solidFill>
-                    <a:srgbClr val="ffffff"/>
+                    <a:srgbClr val="FFFFFF"/>
                   </a:solidFill>
                 </a:uFill>
                 <a:latin typeface="Arial"/>
@@ -8044,13 +8460,13 @@
               </a:rPr>
               <a:t>-1</a:t>
             </a:r>
-            <a:endParaRPr b="0" lang="en-US" sz="1800" spc="-1" strike="noStrike">
-              <a:solidFill>
-                <a:srgbClr val="000000"/>
-              </a:solidFill>
-              <a:uFill>
-                <a:solidFill>
-                  <a:srgbClr val="ffffff"/>
+            <a:endParaRPr lang="en-US" sz="1800" b="0" strike="noStrike" spc="-1">
+              <a:solidFill>
+                <a:srgbClr val="000000"/>
+              </a:solidFill>
+              <a:uFill>
+                <a:solidFill>
+                  <a:srgbClr val="FFFFFF"/>
                 </a:solidFill>
               </a:uFill>
               <a:latin typeface="Arial"/>
@@ -8073,22 +8489,29 @@
             <a:avLst/>
           </a:prstGeom>
           <a:solidFill>
-            <a:srgbClr val="eeeeee"/>
+            <a:srgbClr val="EEEEEE"/>
           </a:solidFill>
           <a:ln>
             <a:solidFill>
-              <a:srgbClr val="3465a4"/>
+              <a:srgbClr val="3465A4"/>
             </a:solidFill>
           </a:ln>
         </p:spPr>
         <p:style>
-          <a:lnRef idx="0"/>
-          <a:fillRef idx="0"/>
-          <a:effectRef idx="0"/>
+          <a:lnRef idx="0">
+            <a:scrgbClr r="0" g="0" b="0"/>
+          </a:lnRef>
+          <a:fillRef idx="0">
+            <a:scrgbClr r="0" g="0" b="0"/>
+          </a:fillRef>
+          <a:effectRef idx="0">
+            <a:scrgbClr r="0" g="0" b="0"/>
+          </a:effectRef>
           <a:fontRef idx="minor"/>
         </p:style>
         <p:txBody>
-          <a:bodyPr wrap="none" lIns="90000" rIns="90000" tIns="45000" bIns="45000" anchor="ctr"/>
+          <a:bodyPr wrap="none" lIns="90000" tIns="45000" rIns="90000" bIns="45000" anchor="ctr"/>
+          <a:lstStyle/>
           <a:p>
             <a:pPr algn="ctr">
               <a:lnSpc>
@@ -8096,13 +8519,13 @@
               </a:lnSpc>
             </a:pPr>
             <a:r>
-              <a:rPr b="0" lang="en-US" sz="1800" spc="-1" strike="noStrike">
+              <a:rPr lang="en-US" sz="1800" b="0" strike="noStrike" spc="-1">
                 <a:solidFill>
                   <a:srgbClr val="000000"/>
                 </a:solidFill>
                 <a:uFill>
                   <a:solidFill>
-                    <a:srgbClr val="ffffff"/>
+                    <a:srgbClr val="FFFFFF"/>
                   </a:solidFill>
                 </a:uFill>
                 <a:latin typeface="Arial"/>
@@ -8110,13 +8533,13 @@
               </a:rPr>
               <a:t>label0</a:t>
             </a:r>
-            <a:endParaRPr b="0" lang="en-US" sz="1800" spc="-1" strike="noStrike">
-              <a:solidFill>
-                <a:srgbClr val="000000"/>
-              </a:solidFill>
-              <a:uFill>
-                <a:solidFill>
-                  <a:srgbClr val="ffffff"/>
+            <a:endParaRPr lang="en-US" sz="1800" b="0" strike="noStrike" spc="-1">
+              <a:solidFill>
+                <a:srgbClr val="000000"/>
+              </a:solidFill>
+              <a:uFill>
+                <a:solidFill>
+                  <a:srgbClr val="FFFFFF"/>
                 </a:solidFill>
               </a:uFill>
               <a:latin typeface="Arial"/>
@@ -8139,22 +8562,29 @@
             <a:avLst/>
           </a:prstGeom>
           <a:solidFill>
-            <a:srgbClr val="eeeeee"/>
+            <a:srgbClr val="EEEEEE"/>
           </a:solidFill>
           <a:ln>
             <a:solidFill>
-              <a:srgbClr val="3465a4"/>
+              <a:srgbClr val="3465A4"/>
             </a:solidFill>
           </a:ln>
         </p:spPr>
         <p:style>
-          <a:lnRef idx="0"/>
-          <a:fillRef idx="0"/>
-          <a:effectRef idx="0"/>
+          <a:lnRef idx="0">
+            <a:scrgbClr r="0" g="0" b="0"/>
+          </a:lnRef>
+          <a:fillRef idx="0">
+            <a:scrgbClr r="0" g="0" b="0"/>
+          </a:fillRef>
+          <a:effectRef idx="0">
+            <a:scrgbClr r="0" g="0" b="0"/>
+          </a:effectRef>
           <a:fontRef idx="minor"/>
         </p:style>
         <p:txBody>
-          <a:bodyPr wrap="none" lIns="90000" rIns="90000" tIns="45000" bIns="45000" anchor="ctr"/>
+          <a:bodyPr wrap="none" lIns="90000" tIns="45000" rIns="90000" bIns="45000" anchor="ctr"/>
+          <a:lstStyle/>
           <a:p>
             <a:pPr algn="ctr">
               <a:lnSpc>
@@ -8162,13 +8592,13 @@
               </a:lnSpc>
             </a:pPr>
             <a:r>
-              <a:rPr b="0" lang="en-US" sz="1800" spc="-1" strike="noStrike">
+              <a:rPr lang="en-US" sz="1800" b="0" strike="noStrike" spc="-1">
                 <a:solidFill>
                   <a:srgbClr val="000000"/>
                 </a:solidFill>
                 <a:uFill>
                   <a:solidFill>
-                    <a:srgbClr val="ffffff"/>
+                    <a:srgbClr val="FFFFFF"/>
                   </a:solidFill>
                 </a:uFill>
                 <a:latin typeface="Arial"/>
@@ -8176,13 +8606,13 @@
               </a:rPr>
               <a:t>google</a:t>
             </a:r>
-            <a:endParaRPr b="0" lang="en-US" sz="1800" spc="-1" strike="noStrike">
-              <a:solidFill>
-                <a:srgbClr val="000000"/>
-              </a:solidFill>
-              <a:uFill>
-                <a:solidFill>
-                  <a:srgbClr val="ffffff"/>
+            <a:endParaRPr lang="en-US" sz="1800" b="0" strike="noStrike" spc="-1">
+              <a:solidFill>
+                <a:srgbClr val="000000"/>
+              </a:solidFill>
+              <a:uFill>
+                <a:solidFill>
+                  <a:srgbClr val="FFFFFF"/>
                 </a:solidFill>
               </a:uFill>
               <a:latin typeface="Arial"/>
@@ -8205,22 +8635,29 @@
             <a:avLst/>
           </a:prstGeom>
           <a:solidFill>
-            <a:srgbClr val="eeeeee"/>
+            <a:srgbClr val="EEEEEE"/>
           </a:solidFill>
           <a:ln>
             <a:solidFill>
-              <a:srgbClr val="3465a4"/>
+              <a:srgbClr val="3465A4"/>
             </a:solidFill>
           </a:ln>
         </p:spPr>
         <p:style>
-          <a:lnRef idx="0"/>
-          <a:fillRef idx="0"/>
-          <a:effectRef idx="0"/>
+          <a:lnRef idx="0">
+            <a:scrgbClr r="0" g="0" b="0"/>
+          </a:lnRef>
+          <a:fillRef idx="0">
+            <a:scrgbClr r="0" g="0" b="0"/>
+          </a:fillRef>
+          <a:effectRef idx="0">
+            <a:scrgbClr r="0" g="0" b="0"/>
+          </a:effectRef>
           <a:fontRef idx="minor"/>
         </p:style>
         <p:txBody>
-          <a:bodyPr wrap="none" lIns="90000" rIns="90000" tIns="45000" bIns="45000" anchor="ctr"/>
+          <a:bodyPr wrap="none" lIns="90000" tIns="45000" rIns="90000" bIns="45000" anchor="ctr"/>
+          <a:lstStyle/>
           <a:p>
             <a:pPr algn="ctr">
               <a:lnSpc>
@@ -8228,13 +8665,13 @@
               </a:lnSpc>
             </a:pPr>
             <a:r>
-              <a:rPr b="0" lang="en-US" sz="1800" spc="-1" strike="noStrike">
+              <a:rPr lang="en-US" sz="1800" b="0" strike="noStrike" spc="-1">
                 <a:solidFill>
                   <a:srgbClr val="000000"/>
                 </a:solidFill>
                 <a:uFill>
                   <a:solidFill>
-                    <a:srgbClr val="ffffff"/>
+                    <a:srgbClr val="FFFFFF"/>
                   </a:solidFill>
                 </a:uFill>
                 <a:latin typeface="Arial"/>
@@ -8242,13 +8679,13 @@
               </a:rPr>
               <a:t>user1</a:t>
             </a:r>
-            <a:endParaRPr b="0" lang="en-US" sz="1800" spc="-1" strike="noStrike">
-              <a:solidFill>
-                <a:srgbClr val="000000"/>
-              </a:solidFill>
-              <a:uFill>
-                <a:solidFill>
-                  <a:srgbClr val="ffffff"/>
+            <a:endParaRPr lang="en-US" sz="1800" b="0" strike="noStrike" spc="-1">
+              <a:solidFill>
+                <a:srgbClr val="000000"/>
+              </a:solidFill>
+              <a:uFill>
+                <a:solidFill>
+                  <a:srgbClr val="FFFFFF"/>
                 </a:solidFill>
               </a:uFill>
               <a:latin typeface="Arial"/>
@@ -8271,22 +8708,29 @@
             <a:avLst/>
           </a:prstGeom>
           <a:solidFill>
-            <a:srgbClr val="eeeeee"/>
+            <a:srgbClr val="EEEEEE"/>
           </a:solidFill>
           <a:ln>
             <a:solidFill>
-              <a:srgbClr val="3465a4"/>
+              <a:srgbClr val="3465A4"/>
             </a:solidFill>
           </a:ln>
         </p:spPr>
         <p:style>
-          <a:lnRef idx="0"/>
-          <a:fillRef idx="0"/>
-          <a:effectRef idx="0"/>
+          <a:lnRef idx="0">
+            <a:scrgbClr r="0" g="0" b="0"/>
+          </a:lnRef>
+          <a:fillRef idx="0">
+            <a:scrgbClr r="0" g="0" b="0"/>
+          </a:fillRef>
+          <a:effectRef idx="0">
+            <a:scrgbClr r="0" g="0" b="0"/>
+          </a:effectRef>
           <a:fontRef idx="minor"/>
         </p:style>
         <p:txBody>
-          <a:bodyPr wrap="none" lIns="90000" rIns="90000" tIns="45000" bIns="45000" anchor="ctr"/>
+          <a:bodyPr wrap="none" lIns="90000" tIns="45000" rIns="90000" bIns="45000" anchor="ctr"/>
+          <a:lstStyle/>
           <a:p>
             <a:pPr algn="ctr">
               <a:lnSpc>
@@ -8294,13 +8738,13 @@
               </a:lnSpc>
             </a:pPr>
             <a:r>
-              <a:rPr b="0" lang="en-US" sz="1800" spc="-1" strike="noStrike">
+              <a:rPr lang="en-US" sz="1800" b="0" strike="noStrike" spc="-1">
                 <a:solidFill>
                   <a:srgbClr val="000000"/>
                 </a:solidFill>
                 <a:uFill>
                   <a:solidFill>
-                    <a:srgbClr val="ffffff"/>
+                    <a:srgbClr val="FFFFFF"/>
                   </a:solidFill>
                 </a:uFill>
                 <a:latin typeface="Arial"/>
@@ -8308,13 +8752,13 @@
               </a:rPr>
               <a:t>bob</a:t>
             </a:r>
-            <a:endParaRPr b="0" lang="en-US" sz="1800" spc="-1" strike="noStrike">
-              <a:solidFill>
-                <a:srgbClr val="000000"/>
-              </a:solidFill>
-              <a:uFill>
-                <a:solidFill>
-                  <a:srgbClr val="ffffff"/>
+            <a:endParaRPr lang="en-US" sz="1800" b="0" strike="noStrike" spc="-1">
+              <a:solidFill>
+                <a:srgbClr val="000000"/>
+              </a:solidFill>
+              <a:uFill>
+                <a:solidFill>
+                  <a:srgbClr val="FFFFFF"/>
                 </a:solidFill>
               </a:uFill>
               <a:latin typeface="Arial"/>
@@ -8337,22 +8781,29 @@
             <a:avLst/>
           </a:prstGeom>
           <a:solidFill>
-            <a:srgbClr val="eeeeee"/>
+            <a:srgbClr val="EEEEEE"/>
           </a:solidFill>
           <a:ln>
             <a:solidFill>
-              <a:srgbClr val="3465a4"/>
+              <a:srgbClr val="3465A4"/>
             </a:solidFill>
           </a:ln>
         </p:spPr>
         <p:style>
-          <a:lnRef idx="0"/>
-          <a:fillRef idx="0"/>
-          <a:effectRef idx="0"/>
+          <a:lnRef idx="0">
+            <a:scrgbClr r="0" g="0" b="0"/>
+          </a:lnRef>
+          <a:fillRef idx="0">
+            <a:scrgbClr r="0" g="0" b="0"/>
+          </a:fillRef>
+          <a:effectRef idx="0">
+            <a:scrgbClr r="0" g="0" b="0"/>
+          </a:effectRef>
           <a:fontRef idx="minor"/>
         </p:style>
         <p:txBody>
-          <a:bodyPr wrap="none" lIns="90000" rIns="90000" tIns="45000" bIns="45000" anchor="ctr"/>
+          <a:bodyPr wrap="none" lIns="90000" tIns="45000" rIns="90000" bIns="45000" anchor="ctr"/>
+          <a:lstStyle/>
           <a:p>
             <a:pPr algn="ctr">
               <a:lnSpc>
@@ -8360,13 +8811,13 @@
               </a:lnSpc>
             </a:pPr>
             <a:r>
-              <a:rPr b="0" lang="en-US" sz="1800" spc="-1" strike="noStrike">
+              <a:rPr lang="en-US" sz="1800" b="0" strike="noStrike" spc="-1">
                 <a:solidFill>
                   <a:srgbClr val="000000"/>
                 </a:solidFill>
                 <a:uFill>
                   <a:solidFill>
-                    <a:srgbClr val="ffffff"/>
+                    <a:srgbClr val="FFFFFF"/>
                   </a:solidFill>
                 </a:uFill>
                 <a:latin typeface="Arial"/>
@@ -8374,13 +8825,13 @@
               </a:rPr>
               <a:t>label1</a:t>
             </a:r>
-            <a:endParaRPr b="0" lang="en-US" sz="1800" spc="-1" strike="noStrike">
-              <a:solidFill>
-                <a:srgbClr val="000000"/>
-              </a:solidFill>
-              <a:uFill>
-                <a:solidFill>
-                  <a:srgbClr val="ffffff"/>
+            <a:endParaRPr lang="en-US" sz="1800" b="0" strike="noStrike" spc="-1">
+              <a:solidFill>
+                <a:srgbClr val="000000"/>
+              </a:solidFill>
+              <a:uFill>
+                <a:solidFill>
+                  <a:srgbClr val="FFFFFF"/>
                 </a:solidFill>
               </a:uFill>
               <a:latin typeface="Arial"/>
@@ -8403,22 +8854,29 @@
             <a:avLst/>
           </a:prstGeom>
           <a:solidFill>
-            <a:srgbClr val="eeeeee"/>
+            <a:srgbClr val="EEEEEE"/>
           </a:solidFill>
           <a:ln>
             <a:solidFill>
-              <a:srgbClr val="3465a4"/>
+              <a:srgbClr val="3465A4"/>
             </a:solidFill>
           </a:ln>
         </p:spPr>
         <p:style>
-          <a:lnRef idx="0"/>
-          <a:fillRef idx="0"/>
-          <a:effectRef idx="0"/>
+          <a:lnRef idx="0">
+            <a:scrgbClr r="0" g="0" b="0"/>
+          </a:lnRef>
+          <a:fillRef idx="0">
+            <a:scrgbClr r="0" g="0" b="0"/>
+          </a:fillRef>
+          <a:effectRef idx="0">
+            <a:scrgbClr r="0" g="0" b="0"/>
+          </a:effectRef>
           <a:fontRef idx="minor"/>
         </p:style>
         <p:txBody>
-          <a:bodyPr wrap="none" lIns="90000" rIns="90000" tIns="45000" bIns="45000" anchor="ctr"/>
+          <a:bodyPr wrap="none" lIns="90000" tIns="45000" rIns="90000" bIns="45000" anchor="ctr"/>
+          <a:lstStyle/>
           <a:p>
             <a:pPr algn="ctr">
               <a:lnSpc>
@@ -8426,13 +8884,13 @@
               </a:lnSpc>
             </a:pPr>
             <a:r>
-              <a:rPr b="0" lang="en-US" sz="1800" spc="-1" strike="noStrike">
+              <a:rPr lang="en-US" sz="1800" b="0" strike="noStrike" spc="-1">
                 <a:solidFill>
                   <a:srgbClr val="000000"/>
                 </a:solidFill>
                 <a:uFill>
                   <a:solidFill>
-                    <a:srgbClr val="ffffff"/>
+                    <a:srgbClr val="FFFFFF"/>
                   </a:solidFill>
                 </a:uFill>
                 <a:latin typeface="Arial"/>
@@ -8440,13 +8898,13 @@
               </a:rPr>
               <a:t>facebook</a:t>
             </a:r>
-            <a:endParaRPr b="0" lang="en-US" sz="1800" spc="-1" strike="noStrike">
-              <a:solidFill>
-                <a:srgbClr val="000000"/>
-              </a:solidFill>
-              <a:uFill>
-                <a:solidFill>
-                  <a:srgbClr val="ffffff"/>
+            <a:endParaRPr lang="en-US" sz="1800" b="0" strike="noStrike" spc="-1">
+              <a:solidFill>
+                <a:srgbClr val="000000"/>
+              </a:solidFill>
+              <a:uFill>
+                <a:solidFill>
+                  <a:srgbClr val="FFFFFF"/>
                 </a:solidFill>
               </a:uFill>
               <a:latin typeface="Arial"/>
@@ -8469,22 +8927,29 @@
             <a:avLst/>
           </a:prstGeom>
           <a:solidFill>
-            <a:srgbClr val="eeeeee"/>
+            <a:srgbClr val="EEEEEE"/>
           </a:solidFill>
           <a:ln>
             <a:solidFill>
-              <a:srgbClr val="3465a4"/>
+              <a:srgbClr val="3465A4"/>
             </a:solidFill>
           </a:ln>
         </p:spPr>
         <p:style>
-          <a:lnRef idx="0"/>
-          <a:fillRef idx="0"/>
-          <a:effectRef idx="0"/>
+          <a:lnRef idx="0">
+            <a:scrgbClr r="0" g="0" b="0"/>
+          </a:lnRef>
+          <a:fillRef idx="0">
+            <a:scrgbClr r="0" g="0" b="0"/>
+          </a:fillRef>
+          <a:effectRef idx="0">
+            <a:scrgbClr r="0" g="0" b="0"/>
+          </a:effectRef>
           <a:fontRef idx="minor"/>
         </p:style>
         <p:txBody>
-          <a:bodyPr wrap="none" lIns="90000" rIns="90000" tIns="45000" bIns="45000" anchor="ctr"/>
+          <a:bodyPr wrap="none" lIns="90000" tIns="45000" rIns="90000" bIns="45000" anchor="ctr"/>
+          <a:lstStyle/>
           <a:p>
             <a:pPr algn="ctr">
               <a:lnSpc>
@@ -8492,13 +8957,13 @@
               </a:lnSpc>
             </a:pPr>
             <a:r>
-              <a:rPr b="0" lang="en-US" sz="1800" spc="-1" strike="noStrike">
+              <a:rPr lang="en-US" sz="1800" b="0" strike="noStrike" spc="-1">
                 <a:solidFill>
                   <a:srgbClr val="000000"/>
                 </a:solidFill>
                 <a:uFill>
                   <a:solidFill>
-                    <a:srgbClr val="ffffff"/>
+                    <a:srgbClr val="FFFFFF"/>
                   </a:solidFill>
                 </a:uFill>
                 <a:latin typeface="Arial"/>
@@ -8506,13 +8971,13 @@
               </a:rPr>
               <a:t>pass1</a:t>
             </a:r>
-            <a:endParaRPr b="0" lang="en-US" sz="1800" spc="-1" strike="noStrike">
-              <a:solidFill>
-                <a:srgbClr val="000000"/>
-              </a:solidFill>
-              <a:uFill>
-                <a:solidFill>
-                  <a:srgbClr val="ffffff"/>
+            <a:endParaRPr lang="en-US" sz="1800" b="0" strike="noStrike" spc="-1">
+              <a:solidFill>
+                <a:srgbClr val="000000"/>
+              </a:solidFill>
+              <a:uFill>
+                <a:solidFill>
+                  <a:srgbClr val="FFFFFF"/>
                 </a:solidFill>
               </a:uFill>
               <a:latin typeface="Arial"/>
@@ -8535,22 +9000,29 @@
             <a:avLst/>
           </a:prstGeom>
           <a:solidFill>
-            <a:srgbClr val="eeeeee"/>
+            <a:srgbClr val="EEEEEE"/>
           </a:solidFill>
           <a:ln>
             <a:solidFill>
-              <a:srgbClr val="3465a4"/>
+              <a:srgbClr val="3465A4"/>
             </a:solidFill>
           </a:ln>
         </p:spPr>
         <p:style>
-          <a:lnRef idx="0"/>
-          <a:fillRef idx="0"/>
-          <a:effectRef idx="0"/>
+          <a:lnRef idx="0">
+            <a:scrgbClr r="0" g="0" b="0"/>
+          </a:lnRef>
+          <a:fillRef idx="0">
+            <a:scrgbClr r="0" g="0" b="0"/>
+          </a:fillRef>
+          <a:effectRef idx="0">
+            <a:scrgbClr r="0" g="0" b="0"/>
+          </a:effectRef>
           <a:fontRef idx="minor"/>
         </p:style>
         <p:txBody>
-          <a:bodyPr wrap="none" lIns="90000" rIns="90000" tIns="45000" bIns="45000" anchor="ctr"/>
+          <a:bodyPr wrap="none" lIns="90000" tIns="45000" rIns="90000" bIns="45000" anchor="ctr"/>
+          <a:lstStyle/>
           <a:p>
             <a:pPr algn="ctr">
               <a:lnSpc>
@@ -8558,13 +9030,13 @@
               </a:lnSpc>
             </a:pPr>
             <a:r>
-              <a:rPr b="0" lang="en-US" sz="1800" spc="-1" strike="noStrike">
+              <a:rPr lang="en-US" sz="1800" b="0" strike="noStrike" spc="-1">
                 <a:solidFill>
                   <a:srgbClr val="000000"/>
                 </a:solidFill>
                 <a:uFill>
                   <a:solidFill>
-                    <a:srgbClr val="ffffff"/>
+                    <a:srgbClr val="FFFFFF"/>
                   </a:solidFill>
                 </a:uFill>
                 <a:latin typeface="Arial"/>
@@ -8572,13 +9044,13 @@
               </a:rPr>
               <a:t>pass123</a:t>
             </a:r>
-            <a:endParaRPr b="0" lang="en-US" sz="1800" spc="-1" strike="noStrike">
-              <a:solidFill>
-                <a:srgbClr val="000000"/>
-              </a:solidFill>
-              <a:uFill>
-                <a:solidFill>
-                  <a:srgbClr val="ffffff"/>
+            <a:endParaRPr lang="en-US" sz="1800" b="0" strike="noStrike" spc="-1">
+              <a:solidFill>
+                <a:srgbClr val="000000"/>
+              </a:solidFill>
+              <a:uFill>
+                <a:solidFill>
+                  <a:srgbClr val="FFFFFF"/>
                 </a:solidFill>
               </a:uFill>
               <a:latin typeface="Arial"/>
@@ -8601,22 +9073,29 @@
             <a:avLst/>
           </a:prstGeom>
           <a:solidFill>
-            <a:srgbClr val="eeeeee"/>
+            <a:srgbClr val="EEEEEE"/>
           </a:solidFill>
           <a:ln>
             <a:solidFill>
-              <a:srgbClr val="3465a4"/>
+              <a:srgbClr val="3465A4"/>
             </a:solidFill>
           </a:ln>
         </p:spPr>
         <p:style>
-          <a:lnRef idx="0"/>
-          <a:fillRef idx="0"/>
-          <a:effectRef idx="0"/>
+          <a:lnRef idx="0">
+            <a:scrgbClr r="0" g="0" b="0"/>
+          </a:lnRef>
+          <a:fillRef idx="0">
+            <a:scrgbClr r="0" g="0" b="0"/>
+          </a:fillRef>
+          <a:effectRef idx="0">
+            <a:scrgbClr r="0" g="0" b="0"/>
+          </a:effectRef>
           <a:fontRef idx="minor"/>
         </p:style>
         <p:txBody>
-          <a:bodyPr wrap="none" lIns="90000" rIns="90000" tIns="45000" bIns="45000" anchor="ctr"/>
+          <a:bodyPr wrap="none" lIns="90000" tIns="45000" rIns="90000" bIns="45000" anchor="ctr"/>
+          <a:lstStyle/>
           <a:p>
             <a:pPr algn="ctr">
               <a:lnSpc>
@@ -8624,13 +9103,13 @@
               </a:lnSpc>
             </a:pPr>
             <a:r>
-              <a:rPr b="0" lang="en-US" sz="1800" spc="-1" strike="noStrike">
+              <a:rPr lang="en-US" sz="1800" b="0" strike="noStrike" spc="-1">
                 <a:solidFill>
                   <a:srgbClr val="000000"/>
                 </a:solidFill>
                 <a:uFill>
                   <a:solidFill>
-                    <a:srgbClr val="ffffff"/>
+                    <a:srgbClr val="FFFFFF"/>
                   </a:solidFill>
                 </a:uFill>
                 <a:latin typeface="Arial"/>
@@ -8638,13 +9117,13 @@
               </a:rPr>
               <a:t>nextEnt1</a:t>
             </a:r>
-            <a:endParaRPr b="0" lang="en-US" sz="1800" spc="-1" strike="noStrike">
-              <a:solidFill>
-                <a:srgbClr val="000000"/>
-              </a:solidFill>
-              <a:uFill>
-                <a:solidFill>
-                  <a:srgbClr val="ffffff"/>
+            <a:endParaRPr lang="en-US" sz="1800" b="0" strike="noStrike" spc="-1">
+              <a:solidFill>
+                <a:srgbClr val="000000"/>
+              </a:solidFill>
+              <a:uFill>
+                <a:solidFill>
+                  <a:srgbClr val="FFFFFF"/>
                 </a:solidFill>
               </a:uFill>
               <a:latin typeface="Arial"/>
@@ -8667,22 +9146,29 @@
             <a:avLst/>
           </a:prstGeom>
           <a:solidFill>
-            <a:srgbClr val="eeeeee"/>
+            <a:srgbClr val="EEEEEE"/>
           </a:solidFill>
           <a:ln>
             <a:solidFill>
-              <a:srgbClr val="3465a4"/>
+              <a:srgbClr val="3465A4"/>
             </a:solidFill>
           </a:ln>
         </p:spPr>
         <p:style>
-          <a:lnRef idx="0"/>
-          <a:fillRef idx="0"/>
-          <a:effectRef idx="0"/>
+          <a:lnRef idx="0">
+            <a:scrgbClr r="0" g="0" b="0"/>
+          </a:lnRef>
+          <a:fillRef idx="0">
+            <a:scrgbClr r="0" g="0" b="0"/>
+          </a:fillRef>
+          <a:effectRef idx="0">
+            <a:scrgbClr r="0" g="0" b="0"/>
+          </a:effectRef>
           <a:fontRef idx="minor"/>
         </p:style>
         <p:txBody>
-          <a:bodyPr wrap="none" lIns="90000" rIns="90000" tIns="45000" bIns="45000" anchor="ctr"/>
+          <a:bodyPr wrap="none" lIns="90000" tIns="45000" rIns="90000" bIns="45000" anchor="ctr"/>
+          <a:lstStyle/>
           <a:p>
             <a:pPr algn="ctr">
               <a:lnSpc>
@@ -8690,13 +9176,13 @@
               </a:lnSpc>
             </a:pPr>
             <a:r>
-              <a:rPr b="0" lang="en-US" sz="1800" spc="-1" strike="noStrike">
+              <a:rPr lang="en-US" sz="1800" b="0" strike="noStrike" spc="-1">
                 <a:solidFill>
                   <a:srgbClr val="000000"/>
                 </a:solidFill>
                 <a:uFill>
                   <a:solidFill>
-                    <a:srgbClr val="ffffff"/>
+                    <a:srgbClr val="FFFFFF"/>
                   </a:solidFill>
                 </a:uFill>
                 <a:latin typeface="Arial"/>
@@ -8704,13 +9190,13 @@
               </a:rPr>
               <a:t>2</a:t>
             </a:r>
-            <a:endParaRPr b="0" lang="en-US" sz="1800" spc="-1" strike="noStrike">
-              <a:solidFill>
-                <a:srgbClr val="000000"/>
-              </a:solidFill>
-              <a:uFill>
-                <a:solidFill>
-                  <a:srgbClr val="ffffff"/>
+            <a:endParaRPr lang="en-US" sz="1800" b="0" strike="noStrike" spc="-1">
+              <a:solidFill>
+                <a:srgbClr val="000000"/>
+              </a:solidFill>
+              <a:uFill>
+                <a:solidFill>
+                  <a:srgbClr val="FFFFFF"/>
                 </a:solidFill>
               </a:uFill>
               <a:latin typeface="Arial"/>
@@ -8733,22 +9219,29 @@
             <a:avLst/>
           </a:prstGeom>
           <a:solidFill>
-            <a:srgbClr val="eeeeee"/>
+            <a:srgbClr val="EEEEEE"/>
           </a:solidFill>
           <a:ln>
             <a:solidFill>
-              <a:srgbClr val="3465a4"/>
+              <a:srgbClr val="3465A4"/>
             </a:solidFill>
           </a:ln>
         </p:spPr>
         <p:style>
-          <a:lnRef idx="0"/>
-          <a:fillRef idx="0"/>
-          <a:effectRef idx="0"/>
+          <a:lnRef idx="0">
+            <a:scrgbClr r="0" g="0" b="0"/>
+          </a:lnRef>
+          <a:fillRef idx="0">
+            <a:scrgbClr r="0" g="0" b="0"/>
+          </a:fillRef>
+          <a:effectRef idx="0">
+            <a:scrgbClr r="0" g="0" b="0"/>
+          </a:effectRef>
           <a:fontRef idx="minor"/>
         </p:style>
         <p:txBody>
-          <a:bodyPr wrap="none" lIns="90000" rIns="90000" tIns="45000" bIns="45000" anchor="ctr"/>
+          <a:bodyPr wrap="none" lIns="90000" tIns="45000" rIns="90000" bIns="45000" anchor="ctr"/>
+          <a:lstStyle/>
           <a:p>
             <a:pPr algn="ctr">
               <a:lnSpc>
@@ -8756,13 +9249,13 @@
               </a:lnSpc>
             </a:pPr>
             <a:r>
-              <a:rPr b="0" lang="en-US" sz="1800" spc="-1" strike="noStrike">
+              <a:rPr lang="en-US" sz="1800" b="0" strike="noStrike" spc="-1">
                 <a:solidFill>
                   <a:srgbClr val="000000"/>
                 </a:solidFill>
                 <a:uFill>
                   <a:solidFill>
-                    <a:srgbClr val="ffffff"/>
+                    <a:srgbClr val="FFFFFF"/>
                   </a:solidFill>
                 </a:uFill>
                 <a:latin typeface="Arial"/>
@@ -8770,13 +9263,13 @@
               </a:rPr>
               <a:t>prevEnt1</a:t>
             </a:r>
-            <a:endParaRPr b="0" lang="en-US" sz="1800" spc="-1" strike="noStrike">
-              <a:solidFill>
-                <a:srgbClr val="000000"/>
-              </a:solidFill>
-              <a:uFill>
-                <a:solidFill>
-                  <a:srgbClr val="ffffff"/>
+            <a:endParaRPr lang="en-US" sz="1800" b="0" strike="noStrike" spc="-1">
+              <a:solidFill>
+                <a:srgbClr val="000000"/>
+              </a:solidFill>
+              <a:uFill>
+                <a:solidFill>
+                  <a:srgbClr val="FFFFFF"/>
                 </a:solidFill>
               </a:uFill>
               <a:latin typeface="Arial"/>
@@ -8799,22 +9292,29 @@
             <a:avLst/>
           </a:prstGeom>
           <a:solidFill>
-            <a:srgbClr val="eeeeee"/>
+            <a:srgbClr val="EEEEEE"/>
           </a:solidFill>
           <a:ln>
             <a:solidFill>
-              <a:srgbClr val="3465a4"/>
+              <a:srgbClr val="3465A4"/>
             </a:solidFill>
           </a:ln>
         </p:spPr>
         <p:style>
-          <a:lnRef idx="0"/>
-          <a:fillRef idx="0"/>
-          <a:effectRef idx="0"/>
+          <a:lnRef idx="0">
+            <a:scrgbClr r="0" g="0" b="0"/>
+          </a:lnRef>
+          <a:fillRef idx="0">
+            <a:scrgbClr r="0" g="0" b="0"/>
+          </a:fillRef>
+          <a:effectRef idx="0">
+            <a:scrgbClr r="0" g="0" b="0"/>
+          </a:effectRef>
           <a:fontRef idx="minor"/>
         </p:style>
         <p:txBody>
-          <a:bodyPr wrap="none" lIns="90000" rIns="90000" tIns="45000" bIns="45000" anchor="ctr"/>
+          <a:bodyPr wrap="none" lIns="90000" tIns="45000" rIns="90000" bIns="45000" anchor="ctr"/>
+          <a:lstStyle/>
           <a:p>
             <a:pPr algn="ctr">
               <a:lnSpc>
@@ -8822,13 +9322,13 @@
               </a:lnSpc>
             </a:pPr>
             <a:r>
-              <a:rPr b="0" lang="en-US" sz="1800" spc="-1" strike="noStrike">
+              <a:rPr lang="en-US" sz="1800" b="0" strike="noStrike" spc="-1">
                 <a:solidFill>
                   <a:srgbClr val="000000"/>
                 </a:solidFill>
                 <a:uFill>
                   <a:solidFill>
-                    <a:srgbClr val="ffffff"/>
+                    <a:srgbClr val="FFFFFF"/>
                   </a:solidFill>
                 </a:uFill>
                 <a:latin typeface="Arial"/>
@@ -8836,13 +9336,13 @@
               </a:rPr>
               <a:t>1</a:t>
             </a:r>
-            <a:endParaRPr b="0" lang="en-US" sz="1800" spc="-1" strike="noStrike">
-              <a:solidFill>
-                <a:srgbClr val="000000"/>
-              </a:solidFill>
-              <a:uFill>
-                <a:solidFill>
-                  <a:srgbClr val="ffffff"/>
+            <a:endParaRPr lang="en-US" sz="1800" b="0" strike="noStrike" spc="-1">
+              <a:solidFill>
+                <a:srgbClr val="000000"/>
+              </a:solidFill>
+              <a:uFill>
+                <a:solidFill>
+                  <a:srgbClr val="FFFFFF"/>
                 </a:solidFill>
               </a:uFill>
               <a:latin typeface="Arial"/>
@@ -8852,22 +9352,25 @@
       </p:sp>
     </p:spTree>
   </p:cSld>
+  <p:clrMapOvr>
+    <a:masterClrMapping/>
+  </p:clrMapOvr>
   <p:timing>
     <p:tnLst>
       <p:par>
-        <p:cTn id="15" dur="indefinite" restart="never" nodeType="tmRoot">
+        <p:cTn id="1" dur="indefinite" restart="never" nodeType="tmRoot">
           <p:childTnLst>
             <p:seq>
-              <p:cTn id="16" nodeType="mainSeq"/>
+              <p:cTn id="2" nodeType="mainSeq"/>
               <p:prevCondLst>
-                <p:cond delay="0" evt="onPrev">
+                <p:cond evt="onPrev" delay="0">
                   <p:tgtEl>
                     <p:sldTgt/>
                   </p:tgtEl>
                 </p:cond>
               </p:prevCondLst>
               <p:nextCondLst>
-                <p:cond delay="0" evt="onNext">
+                <p:cond evt="onNext" delay="0">
                   <p:tgtEl>
                     <p:sldTgt/>
                   </p:tgtEl>
@@ -9102,6 +9605,8 @@
       </a:bgFillStyleLst>
     </a:fmtScheme>
   </a:themeElements>
+  <a:objectDefaults/>
+  <a:extraClrSchemeLst/>
 </a:theme>
 </file>
 
@@ -9325,5 +9830,7 @@
       </a:bgFillStyleLst>
     </a:fmtScheme>
   </a:themeElements>
+  <a:objectDefaults/>
+  <a:extraClrSchemeLst/>
 </a:theme>
 </file>